--- a/Power Point Presentation.pptx
+++ b/Power Point Presentation.pptx
@@ -5,15 +5,17 @@
     <p:sldMasterId id="2147483660" r:id="rId1"/>
   </p:sldMasterIdLst>
   <p:notesMasterIdLst>
-    <p:notesMasterId r:id="rId8"/>
+    <p:notesMasterId r:id="rId10"/>
   </p:notesMasterIdLst>
   <p:sldIdLst>
     <p:sldId id="256" r:id="rId2"/>
     <p:sldId id="257" r:id="rId3"/>
     <p:sldId id="258" r:id="rId4"/>
-    <p:sldId id="261" r:id="rId5"/>
+    <p:sldId id="262" r:id="rId5"/>
     <p:sldId id="259" r:id="rId6"/>
-    <p:sldId id="260" r:id="rId7"/>
+    <p:sldId id="263" r:id="rId7"/>
+    <p:sldId id="264" r:id="rId8"/>
+    <p:sldId id="261" r:id="rId9"/>
   </p:sldIdLst>
   <p:sldSz cx="9144000" cy="6858000" type="screen4x3"/>
   <p:notesSz cx="6858000" cy="9144000"/>
@@ -112,6 +114,22 @@
       </a:defRPr>
     </a:lvl9pPr>
   </p:defaultTextStyle>
+  <p:extLst>
+    <p:ext uri="{EFAFB233-063F-42B5-8137-9DF3F51BA10A}">
+      <p15:sldGuideLst xmlns:p15="http://schemas.microsoft.com/office/powerpoint/2012/main">
+        <p15:guide id="1" orient="horz" pos="2160">
+          <p15:clr>
+            <a:srgbClr val="A4A3A4"/>
+          </p15:clr>
+        </p15:guide>
+        <p15:guide id="2" pos="2880">
+          <p15:clr>
+            <a:srgbClr val="A4A3A4"/>
+          </p15:clr>
+        </p15:guide>
+      </p15:sldGuideLst>
+    </p:ext>
+  </p:extLst>
 </p:presentation>
 </file>
 
@@ -197,7 +215,7 @@
           <a:p>
             <a:fld id="{DE3F6151-9474-C843-8162-F934CDE5A86C}" type="datetimeFigureOut">
               <a:rPr lang="en-US" smtClean="0"/>
-              <a:t>2/16/16</a:t>
+              <a:t>2/20/2016</a:t>
             </a:fld>
             <a:endParaRPr lang="en-US"/>
           </a:p>
@@ -972,7 +990,7 @@
           <a:p>
             <a:fld id="{651A0C47-018D-4460-B945-BFF7981B6CA6}" type="datetimeFigureOut">
               <a:rPr lang="en-US" smtClean="0"/>
-              <a:t>2/16/16</a:t>
+              <a:t>2/20/2016</a:t>
             </a:fld>
             <a:endParaRPr lang="en-US"/>
           </a:p>
@@ -1304,7 +1322,7 @@
           <a:p>
             <a:fld id="{651A0C47-018D-4460-B945-BFF7981B6CA6}" type="datetimeFigureOut">
               <a:rPr lang="en-US" smtClean="0"/>
-              <a:t>2/16/16</a:t>
+              <a:t>2/20/2016</a:t>
             </a:fld>
             <a:endParaRPr lang="en-US"/>
           </a:p>
@@ -1636,7 +1654,7 @@
           <a:p>
             <a:fld id="{651A0C47-018D-4460-B945-BFF7981B6CA6}" type="datetimeFigureOut">
               <a:rPr lang="en-US" smtClean="0"/>
-              <a:t>2/16/16</a:t>
+              <a:t>2/20/2016</a:t>
             </a:fld>
             <a:endParaRPr lang="en-US"/>
           </a:p>
@@ -1968,7 +1986,7 @@
           <a:p>
             <a:fld id="{651A0C47-018D-4460-B945-BFF7981B6CA6}" type="datetimeFigureOut">
               <a:rPr lang="en-US" smtClean="0"/>
-              <a:t>2/16/16</a:t>
+              <a:t>2/20/2016</a:t>
             </a:fld>
             <a:endParaRPr lang="en-US"/>
           </a:p>
@@ -2657,7 +2675,7 @@
           <a:p>
             <a:fld id="{651A0C47-018D-4460-B945-BFF7981B6CA6}" type="datetimeFigureOut">
               <a:rPr lang="en-US" smtClean="0"/>
-              <a:t>2/16/16</a:t>
+              <a:t>2/20/2016</a:t>
             </a:fld>
             <a:endParaRPr lang="en-US"/>
           </a:p>
@@ -2836,7 +2854,7 @@
           <a:p>
             <a:fld id="{651A0C47-018D-4460-B945-BFF7981B6CA6}" type="datetimeFigureOut">
               <a:rPr lang="en-US" smtClean="0"/>
-              <a:t>2/16/16</a:t>
+              <a:t>2/20/2016</a:t>
             </a:fld>
             <a:endParaRPr lang="en-US"/>
           </a:p>
@@ -3010,7 +3028,7 @@
           <a:p>
             <a:fld id="{651A0C47-018D-4460-B945-BFF7981B6CA6}" type="datetimeFigureOut">
               <a:rPr lang="en-US" smtClean="0"/>
-              <a:t>2/16/16</a:t>
+              <a:t>2/20/2016</a:t>
             </a:fld>
             <a:endParaRPr lang="en-US"/>
           </a:p>
@@ -3258,7 +3276,7 @@
           <a:p>
             <a:fld id="{651A0C47-018D-4460-B945-BFF7981B6CA6}" type="datetimeFigureOut">
               <a:rPr lang="en-US" smtClean="0"/>
-              <a:t>2/16/16</a:t>
+              <a:t>2/20/2016</a:t>
             </a:fld>
             <a:endParaRPr lang="en-US"/>
           </a:p>
@@ -3588,7 +3606,7 @@
           <a:p>
             <a:fld id="{651A0C47-018D-4460-B945-BFF7981B6CA6}" type="datetimeFigureOut">
               <a:rPr lang="en-US" smtClean="0"/>
-              <a:t>2/16/16</a:t>
+              <a:t>2/20/2016</a:t>
             </a:fld>
             <a:endParaRPr lang="en-US"/>
           </a:p>
@@ -3880,7 +3898,7 @@
           <a:p>
             <a:fld id="{651A0C47-018D-4460-B945-BFF7981B6CA6}" type="datetimeFigureOut">
               <a:rPr lang="en-US" smtClean="0"/>
-              <a:t>2/16/16</a:t>
+              <a:t>2/20/2016</a:t>
             </a:fld>
             <a:endParaRPr lang="en-US"/>
           </a:p>
@@ -4316,7 +4334,7 @@
           <a:p>
             <a:fld id="{651A0C47-018D-4460-B945-BFF7981B6CA6}" type="datetimeFigureOut">
               <a:rPr lang="en-US" smtClean="0"/>
-              <a:t>2/16/16</a:t>
+              <a:t>2/20/2016</a:t>
             </a:fld>
             <a:endParaRPr lang="en-US"/>
           </a:p>
@@ -4503,7 +4521,7 @@
           <a:p>
             <a:fld id="{651A0C47-018D-4460-B945-BFF7981B6CA6}" type="datetimeFigureOut">
               <a:rPr lang="en-US" smtClean="0"/>
-              <a:t>2/16/16</a:t>
+              <a:t>2/20/2016</a:t>
             </a:fld>
             <a:endParaRPr lang="en-US"/>
           </a:p>
@@ -4593,7 +4611,7 @@
           <a:p>
             <a:fld id="{651A0C47-018D-4460-B945-BFF7981B6CA6}" type="datetimeFigureOut">
               <a:rPr lang="en-US" smtClean="0"/>
-              <a:t>2/16/16</a:t>
+              <a:t>2/20/2016</a:t>
             </a:fld>
             <a:endParaRPr lang="en-US"/>
           </a:p>
@@ -4874,7 +4892,7 @@
           <a:p>
             <a:fld id="{651A0C47-018D-4460-B945-BFF7981B6CA6}" type="datetimeFigureOut">
               <a:rPr lang="en-US" smtClean="0"/>
-              <a:t>2/16/16</a:t>
+              <a:t>2/20/2016</a:t>
             </a:fld>
             <a:endParaRPr lang="en-US"/>
           </a:p>
@@ -5089,7 +5107,7 @@
           <a:p>
             <a:fld id="{651A0C47-018D-4460-B945-BFF7981B6CA6}" type="datetimeFigureOut">
               <a:rPr lang="en-US" smtClean="0"/>
-              <a:t>2/16/16</a:t>
+              <a:t>2/20/2016</a:t>
             </a:fld>
             <a:endParaRPr lang="en-US"/>
           </a:p>
@@ -5690,34 +5708,34 @@
               <a:buNone/>
             </a:pPr>
             <a:r>
-              <a:rPr lang="en-US" smtClean="0">
+              <a:rPr lang="en-US" dirty="0" smtClean="0">
+                <a:effectLst/>
+              </a:rPr>
+              <a:t> Tic Tac Toe is a </a:t>
+            </a:r>
+            <a:r>
+              <a:rPr lang="en-US" dirty="0">
+                <a:effectLst/>
+              </a:rPr>
+              <a:t>game that is played with two players, X and O, who take turns marking spaces usually in a </a:t>
+            </a:r>
+            <a:r>
+              <a:rPr lang="en-US" dirty="0" smtClean="0">
+                <a:effectLst/>
+              </a:rPr>
+              <a:t>3X3</a:t>
+            </a:r>
+            <a:r>
+              <a:rPr lang="en-US" dirty="0" smtClean="0">
                 <a:effectLst/>
               </a:rPr>
               <a:t> </a:t>
             </a:r>
             <a:r>
-              <a:rPr lang="en-US" dirty="0" smtClean="0">
-                <a:effectLst/>
-              </a:rPr>
-              <a:t>Tic </a:t>
-            </a:r>
-            <a:r>
-              <a:rPr lang="en-US" dirty="0" err="1" smtClean="0">
-                <a:effectLst/>
-              </a:rPr>
-              <a:t>Tac</a:t>
-            </a:r>
-            <a:r>
-              <a:rPr lang="en-US" dirty="0" smtClean="0">
-                <a:effectLst/>
-              </a:rPr>
-              <a:t> Toe is a </a:t>
-            </a:r>
-            <a:r>
               <a:rPr lang="en-US" dirty="0">
                 <a:effectLst/>
               </a:rPr>
-              <a:t>game that is played with two players, X and O, who take turns marking spaces usually in a 5x5 grid</a:t>
+              <a:t>grid</a:t>
             </a:r>
             <a:r>
               <a:rPr lang="en-US" dirty="0" smtClean="0">
@@ -5734,7 +5752,13 @@
               <a:rPr lang="en-US" dirty="0" smtClean="0">
                 <a:effectLst/>
               </a:rPr>
-              <a:t>For this project the game will be change from its most common size 3x3 to a 6x6 introducing this way more challenge to players.</a:t>
+              <a:t>For this project the game will be change from its most common size 3x3 to a 6x6 </a:t>
+            </a:r>
+            <a:r>
+              <a:rPr lang="en-US" dirty="0" smtClean="0">
+                <a:effectLst/>
+              </a:rPr>
+              <a:t>with 4 squares require to win rather than 3.</a:t>
             </a:r>
             <a:endParaRPr lang="en-US" dirty="0">
               <a:effectLst/>
@@ -5749,6 +5773,18 @@
                 <a:effectLst/>
               </a:rPr>
               <a:t> </a:t>
+            </a:r>
+            <a:r>
+              <a:rPr lang="en-US" dirty="0">
+                <a:effectLst/>
+              </a:rPr>
+              <a:t>I</a:t>
+            </a:r>
+            <a:r>
+              <a:rPr lang="en-US" dirty="0" smtClean="0">
+                <a:effectLst/>
+              </a:rPr>
+              <a:t>n conclusion 6X6X4</a:t>
             </a:r>
             <a:endParaRPr lang="en-US" dirty="0"/>
           </a:p>
@@ -5800,8 +5836,16 @@
           <a:lstStyle/>
           <a:p>
             <a:r>
+              <a:rPr lang="en-US" b="1" dirty="0"/>
+              <a:t>P</a:t>
+            </a:r>
+            <a:r>
               <a:rPr lang="en-US" b="1" dirty="0" smtClean="0"/>
-              <a:t>Functional Requirements </a:t>
+              <a:t>urpose</a:t>
+            </a:r>
+            <a:r>
+              <a:rPr lang="en-US" b="1" dirty="0" smtClean="0"/>
+              <a:t> of the Game</a:t>
             </a:r>
             <a:endParaRPr lang="en-US" b="1" dirty="0"/>
           </a:p>
@@ -5824,78 +5868,75 @@
           </a:bodyPr>
           <a:lstStyle/>
           <a:p>
+            <a:pPr>
+              <a:buFont typeface="Arial" panose="020B0604020202020204" pitchFamily="34" charset="0"/>
+              <a:buChar char="•"/>
+            </a:pPr>
             <a:r>
               <a:rPr lang="en-US" dirty="0" smtClean="0"/>
-              <a:t>Use Case 1:</a:t>
-            </a:r>
-          </a:p>
-          <a:p>
-            <a:pPr lvl="5">
-              <a:buFont typeface="Wingdings" charset="2"/>
-              <a:buChar char="u"/>
+              <a:t>The purpose of the game is to win against a player or an Artificial intelligence.</a:t>
+            </a:r>
+          </a:p>
+          <a:p>
+            <a:pPr>
+              <a:buFont typeface="Arial" panose="020B0604020202020204" pitchFamily="34" charset="0"/>
+              <a:buChar char="•"/>
             </a:pPr>
             <a:r>
               <a:rPr lang="en-US" dirty="0" smtClean="0"/>
-              <a:t>Goals of actor: To play the game during downtime, to be entertained and to win the game. </a:t>
-            </a:r>
-          </a:p>
-          <a:p>
-            <a:pPr lvl="5">
-              <a:buFont typeface="Wingdings" charset="2"/>
-              <a:buChar char="u"/>
+              <a:t>To win, the player with most 4 square lined up wins:</a:t>
+            </a:r>
+          </a:p>
+          <a:p>
+            <a:pPr lvl="1">
+              <a:buFont typeface="Arial" panose="020B0604020202020204" pitchFamily="34" charset="0"/>
+              <a:buChar char="•"/>
             </a:pPr>
-            <a:endParaRPr lang="en-US" dirty="0"/>
-          </a:p>
-          <a:p>
-            <a:pPr lvl="5">
-              <a:buFont typeface="Wingdings" charset="2"/>
-              <a:buChar char="u"/>
+            <a:r>
+              <a:rPr lang="en-US" dirty="0" smtClean="0"/>
+              <a:t>Vertically</a:t>
+            </a:r>
+          </a:p>
+          <a:p>
+            <a:pPr lvl="1">
+              <a:buFont typeface="Arial" panose="020B0604020202020204" pitchFamily="34" charset="0"/>
+              <a:buChar char="•"/>
             </a:pPr>
             <a:r>
-              <a:rPr lang="en-US" dirty="0"/>
-              <a:t>Task: The game user starts a game. The system should create a game for the player so he/she can choose an opponent or play against the PC also allowing the user to pick the difficulty level and start a new game. </a:t>
-            </a:r>
-          </a:p>
-          <a:p>
-            <a:pPr lvl="5">
-              <a:buFont typeface="Wingdings" charset="2"/>
-              <a:buChar char="u"/>
+              <a:rPr lang="en-US" dirty="0" smtClean="0"/>
+              <a:t>Horizontally</a:t>
+            </a:r>
+          </a:p>
+          <a:p>
+            <a:pPr lvl="1">
+              <a:buFont typeface="Arial" panose="020B0604020202020204" pitchFamily="34" charset="0"/>
+              <a:buChar char="•"/>
             </a:pPr>
-            <a:endParaRPr lang="en-US" dirty="0"/>
-          </a:p>
-          <a:p>
-            <a:pPr lvl="5">
-              <a:buFont typeface="Wingdings" charset="2"/>
-              <a:buChar char="u"/>
+            <a:r>
+              <a:rPr lang="en-US" dirty="0" smtClean="0"/>
+              <a:t>diagonal.</a:t>
+            </a:r>
+          </a:p>
+          <a:p>
+            <a:pPr>
+              <a:buFont typeface="Arial" panose="020B0604020202020204" pitchFamily="34" charset="0"/>
+              <a:buChar char="•"/>
             </a:pPr>
             <a:r>
-              <a:rPr lang="en-US" dirty="0"/>
-              <a:t>Preconditions :Clean game </a:t>
-            </a:r>
-          </a:p>
-          <a:p>
-            <a:pPr lvl="5">
-              <a:buFont typeface="Wingdings" charset="2"/>
-              <a:buChar char="u"/>
+              <a:rPr lang="en-US" dirty="0" smtClean="0"/>
+              <a:t>Winner will be determine after the board is filled up.</a:t>
+            </a:r>
+          </a:p>
+          <a:p>
+            <a:pPr>
+              <a:buFont typeface="Arial" panose="020B0604020202020204" pitchFamily="34" charset="0"/>
+              <a:buChar char="•"/>
             </a:pPr>
-            <a:endParaRPr lang="en-US" dirty="0"/>
-          </a:p>
-          <a:p>
-            <a:pPr lvl="5">
-              <a:buFont typeface="Wingdings" charset="2"/>
-              <a:buChar char="u"/>
-            </a:pPr>
-            <a:r>
-              <a:rPr lang="en-US" dirty="0"/>
-              <a:t>Exceptions: If a game is already in process, the application will show an error message</a:t>
-            </a:r>
-            <a:r>
-              <a:rPr lang="en-US" dirty="0">
-                <a:effectLst/>
-              </a:rPr>
-              <a:t>. </a:t>
-            </a:r>
-            <a:endParaRPr lang="en-US" dirty="0"/>
+            <a:r>
+              <a:rPr lang="en-US" dirty="0" smtClean="0"/>
+              <a:t>Have fun playing </a:t>
+            </a:r>
+            <a:endParaRPr lang="en-US" dirty="0" smtClean="0"/>
           </a:p>
         </p:txBody>
       </p:sp>
@@ -5946,46 +5987,74 @@
           <a:p>
             <a:r>
               <a:rPr lang="en-US" dirty="0" smtClean="0"/>
-              <a:t>UML Diagram</a:t>
+              <a:t>How the game will work</a:t>
             </a:r>
             <a:endParaRPr lang="en-US" dirty="0"/>
           </a:p>
         </p:txBody>
       </p:sp>
-      <p:pic>
-        <p:nvPicPr>
-          <p:cNvPr id="6" name="Picture 5" descr="Screen Shot 2016-02-16 at 12.43.06 PM.png"/>
-          <p:cNvPicPr>
-            <a:picLocks noChangeAspect="1"/>
-          </p:cNvPicPr>
-          <p:nvPr/>
-        </p:nvPicPr>
-        <p:blipFill>
-          <a:blip r:embed="rId2">
-            <a:extLst>
-              <a:ext uri="{28A0092B-C50C-407E-A947-70E740481C1C}">
-                <a14:useLocalDpi xmlns:a14="http://schemas.microsoft.com/office/drawing/2010/main" val="0"/>
-              </a:ext>
-            </a:extLst>
-          </a:blip>
-          <a:stretch>
-            <a:fillRect/>
-          </a:stretch>
-        </p:blipFill>
-        <p:spPr>
-          <a:xfrm>
-            <a:off x="658160" y="1269430"/>
-            <a:ext cx="7823200" cy="5422900"/>
-          </a:xfrm>
-          <a:prstGeom prst="rect">
-            <a:avLst/>
-          </a:prstGeom>
-        </p:spPr>
-      </p:pic>
+      <p:sp>
+        <p:nvSpPr>
+          <p:cNvPr id="3" name="Content Placeholder 2"/>
+          <p:cNvSpPr>
+            <a:spLocks noGrp="1"/>
+          </p:cNvSpPr>
+          <p:nvPr>
+            <p:ph idx="1"/>
+          </p:nvPr>
+        </p:nvSpPr>
+        <p:spPr/>
+        <p:txBody>
+          <a:bodyPr>
+            <a:normAutofit/>
+          </a:bodyPr>
+          <a:lstStyle/>
+          <a:p>
+            <a:pPr>
+              <a:buFont typeface="Arial" panose="020B0604020202020204" pitchFamily="34" charset="0"/>
+              <a:buChar char="•"/>
+            </a:pPr>
+            <a:r>
+              <a:rPr lang="en-US" sz="2800" dirty="0" smtClean="0"/>
+              <a:t>At the start of the game, you will be given a menu</a:t>
+            </a:r>
+          </a:p>
+          <a:p>
+            <a:pPr>
+              <a:buFont typeface="Arial" panose="020B0604020202020204" pitchFamily="34" charset="0"/>
+              <a:buChar char="•"/>
+            </a:pPr>
+            <a:r>
+              <a:rPr lang="en-US" sz="2800" dirty="0" smtClean="0"/>
+              <a:t>This menu will show you a log on screen</a:t>
+            </a:r>
+          </a:p>
+          <a:p>
+            <a:pPr>
+              <a:buFont typeface="Arial" panose="020B0604020202020204" pitchFamily="34" charset="0"/>
+              <a:buChar char="•"/>
+            </a:pPr>
+            <a:r>
+              <a:rPr lang="en-US" sz="2800" dirty="0" smtClean="0"/>
+              <a:t>User can sign in or pick to sign up.</a:t>
+            </a:r>
+          </a:p>
+          <a:p>
+            <a:pPr>
+              <a:buFont typeface="Arial" panose="020B0604020202020204" pitchFamily="34" charset="0"/>
+              <a:buChar char="•"/>
+            </a:pPr>
+            <a:r>
+              <a:rPr lang="en-US" sz="2800" dirty="0" smtClean="0"/>
+              <a:t>Once you have your username or already have one, the game will begin</a:t>
+            </a:r>
+          </a:p>
+        </p:txBody>
+      </p:sp>
     </p:spTree>
     <p:extLst>
       <p:ext uri="{BB962C8B-B14F-4D97-AF65-F5344CB8AC3E}">
-        <p14:creationId xmlns:p14="http://schemas.microsoft.com/office/powerpoint/2010/main" val="2332235830"/>
+        <p14:creationId xmlns:p14="http://schemas.microsoft.com/office/powerpoint/2010/main" val="2756794423"/>
       </p:ext>
     </p:extLst>
   </p:cSld>
@@ -6029,7 +6098,7 @@
           <a:p>
             <a:r>
               <a:rPr lang="en-US" dirty="0" smtClean="0"/>
-              <a:t>Functional Requirements </a:t>
+              <a:t>User Requirement</a:t>
             </a:r>
             <a:endParaRPr lang="en-US" dirty="0"/>
           </a:p>
@@ -6054,8 +6123,13 @@
           <a:p>
             <a:r>
               <a:rPr lang="en-US" dirty="0" smtClean="0"/>
-              <a:t>Use Case 1:</a:t>
-            </a:r>
+              <a:t>user requirement</a:t>
+            </a:r>
+            <a:r>
+              <a:rPr lang="en-US" dirty="0" smtClean="0"/>
+              <a:t>:</a:t>
+            </a:r>
+            <a:endParaRPr lang="en-US" dirty="0" smtClean="0"/>
           </a:p>
           <a:p>
             <a:pPr lvl="5">
@@ -6063,16 +6137,17 @@
               <a:buChar char="u"/>
             </a:pPr>
             <a:r>
-              <a:rPr lang="en-US" dirty="0"/>
-              <a:t>Goals of actor: Register the user name . </a:t>
-            </a:r>
+              <a:rPr lang="en-US" sz="2800" dirty="0" smtClean="0"/>
+              <a:t>Login in as a user in order to play</a:t>
+            </a:r>
+            <a:endParaRPr lang="en-US" sz="2800" dirty="0" smtClean="0"/>
           </a:p>
           <a:p>
             <a:pPr lvl="5">
               <a:buFont typeface="Wingdings" charset="2"/>
               <a:buChar char="u"/>
             </a:pPr>
-            <a:endParaRPr lang="en-US" dirty="0"/>
+            <a:endParaRPr lang="en-US" sz="2800" dirty="0"/>
           </a:p>
           <a:p>
             <a:pPr lvl="5">
@@ -6080,43 +6155,26 @@
               <a:buChar char="u"/>
             </a:pPr>
             <a:r>
-              <a:rPr lang="en-US" dirty="0"/>
-              <a:t>Task: Register user name to log into the game and be able to play. </a:t>
-            </a:r>
+              <a:rPr lang="en-US" sz="2800" dirty="0" smtClean="0"/>
+              <a:t>Game starts as a player vs another Player</a:t>
+            </a:r>
+          </a:p>
+          <a:p>
+            <a:pPr marL="1719263" lvl="5" indent="0">
+              <a:buNone/>
+            </a:pPr>
+            <a:endParaRPr lang="en-US" sz="2800" dirty="0" smtClean="0"/>
           </a:p>
           <a:p>
             <a:pPr lvl="5">
               <a:buFont typeface="Wingdings" charset="2"/>
               <a:buChar char="u"/>
             </a:pPr>
-            <a:endParaRPr lang="en-US" dirty="0"/>
-          </a:p>
-          <a:p>
-            <a:pPr lvl="5">
-              <a:buFont typeface="Wingdings" charset="2"/>
-              <a:buChar char="u"/>
-            </a:pPr>
-            <a:r>
-              <a:rPr lang="en-US" dirty="0"/>
-              <a:t>Preconditions :No registered user name </a:t>
-            </a:r>
-          </a:p>
-          <a:p>
-            <a:pPr lvl="5">
-              <a:buFont typeface="Wingdings" charset="2"/>
-              <a:buChar char="u"/>
-            </a:pPr>
-            <a:endParaRPr lang="en-US" dirty="0"/>
-          </a:p>
-          <a:p>
-            <a:pPr lvl="5">
-              <a:buFont typeface="Wingdings" charset="2"/>
-              <a:buChar char="u"/>
-            </a:pPr>
-            <a:r>
-              <a:rPr lang="en-US" dirty="0"/>
-              <a:t>Exceptions: Display error message if user name is already taken. </a:t>
-            </a:r>
+            <a:r>
+              <a:rPr lang="en-US" sz="2800" dirty="0" smtClean="0"/>
+              <a:t>Update score as users have aligned squares</a:t>
+            </a:r>
+            <a:endParaRPr lang="en-US" sz="2800" dirty="0" smtClean="0"/>
           </a:p>
         </p:txBody>
       </p:sp>
@@ -6162,16 +6220,14 @@
         </p:nvSpPr>
         <p:spPr/>
         <p:txBody>
-          <a:bodyPr>
-            <a:normAutofit fontScale="90000"/>
-          </a:bodyPr>
+          <a:bodyPr/>
           <a:lstStyle/>
           <a:p>
             <a:r>
-              <a:rPr lang="en-US" b="1" dirty="0" smtClean="0"/>
-              <a:t>Non-Functional Requirements </a:t>
-            </a:r>
-            <a:endParaRPr lang="en-US" b="1" dirty="0"/>
+              <a:rPr lang="en-US" dirty="0" smtClean="0"/>
+              <a:t>New User Requirement</a:t>
+            </a:r>
+            <a:endParaRPr lang="en-US" dirty="0"/>
           </a:p>
         </p:txBody>
       </p:sp>
@@ -6185,93 +6241,74 @@
             <p:ph idx="1"/>
           </p:nvPr>
         </p:nvSpPr>
-        <p:spPr>
-          <a:xfrm>
-            <a:off x="685800" y="1339157"/>
-            <a:ext cx="7770813" cy="4787006"/>
-          </a:xfrm>
-        </p:spPr>
-        <p:txBody>
-          <a:bodyPr>
-            <a:normAutofit fontScale="85000" lnSpcReduction="20000"/>
-          </a:bodyPr>
+        <p:spPr/>
+        <p:txBody>
+          <a:bodyPr/>
           <a:lstStyle/>
           <a:p>
-            <a:pPr marL="0" indent="0">
-              <a:buNone/>
+            <a:r>
+              <a:rPr lang="en-US" dirty="0" smtClean="0"/>
+              <a:t>New User Requirement</a:t>
+            </a:r>
+            <a:r>
+              <a:rPr lang="en-US" dirty="0"/>
+              <a:t>:</a:t>
+            </a:r>
+          </a:p>
+          <a:p>
+            <a:pPr lvl="5">
+              <a:buFont typeface="Wingdings" charset="2"/>
+              <a:buChar char="u"/>
             </a:pPr>
             <a:r>
-              <a:rPr lang="en-US" sz="2400" b="1" dirty="0" smtClean="0"/>
-              <a:t>Cost constraints</a:t>
-            </a:r>
-          </a:p>
-          <a:p>
-            <a:pPr marL="0" indent="0">
-              <a:buNone/>
+              <a:rPr lang="en-US" sz="2800" dirty="0"/>
+              <a:t>Register the user in order to login</a:t>
+            </a:r>
+          </a:p>
+          <a:p>
+            <a:pPr lvl="5">
+              <a:buFont typeface="Wingdings" charset="2"/>
+              <a:buChar char="u"/>
             </a:pPr>
-            <a:r>
-              <a:rPr lang="en-US" sz="2400" dirty="0"/>
-              <a:t>No cost constraints are foreseeable in the near future.</a:t>
-            </a:r>
-          </a:p>
-          <a:p>
-            <a:pPr marL="0" indent="0">
-              <a:buNone/>
+            <a:endParaRPr lang="en-US" sz="2800" dirty="0"/>
+          </a:p>
+          <a:p>
+            <a:pPr lvl="5">
+              <a:buFont typeface="Wingdings" charset="2"/>
+              <a:buChar char="u"/>
             </a:pPr>
             <a:r>
-              <a:rPr lang="en-US" sz="2400" dirty="0"/>
-              <a:t>The project has a budget of $48,000.00 the monthly maintenance cost should not exceed $280.00 a month.</a:t>
-            </a:r>
-          </a:p>
-          <a:p>
-            <a:pPr marL="0" indent="0">
+              <a:rPr lang="en-US" sz="2800" dirty="0" smtClean="0"/>
+              <a:t> Game starts as </a:t>
+            </a:r>
+            <a:r>
+              <a:rPr lang="en-US" sz="2800" dirty="0"/>
+              <a:t>player </a:t>
+            </a:r>
+            <a:r>
+              <a:rPr lang="en-US" sz="2800" dirty="0" smtClean="0"/>
+              <a:t>vs </a:t>
+            </a:r>
+            <a:r>
+              <a:rPr lang="en-US" sz="2800" dirty="0"/>
+              <a:t>Player</a:t>
+            </a:r>
+          </a:p>
+          <a:p>
+            <a:pPr marL="1719263" lvl="5" indent="0">
               <a:buNone/>
             </a:pPr>
-            <a:r>
-              <a:rPr lang="en-US" sz="2400" b="1" dirty="0"/>
-              <a:t> Reliability </a:t>
-            </a:r>
-          </a:p>
-          <a:p>
-            <a:pPr marL="0" indent="0">
-              <a:buNone/>
+            <a:endParaRPr lang="en-US" sz="2800" dirty="0"/>
+          </a:p>
+          <a:p>
+            <a:pPr lvl="5">
+              <a:buFont typeface="Wingdings" charset="2"/>
+              <a:buChar char="u"/>
             </a:pPr>
             <a:r>
-              <a:rPr lang="en-US" sz="2400" dirty="0"/>
-              <a:t>The software should be usable, without any operational faults, for the period of time between its deployment and the following three years.</a:t>
-            </a:r>
-          </a:p>
-          <a:p>
-            <a:pPr marL="0" indent="0">
-              <a:buNone/>
-            </a:pPr>
-            <a:r>
-              <a:rPr lang="en-US" sz="2400" b="1" dirty="0"/>
-              <a:t>Time Constraints </a:t>
-            </a:r>
-          </a:p>
-          <a:p>
-            <a:pPr marL="0" indent="0">
-              <a:buNone/>
-            </a:pPr>
-            <a:r>
-              <a:rPr lang="en-US" sz="2400" dirty="0"/>
-              <a:t>Most meetings took place either after CS 3420 class and/or in Google Hangouts, Skype calls, and email in order to accommodate all group members with good schedules where we could all meet without running into any time constraints whilst building the application and filling out the required documents for the project </a:t>
-            </a:r>
-          </a:p>
-          <a:p>
-            <a:pPr marL="0" indent="0">
-              <a:buNone/>
-            </a:pPr>
-            <a:endParaRPr lang="en-US" dirty="0">
-              <a:effectLst/>
-            </a:endParaRPr>
-          </a:p>
-          <a:p>
-            <a:pPr marL="0" indent="0">
-              <a:buNone/>
-            </a:pPr>
-            <a:endParaRPr lang="en-US" dirty="0" smtClean="0"/>
+              <a:rPr lang="en-US" sz="2800" dirty="0"/>
+              <a:t>Update score as users have aligned squares</a:t>
+            </a:r>
           </a:p>
           <a:p>
             <a:endParaRPr lang="en-US" dirty="0"/>
@@ -6281,7 +6318,225 @@
     </p:spTree>
     <p:extLst>
       <p:ext uri="{BB962C8B-B14F-4D97-AF65-F5344CB8AC3E}">
-        <p14:creationId xmlns:p14="http://schemas.microsoft.com/office/powerpoint/2010/main" val="3132705479"/>
+        <p14:creationId xmlns:p14="http://schemas.microsoft.com/office/powerpoint/2010/main" val="1250212995"/>
+      </p:ext>
+    </p:extLst>
+  </p:cSld>
+  <p:clrMapOvr>
+    <a:masterClrMapping/>
+  </p:clrMapOvr>
+</p:sld>
+</file>
+
+<file path=ppt/slides/slide7.xml><?xml version="1.0" encoding="utf-8"?>
+<p:sld xmlns:a="http://schemas.openxmlformats.org/drawingml/2006/main" xmlns:r="http://schemas.openxmlformats.org/officeDocument/2006/relationships" xmlns:p="http://schemas.openxmlformats.org/presentationml/2006/main">
+  <p:cSld>
+    <p:spTree>
+      <p:nvGrpSpPr>
+        <p:cNvPr id="1" name=""/>
+        <p:cNvGrpSpPr/>
+        <p:nvPr/>
+      </p:nvGrpSpPr>
+      <p:grpSpPr>
+        <a:xfrm>
+          <a:off x="0" y="0"/>
+          <a:ext cx="0" cy="0"/>
+          <a:chOff x="0" y="0"/>
+          <a:chExt cx="0" cy="0"/>
+        </a:xfrm>
+      </p:grpSpPr>
+      <p:sp>
+        <p:nvSpPr>
+          <p:cNvPr id="2" name="Title 1"/>
+          <p:cNvSpPr>
+            <a:spLocks noGrp="1"/>
+          </p:cNvSpPr>
+          <p:nvPr>
+            <p:ph type="title"/>
+          </p:nvPr>
+        </p:nvSpPr>
+        <p:spPr/>
+        <p:txBody>
+          <a:bodyPr/>
+          <a:lstStyle/>
+          <a:p>
+            <a:r>
+              <a:rPr lang="en-US" dirty="0" smtClean="0"/>
+              <a:t>Special case of Player vs AI</a:t>
+            </a:r>
+            <a:endParaRPr lang="en-US" dirty="0"/>
+          </a:p>
+        </p:txBody>
+      </p:sp>
+      <p:sp>
+        <p:nvSpPr>
+          <p:cNvPr id="3" name="Content Placeholder 2"/>
+          <p:cNvSpPr>
+            <a:spLocks noGrp="1"/>
+          </p:cNvSpPr>
+          <p:nvPr>
+            <p:ph idx="1"/>
+          </p:nvPr>
+        </p:nvSpPr>
+        <p:spPr/>
+        <p:txBody>
+          <a:bodyPr/>
+          <a:lstStyle/>
+          <a:p>
+            <a:r>
+              <a:rPr lang="en-US" dirty="0" smtClean="0"/>
+              <a:t>Player and AI:</a:t>
+            </a:r>
+            <a:endParaRPr lang="en-US" dirty="0"/>
+          </a:p>
+          <a:p>
+            <a:pPr lvl="5">
+              <a:buFont typeface="Wingdings" charset="2"/>
+              <a:buChar char="u"/>
+            </a:pPr>
+            <a:r>
+              <a:rPr lang="en-US" sz="2800" dirty="0" smtClean="0"/>
+              <a:t>Login as a user and Choose vs AI</a:t>
+            </a:r>
+            <a:endParaRPr lang="en-US" sz="2800" dirty="0"/>
+          </a:p>
+          <a:p>
+            <a:pPr lvl="5">
+              <a:buFont typeface="Wingdings" charset="2"/>
+              <a:buChar char="u"/>
+            </a:pPr>
+            <a:endParaRPr lang="en-US" sz="2800" dirty="0"/>
+          </a:p>
+          <a:p>
+            <a:pPr lvl="5">
+              <a:buFont typeface="Wingdings" charset="2"/>
+              <a:buChar char="u"/>
+            </a:pPr>
+            <a:r>
+              <a:rPr lang="en-US" sz="2800" dirty="0"/>
+              <a:t> Game starts as player vs </a:t>
+            </a:r>
+            <a:r>
+              <a:rPr lang="en-US" sz="2800" dirty="0" smtClean="0"/>
+              <a:t>AI</a:t>
+            </a:r>
+            <a:endParaRPr lang="en-US" sz="2800" dirty="0"/>
+          </a:p>
+          <a:p>
+            <a:pPr marL="1719263" lvl="5" indent="0">
+              <a:buNone/>
+            </a:pPr>
+            <a:endParaRPr lang="en-US" sz="2800" dirty="0"/>
+          </a:p>
+          <a:p>
+            <a:pPr lvl="5">
+              <a:buFont typeface="Wingdings" charset="2"/>
+              <a:buChar char="u"/>
+            </a:pPr>
+            <a:r>
+              <a:rPr lang="en-US" sz="2800" dirty="0"/>
+              <a:t>Update score as </a:t>
+            </a:r>
+            <a:r>
+              <a:rPr lang="en-US" sz="2800" dirty="0" smtClean="0"/>
+              <a:t>player </a:t>
+            </a:r>
+            <a:r>
+              <a:rPr lang="en-US" sz="2800" dirty="0"/>
+              <a:t>have aligned squares</a:t>
+            </a:r>
+          </a:p>
+          <a:p>
+            <a:endParaRPr lang="en-US" dirty="0"/>
+          </a:p>
+        </p:txBody>
+      </p:sp>
+    </p:spTree>
+    <p:extLst>
+      <p:ext uri="{BB962C8B-B14F-4D97-AF65-F5344CB8AC3E}">
+        <p14:creationId xmlns:p14="http://schemas.microsoft.com/office/powerpoint/2010/main" val="1106006034"/>
+      </p:ext>
+    </p:extLst>
+  </p:cSld>
+  <p:clrMapOvr>
+    <a:masterClrMapping/>
+  </p:clrMapOvr>
+</p:sld>
+</file>
+
+<file path=ppt/slides/slide8.xml><?xml version="1.0" encoding="utf-8"?>
+<p:sld xmlns:a="http://schemas.openxmlformats.org/drawingml/2006/main" xmlns:r="http://schemas.openxmlformats.org/officeDocument/2006/relationships" xmlns:p="http://schemas.openxmlformats.org/presentationml/2006/main">
+  <p:cSld>
+    <p:spTree>
+      <p:nvGrpSpPr>
+        <p:cNvPr id="1" name=""/>
+        <p:cNvGrpSpPr/>
+        <p:nvPr/>
+      </p:nvGrpSpPr>
+      <p:grpSpPr>
+        <a:xfrm>
+          <a:off x="0" y="0"/>
+          <a:ext cx="0" cy="0"/>
+          <a:chOff x="0" y="0"/>
+          <a:chExt cx="0" cy="0"/>
+        </a:xfrm>
+      </p:grpSpPr>
+      <p:sp>
+        <p:nvSpPr>
+          <p:cNvPr id="2" name="Title 1"/>
+          <p:cNvSpPr>
+            <a:spLocks noGrp="1"/>
+          </p:cNvSpPr>
+          <p:nvPr>
+            <p:ph type="title"/>
+          </p:nvPr>
+        </p:nvSpPr>
+        <p:spPr/>
+        <p:txBody>
+          <a:bodyPr/>
+          <a:lstStyle/>
+          <a:p>
+            <a:r>
+              <a:rPr lang="en-US" dirty="0" smtClean="0"/>
+              <a:t>Game flow diagram</a:t>
+            </a:r>
+            <a:endParaRPr lang="en-US" dirty="0"/>
+          </a:p>
+        </p:txBody>
+      </p:sp>
+      <p:pic>
+        <p:nvPicPr>
+          <p:cNvPr id="4" name="Content Placeholder 3"/>
+          <p:cNvPicPr>
+            <a:picLocks noGrp="1" noChangeAspect="1"/>
+          </p:cNvPicPr>
+          <p:nvPr>
+            <p:ph idx="1"/>
+          </p:nvPr>
+        </p:nvPicPr>
+        <p:blipFill>
+          <a:blip r:embed="rId2" cstate="email">
+            <a:extLst>
+              <a:ext uri="{28A0092B-C50C-407E-A947-70E740481C1C}">
+                <a14:useLocalDpi xmlns:a14="http://schemas.microsoft.com/office/drawing/2010/main" val="0"/>
+              </a:ext>
+            </a:extLst>
+          </a:blip>
+          <a:stretch>
+            <a:fillRect/>
+          </a:stretch>
+        </p:blipFill>
+        <p:spPr>
+          <a:xfrm>
+            <a:off x="1655064" y="1389888"/>
+            <a:ext cx="5422391" cy="5065776"/>
+          </a:xfrm>
+        </p:spPr>
+      </p:pic>
+    </p:spTree>
+    <p:extLst>
+      <p:ext uri="{BB962C8B-B14F-4D97-AF65-F5344CB8AC3E}">
+        <p14:creationId xmlns:p14="http://schemas.microsoft.com/office/powerpoint/2010/main" val="2332235830"/>
       </p:ext>
     </p:extLst>
   </p:cSld>

--- a/Power Point Presentation.pptx
+++ b/Power Point Presentation.pptx
@@ -5723,13 +5723,7 @@
               <a:rPr lang="en-US" dirty="0" smtClean="0">
                 <a:effectLst/>
               </a:rPr>
-              <a:t>3X3</a:t>
-            </a:r>
-            <a:r>
-              <a:rPr lang="en-US" dirty="0" smtClean="0">
-                <a:effectLst/>
-              </a:rPr>
-              <a:t> </a:t>
+              <a:t>3X3 </a:t>
             </a:r>
             <a:r>
               <a:rPr lang="en-US" dirty="0">
@@ -5752,13 +5746,7 @@
               <a:rPr lang="en-US" dirty="0" smtClean="0">
                 <a:effectLst/>
               </a:rPr>
-              <a:t>For this project the game will be change from its most common size 3x3 to a 6x6 </a:t>
-            </a:r>
-            <a:r>
-              <a:rPr lang="en-US" dirty="0" smtClean="0">
-                <a:effectLst/>
-              </a:rPr>
-              <a:t>with 4 squares require to win rather than 3.</a:t>
+              <a:t>For this project the game will be change from its most common size 3x3 to a 6x6 with 4 squares require to win rather than 3.</a:t>
             </a:r>
             <a:endParaRPr lang="en-US" dirty="0">
               <a:effectLst/>
@@ -5841,11 +5829,7 @@
             </a:r>
             <a:r>
               <a:rPr lang="en-US" b="1" dirty="0" smtClean="0"/>
-              <a:t>urpose</a:t>
-            </a:r>
-            <a:r>
-              <a:rPr lang="en-US" b="1" dirty="0" smtClean="0"/>
-              <a:t> of the Game</a:t>
+              <a:t>urpose of the Game</a:t>
             </a:r>
             <a:endParaRPr lang="en-US" b="1" dirty="0"/>
           </a:p>
@@ -5936,7 +5920,6 @@
               <a:rPr lang="en-US" dirty="0" smtClean="0"/>
               <a:t>Have fun playing </a:t>
             </a:r>
-            <a:endParaRPr lang="en-US" dirty="0" smtClean="0"/>
           </a:p>
         </p:txBody>
       </p:sp>
@@ -6123,13 +6106,8 @@
           <a:p>
             <a:r>
               <a:rPr lang="en-US" dirty="0" smtClean="0"/>
-              <a:t>user requirement</a:t>
-            </a:r>
-            <a:r>
-              <a:rPr lang="en-US" dirty="0" smtClean="0"/>
-              <a:t>:</a:t>
-            </a:r>
-            <a:endParaRPr lang="en-US" dirty="0" smtClean="0"/>
+              <a:t>user requirement:</a:t>
+            </a:r>
           </a:p>
           <a:p>
             <a:pPr lvl="5">
@@ -6140,7 +6118,6 @@
               <a:rPr lang="en-US" sz="2800" dirty="0" smtClean="0"/>
               <a:t>Login in as a user in order to play</a:t>
             </a:r>
-            <a:endParaRPr lang="en-US" sz="2800" dirty="0" smtClean="0"/>
           </a:p>
           <a:p>
             <a:pPr lvl="5">
@@ -6174,7 +6151,6 @@
               <a:rPr lang="en-US" sz="2800" dirty="0" smtClean="0"/>
               <a:t>Update score as users have aligned squares</a:t>
             </a:r>
-            <a:endParaRPr lang="en-US" sz="2800" dirty="0" smtClean="0"/>
           </a:p>
         </p:txBody>
       </p:sp>

--- a/Power Point Presentation.pptx
+++ b/Power Point Presentation.pptx
@@ -5,17 +5,18 @@
     <p:sldMasterId id="2147483660" r:id="rId1"/>
   </p:sldMasterIdLst>
   <p:notesMasterIdLst>
-    <p:notesMasterId r:id="rId10"/>
+    <p:notesMasterId r:id="rId11"/>
   </p:notesMasterIdLst>
   <p:sldIdLst>
     <p:sldId id="256" r:id="rId2"/>
     <p:sldId id="257" r:id="rId3"/>
     <p:sldId id="258" r:id="rId4"/>
     <p:sldId id="262" r:id="rId5"/>
-    <p:sldId id="259" r:id="rId6"/>
-    <p:sldId id="263" r:id="rId7"/>
-    <p:sldId id="264" r:id="rId8"/>
-    <p:sldId id="261" r:id="rId9"/>
+    <p:sldId id="263" r:id="rId6"/>
+    <p:sldId id="259" r:id="rId7"/>
+    <p:sldId id="265" r:id="rId8"/>
+    <p:sldId id="264" r:id="rId9"/>
+    <p:sldId id="261" r:id="rId10"/>
   </p:sldIdLst>
   <p:sldSz cx="9144000" cy="6858000" type="screen4x3"/>
   <p:notesSz cx="6858000" cy="9144000"/>
@@ -750,7 +751,7 @@
           <a:p>
             <a:fld id="{1DEAED7D-3573-7B43-BC8B-7F11809589D9}" type="slidenum">
               <a:rPr lang="en-US" smtClean="0"/>
-              <a:t>5</a:t>
+              <a:t>6</a:t>
             </a:fld>
             <a:endParaRPr lang="en-US"/>
           </a:p>
@@ -760,6 +761,149 @@
     <p:extLst>
       <p:ext uri="{BB962C8B-B14F-4D97-AF65-F5344CB8AC3E}">
         <p14:creationId xmlns:p14="http://schemas.microsoft.com/office/powerpoint/2010/main" val="107062810"/>
+      </p:ext>
+    </p:extLst>
+  </p:cSld>
+  <p:clrMapOvr>
+    <a:masterClrMapping/>
+  </p:clrMapOvr>
+</p:notes>
+</file>
+
+<file path=ppt/notesSlides/notesSlide3.xml><?xml version="1.0" encoding="utf-8"?>
+<p:notes xmlns:a="http://schemas.openxmlformats.org/drawingml/2006/main" xmlns:r="http://schemas.openxmlformats.org/officeDocument/2006/relationships" xmlns:p="http://schemas.openxmlformats.org/presentationml/2006/main">
+  <p:cSld>
+    <p:spTree>
+      <p:nvGrpSpPr>
+        <p:cNvPr id="1" name=""/>
+        <p:cNvGrpSpPr/>
+        <p:nvPr/>
+      </p:nvGrpSpPr>
+      <p:grpSpPr>
+        <a:xfrm>
+          <a:off x="0" y="0"/>
+          <a:ext cx="0" cy="0"/>
+          <a:chOff x="0" y="0"/>
+          <a:chExt cx="0" cy="0"/>
+        </a:xfrm>
+      </p:grpSpPr>
+      <p:sp>
+        <p:nvSpPr>
+          <p:cNvPr id="2" name="Slide Image Placeholder 1"/>
+          <p:cNvSpPr>
+            <a:spLocks noGrp="1" noRot="1" noChangeAspect="1"/>
+          </p:cNvSpPr>
+          <p:nvPr>
+            <p:ph type="sldImg"/>
+          </p:nvPr>
+        </p:nvSpPr>
+        <p:spPr/>
+      </p:sp>
+      <p:sp>
+        <p:nvSpPr>
+          <p:cNvPr id="3" name="Notes Placeholder 2"/>
+          <p:cNvSpPr>
+            <a:spLocks noGrp="1"/>
+          </p:cNvSpPr>
+          <p:nvPr>
+            <p:ph type="body" idx="1"/>
+          </p:nvPr>
+        </p:nvSpPr>
+        <p:spPr/>
+        <p:txBody>
+          <a:bodyPr/>
+          <a:lstStyle/>
+          <a:p>
+            <a:pPr marL="0" marR="0" lvl="5" indent="0" algn="l" defTabSz="457200" rtl="0" eaLnBrk="1" fontAlgn="auto" latinLnBrk="0" hangingPunct="1">
+              <a:lnSpc>
+                <a:spcPct val="100000"/>
+              </a:lnSpc>
+              <a:spcBef>
+                <a:spcPts val="0"/>
+              </a:spcBef>
+              <a:spcAft>
+                <a:spcPts val="0"/>
+              </a:spcAft>
+              <a:buClrTx/>
+              <a:buSzTx/>
+              <a:buFontTx/>
+              <a:buNone/>
+              <a:tabLst/>
+              <a:defRPr/>
+            </a:pPr>
+            <a:r>
+              <a:rPr lang="en-US" dirty="0" smtClean="0"/>
+              <a:t>GOALS:</a:t>
+            </a:r>
+            <a:r>
+              <a:rPr lang="en-US" baseline="0" dirty="0" smtClean="0"/>
+              <a:t> </a:t>
+            </a:r>
+            <a:r>
+              <a:rPr lang="en-US" dirty="0" smtClean="0"/>
+              <a:t>To play the game during downtime, to be entertained and to win the game. </a:t>
+            </a:r>
+          </a:p>
+          <a:p>
+            <a:pPr marL="0" marR="0" lvl="5" indent="0" algn="l" defTabSz="457200" rtl="0" eaLnBrk="1" fontAlgn="auto" latinLnBrk="0" hangingPunct="1">
+              <a:lnSpc>
+                <a:spcPct val="100000"/>
+              </a:lnSpc>
+              <a:spcBef>
+                <a:spcPts val="0"/>
+              </a:spcBef>
+              <a:spcAft>
+                <a:spcPts val="0"/>
+              </a:spcAft>
+              <a:buClrTx/>
+              <a:buSzTx/>
+              <a:buFontTx/>
+              <a:buNone/>
+              <a:tabLst/>
+              <a:defRPr/>
+            </a:pPr>
+            <a:r>
+              <a:rPr lang="en-US" dirty="0" smtClean="0"/>
+              <a:t>TASKS:</a:t>
+            </a:r>
+            <a:r>
+              <a:rPr lang="en-US" baseline="0" dirty="0" smtClean="0"/>
+              <a:t> </a:t>
+            </a:r>
+            <a:endParaRPr lang="en-US" dirty="0" smtClean="0"/>
+          </a:p>
+          <a:p>
+            <a:endParaRPr lang="en-US" dirty="0"/>
+          </a:p>
+        </p:txBody>
+      </p:sp>
+      <p:sp>
+        <p:nvSpPr>
+          <p:cNvPr id="4" name="Slide Number Placeholder 3"/>
+          <p:cNvSpPr>
+            <a:spLocks noGrp="1"/>
+          </p:cNvSpPr>
+          <p:nvPr>
+            <p:ph type="sldNum" sz="quarter" idx="10"/>
+          </p:nvPr>
+        </p:nvSpPr>
+        <p:spPr/>
+        <p:txBody>
+          <a:bodyPr/>
+          <a:lstStyle/>
+          <a:p>
+            <a:fld id="{1DEAED7D-3573-7B43-BC8B-7F11809589D9}" type="slidenum">
+              <a:rPr lang="en-US" smtClean="0"/>
+              <a:t>7</a:t>
+            </a:fld>
+            <a:endParaRPr lang="en-US"/>
+          </a:p>
+        </p:txBody>
+      </p:sp>
+    </p:spTree>
+    <p:extLst>
+      <p:ext uri="{BB962C8B-B14F-4D97-AF65-F5344CB8AC3E}">
+        <p14:creationId xmlns:p14="http://schemas.microsoft.com/office/powerpoint/2010/main" val="3521383861"/>
       </p:ext>
     </p:extLst>
   </p:cSld>
@@ -5646,6 +5790,13 @@
   <p:clrMapOvr>
     <a:masterClrMapping/>
   </p:clrMapOvr>
+  <p:timing>
+    <p:tnLst>
+      <p:par>
+        <p:cTn id="1" dur="indefinite" restart="never" nodeType="tmRoot"/>
+      </p:par>
+    </p:tnLst>
+  </p:timing>
 </p:sld>
 </file>
 
@@ -5772,7 +5923,13 @@
               <a:rPr lang="en-US" dirty="0" smtClean="0">
                 <a:effectLst/>
               </a:rPr>
-              <a:t>n conclusion 6X6X4</a:t>
+              <a:t>n conclusion </a:t>
+            </a:r>
+            <a:r>
+              <a:rPr lang="en-US" dirty="0" smtClean="0">
+                <a:effectLst/>
+              </a:rPr>
+              <a:t>it will be 6X6X4 version of the classic Tic Tac Toe game.</a:t>
             </a:r>
             <a:endParaRPr lang="en-US" dirty="0"/>
           </a:p>
@@ -5788,6 +5945,13 @@
   <p:clrMapOvr>
     <a:masterClrMapping/>
   </p:clrMapOvr>
+  <p:timing>
+    <p:tnLst>
+      <p:par>
+        <p:cTn id="1" dur="indefinite" restart="never" nodeType="tmRoot"/>
+      </p:par>
+    </p:tnLst>
+  </p:timing>
 </p:sld>
 </file>
 
@@ -5858,8 +6022,13 @@
             </a:pPr>
             <a:r>
               <a:rPr lang="en-US" dirty="0" smtClean="0"/>
-              <a:t>The purpose of the game is to win against a player or an Artificial intelligence.</a:t>
-            </a:r>
+              <a:t>The purpose of the game is to win against </a:t>
+            </a:r>
+            <a:r>
+              <a:rPr lang="en-US" dirty="0" smtClean="0"/>
+              <a:t>an opponent.</a:t>
+            </a:r>
+            <a:endParaRPr lang="en-US" dirty="0" smtClean="0"/>
           </a:p>
           <a:p>
             <a:pPr>
@@ -5898,8 +6067,9 @@
             </a:pPr>
             <a:r>
               <a:rPr lang="en-US" dirty="0" smtClean="0"/>
-              <a:t>diagonal.</a:t>
-            </a:r>
+              <a:t>Diagonally</a:t>
+            </a:r>
+            <a:endParaRPr lang="en-US" dirty="0" smtClean="0"/>
           </a:p>
           <a:p>
             <a:pPr>
@@ -5908,8 +6078,21 @@
             </a:pPr>
             <a:r>
               <a:rPr lang="en-US" dirty="0" smtClean="0"/>
-              <a:t>Winner will be determine after the board is filled up.</a:t>
-            </a:r>
+              <a:t>Winner will be determine </a:t>
+            </a:r>
+            <a:r>
+              <a:rPr lang="en-US" dirty="0" smtClean="0"/>
+              <a:t>once all </a:t>
+            </a:r>
+            <a:r>
+              <a:rPr lang="en-US" dirty="0" smtClean="0"/>
+              <a:t>spaces have been filled</a:t>
+            </a:r>
+            <a:r>
+              <a:rPr lang="en-US" dirty="0" smtClean="0"/>
+              <a:t>.</a:t>
+            </a:r>
+            <a:endParaRPr lang="en-US" dirty="0" smtClean="0"/>
           </a:p>
           <a:p>
             <a:pPr>
@@ -5918,8 +6101,13 @@
             </a:pPr>
             <a:r>
               <a:rPr lang="en-US" dirty="0" smtClean="0"/>
-              <a:t>Have fun playing </a:t>
-            </a:r>
+              <a:t>Have fun </a:t>
+            </a:r>
+            <a:r>
+              <a:rPr lang="en-US" dirty="0" smtClean="0"/>
+              <a:t>playing.</a:t>
+            </a:r>
+            <a:endParaRPr lang="en-US" dirty="0" smtClean="0"/>
           </a:p>
         </p:txBody>
       </p:sp>
@@ -5933,6 +6121,13 @@
   <p:clrMapOvr>
     <a:masterClrMapping/>
   </p:clrMapOvr>
+  <p:timing>
+    <p:tnLst>
+      <p:par>
+        <p:cTn id="1" dur="indefinite" restart="never" nodeType="tmRoot"/>
+      </p:par>
+    </p:tnLst>
+  </p:timing>
 </p:sld>
 </file>
 
@@ -5999,8 +6194,13 @@
             </a:pPr>
             <a:r>
               <a:rPr lang="en-US" sz="2800" dirty="0" smtClean="0"/>
-              <a:t>At the start of the game, you will be given a menu</a:t>
-            </a:r>
+              <a:t>At the start of the game, you will be </a:t>
+            </a:r>
+            <a:r>
+              <a:rPr lang="en-US" sz="2800" dirty="0" smtClean="0"/>
+              <a:t>given a login menu.</a:t>
+            </a:r>
+            <a:endParaRPr lang="en-US" sz="2800" dirty="0" smtClean="0"/>
           </a:p>
           <a:p>
             <a:pPr>
@@ -6009,8 +6209,17 @@
             </a:pPr>
             <a:r>
               <a:rPr lang="en-US" sz="2800" dirty="0" smtClean="0"/>
-              <a:t>This menu will show you a log on screen</a:t>
-            </a:r>
+              <a:t>The user </a:t>
+            </a:r>
+            <a:r>
+              <a:rPr lang="en-US" sz="2800" dirty="0" smtClean="0"/>
+              <a:t>can </a:t>
+            </a:r>
+            <a:r>
+              <a:rPr lang="en-US" sz="2800" dirty="0" smtClean="0"/>
+              <a:t>either log in or register.</a:t>
+            </a:r>
+            <a:endParaRPr lang="en-US" sz="2800" dirty="0" smtClean="0"/>
           </a:p>
           <a:p>
             <a:pPr>
@@ -6019,7 +6228,7 @@
             </a:pPr>
             <a:r>
               <a:rPr lang="en-US" sz="2800" dirty="0" smtClean="0"/>
-              <a:t>User can sign in or pick to sign up.</a:t>
+              <a:t>The user selects whether to compete against another user or the computer.</a:t>
             </a:r>
           </a:p>
           <a:p>
@@ -6029,8 +6238,9 @@
             </a:pPr>
             <a:r>
               <a:rPr lang="en-US" sz="2800" dirty="0" smtClean="0"/>
-              <a:t>Once you have your username or already have one, the game will begin</a:t>
-            </a:r>
+              <a:t>Player statistics will be saved under username.</a:t>
+            </a:r>
+            <a:endParaRPr lang="en-US" sz="2800" dirty="0" smtClean="0"/>
           </a:p>
         </p:txBody>
       </p:sp>
@@ -6044,6 +6254,13 @@
   <p:clrMapOvr>
     <a:masterClrMapping/>
   </p:clrMapOvr>
+  <p:timing>
+    <p:tnLst>
+      <p:par>
+        <p:cTn id="1" dur="indefinite" restart="never" nodeType="tmRoot"/>
+      </p:par>
+    </p:tnLst>
+  </p:timing>
 </p:sld>
 </file>
 
@@ -6081,7 +6298,11 @@
           <a:p>
             <a:r>
               <a:rPr lang="en-US" dirty="0" smtClean="0"/>
-              <a:t>User Requirement</a:t>
+              <a:t>New User </a:t>
+            </a:r>
+            <a:r>
+              <a:rPr lang="en-US" dirty="0" smtClean="0"/>
+              <a:t>Requirements</a:t>
             </a:r>
             <a:endParaRPr lang="en-US" dirty="0"/>
           </a:p>
@@ -6099,15 +6320,18 @@
         </p:nvSpPr>
         <p:spPr/>
         <p:txBody>
-          <a:bodyPr>
-            <a:normAutofit/>
-          </a:bodyPr>
+          <a:bodyPr/>
           <a:lstStyle/>
           <a:p>
             <a:r>
               <a:rPr lang="en-US" dirty="0" smtClean="0"/>
-              <a:t>user requirement:</a:t>
-            </a:r>
+              <a:t>New User </a:t>
+            </a:r>
+            <a:r>
+              <a:rPr lang="en-US" dirty="0" smtClean="0"/>
+              <a:t>Requirements:</a:t>
+            </a:r>
+            <a:endParaRPr lang="en-US" dirty="0"/>
           </a:p>
           <a:p>
             <a:pPr lvl="5">
@@ -6116,7 +6340,7 @@
             </a:pPr>
             <a:r>
               <a:rPr lang="en-US" sz="2800" dirty="0" smtClean="0"/>
-              <a:t>Login in as a user in order to play</a:t>
+              <a:t>Register user.</a:t>
             </a:r>
           </a:p>
           <a:p>
@@ -6124,7 +6348,7 @@
               <a:buFont typeface="Wingdings" charset="2"/>
               <a:buChar char="u"/>
             </a:pPr>
-            <a:endParaRPr lang="en-US" sz="2800" dirty="0"/>
+            <a:endParaRPr lang="en-US" sz="2800" dirty="0" smtClean="0"/>
           </a:p>
           <a:p>
             <a:pPr lvl="5">
@@ -6133,23 +6357,23 @@
             </a:pPr>
             <a:r>
               <a:rPr lang="en-US" sz="2800" dirty="0" smtClean="0"/>
-              <a:t>Game starts as a player vs another Player</a:t>
-            </a:r>
-          </a:p>
-          <a:p>
-            <a:pPr marL="1719263" lvl="5" indent="0">
-              <a:buNone/>
-            </a:pPr>
-            <a:endParaRPr lang="en-US" sz="2800" dirty="0" smtClean="0"/>
-          </a:p>
-          <a:p>
-            <a:pPr lvl="5">
-              <a:buFont typeface="Wingdings" charset="2"/>
-              <a:buChar char="u"/>
-            </a:pPr>
+              <a:t>Menu to choose </a:t>
+            </a:r>
+            <a:r>
+              <a:rPr lang="en-US" sz="2800" dirty="0" err="1" smtClean="0"/>
+              <a:t>PvP</a:t>
+            </a:r>
             <a:r>
               <a:rPr lang="en-US" sz="2800" dirty="0" smtClean="0"/>
-              <a:t>Update score as users have aligned squares</a:t>
+              <a:t> or </a:t>
+            </a:r>
+            <a:r>
+              <a:rPr lang="en-US" sz="2800" dirty="0" err="1" smtClean="0"/>
+              <a:t>PvE</a:t>
+            </a:r>
+            <a:r>
+              <a:rPr lang="en-US" dirty="0" smtClean="0"/>
+              <a:t>.</a:t>
             </a:r>
           </a:p>
         </p:txBody>
@@ -6157,13 +6381,20 @@
     </p:spTree>
     <p:extLst>
       <p:ext uri="{BB962C8B-B14F-4D97-AF65-F5344CB8AC3E}">
-        <p14:creationId xmlns:p14="http://schemas.microsoft.com/office/powerpoint/2010/main" val="3954287444"/>
+        <p14:creationId xmlns:p14="http://schemas.microsoft.com/office/powerpoint/2010/main" val="1250212995"/>
       </p:ext>
     </p:extLst>
   </p:cSld>
   <p:clrMapOvr>
     <a:masterClrMapping/>
   </p:clrMapOvr>
+  <p:timing>
+    <p:tnLst>
+      <p:par>
+        <p:cTn id="1" dur="indefinite" restart="never" nodeType="tmRoot"/>
+      </p:par>
+    </p:tnLst>
+  </p:timing>
 </p:sld>
 </file>
 
@@ -6201,7 +6432,7 @@
           <a:p>
             <a:r>
               <a:rPr lang="en-US" dirty="0" smtClean="0"/>
-              <a:t>New User Requirement</a:t>
+              <a:t>Existing User Requirements</a:t>
             </a:r>
             <a:endParaRPr lang="en-US" dirty="0"/>
           </a:p>
@@ -6219,17 +6450,20 @@
         </p:nvSpPr>
         <p:spPr/>
         <p:txBody>
-          <a:bodyPr/>
+          <a:bodyPr>
+            <a:normAutofit/>
+          </a:bodyPr>
           <a:lstStyle/>
           <a:p>
             <a:r>
               <a:rPr lang="en-US" dirty="0" smtClean="0"/>
-              <a:t>New User Requirement</a:t>
-            </a:r>
-            <a:r>
-              <a:rPr lang="en-US" dirty="0"/>
-              <a:t>:</a:t>
-            </a:r>
+              <a:t>Existing U</a:t>
+            </a:r>
+            <a:r>
+              <a:rPr lang="en-US" dirty="0" smtClean="0"/>
+              <a:t>ser Requirements:</a:t>
+            </a:r>
+            <a:endParaRPr lang="en-US" dirty="0" smtClean="0"/>
           </a:p>
           <a:p>
             <a:pPr lvl="5">
@@ -6237,8 +6471,12 @@
               <a:buChar char="u"/>
             </a:pPr>
             <a:r>
-              <a:rPr lang="en-US" sz="2800" dirty="0"/>
-              <a:t>Register the user in order to login</a:t>
+              <a:rPr lang="en-US" sz="2800" dirty="0" smtClean="0"/>
+              <a:t>Login and authe</a:t>
+            </a:r>
+            <a:r>
+              <a:rPr lang="en-US" sz="2800" dirty="0" smtClean="0"/>
+              <a:t>ntication.</a:t>
             </a:r>
           </a:p>
           <a:p>
@@ -6255,52 +6493,45 @@
             </a:pPr>
             <a:r>
               <a:rPr lang="en-US" sz="2800" dirty="0" smtClean="0"/>
-              <a:t> Game starts as </a:t>
-            </a:r>
-            <a:r>
-              <a:rPr lang="en-US" sz="2800" dirty="0"/>
-              <a:t>player </a:t>
+              <a:t>Menu to choose </a:t>
+            </a:r>
+            <a:r>
+              <a:rPr lang="en-US" sz="2800" dirty="0" err="1" smtClean="0"/>
+              <a:t>PvP</a:t>
             </a:r>
             <a:r>
               <a:rPr lang="en-US" sz="2800" dirty="0" smtClean="0"/>
-              <a:t>vs </a:t>
-            </a:r>
-            <a:r>
-              <a:rPr lang="en-US" sz="2800" dirty="0"/>
-              <a:t>Player</a:t>
-            </a:r>
-          </a:p>
-          <a:p>
-            <a:pPr marL="1719263" lvl="5" indent="0">
-              <a:buNone/>
-            </a:pPr>
-            <a:endParaRPr lang="en-US" sz="2800" dirty="0"/>
-          </a:p>
-          <a:p>
-            <a:pPr lvl="5">
-              <a:buFont typeface="Wingdings" charset="2"/>
-              <a:buChar char="u"/>
-            </a:pPr>
-            <a:r>
-              <a:rPr lang="en-US" sz="2800" dirty="0"/>
-              <a:t>Update score as users have aligned squares</a:t>
-            </a:r>
-          </a:p>
-          <a:p>
-            <a:endParaRPr lang="en-US" dirty="0"/>
+              <a:t> or </a:t>
+            </a:r>
+            <a:r>
+              <a:rPr lang="en-US" sz="2800" dirty="0" err="1" smtClean="0"/>
+              <a:t>PvE</a:t>
+            </a:r>
+            <a:r>
+              <a:rPr lang="en-US" sz="2800" dirty="0" smtClean="0"/>
+              <a:t>.</a:t>
+            </a:r>
+            <a:endParaRPr lang="en-US" sz="2800" dirty="0" smtClean="0"/>
           </a:p>
         </p:txBody>
       </p:sp>
     </p:spTree>
     <p:extLst>
       <p:ext uri="{BB962C8B-B14F-4D97-AF65-F5344CB8AC3E}">
-        <p14:creationId xmlns:p14="http://schemas.microsoft.com/office/powerpoint/2010/main" val="1250212995"/>
+        <p14:creationId xmlns:p14="http://schemas.microsoft.com/office/powerpoint/2010/main" val="3954287444"/>
       </p:ext>
     </p:extLst>
   </p:cSld>
   <p:clrMapOvr>
     <a:masterClrMapping/>
   </p:clrMapOvr>
+  <p:timing>
+    <p:tnLst>
+      <p:par>
+        <p:cTn id="1" dur="indefinite" restart="never" nodeType="tmRoot"/>
+      </p:par>
+    </p:tnLst>
+  </p:timing>
 </p:sld>
 </file>
 
@@ -6333,12 +6564,18 @@
         </p:nvSpPr>
         <p:spPr/>
         <p:txBody>
-          <a:bodyPr/>
+          <a:bodyPr>
+            <a:normAutofit fontScale="90000"/>
+          </a:bodyPr>
           <a:lstStyle/>
           <a:p>
             <a:r>
+              <a:rPr lang="en-US" dirty="0"/>
+              <a:t>Special case of Player vs </a:t>
+            </a:r>
+            <a:r>
               <a:rPr lang="en-US" dirty="0" smtClean="0"/>
-              <a:t>Special case of Player vs AI</a:t>
+              <a:t>Player</a:t>
             </a:r>
             <a:endParaRPr lang="en-US" dirty="0"/>
           </a:p>
@@ -6356,14 +6593,20 @@
         </p:nvSpPr>
         <p:spPr/>
         <p:txBody>
-          <a:bodyPr/>
+          <a:bodyPr>
+            <a:normAutofit/>
+          </a:bodyPr>
           <a:lstStyle/>
           <a:p>
             <a:r>
               <a:rPr lang="en-US" dirty="0" smtClean="0"/>
-              <a:t>Player and AI:</a:t>
-            </a:r>
-            <a:endParaRPr lang="en-US" dirty="0"/>
+              <a:t>Player vs Player</a:t>
+            </a:r>
+            <a:r>
+              <a:rPr lang="en-US" dirty="0" smtClean="0"/>
+              <a:t>:</a:t>
+            </a:r>
+            <a:endParaRPr lang="en-US" dirty="0" smtClean="0"/>
           </a:p>
           <a:p>
             <a:pPr lvl="5">
@@ -6372,9 +6615,21 @@
             </a:pPr>
             <a:r>
               <a:rPr lang="en-US" sz="2800" dirty="0" smtClean="0"/>
-              <a:t>Login as a user and Choose vs AI</a:t>
-            </a:r>
-            <a:endParaRPr lang="en-US" sz="2800" dirty="0"/>
+              <a:t>Log </a:t>
+            </a:r>
+            <a:r>
+              <a:rPr lang="en-US" sz="2800" dirty="0"/>
+              <a:t>in and choose </a:t>
+            </a:r>
+            <a:r>
+              <a:rPr lang="en-US" sz="2800" dirty="0" err="1" smtClean="0"/>
+              <a:t>PvP</a:t>
+            </a:r>
+            <a:r>
+              <a:rPr lang="en-US" sz="2800" dirty="0" smtClean="0"/>
+              <a:t>.</a:t>
+            </a:r>
+            <a:endParaRPr lang="en-US" sz="2800" dirty="0" smtClean="0"/>
           </a:p>
           <a:p>
             <a:pPr lvl="5">
@@ -6389,20 +6644,28 @@
               <a:buChar char="u"/>
             </a:pPr>
             <a:r>
-              <a:rPr lang="en-US" sz="2800" dirty="0"/>
-              <a:t> Game starts as player vs </a:t>
-            </a:r>
-            <a:r>
               <a:rPr lang="en-US" sz="2800" dirty="0" smtClean="0"/>
-              <a:t>AI</a:t>
-            </a:r>
-            <a:endParaRPr lang="en-US" sz="2800" dirty="0"/>
+              <a:t>Game starts </a:t>
+            </a:r>
+            <a:r>
+              <a:rPr lang="en-US" sz="2800" dirty="0" smtClean="0"/>
+              <a:t>as Player </a:t>
+            </a:r>
+            <a:r>
+              <a:rPr lang="en-US" sz="2800" dirty="0" smtClean="0"/>
+              <a:t>vs </a:t>
+            </a:r>
+            <a:r>
+              <a:rPr lang="en-US" sz="2800" dirty="0" smtClean="0"/>
+              <a:t>Player.</a:t>
+            </a:r>
+            <a:endParaRPr lang="en-US" sz="2800" dirty="0" smtClean="0"/>
           </a:p>
           <a:p>
             <a:pPr marL="1719263" lvl="5" indent="0">
               <a:buNone/>
             </a:pPr>
-            <a:endParaRPr lang="en-US" sz="2800" dirty="0"/>
+            <a:endParaRPr lang="en-US" sz="2800" dirty="0" smtClean="0"/>
           </a:p>
           <a:p>
             <a:pPr lvl="5">
@@ -6410,17 +6673,193 @@
               <a:buChar char="u"/>
             </a:pPr>
             <a:r>
+              <a:rPr lang="en-US" sz="2800" dirty="0" smtClean="0"/>
+              <a:t>Update </a:t>
+            </a:r>
+            <a:r>
+              <a:rPr lang="en-US" sz="2800" dirty="0"/>
+              <a:t>score as squares connect.</a:t>
+            </a:r>
+            <a:endParaRPr lang="en-US" sz="2800" dirty="0" smtClean="0"/>
+          </a:p>
+        </p:txBody>
+      </p:sp>
+    </p:spTree>
+    <p:extLst>
+      <p:ext uri="{BB962C8B-B14F-4D97-AF65-F5344CB8AC3E}">
+        <p14:creationId xmlns:p14="http://schemas.microsoft.com/office/powerpoint/2010/main" val="2546166404"/>
+      </p:ext>
+    </p:extLst>
+  </p:cSld>
+  <p:clrMapOvr>
+    <a:masterClrMapping/>
+  </p:clrMapOvr>
+  <p:timing>
+    <p:tnLst>
+      <p:par>
+        <p:cTn id="1" dur="indefinite" restart="never" nodeType="tmRoot"/>
+      </p:par>
+    </p:tnLst>
+  </p:timing>
+</p:sld>
+</file>
+
+<file path=ppt/slides/slide8.xml><?xml version="1.0" encoding="utf-8"?>
+<p:sld xmlns:a="http://schemas.openxmlformats.org/drawingml/2006/main" xmlns:r="http://schemas.openxmlformats.org/officeDocument/2006/relationships" xmlns:p="http://schemas.openxmlformats.org/presentationml/2006/main">
+  <p:cSld>
+    <p:spTree>
+      <p:nvGrpSpPr>
+        <p:cNvPr id="1" name=""/>
+        <p:cNvGrpSpPr/>
+        <p:nvPr/>
+      </p:nvGrpSpPr>
+      <p:grpSpPr>
+        <a:xfrm>
+          <a:off x="0" y="0"/>
+          <a:ext cx="0" cy="0"/>
+          <a:chOff x="0" y="0"/>
+          <a:chExt cx="0" cy="0"/>
+        </a:xfrm>
+      </p:grpSpPr>
+      <p:sp>
+        <p:nvSpPr>
+          <p:cNvPr id="2" name="Title 1"/>
+          <p:cNvSpPr>
+            <a:spLocks noGrp="1"/>
+          </p:cNvSpPr>
+          <p:nvPr>
+            <p:ph type="title"/>
+          </p:nvPr>
+        </p:nvSpPr>
+        <p:spPr/>
+        <p:txBody>
+          <a:bodyPr>
+            <a:normAutofit/>
+          </a:bodyPr>
+          <a:lstStyle/>
+          <a:p>
+            <a:r>
+              <a:rPr lang="en-US" sz="4300" dirty="0" smtClean="0"/>
+              <a:t>Special case of Player vs AI</a:t>
+            </a:r>
+            <a:endParaRPr lang="en-US" sz="4300" dirty="0"/>
+          </a:p>
+        </p:txBody>
+      </p:sp>
+      <p:sp>
+        <p:nvSpPr>
+          <p:cNvPr id="3" name="Content Placeholder 2"/>
+          <p:cNvSpPr>
+            <a:spLocks noGrp="1"/>
+          </p:cNvSpPr>
+          <p:nvPr>
+            <p:ph idx="1"/>
+          </p:nvPr>
+        </p:nvSpPr>
+        <p:spPr/>
+        <p:txBody>
+          <a:bodyPr/>
+          <a:lstStyle/>
+          <a:p>
+            <a:r>
+              <a:rPr lang="en-US" dirty="0" smtClean="0"/>
+              <a:t>Player </a:t>
+            </a:r>
+            <a:r>
+              <a:rPr lang="en-US" dirty="0" smtClean="0"/>
+              <a:t>vs</a:t>
+            </a:r>
+            <a:r>
+              <a:rPr lang="en-US" dirty="0" smtClean="0"/>
+              <a:t> </a:t>
+            </a:r>
+            <a:r>
+              <a:rPr lang="en-US" dirty="0" smtClean="0"/>
+              <a:t>AI:</a:t>
+            </a:r>
+            <a:endParaRPr lang="en-US" dirty="0"/>
+          </a:p>
+          <a:p>
+            <a:pPr lvl="5">
+              <a:buFont typeface="Wingdings" charset="2"/>
+              <a:buChar char="u"/>
+            </a:pPr>
+            <a:r>
+              <a:rPr lang="en-US" sz="2800" dirty="0" smtClean="0"/>
+              <a:t>Log in </a:t>
+            </a:r>
+            <a:r>
+              <a:rPr lang="en-US" sz="2800" dirty="0" smtClean="0"/>
+              <a:t>and </a:t>
+            </a:r>
+            <a:r>
+              <a:rPr lang="en-US" sz="2800" dirty="0" smtClean="0"/>
+              <a:t>choose </a:t>
+            </a:r>
+            <a:r>
+              <a:rPr lang="en-US" sz="2800" dirty="0" err="1" smtClean="0"/>
+              <a:t>PvE</a:t>
+            </a:r>
+            <a:r>
+              <a:rPr lang="en-US" sz="2800" dirty="0" smtClean="0"/>
+              <a:t>.</a:t>
+            </a:r>
+            <a:endParaRPr lang="en-US" sz="2800" dirty="0"/>
+          </a:p>
+          <a:p>
+            <a:pPr lvl="5">
+              <a:buFont typeface="Wingdings" charset="2"/>
+              <a:buChar char="u"/>
+            </a:pPr>
+            <a:endParaRPr lang="en-US" sz="2800" dirty="0"/>
+          </a:p>
+          <a:p>
+            <a:pPr lvl="5">
+              <a:buFont typeface="Wingdings" charset="2"/>
+              <a:buChar char="u"/>
+            </a:pPr>
+            <a:r>
+              <a:rPr lang="en-US" sz="2800" dirty="0" smtClean="0"/>
+              <a:t>Game </a:t>
+            </a:r>
+            <a:r>
+              <a:rPr lang="en-US" sz="2800" dirty="0"/>
+              <a:t>starts as </a:t>
+            </a:r>
+            <a:r>
+              <a:rPr lang="en-US" sz="2800" dirty="0" smtClean="0"/>
+              <a:t>Player </a:t>
+            </a:r>
+            <a:r>
+              <a:rPr lang="en-US" sz="2800" dirty="0"/>
+              <a:t>vs </a:t>
+            </a:r>
+            <a:r>
+              <a:rPr lang="en-US" sz="2800" dirty="0" smtClean="0"/>
+              <a:t>AI.</a:t>
+            </a:r>
+            <a:endParaRPr lang="en-US" sz="2800" dirty="0"/>
+          </a:p>
+          <a:p>
+            <a:pPr marL="1719263" lvl="5" indent="0">
+              <a:buNone/>
+            </a:pPr>
+            <a:endParaRPr lang="en-US" sz="2800" dirty="0"/>
+          </a:p>
+          <a:p>
+            <a:pPr lvl="5">
+              <a:buFont typeface="Wingdings" charset="2"/>
+              <a:buChar char="u"/>
+            </a:pPr>
+            <a:r>
               <a:rPr lang="en-US" sz="2800" dirty="0"/>
               <a:t>Update score as </a:t>
             </a:r>
             <a:r>
               <a:rPr lang="en-US" sz="2800" dirty="0" smtClean="0"/>
-              <a:t>player </a:t>
-            </a:r>
-            <a:r>
-              <a:rPr lang="en-US" sz="2800" dirty="0"/>
-              <a:t>have aligned squares</a:t>
-            </a:r>
+              <a:t>squares connect.</a:t>
+            </a:r>
+            <a:endParaRPr lang="en-US" sz="2800" dirty="0"/>
           </a:p>
           <a:p>
             <a:endParaRPr lang="en-US" dirty="0"/>
@@ -6437,10 +6876,17 @@
   <p:clrMapOvr>
     <a:masterClrMapping/>
   </p:clrMapOvr>
+  <p:timing>
+    <p:tnLst>
+      <p:par>
+        <p:cTn id="1" dur="indefinite" restart="never" nodeType="tmRoot"/>
+      </p:par>
+    </p:tnLst>
+  </p:timing>
 </p:sld>
 </file>
 
-<file path=ppt/slides/slide8.xml><?xml version="1.0" encoding="utf-8"?>
+<file path=ppt/slides/slide9.xml><?xml version="1.0" encoding="utf-8"?>
 <p:sld xmlns:a="http://schemas.openxmlformats.org/drawingml/2006/main" xmlns:r="http://schemas.openxmlformats.org/officeDocument/2006/relationships" xmlns:p="http://schemas.openxmlformats.org/presentationml/2006/main">
   <p:cSld>
     <p:spTree>
@@ -6519,6 +6965,13 @@
   <p:clrMapOvr>
     <a:masterClrMapping/>
   </p:clrMapOvr>
+  <p:timing>
+    <p:tnLst>
+      <p:par>
+        <p:cTn id="1" dur="indefinite" restart="never" nodeType="tmRoot"/>
+      </p:par>
+    </p:tnLst>
+  </p:timing>
 </p:sld>
 </file>
 

--- a/Power Point Presentation.pptx
+++ b/Power Point Presentation.pptx
@@ -5,18 +5,17 @@
     <p:sldMasterId id="2147483660" r:id="rId1"/>
   </p:sldMasterIdLst>
   <p:notesMasterIdLst>
-    <p:notesMasterId r:id="rId11"/>
+    <p:notesMasterId r:id="rId10"/>
   </p:notesMasterIdLst>
   <p:sldIdLst>
     <p:sldId id="256" r:id="rId2"/>
     <p:sldId id="257" r:id="rId3"/>
     <p:sldId id="258" r:id="rId4"/>
     <p:sldId id="262" r:id="rId5"/>
-    <p:sldId id="263" r:id="rId6"/>
-    <p:sldId id="259" r:id="rId7"/>
-    <p:sldId id="265" r:id="rId8"/>
-    <p:sldId id="264" r:id="rId9"/>
-    <p:sldId id="261" r:id="rId10"/>
+    <p:sldId id="259" r:id="rId6"/>
+    <p:sldId id="263" r:id="rId7"/>
+    <p:sldId id="264" r:id="rId8"/>
+    <p:sldId id="261" r:id="rId9"/>
   </p:sldIdLst>
   <p:sldSz cx="9144000" cy="6858000" type="screen4x3"/>
   <p:notesSz cx="6858000" cy="9144000"/>
@@ -751,7 +750,7 @@
           <a:p>
             <a:fld id="{1DEAED7D-3573-7B43-BC8B-7F11809589D9}" type="slidenum">
               <a:rPr lang="en-US" smtClean="0"/>
-              <a:t>6</a:t>
+              <a:t>5</a:t>
             </a:fld>
             <a:endParaRPr lang="en-US"/>
           </a:p>
@@ -761,149 +760,6 @@
     <p:extLst>
       <p:ext uri="{BB962C8B-B14F-4D97-AF65-F5344CB8AC3E}">
         <p14:creationId xmlns:p14="http://schemas.microsoft.com/office/powerpoint/2010/main" val="107062810"/>
-      </p:ext>
-    </p:extLst>
-  </p:cSld>
-  <p:clrMapOvr>
-    <a:masterClrMapping/>
-  </p:clrMapOvr>
-</p:notes>
-</file>
-
-<file path=ppt/notesSlides/notesSlide3.xml><?xml version="1.0" encoding="utf-8"?>
-<p:notes xmlns:a="http://schemas.openxmlformats.org/drawingml/2006/main" xmlns:r="http://schemas.openxmlformats.org/officeDocument/2006/relationships" xmlns:p="http://schemas.openxmlformats.org/presentationml/2006/main">
-  <p:cSld>
-    <p:spTree>
-      <p:nvGrpSpPr>
-        <p:cNvPr id="1" name=""/>
-        <p:cNvGrpSpPr/>
-        <p:nvPr/>
-      </p:nvGrpSpPr>
-      <p:grpSpPr>
-        <a:xfrm>
-          <a:off x="0" y="0"/>
-          <a:ext cx="0" cy="0"/>
-          <a:chOff x="0" y="0"/>
-          <a:chExt cx="0" cy="0"/>
-        </a:xfrm>
-      </p:grpSpPr>
-      <p:sp>
-        <p:nvSpPr>
-          <p:cNvPr id="2" name="Slide Image Placeholder 1"/>
-          <p:cNvSpPr>
-            <a:spLocks noGrp="1" noRot="1" noChangeAspect="1"/>
-          </p:cNvSpPr>
-          <p:nvPr>
-            <p:ph type="sldImg"/>
-          </p:nvPr>
-        </p:nvSpPr>
-        <p:spPr/>
-      </p:sp>
-      <p:sp>
-        <p:nvSpPr>
-          <p:cNvPr id="3" name="Notes Placeholder 2"/>
-          <p:cNvSpPr>
-            <a:spLocks noGrp="1"/>
-          </p:cNvSpPr>
-          <p:nvPr>
-            <p:ph type="body" idx="1"/>
-          </p:nvPr>
-        </p:nvSpPr>
-        <p:spPr/>
-        <p:txBody>
-          <a:bodyPr/>
-          <a:lstStyle/>
-          <a:p>
-            <a:pPr marL="0" marR="0" lvl="5" indent="0" algn="l" defTabSz="457200" rtl="0" eaLnBrk="1" fontAlgn="auto" latinLnBrk="0" hangingPunct="1">
-              <a:lnSpc>
-                <a:spcPct val="100000"/>
-              </a:lnSpc>
-              <a:spcBef>
-                <a:spcPts val="0"/>
-              </a:spcBef>
-              <a:spcAft>
-                <a:spcPts val="0"/>
-              </a:spcAft>
-              <a:buClrTx/>
-              <a:buSzTx/>
-              <a:buFontTx/>
-              <a:buNone/>
-              <a:tabLst/>
-              <a:defRPr/>
-            </a:pPr>
-            <a:r>
-              <a:rPr lang="en-US" dirty="0" smtClean="0"/>
-              <a:t>GOALS:</a:t>
-            </a:r>
-            <a:r>
-              <a:rPr lang="en-US" baseline="0" dirty="0" smtClean="0"/>
-              <a:t> </a:t>
-            </a:r>
-            <a:r>
-              <a:rPr lang="en-US" dirty="0" smtClean="0"/>
-              <a:t>To play the game during downtime, to be entertained and to win the game. </a:t>
-            </a:r>
-          </a:p>
-          <a:p>
-            <a:pPr marL="0" marR="0" lvl="5" indent="0" algn="l" defTabSz="457200" rtl="0" eaLnBrk="1" fontAlgn="auto" latinLnBrk="0" hangingPunct="1">
-              <a:lnSpc>
-                <a:spcPct val="100000"/>
-              </a:lnSpc>
-              <a:spcBef>
-                <a:spcPts val="0"/>
-              </a:spcBef>
-              <a:spcAft>
-                <a:spcPts val="0"/>
-              </a:spcAft>
-              <a:buClrTx/>
-              <a:buSzTx/>
-              <a:buFontTx/>
-              <a:buNone/>
-              <a:tabLst/>
-              <a:defRPr/>
-            </a:pPr>
-            <a:r>
-              <a:rPr lang="en-US" dirty="0" smtClean="0"/>
-              <a:t>TASKS:</a:t>
-            </a:r>
-            <a:r>
-              <a:rPr lang="en-US" baseline="0" dirty="0" smtClean="0"/>
-              <a:t> </a:t>
-            </a:r>
-            <a:endParaRPr lang="en-US" dirty="0" smtClean="0"/>
-          </a:p>
-          <a:p>
-            <a:endParaRPr lang="en-US" dirty="0"/>
-          </a:p>
-        </p:txBody>
-      </p:sp>
-      <p:sp>
-        <p:nvSpPr>
-          <p:cNvPr id="4" name="Slide Number Placeholder 3"/>
-          <p:cNvSpPr>
-            <a:spLocks noGrp="1"/>
-          </p:cNvSpPr>
-          <p:nvPr>
-            <p:ph type="sldNum" sz="quarter" idx="10"/>
-          </p:nvPr>
-        </p:nvSpPr>
-        <p:spPr/>
-        <p:txBody>
-          <a:bodyPr/>
-          <a:lstStyle/>
-          <a:p>
-            <a:fld id="{1DEAED7D-3573-7B43-BC8B-7F11809589D9}" type="slidenum">
-              <a:rPr lang="en-US" smtClean="0"/>
-              <a:t>7</a:t>
-            </a:fld>
-            <a:endParaRPr lang="en-US"/>
-          </a:p>
-        </p:txBody>
-      </p:sp>
-    </p:spTree>
-    <p:extLst>
-      <p:ext uri="{BB962C8B-B14F-4D97-AF65-F5344CB8AC3E}">
-        <p14:creationId xmlns:p14="http://schemas.microsoft.com/office/powerpoint/2010/main" val="3521383861"/>
       </p:ext>
     </p:extLst>
   </p:cSld>
@@ -5790,13 +5646,6 @@
   <p:clrMapOvr>
     <a:masterClrMapping/>
   </p:clrMapOvr>
-  <p:timing>
-    <p:tnLst>
-      <p:par>
-        <p:cTn id="1" dur="indefinite" restart="never" nodeType="tmRoot"/>
-      </p:par>
-    </p:tnLst>
-  </p:timing>
 </p:sld>
 </file>
 
@@ -5923,13 +5772,7 @@
               <a:rPr lang="en-US" dirty="0" smtClean="0">
                 <a:effectLst/>
               </a:rPr>
-              <a:t>n conclusion </a:t>
-            </a:r>
-            <a:r>
-              <a:rPr lang="en-US" dirty="0" smtClean="0">
-                <a:effectLst/>
-              </a:rPr>
-              <a:t>it will be 6X6X4 version of the classic Tic Tac Toe game.</a:t>
+              <a:t>n conclusion 6X6X4</a:t>
             </a:r>
             <a:endParaRPr lang="en-US" dirty="0"/>
           </a:p>
@@ -5945,13 +5788,6 @@
   <p:clrMapOvr>
     <a:masterClrMapping/>
   </p:clrMapOvr>
-  <p:timing>
-    <p:tnLst>
-      <p:par>
-        <p:cTn id="1" dur="indefinite" restart="never" nodeType="tmRoot"/>
-      </p:par>
-    </p:tnLst>
-  </p:timing>
 </p:sld>
 </file>
 
@@ -6022,13 +5858,8 @@
             </a:pPr>
             <a:r>
               <a:rPr lang="en-US" dirty="0" smtClean="0"/>
-              <a:t>The purpose of the game is to win against </a:t>
-            </a:r>
-            <a:r>
-              <a:rPr lang="en-US" dirty="0" smtClean="0"/>
-              <a:t>an opponent.</a:t>
-            </a:r>
-            <a:endParaRPr lang="en-US" dirty="0" smtClean="0"/>
+              <a:t>The purpose of the game is to win against a player or an Artificial intelligence.</a:t>
+            </a:r>
           </a:p>
           <a:p>
             <a:pPr>
@@ -6067,9 +5898,8 @@
             </a:pPr>
             <a:r>
               <a:rPr lang="en-US" dirty="0" smtClean="0"/>
-              <a:t>Diagonally</a:t>
-            </a:r>
-            <a:endParaRPr lang="en-US" dirty="0" smtClean="0"/>
+              <a:t>diagonal.</a:t>
+            </a:r>
           </a:p>
           <a:p>
             <a:pPr>
@@ -6078,21 +5908,8 @@
             </a:pPr>
             <a:r>
               <a:rPr lang="en-US" dirty="0" smtClean="0"/>
-              <a:t>Winner will be determine </a:t>
-            </a:r>
-            <a:r>
-              <a:rPr lang="en-US" dirty="0" smtClean="0"/>
-              <a:t>once all </a:t>
-            </a:r>
-            <a:r>
-              <a:rPr lang="en-US" dirty="0" smtClean="0"/>
-              <a:t>spaces have been filled</a:t>
-            </a:r>
-            <a:r>
-              <a:rPr lang="en-US" dirty="0" smtClean="0"/>
-              <a:t>.</a:t>
-            </a:r>
-            <a:endParaRPr lang="en-US" dirty="0" smtClean="0"/>
+              <a:t>Winner will be determine after the board is filled up.</a:t>
+            </a:r>
           </a:p>
           <a:p>
             <a:pPr>
@@ -6101,13 +5918,8 @@
             </a:pPr>
             <a:r>
               <a:rPr lang="en-US" dirty="0" smtClean="0"/>
-              <a:t>Have fun </a:t>
-            </a:r>
-            <a:r>
-              <a:rPr lang="en-US" dirty="0" smtClean="0"/>
-              <a:t>playing.</a:t>
-            </a:r>
-            <a:endParaRPr lang="en-US" dirty="0" smtClean="0"/>
+              <a:t>Have fun playing </a:t>
+            </a:r>
           </a:p>
         </p:txBody>
       </p:sp>
@@ -6121,13 +5933,6 @@
   <p:clrMapOvr>
     <a:masterClrMapping/>
   </p:clrMapOvr>
-  <p:timing>
-    <p:tnLst>
-      <p:par>
-        <p:cTn id="1" dur="indefinite" restart="never" nodeType="tmRoot"/>
-      </p:par>
-    </p:tnLst>
-  </p:timing>
 </p:sld>
 </file>
 
@@ -6194,13 +5999,8 @@
             </a:pPr>
             <a:r>
               <a:rPr lang="en-US" sz="2800" dirty="0" smtClean="0"/>
-              <a:t>At the start of the game, you will be </a:t>
-            </a:r>
-            <a:r>
-              <a:rPr lang="en-US" sz="2800" dirty="0" smtClean="0"/>
-              <a:t>given a login menu.</a:t>
-            </a:r>
-            <a:endParaRPr lang="en-US" sz="2800" dirty="0" smtClean="0"/>
+              <a:t>At the start of the game, you will be given a menu</a:t>
+            </a:r>
           </a:p>
           <a:p>
             <a:pPr>
@@ -6209,17 +6009,8 @@
             </a:pPr>
             <a:r>
               <a:rPr lang="en-US" sz="2800" dirty="0" smtClean="0"/>
-              <a:t>The user </a:t>
-            </a:r>
-            <a:r>
-              <a:rPr lang="en-US" sz="2800" dirty="0" smtClean="0"/>
-              <a:t>can </a:t>
-            </a:r>
-            <a:r>
-              <a:rPr lang="en-US" sz="2800" dirty="0" smtClean="0"/>
-              <a:t>either log in or register.</a:t>
-            </a:r>
-            <a:endParaRPr lang="en-US" sz="2800" dirty="0" smtClean="0"/>
+              <a:t>This menu will show you a log on screen</a:t>
+            </a:r>
           </a:p>
           <a:p>
             <a:pPr>
@@ -6228,7 +6019,7 @@
             </a:pPr>
             <a:r>
               <a:rPr lang="en-US" sz="2800" dirty="0" smtClean="0"/>
-              <a:t>The user selects whether to compete against another user or the computer.</a:t>
+              <a:t>User can sign in or pick to sign up.</a:t>
             </a:r>
           </a:p>
           <a:p>
@@ -6238,9 +6029,8 @@
             </a:pPr>
             <a:r>
               <a:rPr lang="en-US" sz="2800" dirty="0" smtClean="0"/>
-              <a:t>Player statistics will be saved under username.</a:t>
-            </a:r>
-            <a:endParaRPr lang="en-US" sz="2800" dirty="0" smtClean="0"/>
+              <a:t>Once you have your username or already have one, the game will begin</a:t>
+            </a:r>
           </a:p>
         </p:txBody>
       </p:sp>
@@ -6254,13 +6044,6 @@
   <p:clrMapOvr>
     <a:masterClrMapping/>
   </p:clrMapOvr>
-  <p:timing>
-    <p:tnLst>
-      <p:par>
-        <p:cTn id="1" dur="indefinite" restart="never" nodeType="tmRoot"/>
-      </p:par>
-    </p:tnLst>
-  </p:timing>
 </p:sld>
 </file>
 
@@ -6298,40 +6081,33 @@
           <a:p>
             <a:r>
               <a:rPr lang="en-US" dirty="0" smtClean="0"/>
-              <a:t>New User </a:t>
-            </a:r>
+              <a:t>User Requirement</a:t>
+            </a:r>
+            <a:endParaRPr lang="en-US" dirty="0"/>
+          </a:p>
+        </p:txBody>
+      </p:sp>
+      <p:sp>
+        <p:nvSpPr>
+          <p:cNvPr id="3" name="Content Placeholder 2"/>
+          <p:cNvSpPr>
+            <a:spLocks noGrp="1"/>
+          </p:cNvSpPr>
+          <p:nvPr>
+            <p:ph idx="1"/>
+          </p:nvPr>
+        </p:nvSpPr>
+        <p:spPr/>
+        <p:txBody>
+          <a:bodyPr>
+            <a:normAutofit/>
+          </a:bodyPr>
+          <a:lstStyle/>
+          <a:p>
             <a:r>
               <a:rPr lang="en-US" dirty="0" smtClean="0"/>
-              <a:t>Requirements</a:t>
-            </a:r>
-            <a:endParaRPr lang="en-US" dirty="0"/>
-          </a:p>
-        </p:txBody>
-      </p:sp>
-      <p:sp>
-        <p:nvSpPr>
-          <p:cNvPr id="3" name="Content Placeholder 2"/>
-          <p:cNvSpPr>
-            <a:spLocks noGrp="1"/>
-          </p:cNvSpPr>
-          <p:nvPr>
-            <p:ph idx="1"/>
-          </p:nvPr>
-        </p:nvSpPr>
-        <p:spPr/>
-        <p:txBody>
-          <a:bodyPr/>
-          <a:lstStyle/>
-          <a:p>
-            <a:r>
-              <a:rPr lang="en-US" dirty="0" smtClean="0"/>
-              <a:t>New User </a:t>
-            </a:r>
-            <a:r>
-              <a:rPr lang="en-US" dirty="0" smtClean="0"/>
-              <a:t>Requirements:</a:t>
-            </a:r>
-            <a:endParaRPr lang="en-US" dirty="0"/>
+              <a:t>user requirement:</a:t>
+            </a:r>
           </a:p>
           <a:p>
             <a:pPr lvl="5">
@@ -6340,7 +6116,7 @@
             </a:pPr>
             <a:r>
               <a:rPr lang="en-US" sz="2800" dirty="0" smtClean="0"/>
-              <a:t>Register user.</a:t>
+              <a:t>Login in as a user in order to play</a:t>
             </a:r>
           </a:p>
           <a:p>
@@ -6348,7 +6124,7 @@
               <a:buFont typeface="Wingdings" charset="2"/>
               <a:buChar char="u"/>
             </a:pPr>
-            <a:endParaRPr lang="en-US" sz="2800" dirty="0" smtClean="0"/>
+            <a:endParaRPr lang="en-US" sz="2800" dirty="0"/>
           </a:p>
           <a:p>
             <a:pPr lvl="5">
@@ -6357,23 +6133,23 @@
             </a:pPr>
             <a:r>
               <a:rPr lang="en-US" sz="2800" dirty="0" smtClean="0"/>
-              <a:t>Menu to choose </a:t>
-            </a:r>
-            <a:r>
-              <a:rPr lang="en-US" sz="2800" dirty="0" err="1" smtClean="0"/>
-              <a:t>PvP</a:t>
-            </a:r>
+              <a:t>Game starts as a player vs another Player</a:t>
+            </a:r>
+          </a:p>
+          <a:p>
+            <a:pPr marL="1719263" lvl="5" indent="0">
+              <a:buNone/>
+            </a:pPr>
+            <a:endParaRPr lang="en-US" sz="2800" dirty="0" smtClean="0"/>
+          </a:p>
+          <a:p>
+            <a:pPr lvl="5">
+              <a:buFont typeface="Wingdings" charset="2"/>
+              <a:buChar char="u"/>
+            </a:pPr>
             <a:r>
               <a:rPr lang="en-US" sz="2800" dirty="0" smtClean="0"/>
-              <a:t> or </a:t>
-            </a:r>
-            <a:r>
-              <a:rPr lang="en-US" sz="2800" dirty="0" err="1" smtClean="0"/>
-              <a:t>PvE</a:t>
-            </a:r>
-            <a:r>
-              <a:rPr lang="en-US" dirty="0" smtClean="0"/>
-              <a:t>.</a:t>
+              <a:t>Update score as users have aligned squares</a:t>
             </a:r>
           </a:p>
         </p:txBody>
@@ -6381,20 +6157,13 @@
     </p:spTree>
     <p:extLst>
       <p:ext uri="{BB962C8B-B14F-4D97-AF65-F5344CB8AC3E}">
-        <p14:creationId xmlns:p14="http://schemas.microsoft.com/office/powerpoint/2010/main" val="1250212995"/>
+        <p14:creationId xmlns:p14="http://schemas.microsoft.com/office/powerpoint/2010/main" val="3954287444"/>
       </p:ext>
     </p:extLst>
   </p:cSld>
   <p:clrMapOvr>
     <a:masterClrMapping/>
   </p:clrMapOvr>
-  <p:timing>
-    <p:tnLst>
-      <p:par>
-        <p:cTn id="1" dur="indefinite" restart="never" nodeType="tmRoot"/>
-      </p:par>
-    </p:tnLst>
-  </p:timing>
 </p:sld>
 </file>
 
@@ -6432,7 +6201,7 @@
           <a:p>
             <a:r>
               <a:rPr lang="en-US" dirty="0" smtClean="0"/>
-              <a:t>Existing User Requirements</a:t>
+              <a:t>New User Requirement</a:t>
             </a:r>
             <a:endParaRPr lang="en-US" dirty="0"/>
           </a:p>
@@ -6450,20 +6219,17 @@
         </p:nvSpPr>
         <p:spPr/>
         <p:txBody>
-          <a:bodyPr>
-            <a:normAutofit/>
-          </a:bodyPr>
+          <a:bodyPr/>
           <a:lstStyle/>
           <a:p>
             <a:r>
               <a:rPr lang="en-US" dirty="0" smtClean="0"/>
-              <a:t>Existing U</a:t>
-            </a:r>
-            <a:r>
-              <a:rPr lang="en-US" dirty="0" smtClean="0"/>
-              <a:t>ser Requirements:</a:t>
-            </a:r>
-            <a:endParaRPr lang="en-US" dirty="0" smtClean="0"/>
+              <a:t>New User Requirement</a:t>
+            </a:r>
+            <a:r>
+              <a:rPr lang="en-US" dirty="0"/>
+              <a:t>:</a:t>
+            </a:r>
           </a:p>
           <a:p>
             <a:pPr lvl="5">
@@ -6471,12 +6237,8 @@
               <a:buChar char="u"/>
             </a:pPr>
             <a:r>
-              <a:rPr lang="en-US" sz="2800" dirty="0" smtClean="0"/>
-              <a:t>Login and authe</a:t>
-            </a:r>
-            <a:r>
-              <a:rPr lang="en-US" sz="2800" dirty="0" smtClean="0"/>
-              <a:t>ntication.</a:t>
+              <a:rPr lang="en-US" sz="2800" dirty="0"/>
+              <a:t>Register the user in order to login</a:t>
             </a:r>
           </a:p>
           <a:p>
@@ -6493,45 +6255,52 @@
             </a:pPr>
             <a:r>
               <a:rPr lang="en-US" sz="2800" dirty="0" smtClean="0"/>
-              <a:t>Menu to choose </a:t>
-            </a:r>
-            <a:r>
-              <a:rPr lang="en-US" sz="2800" dirty="0" err="1" smtClean="0"/>
-              <a:t>PvP</a:t>
+              <a:t> Game starts as </a:t>
+            </a:r>
+            <a:r>
+              <a:rPr lang="en-US" sz="2800" dirty="0"/>
+              <a:t>player </a:t>
             </a:r>
             <a:r>
               <a:rPr lang="en-US" sz="2800" dirty="0" smtClean="0"/>
-              <a:t> or </a:t>
-            </a:r>
-            <a:r>
-              <a:rPr lang="en-US" sz="2800" dirty="0" err="1" smtClean="0"/>
-              <a:t>PvE</a:t>
-            </a:r>
-            <a:r>
-              <a:rPr lang="en-US" sz="2800" dirty="0" smtClean="0"/>
-              <a:t>.</a:t>
-            </a:r>
-            <a:endParaRPr lang="en-US" sz="2800" dirty="0" smtClean="0"/>
+              <a:t>vs </a:t>
+            </a:r>
+            <a:r>
+              <a:rPr lang="en-US" sz="2800" dirty="0"/>
+              <a:t>Player</a:t>
+            </a:r>
+          </a:p>
+          <a:p>
+            <a:pPr marL="1719263" lvl="5" indent="0">
+              <a:buNone/>
+            </a:pPr>
+            <a:endParaRPr lang="en-US" sz="2800" dirty="0"/>
+          </a:p>
+          <a:p>
+            <a:pPr lvl="5">
+              <a:buFont typeface="Wingdings" charset="2"/>
+              <a:buChar char="u"/>
+            </a:pPr>
+            <a:r>
+              <a:rPr lang="en-US" sz="2800" dirty="0"/>
+              <a:t>Update score as users have aligned squares</a:t>
+            </a:r>
+          </a:p>
+          <a:p>
+            <a:endParaRPr lang="en-US" dirty="0"/>
           </a:p>
         </p:txBody>
       </p:sp>
     </p:spTree>
     <p:extLst>
       <p:ext uri="{BB962C8B-B14F-4D97-AF65-F5344CB8AC3E}">
-        <p14:creationId xmlns:p14="http://schemas.microsoft.com/office/powerpoint/2010/main" val="3954287444"/>
+        <p14:creationId xmlns:p14="http://schemas.microsoft.com/office/powerpoint/2010/main" val="1250212995"/>
       </p:ext>
     </p:extLst>
   </p:cSld>
   <p:clrMapOvr>
     <a:masterClrMapping/>
   </p:clrMapOvr>
-  <p:timing>
-    <p:tnLst>
-      <p:par>
-        <p:cTn id="1" dur="indefinite" restart="never" nodeType="tmRoot"/>
-      </p:par>
-    </p:tnLst>
-  </p:timing>
 </p:sld>
 </file>
 
@@ -6564,18 +6333,12 @@
         </p:nvSpPr>
         <p:spPr/>
         <p:txBody>
-          <a:bodyPr>
-            <a:normAutofit fontScale="90000"/>
-          </a:bodyPr>
+          <a:bodyPr/>
           <a:lstStyle/>
           <a:p>
             <a:r>
-              <a:rPr lang="en-US" dirty="0"/>
-              <a:t>Special case of Player vs </a:t>
-            </a:r>
-            <a:r>
               <a:rPr lang="en-US" dirty="0" smtClean="0"/>
-              <a:t>Player</a:t>
+              <a:t>Special case of Player vs AI</a:t>
             </a:r>
             <a:endParaRPr lang="en-US" dirty="0"/>
           </a:p>
@@ -6593,20 +6356,14 @@
         </p:nvSpPr>
         <p:spPr/>
         <p:txBody>
-          <a:bodyPr>
-            <a:normAutofit/>
-          </a:bodyPr>
+          <a:bodyPr/>
           <a:lstStyle/>
           <a:p>
             <a:r>
               <a:rPr lang="en-US" dirty="0" smtClean="0"/>
-              <a:t>Player vs Player</a:t>
-            </a:r>
-            <a:r>
-              <a:rPr lang="en-US" dirty="0" smtClean="0"/>
-              <a:t>:</a:t>
-            </a:r>
-            <a:endParaRPr lang="en-US" dirty="0" smtClean="0"/>
+              <a:t>Player and AI:</a:t>
+            </a:r>
+            <a:endParaRPr lang="en-US" dirty="0"/>
           </a:p>
           <a:p>
             <a:pPr lvl="5">
@@ -6615,21 +6372,9 @@
             </a:pPr>
             <a:r>
               <a:rPr lang="en-US" sz="2800" dirty="0" smtClean="0"/>
-              <a:t>Log </a:t>
-            </a:r>
-            <a:r>
-              <a:rPr lang="en-US" sz="2800" dirty="0"/>
-              <a:t>in and choose </a:t>
-            </a:r>
-            <a:r>
-              <a:rPr lang="en-US" sz="2800" dirty="0" err="1" smtClean="0"/>
-              <a:t>PvP</a:t>
-            </a:r>
-            <a:r>
-              <a:rPr lang="en-US" sz="2800" dirty="0" smtClean="0"/>
-              <a:t>.</a:t>
-            </a:r>
-            <a:endParaRPr lang="en-US" sz="2800" dirty="0" smtClean="0"/>
+              <a:t>Login as a user and Choose vs AI</a:t>
+            </a:r>
+            <a:endParaRPr lang="en-US" sz="2800" dirty="0"/>
           </a:p>
           <a:p>
             <a:pPr lvl="5">
@@ -6644,28 +6389,20 @@
               <a:buChar char="u"/>
             </a:pPr>
             <a:r>
+              <a:rPr lang="en-US" sz="2800" dirty="0"/>
+              <a:t> Game starts as player vs </a:t>
+            </a:r>
+            <a:r>
               <a:rPr lang="en-US" sz="2800" dirty="0" smtClean="0"/>
-              <a:t>Game starts </a:t>
-            </a:r>
-            <a:r>
-              <a:rPr lang="en-US" sz="2800" dirty="0" smtClean="0"/>
-              <a:t>as Player </a:t>
-            </a:r>
-            <a:r>
-              <a:rPr lang="en-US" sz="2800" dirty="0" smtClean="0"/>
-              <a:t>vs </a:t>
-            </a:r>
-            <a:r>
-              <a:rPr lang="en-US" sz="2800" dirty="0" smtClean="0"/>
-              <a:t>Player.</a:t>
-            </a:r>
-            <a:endParaRPr lang="en-US" sz="2800" dirty="0" smtClean="0"/>
+              <a:t>AI</a:t>
+            </a:r>
+            <a:endParaRPr lang="en-US" sz="2800" dirty="0"/>
           </a:p>
           <a:p>
             <a:pPr marL="1719263" lvl="5" indent="0">
               <a:buNone/>
             </a:pPr>
-            <a:endParaRPr lang="en-US" sz="2800" dirty="0" smtClean="0"/>
+            <a:endParaRPr lang="en-US" sz="2800" dirty="0"/>
           </a:p>
           <a:p>
             <a:pPr lvl="5">
@@ -6673,193 +6410,17 @@
               <a:buChar char="u"/>
             </a:pPr>
             <a:r>
-              <a:rPr lang="en-US" sz="2800" dirty="0" smtClean="0"/>
-              <a:t>Update </a:t>
-            </a:r>
-            <a:r>
-              <a:rPr lang="en-US" sz="2800" dirty="0"/>
-              <a:t>score as squares connect.</a:t>
-            </a:r>
-            <a:endParaRPr lang="en-US" sz="2800" dirty="0" smtClean="0"/>
-          </a:p>
-        </p:txBody>
-      </p:sp>
-    </p:spTree>
-    <p:extLst>
-      <p:ext uri="{BB962C8B-B14F-4D97-AF65-F5344CB8AC3E}">
-        <p14:creationId xmlns:p14="http://schemas.microsoft.com/office/powerpoint/2010/main" val="2546166404"/>
-      </p:ext>
-    </p:extLst>
-  </p:cSld>
-  <p:clrMapOvr>
-    <a:masterClrMapping/>
-  </p:clrMapOvr>
-  <p:timing>
-    <p:tnLst>
-      <p:par>
-        <p:cTn id="1" dur="indefinite" restart="never" nodeType="tmRoot"/>
-      </p:par>
-    </p:tnLst>
-  </p:timing>
-</p:sld>
-</file>
-
-<file path=ppt/slides/slide8.xml><?xml version="1.0" encoding="utf-8"?>
-<p:sld xmlns:a="http://schemas.openxmlformats.org/drawingml/2006/main" xmlns:r="http://schemas.openxmlformats.org/officeDocument/2006/relationships" xmlns:p="http://schemas.openxmlformats.org/presentationml/2006/main">
-  <p:cSld>
-    <p:spTree>
-      <p:nvGrpSpPr>
-        <p:cNvPr id="1" name=""/>
-        <p:cNvGrpSpPr/>
-        <p:nvPr/>
-      </p:nvGrpSpPr>
-      <p:grpSpPr>
-        <a:xfrm>
-          <a:off x="0" y="0"/>
-          <a:ext cx="0" cy="0"/>
-          <a:chOff x="0" y="0"/>
-          <a:chExt cx="0" cy="0"/>
-        </a:xfrm>
-      </p:grpSpPr>
-      <p:sp>
-        <p:nvSpPr>
-          <p:cNvPr id="2" name="Title 1"/>
-          <p:cNvSpPr>
-            <a:spLocks noGrp="1"/>
-          </p:cNvSpPr>
-          <p:nvPr>
-            <p:ph type="title"/>
-          </p:nvPr>
-        </p:nvSpPr>
-        <p:spPr/>
-        <p:txBody>
-          <a:bodyPr>
-            <a:normAutofit/>
-          </a:bodyPr>
-          <a:lstStyle/>
-          <a:p>
-            <a:r>
-              <a:rPr lang="en-US" sz="4300" dirty="0" smtClean="0"/>
-              <a:t>Special case of Player vs AI</a:t>
-            </a:r>
-            <a:endParaRPr lang="en-US" sz="4300" dirty="0"/>
-          </a:p>
-        </p:txBody>
-      </p:sp>
-      <p:sp>
-        <p:nvSpPr>
-          <p:cNvPr id="3" name="Content Placeholder 2"/>
-          <p:cNvSpPr>
-            <a:spLocks noGrp="1"/>
-          </p:cNvSpPr>
-          <p:nvPr>
-            <p:ph idx="1"/>
-          </p:nvPr>
-        </p:nvSpPr>
-        <p:spPr/>
-        <p:txBody>
-          <a:bodyPr/>
-          <a:lstStyle/>
-          <a:p>
-            <a:r>
-              <a:rPr lang="en-US" dirty="0" smtClean="0"/>
-              <a:t>Player </a:t>
-            </a:r>
-            <a:r>
-              <a:rPr lang="en-US" dirty="0" smtClean="0"/>
-              <a:t>vs</a:t>
-            </a:r>
-            <a:r>
-              <a:rPr lang="en-US" dirty="0" smtClean="0"/>
-              <a:t> </a:t>
-            </a:r>
-            <a:r>
-              <a:rPr lang="en-US" dirty="0" smtClean="0"/>
-              <a:t>AI:</a:t>
-            </a:r>
-            <a:endParaRPr lang="en-US" dirty="0"/>
-          </a:p>
-          <a:p>
-            <a:pPr lvl="5">
-              <a:buFont typeface="Wingdings" charset="2"/>
-              <a:buChar char="u"/>
-            </a:pPr>
-            <a:r>
-              <a:rPr lang="en-US" sz="2800" dirty="0" smtClean="0"/>
-              <a:t>Log in </a:t>
-            </a:r>
-            <a:r>
-              <a:rPr lang="en-US" sz="2800" dirty="0" smtClean="0"/>
-              <a:t>and </a:t>
-            </a:r>
-            <a:r>
-              <a:rPr lang="en-US" sz="2800" dirty="0" smtClean="0"/>
-              <a:t>choose </a:t>
-            </a:r>
-            <a:r>
-              <a:rPr lang="en-US" sz="2800" dirty="0" err="1" smtClean="0"/>
-              <a:t>PvE</a:t>
-            </a:r>
-            <a:r>
-              <a:rPr lang="en-US" sz="2800" dirty="0" smtClean="0"/>
-              <a:t>.</a:t>
-            </a:r>
-            <a:endParaRPr lang="en-US" sz="2800" dirty="0"/>
-          </a:p>
-          <a:p>
-            <a:pPr lvl="5">
-              <a:buFont typeface="Wingdings" charset="2"/>
-              <a:buChar char="u"/>
-            </a:pPr>
-            <a:endParaRPr lang="en-US" sz="2800" dirty="0"/>
-          </a:p>
-          <a:p>
-            <a:pPr lvl="5">
-              <a:buFont typeface="Wingdings" charset="2"/>
-              <a:buChar char="u"/>
-            </a:pPr>
-            <a:r>
-              <a:rPr lang="en-US" sz="2800" dirty="0" smtClean="0"/>
-              <a:t>Game </a:t>
-            </a:r>
-            <a:r>
-              <a:rPr lang="en-US" sz="2800" dirty="0"/>
-              <a:t>starts as </a:t>
-            </a:r>
-            <a:r>
-              <a:rPr lang="en-US" sz="2800" dirty="0" smtClean="0"/>
-              <a:t>Player </a:t>
-            </a:r>
-            <a:r>
-              <a:rPr lang="en-US" sz="2800" dirty="0"/>
-              <a:t>vs </a:t>
-            </a:r>
-            <a:r>
-              <a:rPr lang="en-US" sz="2800" dirty="0" smtClean="0"/>
-              <a:t>AI.</a:t>
-            </a:r>
-            <a:endParaRPr lang="en-US" sz="2800" dirty="0"/>
-          </a:p>
-          <a:p>
-            <a:pPr marL="1719263" lvl="5" indent="0">
-              <a:buNone/>
-            </a:pPr>
-            <a:endParaRPr lang="en-US" sz="2800" dirty="0"/>
-          </a:p>
-          <a:p>
-            <a:pPr lvl="5">
-              <a:buFont typeface="Wingdings" charset="2"/>
-              <a:buChar char="u"/>
-            </a:pPr>
-            <a:r>
               <a:rPr lang="en-US" sz="2800" dirty="0"/>
               <a:t>Update score as </a:t>
             </a:r>
             <a:r>
               <a:rPr lang="en-US" sz="2800" dirty="0" smtClean="0"/>
-              <a:t>squares connect.</a:t>
-            </a:r>
-            <a:endParaRPr lang="en-US" sz="2800" dirty="0"/>
+              <a:t>player </a:t>
+            </a:r>
+            <a:r>
+              <a:rPr lang="en-US" sz="2800" dirty="0"/>
+              <a:t>have aligned squares</a:t>
+            </a:r>
           </a:p>
           <a:p>
             <a:endParaRPr lang="en-US" dirty="0"/>
@@ -6876,17 +6437,10 @@
   <p:clrMapOvr>
     <a:masterClrMapping/>
   </p:clrMapOvr>
-  <p:timing>
-    <p:tnLst>
-      <p:par>
-        <p:cTn id="1" dur="indefinite" restart="never" nodeType="tmRoot"/>
-      </p:par>
-    </p:tnLst>
-  </p:timing>
 </p:sld>
 </file>
 
-<file path=ppt/slides/slide9.xml><?xml version="1.0" encoding="utf-8"?>
+<file path=ppt/slides/slide8.xml><?xml version="1.0" encoding="utf-8"?>
 <p:sld xmlns:a="http://schemas.openxmlformats.org/drawingml/2006/main" xmlns:r="http://schemas.openxmlformats.org/officeDocument/2006/relationships" xmlns:p="http://schemas.openxmlformats.org/presentationml/2006/main">
   <p:cSld>
     <p:spTree>
@@ -6965,13 +6519,6 @@
   <p:clrMapOvr>
     <a:masterClrMapping/>
   </p:clrMapOvr>
-  <p:timing>
-    <p:tnLst>
-      <p:par>
-        <p:cTn id="1" dur="indefinite" restart="never" nodeType="tmRoot"/>
-      </p:par>
-    </p:tnLst>
-  </p:timing>
 </p:sld>
 </file>
 

--- a/Power Point Presentation.pptx
+++ b/Power Point Presentation.pptx
@@ -265,7 +265,7 @@
           <a:bodyPr lIns="0" rIns="0" tIns="0" bIns="0" anchor="b"/>
           <a:p>
             <a:pPr algn="r"/>
-            <a:fld id="{8A63396F-436F-4636-91A3-204F415E4B5C}" type="slidenum">
+            <a:fld id="{A1A364BA-A6EB-4F19-B99D-E777A881F82B}" type="slidenum">
               <a:rPr lang="en-US" sz="1400" spc="-1" strike="noStrike">
                 <a:solidFill>
                   <a:srgbClr val="000000"/>
@@ -448,7 +448,7 @@
                 <a:spcPct val="100000"/>
               </a:lnSpc>
             </a:pPr>
-            <a:fld id="{83338051-CB81-4D2A-BFCD-2AD3EE4D23F6}" type="slidenum">
+            <a:fld id="{61507815-42A9-41B9-923B-1026CB9BD3F7}" type="slidenum">
               <a:rPr lang="en-US" sz="1200" spc="-1" strike="noStrike">
                 <a:solidFill>
                   <a:srgbClr val="000000"/>
@@ -631,7 +631,7 @@
                 <a:spcPct val="100000"/>
               </a:lnSpc>
             </a:pPr>
-            <a:fld id="{77B3B6A6-FE1A-48D8-B77C-018034C2077D}" type="slidenum">
+            <a:fld id="{DE8F7FE4-465C-40FD-85A8-4F73A1714D87}" type="slidenum">
               <a:rPr lang="en-US" sz="1200" spc="-1" strike="noStrike">
                 <a:solidFill>
                   <a:srgbClr val="000000"/>
@@ -814,7 +814,7 @@
                 <a:spcPct val="100000"/>
               </a:lnSpc>
             </a:pPr>
-            <a:fld id="{B6542411-7467-4DD4-BE13-B32A9ADE3D0E}" type="slidenum">
+            <a:fld id="{101AFC28-93E5-4DE5-8CD6-449A16A7DA91}" type="slidenum">
               <a:rPr lang="en-US" sz="1200" spc="-1" strike="noStrike">
                 <a:solidFill>
                   <a:srgbClr val="000000"/>
@@ -3976,7 +3976,7 @@
                 <a:spcPct val="100000"/>
               </a:lnSpc>
             </a:pPr>
-            <a:fld id="{A275356D-EC86-425F-A51F-7DEA2369081D}" type="slidenum">
+            <a:fld id="{ECB6DB9D-57D5-4F1F-9277-A214E9D172DD}" type="slidenum">
               <a:rPr lang="en-US" sz="1200" spc="-1" strike="noStrike">
                 <a:solidFill>
                   <a:srgbClr val="ffffff"/>
@@ -4900,7 +4900,7 @@
                 <a:spcPct val="100000"/>
               </a:lnSpc>
             </a:pPr>
-            <a:fld id="{A41D4B3F-E0D0-4409-A7D7-A142FD43269B}" type="slidenum">
+            <a:fld id="{F90B1BA1-BC27-426D-B903-8940D5D3F0DB}" type="slidenum">
               <a:rPr lang="en-US" sz="1200" spc="-1" strike="noStrike">
                 <a:solidFill>
                   <a:srgbClr val="ffffff"/>

--- a/Power Point Presentation.pptx
+++ b/Power Point Presentation.pptx
@@ -1,31 +1,464 @@
 
 <file path=ppt/presentation.xml><?xml version="1.0" encoding="utf-8"?>
-<p:presentation xmlns:a="http://schemas.openxmlformats.org/drawingml/2006/main" xmlns:p="http://schemas.openxmlformats.org/presentationml/2006/main" xmlns:r="http://schemas.openxmlformats.org/officeDocument/2006/relationships">
+<p:presentation xmlns:a="http://schemas.openxmlformats.org/drawingml/2006/main" xmlns:r="http://schemas.openxmlformats.org/officeDocument/2006/relationships" xmlns:p="http://schemas.openxmlformats.org/presentationml/2006/main">
   <p:sldMasterIdLst>
-    <p:sldMasterId id="2147483648" r:id="rId2"/>
-    <p:sldMasterId id="2147483661" r:id="rId3"/>
+    <p:sldMasterId id="2147483648" r:id="rId1"/>
+    <p:sldMasterId id="2147483661" r:id="rId2"/>
   </p:sldMasterIdLst>
   <p:notesMasterIdLst>
-    <p:notesMasterId r:id="rId4"/>
+    <p:notesMasterId r:id="rId12"/>
   </p:notesMasterIdLst>
   <p:sldIdLst>
-    <p:sldId id="256" r:id="rId5"/>
-    <p:sldId id="257" r:id="rId6"/>
-    <p:sldId id="258" r:id="rId7"/>
-    <p:sldId id="259" r:id="rId8"/>
-    <p:sldId id="260" r:id="rId9"/>
-    <p:sldId id="261" r:id="rId10"/>
-    <p:sldId id="262" r:id="rId11"/>
-    <p:sldId id="263" r:id="rId12"/>
-    <p:sldId id="264" r:id="rId13"/>
+    <p:sldId id="256" r:id="rId3"/>
+    <p:sldId id="257" r:id="rId4"/>
+    <p:sldId id="258" r:id="rId5"/>
+    <p:sldId id="259" r:id="rId6"/>
+    <p:sldId id="260" r:id="rId7"/>
+    <p:sldId id="261" r:id="rId8"/>
+    <p:sldId id="262" r:id="rId9"/>
+    <p:sldId id="263" r:id="rId10"/>
+    <p:sldId id="264" r:id="rId11"/>
   </p:sldIdLst>
-  <p:sldSz cx="9144000" cy="6858000"/>
+  <p:sldSz cx="9144000" cy="6858000" type="screen4x3"/>
   <p:notesSz cx="6858000" cy="9144000"/>
+  <p:defaultTextStyle>
+    <a:defPPr>
+      <a:defRPr lang="en-US"/>
+    </a:defPPr>
+    <a:lvl1pPr marL="0" algn="l" defTabSz="914400" rtl="0" eaLnBrk="1" latinLnBrk="0" hangingPunct="1">
+      <a:defRPr sz="1800" kern="1200">
+        <a:solidFill>
+          <a:schemeClr val="tx1"/>
+        </a:solidFill>
+        <a:latin typeface="+mn-lt"/>
+        <a:ea typeface="+mn-ea"/>
+        <a:cs typeface="+mn-cs"/>
+      </a:defRPr>
+    </a:lvl1pPr>
+    <a:lvl2pPr marL="457200" algn="l" defTabSz="914400" rtl="0" eaLnBrk="1" latinLnBrk="0" hangingPunct="1">
+      <a:defRPr sz="1800" kern="1200">
+        <a:solidFill>
+          <a:schemeClr val="tx1"/>
+        </a:solidFill>
+        <a:latin typeface="+mn-lt"/>
+        <a:ea typeface="+mn-ea"/>
+        <a:cs typeface="+mn-cs"/>
+      </a:defRPr>
+    </a:lvl2pPr>
+    <a:lvl3pPr marL="914400" algn="l" defTabSz="914400" rtl="0" eaLnBrk="1" latinLnBrk="0" hangingPunct="1">
+      <a:defRPr sz="1800" kern="1200">
+        <a:solidFill>
+          <a:schemeClr val="tx1"/>
+        </a:solidFill>
+        <a:latin typeface="+mn-lt"/>
+        <a:ea typeface="+mn-ea"/>
+        <a:cs typeface="+mn-cs"/>
+      </a:defRPr>
+    </a:lvl3pPr>
+    <a:lvl4pPr marL="1371600" algn="l" defTabSz="914400" rtl="0" eaLnBrk="1" latinLnBrk="0" hangingPunct="1">
+      <a:defRPr sz="1800" kern="1200">
+        <a:solidFill>
+          <a:schemeClr val="tx1"/>
+        </a:solidFill>
+        <a:latin typeface="+mn-lt"/>
+        <a:ea typeface="+mn-ea"/>
+        <a:cs typeface="+mn-cs"/>
+      </a:defRPr>
+    </a:lvl4pPr>
+    <a:lvl5pPr marL="1828800" algn="l" defTabSz="914400" rtl="0" eaLnBrk="1" latinLnBrk="0" hangingPunct="1">
+      <a:defRPr sz="1800" kern="1200">
+        <a:solidFill>
+          <a:schemeClr val="tx1"/>
+        </a:solidFill>
+        <a:latin typeface="+mn-lt"/>
+        <a:ea typeface="+mn-ea"/>
+        <a:cs typeface="+mn-cs"/>
+      </a:defRPr>
+    </a:lvl5pPr>
+    <a:lvl6pPr marL="2286000" algn="l" defTabSz="914400" rtl="0" eaLnBrk="1" latinLnBrk="0" hangingPunct="1">
+      <a:defRPr sz="1800" kern="1200">
+        <a:solidFill>
+          <a:schemeClr val="tx1"/>
+        </a:solidFill>
+        <a:latin typeface="+mn-lt"/>
+        <a:ea typeface="+mn-ea"/>
+        <a:cs typeface="+mn-cs"/>
+      </a:defRPr>
+    </a:lvl6pPr>
+    <a:lvl7pPr marL="2743200" algn="l" defTabSz="914400" rtl="0" eaLnBrk="1" latinLnBrk="0" hangingPunct="1">
+      <a:defRPr sz="1800" kern="1200">
+        <a:solidFill>
+          <a:schemeClr val="tx1"/>
+        </a:solidFill>
+        <a:latin typeface="+mn-lt"/>
+        <a:ea typeface="+mn-ea"/>
+        <a:cs typeface="+mn-cs"/>
+      </a:defRPr>
+    </a:lvl7pPr>
+    <a:lvl8pPr marL="3200400" algn="l" defTabSz="914400" rtl="0" eaLnBrk="1" latinLnBrk="0" hangingPunct="1">
+      <a:defRPr sz="1800" kern="1200">
+        <a:solidFill>
+          <a:schemeClr val="tx1"/>
+        </a:solidFill>
+        <a:latin typeface="+mn-lt"/>
+        <a:ea typeface="+mn-ea"/>
+        <a:cs typeface="+mn-cs"/>
+      </a:defRPr>
+    </a:lvl8pPr>
+    <a:lvl9pPr marL="3657600" algn="l" defTabSz="914400" rtl="0" eaLnBrk="1" latinLnBrk="0" hangingPunct="1">
+      <a:defRPr sz="1800" kern="1200">
+        <a:solidFill>
+          <a:schemeClr val="tx1"/>
+        </a:solidFill>
+        <a:latin typeface="+mn-lt"/>
+        <a:ea typeface="+mn-ea"/>
+        <a:cs typeface="+mn-cs"/>
+      </a:defRPr>
+    </a:lvl9pPr>
+  </p:defaultTextStyle>
 </p:presentation>
 </file>
 
 <file path=ppt/notesMasters/notesMaster1.xml><?xml version="1.0" encoding="utf-8"?>
-<p:notesMaster xmlns:a="http://schemas.openxmlformats.org/drawingml/2006/main" xmlns:p="http://schemas.openxmlformats.org/presentationml/2006/main" xmlns:r="http://schemas.openxmlformats.org/officeDocument/2006/relationships">
+<p:notesMaster xmlns:a="http://schemas.openxmlformats.org/drawingml/2006/main" xmlns:r="http://schemas.openxmlformats.org/officeDocument/2006/relationships" xmlns:p="http://schemas.openxmlformats.org/presentationml/2006/main">
+  <p:cSld>
+    <p:bg>
+      <p:bgRef idx="1001">
+        <a:schemeClr val="bg1"/>
+      </p:bgRef>
+    </p:bg>
+    <p:spTree>
+      <p:nvGrpSpPr>
+        <p:cNvPr id="1" name=""/>
+        <p:cNvGrpSpPr/>
+        <p:nvPr/>
+      </p:nvGrpSpPr>
+      <p:grpSpPr>
+        <a:xfrm>
+          <a:off x="0" y="0"/>
+          <a:ext cx="0" cy="0"/>
+          <a:chOff x="0" y="0"/>
+          <a:chExt cx="0" cy="0"/>
+        </a:xfrm>
+      </p:grpSpPr>
+      <p:sp>
+        <p:nvSpPr>
+          <p:cNvPr id="78" name="PlaceHolder 1"/>
+          <p:cNvSpPr>
+            <a:spLocks noGrp="1"/>
+          </p:cNvSpPr>
+          <p:nvPr>
+            <p:ph type="body"/>
+          </p:nvPr>
+        </p:nvSpPr>
+        <p:spPr>
+          <a:xfrm>
+            <a:off x="777240" y="4777560"/>
+            <a:ext cx="6217560" cy="4525920"/>
+          </a:xfrm>
+          <a:prstGeom prst="rect">
+            <a:avLst/>
+          </a:prstGeom>
+        </p:spPr>
+        <p:txBody>
+          <a:bodyPr lIns="0" tIns="0" rIns="0" bIns="0"/>
+          <a:lstStyle/>
+          <a:p>
+            <a:r>
+              <a:rPr lang="en-US" sz="2000" strike="noStrike" spc="-1">
+                <a:solidFill>
+                  <a:srgbClr val="000000"/>
+                </a:solidFill>
+                <a:uFill>
+                  <a:solidFill>
+                    <a:srgbClr val="FFFFFF"/>
+                  </a:solidFill>
+                </a:uFill>
+                <a:latin typeface="Arial"/>
+              </a:rPr>
+              <a:t>Click to edit the notes format</a:t>
+            </a:r>
+          </a:p>
+        </p:txBody>
+      </p:sp>
+      <p:sp>
+        <p:nvSpPr>
+          <p:cNvPr id="79" name="PlaceHolder 2"/>
+          <p:cNvSpPr>
+            <a:spLocks noGrp="1"/>
+          </p:cNvSpPr>
+          <p:nvPr>
+            <p:ph type="hdr"/>
+          </p:nvPr>
+        </p:nvSpPr>
+        <p:spPr>
+          <a:xfrm>
+            <a:off x="0" y="0"/>
+            <a:ext cx="3372840" cy="502560"/>
+          </a:xfrm>
+          <a:prstGeom prst="rect">
+            <a:avLst/>
+          </a:prstGeom>
+        </p:spPr>
+        <p:txBody>
+          <a:bodyPr lIns="0" tIns="0" rIns="0" bIns="0"/>
+          <a:lstStyle/>
+          <a:p>
+            <a:r>
+              <a:rPr lang="en-US" sz="1400" strike="noStrike" spc="-1">
+                <a:solidFill>
+                  <a:srgbClr val="000000"/>
+                </a:solidFill>
+                <a:uFill>
+                  <a:solidFill>
+                    <a:srgbClr val="FFFFFF"/>
+                  </a:solidFill>
+                </a:uFill>
+                <a:latin typeface="Times New Roman"/>
+              </a:rPr>
+              <a:t>&lt;header&gt;</a:t>
+            </a:r>
+          </a:p>
+        </p:txBody>
+      </p:sp>
+      <p:sp>
+        <p:nvSpPr>
+          <p:cNvPr id="80" name="PlaceHolder 3"/>
+          <p:cNvSpPr>
+            <a:spLocks noGrp="1"/>
+          </p:cNvSpPr>
+          <p:nvPr>
+            <p:ph type="dt"/>
+          </p:nvPr>
+        </p:nvSpPr>
+        <p:spPr>
+          <a:xfrm>
+            <a:off x="4399200" y="0"/>
+            <a:ext cx="3372840" cy="502560"/>
+          </a:xfrm>
+          <a:prstGeom prst="rect">
+            <a:avLst/>
+          </a:prstGeom>
+        </p:spPr>
+        <p:txBody>
+          <a:bodyPr lIns="0" tIns="0" rIns="0" bIns="0"/>
+          <a:lstStyle/>
+          <a:p>
+            <a:pPr algn="r"/>
+            <a:r>
+              <a:rPr lang="en-US" sz="1400" strike="noStrike" spc="-1">
+                <a:solidFill>
+                  <a:srgbClr val="000000"/>
+                </a:solidFill>
+                <a:uFill>
+                  <a:solidFill>
+                    <a:srgbClr val="FFFFFF"/>
+                  </a:solidFill>
+                </a:uFill>
+                <a:latin typeface="Times New Roman"/>
+              </a:rPr>
+              <a:t>&lt;date/time&gt;</a:t>
+            </a:r>
+          </a:p>
+        </p:txBody>
+      </p:sp>
+      <p:sp>
+        <p:nvSpPr>
+          <p:cNvPr id="81" name="PlaceHolder 4"/>
+          <p:cNvSpPr>
+            <a:spLocks noGrp="1"/>
+          </p:cNvSpPr>
+          <p:nvPr>
+            <p:ph type="ftr"/>
+          </p:nvPr>
+        </p:nvSpPr>
+        <p:spPr>
+          <a:xfrm>
+            <a:off x="0" y="9555480"/>
+            <a:ext cx="3372840" cy="502560"/>
+          </a:xfrm>
+          <a:prstGeom prst="rect">
+            <a:avLst/>
+          </a:prstGeom>
+        </p:spPr>
+        <p:txBody>
+          <a:bodyPr lIns="0" tIns="0" rIns="0" bIns="0" anchor="b"/>
+          <a:lstStyle/>
+          <a:p>
+            <a:r>
+              <a:rPr lang="en-US" sz="1400" strike="noStrike" spc="-1">
+                <a:solidFill>
+                  <a:srgbClr val="000000"/>
+                </a:solidFill>
+                <a:uFill>
+                  <a:solidFill>
+                    <a:srgbClr val="FFFFFF"/>
+                  </a:solidFill>
+                </a:uFill>
+                <a:latin typeface="Times New Roman"/>
+              </a:rPr>
+              <a:t>&lt;footer&gt;</a:t>
+            </a:r>
+          </a:p>
+        </p:txBody>
+      </p:sp>
+      <p:sp>
+        <p:nvSpPr>
+          <p:cNvPr id="82" name="PlaceHolder 5"/>
+          <p:cNvSpPr>
+            <a:spLocks noGrp="1"/>
+          </p:cNvSpPr>
+          <p:nvPr>
+            <p:ph type="sldNum"/>
+          </p:nvPr>
+        </p:nvSpPr>
+        <p:spPr>
+          <a:xfrm>
+            <a:off x="4399200" y="9555480"/>
+            <a:ext cx="3372840" cy="502560"/>
+          </a:xfrm>
+          <a:prstGeom prst="rect">
+            <a:avLst/>
+          </a:prstGeom>
+        </p:spPr>
+        <p:txBody>
+          <a:bodyPr lIns="0" tIns="0" rIns="0" bIns="0" anchor="b"/>
+          <a:lstStyle/>
+          <a:p>
+            <a:pPr algn="r"/>
+            <a:fld id="{A1A364BA-A6EB-4F19-B99D-E777A881F82B}" type="slidenum">
+              <a:rPr lang="en-US" sz="1400" strike="noStrike" spc="-1">
+                <a:solidFill>
+                  <a:srgbClr val="000000"/>
+                </a:solidFill>
+                <a:uFill>
+                  <a:solidFill>
+                    <a:srgbClr val="FFFFFF"/>
+                  </a:solidFill>
+                </a:uFill>
+                <a:latin typeface="Times New Roman"/>
+              </a:rPr>
+              <a:t>‹#›</a:t>
+            </a:fld>
+            <a:endParaRPr lang="en-US" sz="1400" strike="noStrike" spc="-1">
+              <a:solidFill>
+                <a:srgbClr val="000000"/>
+              </a:solidFill>
+              <a:uFill>
+                <a:solidFill>
+                  <a:srgbClr val="FFFFFF"/>
+                </a:solidFill>
+              </a:uFill>
+              <a:latin typeface="Times New Roman"/>
+            </a:endParaRPr>
+          </a:p>
+        </p:txBody>
+      </p:sp>
+    </p:spTree>
+    <p:extLst>
+      <p:ext uri="{BB962C8B-B14F-4D97-AF65-F5344CB8AC3E}">
+        <p14:creationId xmlns:p14="http://schemas.microsoft.com/office/powerpoint/2010/main" val="2787602390"/>
+      </p:ext>
+    </p:extLst>
+  </p:cSld>
+  <p:clrMap bg1="lt1" tx1="dk1" bg2="lt2" tx2="dk2" accent1="accent1" accent2="accent2" accent3="accent3" accent4="accent4" accent5="accent5" accent6="accent6" hlink="hlink" folHlink="folHlink"/>
+  <p:notesStyle>
+    <a:lvl1pPr marL="0" algn="l" defTabSz="914400" rtl="0" eaLnBrk="1" latinLnBrk="0" hangingPunct="1">
+      <a:defRPr sz="1200" kern="1200">
+        <a:solidFill>
+          <a:schemeClr val="tx1"/>
+        </a:solidFill>
+        <a:latin typeface="+mn-lt"/>
+        <a:ea typeface="+mn-ea"/>
+        <a:cs typeface="+mn-cs"/>
+      </a:defRPr>
+    </a:lvl1pPr>
+    <a:lvl2pPr marL="457200" algn="l" defTabSz="914400" rtl="0" eaLnBrk="1" latinLnBrk="0" hangingPunct="1">
+      <a:defRPr sz="1200" kern="1200">
+        <a:solidFill>
+          <a:schemeClr val="tx1"/>
+        </a:solidFill>
+        <a:latin typeface="+mn-lt"/>
+        <a:ea typeface="+mn-ea"/>
+        <a:cs typeface="+mn-cs"/>
+      </a:defRPr>
+    </a:lvl2pPr>
+    <a:lvl3pPr marL="914400" algn="l" defTabSz="914400" rtl="0" eaLnBrk="1" latinLnBrk="0" hangingPunct="1">
+      <a:defRPr sz="1200" kern="1200">
+        <a:solidFill>
+          <a:schemeClr val="tx1"/>
+        </a:solidFill>
+        <a:latin typeface="+mn-lt"/>
+        <a:ea typeface="+mn-ea"/>
+        <a:cs typeface="+mn-cs"/>
+      </a:defRPr>
+    </a:lvl3pPr>
+    <a:lvl4pPr marL="1371600" algn="l" defTabSz="914400" rtl="0" eaLnBrk="1" latinLnBrk="0" hangingPunct="1">
+      <a:defRPr sz="1200" kern="1200">
+        <a:solidFill>
+          <a:schemeClr val="tx1"/>
+        </a:solidFill>
+        <a:latin typeface="+mn-lt"/>
+        <a:ea typeface="+mn-ea"/>
+        <a:cs typeface="+mn-cs"/>
+      </a:defRPr>
+    </a:lvl4pPr>
+    <a:lvl5pPr marL="1828800" algn="l" defTabSz="914400" rtl="0" eaLnBrk="1" latinLnBrk="0" hangingPunct="1">
+      <a:defRPr sz="1200" kern="1200">
+        <a:solidFill>
+          <a:schemeClr val="tx1"/>
+        </a:solidFill>
+        <a:latin typeface="+mn-lt"/>
+        <a:ea typeface="+mn-ea"/>
+        <a:cs typeface="+mn-cs"/>
+      </a:defRPr>
+    </a:lvl5pPr>
+    <a:lvl6pPr marL="2286000" algn="l" defTabSz="914400" rtl="0" eaLnBrk="1" latinLnBrk="0" hangingPunct="1">
+      <a:defRPr sz="1200" kern="1200">
+        <a:solidFill>
+          <a:schemeClr val="tx1"/>
+        </a:solidFill>
+        <a:latin typeface="+mn-lt"/>
+        <a:ea typeface="+mn-ea"/>
+        <a:cs typeface="+mn-cs"/>
+      </a:defRPr>
+    </a:lvl6pPr>
+    <a:lvl7pPr marL="2743200" algn="l" defTabSz="914400" rtl="0" eaLnBrk="1" latinLnBrk="0" hangingPunct="1">
+      <a:defRPr sz="1200" kern="1200">
+        <a:solidFill>
+          <a:schemeClr val="tx1"/>
+        </a:solidFill>
+        <a:latin typeface="+mn-lt"/>
+        <a:ea typeface="+mn-ea"/>
+        <a:cs typeface="+mn-cs"/>
+      </a:defRPr>
+    </a:lvl7pPr>
+    <a:lvl8pPr marL="3200400" algn="l" defTabSz="914400" rtl="0" eaLnBrk="1" latinLnBrk="0" hangingPunct="1">
+      <a:defRPr sz="1200" kern="1200">
+        <a:solidFill>
+          <a:schemeClr val="tx1"/>
+        </a:solidFill>
+        <a:latin typeface="+mn-lt"/>
+        <a:ea typeface="+mn-ea"/>
+        <a:cs typeface="+mn-cs"/>
+      </a:defRPr>
+    </a:lvl8pPr>
+    <a:lvl9pPr marL="3657600" algn="l" defTabSz="914400" rtl="0" eaLnBrk="1" latinLnBrk="0" hangingPunct="1">
+      <a:defRPr sz="1200" kern="1200">
+        <a:solidFill>
+          <a:schemeClr val="tx1"/>
+        </a:solidFill>
+        <a:latin typeface="+mn-lt"/>
+        <a:ea typeface="+mn-ea"/>
+        <a:cs typeface="+mn-cs"/>
+      </a:defRPr>
+    </a:lvl9pPr>
+  </p:notesStyle>
+</p:notesMaster>
+</file>
+
+<file path=ppt/notesSlides/notesSlide1.xml><?xml version="1.0" encoding="utf-8"?>
+<p:notes xmlns:a="http://schemas.openxmlformats.org/drawingml/2006/main" xmlns:r="http://schemas.openxmlformats.org/officeDocument/2006/relationships" xmlns:p="http://schemas.openxmlformats.org/presentationml/2006/main">
   <p:cSld>
     <p:spTree>
       <p:nvGrpSpPr>
@@ -43,7 +476,7 @@
       </p:grpSpPr>
       <p:sp>
         <p:nvSpPr>
-          <p:cNvPr id="78" name="PlaceHolder 1"/>
+          <p:cNvPr id="101" name="PlaceHolder 1"/>
           <p:cNvSpPr>
             <a:spLocks noGrp="1"/>
           </p:cNvSpPr>
@@ -53,37 +486,71 @@
         </p:nvSpPr>
         <p:spPr>
           <a:xfrm>
-            <a:off x="777240" y="4777560"/>
-            <a:ext cx="6217560" cy="4525920"/>
-          </a:xfrm>
-          <a:prstGeom prst="rect">
-            <a:avLst/>
-          </a:prstGeom>
-        </p:spPr>
-        <p:txBody>
-          <a:bodyPr lIns="0" rIns="0" tIns="0" bIns="0"/>
-          <a:p>
-            <a:r>
-              <a:rPr lang="en-US" sz="2000" spc="-1" strike="noStrike">
+            <a:off x="685800" y="4343400"/>
+            <a:ext cx="5486040" cy="4114440"/>
+          </a:xfrm>
+          <a:prstGeom prst="rect">
+            <a:avLst/>
+          </a:prstGeom>
+        </p:spPr>
+        <p:txBody>
+          <a:bodyPr/>
+          <a:lstStyle/>
+          <a:p>
+            <a:pPr>
+              <a:lnSpc>
+                <a:spcPct val="100000"/>
+              </a:lnSpc>
+            </a:pPr>
+            <a:r>
+              <a:rPr lang="en-US" sz="2000" strike="noStrike" spc="-1">
                 <a:solidFill>
                   <a:srgbClr val="000000"/>
                 </a:solidFill>
                 <a:uFill>
                   <a:solidFill>
-                    <a:srgbClr val="ffffff"/>
+                    <a:srgbClr val="FFFFFF"/>
                   </a:solidFill>
                 </a:uFill>
                 <a:latin typeface="Arial"/>
               </a:rPr>
-              <a:t>Click to edit the notes format</a:t>
-            </a:r>
-            <a:endParaRPr lang="en-US" sz="2000" spc="-1" strike="noStrike">
+              <a:t>GOALS: To play the game during downtime, to be entertained and to win the game. </a:t>
+            </a:r>
+          </a:p>
+          <a:p>
+            <a:pPr>
+              <a:lnSpc>
+                <a:spcPct val="100000"/>
+              </a:lnSpc>
+            </a:pPr>
+            <a:r>
+              <a:rPr lang="en-US" sz="2000" strike="noStrike" spc="-1">
+                <a:solidFill>
+                  <a:srgbClr val="000000"/>
+                </a:solidFill>
+                <a:uFill>
+                  <a:solidFill>
+                    <a:srgbClr val="FFFFFF"/>
+                  </a:solidFill>
+                </a:uFill>
+                <a:latin typeface="Arial"/>
+              </a:rPr>
+              <a:t>TASKS: </a:t>
+            </a:r>
+          </a:p>
+          <a:p>
+            <a:pPr>
+              <a:lnSpc>
+                <a:spcPct val="100000"/>
+              </a:lnSpc>
+            </a:pPr>
+            <a:endParaRPr lang="en-US" sz="2000" strike="noStrike" spc="-1">
               <a:solidFill>
                 <a:srgbClr val="000000"/>
               </a:solidFill>
               <a:uFill>
                 <a:solidFill>
-                  <a:srgbClr val="ffffff"/>
+                  <a:srgbClr val="FFFFFF"/>
                 </a:solidFill>
               </a:uFill>
               <a:latin typeface="Arial"/>
@@ -93,47 +560,54 @@
       </p:sp>
       <p:sp>
         <p:nvSpPr>
-          <p:cNvPr id="79" name="PlaceHolder 2"/>
-          <p:cNvSpPr>
-            <a:spLocks noGrp="1"/>
-          </p:cNvSpPr>
-          <p:nvPr>
-            <p:ph type="hdr"/>
-          </p:nvPr>
-        </p:nvSpPr>
-        <p:spPr>
-          <a:xfrm>
-            <a:off x="0" y="0"/>
-            <a:ext cx="3372840" cy="502560"/>
-          </a:xfrm>
-          <a:prstGeom prst="rect">
-            <a:avLst/>
-          </a:prstGeom>
-        </p:spPr>
-        <p:txBody>
-          <a:bodyPr lIns="0" rIns="0" tIns="0" bIns="0"/>
-          <a:p>
-            <a:r>
-              <a:rPr lang="en-US" sz="1400" spc="-1" strike="noStrike">
+          <p:cNvPr id="102" name="TextShape 2"/>
+          <p:cNvSpPr txBox="1"/>
+          <p:nvPr/>
+        </p:nvSpPr>
+        <p:spPr>
+          <a:xfrm>
+            <a:off x="3884760" y="8685360"/>
+            <a:ext cx="2971440" cy="456840"/>
+          </a:xfrm>
+          <a:prstGeom prst="rect">
+            <a:avLst/>
+          </a:prstGeom>
+          <a:noFill/>
+          <a:ln>
+            <a:noFill/>
+          </a:ln>
+        </p:spPr>
+        <p:txBody>
+          <a:bodyPr anchor="b"/>
+          <a:lstStyle/>
+          <a:p>
+            <a:pPr algn="r">
+              <a:lnSpc>
+                <a:spcPct val="100000"/>
+              </a:lnSpc>
+            </a:pPr>
+            <a:fld id="{61507815-42A9-41B9-923B-1026CB9BD3F7}" type="slidenum">
+              <a:rPr lang="en-US" sz="1200" strike="noStrike" spc="-1">
                 <a:solidFill>
                   <a:srgbClr val="000000"/>
                 </a:solidFill>
                 <a:uFill>
                   <a:solidFill>
-                    <a:srgbClr val="ffffff"/>
-                  </a:solidFill>
-                </a:uFill>
-                <a:latin typeface="Times New Roman"/>
-              </a:rPr>
-              <a:t>&lt;header&gt;</a:t>
-            </a:r>
-            <a:endParaRPr lang="en-US" sz="1400" spc="-1" strike="noStrike">
+                    <a:srgbClr val="FFFFFF"/>
+                  </a:solidFill>
+                </a:uFill>
+                <a:latin typeface="+mn-lt"/>
+                <a:ea typeface="+mn-ea"/>
+              </a:rPr>
+              <a:t>3</a:t>
+            </a:fld>
+            <a:endParaRPr lang="en-US" sz="1400" strike="noStrike" spc="-1">
               <a:solidFill>
                 <a:srgbClr val="000000"/>
               </a:solidFill>
               <a:uFill>
                 <a:solidFill>
-                  <a:srgbClr val="ffffff"/>
+                  <a:srgbClr val="FFFFFF"/>
                 </a:solidFill>
               </a:uFill>
               <a:latin typeface="Times New Roman"/>
@@ -141,166 +615,21 @@
           </a:p>
         </p:txBody>
       </p:sp>
-      <p:sp>
-        <p:nvSpPr>
-          <p:cNvPr id="80" name="PlaceHolder 3"/>
-          <p:cNvSpPr>
-            <a:spLocks noGrp="1"/>
-          </p:cNvSpPr>
-          <p:nvPr>
-            <p:ph type="dt"/>
-          </p:nvPr>
-        </p:nvSpPr>
-        <p:spPr>
-          <a:xfrm>
-            <a:off x="4399200" y="0"/>
-            <a:ext cx="3372840" cy="502560"/>
-          </a:xfrm>
-          <a:prstGeom prst="rect">
-            <a:avLst/>
-          </a:prstGeom>
-        </p:spPr>
-        <p:txBody>
-          <a:bodyPr lIns="0" rIns="0" tIns="0" bIns="0"/>
-          <a:p>
-            <a:pPr algn="r"/>
-            <a:r>
-              <a:rPr lang="en-US" sz="1400" spc="-1" strike="noStrike">
-                <a:solidFill>
-                  <a:srgbClr val="000000"/>
-                </a:solidFill>
-                <a:uFill>
-                  <a:solidFill>
-                    <a:srgbClr val="ffffff"/>
-                  </a:solidFill>
-                </a:uFill>
-                <a:latin typeface="Times New Roman"/>
-              </a:rPr>
-              <a:t>&lt;date/time&gt;</a:t>
-            </a:r>
-            <a:endParaRPr lang="en-US" sz="1400" spc="-1" strike="noStrike">
-              <a:solidFill>
-                <a:srgbClr val="000000"/>
-              </a:solidFill>
-              <a:uFill>
-                <a:solidFill>
-                  <a:srgbClr val="ffffff"/>
-                </a:solidFill>
-              </a:uFill>
-              <a:latin typeface="Times New Roman"/>
-            </a:endParaRPr>
-          </a:p>
-        </p:txBody>
-      </p:sp>
-      <p:sp>
-        <p:nvSpPr>
-          <p:cNvPr id="81" name="PlaceHolder 4"/>
-          <p:cNvSpPr>
-            <a:spLocks noGrp="1"/>
-          </p:cNvSpPr>
-          <p:nvPr>
-            <p:ph type="ftr"/>
-          </p:nvPr>
-        </p:nvSpPr>
-        <p:spPr>
-          <a:xfrm>
-            <a:off x="0" y="9555480"/>
-            <a:ext cx="3372840" cy="502560"/>
-          </a:xfrm>
-          <a:prstGeom prst="rect">
-            <a:avLst/>
-          </a:prstGeom>
-        </p:spPr>
-        <p:txBody>
-          <a:bodyPr lIns="0" rIns="0" tIns="0" bIns="0" anchor="b"/>
-          <a:p>
-            <a:r>
-              <a:rPr lang="en-US" sz="1400" spc="-1" strike="noStrike">
-                <a:solidFill>
-                  <a:srgbClr val="000000"/>
-                </a:solidFill>
-                <a:uFill>
-                  <a:solidFill>
-                    <a:srgbClr val="ffffff"/>
-                  </a:solidFill>
-                </a:uFill>
-                <a:latin typeface="Times New Roman"/>
-              </a:rPr>
-              <a:t>&lt;footer&gt;</a:t>
-            </a:r>
-            <a:endParaRPr lang="en-US" sz="1400" spc="-1" strike="noStrike">
-              <a:solidFill>
-                <a:srgbClr val="000000"/>
-              </a:solidFill>
-              <a:uFill>
-                <a:solidFill>
-                  <a:srgbClr val="ffffff"/>
-                </a:solidFill>
-              </a:uFill>
-              <a:latin typeface="Times New Roman"/>
-            </a:endParaRPr>
-          </a:p>
-        </p:txBody>
-      </p:sp>
-      <p:sp>
-        <p:nvSpPr>
-          <p:cNvPr id="82" name="PlaceHolder 5"/>
-          <p:cNvSpPr>
-            <a:spLocks noGrp="1"/>
-          </p:cNvSpPr>
-          <p:nvPr>
-            <p:ph type="sldNum"/>
-          </p:nvPr>
-        </p:nvSpPr>
-        <p:spPr>
-          <a:xfrm>
-            <a:off x="4399200" y="9555480"/>
-            <a:ext cx="3372840" cy="502560"/>
-          </a:xfrm>
-          <a:prstGeom prst="rect">
-            <a:avLst/>
-          </a:prstGeom>
-        </p:spPr>
-        <p:txBody>
-          <a:bodyPr lIns="0" rIns="0" tIns="0" bIns="0" anchor="b"/>
-          <a:p>
-            <a:pPr algn="r"/>
-            <a:fld id="{A1A364BA-A6EB-4F19-B99D-E777A881F82B}" type="slidenum">
-              <a:rPr lang="en-US" sz="1400" spc="-1" strike="noStrike">
-                <a:solidFill>
-                  <a:srgbClr val="000000"/>
-                </a:solidFill>
-                <a:uFill>
-                  <a:solidFill>
-                    <a:srgbClr val="ffffff"/>
-                  </a:solidFill>
-                </a:uFill>
-                <a:latin typeface="Times New Roman"/>
-              </a:rPr>
-              <a:t>&lt;number&gt;</a:t>
-            </a:fld>
-            <a:endParaRPr lang="en-US" sz="1400" spc="-1" strike="noStrike">
-              <a:solidFill>
-                <a:srgbClr val="000000"/>
-              </a:solidFill>
-              <a:uFill>
-                <a:solidFill>
-                  <a:srgbClr val="ffffff"/>
-                </a:solidFill>
-              </a:uFill>
-              <a:latin typeface="Times New Roman"/>
-            </a:endParaRPr>
-          </a:p>
-        </p:txBody>
-      </p:sp>
     </p:spTree>
+    <p:extLst>
+      <p:ext uri="{BB962C8B-B14F-4D97-AF65-F5344CB8AC3E}">
+        <p14:creationId xmlns:p14="http://schemas.microsoft.com/office/powerpoint/2010/main" val="871552668"/>
+      </p:ext>
+    </p:extLst>
   </p:cSld>
-  <p:clrMap bg1="lt1" bg2="lt2" tx1="dk1" tx2="dk2" accent1="accent1" accent2="accent2" accent3="accent3" accent4="accent4" accent5="accent5" accent6="accent6" hlink="hlink" folHlink="folHlink"/>
-</p:notesMaster>
+  <p:clrMapOvr>
+    <a:masterClrMapping/>
+  </p:clrMapOvr>
+</p:notes>
 </file>
 
-<file path=ppt/notesSlides/notesSlide3.xml><?xml version="1.0" encoding="utf-8"?>
-<p:notes xmlns:a="http://schemas.openxmlformats.org/drawingml/2006/main" xmlns:p="http://schemas.openxmlformats.org/presentationml/2006/main" xmlns:r="http://schemas.openxmlformats.org/officeDocument/2006/relationships">
+<file path=ppt/notesSlides/notesSlide2.xml><?xml version="1.0" encoding="utf-8"?>
+<p:notes xmlns:a="http://schemas.openxmlformats.org/drawingml/2006/main" xmlns:r="http://schemas.openxmlformats.org/officeDocument/2006/relationships" xmlns:p="http://schemas.openxmlformats.org/presentationml/2006/main">
   <p:cSld>
     <p:spTree>
       <p:nvGrpSpPr>
@@ -318,7 +647,7 @@
       </p:grpSpPr>
       <p:sp>
         <p:nvSpPr>
-          <p:cNvPr id="101" name="PlaceHolder 1"/>
+          <p:cNvPr id="103" name="PlaceHolder 1"/>
           <p:cNvSpPr>
             <a:spLocks noGrp="1"/>
           </p:cNvSpPr>
@@ -337,6 +666,7 @@
         </p:spPr>
         <p:txBody>
           <a:bodyPr/>
+          <a:lstStyle/>
           <a:p>
             <a:pPr>
               <a:lnSpc>
@@ -344,30 +674,19 @@
               </a:lnSpc>
             </a:pPr>
             <a:r>
-              <a:rPr lang="en-US" sz="2000" spc="-1" strike="noStrike">
+              <a:rPr lang="en-US" sz="2000" strike="noStrike" spc="-1" dirty="0">
                 <a:solidFill>
                   <a:srgbClr val="000000"/>
                 </a:solidFill>
                 <a:uFill>
                   <a:solidFill>
-                    <a:srgbClr val="ffffff"/>
+                    <a:srgbClr val="FFFFFF"/>
                   </a:solidFill>
                 </a:uFill>
                 <a:latin typeface="Arial"/>
               </a:rPr>
               <a:t>GOALS: To play the game during downtime, to be entertained and to win the game. </a:t>
             </a:r>
-            <a:endParaRPr lang="en-US" sz="2000" spc="-1" strike="noStrike">
-              <a:solidFill>
-                <a:srgbClr val="000000"/>
-              </a:solidFill>
-              <a:uFill>
-                <a:solidFill>
-                  <a:srgbClr val="ffffff"/>
-                </a:solidFill>
-              </a:uFill>
-              <a:latin typeface="Arial"/>
-            </a:endParaRPr>
           </a:p>
           <a:p>
             <a:pPr>
@@ -376,30 +695,19 @@
               </a:lnSpc>
             </a:pPr>
             <a:r>
-              <a:rPr lang="en-US" sz="2000" spc="-1" strike="noStrike">
+              <a:rPr lang="en-US" sz="2000" strike="noStrike" spc="-1" dirty="0">
                 <a:solidFill>
                   <a:srgbClr val="000000"/>
                 </a:solidFill>
                 <a:uFill>
                   <a:solidFill>
-                    <a:srgbClr val="ffffff"/>
+                    <a:srgbClr val="FFFFFF"/>
                   </a:solidFill>
                 </a:uFill>
                 <a:latin typeface="Arial"/>
               </a:rPr>
               <a:t>TASKS: </a:t>
             </a:r>
-            <a:endParaRPr lang="en-US" sz="2000" spc="-1" strike="noStrike">
-              <a:solidFill>
-                <a:srgbClr val="000000"/>
-              </a:solidFill>
-              <a:uFill>
-                <a:solidFill>
-                  <a:srgbClr val="ffffff"/>
-                </a:solidFill>
-              </a:uFill>
-              <a:latin typeface="Arial"/>
-            </a:endParaRPr>
           </a:p>
           <a:p>
             <a:pPr>
@@ -407,13 +715,13 @@
                 <a:spcPct val="100000"/>
               </a:lnSpc>
             </a:pPr>
-            <a:endParaRPr lang="en-US" sz="2000" spc="-1" strike="noStrike">
+            <a:endParaRPr lang="en-US" sz="2000" strike="noStrike" spc="-1" dirty="0">
               <a:solidFill>
                 <a:srgbClr val="000000"/>
               </a:solidFill>
               <a:uFill>
                 <a:solidFill>
-                  <a:srgbClr val="ffffff"/>
+                  <a:srgbClr val="FFFFFF"/>
                 </a:solidFill>
               </a:uFill>
               <a:latin typeface="Arial"/>
@@ -423,7 +731,7 @@
       </p:sp>
       <p:sp>
         <p:nvSpPr>
-          <p:cNvPr id="102" name="TextShape 2"/>
+          <p:cNvPr id="104" name="TextShape 2"/>
           <p:cNvSpPr txBox="1"/>
           <p:nvPr/>
         </p:nvSpPr>
@@ -442,34 +750,35 @@
         </p:spPr>
         <p:txBody>
           <a:bodyPr anchor="b"/>
+          <a:lstStyle/>
           <a:p>
             <a:pPr algn="r">
               <a:lnSpc>
                 <a:spcPct val="100000"/>
               </a:lnSpc>
             </a:pPr>
-            <a:fld id="{61507815-42A9-41B9-923B-1026CB9BD3F7}" type="slidenum">
-              <a:rPr lang="en-US" sz="1200" spc="-1" strike="noStrike">
+            <a:fld id="{DE8F7FE4-465C-40FD-85A8-4F73A1714D87}" type="slidenum">
+              <a:rPr lang="en-US" sz="1200" strike="noStrike" spc="-1">
                 <a:solidFill>
                   <a:srgbClr val="000000"/>
                 </a:solidFill>
                 <a:uFill>
                   <a:solidFill>
-                    <a:srgbClr val="ffffff"/>
+                    <a:srgbClr val="FFFFFF"/>
                   </a:solidFill>
                 </a:uFill>
                 <a:latin typeface="+mn-lt"/>
                 <a:ea typeface="+mn-ea"/>
               </a:rPr>
-              <a:t>&lt;number&gt;</a:t>
+              <a:t>6</a:t>
             </a:fld>
-            <a:endParaRPr lang="en-US" sz="1400" spc="-1" strike="noStrike">
+            <a:endParaRPr lang="en-US" sz="1400" strike="noStrike" spc="-1">
               <a:solidFill>
                 <a:srgbClr val="000000"/>
               </a:solidFill>
               <a:uFill>
                 <a:solidFill>
-                  <a:srgbClr val="ffffff"/>
+                  <a:srgbClr val="FFFFFF"/>
                 </a:solidFill>
               </a:uFill>
               <a:latin typeface="Times New Roman"/>
@@ -478,12 +787,20 @@
         </p:txBody>
       </p:sp>
     </p:spTree>
+    <p:extLst>
+      <p:ext uri="{BB962C8B-B14F-4D97-AF65-F5344CB8AC3E}">
+        <p14:creationId xmlns:p14="http://schemas.microsoft.com/office/powerpoint/2010/main" val="1727845913"/>
+      </p:ext>
+    </p:extLst>
   </p:cSld>
+  <p:clrMapOvr>
+    <a:masterClrMapping/>
+  </p:clrMapOvr>
 </p:notes>
 </file>
 
-<file path=ppt/notesSlides/notesSlide6.xml><?xml version="1.0" encoding="utf-8"?>
-<p:notes xmlns:a="http://schemas.openxmlformats.org/drawingml/2006/main" xmlns:p="http://schemas.openxmlformats.org/presentationml/2006/main" xmlns:r="http://schemas.openxmlformats.org/officeDocument/2006/relationships">
+<file path=ppt/notesSlides/notesSlide3.xml><?xml version="1.0" encoding="utf-8"?>
+<p:notes xmlns:a="http://schemas.openxmlformats.org/drawingml/2006/main" xmlns:r="http://schemas.openxmlformats.org/officeDocument/2006/relationships" xmlns:p="http://schemas.openxmlformats.org/presentationml/2006/main">
   <p:cSld>
     <p:spTree>
       <p:nvGrpSpPr>
@@ -501,189 +818,6 @@
       </p:grpSpPr>
       <p:sp>
         <p:nvSpPr>
-          <p:cNvPr id="103" name="PlaceHolder 1"/>
-          <p:cNvSpPr>
-            <a:spLocks noGrp="1"/>
-          </p:cNvSpPr>
-          <p:nvPr>
-            <p:ph type="body"/>
-          </p:nvPr>
-        </p:nvSpPr>
-        <p:spPr>
-          <a:xfrm>
-            <a:off x="685800" y="4343400"/>
-            <a:ext cx="5486040" cy="4114440"/>
-          </a:xfrm>
-          <a:prstGeom prst="rect">
-            <a:avLst/>
-          </a:prstGeom>
-        </p:spPr>
-        <p:txBody>
-          <a:bodyPr/>
-          <a:p>
-            <a:pPr>
-              <a:lnSpc>
-                <a:spcPct val="100000"/>
-              </a:lnSpc>
-            </a:pPr>
-            <a:r>
-              <a:rPr lang="en-US" sz="2000" spc="-1" strike="noStrike">
-                <a:solidFill>
-                  <a:srgbClr val="000000"/>
-                </a:solidFill>
-                <a:uFill>
-                  <a:solidFill>
-                    <a:srgbClr val="ffffff"/>
-                  </a:solidFill>
-                </a:uFill>
-                <a:latin typeface="Arial"/>
-              </a:rPr>
-              <a:t>GOALS: To play the game during downtime, to be entertained and to win the game. </a:t>
-            </a:r>
-            <a:endParaRPr lang="en-US" sz="2000" spc="-1" strike="noStrike">
-              <a:solidFill>
-                <a:srgbClr val="000000"/>
-              </a:solidFill>
-              <a:uFill>
-                <a:solidFill>
-                  <a:srgbClr val="ffffff"/>
-                </a:solidFill>
-              </a:uFill>
-              <a:latin typeface="Arial"/>
-            </a:endParaRPr>
-          </a:p>
-          <a:p>
-            <a:pPr>
-              <a:lnSpc>
-                <a:spcPct val="100000"/>
-              </a:lnSpc>
-            </a:pPr>
-            <a:r>
-              <a:rPr lang="en-US" sz="2000" spc="-1" strike="noStrike">
-                <a:solidFill>
-                  <a:srgbClr val="000000"/>
-                </a:solidFill>
-                <a:uFill>
-                  <a:solidFill>
-                    <a:srgbClr val="ffffff"/>
-                  </a:solidFill>
-                </a:uFill>
-                <a:latin typeface="Arial"/>
-              </a:rPr>
-              <a:t>TASKS: </a:t>
-            </a:r>
-            <a:endParaRPr lang="en-US" sz="2000" spc="-1" strike="noStrike">
-              <a:solidFill>
-                <a:srgbClr val="000000"/>
-              </a:solidFill>
-              <a:uFill>
-                <a:solidFill>
-                  <a:srgbClr val="ffffff"/>
-                </a:solidFill>
-              </a:uFill>
-              <a:latin typeface="Arial"/>
-            </a:endParaRPr>
-          </a:p>
-          <a:p>
-            <a:pPr>
-              <a:lnSpc>
-                <a:spcPct val="100000"/>
-              </a:lnSpc>
-            </a:pPr>
-            <a:endParaRPr lang="en-US" sz="2000" spc="-1" strike="noStrike">
-              <a:solidFill>
-                <a:srgbClr val="000000"/>
-              </a:solidFill>
-              <a:uFill>
-                <a:solidFill>
-                  <a:srgbClr val="ffffff"/>
-                </a:solidFill>
-              </a:uFill>
-              <a:latin typeface="Arial"/>
-            </a:endParaRPr>
-          </a:p>
-        </p:txBody>
-      </p:sp>
-      <p:sp>
-        <p:nvSpPr>
-          <p:cNvPr id="104" name="TextShape 2"/>
-          <p:cNvSpPr txBox="1"/>
-          <p:nvPr/>
-        </p:nvSpPr>
-        <p:spPr>
-          <a:xfrm>
-            <a:off x="3884760" y="8685360"/>
-            <a:ext cx="2971440" cy="456840"/>
-          </a:xfrm>
-          <a:prstGeom prst="rect">
-            <a:avLst/>
-          </a:prstGeom>
-          <a:noFill/>
-          <a:ln>
-            <a:noFill/>
-          </a:ln>
-        </p:spPr>
-        <p:txBody>
-          <a:bodyPr anchor="b"/>
-          <a:p>
-            <a:pPr algn="r">
-              <a:lnSpc>
-                <a:spcPct val="100000"/>
-              </a:lnSpc>
-            </a:pPr>
-            <a:fld id="{DE8F7FE4-465C-40FD-85A8-4F73A1714D87}" type="slidenum">
-              <a:rPr lang="en-US" sz="1200" spc="-1" strike="noStrike">
-                <a:solidFill>
-                  <a:srgbClr val="000000"/>
-                </a:solidFill>
-                <a:uFill>
-                  <a:solidFill>
-                    <a:srgbClr val="ffffff"/>
-                  </a:solidFill>
-                </a:uFill>
-                <a:latin typeface="+mn-lt"/>
-                <a:ea typeface="+mn-ea"/>
-              </a:rPr>
-              <a:t>&lt;number&gt;</a:t>
-            </a:fld>
-            <a:endParaRPr lang="en-US" sz="1400" spc="-1" strike="noStrike">
-              <a:solidFill>
-                <a:srgbClr val="000000"/>
-              </a:solidFill>
-              <a:uFill>
-                <a:solidFill>
-                  <a:srgbClr val="ffffff"/>
-                </a:solidFill>
-              </a:uFill>
-              <a:latin typeface="Times New Roman"/>
-            </a:endParaRPr>
-          </a:p>
-        </p:txBody>
-      </p:sp>
-    </p:spTree>
-  </p:cSld>
-</p:notes>
-</file>
-
-<file path=ppt/notesSlides/notesSlide7.xml><?xml version="1.0" encoding="utf-8"?>
-<p:notes xmlns:a="http://schemas.openxmlformats.org/drawingml/2006/main" xmlns:p="http://schemas.openxmlformats.org/presentationml/2006/main" xmlns:r="http://schemas.openxmlformats.org/officeDocument/2006/relationships">
-  <p:cSld>
-    <p:spTree>
-      <p:nvGrpSpPr>
-        <p:cNvPr id="1" name=""/>
-        <p:cNvGrpSpPr/>
-        <p:nvPr/>
-      </p:nvGrpSpPr>
-      <p:grpSpPr>
-        <a:xfrm>
-          <a:off x="0" y="0"/>
-          <a:ext cx="0" cy="0"/>
-          <a:chOff x="0" y="0"/>
-          <a:chExt cx="0" cy="0"/>
-        </a:xfrm>
-      </p:grpSpPr>
-      <p:sp>
-        <p:nvSpPr>
           <p:cNvPr id="105" name="PlaceHolder 1"/>
           <p:cNvSpPr>
             <a:spLocks noGrp="1"/>
@@ -703,6 +837,7 @@
         </p:spPr>
         <p:txBody>
           <a:bodyPr/>
+          <a:lstStyle/>
           <a:p>
             <a:pPr>
               <a:lnSpc>
@@ -710,30 +845,19 @@
               </a:lnSpc>
             </a:pPr>
             <a:r>
-              <a:rPr lang="en-US" sz="2000" spc="-1" strike="noStrike">
+              <a:rPr lang="en-US" sz="2000" strike="noStrike" spc="-1">
                 <a:solidFill>
                   <a:srgbClr val="000000"/>
                 </a:solidFill>
                 <a:uFill>
                   <a:solidFill>
-                    <a:srgbClr val="ffffff"/>
+                    <a:srgbClr val="FFFFFF"/>
                   </a:solidFill>
                 </a:uFill>
                 <a:latin typeface="Arial"/>
               </a:rPr>
               <a:t>GOALS: To play the game during downtime, to be entertained and to win the game. </a:t>
             </a:r>
-            <a:endParaRPr lang="en-US" sz="2000" spc="-1" strike="noStrike">
-              <a:solidFill>
-                <a:srgbClr val="000000"/>
-              </a:solidFill>
-              <a:uFill>
-                <a:solidFill>
-                  <a:srgbClr val="ffffff"/>
-                </a:solidFill>
-              </a:uFill>
-              <a:latin typeface="Arial"/>
-            </a:endParaRPr>
           </a:p>
           <a:p>
             <a:pPr>
@@ -742,30 +866,19 @@
               </a:lnSpc>
             </a:pPr>
             <a:r>
-              <a:rPr lang="en-US" sz="2000" spc="-1" strike="noStrike">
+              <a:rPr lang="en-US" sz="2000" strike="noStrike" spc="-1">
                 <a:solidFill>
                   <a:srgbClr val="000000"/>
                 </a:solidFill>
                 <a:uFill>
                   <a:solidFill>
-                    <a:srgbClr val="ffffff"/>
+                    <a:srgbClr val="FFFFFF"/>
                   </a:solidFill>
                 </a:uFill>
                 <a:latin typeface="Arial"/>
               </a:rPr>
               <a:t>TASKS: </a:t>
             </a:r>
-            <a:endParaRPr lang="en-US" sz="2000" spc="-1" strike="noStrike">
-              <a:solidFill>
-                <a:srgbClr val="000000"/>
-              </a:solidFill>
-              <a:uFill>
-                <a:solidFill>
-                  <a:srgbClr val="ffffff"/>
-                </a:solidFill>
-              </a:uFill>
-              <a:latin typeface="Arial"/>
-            </a:endParaRPr>
           </a:p>
           <a:p>
             <a:pPr>
@@ -773,13 +886,13 @@
                 <a:spcPct val="100000"/>
               </a:lnSpc>
             </a:pPr>
-            <a:endParaRPr lang="en-US" sz="2000" spc="-1" strike="noStrike">
+            <a:endParaRPr lang="en-US" sz="2000" strike="noStrike" spc="-1">
               <a:solidFill>
                 <a:srgbClr val="000000"/>
               </a:solidFill>
               <a:uFill>
                 <a:solidFill>
-                  <a:srgbClr val="ffffff"/>
+                  <a:srgbClr val="FFFFFF"/>
                 </a:solidFill>
               </a:uFill>
               <a:latin typeface="Arial"/>
@@ -808,6 +921,7 @@
         </p:spPr>
         <p:txBody>
           <a:bodyPr anchor="b"/>
+          <a:lstStyle/>
           <a:p>
             <a:pPr algn="r">
               <a:lnSpc>
@@ -815,27 +929,27 @@
               </a:lnSpc>
             </a:pPr>
             <a:fld id="{101AFC28-93E5-4DE5-8CD6-449A16A7DA91}" type="slidenum">
-              <a:rPr lang="en-US" sz="1200" spc="-1" strike="noStrike">
+              <a:rPr lang="en-US" sz="1200" strike="noStrike" spc="-1">
                 <a:solidFill>
                   <a:srgbClr val="000000"/>
                 </a:solidFill>
                 <a:uFill>
                   <a:solidFill>
-                    <a:srgbClr val="ffffff"/>
+                    <a:srgbClr val="FFFFFF"/>
                   </a:solidFill>
                 </a:uFill>
                 <a:latin typeface="+mn-lt"/>
                 <a:ea typeface="+mn-ea"/>
               </a:rPr>
-              <a:t>&lt;number&gt;</a:t>
+              <a:t>7</a:t>
             </a:fld>
-            <a:endParaRPr lang="en-US" sz="1400" spc="-1" strike="noStrike">
+            <a:endParaRPr lang="en-US" sz="1400" strike="noStrike" spc="-1">
               <a:solidFill>
                 <a:srgbClr val="000000"/>
               </a:solidFill>
               <a:uFill>
                 <a:solidFill>
-                  <a:srgbClr val="ffffff"/>
+                  <a:srgbClr val="FFFFFF"/>
                 </a:solidFill>
               </a:uFill>
               <a:latin typeface="Times New Roman"/>
@@ -844,12 +958,20 @@
         </p:txBody>
       </p:sp>
     </p:spTree>
+    <p:extLst>
+      <p:ext uri="{BB962C8B-B14F-4D97-AF65-F5344CB8AC3E}">
+        <p14:creationId xmlns:p14="http://schemas.microsoft.com/office/powerpoint/2010/main" val="1786352106"/>
+      </p:ext>
+    </p:extLst>
   </p:cSld>
+  <p:clrMapOvr>
+    <a:masterClrMapping/>
+  </p:clrMapOvr>
 </p:notes>
 </file>
 
 <file path=ppt/slideLayouts/slideLayout1.xml><?xml version="1.0" encoding="utf-8"?>
-<p:sldLayout xmlns:a="http://schemas.openxmlformats.org/drawingml/2006/main" xmlns:p="http://schemas.openxmlformats.org/presentationml/2006/main" xmlns:r="http://schemas.openxmlformats.org/officeDocument/2006/relationships" type="blank" preserve="1">
+<p:sldLayout xmlns:a="http://schemas.openxmlformats.org/drawingml/2006/main" xmlns:r="http://schemas.openxmlformats.org/officeDocument/2006/relationships" xmlns:p="http://schemas.openxmlformats.org/presentationml/2006/main" type="blank" preserve="1">
   <p:cSld name="Blank Slide">
     <p:spTree>
       <p:nvGrpSpPr>
@@ -867,11 +989,14 @@
       </p:grpSpPr>
     </p:spTree>
   </p:cSld>
+  <p:clrMapOvr>
+    <a:masterClrMapping/>
+  </p:clrMapOvr>
 </p:sldLayout>
 </file>
 
 <file path=ppt/slideLayouts/slideLayout10.xml><?xml version="1.0" encoding="utf-8"?>
-<p:sldLayout xmlns:a="http://schemas.openxmlformats.org/drawingml/2006/main" xmlns:p="http://schemas.openxmlformats.org/presentationml/2006/main" xmlns:r="http://schemas.openxmlformats.org/officeDocument/2006/relationships" type="objOverTx" preserve="1">
+<p:sldLayout xmlns:a="http://schemas.openxmlformats.org/drawingml/2006/main" xmlns:r="http://schemas.openxmlformats.org/officeDocument/2006/relationships" xmlns:p="http://schemas.openxmlformats.org/presentationml/2006/main" type="objOverTx" preserve="1">
   <p:cSld name="Title, Content over Content">
     <p:spTree>
       <p:nvGrpSpPr>
@@ -907,15 +1032,16 @@
           </a:prstGeom>
         </p:spPr>
         <p:txBody>
-          <a:bodyPr lIns="0" rIns="0" tIns="0" bIns="0" anchor="ctr"/>
-          <a:p>
-            <a:endParaRPr lang="en-US" sz="1800" spc="-1" strike="noStrike">
-              <a:solidFill>
-                <a:srgbClr val="ffffff"/>
-              </a:solidFill>
-              <a:uFill>
-                <a:solidFill>
-                  <a:srgbClr val="ffffff"/>
+          <a:bodyPr lIns="0" tIns="0" rIns="0" bIns="0" anchor="ctr"/>
+          <a:lstStyle/>
+          <a:p>
+            <a:endParaRPr lang="en-US" sz="1800" strike="noStrike" spc="-1">
+              <a:solidFill>
+                <a:srgbClr val="FFFFFF"/>
+              </a:solidFill>
+              <a:uFill>
+                <a:solidFill>
+                  <a:srgbClr val="FFFFFF"/>
                 </a:solidFill>
               </a:uFill>
               <a:latin typeface="Calisto MT"/>
@@ -943,15 +1069,16 @@
           </a:prstGeom>
         </p:spPr>
         <p:txBody>
-          <a:bodyPr lIns="0" rIns="0" tIns="0" bIns="0"/>
-          <a:p>
-            <a:endParaRPr lang="en-US" sz="2200" spc="-1" strike="noStrike">
-              <a:solidFill>
-                <a:srgbClr val="ffffff"/>
-              </a:solidFill>
-              <a:uFill>
-                <a:solidFill>
-                  <a:srgbClr val="ffffff"/>
+          <a:bodyPr lIns="0" tIns="0" rIns="0" bIns="0"/>
+          <a:lstStyle/>
+          <a:p>
+            <a:endParaRPr lang="en-US" sz="2200" strike="noStrike" spc="-1">
+              <a:solidFill>
+                <a:srgbClr val="FFFFFF"/>
+              </a:solidFill>
+              <a:uFill>
+                <a:solidFill>
+                  <a:srgbClr val="FFFFFF"/>
                 </a:solidFill>
               </a:uFill>
               <a:latin typeface="Calisto MT"/>
@@ -979,15 +1106,16 @@
           </a:prstGeom>
         </p:spPr>
         <p:txBody>
-          <a:bodyPr lIns="0" rIns="0" tIns="0" bIns="0"/>
-          <a:p>
-            <a:endParaRPr lang="en-US" sz="2200" spc="-1" strike="noStrike">
-              <a:solidFill>
-                <a:srgbClr val="ffffff"/>
-              </a:solidFill>
-              <a:uFill>
-                <a:solidFill>
-                  <a:srgbClr val="ffffff"/>
+          <a:bodyPr lIns="0" tIns="0" rIns="0" bIns="0"/>
+          <a:lstStyle/>
+          <a:p>
+            <a:endParaRPr lang="en-US" sz="2200" strike="noStrike" spc="-1">
+              <a:solidFill>
+                <a:srgbClr val="FFFFFF"/>
+              </a:solidFill>
+              <a:uFill>
+                <a:solidFill>
+                  <a:srgbClr val="FFFFFF"/>
                 </a:solidFill>
               </a:uFill>
               <a:latin typeface="Calisto MT"/>
@@ -997,11 +1125,14 @@
       </p:sp>
     </p:spTree>
   </p:cSld>
+  <p:clrMapOvr>
+    <a:masterClrMapping/>
+  </p:clrMapOvr>
 </p:sldLayout>
 </file>
 
 <file path=ppt/slideLayouts/slideLayout11.xml><?xml version="1.0" encoding="utf-8"?>
-<p:sldLayout xmlns:a="http://schemas.openxmlformats.org/drawingml/2006/main" xmlns:p="http://schemas.openxmlformats.org/presentationml/2006/main" xmlns:r="http://schemas.openxmlformats.org/officeDocument/2006/relationships" type="fourObj" preserve="1">
+<p:sldLayout xmlns:a="http://schemas.openxmlformats.org/drawingml/2006/main" xmlns:r="http://schemas.openxmlformats.org/officeDocument/2006/relationships" xmlns:p="http://schemas.openxmlformats.org/presentationml/2006/main" type="fourObj" preserve="1">
   <p:cSld name="Title, 4 Content">
     <p:spTree>
       <p:nvGrpSpPr>
@@ -1037,15 +1168,16 @@
           </a:prstGeom>
         </p:spPr>
         <p:txBody>
-          <a:bodyPr lIns="0" rIns="0" tIns="0" bIns="0" anchor="ctr"/>
-          <a:p>
-            <a:endParaRPr lang="en-US" sz="1800" spc="-1" strike="noStrike">
-              <a:solidFill>
-                <a:srgbClr val="ffffff"/>
-              </a:solidFill>
-              <a:uFill>
-                <a:solidFill>
-                  <a:srgbClr val="ffffff"/>
+          <a:bodyPr lIns="0" tIns="0" rIns="0" bIns="0" anchor="ctr"/>
+          <a:lstStyle/>
+          <a:p>
+            <a:endParaRPr lang="en-US" sz="1800" strike="noStrike" spc="-1">
+              <a:solidFill>
+                <a:srgbClr val="FFFFFF"/>
+              </a:solidFill>
+              <a:uFill>
+                <a:solidFill>
+                  <a:srgbClr val="FFFFFF"/>
                 </a:solidFill>
               </a:uFill>
               <a:latin typeface="Calisto MT"/>
@@ -1073,15 +1205,16 @@
           </a:prstGeom>
         </p:spPr>
         <p:txBody>
-          <a:bodyPr lIns="0" rIns="0" tIns="0" bIns="0"/>
-          <a:p>
-            <a:endParaRPr lang="en-US" sz="2200" spc="-1" strike="noStrike">
-              <a:solidFill>
-                <a:srgbClr val="ffffff"/>
-              </a:solidFill>
-              <a:uFill>
-                <a:solidFill>
-                  <a:srgbClr val="ffffff"/>
+          <a:bodyPr lIns="0" tIns="0" rIns="0" bIns="0"/>
+          <a:lstStyle/>
+          <a:p>
+            <a:endParaRPr lang="en-US" sz="2200" strike="noStrike" spc="-1">
+              <a:solidFill>
+                <a:srgbClr val="FFFFFF"/>
+              </a:solidFill>
+              <a:uFill>
+                <a:solidFill>
+                  <a:srgbClr val="FFFFFF"/>
                 </a:solidFill>
               </a:uFill>
               <a:latin typeface="Calisto MT"/>
@@ -1109,15 +1242,16 @@
           </a:prstGeom>
         </p:spPr>
         <p:txBody>
-          <a:bodyPr lIns="0" rIns="0" tIns="0" bIns="0"/>
-          <a:p>
-            <a:endParaRPr lang="en-US" sz="2200" spc="-1" strike="noStrike">
-              <a:solidFill>
-                <a:srgbClr val="ffffff"/>
-              </a:solidFill>
-              <a:uFill>
-                <a:solidFill>
-                  <a:srgbClr val="ffffff"/>
+          <a:bodyPr lIns="0" tIns="0" rIns="0" bIns="0"/>
+          <a:lstStyle/>
+          <a:p>
+            <a:endParaRPr lang="en-US" sz="2200" strike="noStrike" spc="-1">
+              <a:solidFill>
+                <a:srgbClr val="FFFFFF"/>
+              </a:solidFill>
+              <a:uFill>
+                <a:solidFill>
+                  <a:srgbClr val="FFFFFF"/>
                 </a:solidFill>
               </a:uFill>
               <a:latin typeface="Calisto MT"/>
@@ -1145,15 +1279,16 @@
           </a:prstGeom>
         </p:spPr>
         <p:txBody>
-          <a:bodyPr lIns="0" rIns="0" tIns="0" bIns="0"/>
-          <a:p>
-            <a:endParaRPr lang="en-US" sz="2200" spc="-1" strike="noStrike">
-              <a:solidFill>
-                <a:srgbClr val="ffffff"/>
-              </a:solidFill>
-              <a:uFill>
-                <a:solidFill>
-                  <a:srgbClr val="ffffff"/>
+          <a:bodyPr lIns="0" tIns="0" rIns="0" bIns="0"/>
+          <a:lstStyle/>
+          <a:p>
+            <a:endParaRPr lang="en-US" sz="2200" strike="noStrike" spc="-1">
+              <a:solidFill>
+                <a:srgbClr val="FFFFFF"/>
+              </a:solidFill>
+              <a:uFill>
+                <a:solidFill>
+                  <a:srgbClr val="FFFFFF"/>
                 </a:solidFill>
               </a:uFill>
               <a:latin typeface="Calisto MT"/>
@@ -1181,15 +1316,16 @@
           </a:prstGeom>
         </p:spPr>
         <p:txBody>
-          <a:bodyPr lIns="0" rIns="0" tIns="0" bIns="0"/>
-          <a:p>
-            <a:endParaRPr lang="en-US" sz="2200" spc="-1" strike="noStrike">
-              <a:solidFill>
-                <a:srgbClr val="ffffff"/>
-              </a:solidFill>
-              <a:uFill>
-                <a:solidFill>
-                  <a:srgbClr val="ffffff"/>
+          <a:bodyPr lIns="0" tIns="0" rIns="0" bIns="0"/>
+          <a:lstStyle/>
+          <a:p>
+            <a:endParaRPr lang="en-US" sz="2200" strike="noStrike" spc="-1">
+              <a:solidFill>
+                <a:srgbClr val="FFFFFF"/>
+              </a:solidFill>
+              <a:uFill>
+                <a:solidFill>
+                  <a:srgbClr val="FFFFFF"/>
                 </a:solidFill>
               </a:uFill>
               <a:latin typeface="Calisto MT"/>
@@ -1199,11 +1335,14 @@
       </p:sp>
     </p:spTree>
   </p:cSld>
+  <p:clrMapOvr>
+    <a:masterClrMapping/>
+  </p:clrMapOvr>
 </p:sldLayout>
 </file>
 
 <file path=ppt/slideLayouts/slideLayout12.xml><?xml version="1.0" encoding="utf-8"?>
-<p:sldLayout xmlns:a="http://schemas.openxmlformats.org/drawingml/2006/main" xmlns:p="http://schemas.openxmlformats.org/presentationml/2006/main" xmlns:r="http://schemas.openxmlformats.org/officeDocument/2006/relationships" type="blank" preserve="1">
+<p:sldLayout xmlns:a="http://schemas.openxmlformats.org/drawingml/2006/main" xmlns:r="http://schemas.openxmlformats.org/officeDocument/2006/relationships" xmlns:p="http://schemas.openxmlformats.org/presentationml/2006/main" type="blank" preserve="1">
   <p:cSld name="Title, 6 Content">
     <p:spTree>
       <p:nvGrpSpPr>
@@ -1239,15 +1378,16 @@
           </a:prstGeom>
         </p:spPr>
         <p:txBody>
-          <a:bodyPr lIns="0" rIns="0" tIns="0" bIns="0" anchor="ctr"/>
-          <a:p>
-            <a:endParaRPr lang="en-US" sz="1800" spc="-1" strike="noStrike">
-              <a:solidFill>
-                <a:srgbClr val="ffffff"/>
-              </a:solidFill>
-              <a:uFill>
-                <a:solidFill>
-                  <a:srgbClr val="ffffff"/>
+          <a:bodyPr lIns="0" tIns="0" rIns="0" bIns="0" anchor="ctr"/>
+          <a:lstStyle/>
+          <a:p>
+            <a:endParaRPr lang="en-US" sz="1800" strike="noStrike" spc="-1">
+              <a:solidFill>
+                <a:srgbClr val="FFFFFF"/>
+              </a:solidFill>
+              <a:uFill>
+                <a:solidFill>
+                  <a:srgbClr val="FFFFFF"/>
                 </a:solidFill>
               </a:uFill>
               <a:latin typeface="Calisto MT"/>
@@ -1275,15 +1415,16 @@
           </a:prstGeom>
         </p:spPr>
         <p:txBody>
-          <a:bodyPr lIns="0" rIns="0" tIns="0" bIns="0"/>
-          <a:p>
-            <a:endParaRPr lang="en-US" sz="2200" spc="-1" strike="noStrike">
-              <a:solidFill>
-                <a:srgbClr val="ffffff"/>
-              </a:solidFill>
-              <a:uFill>
-                <a:solidFill>
-                  <a:srgbClr val="ffffff"/>
+          <a:bodyPr lIns="0" tIns="0" rIns="0" bIns="0"/>
+          <a:lstStyle/>
+          <a:p>
+            <a:endParaRPr lang="en-US" sz="2200" strike="noStrike" spc="-1">
+              <a:solidFill>
+                <a:srgbClr val="FFFFFF"/>
+              </a:solidFill>
+              <a:uFill>
+                <a:solidFill>
+                  <a:srgbClr val="FFFFFF"/>
                 </a:solidFill>
               </a:uFill>
               <a:latin typeface="Calisto MT"/>
@@ -1311,15 +1452,16 @@
           </a:prstGeom>
         </p:spPr>
         <p:txBody>
-          <a:bodyPr lIns="0" rIns="0" tIns="0" bIns="0"/>
-          <a:p>
-            <a:endParaRPr lang="en-US" sz="2200" spc="-1" strike="noStrike">
-              <a:solidFill>
-                <a:srgbClr val="ffffff"/>
-              </a:solidFill>
-              <a:uFill>
-                <a:solidFill>
-                  <a:srgbClr val="ffffff"/>
+          <a:bodyPr lIns="0" tIns="0" rIns="0" bIns="0"/>
+          <a:lstStyle/>
+          <a:p>
+            <a:endParaRPr lang="en-US" sz="2200" strike="noStrike" spc="-1">
+              <a:solidFill>
+                <a:srgbClr val="FFFFFF"/>
+              </a:solidFill>
+              <a:uFill>
+                <a:solidFill>
+                  <a:srgbClr val="FFFFFF"/>
                 </a:solidFill>
               </a:uFill>
               <a:latin typeface="Calisto MT"/>
@@ -1329,7 +1471,7 @@
       </p:sp>
       <p:pic>
         <p:nvPicPr>
-          <p:cNvPr id="37" name="" descr=""/>
+          <p:cNvPr id="37" name="Picture 36"/>
           <p:cNvPicPr/>
           <p:nvPr/>
         </p:nvPicPr>
@@ -1352,12 +1494,12 @@
       </p:pic>
       <p:pic>
         <p:nvPicPr>
-          <p:cNvPr id="38" name="" descr=""/>
+          <p:cNvPr id="38" name="Picture 37"/>
           <p:cNvPicPr/>
           <p:nvPr/>
         </p:nvPicPr>
         <p:blipFill>
-          <a:blip r:embed="rId3"/>
+          <a:blip r:embed="rId2"/>
           <a:stretch/>
         </p:blipFill>
         <p:spPr>
@@ -1375,11 +1517,14 @@
       </p:pic>
     </p:spTree>
   </p:cSld>
+  <p:clrMapOvr>
+    <a:masterClrMapping/>
+  </p:clrMapOvr>
 </p:sldLayout>
 </file>
 
 <file path=ppt/slideLayouts/slideLayout13.xml><?xml version="1.0" encoding="utf-8"?>
-<p:sldLayout xmlns:a="http://schemas.openxmlformats.org/drawingml/2006/main" xmlns:p="http://schemas.openxmlformats.org/presentationml/2006/main" xmlns:r="http://schemas.openxmlformats.org/officeDocument/2006/relationships" type="blank" preserve="1">
+<p:sldLayout xmlns:a="http://schemas.openxmlformats.org/drawingml/2006/main" xmlns:r="http://schemas.openxmlformats.org/officeDocument/2006/relationships" xmlns:p="http://schemas.openxmlformats.org/presentationml/2006/main" type="blank" preserve="1">
   <p:cSld name="Blank Slide">
     <p:spTree>
       <p:nvGrpSpPr>
@@ -1397,11 +1542,14 @@
       </p:grpSpPr>
     </p:spTree>
   </p:cSld>
+  <p:clrMapOvr>
+    <a:masterClrMapping/>
+  </p:clrMapOvr>
 </p:sldLayout>
 </file>
 
 <file path=ppt/slideLayouts/slideLayout14.xml><?xml version="1.0" encoding="utf-8"?>
-<p:sldLayout xmlns:a="http://schemas.openxmlformats.org/drawingml/2006/main" xmlns:p="http://schemas.openxmlformats.org/presentationml/2006/main" xmlns:r="http://schemas.openxmlformats.org/officeDocument/2006/relationships" type="tx" preserve="1">
+<p:sldLayout xmlns:a="http://schemas.openxmlformats.org/drawingml/2006/main" xmlns:r="http://schemas.openxmlformats.org/officeDocument/2006/relationships" xmlns:p="http://schemas.openxmlformats.org/presentationml/2006/main" type="tx" preserve="1">
   <p:cSld name="Title Slide">
     <p:spTree>
       <p:nvGrpSpPr>
@@ -1437,15 +1585,16 @@
           </a:prstGeom>
         </p:spPr>
         <p:txBody>
-          <a:bodyPr lIns="0" rIns="0" tIns="0" bIns="0" anchor="ctr"/>
-          <a:p>
-            <a:endParaRPr lang="en-US" sz="1800" spc="-1" strike="noStrike">
-              <a:solidFill>
-                <a:srgbClr val="ffffff"/>
-              </a:solidFill>
-              <a:uFill>
-                <a:solidFill>
-                  <a:srgbClr val="ffffff"/>
+          <a:bodyPr lIns="0" tIns="0" rIns="0" bIns="0" anchor="ctr"/>
+          <a:lstStyle/>
+          <a:p>
+            <a:endParaRPr lang="en-US" sz="1800" strike="noStrike" spc="-1">
+              <a:solidFill>
+                <a:srgbClr val="FFFFFF"/>
+              </a:solidFill>
+              <a:uFill>
+                <a:solidFill>
+                  <a:srgbClr val="FFFFFF"/>
                 </a:solidFill>
               </a:uFill>
               <a:latin typeface="Calisto MT"/>
@@ -1473,16 +1622,17 @@
           </a:prstGeom>
         </p:spPr>
         <p:txBody>
-          <a:bodyPr lIns="0" rIns="0" tIns="0" bIns="0" anchor="ctr"/>
+          <a:bodyPr lIns="0" tIns="0" rIns="0" bIns="0" anchor="ctr"/>
+          <a:lstStyle/>
           <a:p>
             <a:pPr algn="ctr"/>
-            <a:endParaRPr lang="en-US" sz="3200" spc="-1" strike="noStrike">
-              <a:solidFill>
-                <a:srgbClr val="ffffff"/>
-              </a:solidFill>
-              <a:uFill>
-                <a:solidFill>
-                  <a:srgbClr val="ffffff"/>
+            <a:endParaRPr lang="en-US" sz="3200" strike="noStrike" spc="-1">
+              <a:solidFill>
+                <a:srgbClr val="FFFFFF"/>
+              </a:solidFill>
+              <a:uFill>
+                <a:solidFill>
+                  <a:srgbClr val="FFFFFF"/>
                 </a:solidFill>
               </a:uFill>
               <a:latin typeface="Arial"/>
@@ -1492,11 +1642,14 @@
       </p:sp>
     </p:spTree>
   </p:cSld>
+  <p:clrMapOvr>
+    <a:masterClrMapping/>
+  </p:clrMapOvr>
 </p:sldLayout>
 </file>
 
 <file path=ppt/slideLayouts/slideLayout15.xml><?xml version="1.0" encoding="utf-8"?>
-<p:sldLayout xmlns:a="http://schemas.openxmlformats.org/drawingml/2006/main" xmlns:p="http://schemas.openxmlformats.org/presentationml/2006/main" xmlns:r="http://schemas.openxmlformats.org/officeDocument/2006/relationships" type="obj" preserve="1">
+<p:sldLayout xmlns:a="http://schemas.openxmlformats.org/drawingml/2006/main" xmlns:r="http://schemas.openxmlformats.org/officeDocument/2006/relationships" xmlns:p="http://schemas.openxmlformats.org/presentationml/2006/main" type="obj" preserve="1">
   <p:cSld name="Title, Content">
     <p:spTree>
       <p:nvGrpSpPr>
@@ -1532,15 +1685,16 @@
           </a:prstGeom>
         </p:spPr>
         <p:txBody>
-          <a:bodyPr lIns="0" rIns="0" tIns="0" bIns="0" anchor="ctr"/>
-          <a:p>
-            <a:endParaRPr lang="en-US" sz="1800" spc="-1" strike="noStrike">
-              <a:solidFill>
-                <a:srgbClr val="ffffff"/>
-              </a:solidFill>
-              <a:uFill>
-                <a:solidFill>
-                  <a:srgbClr val="ffffff"/>
+          <a:bodyPr lIns="0" tIns="0" rIns="0" bIns="0" anchor="ctr"/>
+          <a:lstStyle/>
+          <a:p>
+            <a:endParaRPr lang="en-US" sz="1800" strike="noStrike" spc="-1">
+              <a:solidFill>
+                <a:srgbClr val="FFFFFF"/>
+              </a:solidFill>
+              <a:uFill>
+                <a:solidFill>
+                  <a:srgbClr val="FFFFFF"/>
                 </a:solidFill>
               </a:uFill>
               <a:latin typeface="Calisto MT"/>
@@ -1568,15 +1722,16 @@
           </a:prstGeom>
         </p:spPr>
         <p:txBody>
-          <a:bodyPr lIns="0" rIns="0" tIns="0" bIns="0"/>
-          <a:p>
-            <a:endParaRPr lang="en-US" sz="2200" spc="-1" strike="noStrike">
-              <a:solidFill>
-                <a:srgbClr val="ffffff"/>
-              </a:solidFill>
-              <a:uFill>
-                <a:solidFill>
-                  <a:srgbClr val="ffffff"/>
+          <a:bodyPr lIns="0" tIns="0" rIns="0" bIns="0"/>
+          <a:lstStyle/>
+          <a:p>
+            <a:endParaRPr lang="en-US" sz="2200" strike="noStrike" spc="-1">
+              <a:solidFill>
+                <a:srgbClr val="FFFFFF"/>
+              </a:solidFill>
+              <a:uFill>
+                <a:solidFill>
+                  <a:srgbClr val="FFFFFF"/>
                 </a:solidFill>
               </a:uFill>
               <a:latin typeface="Calisto MT"/>
@@ -1586,11 +1741,14 @@
       </p:sp>
     </p:spTree>
   </p:cSld>
+  <p:clrMapOvr>
+    <a:masterClrMapping/>
+  </p:clrMapOvr>
 </p:sldLayout>
 </file>
 
 <file path=ppt/slideLayouts/slideLayout16.xml><?xml version="1.0" encoding="utf-8"?>
-<p:sldLayout xmlns:a="http://schemas.openxmlformats.org/drawingml/2006/main" xmlns:p="http://schemas.openxmlformats.org/presentationml/2006/main" xmlns:r="http://schemas.openxmlformats.org/officeDocument/2006/relationships" type="twoObj" preserve="1">
+<p:sldLayout xmlns:a="http://schemas.openxmlformats.org/drawingml/2006/main" xmlns:r="http://schemas.openxmlformats.org/officeDocument/2006/relationships" xmlns:p="http://schemas.openxmlformats.org/presentationml/2006/main" type="twoObj" preserve="1">
   <p:cSld name="Title, 2 Content">
     <p:spTree>
       <p:nvGrpSpPr>
@@ -1626,15 +1784,16 @@
           </a:prstGeom>
         </p:spPr>
         <p:txBody>
-          <a:bodyPr lIns="0" rIns="0" tIns="0" bIns="0" anchor="ctr"/>
-          <a:p>
-            <a:endParaRPr lang="en-US" sz="1800" spc="-1" strike="noStrike">
-              <a:solidFill>
-                <a:srgbClr val="ffffff"/>
-              </a:solidFill>
-              <a:uFill>
-                <a:solidFill>
-                  <a:srgbClr val="ffffff"/>
+          <a:bodyPr lIns="0" tIns="0" rIns="0" bIns="0" anchor="ctr"/>
+          <a:lstStyle/>
+          <a:p>
+            <a:endParaRPr lang="en-US" sz="1800" strike="noStrike" spc="-1">
+              <a:solidFill>
+                <a:srgbClr val="FFFFFF"/>
+              </a:solidFill>
+              <a:uFill>
+                <a:solidFill>
+                  <a:srgbClr val="FFFFFF"/>
                 </a:solidFill>
               </a:uFill>
               <a:latin typeface="Calisto MT"/>
@@ -1662,15 +1821,16 @@
           </a:prstGeom>
         </p:spPr>
         <p:txBody>
-          <a:bodyPr lIns="0" rIns="0" tIns="0" bIns="0"/>
-          <a:p>
-            <a:endParaRPr lang="en-US" sz="2200" spc="-1" strike="noStrike">
-              <a:solidFill>
-                <a:srgbClr val="ffffff"/>
-              </a:solidFill>
-              <a:uFill>
-                <a:solidFill>
-                  <a:srgbClr val="ffffff"/>
+          <a:bodyPr lIns="0" tIns="0" rIns="0" bIns="0"/>
+          <a:lstStyle/>
+          <a:p>
+            <a:endParaRPr lang="en-US" sz="2200" strike="noStrike" spc="-1">
+              <a:solidFill>
+                <a:srgbClr val="FFFFFF"/>
+              </a:solidFill>
+              <a:uFill>
+                <a:solidFill>
+                  <a:srgbClr val="FFFFFF"/>
                 </a:solidFill>
               </a:uFill>
               <a:latin typeface="Calisto MT"/>
@@ -1698,15 +1858,16 @@
           </a:prstGeom>
         </p:spPr>
         <p:txBody>
-          <a:bodyPr lIns="0" rIns="0" tIns="0" bIns="0"/>
-          <a:p>
-            <a:endParaRPr lang="en-US" sz="2200" spc="-1" strike="noStrike">
-              <a:solidFill>
-                <a:srgbClr val="ffffff"/>
-              </a:solidFill>
-              <a:uFill>
-                <a:solidFill>
-                  <a:srgbClr val="ffffff"/>
+          <a:bodyPr lIns="0" tIns="0" rIns="0" bIns="0"/>
+          <a:lstStyle/>
+          <a:p>
+            <a:endParaRPr lang="en-US" sz="2200" strike="noStrike" spc="-1">
+              <a:solidFill>
+                <a:srgbClr val="FFFFFF"/>
+              </a:solidFill>
+              <a:uFill>
+                <a:solidFill>
+                  <a:srgbClr val="FFFFFF"/>
                 </a:solidFill>
               </a:uFill>
               <a:latin typeface="Calisto MT"/>
@@ -1716,11 +1877,14 @@
       </p:sp>
     </p:spTree>
   </p:cSld>
+  <p:clrMapOvr>
+    <a:masterClrMapping/>
+  </p:clrMapOvr>
 </p:sldLayout>
 </file>
 
 <file path=ppt/slideLayouts/slideLayout17.xml><?xml version="1.0" encoding="utf-8"?>
-<p:sldLayout xmlns:a="http://schemas.openxmlformats.org/drawingml/2006/main" xmlns:p="http://schemas.openxmlformats.org/presentationml/2006/main" xmlns:r="http://schemas.openxmlformats.org/officeDocument/2006/relationships" type="titleOnly" preserve="1">
+<p:sldLayout xmlns:a="http://schemas.openxmlformats.org/drawingml/2006/main" xmlns:r="http://schemas.openxmlformats.org/officeDocument/2006/relationships" xmlns:p="http://schemas.openxmlformats.org/presentationml/2006/main" type="titleOnly" preserve="1">
   <p:cSld name="Title Only">
     <p:spTree>
       <p:nvGrpSpPr>
@@ -1756,15 +1920,16 @@
           </a:prstGeom>
         </p:spPr>
         <p:txBody>
-          <a:bodyPr lIns="0" rIns="0" tIns="0" bIns="0" anchor="ctr"/>
-          <a:p>
-            <a:endParaRPr lang="en-US" sz="1800" spc="-1" strike="noStrike">
-              <a:solidFill>
-                <a:srgbClr val="ffffff"/>
-              </a:solidFill>
-              <a:uFill>
-                <a:solidFill>
-                  <a:srgbClr val="ffffff"/>
+          <a:bodyPr lIns="0" tIns="0" rIns="0" bIns="0" anchor="ctr"/>
+          <a:lstStyle/>
+          <a:p>
+            <a:endParaRPr lang="en-US" sz="1800" strike="noStrike" spc="-1">
+              <a:solidFill>
+                <a:srgbClr val="FFFFFF"/>
+              </a:solidFill>
+              <a:uFill>
+                <a:solidFill>
+                  <a:srgbClr val="FFFFFF"/>
                 </a:solidFill>
               </a:uFill>
               <a:latin typeface="Calisto MT"/>
@@ -1774,11 +1939,14 @@
       </p:sp>
     </p:spTree>
   </p:cSld>
+  <p:clrMapOvr>
+    <a:masterClrMapping/>
+  </p:clrMapOvr>
 </p:sldLayout>
 </file>
 
 <file path=ppt/slideLayouts/slideLayout18.xml><?xml version="1.0" encoding="utf-8"?>
-<p:sldLayout xmlns:a="http://schemas.openxmlformats.org/drawingml/2006/main" xmlns:p="http://schemas.openxmlformats.org/presentationml/2006/main" xmlns:r="http://schemas.openxmlformats.org/officeDocument/2006/relationships" type="objOnly" preserve="1">
+<p:sldLayout xmlns:a="http://schemas.openxmlformats.org/drawingml/2006/main" xmlns:r="http://schemas.openxmlformats.org/officeDocument/2006/relationships" xmlns:p="http://schemas.openxmlformats.org/presentationml/2006/main" type="objOnly" preserve="1">
   <p:cSld name="Centered Text">
     <p:spTree>
       <p:nvGrpSpPr>
@@ -1814,16 +1982,17 @@
           </a:prstGeom>
         </p:spPr>
         <p:txBody>
-          <a:bodyPr lIns="0" rIns="0" tIns="0" bIns="0" anchor="ctr"/>
+          <a:bodyPr lIns="0" tIns="0" rIns="0" bIns="0" anchor="ctr"/>
+          <a:lstStyle/>
           <a:p>
             <a:pPr algn="ctr"/>
-            <a:endParaRPr lang="en-US" sz="3200" spc="-1" strike="noStrike">
-              <a:solidFill>
-                <a:srgbClr val="ffffff"/>
-              </a:solidFill>
-              <a:uFill>
-                <a:solidFill>
-                  <a:srgbClr val="ffffff"/>
+            <a:endParaRPr lang="en-US" sz="3200" strike="noStrike" spc="-1">
+              <a:solidFill>
+                <a:srgbClr val="FFFFFF"/>
+              </a:solidFill>
+              <a:uFill>
+                <a:solidFill>
+                  <a:srgbClr val="FFFFFF"/>
                 </a:solidFill>
               </a:uFill>
               <a:latin typeface="Arial"/>
@@ -1833,11 +2002,14 @@
       </p:sp>
     </p:spTree>
   </p:cSld>
+  <p:clrMapOvr>
+    <a:masterClrMapping/>
+  </p:clrMapOvr>
 </p:sldLayout>
 </file>
 
 <file path=ppt/slideLayouts/slideLayout19.xml><?xml version="1.0" encoding="utf-8"?>
-<p:sldLayout xmlns:a="http://schemas.openxmlformats.org/drawingml/2006/main" xmlns:p="http://schemas.openxmlformats.org/presentationml/2006/main" xmlns:r="http://schemas.openxmlformats.org/officeDocument/2006/relationships" type="twoObjAndObj" preserve="1">
+<p:sldLayout xmlns:a="http://schemas.openxmlformats.org/drawingml/2006/main" xmlns:r="http://schemas.openxmlformats.org/officeDocument/2006/relationships" xmlns:p="http://schemas.openxmlformats.org/presentationml/2006/main" type="twoObjAndObj" preserve="1">
   <p:cSld name="Title, 2 Content and Content">
     <p:spTree>
       <p:nvGrpSpPr>
@@ -1873,15 +2045,16 @@
           </a:prstGeom>
         </p:spPr>
         <p:txBody>
-          <a:bodyPr lIns="0" rIns="0" tIns="0" bIns="0" anchor="ctr"/>
-          <a:p>
-            <a:endParaRPr lang="en-US" sz="1800" spc="-1" strike="noStrike">
-              <a:solidFill>
-                <a:srgbClr val="ffffff"/>
-              </a:solidFill>
-              <a:uFill>
-                <a:solidFill>
-                  <a:srgbClr val="ffffff"/>
+          <a:bodyPr lIns="0" tIns="0" rIns="0" bIns="0" anchor="ctr"/>
+          <a:lstStyle/>
+          <a:p>
+            <a:endParaRPr lang="en-US" sz="1800" strike="noStrike" spc="-1">
+              <a:solidFill>
+                <a:srgbClr val="FFFFFF"/>
+              </a:solidFill>
+              <a:uFill>
+                <a:solidFill>
+                  <a:srgbClr val="FFFFFF"/>
                 </a:solidFill>
               </a:uFill>
               <a:latin typeface="Calisto MT"/>
@@ -1909,15 +2082,16 @@
           </a:prstGeom>
         </p:spPr>
         <p:txBody>
-          <a:bodyPr lIns="0" rIns="0" tIns="0" bIns="0"/>
-          <a:p>
-            <a:endParaRPr lang="en-US" sz="2200" spc="-1" strike="noStrike">
-              <a:solidFill>
-                <a:srgbClr val="ffffff"/>
-              </a:solidFill>
-              <a:uFill>
-                <a:solidFill>
-                  <a:srgbClr val="ffffff"/>
+          <a:bodyPr lIns="0" tIns="0" rIns="0" bIns="0"/>
+          <a:lstStyle/>
+          <a:p>
+            <a:endParaRPr lang="en-US" sz="2200" strike="noStrike" spc="-1">
+              <a:solidFill>
+                <a:srgbClr val="FFFFFF"/>
+              </a:solidFill>
+              <a:uFill>
+                <a:solidFill>
+                  <a:srgbClr val="FFFFFF"/>
                 </a:solidFill>
               </a:uFill>
               <a:latin typeface="Calisto MT"/>
@@ -1945,15 +2119,16 @@
           </a:prstGeom>
         </p:spPr>
         <p:txBody>
-          <a:bodyPr lIns="0" rIns="0" tIns="0" bIns="0"/>
-          <a:p>
-            <a:endParaRPr lang="en-US" sz="2200" spc="-1" strike="noStrike">
-              <a:solidFill>
-                <a:srgbClr val="ffffff"/>
-              </a:solidFill>
-              <a:uFill>
-                <a:solidFill>
-                  <a:srgbClr val="ffffff"/>
+          <a:bodyPr lIns="0" tIns="0" rIns="0" bIns="0"/>
+          <a:lstStyle/>
+          <a:p>
+            <a:endParaRPr lang="en-US" sz="2200" strike="noStrike" spc="-1">
+              <a:solidFill>
+                <a:srgbClr val="FFFFFF"/>
+              </a:solidFill>
+              <a:uFill>
+                <a:solidFill>
+                  <a:srgbClr val="FFFFFF"/>
                 </a:solidFill>
               </a:uFill>
               <a:latin typeface="Calisto MT"/>
@@ -1981,15 +2156,16 @@
           </a:prstGeom>
         </p:spPr>
         <p:txBody>
-          <a:bodyPr lIns="0" rIns="0" tIns="0" bIns="0"/>
-          <a:p>
-            <a:endParaRPr lang="en-US" sz="2200" spc="-1" strike="noStrike">
-              <a:solidFill>
-                <a:srgbClr val="ffffff"/>
-              </a:solidFill>
-              <a:uFill>
-                <a:solidFill>
-                  <a:srgbClr val="ffffff"/>
+          <a:bodyPr lIns="0" tIns="0" rIns="0" bIns="0"/>
+          <a:lstStyle/>
+          <a:p>
+            <a:endParaRPr lang="en-US" sz="2200" strike="noStrike" spc="-1">
+              <a:solidFill>
+                <a:srgbClr val="FFFFFF"/>
+              </a:solidFill>
+              <a:uFill>
+                <a:solidFill>
+                  <a:srgbClr val="FFFFFF"/>
                 </a:solidFill>
               </a:uFill>
               <a:latin typeface="Calisto MT"/>
@@ -1999,11 +2175,14 @@
       </p:sp>
     </p:spTree>
   </p:cSld>
+  <p:clrMapOvr>
+    <a:masterClrMapping/>
+  </p:clrMapOvr>
 </p:sldLayout>
 </file>
 
 <file path=ppt/slideLayouts/slideLayout2.xml><?xml version="1.0" encoding="utf-8"?>
-<p:sldLayout xmlns:a="http://schemas.openxmlformats.org/drawingml/2006/main" xmlns:p="http://schemas.openxmlformats.org/presentationml/2006/main" xmlns:r="http://schemas.openxmlformats.org/officeDocument/2006/relationships" type="tx" preserve="1">
+<p:sldLayout xmlns:a="http://schemas.openxmlformats.org/drawingml/2006/main" xmlns:r="http://schemas.openxmlformats.org/officeDocument/2006/relationships" xmlns:p="http://schemas.openxmlformats.org/presentationml/2006/main" type="tx" preserve="1">
   <p:cSld name="Title Slide">
     <p:spTree>
       <p:nvGrpSpPr>
@@ -2039,15 +2218,16 @@
           </a:prstGeom>
         </p:spPr>
         <p:txBody>
-          <a:bodyPr lIns="0" rIns="0" tIns="0" bIns="0" anchor="ctr"/>
-          <a:p>
-            <a:endParaRPr lang="en-US" sz="1800" spc="-1" strike="noStrike">
-              <a:solidFill>
-                <a:srgbClr val="ffffff"/>
-              </a:solidFill>
-              <a:uFill>
-                <a:solidFill>
-                  <a:srgbClr val="ffffff"/>
+          <a:bodyPr lIns="0" tIns="0" rIns="0" bIns="0" anchor="ctr"/>
+          <a:lstStyle/>
+          <a:p>
+            <a:endParaRPr lang="en-US" sz="1800" strike="noStrike" spc="-1">
+              <a:solidFill>
+                <a:srgbClr val="FFFFFF"/>
+              </a:solidFill>
+              <a:uFill>
+                <a:solidFill>
+                  <a:srgbClr val="FFFFFF"/>
                 </a:solidFill>
               </a:uFill>
               <a:latin typeface="Calisto MT"/>
@@ -2075,16 +2255,17 @@
           </a:prstGeom>
         </p:spPr>
         <p:txBody>
-          <a:bodyPr lIns="0" rIns="0" tIns="0" bIns="0" anchor="ctr"/>
+          <a:bodyPr lIns="0" tIns="0" rIns="0" bIns="0" anchor="ctr"/>
+          <a:lstStyle/>
           <a:p>
             <a:pPr algn="ctr"/>
-            <a:endParaRPr lang="en-US" sz="3200" spc="-1" strike="noStrike">
-              <a:solidFill>
-                <a:srgbClr val="ffffff"/>
-              </a:solidFill>
-              <a:uFill>
-                <a:solidFill>
-                  <a:srgbClr val="ffffff"/>
+            <a:endParaRPr lang="en-US" sz="3200" strike="noStrike" spc="-1">
+              <a:solidFill>
+                <a:srgbClr val="FFFFFF"/>
+              </a:solidFill>
+              <a:uFill>
+                <a:solidFill>
+                  <a:srgbClr val="FFFFFF"/>
                 </a:solidFill>
               </a:uFill>
               <a:latin typeface="Arial"/>
@@ -2094,11 +2275,14 @@
       </p:sp>
     </p:spTree>
   </p:cSld>
+  <p:clrMapOvr>
+    <a:masterClrMapping/>
+  </p:clrMapOvr>
 </p:sldLayout>
 </file>
 
 <file path=ppt/slideLayouts/slideLayout20.xml><?xml version="1.0" encoding="utf-8"?>
-<p:sldLayout xmlns:a="http://schemas.openxmlformats.org/drawingml/2006/main" xmlns:p="http://schemas.openxmlformats.org/presentationml/2006/main" xmlns:r="http://schemas.openxmlformats.org/officeDocument/2006/relationships" type="objAndTwoObj" preserve="1">
+<p:sldLayout xmlns:a="http://schemas.openxmlformats.org/drawingml/2006/main" xmlns:r="http://schemas.openxmlformats.org/officeDocument/2006/relationships" xmlns:p="http://schemas.openxmlformats.org/presentationml/2006/main" type="objAndTwoObj" preserve="1">
   <p:cSld name="Title Content and 2 Content">
     <p:spTree>
       <p:nvGrpSpPr>
@@ -2134,15 +2318,16 @@
           </a:prstGeom>
         </p:spPr>
         <p:txBody>
-          <a:bodyPr lIns="0" rIns="0" tIns="0" bIns="0" anchor="ctr"/>
-          <a:p>
-            <a:endParaRPr lang="en-US" sz="1800" spc="-1" strike="noStrike">
-              <a:solidFill>
-                <a:srgbClr val="ffffff"/>
-              </a:solidFill>
-              <a:uFill>
-                <a:solidFill>
-                  <a:srgbClr val="ffffff"/>
+          <a:bodyPr lIns="0" tIns="0" rIns="0" bIns="0" anchor="ctr"/>
+          <a:lstStyle/>
+          <a:p>
+            <a:endParaRPr lang="en-US" sz="1800" strike="noStrike" spc="-1">
+              <a:solidFill>
+                <a:srgbClr val="FFFFFF"/>
+              </a:solidFill>
+              <a:uFill>
+                <a:solidFill>
+                  <a:srgbClr val="FFFFFF"/>
                 </a:solidFill>
               </a:uFill>
               <a:latin typeface="Calisto MT"/>
@@ -2170,15 +2355,16 @@
           </a:prstGeom>
         </p:spPr>
         <p:txBody>
-          <a:bodyPr lIns="0" rIns="0" tIns="0" bIns="0"/>
-          <a:p>
-            <a:endParaRPr lang="en-US" sz="2200" spc="-1" strike="noStrike">
-              <a:solidFill>
-                <a:srgbClr val="ffffff"/>
-              </a:solidFill>
-              <a:uFill>
-                <a:solidFill>
-                  <a:srgbClr val="ffffff"/>
+          <a:bodyPr lIns="0" tIns="0" rIns="0" bIns="0"/>
+          <a:lstStyle/>
+          <a:p>
+            <a:endParaRPr lang="en-US" sz="2200" strike="noStrike" spc="-1">
+              <a:solidFill>
+                <a:srgbClr val="FFFFFF"/>
+              </a:solidFill>
+              <a:uFill>
+                <a:solidFill>
+                  <a:srgbClr val="FFFFFF"/>
                 </a:solidFill>
               </a:uFill>
               <a:latin typeface="Calisto MT"/>
@@ -2206,15 +2392,16 @@
           </a:prstGeom>
         </p:spPr>
         <p:txBody>
-          <a:bodyPr lIns="0" rIns="0" tIns="0" bIns="0"/>
-          <a:p>
-            <a:endParaRPr lang="en-US" sz="2200" spc="-1" strike="noStrike">
-              <a:solidFill>
-                <a:srgbClr val="ffffff"/>
-              </a:solidFill>
-              <a:uFill>
-                <a:solidFill>
-                  <a:srgbClr val="ffffff"/>
+          <a:bodyPr lIns="0" tIns="0" rIns="0" bIns="0"/>
+          <a:lstStyle/>
+          <a:p>
+            <a:endParaRPr lang="en-US" sz="2200" strike="noStrike" spc="-1">
+              <a:solidFill>
+                <a:srgbClr val="FFFFFF"/>
+              </a:solidFill>
+              <a:uFill>
+                <a:solidFill>
+                  <a:srgbClr val="FFFFFF"/>
                 </a:solidFill>
               </a:uFill>
               <a:latin typeface="Calisto MT"/>
@@ -2242,15 +2429,16 @@
           </a:prstGeom>
         </p:spPr>
         <p:txBody>
-          <a:bodyPr lIns="0" rIns="0" tIns="0" bIns="0"/>
-          <a:p>
-            <a:endParaRPr lang="en-US" sz="2200" spc="-1" strike="noStrike">
-              <a:solidFill>
-                <a:srgbClr val="ffffff"/>
-              </a:solidFill>
-              <a:uFill>
-                <a:solidFill>
-                  <a:srgbClr val="ffffff"/>
+          <a:bodyPr lIns="0" tIns="0" rIns="0" bIns="0"/>
+          <a:lstStyle/>
+          <a:p>
+            <a:endParaRPr lang="en-US" sz="2200" strike="noStrike" spc="-1">
+              <a:solidFill>
+                <a:srgbClr val="FFFFFF"/>
+              </a:solidFill>
+              <a:uFill>
+                <a:solidFill>
+                  <a:srgbClr val="FFFFFF"/>
                 </a:solidFill>
               </a:uFill>
               <a:latin typeface="Calisto MT"/>
@@ -2260,11 +2448,14 @@
       </p:sp>
     </p:spTree>
   </p:cSld>
+  <p:clrMapOvr>
+    <a:masterClrMapping/>
+  </p:clrMapOvr>
 </p:sldLayout>
 </file>
 
 <file path=ppt/slideLayouts/slideLayout21.xml><?xml version="1.0" encoding="utf-8"?>
-<p:sldLayout xmlns:a="http://schemas.openxmlformats.org/drawingml/2006/main" xmlns:p="http://schemas.openxmlformats.org/presentationml/2006/main" xmlns:r="http://schemas.openxmlformats.org/officeDocument/2006/relationships" type="twoObjOverTx" preserve="1">
+<p:sldLayout xmlns:a="http://schemas.openxmlformats.org/drawingml/2006/main" xmlns:r="http://schemas.openxmlformats.org/officeDocument/2006/relationships" xmlns:p="http://schemas.openxmlformats.org/presentationml/2006/main" type="twoObjOverTx" preserve="1">
   <p:cSld name="Title, 2 Content over Content">
     <p:spTree>
       <p:nvGrpSpPr>
@@ -2300,15 +2491,16 @@
           </a:prstGeom>
         </p:spPr>
         <p:txBody>
-          <a:bodyPr lIns="0" rIns="0" tIns="0" bIns="0" anchor="ctr"/>
-          <a:p>
-            <a:endParaRPr lang="en-US" sz="1800" spc="-1" strike="noStrike">
-              <a:solidFill>
-                <a:srgbClr val="ffffff"/>
-              </a:solidFill>
-              <a:uFill>
-                <a:solidFill>
-                  <a:srgbClr val="ffffff"/>
+          <a:bodyPr lIns="0" tIns="0" rIns="0" bIns="0" anchor="ctr"/>
+          <a:lstStyle/>
+          <a:p>
+            <a:endParaRPr lang="en-US" sz="1800" strike="noStrike" spc="-1">
+              <a:solidFill>
+                <a:srgbClr val="FFFFFF"/>
+              </a:solidFill>
+              <a:uFill>
+                <a:solidFill>
+                  <a:srgbClr val="FFFFFF"/>
                 </a:solidFill>
               </a:uFill>
               <a:latin typeface="Calisto MT"/>
@@ -2336,15 +2528,16 @@
           </a:prstGeom>
         </p:spPr>
         <p:txBody>
-          <a:bodyPr lIns="0" rIns="0" tIns="0" bIns="0"/>
-          <a:p>
-            <a:endParaRPr lang="en-US" sz="2200" spc="-1" strike="noStrike">
-              <a:solidFill>
-                <a:srgbClr val="ffffff"/>
-              </a:solidFill>
-              <a:uFill>
-                <a:solidFill>
-                  <a:srgbClr val="ffffff"/>
+          <a:bodyPr lIns="0" tIns="0" rIns="0" bIns="0"/>
+          <a:lstStyle/>
+          <a:p>
+            <a:endParaRPr lang="en-US" sz="2200" strike="noStrike" spc="-1">
+              <a:solidFill>
+                <a:srgbClr val="FFFFFF"/>
+              </a:solidFill>
+              <a:uFill>
+                <a:solidFill>
+                  <a:srgbClr val="FFFFFF"/>
                 </a:solidFill>
               </a:uFill>
               <a:latin typeface="Calisto MT"/>
@@ -2372,15 +2565,16 @@
           </a:prstGeom>
         </p:spPr>
         <p:txBody>
-          <a:bodyPr lIns="0" rIns="0" tIns="0" bIns="0"/>
-          <a:p>
-            <a:endParaRPr lang="en-US" sz="2200" spc="-1" strike="noStrike">
-              <a:solidFill>
-                <a:srgbClr val="ffffff"/>
-              </a:solidFill>
-              <a:uFill>
-                <a:solidFill>
-                  <a:srgbClr val="ffffff"/>
+          <a:bodyPr lIns="0" tIns="0" rIns="0" bIns="0"/>
+          <a:lstStyle/>
+          <a:p>
+            <a:endParaRPr lang="en-US" sz="2200" strike="noStrike" spc="-1">
+              <a:solidFill>
+                <a:srgbClr val="FFFFFF"/>
+              </a:solidFill>
+              <a:uFill>
+                <a:solidFill>
+                  <a:srgbClr val="FFFFFF"/>
                 </a:solidFill>
               </a:uFill>
               <a:latin typeface="Calisto MT"/>
@@ -2408,15 +2602,16 @@
           </a:prstGeom>
         </p:spPr>
         <p:txBody>
-          <a:bodyPr lIns="0" rIns="0" tIns="0" bIns="0"/>
-          <a:p>
-            <a:endParaRPr lang="en-US" sz="2200" spc="-1" strike="noStrike">
-              <a:solidFill>
-                <a:srgbClr val="ffffff"/>
-              </a:solidFill>
-              <a:uFill>
-                <a:solidFill>
-                  <a:srgbClr val="ffffff"/>
+          <a:bodyPr lIns="0" tIns="0" rIns="0" bIns="0"/>
+          <a:lstStyle/>
+          <a:p>
+            <a:endParaRPr lang="en-US" sz="2200" strike="noStrike" spc="-1">
+              <a:solidFill>
+                <a:srgbClr val="FFFFFF"/>
+              </a:solidFill>
+              <a:uFill>
+                <a:solidFill>
+                  <a:srgbClr val="FFFFFF"/>
                 </a:solidFill>
               </a:uFill>
               <a:latin typeface="Calisto MT"/>
@@ -2426,11 +2621,14 @@
       </p:sp>
     </p:spTree>
   </p:cSld>
+  <p:clrMapOvr>
+    <a:masterClrMapping/>
+  </p:clrMapOvr>
 </p:sldLayout>
 </file>
 
 <file path=ppt/slideLayouts/slideLayout22.xml><?xml version="1.0" encoding="utf-8"?>
-<p:sldLayout xmlns:a="http://schemas.openxmlformats.org/drawingml/2006/main" xmlns:p="http://schemas.openxmlformats.org/presentationml/2006/main" xmlns:r="http://schemas.openxmlformats.org/officeDocument/2006/relationships" type="objOverTx" preserve="1">
+<p:sldLayout xmlns:a="http://schemas.openxmlformats.org/drawingml/2006/main" xmlns:r="http://schemas.openxmlformats.org/officeDocument/2006/relationships" xmlns:p="http://schemas.openxmlformats.org/presentationml/2006/main" type="objOverTx" preserve="1">
   <p:cSld name="Title, Content over Content">
     <p:spTree>
       <p:nvGrpSpPr>
@@ -2466,15 +2664,16 @@
           </a:prstGeom>
         </p:spPr>
         <p:txBody>
-          <a:bodyPr lIns="0" rIns="0" tIns="0" bIns="0" anchor="ctr"/>
-          <a:p>
-            <a:endParaRPr lang="en-US" sz="1800" spc="-1" strike="noStrike">
-              <a:solidFill>
-                <a:srgbClr val="ffffff"/>
-              </a:solidFill>
-              <a:uFill>
-                <a:solidFill>
-                  <a:srgbClr val="ffffff"/>
+          <a:bodyPr lIns="0" tIns="0" rIns="0" bIns="0" anchor="ctr"/>
+          <a:lstStyle/>
+          <a:p>
+            <a:endParaRPr lang="en-US" sz="1800" strike="noStrike" spc="-1">
+              <a:solidFill>
+                <a:srgbClr val="FFFFFF"/>
+              </a:solidFill>
+              <a:uFill>
+                <a:solidFill>
+                  <a:srgbClr val="FFFFFF"/>
                 </a:solidFill>
               </a:uFill>
               <a:latin typeface="Calisto MT"/>
@@ -2502,15 +2701,16 @@
           </a:prstGeom>
         </p:spPr>
         <p:txBody>
-          <a:bodyPr lIns="0" rIns="0" tIns="0" bIns="0"/>
-          <a:p>
-            <a:endParaRPr lang="en-US" sz="2200" spc="-1" strike="noStrike">
-              <a:solidFill>
-                <a:srgbClr val="ffffff"/>
-              </a:solidFill>
-              <a:uFill>
-                <a:solidFill>
-                  <a:srgbClr val="ffffff"/>
+          <a:bodyPr lIns="0" tIns="0" rIns="0" bIns="0"/>
+          <a:lstStyle/>
+          <a:p>
+            <a:endParaRPr lang="en-US" sz="2200" strike="noStrike" spc="-1">
+              <a:solidFill>
+                <a:srgbClr val="FFFFFF"/>
+              </a:solidFill>
+              <a:uFill>
+                <a:solidFill>
+                  <a:srgbClr val="FFFFFF"/>
                 </a:solidFill>
               </a:uFill>
               <a:latin typeface="Calisto MT"/>
@@ -2538,15 +2738,16 @@
           </a:prstGeom>
         </p:spPr>
         <p:txBody>
-          <a:bodyPr lIns="0" rIns="0" tIns="0" bIns="0"/>
-          <a:p>
-            <a:endParaRPr lang="en-US" sz="2200" spc="-1" strike="noStrike">
-              <a:solidFill>
-                <a:srgbClr val="ffffff"/>
-              </a:solidFill>
-              <a:uFill>
-                <a:solidFill>
-                  <a:srgbClr val="ffffff"/>
+          <a:bodyPr lIns="0" tIns="0" rIns="0" bIns="0"/>
+          <a:lstStyle/>
+          <a:p>
+            <a:endParaRPr lang="en-US" sz="2200" strike="noStrike" spc="-1">
+              <a:solidFill>
+                <a:srgbClr val="FFFFFF"/>
+              </a:solidFill>
+              <a:uFill>
+                <a:solidFill>
+                  <a:srgbClr val="FFFFFF"/>
                 </a:solidFill>
               </a:uFill>
               <a:latin typeface="Calisto MT"/>
@@ -2556,11 +2757,14 @@
       </p:sp>
     </p:spTree>
   </p:cSld>
+  <p:clrMapOvr>
+    <a:masterClrMapping/>
+  </p:clrMapOvr>
 </p:sldLayout>
 </file>
 
 <file path=ppt/slideLayouts/slideLayout23.xml><?xml version="1.0" encoding="utf-8"?>
-<p:sldLayout xmlns:a="http://schemas.openxmlformats.org/drawingml/2006/main" xmlns:p="http://schemas.openxmlformats.org/presentationml/2006/main" xmlns:r="http://schemas.openxmlformats.org/officeDocument/2006/relationships" type="fourObj" preserve="1">
+<p:sldLayout xmlns:a="http://schemas.openxmlformats.org/drawingml/2006/main" xmlns:r="http://schemas.openxmlformats.org/officeDocument/2006/relationships" xmlns:p="http://schemas.openxmlformats.org/presentationml/2006/main" type="fourObj" preserve="1">
   <p:cSld name="Title, 4 Content">
     <p:spTree>
       <p:nvGrpSpPr>
@@ -2596,15 +2800,16 @@
           </a:prstGeom>
         </p:spPr>
         <p:txBody>
-          <a:bodyPr lIns="0" rIns="0" tIns="0" bIns="0" anchor="ctr"/>
-          <a:p>
-            <a:endParaRPr lang="en-US" sz="1800" spc="-1" strike="noStrike">
-              <a:solidFill>
-                <a:srgbClr val="ffffff"/>
-              </a:solidFill>
-              <a:uFill>
-                <a:solidFill>
-                  <a:srgbClr val="ffffff"/>
+          <a:bodyPr lIns="0" tIns="0" rIns="0" bIns="0" anchor="ctr"/>
+          <a:lstStyle/>
+          <a:p>
+            <a:endParaRPr lang="en-US" sz="1800" strike="noStrike" spc="-1">
+              <a:solidFill>
+                <a:srgbClr val="FFFFFF"/>
+              </a:solidFill>
+              <a:uFill>
+                <a:solidFill>
+                  <a:srgbClr val="FFFFFF"/>
                 </a:solidFill>
               </a:uFill>
               <a:latin typeface="Calisto MT"/>
@@ -2632,15 +2837,16 @@
           </a:prstGeom>
         </p:spPr>
         <p:txBody>
-          <a:bodyPr lIns="0" rIns="0" tIns="0" bIns="0"/>
-          <a:p>
-            <a:endParaRPr lang="en-US" sz="2200" spc="-1" strike="noStrike">
-              <a:solidFill>
-                <a:srgbClr val="ffffff"/>
-              </a:solidFill>
-              <a:uFill>
-                <a:solidFill>
-                  <a:srgbClr val="ffffff"/>
+          <a:bodyPr lIns="0" tIns="0" rIns="0" bIns="0"/>
+          <a:lstStyle/>
+          <a:p>
+            <a:endParaRPr lang="en-US" sz="2200" strike="noStrike" spc="-1">
+              <a:solidFill>
+                <a:srgbClr val="FFFFFF"/>
+              </a:solidFill>
+              <a:uFill>
+                <a:solidFill>
+                  <a:srgbClr val="FFFFFF"/>
                 </a:solidFill>
               </a:uFill>
               <a:latin typeface="Calisto MT"/>
@@ -2668,15 +2874,16 @@
           </a:prstGeom>
         </p:spPr>
         <p:txBody>
-          <a:bodyPr lIns="0" rIns="0" tIns="0" bIns="0"/>
-          <a:p>
-            <a:endParaRPr lang="en-US" sz="2200" spc="-1" strike="noStrike">
-              <a:solidFill>
-                <a:srgbClr val="ffffff"/>
-              </a:solidFill>
-              <a:uFill>
-                <a:solidFill>
-                  <a:srgbClr val="ffffff"/>
+          <a:bodyPr lIns="0" tIns="0" rIns="0" bIns="0"/>
+          <a:lstStyle/>
+          <a:p>
+            <a:endParaRPr lang="en-US" sz="2200" strike="noStrike" spc="-1">
+              <a:solidFill>
+                <a:srgbClr val="FFFFFF"/>
+              </a:solidFill>
+              <a:uFill>
+                <a:solidFill>
+                  <a:srgbClr val="FFFFFF"/>
                 </a:solidFill>
               </a:uFill>
               <a:latin typeface="Calisto MT"/>
@@ -2704,15 +2911,16 @@
           </a:prstGeom>
         </p:spPr>
         <p:txBody>
-          <a:bodyPr lIns="0" rIns="0" tIns="0" bIns="0"/>
-          <a:p>
-            <a:endParaRPr lang="en-US" sz="2200" spc="-1" strike="noStrike">
-              <a:solidFill>
-                <a:srgbClr val="ffffff"/>
-              </a:solidFill>
-              <a:uFill>
-                <a:solidFill>
-                  <a:srgbClr val="ffffff"/>
+          <a:bodyPr lIns="0" tIns="0" rIns="0" bIns="0"/>
+          <a:lstStyle/>
+          <a:p>
+            <a:endParaRPr lang="en-US" sz="2200" strike="noStrike" spc="-1">
+              <a:solidFill>
+                <a:srgbClr val="FFFFFF"/>
+              </a:solidFill>
+              <a:uFill>
+                <a:solidFill>
+                  <a:srgbClr val="FFFFFF"/>
                 </a:solidFill>
               </a:uFill>
               <a:latin typeface="Calisto MT"/>
@@ -2740,15 +2948,16 @@
           </a:prstGeom>
         </p:spPr>
         <p:txBody>
-          <a:bodyPr lIns="0" rIns="0" tIns="0" bIns="0"/>
-          <a:p>
-            <a:endParaRPr lang="en-US" sz="2200" spc="-1" strike="noStrike">
-              <a:solidFill>
-                <a:srgbClr val="ffffff"/>
-              </a:solidFill>
-              <a:uFill>
-                <a:solidFill>
-                  <a:srgbClr val="ffffff"/>
+          <a:bodyPr lIns="0" tIns="0" rIns="0" bIns="0"/>
+          <a:lstStyle/>
+          <a:p>
+            <a:endParaRPr lang="en-US" sz="2200" strike="noStrike" spc="-1">
+              <a:solidFill>
+                <a:srgbClr val="FFFFFF"/>
+              </a:solidFill>
+              <a:uFill>
+                <a:solidFill>
+                  <a:srgbClr val="FFFFFF"/>
                 </a:solidFill>
               </a:uFill>
               <a:latin typeface="Calisto MT"/>
@@ -2758,11 +2967,14 @@
       </p:sp>
     </p:spTree>
   </p:cSld>
+  <p:clrMapOvr>
+    <a:masterClrMapping/>
+  </p:clrMapOvr>
 </p:sldLayout>
 </file>
 
 <file path=ppt/slideLayouts/slideLayout24.xml><?xml version="1.0" encoding="utf-8"?>
-<p:sldLayout xmlns:a="http://schemas.openxmlformats.org/drawingml/2006/main" xmlns:p="http://schemas.openxmlformats.org/presentationml/2006/main" xmlns:r="http://schemas.openxmlformats.org/officeDocument/2006/relationships" type="blank" preserve="1">
+<p:sldLayout xmlns:a="http://schemas.openxmlformats.org/drawingml/2006/main" xmlns:r="http://schemas.openxmlformats.org/officeDocument/2006/relationships" xmlns:p="http://schemas.openxmlformats.org/presentationml/2006/main" type="blank" preserve="1">
   <p:cSld name="Title, 6 Content">
     <p:spTree>
       <p:nvGrpSpPr>
@@ -2798,15 +3010,16 @@
           </a:prstGeom>
         </p:spPr>
         <p:txBody>
-          <a:bodyPr lIns="0" rIns="0" tIns="0" bIns="0" anchor="ctr"/>
-          <a:p>
-            <a:endParaRPr lang="en-US" sz="1800" spc="-1" strike="noStrike">
-              <a:solidFill>
-                <a:srgbClr val="ffffff"/>
-              </a:solidFill>
-              <a:uFill>
-                <a:solidFill>
-                  <a:srgbClr val="ffffff"/>
+          <a:bodyPr lIns="0" tIns="0" rIns="0" bIns="0" anchor="ctr"/>
+          <a:lstStyle/>
+          <a:p>
+            <a:endParaRPr lang="en-US" sz="1800" strike="noStrike" spc="-1">
+              <a:solidFill>
+                <a:srgbClr val="FFFFFF"/>
+              </a:solidFill>
+              <a:uFill>
+                <a:solidFill>
+                  <a:srgbClr val="FFFFFF"/>
                 </a:solidFill>
               </a:uFill>
               <a:latin typeface="Calisto MT"/>
@@ -2834,15 +3047,16 @@
           </a:prstGeom>
         </p:spPr>
         <p:txBody>
-          <a:bodyPr lIns="0" rIns="0" tIns="0" bIns="0"/>
-          <a:p>
-            <a:endParaRPr lang="en-US" sz="2200" spc="-1" strike="noStrike">
-              <a:solidFill>
-                <a:srgbClr val="ffffff"/>
-              </a:solidFill>
-              <a:uFill>
-                <a:solidFill>
-                  <a:srgbClr val="ffffff"/>
+          <a:bodyPr lIns="0" tIns="0" rIns="0" bIns="0"/>
+          <a:lstStyle/>
+          <a:p>
+            <a:endParaRPr lang="en-US" sz="2200" strike="noStrike" spc="-1">
+              <a:solidFill>
+                <a:srgbClr val="FFFFFF"/>
+              </a:solidFill>
+              <a:uFill>
+                <a:solidFill>
+                  <a:srgbClr val="FFFFFF"/>
                 </a:solidFill>
               </a:uFill>
               <a:latin typeface="Calisto MT"/>
@@ -2870,15 +3084,16 @@
           </a:prstGeom>
         </p:spPr>
         <p:txBody>
-          <a:bodyPr lIns="0" rIns="0" tIns="0" bIns="0"/>
-          <a:p>
-            <a:endParaRPr lang="en-US" sz="2200" spc="-1" strike="noStrike">
-              <a:solidFill>
-                <a:srgbClr val="ffffff"/>
-              </a:solidFill>
-              <a:uFill>
-                <a:solidFill>
-                  <a:srgbClr val="ffffff"/>
+          <a:bodyPr lIns="0" tIns="0" rIns="0" bIns="0"/>
+          <a:lstStyle/>
+          <a:p>
+            <a:endParaRPr lang="en-US" sz="2200" strike="noStrike" spc="-1">
+              <a:solidFill>
+                <a:srgbClr val="FFFFFF"/>
+              </a:solidFill>
+              <a:uFill>
+                <a:solidFill>
+                  <a:srgbClr val="FFFFFF"/>
                 </a:solidFill>
               </a:uFill>
               <a:latin typeface="Calisto MT"/>
@@ -2888,7 +3103,7 @@
       </p:sp>
       <p:pic>
         <p:nvPicPr>
-          <p:cNvPr id="76" name="" descr=""/>
+          <p:cNvPr id="76" name="Picture 75"/>
           <p:cNvPicPr/>
           <p:nvPr/>
         </p:nvPicPr>
@@ -2911,12 +3126,12 @@
       </p:pic>
       <p:pic>
         <p:nvPicPr>
-          <p:cNvPr id="77" name="" descr=""/>
+          <p:cNvPr id="77" name="Picture 76"/>
           <p:cNvPicPr/>
           <p:nvPr/>
         </p:nvPicPr>
         <p:blipFill>
-          <a:blip r:embed="rId3"/>
+          <a:blip r:embed="rId2"/>
           <a:stretch/>
         </p:blipFill>
         <p:spPr>
@@ -2934,11 +3149,14 @@
       </p:pic>
     </p:spTree>
   </p:cSld>
+  <p:clrMapOvr>
+    <a:masterClrMapping/>
+  </p:clrMapOvr>
 </p:sldLayout>
 </file>
 
 <file path=ppt/slideLayouts/slideLayout3.xml><?xml version="1.0" encoding="utf-8"?>
-<p:sldLayout xmlns:a="http://schemas.openxmlformats.org/drawingml/2006/main" xmlns:p="http://schemas.openxmlformats.org/presentationml/2006/main" xmlns:r="http://schemas.openxmlformats.org/officeDocument/2006/relationships" type="obj" preserve="1">
+<p:sldLayout xmlns:a="http://schemas.openxmlformats.org/drawingml/2006/main" xmlns:r="http://schemas.openxmlformats.org/officeDocument/2006/relationships" xmlns:p="http://schemas.openxmlformats.org/presentationml/2006/main" type="obj" preserve="1">
   <p:cSld name="Title, Content">
     <p:spTree>
       <p:nvGrpSpPr>
@@ -2974,15 +3192,16 @@
           </a:prstGeom>
         </p:spPr>
         <p:txBody>
-          <a:bodyPr lIns="0" rIns="0" tIns="0" bIns="0" anchor="ctr"/>
-          <a:p>
-            <a:endParaRPr lang="en-US" sz="1800" spc="-1" strike="noStrike">
-              <a:solidFill>
-                <a:srgbClr val="ffffff"/>
-              </a:solidFill>
-              <a:uFill>
-                <a:solidFill>
-                  <a:srgbClr val="ffffff"/>
+          <a:bodyPr lIns="0" tIns="0" rIns="0" bIns="0" anchor="ctr"/>
+          <a:lstStyle/>
+          <a:p>
+            <a:endParaRPr lang="en-US" sz="1800" strike="noStrike" spc="-1">
+              <a:solidFill>
+                <a:srgbClr val="FFFFFF"/>
+              </a:solidFill>
+              <a:uFill>
+                <a:solidFill>
+                  <a:srgbClr val="FFFFFF"/>
                 </a:solidFill>
               </a:uFill>
               <a:latin typeface="Calisto MT"/>
@@ -3010,15 +3229,16 @@
           </a:prstGeom>
         </p:spPr>
         <p:txBody>
-          <a:bodyPr lIns="0" rIns="0" tIns="0" bIns="0"/>
-          <a:p>
-            <a:endParaRPr lang="en-US" sz="2200" spc="-1" strike="noStrike">
-              <a:solidFill>
-                <a:srgbClr val="ffffff"/>
-              </a:solidFill>
-              <a:uFill>
-                <a:solidFill>
-                  <a:srgbClr val="ffffff"/>
+          <a:bodyPr lIns="0" tIns="0" rIns="0" bIns="0"/>
+          <a:lstStyle/>
+          <a:p>
+            <a:endParaRPr lang="en-US" sz="2200" strike="noStrike" spc="-1">
+              <a:solidFill>
+                <a:srgbClr val="FFFFFF"/>
+              </a:solidFill>
+              <a:uFill>
+                <a:solidFill>
+                  <a:srgbClr val="FFFFFF"/>
                 </a:solidFill>
               </a:uFill>
               <a:latin typeface="Calisto MT"/>
@@ -3028,11 +3248,14 @@
       </p:sp>
     </p:spTree>
   </p:cSld>
+  <p:clrMapOvr>
+    <a:masterClrMapping/>
+  </p:clrMapOvr>
 </p:sldLayout>
 </file>
 
 <file path=ppt/slideLayouts/slideLayout4.xml><?xml version="1.0" encoding="utf-8"?>
-<p:sldLayout xmlns:a="http://schemas.openxmlformats.org/drawingml/2006/main" xmlns:p="http://schemas.openxmlformats.org/presentationml/2006/main" xmlns:r="http://schemas.openxmlformats.org/officeDocument/2006/relationships" type="twoObj" preserve="1">
+<p:sldLayout xmlns:a="http://schemas.openxmlformats.org/drawingml/2006/main" xmlns:r="http://schemas.openxmlformats.org/officeDocument/2006/relationships" xmlns:p="http://schemas.openxmlformats.org/presentationml/2006/main" type="twoObj" preserve="1">
   <p:cSld name="Title, 2 Content">
     <p:spTree>
       <p:nvGrpSpPr>
@@ -3068,15 +3291,16 @@
           </a:prstGeom>
         </p:spPr>
         <p:txBody>
-          <a:bodyPr lIns="0" rIns="0" tIns="0" bIns="0" anchor="ctr"/>
-          <a:p>
-            <a:endParaRPr lang="en-US" sz="1800" spc="-1" strike="noStrike">
-              <a:solidFill>
-                <a:srgbClr val="ffffff"/>
-              </a:solidFill>
-              <a:uFill>
-                <a:solidFill>
-                  <a:srgbClr val="ffffff"/>
+          <a:bodyPr lIns="0" tIns="0" rIns="0" bIns="0" anchor="ctr"/>
+          <a:lstStyle/>
+          <a:p>
+            <a:endParaRPr lang="en-US" sz="1800" strike="noStrike" spc="-1">
+              <a:solidFill>
+                <a:srgbClr val="FFFFFF"/>
+              </a:solidFill>
+              <a:uFill>
+                <a:solidFill>
+                  <a:srgbClr val="FFFFFF"/>
                 </a:solidFill>
               </a:uFill>
               <a:latin typeface="Calisto MT"/>
@@ -3104,15 +3328,16 @@
           </a:prstGeom>
         </p:spPr>
         <p:txBody>
-          <a:bodyPr lIns="0" rIns="0" tIns="0" bIns="0"/>
-          <a:p>
-            <a:endParaRPr lang="en-US" sz="2200" spc="-1" strike="noStrike">
-              <a:solidFill>
-                <a:srgbClr val="ffffff"/>
-              </a:solidFill>
-              <a:uFill>
-                <a:solidFill>
-                  <a:srgbClr val="ffffff"/>
+          <a:bodyPr lIns="0" tIns="0" rIns="0" bIns="0"/>
+          <a:lstStyle/>
+          <a:p>
+            <a:endParaRPr lang="en-US" sz="2200" strike="noStrike" spc="-1">
+              <a:solidFill>
+                <a:srgbClr val="FFFFFF"/>
+              </a:solidFill>
+              <a:uFill>
+                <a:solidFill>
+                  <a:srgbClr val="FFFFFF"/>
                 </a:solidFill>
               </a:uFill>
               <a:latin typeface="Calisto MT"/>
@@ -3140,15 +3365,16 @@
           </a:prstGeom>
         </p:spPr>
         <p:txBody>
-          <a:bodyPr lIns="0" rIns="0" tIns="0" bIns="0"/>
-          <a:p>
-            <a:endParaRPr lang="en-US" sz="2200" spc="-1" strike="noStrike">
-              <a:solidFill>
-                <a:srgbClr val="ffffff"/>
-              </a:solidFill>
-              <a:uFill>
-                <a:solidFill>
-                  <a:srgbClr val="ffffff"/>
+          <a:bodyPr lIns="0" tIns="0" rIns="0" bIns="0"/>
+          <a:lstStyle/>
+          <a:p>
+            <a:endParaRPr lang="en-US" sz="2200" strike="noStrike" spc="-1">
+              <a:solidFill>
+                <a:srgbClr val="FFFFFF"/>
+              </a:solidFill>
+              <a:uFill>
+                <a:solidFill>
+                  <a:srgbClr val="FFFFFF"/>
                 </a:solidFill>
               </a:uFill>
               <a:latin typeface="Calisto MT"/>
@@ -3158,11 +3384,14 @@
       </p:sp>
     </p:spTree>
   </p:cSld>
+  <p:clrMapOvr>
+    <a:masterClrMapping/>
+  </p:clrMapOvr>
 </p:sldLayout>
 </file>
 
 <file path=ppt/slideLayouts/slideLayout5.xml><?xml version="1.0" encoding="utf-8"?>
-<p:sldLayout xmlns:a="http://schemas.openxmlformats.org/drawingml/2006/main" xmlns:p="http://schemas.openxmlformats.org/presentationml/2006/main" xmlns:r="http://schemas.openxmlformats.org/officeDocument/2006/relationships" type="titleOnly" preserve="1">
+<p:sldLayout xmlns:a="http://schemas.openxmlformats.org/drawingml/2006/main" xmlns:r="http://schemas.openxmlformats.org/officeDocument/2006/relationships" xmlns:p="http://schemas.openxmlformats.org/presentationml/2006/main" type="titleOnly" preserve="1">
   <p:cSld name="Title Only">
     <p:spTree>
       <p:nvGrpSpPr>
@@ -3198,15 +3427,16 @@
           </a:prstGeom>
         </p:spPr>
         <p:txBody>
-          <a:bodyPr lIns="0" rIns="0" tIns="0" bIns="0" anchor="ctr"/>
-          <a:p>
-            <a:endParaRPr lang="en-US" sz="1800" spc="-1" strike="noStrike">
-              <a:solidFill>
-                <a:srgbClr val="ffffff"/>
-              </a:solidFill>
-              <a:uFill>
-                <a:solidFill>
-                  <a:srgbClr val="ffffff"/>
+          <a:bodyPr lIns="0" tIns="0" rIns="0" bIns="0" anchor="ctr"/>
+          <a:lstStyle/>
+          <a:p>
+            <a:endParaRPr lang="en-US" sz="1800" strike="noStrike" spc="-1">
+              <a:solidFill>
+                <a:srgbClr val="FFFFFF"/>
+              </a:solidFill>
+              <a:uFill>
+                <a:solidFill>
+                  <a:srgbClr val="FFFFFF"/>
                 </a:solidFill>
               </a:uFill>
               <a:latin typeface="Calisto MT"/>
@@ -3216,11 +3446,14 @@
       </p:sp>
     </p:spTree>
   </p:cSld>
+  <p:clrMapOvr>
+    <a:masterClrMapping/>
+  </p:clrMapOvr>
 </p:sldLayout>
 </file>
 
 <file path=ppt/slideLayouts/slideLayout6.xml><?xml version="1.0" encoding="utf-8"?>
-<p:sldLayout xmlns:a="http://schemas.openxmlformats.org/drawingml/2006/main" xmlns:p="http://schemas.openxmlformats.org/presentationml/2006/main" xmlns:r="http://schemas.openxmlformats.org/officeDocument/2006/relationships" type="objOnly" preserve="1">
+<p:sldLayout xmlns:a="http://schemas.openxmlformats.org/drawingml/2006/main" xmlns:r="http://schemas.openxmlformats.org/officeDocument/2006/relationships" xmlns:p="http://schemas.openxmlformats.org/presentationml/2006/main" type="objOnly" preserve="1">
   <p:cSld name="Centered Text">
     <p:spTree>
       <p:nvGrpSpPr>
@@ -3256,16 +3489,17 @@
           </a:prstGeom>
         </p:spPr>
         <p:txBody>
-          <a:bodyPr lIns="0" rIns="0" tIns="0" bIns="0" anchor="ctr"/>
+          <a:bodyPr lIns="0" tIns="0" rIns="0" bIns="0" anchor="ctr"/>
+          <a:lstStyle/>
           <a:p>
             <a:pPr algn="ctr"/>
-            <a:endParaRPr lang="en-US" sz="3200" spc="-1" strike="noStrike">
-              <a:solidFill>
-                <a:srgbClr val="ffffff"/>
-              </a:solidFill>
-              <a:uFill>
-                <a:solidFill>
-                  <a:srgbClr val="ffffff"/>
+            <a:endParaRPr lang="en-US" sz="3200" strike="noStrike" spc="-1">
+              <a:solidFill>
+                <a:srgbClr val="FFFFFF"/>
+              </a:solidFill>
+              <a:uFill>
+                <a:solidFill>
+                  <a:srgbClr val="FFFFFF"/>
                 </a:solidFill>
               </a:uFill>
               <a:latin typeface="Arial"/>
@@ -3275,11 +3509,14 @@
       </p:sp>
     </p:spTree>
   </p:cSld>
+  <p:clrMapOvr>
+    <a:masterClrMapping/>
+  </p:clrMapOvr>
 </p:sldLayout>
 </file>
 
 <file path=ppt/slideLayouts/slideLayout7.xml><?xml version="1.0" encoding="utf-8"?>
-<p:sldLayout xmlns:a="http://schemas.openxmlformats.org/drawingml/2006/main" xmlns:p="http://schemas.openxmlformats.org/presentationml/2006/main" xmlns:r="http://schemas.openxmlformats.org/officeDocument/2006/relationships" type="twoObjAndObj" preserve="1">
+<p:sldLayout xmlns:a="http://schemas.openxmlformats.org/drawingml/2006/main" xmlns:r="http://schemas.openxmlformats.org/officeDocument/2006/relationships" xmlns:p="http://schemas.openxmlformats.org/presentationml/2006/main" type="twoObjAndObj" preserve="1">
   <p:cSld name="Title, 2 Content and Content">
     <p:spTree>
       <p:nvGrpSpPr>
@@ -3315,15 +3552,16 @@
           </a:prstGeom>
         </p:spPr>
         <p:txBody>
-          <a:bodyPr lIns="0" rIns="0" tIns="0" bIns="0" anchor="ctr"/>
-          <a:p>
-            <a:endParaRPr lang="en-US" sz="1800" spc="-1" strike="noStrike">
-              <a:solidFill>
-                <a:srgbClr val="ffffff"/>
-              </a:solidFill>
-              <a:uFill>
-                <a:solidFill>
-                  <a:srgbClr val="ffffff"/>
+          <a:bodyPr lIns="0" tIns="0" rIns="0" bIns="0" anchor="ctr"/>
+          <a:lstStyle/>
+          <a:p>
+            <a:endParaRPr lang="en-US" sz="1800" strike="noStrike" spc="-1">
+              <a:solidFill>
+                <a:srgbClr val="FFFFFF"/>
+              </a:solidFill>
+              <a:uFill>
+                <a:solidFill>
+                  <a:srgbClr val="FFFFFF"/>
                 </a:solidFill>
               </a:uFill>
               <a:latin typeface="Calisto MT"/>
@@ -3351,15 +3589,16 @@
           </a:prstGeom>
         </p:spPr>
         <p:txBody>
-          <a:bodyPr lIns="0" rIns="0" tIns="0" bIns="0"/>
-          <a:p>
-            <a:endParaRPr lang="en-US" sz="2200" spc="-1" strike="noStrike">
-              <a:solidFill>
-                <a:srgbClr val="ffffff"/>
-              </a:solidFill>
-              <a:uFill>
-                <a:solidFill>
-                  <a:srgbClr val="ffffff"/>
+          <a:bodyPr lIns="0" tIns="0" rIns="0" bIns="0"/>
+          <a:lstStyle/>
+          <a:p>
+            <a:endParaRPr lang="en-US" sz="2200" strike="noStrike" spc="-1">
+              <a:solidFill>
+                <a:srgbClr val="FFFFFF"/>
+              </a:solidFill>
+              <a:uFill>
+                <a:solidFill>
+                  <a:srgbClr val="FFFFFF"/>
                 </a:solidFill>
               </a:uFill>
               <a:latin typeface="Calisto MT"/>
@@ -3387,15 +3626,16 @@
           </a:prstGeom>
         </p:spPr>
         <p:txBody>
-          <a:bodyPr lIns="0" rIns="0" tIns="0" bIns="0"/>
-          <a:p>
-            <a:endParaRPr lang="en-US" sz="2200" spc="-1" strike="noStrike">
-              <a:solidFill>
-                <a:srgbClr val="ffffff"/>
-              </a:solidFill>
-              <a:uFill>
-                <a:solidFill>
-                  <a:srgbClr val="ffffff"/>
+          <a:bodyPr lIns="0" tIns="0" rIns="0" bIns="0"/>
+          <a:lstStyle/>
+          <a:p>
+            <a:endParaRPr lang="en-US" sz="2200" strike="noStrike" spc="-1">
+              <a:solidFill>
+                <a:srgbClr val="FFFFFF"/>
+              </a:solidFill>
+              <a:uFill>
+                <a:solidFill>
+                  <a:srgbClr val="FFFFFF"/>
                 </a:solidFill>
               </a:uFill>
               <a:latin typeface="Calisto MT"/>
@@ -3423,15 +3663,16 @@
           </a:prstGeom>
         </p:spPr>
         <p:txBody>
-          <a:bodyPr lIns="0" rIns="0" tIns="0" bIns="0"/>
-          <a:p>
-            <a:endParaRPr lang="en-US" sz="2200" spc="-1" strike="noStrike">
-              <a:solidFill>
-                <a:srgbClr val="ffffff"/>
-              </a:solidFill>
-              <a:uFill>
-                <a:solidFill>
-                  <a:srgbClr val="ffffff"/>
+          <a:bodyPr lIns="0" tIns="0" rIns="0" bIns="0"/>
+          <a:lstStyle/>
+          <a:p>
+            <a:endParaRPr lang="en-US" sz="2200" strike="noStrike" spc="-1">
+              <a:solidFill>
+                <a:srgbClr val="FFFFFF"/>
+              </a:solidFill>
+              <a:uFill>
+                <a:solidFill>
+                  <a:srgbClr val="FFFFFF"/>
                 </a:solidFill>
               </a:uFill>
               <a:latin typeface="Calisto MT"/>
@@ -3441,11 +3682,14 @@
       </p:sp>
     </p:spTree>
   </p:cSld>
+  <p:clrMapOvr>
+    <a:masterClrMapping/>
+  </p:clrMapOvr>
 </p:sldLayout>
 </file>
 
 <file path=ppt/slideLayouts/slideLayout8.xml><?xml version="1.0" encoding="utf-8"?>
-<p:sldLayout xmlns:a="http://schemas.openxmlformats.org/drawingml/2006/main" xmlns:p="http://schemas.openxmlformats.org/presentationml/2006/main" xmlns:r="http://schemas.openxmlformats.org/officeDocument/2006/relationships" type="objAndTwoObj" preserve="1">
+<p:sldLayout xmlns:a="http://schemas.openxmlformats.org/drawingml/2006/main" xmlns:r="http://schemas.openxmlformats.org/officeDocument/2006/relationships" xmlns:p="http://schemas.openxmlformats.org/presentationml/2006/main" type="objAndTwoObj" preserve="1">
   <p:cSld name="Title Content and 2 Content">
     <p:spTree>
       <p:nvGrpSpPr>
@@ -3481,15 +3725,16 @@
           </a:prstGeom>
         </p:spPr>
         <p:txBody>
-          <a:bodyPr lIns="0" rIns="0" tIns="0" bIns="0" anchor="ctr"/>
-          <a:p>
-            <a:endParaRPr lang="en-US" sz="1800" spc="-1" strike="noStrike">
-              <a:solidFill>
-                <a:srgbClr val="ffffff"/>
-              </a:solidFill>
-              <a:uFill>
-                <a:solidFill>
-                  <a:srgbClr val="ffffff"/>
+          <a:bodyPr lIns="0" tIns="0" rIns="0" bIns="0" anchor="ctr"/>
+          <a:lstStyle/>
+          <a:p>
+            <a:endParaRPr lang="en-US" sz="1800" strike="noStrike" spc="-1">
+              <a:solidFill>
+                <a:srgbClr val="FFFFFF"/>
+              </a:solidFill>
+              <a:uFill>
+                <a:solidFill>
+                  <a:srgbClr val="FFFFFF"/>
                 </a:solidFill>
               </a:uFill>
               <a:latin typeface="Calisto MT"/>
@@ -3517,15 +3762,16 @@
           </a:prstGeom>
         </p:spPr>
         <p:txBody>
-          <a:bodyPr lIns="0" rIns="0" tIns="0" bIns="0"/>
-          <a:p>
-            <a:endParaRPr lang="en-US" sz="2200" spc="-1" strike="noStrike">
-              <a:solidFill>
-                <a:srgbClr val="ffffff"/>
-              </a:solidFill>
-              <a:uFill>
-                <a:solidFill>
-                  <a:srgbClr val="ffffff"/>
+          <a:bodyPr lIns="0" tIns="0" rIns="0" bIns="0"/>
+          <a:lstStyle/>
+          <a:p>
+            <a:endParaRPr lang="en-US" sz="2200" strike="noStrike" spc="-1">
+              <a:solidFill>
+                <a:srgbClr val="FFFFFF"/>
+              </a:solidFill>
+              <a:uFill>
+                <a:solidFill>
+                  <a:srgbClr val="FFFFFF"/>
                 </a:solidFill>
               </a:uFill>
               <a:latin typeface="Calisto MT"/>
@@ -3553,15 +3799,16 @@
           </a:prstGeom>
         </p:spPr>
         <p:txBody>
-          <a:bodyPr lIns="0" rIns="0" tIns="0" bIns="0"/>
-          <a:p>
-            <a:endParaRPr lang="en-US" sz="2200" spc="-1" strike="noStrike">
-              <a:solidFill>
-                <a:srgbClr val="ffffff"/>
-              </a:solidFill>
-              <a:uFill>
-                <a:solidFill>
-                  <a:srgbClr val="ffffff"/>
+          <a:bodyPr lIns="0" tIns="0" rIns="0" bIns="0"/>
+          <a:lstStyle/>
+          <a:p>
+            <a:endParaRPr lang="en-US" sz="2200" strike="noStrike" spc="-1">
+              <a:solidFill>
+                <a:srgbClr val="FFFFFF"/>
+              </a:solidFill>
+              <a:uFill>
+                <a:solidFill>
+                  <a:srgbClr val="FFFFFF"/>
                 </a:solidFill>
               </a:uFill>
               <a:latin typeface="Calisto MT"/>
@@ -3589,15 +3836,16 @@
           </a:prstGeom>
         </p:spPr>
         <p:txBody>
-          <a:bodyPr lIns="0" rIns="0" tIns="0" bIns="0"/>
-          <a:p>
-            <a:endParaRPr lang="en-US" sz="2200" spc="-1" strike="noStrike">
-              <a:solidFill>
-                <a:srgbClr val="ffffff"/>
-              </a:solidFill>
-              <a:uFill>
-                <a:solidFill>
-                  <a:srgbClr val="ffffff"/>
+          <a:bodyPr lIns="0" tIns="0" rIns="0" bIns="0"/>
+          <a:lstStyle/>
+          <a:p>
+            <a:endParaRPr lang="en-US" sz="2200" strike="noStrike" spc="-1">
+              <a:solidFill>
+                <a:srgbClr val="FFFFFF"/>
+              </a:solidFill>
+              <a:uFill>
+                <a:solidFill>
+                  <a:srgbClr val="FFFFFF"/>
                 </a:solidFill>
               </a:uFill>
               <a:latin typeface="Calisto MT"/>
@@ -3607,11 +3855,14 @@
       </p:sp>
     </p:spTree>
   </p:cSld>
+  <p:clrMapOvr>
+    <a:masterClrMapping/>
+  </p:clrMapOvr>
 </p:sldLayout>
 </file>
 
 <file path=ppt/slideLayouts/slideLayout9.xml><?xml version="1.0" encoding="utf-8"?>
-<p:sldLayout xmlns:a="http://schemas.openxmlformats.org/drawingml/2006/main" xmlns:p="http://schemas.openxmlformats.org/presentationml/2006/main" xmlns:r="http://schemas.openxmlformats.org/officeDocument/2006/relationships" type="twoObjOverTx" preserve="1">
+<p:sldLayout xmlns:a="http://schemas.openxmlformats.org/drawingml/2006/main" xmlns:r="http://schemas.openxmlformats.org/officeDocument/2006/relationships" xmlns:p="http://schemas.openxmlformats.org/presentationml/2006/main" type="twoObjOverTx" preserve="1">
   <p:cSld name="Title, 2 Content over Content">
     <p:spTree>
       <p:nvGrpSpPr>
@@ -3647,15 +3898,16 @@
           </a:prstGeom>
         </p:spPr>
         <p:txBody>
-          <a:bodyPr lIns="0" rIns="0" tIns="0" bIns="0" anchor="ctr"/>
-          <a:p>
-            <a:endParaRPr lang="en-US" sz="1800" spc="-1" strike="noStrike">
-              <a:solidFill>
-                <a:srgbClr val="ffffff"/>
-              </a:solidFill>
-              <a:uFill>
-                <a:solidFill>
-                  <a:srgbClr val="ffffff"/>
+          <a:bodyPr lIns="0" tIns="0" rIns="0" bIns="0" anchor="ctr"/>
+          <a:lstStyle/>
+          <a:p>
+            <a:endParaRPr lang="en-US" sz="1800" strike="noStrike" spc="-1">
+              <a:solidFill>
+                <a:srgbClr val="FFFFFF"/>
+              </a:solidFill>
+              <a:uFill>
+                <a:solidFill>
+                  <a:srgbClr val="FFFFFF"/>
                 </a:solidFill>
               </a:uFill>
               <a:latin typeface="Calisto MT"/>
@@ -3683,15 +3935,16 @@
           </a:prstGeom>
         </p:spPr>
         <p:txBody>
-          <a:bodyPr lIns="0" rIns="0" tIns="0" bIns="0"/>
-          <a:p>
-            <a:endParaRPr lang="en-US" sz="2200" spc="-1" strike="noStrike">
-              <a:solidFill>
-                <a:srgbClr val="ffffff"/>
-              </a:solidFill>
-              <a:uFill>
-                <a:solidFill>
-                  <a:srgbClr val="ffffff"/>
+          <a:bodyPr lIns="0" tIns="0" rIns="0" bIns="0"/>
+          <a:lstStyle/>
+          <a:p>
+            <a:endParaRPr lang="en-US" sz="2200" strike="noStrike" spc="-1">
+              <a:solidFill>
+                <a:srgbClr val="FFFFFF"/>
+              </a:solidFill>
+              <a:uFill>
+                <a:solidFill>
+                  <a:srgbClr val="FFFFFF"/>
                 </a:solidFill>
               </a:uFill>
               <a:latin typeface="Calisto MT"/>
@@ -3719,15 +3972,16 @@
           </a:prstGeom>
         </p:spPr>
         <p:txBody>
-          <a:bodyPr lIns="0" rIns="0" tIns="0" bIns="0"/>
-          <a:p>
-            <a:endParaRPr lang="en-US" sz="2200" spc="-1" strike="noStrike">
-              <a:solidFill>
-                <a:srgbClr val="ffffff"/>
-              </a:solidFill>
-              <a:uFill>
-                <a:solidFill>
-                  <a:srgbClr val="ffffff"/>
+          <a:bodyPr lIns="0" tIns="0" rIns="0" bIns="0"/>
+          <a:lstStyle/>
+          <a:p>
+            <a:endParaRPr lang="en-US" sz="2200" strike="noStrike" spc="-1">
+              <a:solidFill>
+                <a:srgbClr val="FFFFFF"/>
+              </a:solidFill>
+              <a:uFill>
+                <a:solidFill>
+                  <a:srgbClr val="FFFFFF"/>
                 </a:solidFill>
               </a:uFill>
               <a:latin typeface="Calisto MT"/>
@@ -3755,15 +4009,16 @@
           </a:prstGeom>
         </p:spPr>
         <p:txBody>
-          <a:bodyPr lIns="0" rIns="0" tIns="0" bIns="0"/>
-          <a:p>
-            <a:endParaRPr lang="en-US" sz="2200" spc="-1" strike="noStrike">
-              <a:solidFill>
-                <a:srgbClr val="ffffff"/>
-              </a:solidFill>
-              <a:uFill>
-                <a:solidFill>
-                  <a:srgbClr val="ffffff"/>
+          <a:bodyPr lIns="0" tIns="0" rIns="0" bIns="0"/>
+          <a:lstStyle/>
+          <a:p>
+            <a:endParaRPr lang="en-US" sz="2200" strike="noStrike" spc="-1">
+              <a:solidFill>
+                <a:srgbClr val="FFFFFF"/>
+              </a:solidFill>
+              <a:uFill>
+                <a:solidFill>
+                  <a:srgbClr val="FFFFFF"/>
                 </a:solidFill>
               </a:uFill>
               <a:latin typeface="Calisto MT"/>
@@ -3773,20 +4028,24 @@
       </p:sp>
     </p:spTree>
   </p:cSld>
+  <p:clrMapOvr>
+    <a:masterClrMapping/>
+  </p:clrMapOvr>
 </p:sldLayout>
 </file>
 
 <file path=ppt/slideMasters/slideMaster1.xml><?xml version="1.0" encoding="utf-8"?>
-<p:sldMaster xmlns:a="http://schemas.openxmlformats.org/drawingml/2006/main" xmlns:p="http://schemas.openxmlformats.org/presentationml/2006/main" xmlns:r="http://schemas.openxmlformats.org/officeDocument/2006/relationships">
+<p:sldMaster xmlns:a="http://schemas.openxmlformats.org/drawingml/2006/main" xmlns:r="http://schemas.openxmlformats.org/officeDocument/2006/relationships" xmlns:p="http://schemas.openxmlformats.org/presentationml/2006/main">
   <p:cSld>
     <p:bg>
       <p:bgPr>
         <a:blipFill>
-          <a:blip r:embed="rId2"/>
+          <a:blip r:embed="rId14"/>
           <a:stretch>
             <a:fillRect/>
           </a:stretch>
         </a:blipFill>
+        <a:effectLst/>
       </p:bgPr>
     </p:bg>
     <p:spTree>
@@ -3805,7 +4064,7 @@
       </p:grpSpPr>
       <p:sp>
         <p:nvSpPr>
-          <p:cNvPr id="0" name="PlaceHolder 1"/>
+          <p:cNvPr id="5" name="PlaceHolder 1"/>
           <p:cNvSpPr>
             <a:spLocks noGrp="1"/>
           </p:cNvSpPr>
@@ -3824,6 +4083,7 @@
         </p:spPr>
         <p:txBody>
           <a:bodyPr anchor="b"/>
+          <a:lstStyle/>
           <a:p>
             <a:pPr algn="ctr">
               <a:lnSpc>
@@ -3831,36 +4091,36 @@
               </a:lnSpc>
             </a:pPr>
             <a:r>
-              <a:rPr lang="en-US" sz="5400" spc="-1" strike="noStrike">
-                <a:solidFill>
-                  <a:srgbClr val="ffffff"/>
-                </a:solidFill>
-                <a:uFill>
-                  <a:solidFill>
-                    <a:srgbClr val="ffffff"/>
+              <a:rPr lang="en-US" sz="5400" strike="noStrike" spc="-1">
+                <a:solidFill>
+                  <a:srgbClr val="FFFFFF"/>
+                </a:solidFill>
+                <a:uFill>
+                  <a:solidFill>
+                    <a:srgbClr val="FFFFFF"/>
                   </a:solidFill>
                 </a:uFill>
                 <a:latin typeface="Calisto MT"/>
               </a:rPr>
               <a:t>Click to edit Master title style</a:t>
             </a:r>
-            <a:endParaRPr lang="en-US" sz="1800" spc="-1" strike="noStrike">
-              <a:solidFill>
-                <a:srgbClr val="ffffff"/>
-              </a:solidFill>
-              <a:uFill>
-                <a:solidFill>
-                  <a:srgbClr val="ffffff"/>
-                </a:solidFill>
-              </a:uFill>
-              <a:latin typeface="Calisto MT"/>
-            </a:endParaRPr>
-          </a:p>
-        </p:txBody>
-      </p:sp>
-      <p:sp>
-        <p:nvSpPr>
-          <p:cNvPr id="1" name="PlaceHolder 2"/>
+            <a:endParaRPr lang="en-US" sz="1800" strike="noStrike" spc="-1">
+              <a:solidFill>
+                <a:srgbClr val="FFFFFF"/>
+              </a:solidFill>
+              <a:uFill>
+                <a:solidFill>
+                  <a:srgbClr val="FFFFFF"/>
+                </a:solidFill>
+              </a:uFill>
+              <a:latin typeface="Calisto MT"/>
+            </a:endParaRPr>
+          </a:p>
+        </p:txBody>
+      </p:sp>
+      <p:sp>
+        <p:nvSpPr>
+          <p:cNvPr id="6" name="PlaceHolder 2"/>
           <p:cNvSpPr>
             <a:spLocks noGrp="1"/>
           </p:cNvSpPr>
@@ -3879,6 +4139,7 @@
         </p:spPr>
         <p:txBody>
           <a:bodyPr anchor="ctr"/>
+          <a:lstStyle/>
           <a:p>
             <a:pPr algn="r">
               <a:lnSpc>
@@ -3886,26 +4147,26 @@
               </a:lnSpc>
             </a:pPr>
             <a:r>
-              <a:rPr lang="en-US" sz="1200" spc="-1" strike="noStrike">
-                <a:solidFill>
-                  <a:srgbClr val="ffffff"/>
-                </a:solidFill>
-                <a:uFill>
-                  <a:solidFill>
-                    <a:srgbClr val="ffffff"/>
+              <a:rPr lang="en-US" sz="1200" strike="noStrike" spc="-1">
+                <a:solidFill>
+                  <a:srgbClr val="FFFFFF"/>
+                </a:solidFill>
+                <a:uFill>
+                  <a:solidFill>
+                    <a:srgbClr val="FFFFFF"/>
                   </a:solidFill>
                 </a:uFill>
                 <a:latin typeface="Calisto MT"/>
               </a:rPr>
               <a:t>2/22/16</a:t>
             </a:r>
-            <a:endParaRPr lang="en-US" sz="1400" spc="-1" strike="noStrike">
-              <a:solidFill>
-                <a:srgbClr val="ffffff"/>
-              </a:solidFill>
-              <a:uFill>
-                <a:solidFill>
-                  <a:srgbClr val="ffffff"/>
+            <a:endParaRPr lang="en-US" sz="1400" strike="noStrike" spc="-1">
+              <a:solidFill>
+                <a:srgbClr val="FFFFFF"/>
+              </a:solidFill>
+              <a:uFill>
+                <a:solidFill>
+                  <a:srgbClr val="FFFFFF"/>
                 </a:solidFill>
               </a:uFill>
               <a:latin typeface="Times New Roman"/>
@@ -3934,14 +4195,15 @@
         </p:spPr>
         <p:txBody>
           <a:bodyPr anchor="ctr"/>
-          <a:p>
-            <a:endParaRPr lang="en-US" sz="2400" spc="-1" strike="noStrike">
-              <a:solidFill>
-                <a:srgbClr val="ffffff"/>
-              </a:solidFill>
-              <a:uFill>
-                <a:solidFill>
-                  <a:srgbClr val="ffffff"/>
+          <a:lstStyle/>
+          <a:p>
+            <a:endParaRPr lang="en-US" sz="2400" strike="noStrike" spc="-1">
+              <a:solidFill>
+                <a:srgbClr val="FFFFFF"/>
+              </a:solidFill>
+              <a:uFill>
+                <a:solidFill>
+                  <a:srgbClr val="FFFFFF"/>
                 </a:solidFill>
               </a:uFill>
               <a:latin typeface="Times New Roman"/>
@@ -3970,6 +4232,7 @@
         </p:spPr>
         <p:txBody>
           <a:bodyPr anchor="ctr"/>
+          <a:lstStyle/>
           <a:p>
             <a:pPr algn="ctr">
               <a:lnSpc>
@@ -3977,26 +4240,26 @@
               </a:lnSpc>
             </a:pPr>
             <a:fld id="{ECB6DB9D-57D5-4F1F-9277-A214E9D172DD}" type="slidenum">
-              <a:rPr lang="en-US" sz="1200" spc="-1" strike="noStrike">
-                <a:solidFill>
-                  <a:srgbClr val="ffffff"/>
-                </a:solidFill>
-                <a:uFill>
-                  <a:solidFill>
-                    <a:srgbClr val="ffffff"/>
-                  </a:solidFill>
-                </a:uFill>
-                <a:latin typeface="Calisto MT"/>
-              </a:rPr>
-              <a:t>&lt;number&gt;</a:t>
+              <a:rPr lang="en-US" sz="1200" strike="noStrike" spc="-1">
+                <a:solidFill>
+                  <a:srgbClr val="FFFFFF"/>
+                </a:solidFill>
+                <a:uFill>
+                  <a:solidFill>
+                    <a:srgbClr val="FFFFFF"/>
+                  </a:solidFill>
+                </a:uFill>
+                <a:latin typeface="Calisto MT"/>
+              </a:rPr>
+              <a:t>‹#›</a:t>
             </a:fld>
-            <a:endParaRPr lang="en-US" sz="1400" spc="-1" strike="noStrike">
-              <a:solidFill>
-                <a:srgbClr val="ffffff"/>
-              </a:solidFill>
-              <a:uFill>
-                <a:solidFill>
-                  <a:srgbClr val="ffffff"/>
+            <a:endParaRPr lang="en-US" sz="1400" strike="noStrike" spc="-1">
+              <a:solidFill>
+                <a:srgbClr val="FFFFFF"/>
+              </a:solidFill>
+              <a:uFill>
+                <a:solidFill>
+                  <a:srgbClr val="FFFFFF"/>
                 </a:solidFill>
               </a:uFill>
               <a:latin typeface="Times New Roman"/>
@@ -4024,285 +4287,490 @@
           </a:prstGeom>
         </p:spPr>
         <p:txBody>
-          <a:bodyPr lIns="0" rIns="0" tIns="0" bIns="0"/>
+          <a:bodyPr lIns="0" tIns="0" rIns="0" bIns="0"/>
+          <a:lstStyle/>
           <a:p>
             <a:pPr marL="432000" indent="-324000">
               <a:buClr>
-                <a:srgbClr val="ffffff"/>
+                <a:srgbClr val="FFFFFF"/>
               </a:buClr>
               <a:buSzPct val="45000"/>
               <a:buFont typeface="Wingdings" charset="2"/>
               <a:buChar char=""/>
             </a:pPr>
             <a:r>
-              <a:rPr lang="en-US" sz="2200" spc="-1" strike="noStrike">
-                <a:solidFill>
-                  <a:srgbClr val="ffffff"/>
-                </a:solidFill>
-                <a:uFill>
-                  <a:solidFill>
-                    <a:srgbClr val="ffffff"/>
+              <a:rPr lang="en-US" sz="2200" strike="noStrike" spc="-1">
+                <a:solidFill>
+                  <a:srgbClr val="FFFFFF"/>
+                </a:solidFill>
+                <a:uFill>
+                  <a:solidFill>
+                    <a:srgbClr val="FFFFFF"/>
                   </a:solidFill>
                 </a:uFill>
                 <a:latin typeface="Calisto MT"/>
               </a:rPr>
               <a:t>Click to edit the outline text format</a:t>
             </a:r>
-            <a:endParaRPr lang="en-US" sz="2200" spc="-1" strike="noStrike">
-              <a:solidFill>
-                <a:srgbClr val="ffffff"/>
-              </a:solidFill>
-              <a:uFill>
-                <a:solidFill>
-                  <a:srgbClr val="ffffff"/>
-                </a:solidFill>
-              </a:uFill>
-              <a:latin typeface="Calisto MT"/>
-            </a:endParaRPr>
-          </a:p>
-          <a:p>
-            <a:pPr lvl="1" marL="864000" indent="-324000">
+          </a:p>
+          <a:p>
+            <a:pPr marL="864000" lvl="1" indent="-324000">
               <a:buClr>
-                <a:srgbClr val="ffffff"/>
+                <a:srgbClr val="FFFFFF"/>
               </a:buClr>
               <a:buSzPct val="75000"/>
               <a:buFont typeface="Symbol" charset="2"/>
               <a:buChar char=""/>
             </a:pPr>
             <a:r>
-              <a:rPr lang="en-US" sz="1800" spc="-1" strike="noStrike">
-                <a:solidFill>
-                  <a:srgbClr val="ffffff"/>
-                </a:solidFill>
-                <a:uFill>
-                  <a:solidFill>
-                    <a:srgbClr val="ffffff"/>
+              <a:rPr lang="en-US" sz="1800" strike="noStrike" spc="-1">
+                <a:solidFill>
+                  <a:srgbClr val="FFFFFF"/>
+                </a:solidFill>
+                <a:uFill>
+                  <a:solidFill>
+                    <a:srgbClr val="FFFFFF"/>
                   </a:solidFill>
                 </a:uFill>
                 <a:latin typeface="Calisto MT"/>
               </a:rPr>
               <a:t>Second Outline Level</a:t>
             </a:r>
-            <a:endParaRPr lang="en-US" sz="1800" spc="-1" strike="noStrike">
-              <a:solidFill>
-                <a:srgbClr val="ffffff"/>
-              </a:solidFill>
-              <a:uFill>
-                <a:solidFill>
-                  <a:srgbClr val="ffffff"/>
-                </a:solidFill>
-              </a:uFill>
-              <a:latin typeface="Calisto MT"/>
-            </a:endParaRPr>
-          </a:p>
-          <a:p>
-            <a:pPr lvl="2" marL="1296000" indent="-288000">
+          </a:p>
+          <a:p>
+            <a:pPr marL="1296000" lvl="2" indent="-288000">
               <a:buClr>
-                <a:srgbClr val="ffffff"/>
+                <a:srgbClr val="FFFFFF"/>
               </a:buClr>
               <a:buSzPct val="45000"/>
               <a:buFont typeface="Wingdings" charset="2"/>
               <a:buChar char=""/>
             </a:pPr>
             <a:r>
-              <a:rPr lang="en-US" sz="1800" spc="-1" strike="noStrike">
-                <a:solidFill>
-                  <a:srgbClr val="ffffff"/>
-                </a:solidFill>
-                <a:uFill>
-                  <a:solidFill>
-                    <a:srgbClr val="ffffff"/>
+              <a:rPr lang="en-US" sz="1800" strike="noStrike" spc="-1">
+                <a:solidFill>
+                  <a:srgbClr val="FFFFFF"/>
+                </a:solidFill>
+                <a:uFill>
+                  <a:solidFill>
+                    <a:srgbClr val="FFFFFF"/>
                   </a:solidFill>
                 </a:uFill>
                 <a:latin typeface="Calisto MT"/>
               </a:rPr>
               <a:t>Third Outline Level</a:t>
             </a:r>
-            <a:endParaRPr lang="en-US" sz="1800" spc="-1" strike="noStrike">
-              <a:solidFill>
-                <a:srgbClr val="ffffff"/>
-              </a:solidFill>
-              <a:uFill>
-                <a:solidFill>
-                  <a:srgbClr val="ffffff"/>
-                </a:solidFill>
-              </a:uFill>
-              <a:latin typeface="Calisto MT"/>
-            </a:endParaRPr>
-          </a:p>
-          <a:p>
-            <a:pPr lvl="3" marL="1728000" indent="-216000">
+          </a:p>
+          <a:p>
+            <a:pPr marL="1728000" lvl="3" indent="-216000">
               <a:buClr>
-                <a:srgbClr val="ffffff"/>
+                <a:srgbClr val="FFFFFF"/>
               </a:buClr>
               <a:buSzPct val="75000"/>
               <a:buFont typeface="Symbol" charset="2"/>
               <a:buChar char=""/>
             </a:pPr>
             <a:r>
-              <a:rPr lang="en-US" sz="1800" spc="-1" strike="noStrike">
-                <a:solidFill>
-                  <a:srgbClr val="ffffff"/>
-                </a:solidFill>
-                <a:uFill>
-                  <a:solidFill>
-                    <a:srgbClr val="ffffff"/>
+              <a:rPr lang="en-US" sz="1800" strike="noStrike" spc="-1">
+                <a:solidFill>
+                  <a:srgbClr val="FFFFFF"/>
+                </a:solidFill>
+                <a:uFill>
+                  <a:solidFill>
+                    <a:srgbClr val="FFFFFF"/>
                   </a:solidFill>
                 </a:uFill>
                 <a:latin typeface="Calisto MT"/>
               </a:rPr>
               <a:t>Fourth Outline Level</a:t>
             </a:r>
-            <a:endParaRPr lang="en-US" sz="1800" spc="-1" strike="noStrike">
-              <a:solidFill>
-                <a:srgbClr val="ffffff"/>
-              </a:solidFill>
-              <a:uFill>
-                <a:solidFill>
-                  <a:srgbClr val="ffffff"/>
-                </a:solidFill>
-              </a:uFill>
-              <a:latin typeface="Calisto MT"/>
-            </a:endParaRPr>
-          </a:p>
-          <a:p>
-            <a:pPr lvl="4" marL="2160000" indent="-216000">
+          </a:p>
+          <a:p>
+            <a:pPr marL="2160000" lvl="4" indent="-216000">
               <a:buClr>
-                <a:srgbClr val="ffffff"/>
+                <a:srgbClr val="FFFFFF"/>
               </a:buClr>
               <a:buSzPct val="45000"/>
               <a:buFont typeface="Wingdings" charset="2"/>
               <a:buChar char=""/>
             </a:pPr>
             <a:r>
-              <a:rPr lang="en-US" sz="2000" spc="-1" strike="noStrike">
-                <a:solidFill>
-                  <a:srgbClr val="ffffff"/>
-                </a:solidFill>
-                <a:uFill>
-                  <a:solidFill>
-                    <a:srgbClr val="ffffff"/>
+              <a:rPr lang="en-US" sz="2000" strike="noStrike" spc="-1">
+                <a:solidFill>
+                  <a:srgbClr val="FFFFFF"/>
+                </a:solidFill>
+                <a:uFill>
+                  <a:solidFill>
+                    <a:srgbClr val="FFFFFF"/>
                   </a:solidFill>
                 </a:uFill>
                 <a:latin typeface="Calisto MT"/>
               </a:rPr>
               <a:t>Fifth Outline Level</a:t>
             </a:r>
-            <a:endParaRPr lang="en-US" sz="2000" spc="-1" strike="noStrike">
-              <a:solidFill>
-                <a:srgbClr val="ffffff"/>
-              </a:solidFill>
-              <a:uFill>
-                <a:solidFill>
-                  <a:srgbClr val="ffffff"/>
-                </a:solidFill>
-              </a:uFill>
-              <a:latin typeface="Calisto MT"/>
-            </a:endParaRPr>
-          </a:p>
-          <a:p>
-            <a:pPr lvl="5" marL="2592000" indent="-216000">
+          </a:p>
+          <a:p>
+            <a:pPr marL="2592000" lvl="5" indent="-216000">
               <a:buClr>
-                <a:srgbClr val="ffffff"/>
+                <a:srgbClr val="FFFFFF"/>
               </a:buClr>
               <a:buSzPct val="45000"/>
               <a:buFont typeface="Wingdings" charset="2"/>
               <a:buChar char=""/>
             </a:pPr>
             <a:r>
-              <a:rPr lang="en-US" sz="2000" spc="-1" strike="noStrike">
-                <a:solidFill>
-                  <a:srgbClr val="ffffff"/>
-                </a:solidFill>
-                <a:uFill>
-                  <a:solidFill>
-                    <a:srgbClr val="ffffff"/>
+              <a:rPr lang="en-US" sz="2000" strike="noStrike" spc="-1">
+                <a:solidFill>
+                  <a:srgbClr val="FFFFFF"/>
+                </a:solidFill>
+                <a:uFill>
+                  <a:solidFill>
+                    <a:srgbClr val="FFFFFF"/>
                   </a:solidFill>
                 </a:uFill>
                 <a:latin typeface="Calisto MT"/>
               </a:rPr>
               <a:t>Sixth Outline Level</a:t>
             </a:r>
-            <a:endParaRPr lang="en-US" sz="2000" spc="-1" strike="noStrike">
-              <a:solidFill>
-                <a:srgbClr val="ffffff"/>
-              </a:solidFill>
-              <a:uFill>
-                <a:solidFill>
-                  <a:srgbClr val="ffffff"/>
-                </a:solidFill>
-              </a:uFill>
-              <a:latin typeface="Calisto MT"/>
-            </a:endParaRPr>
-          </a:p>
-          <a:p>
-            <a:pPr lvl="6" marL="3024000" indent="-216000">
+          </a:p>
+          <a:p>
+            <a:pPr marL="3024000" lvl="6" indent="-216000">
               <a:buClr>
-                <a:srgbClr val="ffffff"/>
+                <a:srgbClr val="FFFFFF"/>
               </a:buClr>
               <a:buSzPct val="45000"/>
               <a:buFont typeface="Wingdings" charset="2"/>
               <a:buChar char=""/>
             </a:pPr>
             <a:r>
-              <a:rPr lang="en-US" sz="2000" spc="-1" strike="noStrike">
-                <a:solidFill>
-                  <a:srgbClr val="ffffff"/>
-                </a:solidFill>
-                <a:uFill>
-                  <a:solidFill>
-                    <a:srgbClr val="ffffff"/>
+              <a:rPr lang="en-US" sz="2000" strike="noStrike" spc="-1">
+                <a:solidFill>
+                  <a:srgbClr val="FFFFFF"/>
+                </a:solidFill>
+                <a:uFill>
+                  <a:solidFill>
+                    <a:srgbClr val="FFFFFF"/>
                   </a:solidFill>
                 </a:uFill>
                 <a:latin typeface="Calisto MT"/>
               </a:rPr>
               <a:t>Seventh Outline Level</a:t>
             </a:r>
-            <a:endParaRPr lang="en-US" sz="2000" spc="-1" strike="noStrike">
-              <a:solidFill>
-                <a:srgbClr val="ffffff"/>
-              </a:solidFill>
-              <a:uFill>
-                <a:solidFill>
-                  <a:srgbClr val="ffffff"/>
-                </a:solidFill>
-              </a:uFill>
-              <a:latin typeface="Calisto MT"/>
-            </a:endParaRPr>
           </a:p>
         </p:txBody>
       </p:sp>
     </p:spTree>
   </p:cSld>
-  <p:clrMap bg1="lt1" bg2="lt2" tx1="dk1" tx2="dk2" accent1="accent1" accent2="accent2" accent3="accent3" accent4="accent4" accent5="accent5" accent6="accent6" hlink="hlink" folHlink="folHlink"/>
+  <p:clrMap bg1="lt1" tx1="dk1" bg2="lt2" tx2="dk2" accent1="accent1" accent2="accent2" accent3="accent3" accent4="accent4" accent5="accent5" accent6="accent6" hlink="hlink" folHlink="folHlink"/>
   <p:sldLayoutIdLst>
-    <p:sldLayoutId id="2147483649" r:id="rId3"/>
-    <p:sldLayoutId id="2147483650" r:id="rId4"/>
-    <p:sldLayoutId id="2147483651" r:id="rId5"/>
-    <p:sldLayoutId id="2147483652" r:id="rId6"/>
-    <p:sldLayoutId id="2147483653" r:id="rId7"/>
-    <p:sldLayoutId id="2147483654" r:id="rId8"/>
-    <p:sldLayoutId id="2147483655" r:id="rId9"/>
-    <p:sldLayoutId id="2147483656" r:id="rId10"/>
-    <p:sldLayoutId id="2147483657" r:id="rId11"/>
-    <p:sldLayoutId id="2147483658" r:id="rId12"/>
-    <p:sldLayoutId id="2147483659" r:id="rId13"/>
-    <p:sldLayoutId id="2147483660" r:id="rId14"/>
+    <p:sldLayoutId id="2147483649" r:id="rId1"/>
+    <p:sldLayoutId id="2147483650" r:id="rId2"/>
+    <p:sldLayoutId id="2147483651" r:id="rId3"/>
+    <p:sldLayoutId id="2147483652" r:id="rId4"/>
+    <p:sldLayoutId id="2147483653" r:id="rId5"/>
+    <p:sldLayoutId id="2147483654" r:id="rId6"/>
+    <p:sldLayoutId id="2147483655" r:id="rId7"/>
+    <p:sldLayoutId id="2147483656" r:id="rId8"/>
+    <p:sldLayoutId id="2147483657" r:id="rId9"/>
+    <p:sldLayoutId id="2147483658" r:id="rId10"/>
+    <p:sldLayoutId id="2147483659" r:id="rId11"/>
+    <p:sldLayoutId id="2147483660" r:id="rId12"/>
   </p:sldLayoutIdLst>
+  <p:txStyles>
+    <p:titleStyle>
+      <a:lvl1pPr algn="l" defTabSz="914400" rtl="0" eaLnBrk="1" latinLnBrk="0" hangingPunct="1">
+        <a:lnSpc>
+          <a:spcPct val="90000"/>
+        </a:lnSpc>
+        <a:spcBef>
+          <a:spcPct val="0"/>
+        </a:spcBef>
+        <a:buNone/>
+        <a:defRPr sz="4400" kern="1200">
+          <a:solidFill>
+            <a:schemeClr val="tx1"/>
+          </a:solidFill>
+          <a:latin typeface="+mj-lt"/>
+          <a:ea typeface="+mj-ea"/>
+          <a:cs typeface="+mj-cs"/>
+        </a:defRPr>
+      </a:lvl1pPr>
+    </p:titleStyle>
+    <p:bodyStyle>
+      <a:lvl1pPr marL="228600" indent="-228600" algn="l" defTabSz="914400" rtl="0" eaLnBrk="1" latinLnBrk="0" hangingPunct="1">
+        <a:lnSpc>
+          <a:spcPct val="90000"/>
+        </a:lnSpc>
+        <a:spcBef>
+          <a:spcPts val="1000"/>
+        </a:spcBef>
+        <a:buFont typeface="Arial" panose="020B0604020202020204" pitchFamily="34" charset="0"/>
+        <a:buChar char="•"/>
+        <a:defRPr sz="2800" kern="1200">
+          <a:solidFill>
+            <a:schemeClr val="tx1"/>
+          </a:solidFill>
+          <a:latin typeface="+mn-lt"/>
+          <a:ea typeface="+mn-ea"/>
+          <a:cs typeface="+mn-cs"/>
+        </a:defRPr>
+      </a:lvl1pPr>
+      <a:lvl2pPr marL="685800" indent="-228600" algn="l" defTabSz="914400" rtl="0" eaLnBrk="1" latinLnBrk="0" hangingPunct="1">
+        <a:lnSpc>
+          <a:spcPct val="90000"/>
+        </a:lnSpc>
+        <a:spcBef>
+          <a:spcPts val="500"/>
+        </a:spcBef>
+        <a:buFont typeface="Arial" panose="020B0604020202020204" pitchFamily="34" charset="0"/>
+        <a:buChar char="•"/>
+        <a:defRPr sz="2400" kern="1200">
+          <a:solidFill>
+            <a:schemeClr val="tx1"/>
+          </a:solidFill>
+          <a:latin typeface="+mn-lt"/>
+          <a:ea typeface="+mn-ea"/>
+          <a:cs typeface="+mn-cs"/>
+        </a:defRPr>
+      </a:lvl2pPr>
+      <a:lvl3pPr marL="1143000" indent="-228600" algn="l" defTabSz="914400" rtl="0" eaLnBrk="1" latinLnBrk="0" hangingPunct="1">
+        <a:lnSpc>
+          <a:spcPct val="90000"/>
+        </a:lnSpc>
+        <a:spcBef>
+          <a:spcPts val="500"/>
+        </a:spcBef>
+        <a:buFont typeface="Arial" panose="020B0604020202020204" pitchFamily="34" charset="0"/>
+        <a:buChar char="•"/>
+        <a:defRPr sz="2000" kern="1200">
+          <a:solidFill>
+            <a:schemeClr val="tx1"/>
+          </a:solidFill>
+          <a:latin typeface="+mn-lt"/>
+          <a:ea typeface="+mn-ea"/>
+          <a:cs typeface="+mn-cs"/>
+        </a:defRPr>
+      </a:lvl3pPr>
+      <a:lvl4pPr marL="1600200" indent="-228600" algn="l" defTabSz="914400" rtl="0" eaLnBrk="1" latinLnBrk="0" hangingPunct="1">
+        <a:lnSpc>
+          <a:spcPct val="90000"/>
+        </a:lnSpc>
+        <a:spcBef>
+          <a:spcPts val="500"/>
+        </a:spcBef>
+        <a:buFont typeface="Arial" panose="020B0604020202020204" pitchFamily="34" charset="0"/>
+        <a:buChar char="•"/>
+        <a:defRPr sz="1800" kern="1200">
+          <a:solidFill>
+            <a:schemeClr val="tx1"/>
+          </a:solidFill>
+          <a:latin typeface="+mn-lt"/>
+          <a:ea typeface="+mn-ea"/>
+          <a:cs typeface="+mn-cs"/>
+        </a:defRPr>
+      </a:lvl4pPr>
+      <a:lvl5pPr marL="2057400" indent="-228600" algn="l" defTabSz="914400" rtl="0" eaLnBrk="1" latinLnBrk="0" hangingPunct="1">
+        <a:lnSpc>
+          <a:spcPct val="90000"/>
+        </a:lnSpc>
+        <a:spcBef>
+          <a:spcPts val="500"/>
+        </a:spcBef>
+        <a:buFont typeface="Arial" panose="020B0604020202020204" pitchFamily="34" charset="0"/>
+        <a:buChar char="•"/>
+        <a:defRPr sz="1800" kern="1200">
+          <a:solidFill>
+            <a:schemeClr val="tx1"/>
+          </a:solidFill>
+          <a:latin typeface="+mn-lt"/>
+          <a:ea typeface="+mn-ea"/>
+          <a:cs typeface="+mn-cs"/>
+        </a:defRPr>
+      </a:lvl5pPr>
+      <a:lvl6pPr marL="2514600" indent="-228600" algn="l" defTabSz="914400" rtl="0" eaLnBrk="1" latinLnBrk="0" hangingPunct="1">
+        <a:lnSpc>
+          <a:spcPct val="90000"/>
+        </a:lnSpc>
+        <a:spcBef>
+          <a:spcPts val="500"/>
+        </a:spcBef>
+        <a:buFont typeface="Arial" panose="020B0604020202020204" pitchFamily="34" charset="0"/>
+        <a:buChar char="•"/>
+        <a:defRPr sz="1800" kern="1200">
+          <a:solidFill>
+            <a:schemeClr val="tx1"/>
+          </a:solidFill>
+          <a:latin typeface="+mn-lt"/>
+          <a:ea typeface="+mn-ea"/>
+          <a:cs typeface="+mn-cs"/>
+        </a:defRPr>
+      </a:lvl6pPr>
+      <a:lvl7pPr marL="2971800" indent="-228600" algn="l" defTabSz="914400" rtl="0" eaLnBrk="1" latinLnBrk="0" hangingPunct="1">
+        <a:lnSpc>
+          <a:spcPct val="90000"/>
+        </a:lnSpc>
+        <a:spcBef>
+          <a:spcPts val="500"/>
+        </a:spcBef>
+        <a:buFont typeface="Arial" panose="020B0604020202020204" pitchFamily="34" charset="0"/>
+        <a:buChar char="•"/>
+        <a:defRPr sz="1800" kern="1200">
+          <a:solidFill>
+            <a:schemeClr val="tx1"/>
+          </a:solidFill>
+          <a:latin typeface="+mn-lt"/>
+          <a:ea typeface="+mn-ea"/>
+          <a:cs typeface="+mn-cs"/>
+        </a:defRPr>
+      </a:lvl7pPr>
+      <a:lvl8pPr marL="3429000" indent="-228600" algn="l" defTabSz="914400" rtl="0" eaLnBrk="1" latinLnBrk="0" hangingPunct="1">
+        <a:lnSpc>
+          <a:spcPct val="90000"/>
+        </a:lnSpc>
+        <a:spcBef>
+          <a:spcPts val="500"/>
+        </a:spcBef>
+        <a:buFont typeface="Arial" panose="020B0604020202020204" pitchFamily="34" charset="0"/>
+        <a:buChar char="•"/>
+        <a:defRPr sz="1800" kern="1200">
+          <a:solidFill>
+            <a:schemeClr val="tx1"/>
+          </a:solidFill>
+          <a:latin typeface="+mn-lt"/>
+          <a:ea typeface="+mn-ea"/>
+          <a:cs typeface="+mn-cs"/>
+        </a:defRPr>
+      </a:lvl8pPr>
+      <a:lvl9pPr marL="3886200" indent="-228600" algn="l" defTabSz="914400" rtl="0" eaLnBrk="1" latinLnBrk="0" hangingPunct="1">
+        <a:lnSpc>
+          <a:spcPct val="90000"/>
+        </a:lnSpc>
+        <a:spcBef>
+          <a:spcPts val="500"/>
+        </a:spcBef>
+        <a:buFont typeface="Arial" panose="020B0604020202020204" pitchFamily="34" charset="0"/>
+        <a:buChar char="•"/>
+        <a:defRPr sz="1800" kern="1200">
+          <a:solidFill>
+            <a:schemeClr val="tx1"/>
+          </a:solidFill>
+          <a:latin typeface="+mn-lt"/>
+          <a:ea typeface="+mn-ea"/>
+          <a:cs typeface="+mn-cs"/>
+        </a:defRPr>
+      </a:lvl9pPr>
+    </p:bodyStyle>
+    <p:otherStyle>
+      <a:defPPr>
+        <a:defRPr lang="en-US"/>
+      </a:defPPr>
+      <a:lvl1pPr marL="0" algn="l" defTabSz="914400" rtl="0" eaLnBrk="1" latinLnBrk="0" hangingPunct="1">
+        <a:defRPr sz="1800" kern="1200">
+          <a:solidFill>
+            <a:schemeClr val="tx1"/>
+          </a:solidFill>
+          <a:latin typeface="+mn-lt"/>
+          <a:ea typeface="+mn-ea"/>
+          <a:cs typeface="+mn-cs"/>
+        </a:defRPr>
+      </a:lvl1pPr>
+      <a:lvl2pPr marL="457200" algn="l" defTabSz="914400" rtl="0" eaLnBrk="1" latinLnBrk="0" hangingPunct="1">
+        <a:defRPr sz="1800" kern="1200">
+          <a:solidFill>
+            <a:schemeClr val="tx1"/>
+          </a:solidFill>
+          <a:latin typeface="+mn-lt"/>
+          <a:ea typeface="+mn-ea"/>
+          <a:cs typeface="+mn-cs"/>
+        </a:defRPr>
+      </a:lvl2pPr>
+      <a:lvl3pPr marL="914400" algn="l" defTabSz="914400" rtl="0" eaLnBrk="1" latinLnBrk="0" hangingPunct="1">
+        <a:defRPr sz="1800" kern="1200">
+          <a:solidFill>
+            <a:schemeClr val="tx1"/>
+          </a:solidFill>
+          <a:latin typeface="+mn-lt"/>
+          <a:ea typeface="+mn-ea"/>
+          <a:cs typeface="+mn-cs"/>
+        </a:defRPr>
+      </a:lvl3pPr>
+      <a:lvl4pPr marL="1371600" algn="l" defTabSz="914400" rtl="0" eaLnBrk="1" latinLnBrk="0" hangingPunct="1">
+        <a:defRPr sz="1800" kern="1200">
+          <a:solidFill>
+            <a:schemeClr val="tx1"/>
+          </a:solidFill>
+          <a:latin typeface="+mn-lt"/>
+          <a:ea typeface="+mn-ea"/>
+          <a:cs typeface="+mn-cs"/>
+        </a:defRPr>
+      </a:lvl4pPr>
+      <a:lvl5pPr marL="1828800" algn="l" defTabSz="914400" rtl="0" eaLnBrk="1" latinLnBrk="0" hangingPunct="1">
+        <a:defRPr sz="1800" kern="1200">
+          <a:solidFill>
+            <a:schemeClr val="tx1"/>
+          </a:solidFill>
+          <a:latin typeface="+mn-lt"/>
+          <a:ea typeface="+mn-ea"/>
+          <a:cs typeface="+mn-cs"/>
+        </a:defRPr>
+      </a:lvl5pPr>
+      <a:lvl6pPr marL="2286000" algn="l" defTabSz="914400" rtl="0" eaLnBrk="1" latinLnBrk="0" hangingPunct="1">
+        <a:defRPr sz="1800" kern="1200">
+          <a:solidFill>
+            <a:schemeClr val="tx1"/>
+          </a:solidFill>
+          <a:latin typeface="+mn-lt"/>
+          <a:ea typeface="+mn-ea"/>
+          <a:cs typeface="+mn-cs"/>
+        </a:defRPr>
+      </a:lvl6pPr>
+      <a:lvl7pPr marL="2743200" algn="l" defTabSz="914400" rtl="0" eaLnBrk="1" latinLnBrk="0" hangingPunct="1">
+        <a:defRPr sz="1800" kern="1200">
+          <a:solidFill>
+            <a:schemeClr val="tx1"/>
+          </a:solidFill>
+          <a:latin typeface="+mn-lt"/>
+          <a:ea typeface="+mn-ea"/>
+          <a:cs typeface="+mn-cs"/>
+        </a:defRPr>
+      </a:lvl7pPr>
+      <a:lvl8pPr marL="3200400" algn="l" defTabSz="914400" rtl="0" eaLnBrk="1" latinLnBrk="0" hangingPunct="1">
+        <a:defRPr sz="1800" kern="1200">
+          <a:solidFill>
+            <a:schemeClr val="tx1"/>
+          </a:solidFill>
+          <a:latin typeface="+mn-lt"/>
+          <a:ea typeface="+mn-ea"/>
+          <a:cs typeface="+mn-cs"/>
+        </a:defRPr>
+      </a:lvl8pPr>
+      <a:lvl9pPr marL="3657600" algn="l" defTabSz="914400" rtl="0" eaLnBrk="1" latinLnBrk="0" hangingPunct="1">
+        <a:defRPr sz="1800" kern="1200">
+          <a:solidFill>
+            <a:schemeClr val="tx1"/>
+          </a:solidFill>
+          <a:latin typeface="+mn-lt"/>
+          <a:ea typeface="+mn-ea"/>
+          <a:cs typeface="+mn-cs"/>
+        </a:defRPr>
+      </a:lvl9pPr>
+    </p:otherStyle>
+  </p:txStyles>
 </p:sldMaster>
 </file>
 
 <file path=ppt/slideMasters/slideMaster2.xml><?xml version="1.0" encoding="utf-8"?>
-<p:sldMaster xmlns:a="http://schemas.openxmlformats.org/drawingml/2006/main" xmlns:p="http://schemas.openxmlformats.org/presentationml/2006/main" xmlns:r="http://schemas.openxmlformats.org/officeDocument/2006/relationships">
+<p:sldMaster xmlns:a="http://schemas.openxmlformats.org/drawingml/2006/main" xmlns:r="http://schemas.openxmlformats.org/officeDocument/2006/relationships" xmlns:p="http://schemas.openxmlformats.org/presentationml/2006/main">
   <p:cSld>
     <p:bg>
       <p:bgPr>
         <a:blipFill>
-          <a:blip r:embed="rId2"/>
+          <a:blip r:embed="rId14"/>
           <a:stretch>
             <a:fillRect/>
           </a:stretch>
         </a:blipFill>
+        <a:effectLst/>
       </p:bgPr>
     </p:bg>
     <p:spTree>
@@ -4340,6 +4808,7 @@
         </p:spPr>
         <p:txBody>
           <a:bodyPr anchor="ctr"/>
+          <a:lstStyle/>
           <a:p>
             <a:pPr algn="ctr">
               <a:lnSpc>
@@ -4347,26 +4816,26 @@
               </a:lnSpc>
             </a:pPr>
             <a:r>
-              <a:rPr lang="en-US" sz="4800" spc="-1" strike="noStrike">
-                <a:solidFill>
-                  <a:srgbClr val="ffffff"/>
-                </a:solidFill>
-                <a:uFill>
-                  <a:solidFill>
-                    <a:srgbClr val="ffffff"/>
+              <a:rPr lang="en-US" sz="4800" strike="noStrike" spc="-1">
+                <a:solidFill>
+                  <a:srgbClr val="FFFFFF"/>
+                </a:solidFill>
+                <a:uFill>
+                  <a:solidFill>
+                    <a:srgbClr val="FFFFFF"/>
                   </a:solidFill>
                 </a:uFill>
                 <a:latin typeface="Calisto MT"/>
               </a:rPr>
               <a:t>Click to edit Master title style</a:t>
             </a:r>
-            <a:endParaRPr lang="en-US" sz="1800" spc="-1" strike="noStrike">
-              <a:solidFill>
-                <a:srgbClr val="ffffff"/>
-              </a:solidFill>
-              <a:uFill>
-                <a:solidFill>
-                  <a:srgbClr val="ffffff"/>
+            <a:endParaRPr lang="en-US" sz="1800" strike="noStrike" spc="-1">
+              <a:solidFill>
+                <a:srgbClr val="FFFFFF"/>
+              </a:solidFill>
+              <a:uFill>
+                <a:solidFill>
+                  <a:srgbClr val="FFFFFF"/>
                 </a:solidFill>
               </a:uFill>
               <a:latin typeface="Calisto MT"/>
@@ -4395,215 +4864,150 @@
         </p:spPr>
         <p:txBody>
           <a:bodyPr/>
+          <a:lstStyle/>
           <a:p>
             <a:pPr marL="432000" indent="-324000">
               <a:buClr>
-                <a:srgbClr val="ffffff"/>
+                <a:srgbClr val="FFFFFF"/>
               </a:buClr>
               <a:buSzPct val="45000"/>
               <a:buFont typeface="Wingdings" charset="2"/>
               <a:buChar char=""/>
             </a:pPr>
             <a:r>
-              <a:rPr lang="en-US" sz="2200" spc="-1" strike="noStrike">
-                <a:solidFill>
-                  <a:srgbClr val="ffffff"/>
-                </a:solidFill>
-                <a:uFill>
-                  <a:solidFill>
-                    <a:srgbClr val="ffffff"/>
+              <a:rPr lang="en-US" sz="2200" strike="noStrike" spc="-1">
+                <a:solidFill>
+                  <a:srgbClr val="FFFFFF"/>
+                </a:solidFill>
+                <a:uFill>
+                  <a:solidFill>
+                    <a:srgbClr val="FFFFFF"/>
                   </a:solidFill>
                 </a:uFill>
                 <a:latin typeface="Calisto MT"/>
               </a:rPr>
               <a:t>Click to edit the outline text format</a:t>
             </a:r>
-            <a:endParaRPr lang="en-US" sz="2200" spc="-1" strike="noStrike">
-              <a:solidFill>
-                <a:srgbClr val="ffffff"/>
-              </a:solidFill>
-              <a:uFill>
-                <a:solidFill>
-                  <a:srgbClr val="ffffff"/>
-                </a:solidFill>
-              </a:uFill>
-              <a:latin typeface="Calisto MT"/>
-            </a:endParaRPr>
-          </a:p>
-          <a:p>
-            <a:pPr lvl="1" marL="864000" indent="-324000">
+          </a:p>
+          <a:p>
+            <a:pPr marL="864000" lvl="1" indent="-324000">
               <a:buClr>
-                <a:srgbClr val="ffffff"/>
+                <a:srgbClr val="FFFFFF"/>
               </a:buClr>
               <a:buSzPct val="75000"/>
               <a:buFont typeface="Symbol" charset="2"/>
               <a:buChar char=""/>
             </a:pPr>
             <a:r>
-              <a:rPr lang="en-US" sz="2200" spc="-1" strike="noStrike">
-                <a:solidFill>
-                  <a:srgbClr val="ffffff"/>
-                </a:solidFill>
-                <a:uFill>
-                  <a:solidFill>
-                    <a:srgbClr val="ffffff"/>
+              <a:rPr lang="en-US" sz="2200" strike="noStrike" spc="-1">
+                <a:solidFill>
+                  <a:srgbClr val="FFFFFF"/>
+                </a:solidFill>
+                <a:uFill>
+                  <a:solidFill>
+                    <a:srgbClr val="FFFFFF"/>
                   </a:solidFill>
                 </a:uFill>
                 <a:latin typeface="Calisto MT"/>
               </a:rPr>
               <a:t>Second Outline Level</a:t>
             </a:r>
-            <a:endParaRPr lang="en-US" sz="2200" spc="-1" strike="noStrike">
-              <a:solidFill>
-                <a:srgbClr val="ffffff"/>
-              </a:solidFill>
-              <a:uFill>
-                <a:solidFill>
-                  <a:srgbClr val="ffffff"/>
-                </a:solidFill>
-              </a:uFill>
-              <a:latin typeface="Calisto MT"/>
-            </a:endParaRPr>
-          </a:p>
-          <a:p>
-            <a:pPr lvl="2" marL="1296000" indent="-288000">
+          </a:p>
+          <a:p>
+            <a:pPr marL="1296000" lvl="2" indent="-288000">
               <a:buClr>
-                <a:srgbClr val="ffffff"/>
+                <a:srgbClr val="FFFFFF"/>
               </a:buClr>
               <a:buSzPct val="45000"/>
               <a:buFont typeface="Wingdings" charset="2"/>
               <a:buChar char=""/>
             </a:pPr>
             <a:r>
-              <a:rPr lang="en-US" sz="2200" spc="-1" strike="noStrike">
-                <a:solidFill>
-                  <a:srgbClr val="ffffff"/>
-                </a:solidFill>
-                <a:uFill>
-                  <a:solidFill>
-                    <a:srgbClr val="ffffff"/>
+              <a:rPr lang="en-US" sz="2200" strike="noStrike" spc="-1">
+                <a:solidFill>
+                  <a:srgbClr val="FFFFFF"/>
+                </a:solidFill>
+                <a:uFill>
+                  <a:solidFill>
+                    <a:srgbClr val="FFFFFF"/>
                   </a:solidFill>
                 </a:uFill>
                 <a:latin typeface="Calisto MT"/>
               </a:rPr>
               <a:t>Third Outline Level</a:t>
             </a:r>
-            <a:endParaRPr lang="en-US" sz="2200" spc="-1" strike="noStrike">
-              <a:solidFill>
-                <a:srgbClr val="ffffff"/>
-              </a:solidFill>
-              <a:uFill>
-                <a:solidFill>
-                  <a:srgbClr val="ffffff"/>
-                </a:solidFill>
-              </a:uFill>
-              <a:latin typeface="Calisto MT"/>
-            </a:endParaRPr>
-          </a:p>
-          <a:p>
-            <a:pPr lvl="3" marL="1728000" indent="-216000">
+          </a:p>
+          <a:p>
+            <a:pPr marL="1728000" lvl="3" indent="-216000">
               <a:buClr>
-                <a:srgbClr val="ffffff"/>
+                <a:srgbClr val="FFFFFF"/>
               </a:buClr>
               <a:buSzPct val="75000"/>
               <a:buFont typeface="Symbol" charset="2"/>
               <a:buChar char=""/>
             </a:pPr>
             <a:r>
-              <a:rPr lang="en-US" sz="2200" spc="-1" strike="noStrike">
-                <a:solidFill>
-                  <a:srgbClr val="ffffff"/>
-                </a:solidFill>
-                <a:uFill>
-                  <a:solidFill>
-                    <a:srgbClr val="ffffff"/>
+              <a:rPr lang="en-US" sz="2200" strike="noStrike" spc="-1">
+                <a:solidFill>
+                  <a:srgbClr val="FFFFFF"/>
+                </a:solidFill>
+                <a:uFill>
+                  <a:solidFill>
+                    <a:srgbClr val="FFFFFF"/>
                   </a:solidFill>
                 </a:uFill>
                 <a:latin typeface="Calisto MT"/>
               </a:rPr>
               <a:t>Fourth Outline Level</a:t>
             </a:r>
-            <a:endParaRPr lang="en-US" sz="2200" spc="-1" strike="noStrike">
-              <a:solidFill>
-                <a:srgbClr val="ffffff"/>
-              </a:solidFill>
-              <a:uFill>
-                <a:solidFill>
-                  <a:srgbClr val="ffffff"/>
-                </a:solidFill>
-              </a:uFill>
-              <a:latin typeface="Calisto MT"/>
-            </a:endParaRPr>
-          </a:p>
-          <a:p>
-            <a:pPr lvl="4" marL="2160000" indent="-216000">
+          </a:p>
+          <a:p>
+            <a:pPr marL="2160000" lvl="4" indent="-216000">
               <a:buClr>
-                <a:srgbClr val="ffffff"/>
+                <a:srgbClr val="FFFFFF"/>
               </a:buClr>
               <a:buSzPct val="45000"/>
               <a:buFont typeface="Wingdings" charset="2"/>
               <a:buChar char=""/>
             </a:pPr>
             <a:r>
-              <a:rPr lang="en-US" sz="2200" spc="-1" strike="noStrike">
-                <a:solidFill>
-                  <a:srgbClr val="ffffff"/>
-                </a:solidFill>
-                <a:uFill>
-                  <a:solidFill>
-                    <a:srgbClr val="ffffff"/>
+              <a:rPr lang="en-US" sz="2200" strike="noStrike" spc="-1">
+                <a:solidFill>
+                  <a:srgbClr val="FFFFFF"/>
+                </a:solidFill>
+                <a:uFill>
+                  <a:solidFill>
+                    <a:srgbClr val="FFFFFF"/>
                   </a:solidFill>
                 </a:uFill>
                 <a:latin typeface="Calisto MT"/>
               </a:rPr>
               <a:t>Fifth Outline Level</a:t>
             </a:r>
-            <a:endParaRPr lang="en-US" sz="2200" spc="-1" strike="noStrike">
-              <a:solidFill>
-                <a:srgbClr val="ffffff"/>
-              </a:solidFill>
-              <a:uFill>
-                <a:solidFill>
-                  <a:srgbClr val="ffffff"/>
-                </a:solidFill>
-              </a:uFill>
-              <a:latin typeface="Calisto MT"/>
-            </a:endParaRPr>
-          </a:p>
-          <a:p>
-            <a:pPr lvl="5" marL="2592000" indent="-216000">
+          </a:p>
+          <a:p>
+            <a:pPr marL="2592000" lvl="5" indent="-216000">
               <a:buClr>
-                <a:srgbClr val="ffffff"/>
+                <a:srgbClr val="FFFFFF"/>
               </a:buClr>
               <a:buSzPct val="45000"/>
               <a:buFont typeface="Wingdings" charset="2"/>
               <a:buChar char=""/>
             </a:pPr>
             <a:r>
-              <a:rPr lang="en-US" sz="2200" spc="-1" strike="noStrike">
-                <a:solidFill>
-                  <a:srgbClr val="ffffff"/>
-                </a:solidFill>
-                <a:uFill>
-                  <a:solidFill>
-                    <a:srgbClr val="ffffff"/>
+              <a:rPr lang="en-US" sz="2200" strike="noStrike" spc="-1">
+                <a:solidFill>
+                  <a:srgbClr val="FFFFFF"/>
+                </a:solidFill>
+                <a:uFill>
+                  <a:solidFill>
+                    <a:srgbClr val="FFFFFF"/>
                   </a:solidFill>
                 </a:uFill>
                 <a:latin typeface="Calisto MT"/>
               </a:rPr>
               <a:t>Sixth Outline Level</a:t>
             </a:r>
-            <a:endParaRPr lang="en-US" sz="2200" spc="-1" strike="noStrike">
-              <a:solidFill>
-                <a:srgbClr val="ffffff"/>
-              </a:solidFill>
-              <a:uFill>
-                <a:solidFill>
-                  <a:srgbClr val="ffffff"/>
-                </a:solidFill>
-              </a:uFill>
-              <a:latin typeface="Calisto MT"/>
-            </a:endParaRPr>
           </a:p>
           <a:p>
             <a:pPr marL="343080" indent="-342720">
@@ -4611,170 +5015,159 @@
                 <a:spcPct val="100000"/>
               </a:lnSpc>
               <a:buBlip>
-                <a:blip r:embed="rId3"/>
+                <a:blip r:embed="rId15"/>
               </a:buBlip>
             </a:pPr>
             <a:r>
-              <a:rPr lang="en-US" sz="2200" spc="-1" strike="noStrike">
-                <a:solidFill>
-                  <a:srgbClr val="ffffff"/>
-                </a:solidFill>
-                <a:uFill>
-                  <a:solidFill>
-                    <a:srgbClr val="ffffff"/>
+              <a:rPr lang="en-US" sz="2200" strike="noStrike" spc="-1">
+                <a:solidFill>
+                  <a:srgbClr val="FFFFFF"/>
+                </a:solidFill>
+                <a:uFill>
+                  <a:solidFill>
+                    <a:srgbClr val="FFFFFF"/>
                   </a:solidFill>
                 </a:uFill>
                 <a:latin typeface="Calisto MT"/>
               </a:rPr>
               <a:t>Seventh Outline LevelClick to edit Master text styles</a:t>
             </a:r>
-            <a:endParaRPr lang="en-US" sz="2200" spc="-1" strike="noStrike">
-              <a:solidFill>
-                <a:srgbClr val="ffffff"/>
-              </a:solidFill>
-              <a:uFill>
-                <a:solidFill>
-                  <a:srgbClr val="ffffff"/>
-                </a:solidFill>
-              </a:uFill>
-              <a:latin typeface="Calisto MT"/>
-            </a:endParaRPr>
-          </a:p>
-          <a:p>
-            <a:pPr lvl="1" marL="685800" indent="-336240">
+          </a:p>
+          <a:p>
+            <a:pPr marL="685800" lvl="1" indent="-336240">
               <a:lnSpc>
                 <a:spcPct val="100000"/>
               </a:lnSpc>
               <a:buBlip>
-                <a:blip r:embed="rId4"/>
+                <a:blip r:embed="rId15"/>
               </a:buBlip>
             </a:pPr>
             <a:r>
-              <a:rPr lang="en-US" sz="2000" spc="-1" strike="noStrike">
-                <a:solidFill>
-                  <a:srgbClr val="ffffff"/>
-                </a:solidFill>
-                <a:uFill>
-                  <a:solidFill>
-                    <a:srgbClr val="ffffff"/>
+              <a:rPr lang="en-US" sz="2000" strike="noStrike" spc="-1">
+                <a:solidFill>
+                  <a:srgbClr val="FFFFFF"/>
+                </a:solidFill>
+                <a:uFill>
+                  <a:solidFill>
+                    <a:srgbClr val="FFFFFF"/>
                   </a:solidFill>
                 </a:uFill>
                 <a:latin typeface="Calisto MT"/>
               </a:rPr>
               <a:t>Second level</a:t>
             </a:r>
-            <a:endParaRPr lang="en-US" sz="2200" spc="-1" strike="noStrike">
-              <a:solidFill>
-                <a:srgbClr val="ffffff"/>
-              </a:solidFill>
-              <a:uFill>
-                <a:solidFill>
-                  <a:srgbClr val="ffffff"/>
-                </a:solidFill>
-              </a:uFill>
-              <a:latin typeface="Calisto MT"/>
-            </a:endParaRPr>
-          </a:p>
-          <a:p>
-            <a:pPr lvl="2" marL="1035000" indent="-348840">
+            <a:endParaRPr lang="en-US" sz="2200" strike="noStrike" spc="-1">
+              <a:solidFill>
+                <a:srgbClr val="FFFFFF"/>
+              </a:solidFill>
+              <a:uFill>
+                <a:solidFill>
+                  <a:srgbClr val="FFFFFF"/>
+                </a:solidFill>
+              </a:uFill>
+              <a:latin typeface="Calisto MT"/>
+            </a:endParaRPr>
+          </a:p>
+          <a:p>
+            <a:pPr marL="1035000" lvl="2" indent="-348840">
               <a:lnSpc>
                 <a:spcPct val="100000"/>
               </a:lnSpc>
               <a:buBlip>
-                <a:blip r:embed="rId5"/>
+                <a:blip r:embed="rId15"/>
               </a:buBlip>
             </a:pPr>
             <a:r>
-              <a:rPr lang="en-US" sz="1800" spc="-1" strike="noStrike">
-                <a:solidFill>
-                  <a:srgbClr val="ffffff"/>
-                </a:solidFill>
-                <a:uFill>
-                  <a:solidFill>
-                    <a:srgbClr val="ffffff"/>
+              <a:rPr lang="en-US" sz="1800" strike="noStrike" spc="-1">
+                <a:solidFill>
+                  <a:srgbClr val="FFFFFF"/>
+                </a:solidFill>
+                <a:uFill>
+                  <a:solidFill>
+                    <a:srgbClr val="FFFFFF"/>
                   </a:solidFill>
                 </a:uFill>
                 <a:latin typeface="Calisto MT"/>
               </a:rPr>
               <a:t>Third level</a:t>
             </a:r>
-            <a:endParaRPr lang="en-US" sz="2200" spc="-1" strike="noStrike">
-              <a:solidFill>
-                <a:srgbClr val="ffffff"/>
-              </a:solidFill>
-              <a:uFill>
-                <a:solidFill>
-                  <a:srgbClr val="ffffff"/>
-                </a:solidFill>
-              </a:uFill>
-              <a:latin typeface="Calisto MT"/>
-            </a:endParaRPr>
-          </a:p>
-          <a:p>
-            <a:pPr lvl="3" marL="1371600" indent="-336240">
+            <a:endParaRPr lang="en-US" sz="2200" strike="noStrike" spc="-1">
+              <a:solidFill>
+                <a:srgbClr val="FFFFFF"/>
+              </a:solidFill>
+              <a:uFill>
+                <a:solidFill>
+                  <a:srgbClr val="FFFFFF"/>
+                </a:solidFill>
+              </a:uFill>
+              <a:latin typeface="Calisto MT"/>
+            </a:endParaRPr>
+          </a:p>
+          <a:p>
+            <a:pPr marL="1371600" lvl="3" indent="-336240">
               <a:lnSpc>
                 <a:spcPct val="100000"/>
               </a:lnSpc>
               <a:buBlip>
-                <a:blip r:embed="rId6"/>
+                <a:blip r:embed="rId15"/>
               </a:buBlip>
             </a:pPr>
             <a:r>
-              <a:rPr lang="en-US" sz="1800" spc="-1" strike="noStrike">
-                <a:solidFill>
-                  <a:srgbClr val="ffffff"/>
-                </a:solidFill>
-                <a:uFill>
-                  <a:solidFill>
-                    <a:srgbClr val="ffffff"/>
+              <a:rPr lang="en-US" sz="1800" strike="noStrike" spc="-1">
+                <a:solidFill>
+                  <a:srgbClr val="FFFFFF"/>
+                </a:solidFill>
+                <a:uFill>
+                  <a:solidFill>
+                    <a:srgbClr val="FFFFFF"/>
                   </a:solidFill>
                 </a:uFill>
                 <a:latin typeface="Calisto MT"/>
               </a:rPr>
               <a:t>Fourth level</a:t>
             </a:r>
-            <a:endParaRPr lang="en-US" sz="2200" spc="-1" strike="noStrike">
-              <a:solidFill>
-                <a:srgbClr val="ffffff"/>
-              </a:solidFill>
-              <a:uFill>
-                <a:solidFill>
-                  <a:srgbClr val="ffffff"/>
-                </a:solidFill>
-              </a:uFill>
-              <a:latin typeface="Calisto MT"/>
-            </a:endParaRPr>
-          </a:p>
-          <a:p>
-            <a:pPr lvl="4" marL="1720800" indent="-348840">
+            <a:endParaRPr lang="en-US" sz="2200" strike="noStrike" spc="-1">
+              <a:solidFill>
+                <a:srgbClr val="FFFFFF"/>
+              </a:solidFill>
+              <a:uFill>
+                <a:solidFill>
+                  <a:srgbClr val="FFFFFF"/>
+                </a:solidFill>
+              </a:uFill>
+              <a:latin typeface="Calisto MT"/>
+            </a:endParaRPr>
+          </a:p>
+          <a:p>
+            <a:pPr marL="1720800" lvl="4" indent="-348840">
               <a:lnSpc>
                 <a:spcPct val="100000"/>
               </a:lnSpc>
               <a:buBlip>
-                <a:blip r:embed="rId7"/>
+                <a:blip r:embed="rId15"/>
               </a:buBlip>
             </a:pPr>
             <a:r>
-              <a:rPr lang="en-US" sz="1800" spc="-1" strike="noStrike">
-                <a:solidFill>
-                  <a:srgbClr val="ffffff"/>
-                </a:solidFill>
-                <a:uFill>
-                  <a:solidFill>
-                    <a:srgbClr val="ffffff"/>
+              <a:rPr lang="en-US" sz="1800" strike="noStrike" spc="-1">
+                <a:solidFill>
+                  <a:srgbClr val="FFFFFF"/>
+                </a:solidFill>
+                <a:uFill>
+                  <a:solidFill>
+                    <a:srgbClr val="FFFFFF"/>
                   </a:solidFill>
                 </a:uFill>
                 <a:latin typeface="Calisto MT"/>
               </a:rPr>
               <a:t>Fifth level</a:t>
             </a:r>
-            <a:endParaRPr lang="en-US" sz="2200" spc="-1" strike="noStrike">
-              <a:solidFill>
-                <a:srgbClr val="ffffff"/>
-              </a:solidFill>
-              <a:uFill>
-                <a:solidFill>
-                  <a:srgbClr val="ffffff"/>
+            <a:endParaRPr lang="en-US" sz="2200" strike="noStrike" spc="-1">
+              <a:solidFill>
+                <a:srgbClr val="FFFFFF"/>
+              </a:solidFill>
+              <a:uFill>
+                <a:solidFill>
+                  <a:srgbClr val="FFFFFF"/>
                 </a:solidFill>
               </a:uFill>
               <a:latin typeface="Calisto MT"/>
@@ -4803,6 +5196,7 @@
         </p:spPr>
         <p:txBody>
           <a:bodyPr anchor="ctr"/>
+          <a:lstStyle/>
           <a:p>
             <a:pPr algn="r">
               <a:lnSpc>
@@ -4810,26 +5204,26 @@
               </a:lnSpc>
             </a:pPr>
             <a:r>
-              <a:rPr lang="en-US" sz="1200" spc="-1" strike="noStrike">
-                <a:solidFill>
-                  <a:srgbClr val="ffffff"/>
-                </a:solidFill>
-                <a:uFill>
-                  <a:solidFill>
-                    <a:srgbClr val="ffffff"/>
+              <a:rPr lang="en-US" sz="1200" strike="noStrike" spc="-1">
+                <a:solidFill>
+                  <a:srgbClr val="FFFFFF"/>
+                </a:solidFill>
+                <a:uFill>
+                  <a:solidFill>
+                    <a:srgbClr val="FFFFFF"/>
                   </a:solidFill>
                 </a:uFill>
                 <a:latin typeface="Calisto MT"/>
               </a:rPr>
               <a:t>2/22/16</a:t>
             </a:r>
-            <a:endParaRPr lang="en-US" sz="1400" spc="-1" strike="noStrike">
-              <a:solidFill>
-                <a:srgbClr val="ffffff"/>
-              </a:solidFill>
-              <a:uFill>
-                <a:solidFill>
-                  <a:srgbClr val="ffffff"/>
+            <a:endParaRPr lang="en-US" sz="1400" strike="noStrike" spc="-1">
+              <a:solidFill>
+                <a:srgbClr val="FFFFFF"/>
+              </a:solidFill>
+              <a:uFill>
+                <a:solidFill>
+                  <a:srgbClr val="FFFFFF"/>
                 </a:solidFill>
               </a:uFill>
               <a:latin typeface="Times New Roman"/>
@@ -4858,14 +5252,15 @@
         </p:spPr>
         <p:txBody>
           <a:bodyPr anchor="ctr"/>
-          <a:p>
-            <a:endParaRPr lang="en-US" sz="2400" spc="-1" strike="noStrike">
-              <a:solidFill>
-                <a:srgbClr val="ffffff"/>
-              </a:solidFill>
-              <a:uFill>
-                <a:solidFill>
-                  <a:srgbClr val="ffffff"/>
+          <a:lstStyle/>
+          <a:p>
+            <a:endParaRPr lang="en-US" sz="2400" strike="noStrike" spc="-1">
+              <a:solidFill>
+                <a:srgbClr val="FFFFFF"/>
+              </a:solidFill>
+              <a:uFill>
+                <a:solidFill>
+                  <a:srgbClr val="FFFFFF"/>
                 </a:solidFill>
               </a:uFill>
               <a:latin typeface="Times New Roman"/>
@@ -4894,6 +5289,7 @@
         </p:spPr>
         <p:txBody>
           <a:bodyPr anchor="ctr"/>
+          <a:lstStyle/>
           <a:p>
             <a:pPr algn="ctr">
               <a:lnSpc>
@@ -4901,26 +5297,26 @@
               </a:lnSpc>
             </a:pPr>
             <a:fld id="{F90B1BA1-BC27-426D-B903-8940D5D3F0DB}" type="slidenum">
-              <a:rPr lang="en-US" sz="1200" spc="-1" strike="noStrike">
-                <a:solidFill>
-                  <a:srgbClr val="ffffff"/>
-                </a:solidFill>
-                <a:uFill>
-                  <a:solidFill>
-                    <a:srgbClr val="ffffff"/>
-                  </a:solidFill>
-                </a:uFill>
-                <a:latin typeface="Calisto MT"/>
-              </a:rPr>
-              <a:t>&lt;number&gt;</a:t>
+              <a:rPr lang="en-US" sz="1200" strike="noStrike" spc="-1">
+                <a:solidFill>
+                  <a:srgbClr val="FFFFFF"/>
+                </a:solidFill>
+                <a:uFill>
+                  <a:solidFill>
+                    <a:srgbClr val="FFFFFF"/>
+                  </a:solidFill>
+                </a:uFill>
+                <a:latin typeface="Calisto MT"/>
+              </a:rPr>
+              <a:t>‹#›</a:t>
             </a:fld>
-            <a:endParaRPr lang="en-US" sz="1400" spc="-1" strike="noStrike">
-              <a:solidFill>
-                <a:srgbClr val="ffffff"/>
-              </a:solidFill>
-              <a:uFill>
-                <a:solidFill>
-                  <a:srgbClr val="ffffff"/>
+            <a:endParaRPr lang="en-US" sz="1400" strike="noStrike" spc="-1">
+              <a:solidFill>
+                <a:srgbClr val="FFFFFF"/>
+              </a:solidFill>
+              <a:uFill>
+                <a:solidFill>
+                  <a:srgbClr val="FFFFFF"/>
                 </a:solidFill>
               </a:uFill>
               <a:latin typeface="Times New Roman"/>
@@ -4930,26 +5326,306 @@
       </p:sp>
     </p:spTree>
   </p:cSld>
-  <p:clrMap bg1="lt1" bg2="lt2" tx1="dk1" tx2="dk2" accent1="accent1" accent2="accent2" accent3="accent3" accent4="accent4" accent5="accent5" accent6="accent6" hlink="hlink" folHlink="folHlink"/>
+  <p:clrMap bg1="lt1" tx1="dk1" bg2="lt2" tx2="dk2" accent1="accent1" accent2="accent2" accent3="accent3" accent4="accent4" accent5="accent5" accent6="accent6" hlink="hlink" folHlink="folHlink"/>
   <p:sldLayoutIdLst>
-    <p:sldLayoutId id="2147483662" r:id="rId8"/>
-    <p:sldLayoutId id="2147483663" r:id="rId9"/>
-    <p:sldLayoutId id="2147483664" r:id="rId10"/>
-    <p:sldLayoutId id="2147483665" r:id="rId11"/>
-    <p:sldLayoutId id="2147483666" r:id="rId12"/>
-    <p:sldLayoutId id="2147483667" r:id="rId13"/>
-    <p:sldLayoutId id="2147483668" r:id="rId14"/>
-    <p:sldLayoutId id="2147483669" r:id="rId15"/>
-    <p:sldLayoutId id="2147483670" r:id="rId16"/>
-    <p:sldLayoutId id="2147483671" r:id="rId17"/>
-    <p:sldLayoutId id="2147483672" r:id="rId18"/>
-    <p:sldLayoutId id="2147483673" r:id="rId19"/>
+    <p:sldLayoutId id="2147483662" r:id="rId1"/>
+    <p:sldLayoutId id="2147483663" r:id="rId2"/>
+    <p:sldLayoutId id="2147483664" r:id="rId3"/>
+    <p:sldLayoutId id="2147483665" r:id="rId4"/>
+    <p:sldLayoutId id="2147483666" r:id="rId5"/>
+    <p:sldLayoutId id="2147483667" r:id="rId6"/>
+    <p:sldLayoutId id="2147483668" r:id="rId7"/>
+    <p:sldLayoutId id="2147483669" r:id="rId8"/>
+    <p:sldLayoutId id="2147483670" r:id="rId9"/>
+    <p:sldLayoutId id="2147483671" r:id="rId10"/>
+    <p:sldLayoutId id="2147483672" r:id="rId11"/>
+    <p:sldLayoutId id="2147483673" r:id="rId12"/>
   </p:sldLayoutIdLst>
+  <p:txStyles>
+    <p:titleStyle>
+      <a:lvl1pPr algn="l" defTabSz="914400" rtl="0" eaLnBrk="1" latinLnBrk="0" hangingPunct="1">
+        <a:lnSpc>
+          <a:spcPct val="90000"/>
+        </a:lnSpc>
+        <a:spcBef>
+          <a:spcPct val="0"/>
+        </a:spcBef>
+        <a:buNone/>
+        <a:defRPr sz="4400" kern="1200">
+          <a:solidFill>
+            <a:schemeClr val="tx1"/>
+          </a:solidFill>
+          <a:latin typeface="+mj-lt"/>
+          <a:ea typeface="+mj-ea"/>
+          <a:cs typeface="+mj-cs"/>
+        </a:defRPr>
+      </a:lvl1pPr>
+    </p:titleStyle>
+    <p:bodyStyle>
+      <a:lvl1pPr marL="228600" indent="-228600" algn="l" defTabSz="914400" rtl="0" eaLnBrk="1" latinLnBrk="0" hangingPunct="1">
+        <a:lnSpc>
+          <a:spcPct val="90000"/>
+        </a:lnSpc>
+        <a:spcBef>
+          <a:spcPts val="1000"/>
+        </a:spcBef>
+        <a:buFont typeface="Arial" panose="020B0604020202020204" pitchFamily="34" charset="0"/>
+        <a:buChar char="•"/>
+        <a:defRPr sz="2800" kern="1200">
+          <a:solidFill>
+            <a:schemeClr val="tx1"/>
+          </a:solidFill>
+          <a:latin typeface="+mn-lt"/>
+          <a:ea typeface="+mn-ea"/>
+          <a:cs typeface="+mn-cs"/>
+        </a:defRPr>
+      </a:lvl1pPr>
+      <a:lvl2pPr marL="685800" indent="-228600" algn="l" defTabSz="914400" rtl="0" eaLnBrk="1" latinLnBrk="0" hangingPunct="1">
+        <a:lnSpc>
+          <a:spcPct val="90000"/>
+        </a:lnSpc>
+        <a:spcBef>
+          <a:spcPts val="500"/>
+        </a:spcBef>
+        <a:buFont typeface="Arial" panose="020B0604020202020204" pitchFamily="34" charset="0"/>
+        <a:buChar char="•"/>
+        <a:defRPr sz="2400" kern="1200">
+          <a:solidFill>
+            <a:schemeClr val="tx1"/>
+          </a:solidFill>
+          <a:latin typeface="+mn-lt"/>
+          <a:ea typeface="+mn-ea"/>
+          <a:cs typeface="+mn-cs"/>
+        </a:defRPr>
+      </a:lvl2pPr>
+      <a:lvl3pPr marL="1143000" indent="-228600" algn="l" defTabSz="914400" rtl="0" eaLnBrk="1" latinLnBrk="0" hangingPunct="1">
+        <a:lnSpc>
+          <a:spcPct val="90000"/>
+        </a:lnSpc>
+        <a:spcBef>
+          <a:spcPts val="500"/>
+        </a:spcBef>
+        <a:buFont typeface="Arial" panose="020B0604020202020204" pitchFamily="34" charset="0"/>
+        <a:buChar char="•"/>
+        <a:defRPr sz="2000" kern="1200">
+          <a:solidFill>
+            <a:schemeClr val="tx1"/>
+          </a:solidFill>
+          <a:latin typeface="+mn-lt"/>
+          <a:ea typeface="+mn-ea"/>
+          <a:cs typeface="+mn-cs"/>
+        </a:defRPr>
+      </a:lvl3pPr>
+      <a:lvl4pPr marL="1600200" indent="-228600" algn="l" defTabSz="914400" rtl="0" eaLnBrk="1" latinLnBrk="0" hangingPunct="1">
+        <a:lnSpc>
+          <a:spcPct val="90000"/>
+        </a:lnSpc>
+        <a:spcBef>
+          <a:spcPts val="500"/>
+        </a:spcBef>
+        <a:buFont typeface="Arial" panose="020B0604020202020204" pitchFamily="34" charset="0"/>
+        <a:buChar char="•"/>
+        <a:defRPr sz="1800" kern="1200">
+          <a:solidFill>
+            <a:schemeClr val="tx1"/>
+          </a:solidFill>
+          <a:latin typeface="+mn-lt"/>
+          <a:ea typeface="+mn-ea"/>
+          <a:cs typeface="+mn-cs"/>
+        </a:defRPr>
+      </a:lvl4pPr>
+      <a:lvl5pPr marL="2057400" indent="-228600" algn="l" defTabSz="914400" rtl="0" eaLnBrk="1" latinLnBrk="0" hangingPunct="1">
+        <a:lnSpc>
+          <a:spcPct val="90000"/>
+        </a:lnSpc>
+        <a:spcBef>
+          <a:spcPts val="500"/>
+        </a:spcBef>
+        <a:buFont typeface="Arial" panose="020B0604020202020204" pitchFamily="34" charset="0"/>
+        <a:buChar char="•"/>
+        <a:defRPr sz="1800" kern="1200">
+          <a:solidFill>
+            <a:schemeClr val="tx1"/>
+          </a:solidFill>
+          <a:latin typeface="+mn-lt"/>
+          <a:ea typeface="+mn-ea"/>
+          <a:cs typeface="+mn-cs"/>
+        </a:defRPr>
+      </a:lvl5pPr>
+      <a:lvl6pPr marL="2514600" indent="-228600" algn="l" defTabSz="914400" rtl="0" eaLnBrk="1" latinLnBrk="0" hangingPunct="1">
+        <a:lnSpc>
+          <a:spcPct val="90000"/>
+        </a:lnSpc>
+        <a:spcBef>
+          <a:spcPts val="500"/>
+        </a:spcBef>
+        <a:buFont typeface="Arial" panose="020B0604020202020204" pitchFamily="34" charset="0"/>
+        <a:buChar char="•"/>
+        <a:defRPr sz="1800" kern="1200">
+          <a:solidFill>
+            <a:schemeClr val="tx1"/>
+          </a:solidFill>
+          <a:latin typeface="+mn-lt"/>
+          <a:ea typeface="+mn-ea"/>
+          <a:cs typeface="+mn-cs"/>
+        </a:defRPr>
+      </a:lvl6pPr>
+      <a:lvl7pPr marL="2971800" indent="-228600" algn="l" defTabSz="914400" rtl="0" eaLnBrk="1" latinLnBrk="0" hangingPunct="1">
+        <a:lnSpc>
+          <a:spcPct val="90000"/>
+        </a:lnSpc>
+        <a:spcBef>
+          <a:spcPts val="500"/>
+        </a:spcBef>
+        <a:buFont typeface="Arial" panose="020B0604020202020204" pitchFamily="34" charset="0"/>
+        <a:buChar char="•"/>
+        <a:defRPr sz="1800" kern="1200">
+          <a:solidFill>
+            <a:schemeClr val="tx1"/>
+          </a:solidFill>
+          <a:latin typeface="+mn-lt"/>
+          <a:ea typeface="+mn-ea"/>
+          <a:cs typeface="+mn-cs"/>
+        </a:defRPr>
+      </a:lvl7pPr>
+      <a:lvl8pPr marL="3429000" indent="-228600" algn="l" defTabSz="914400" rtl="0" eaLnBrk="1" latinLnBrk="0" hangingPunct="1">
+        <a:lnSpc>
+          <a:spcPct val="90000"/>
+        </a:lnSpc>
+        <a:spcBef>
+          <a:spcPts val="500"/>
+        </a:spcBef>
+        <a:buFont typeface="Arial" panose="020B0604020202020204" pitchFamily="34" charset="0"/>
+        <a:buChar char="•"/>
+        <a:defRPr sz="1800" kern="1200">
+          <a:solidFill>
+            <a:schemeClr val="tx1"/>
+          </a:solidFill>
+          <a:latin typeface="+mn-lt"/>
+          <a:ea typeface="+mn-ea"/>
+          <a:cs typeface="+mn-cs"/>
+        </a:defRPr>
+      </a:lvl8pPr>
+      <a:lvl9pPr marL="3886200" indent="-228600" algn="l" defTabSz="914400" rtl="0" eaLnBrk="1" latinLnBrk="0" hangingPunct="1">
+        <a:lnSpc>
+          <a:spcPct val="90000"/>
+        </a:lnSpc>
+        <a:spcBef>
+          <a:spcPts val="500"/>
+        </a:spcBef>
+        <a:buFont typeface="Arial" panose="020B0604020202020204" pitchFamily="34" charset="0"/>
+        <a:buChar char="•"/>
+        <a:defRPr sz="1800" kern="1200">
+          <a:solidFill>
+            <a:schemeClr val="tx1"/>
+          </a:solidFill>
+          <a:latin typeface="+mn-lt"/>
+          <a:ea typeface="+mn-ea"/>
+          <a:cs typeface="+mn-cs"/>
+        </a:defRPr>
+      </a:lvl9pPr>
+    </p:bodyStyle>
+    <p:otherStyle>
+      <a:defPPr>
+        <a:defRPr lang="en-US"/>
+      </a:defPPr>
+      <a:lvl1pPr marL="0" algn="l" defTabSz="914400" rtl="0" eaLnBrk="1" latinLnBrk="0" hangingPunct="1">
+        <a:defRPr sz="1800" kern="1200">
+          <a:solidFill>
+            <a:schemeClr val="tx1"/>
+          </a:solidFill>
+          <a:latin typeface="+mn-lt"/>
+          <a:ea typeface="+mn-ea"/>
+          <a:cs typeface="+mn-cs"/>
+        </a:defRPr>
+      </a:lvl1pPr>
+      <a:lvl2pPr marL="457200" algn="l" defTabSz="914400" rtl="0" eaLnBrk="1" latinLnBrk="0" hangingPunct="1">
+        <a:defRPr sz="1800" kern="1200">
+          <a:solidFill>
+            <a:schemeClr val="tx1"/>
+          </a:solidFill>
+          <a:latin typeface="+mn-lt"/>
+          <a:ea typeface="+mn-ea"/>
+          <a:cs typeface="+mn-cs"/>
+        </a:defRPr>
+      </a:lvl2pPr>
+      <a:lvl3pPr marL="914400" algn="l" defTabSz="914400" rtl="0" eaLnBrk="1" latinLnBrk="0" hangingPunct="1">
+        <a:defRPr sz="1800" kern="1200">
+          <a:solidFill>
+            <a:schemeClr val="tx1"/>
+          </a:solidFill>
+          <a:latin typeface="+mn-lt"/>
+          <a:ea typeface="+mn-ea"/>
+          <a:cs typeface="+mn-cs"/>
+        </a:defRPr>
+      </a:lvl3pPr>
+      <a:lvl4pPr marL="1371600" algn="l" defTabSz="914400" rtl="0" eaLnBrk="1" latinLnBrk="0" hangingPunct="1">
+        <a:defRPr sz="1800" kern="1200">
+          <a:solidFill>
+            <a:schemeClr val="tx1"/>
+          </a:solidFill>
+          <a:latin typeface="+mn-lt"/>
+          <a:ea typeface="+mn-ea"/>
+          <a:cs typeface="+mn-cs"/>
+        </a:defRPr>
+      </a:lvl4pPr>
+      <a:lvl5pPr marL="1828800" algn="l" defTabSz="914400" rtl="0" eaLnBrk="1" latinLnBrk="0" hangingPunct="1">
+        <a:defRPr sz="1800" kern="1200">
+          <a:solidFill>
+            <a:schemeClr val="tx1"/>
+          </a:solidFill>
+          <a:latin typeface="+mn-lt"/>
+          <a:ea typeface="+mn-ea"/>
+          <a:cs typeface="+mn-cs"/>
+        </a:defRPr>
+      </a:lvl5pPr>
+      <a:lvl6pPr marL="2286000" algn="l" defTabSz="914400" rtl="0" eaLnBrk="1" latinLnBrk="0" hangingPunct="1">
+        <a:defRPr sz="1800" kern="1200">
+          <a:solidFill>
+            <a:schemeClr val="tx1"/>
+          </a:solidFill>
+          <a:latin typeface="+mn-lt"/>
+          <a:ea typeface="+mn-ea"/>
+          <a:cs typeface="+mn-cs"/>
+        </a:defRPr>
+      </a:lvl6pPr>
+      <a:lvl7pPr marL="2743200" algn="l" defTabSz="914400" rtl="0" eaLnBrk="1" latinLnBrk="0" hangingPunct="1">
+        <a:defRPr sz="1800" kern="1200">
+          <a:solidFill>
+            <a:schemeClr val="tx1"/>
+          </a:solidFill>
+          <a:latin typeface="+mn-lt"/>
+          <a:ea typeface="+mn-ea"/>
+          <a:cs typeface="+mn-cs"/>
+        </a:defRPr>
+      </a:lvl7pPr>
+      <a:lvl8pPr marL="3200400" algn="l" defTabSz="914400" rtl="0" eaLnBrk="1" latinLnBrk="0" hangingPunct="1">
+        <a:defRPr sz="1800" kern="1200">
+          <a:solidFill>
+            <a:schemeClr val="tx1"/>
+          </a:solidFill>
+          <a:latin typeface="+mn-lt"/>
+          <a:ea typeface="+mn-ea"/>
+          <a:cs typeface="+mn-cs"/>
+        </a:defRPr>
+      </a:lvl8pPr>
+      <a:lvl9pPr marL="3657600" algn="l" defTabSz="914400" rtl="0" eaLnBrk="1" latinLnBrk="0" hangingPunct="1">
+        <a:defRPr sz="1800" kern="1200">
+          <a:solidFill>
+            <a:schemeClr val="tx1"/>
+          </a:solidFill>
+          <a:latin typeface="+mn-lt"/>
+          <a:ea typeface="+mn-ea"/>
+          <a:cs typeface="+mn-cs"/>
+        </a:defRPr>
+      </a:lvl9pPr>
+    </p:otherStyle>
+  </p:txStyles>
 </p:sldMaster>
 </file>
 
 <file path=ppt/slides/slide1.xml><?xml version="1.0" encoding="utf-8"?>
-<p:sld xmlns:a="http://schemas.openxmlformats.org/drawingml/2006/main" xmlns:p="http://schemas.openxmlformats.org/presentationml/2006/main" xmlns:r="http://schemas.openxmlformats.org/officeDocument/2006/relationships">
+<p:sld xmlns:a="http://schemas.openxmlformats.org/drawingml/2006/main" xmlns:r="http://schemas.openxmlformats.org/officeDocument/2006/relationships" xmlns:p="http://schemas.openxmlformats.org/presentationml/2006/main">
   <p:cSld>
     <p:spTree>
       <p:nvGrpSpPr>
@@ -4986,6 +5662,7 @@
         </p:spPr>
         <p:txBody>
           <a:bodyPr anchor="b"/>
+          <a:lstStyle/>
           <a:p>
             <a:pPr algn="ctr">
               <a:lnSpc>
@@ -4993,26 +5670,26 @@
               </a:lnSpc>
             </a:pPr>
             <a:r>
-              <a:rPr lang="en-US" sz="5400" spc="-1" strike="noStrike">
-                <a:solidFill>
-                  <a:srgbClr val="ffffff"/>
-                </a:solidFill>
-                <a:uFill>
-                  <a:solidFill>
-                    <a:srgbClr val="ffffff"/>
-                  </a:solidFill>
-                </a:uFill>
-                <a:latin typeface="Calisto MT"/>
-              </a:rPr>
-              <a:t>Team A</a:t>
-            </a:r>
-            <a:endParaRPr lang="en-US" sz="1800" spc="-1" strike="noStrike">
-              <a:solidFill>
-                <a:srgbClr val="ffffff"/>
-              </a:solidFill>
-              <a:uFill>
-                <a:solidFill>
-                  <a:srgbClr val="ffffff"/>
+              <a:rPr lang="en-US" sz="5400" strike="noStrike" spc="-1" dirty="0" smtClean="0">
+                <a:solidFill>
+                  <a:srgbClr val="FFFFFF"/>
+                </a:solidFill>
+                <a:uFill>
+                  <a:solidFill>
+                    <a:srgbClr val="FFFFFF"/>
+                  </a:solidFill>
+                </a:uFill>
+                <a:latin typeface="Calisto MT"/>
+              </a:rPr>
+              <a:t>A-Team</a:t>
+            </a:r>
+            <a:endParaRPr lang="en-US" sz="1800" strike="noStrike" spc="-1" dirty="0">
+              <a:solidFill>
+                <a:srgbClr val="FFFFFF"/>
+              </a:solidFill>
+              <a:uFill>
+                <a:solidFill>
+                  <a:srgbClr val="FFFFFF"/>
                 </a:solidFill>
               </a:uFill>
               <a:latin typeface="Calisto MT"/>
@@ -5028,7 +5705,7 @@
         </p:nvSpPr>
         <p:spPr>
           <a:xfrm>
-            <a:off x="685800" y="3352680"/>
+            <a:off x="685800" y="3796433"/>
             <a:ext cx="7772040" cy="877320"/>
           </a:xfrm>
           <a:prstGeom prst="rect">
@@ -5041,6 +5718,7 @@
         </p:spPr>
         <p:txBody>
           <a:bodyPr/>
+          <a:lstStyle/>
           <a:p>
             <a:pPr algn="ctr">
               <a:lnSpc>
@@ -5048,30 +5726,33 @@
               </a:lnSpc>
             </a:pPr>
             <a:r>
-              <a:rPr lang="en-US" sz="2000" spc="-1" strike="noStrike">
-                <a:solidFill>
-                  <a:srgbClr val="ffffff"/>
-                </a:solidFill>
-                <a:uFill>
-                  <a:solidFill>
-                    <a:srgbClr val="ffffff"/>
-                  </a:solidFill>
-                </a:uFill>
-                <a:latin typeface="Calisto MT"/>
-              </a:rPr>
-              <a:t>Project 6X6 Tic Tac Toe Game</a:t>
-            </a:r>
-            <a:endParaRPr lang="en-US" sz="3200" spc="-1" strike="noStrike">
-              <a:solidFill>
-                <a:srgbClr val="ffffff"/>
-              </a:solidFill>
-              <a:uFill>
-                <a:solidFill>
-                  <a:srgbClr val="ffffff"/>
-                </a:solidFill>
-              </a:uFill>
-              <a:latin typeface="Arial"/>
-            </a:endParaRPr>
+              <a:rPr lang="en-US" sz="2000" strike="noStrike" spc="-1" dirty="0">
+                <a:solidFill>
+                  <a:srgbClr val="FFFFFF"/>
+                </a:solidFill>
+                <a:uFill>
+                  <a:solidFill>
+                    <a:srgbClr val="FFFFFF"/>
+                  </a:solidFill>
+                </a:uFill>
+                <a:latin typeface="Calisto MT"/>
+              </a:rPr>
+              <a:t>Project 6X6 Tic Tac Toe </a:t>
+            </a:r>
+            <a:r>
+              <a:rPr lang="en-US" sz="2000" strike="noStrike" spc="-1" dirty="0" smtClean="0">
+                <a:solidFill>
+                  <a:srgbClr val="FFFFFF"/>
+                </a:solidFill>
+                <a:uFill>
+                  <a:solidFill>
+                    <a:srgbClr val="FFFFFF"/>
+                  </a:solidFill>
+                </a:uFill>
+                <a:latin typeface="Calisto MT"/>
+              </a:rPr>
+              <a:t>Game</a:t>
+            </a:r>
           </a:p>
           <a:p>
             <a:pPr algn="ctr">
@@ -5079,27 +5760,45 @@
                 <a:spcPct val="100000"/>
               </a:lnSpc>
             </a:pPr>
-            <a:r>
-              <a:rPr lang="en-US" sz="2000" spc="-1" strike="noStrike">
-                <a:solidFill>
-                  <a:srgbClr val="ffffff"/>
-                </a:solidFill>
-                <a:uFill>
-                  <a:solidFill>
-                    <a:srgbClr val="ffffff"/>
+            <a:endParaRPr lang="en-US" sz="3200" strike="noStrike" spc="-1" dirty="0">
+              <a:solidFill>
+                <a:srgbClr val="FFFFFF"/>
+              </a:solidFill>
+              <a:uFill>
+                <a:solidFill>
+                  <a:srgbClr val="FFFFFF"/>
+                </a:solidFill>
+              </a:uFill>
+              <a:latin typeface="Arial"/>
+            </a:endParaRPr>
+          </a:p>
+          <a:p>
+            <a:pPr algn="ctr">
+              <a:lnSpc>
+                <a:spcPct val="100000"/>
+              </a:lnSpc>
+            </a:pPr>
+            <a:r>
+              <a:rPr lang="en-US" sz="2000" strike="noStrike" spc="-1" dirty="0">
+                <a:solidFill>
+                  <a:srgbClr val="FFFFFF"/>
+                </a:solidFill>
+                <a:uFill>
+                  <a:solidFill>
+                    <a:srgbClr val="FFFFFF"/>
                   </a:solidFill>
                 </a:uFill>
                 <a:latin typeface="Calisto MT"/>
               </a:rPr>
               <a:t>By Ibra, Eddie, Jason, Carrie, Alexis, Alfonso </a:t>
             </a:r>
-            <a:endParaRPr lang="en-US" sz="3200" spc="-1" strike="noStrike">
-              <a:solidFill>
-                <a:srgbClr val="ffffff"/>
-              </a:solidFill>
-              <a:uFill>
-                <a:solidFill>
-                  <a:srgbClr val="ffffff"/>
+            <a:endParaRPr lang="en-US" sz="3200" strike="noStrike" spc="-1" dirty="0">
+              <a:solidFill>
+                <a:srgbClr val="FFFFFF"/>
+              </a:solidFill>
+              <a:uFill>
+                <a:solidFill>
+                  <a:srgbClr val="FFFFFF"/>
                 </a:solidFill>
               </a:uFill>
               <a:latin typeface="Arial"/>
@@ -5109,6 +5808,9 @@
       </p:sp>
     </p:spTree>
   </p:cSld>
+  <p:clrMapOvr>
+    <a:masterClrMapping/>
+  </p:clrMapOvr>
   <p:timing>
     <p:tnLst>
       <p:par>
@@ -5117,14 +5819,14 @@
             <p:seq>
               <p:cTn id="2" nodeType="mainSeq"/>
               <p:prevCondLst>
-                <p:cond delay="0" evt="onPrev">
+                <p:cond evt="onPrev" delay="0">
                   <p:tgtEl>
                     <p:sldTgt/>
                   </p:tgtEl>
                 </p:cond>
               </p:prevCondLst>
               <p:nextCondLst>
-                <p:cond delay="0" evt="onNext">
+                <p:cond evt="onNext" delay="0">
                   <p:tgtEl>
                     <p:sldTgt/>
                   </p:tgtEl>
@@ -5140,7 +5842,7 @@
 </file>
 
 <file path=ppt/slides/slide2.xml><?xml version="1.0" encoding="utf-8"?>
-<p:sld xmlns:a="http://schemas.openxmlformats.org/drawingml/2006/main" xmlns:p="http://schemas.openxmlformats.org/presentationml/2006/main" xmlns:r="http://schemas.openxmlformats.org/officeDocument/2006/relationships">
+<p:sld xmlns:a="http://schemas.openxmlformats.org/drawingml/2006/main" xmlns:r="http://schemas.openxmlformats.org/officeDocument/2006/relationships" xmlns:p="http://schemas.openxmlformats.org/presentationml/2006/main">
   <p:cSld>
     <p:spTree>
       <p:nvGrpSpPr>
@@ -5177,6 +5879,7 @@
         </p:spPr>
         <p:txBody>
           <a:bodyPr anchor="ctr"/>
+          <a:lstStyle/>
           <a:p>
             <a:pPr algn="ctr">
               <a:lnSpc>
@@ -5184,26 +5887,26 @@
               </a:lnSpc>
             </a:pPr>
             <a:r>
-              <a:rPr b="1" lang="en-US" sz="4800" spc="-1" strike="noStrike">
-                <a:solidFill>
-                  <a:srgbClr val="ffffff"/>
-                </a:solidFill>
-                <a:uFill>
-                  <a:solidFill>
-                    <a:srgbClr val="ffffff"/>
+              <a:rPr lang="en-US" sz="4800" b="1" strike="noStrike" spc="-1">
+                <a:solidFill>
+                  <a:srgbClr val="FFFFFF"/>
+                </a:solidFill>
+                <a:uFill>
+                  <a:solidFill>
+                    <a:srgbClr val="FFFFFF"/>
                   </a:solidFill>
                 </a:uFill>
                 <a:latin typeface="Calisto MT"/>
               </a:rPr>
               <a:t>Introduction</a:t>
             </a:r>
-            <a:endParaRPr lang="en-US" sz="1800" spc="-1" strike="noStrike">
-              <a:solidFill>
-                <a:srgbClr val="ffffff"/>
-              </a:solidFill>
-              <a:uFill>
-                <a:solidFill>
-                  <a:srgbClr val="ffffff"/>
+            <a:endParaRPr lang="en-US" sz="1800" strike="noStrike" spc="-1">
+              <a:solidFill>
+                <a:srgbClr val="FFFFFF"/>
+              </a:solidFill>
+              <a:uFill>
+                <a:solidFill>
+                  <a:srgbClr val="FFFFFF"/>
                 </a:solidFill>
               </a:uFill>
               <a:latin typeface="Calisto MT"/>
@@ -5232,47 +5935,148 @@
         </p:spPr>
         <p:txBody>
           <a:bodyPr/>
+          <a:lstStyle/>
+          <a:p>
+            <a:pPr marL="342900" indent="-342900">
+              <a:lnSpc>
+                <a:spcPct val="100000"/>
+              </a:lnSpc>
+              <a:buFont typeface="Arial" panose="020B0604020202020204" pitchFamily="34" charset="0"/>
+              <a:buChar char="•"/>
+            </a:pPr>
+            <a:r>
+              <a:rPr lang="en-US" sz="2200" spc="-1" dirty="0" smtClean="0">
+                <a:solidFill>
+                  <a:srgbClr val="FFFFFF"/>
+                </a:solidFill>
+                <a:uFill>
+                  <a:solidFill>
+                    <a:srgbClr val="FFFFFF"/>
+                  </a:solidFill>
+                </a:uFill>
+                <a:latin typeface="Calisto MT"/>
+              </a:rPr>
+              <a:t>Classic Tic-Tac-Toe:</a:t>
+            </a:r>
+          </a:p>
+          <a:p>
+            <a:pPr marL="800100" lvl="1" indent="-342900">
+              <a:buFont typeface="Arial" panose="020B0604020202020204" pitchFamily="34" charset="0"/>
+              <a:buChar char="•"/>
+            </a:pPr>
+            <a:r>
+              <a:rPr lang="en-US" sz="2200" strike="noStrike" spc="-1" dirty="0" smtClean="0">
+                <a:solidFill>
+                  <a:srgbClr val="FFFFFF"/>
+                </a:solidFill>
+                <a:uFill>
+                  <a:solidFill>
+                    <a:srgbClr val="FFFFFF"/>
+                  </a:solidFill>
+                </a:uFill>
+                <a:latin typeface="Calisto MT"/>
+              </a:rPr>
+              <a:t>Two players are involved</a:t>
+            </a:r>
+          </a:p>
+          <a:p>
+            <a:pPr marL="800100" lvl="1" indent="-342900">
+              <a:buFont typeface="Arial" panose="020B0604020202020204" pitchFamily="34" charset="0"/>
+              <a:buChar char="•"/>
+            </a:pPr>
+            <a:endParaRPr lang="en-US" sz="2200" spc="-1" dirty="0" smtClean="0">
+              <a:solidFill>
+                <a:srgbClr val="FFFFFF"/>
+              </a:solidFill>
+              <a:uFill>
+                <a:solidFill>
+                  <a:srgbClr val="FFFFFF"/>
+                </a:solidFill>
+              </a:uFill>
+              <a:latin typeface="Calisto MT"/>
+            </a:endParaRPr>
+          </a:p>
+          <a:p>
+            <a:pPr marL="800100" lvl="1" indent="-342900">
+              <a:buFont typeface="Arial" panose="020B0604020202020204" pitchFamily="34" charset="0"/>
+              <a:buChar char="•"/>
+            </a:pPr>
+            <a:r>
+              <a:rPr lang="en-US" sz="2200" spc="-1" dirty="0" smtClean="0">
+                <a:solidFill>
+                  <a:srgbClr val="FFFFFF"/>
+                </a:solidFill>
+                <a:uFill>
+                  <a:solidFill>
+                    <a:srgbClr val="FFFFFF"/>
+                  </a:solidFill>
+                </a:uFill>
+                <a:latin typeface="Calisto MT"/>
+              </a:rPr>
+              <a:t>In a 3x3 grid</a:t>
+            </a:r>
+          </a:p>
+          <a:p>
+            <a:pPr marL="800100" lvl="1" indent="-342900">
+              <a:buFont typeface="Arial" panose="020B0604020202020204" pitchFamily="34" charset="0"/>
+              <a:buChar char="•"/>
+            </a:pPr>
+            <a:endParaRPr lang="en-US" sz="2200" strike="noStrike" spc="-1" dirty="0" smtClean="0">
+              <a:solidFill>
+                <a:srgbClr val="FFFFFF"/>
+              </a:solidFill>
+              <a:uFill>
+                <a:solidFill>
+                  <a:srgbClr val="FFFFFF"/>
+                </a:solidFill>
+              </a:uFill>
+              <a:latin typeface="Calisto MT"/>
+            </a:endParaRPr>
+          </a:p>
+          <a:p>
+            <a:pPr marL="800100" lvl="1" indent="-342900">
+              <a:buFont typeface="Arial" panose="020B0604020202020204" pitchFamily="34" charset="0"/>
+              <a:buChar char="•"/>
+            </a:pPr>
+            <a:r>
+              <a:rPr lang="en-US" sz="2200" strike="noStrike" spc="-1" dirty="0" smtClean="0">
+                <a:solidFill>
+                  <a:srgbClr val="FFFFFF"/>
+                </a:solidFill>
+                <a:uFill>
+                  <a:solidFill>
+                    <a:srgbClr val="FFFFFF"/>
+                  </a:solidFill>
+                </a:uFill>
+                <a:latin typeface="Calisto MT"/>
+              </a:rPr>
+              <a:t>Players have an X or an O </a:t>
+            </a:r>
+            <a:endParaRPr lang="en-US" sz="2200" spc="-1" dirty="0">
+              <a:solidFill>
+                <a:srgbClr val="FFFFFF"/>
+              </a:solidFill>
+              <a:uFill>
+                <a:solidFill>
+                  <a:srgbClr val="FFFFFF"/>
+                </a:solidFill>
+              </a:uFill>
+              <a:latin typeface="Calisto MT"/>
+            </a:endParaRPr>
+          </a:p>
           <a:p>
             <a:pPr>
               <a:lnSpc>
                 <a:spcPct val="100000"/>
               </a:lnSpc>
             </a:pPr>
-            <a:r>
-              <a:rPr lang="en-US" sz="2200" spc="-1" strike="noStrike">
-                <a:solidFill>
-                  <a:srgbClr val="ffffff"/>
-                </a:solidFill>
-                <a:uFill>
-                  <a:solidFill>
-                    <a:srgbClr val="ffffff"/>
-                  </a:solidFill>
-                </a:uFill>
-                <a:latin typeface="Calisto MT"/>
-              </a:rPr>
-              <a:t> </a:t>
-            </a:r>
-            <a:r>
-              <a:rPr lang="en-US" sz="2200" spc="-1" strike="noStrike">
-                <a:solidFill>
-                  <a:srgbClr val="ffffff"/>
-                </a:solidFill>
-                <a:uFill>
-                  <a:solidFill>
-                    <a:srgbClr val="ffffff"/>
-                  </a:solidFill>
-                </a:uFill>
-                <a:latin typeface="Calisto MT"/>
-              </a:rPr>
-              <a:t>Tic Tac Toe is a game that is played with two players, X and O, who take turns marking spaces usually in a 3X3 grid.</a:t>
-            </a:r>
-            <a:endParaRPr lang="en-US" sz="2200" spc="-1" strike="noStrike">
-              <a:solidFill>
-                <a:srgbClr val="ffffff"/>
-              </a:solidFill>
-              <a:uFill>
-                <a:solidFill>
-                  <a:srgbClr val="ffffff"/>
+            <a:endParaRPr lang="en-US" sz="2200" strike="noStrike" spc="-1" dirty="0" smtClean="0">
+              <a:solidFill>
+                <a:srgbClr val="FFFFFF"/>
+              </a:solidFill>
+              <a:uFill>
+                <a:solidFill>
+                  <a:srgbClr val="FFFFFF"/>
                 </a:solidFill>
               </a:uFill>
               <a:latin typeface="Calisto MT"/>
@@ -5284,27 +6088,133 @@
                 <a:spcPct val="100000"/>
               </a:lnSpc>
             </a:pPr>
-            <a:r>
-              <a:rPr lang="en-US" sz="2200" spc="-1" strike="noStrike">
-                <a:solidFill>
-                  <a:srgbClr val="ffffff"/>
-                </a:solidFill>
-                <a:uFill>
-                  <a:solidFill>
-                    <a:srgbClr val="ffffff"/>
-                  </a:solidFill>
-                </a:uFill>
-                <a:latin typeface="Calisto MT"/>
-              </a:rPr>
-              <a:t>For this project the game will be change from its most common size 3x3 to a 6x6 with 4 squares require to win rather than 3.</a:t>
-            </a:r>
-            <a:endParaRPr lang="en-US" sz="2200" spc="-1" strike="noStrike">
-              <a:solidFill>
-                <a:srgbClr val="ffffff"/>
-              </a:solidFill>
-              <a:uFill>
-                <a:solidFill>
-                  <a:srgbClr val="ffffff"/>
+            <a:endParaRPr lang="en-US" sz="2200" strike="noStrike" spc="-1" dirty="0" smtClean="0">
+              <a:solidFill>
+                <a:srgbClr val="FFFFFF"/>
+              </a:solidFill>
+              <a:uFill>
+                <a:solidFill>
+                  <a:srgbClr val="FFFFFF"/>
+                </a:solidFill>
+              </a:uFill>
+              <a:latin typeface="Calisto MT"/>
+            </a:endParaRPr>
+          </a:p>
+          <a:p>
+            <a:pPr marL="342900" indent="-342900">
+              <a:lnSpc>
+                <a:spcPct val="100000"/>
+              </a:lnSpc>
+              <a:buFont typeface="Arial" panose="020B0604020202020204" pitchFamily="34" charset="0"/>
+              <a:buChar char="•"/>
+            </a:pPr>
+            <a:r>
+              <a:rPr lang="en-US" sz="2200" strike="noStrike" spc="-1" dirty="0" smtClean="0">
+                <a:solidFill>
+                  <a:srgbClr val="FFFFFF"/>
+                </a:solidFill>
+                <a:uFill>
+                  <a:solidFill>
+                    <a:srgbClr val="FFFFFF"/>
+                  </a:solidFill>
+                </a:uFill>
+                <a:latin typeface="Calisto MT"/>
+              </a:rPr>
+              <a:t>Our project: </a:t>
+            </a:r>
+          </a:p>
+          <a:p>
+            <a:pPr marL="800100" lvl="1" indent="-342900">
+              <a:buFont typeface="Arial" panose="020B0604020202020204" pitchFamily="34" charset="0"/>
+              <a:buChar char="•"/>
+            </a:pPr>
+            <a:r>
+              <a:rPr lang="en-US" sz="2200" strike="noStrike" spc="-1" dirty="0" smtClean="0">
+                <a:solidFill>
+                  <a:srgbClr val="FFFFFF"/>
+                </a:solidFill>
+                <a:uFill>
+                  <a:solidFill>
+                    <a:srgbClr val="FFFFFF"/>
+                  </a:solidFill>
+                </a:uFill>
+                <a:latin typeface="Calisto MT"/>
+              </a:rPr>
+              <a:t>In a 6x6 grid</a:t>
+            </a:r>
+          </a:p>
+          <a:p>
+            <a:pPr marL="800100" lvl="1" indent="-342900">
+              <a:buFont typeface="Arial" panose="020B0604020202020204" pitchFamily="34" charset="0"/>
+              <a:buChar char="•"/>
+            </a:pPr>
+            <a:endParaRPr lang="en-US" sz="2200" spc="-1" dirty="0" smtClean="0">
+              <a:solidFill>
+                <a:srgbClr val="FFFFFF"/>
+              </a:solidFill>
+              <a:uFill>
+                <a:solidFill>
+                  <a:srgbClr val="FFFFFF"/>
+                </a:solidFill>
+              </a:uFill>
+              <a:latin typeface="Calisto MT"/>
+            </a:endParaRPr>
+          </a:p>
+          <a:p>
+            <a:pPr marL="800100" lvl="1" indent="-342900">
+              <a:buFont typeface="Arial" panose="020B0604020202020204" pitchFamily="34" charset="0"/>
+              <a:buChar char="•"/>
+            </a:pPr>
+            <a:r>
+              <a:rPr lang="en-US" sz="2200" spc="-1" dirty="0" smtClean="0">
+                <a:solidFill>
+                  <a:srgbClr val="FFFFFF"/>
+                </a:solidFill>
+                <a:uFill>
+                  <a:solidFill>
+                    <a:srgbClr val="FFFFFF"/>
+                  </a:solidFill>
+                </a:uFill>
+                <a:latin typeface="Calisto MT"/>
+              </a:rPr>
+              <a:t>To win fill entire grid </a:t>
+            </a:r>
+          </a:p>
+          <a:p>
+            <a:pPr marL="342900" indent="-342900">
+              <a:lnSpc>
+                <a:spcPct val="100000"/>
+              </a:lnSpc>
+              <a:buFont typeface="Arial" panose="020B0604020202020204" pitchFamily="34" charset="0"/>
+              <a:buChar char="•"/>
+            </a:pPr>
+            <a:endParaRPr lang="en-US" sz="2200" strike="noStrike" spc="-1" dirty="0" smtClean="0">
+              <a:solidFill>
+                <a:srgbClr val="FFFFFF"/>
+              </a:solidFill>
+              <a:uFill>
+                <a:solidFill>
+                  <a:srgbClr val="FFFFFF"/>
+                </a:solidFill>
+              </a:uFill>
+              <a:latin typeface="Calisto MT"/>
+            </a:endParaRPr>
+          </a:p>
+          <a:p>
+            <a:pPr marL="342900" indent="-342900">
+              <a:lnSpc>
+                <a:spcPct val="100000"/>
+              </a:lnSpc>
+              <a:buFont typeface="Arial" panose="020B0604020202020204" pitchFamily="34" charset="0"/>
+              <a:buChar char="•"/>
+            </a:pPr>
+            <a:endParaRPr lang="en-US" sz="2200" spc="-1" dirty="0">
+              <a:solidFill>
+                <a:srgbClr val="FFFFFF"/>
+              </a:solidFill>
+              <a:uFill>
+                <a:solidFill>
+                  <a:srgbClr val="FFFFFF"/>
                 </a:solidFill>
               </a:uFill>
               <a:latin typeface="Calisto MT"/>
@@ -5316,41 +6226,13 @@
                 <a:spcPct val="100000"/>
               </a:lnSpc>
             </a:pPr>
-            <a:r>
-              <a:rPr lang="en-US" sz="2200" spc="-1" strike="noStrike">
-                <a:solidFill>
-                  <a:srgbClr val="ffffff"/>
-                </a:solidFill>
-                <a:uFill>
-                  <a:solidFill>
-                    <a:srgbClr val="ffffff"/>
-                  </a:solidFill>
-                </a:uFill>
-                <a:latin typeface="Calisto MT"/>
-              </a:rPr>
-              <a:t> </a:t>
-            </a:r>
-            <a:r>
-              <a:rPr lang="en-US" sz="2200" spc="-1" strike="noStrike">
-                <a:solidFill>
-                  <a:srgbClr val="ffffff"/>
-                </a:solidFill>
-                <a:uFill>
-                  <a:solidFill>
-                    <a:srgbClr val="ffffff"/>
-                  </a:solidFill>
-                </a:uFill>
-                <a:latin typeface="Calisto MT"/>
-              </a:rPr>
-              <a:t>In conclusion it will be 6X6X4 version of the classic Tic Tac Toe game.</a:t>
-            </a:r>
-            <a:endParaRPr lang="en-US" sz="2200" spc="-1" strike="noStrike">
-              <a:solidFill>
-                <a:srgbClr val="ffffff"/>
-              </a:solidFill>
-              <a:uFill>
-                <a:solidFill>
-                  <a:srgbClr val="ffffff"/>
+            <a:endParaRPr lang="en-US" sz="2200" strike="noStrike" spc="-1" dirty="0">
+              <a:solidFill>
+                <a:srgbClr val="FFFFFF"/>
+              </a:solidFill>
+              <a:uFill>
+                <a:solidFill>
+                  <a:srgbClr val="FFFFFF"/>
                 </a:solidFill>
               </a:uFill>
               <a:latin typeface="Calisto MT"/>
@@ -5360,22 +6242,25 @@
       </p:sp>
     </p:spTree>
   </p:cSld>
+  <p:clrMapOvr>
+    <a:masterClrMapping/>
+  </p:clrMapOvr>
   <p:timing>
     <p:tnLst>
       <p:par>
-        <p:cTn id="3" dur="indefinite" restart="never" nodeType="tmRoot">
+        <p:cTn id="1" dur="indefinite" restart="never" nodeType="tmRoot">
           <p:childTnLst>
             <p:seq>
-              <p:cTn id="4" nodeType="mainSeq"/>
+              <p:cTn id="2" nodeType="mainSeq"/>
               <p:prevCondLst>
-                <p:cond delay="0" evt="onPrev">
+                <p:cond evt="onPrev" delay="0">
                   <p:tgtEl>
                     <p:sldTgt/>
                   </p:tgtEl>
                 </p:cond>
               </p:prevCondLst>
               <p:nextCondLst>
-                <p:cond delay="0" evt="onNext">
+                <p:cond evt="onNext" delay="0">
                   <p:tgtEl>
                     <p:sldTgt/>
                   </p:tgtEl>
@@ -5391,7 +6276,7 @@
 </file>
 
 <file path=ppt/slides/slide3.xml><?xml version="1.0" encoding="utf-8"?>
-<p:sld xmlns:a="http://schemas.openxmlformats.org/drawingml/2006/main" xmlns:p="http://schemas.openxmlformats.org/presentationml/2006/main" xmlns:r="http://schemas.openxmlformats.org/officeDocument/2006/relationships">
+<p:sld xmlns:a="http://schemas.openxmlformats.org/drawingml/2006/main" xmlns:r="http://schemas.openxmlformats.org/officeDocument/2006/relationships" xmlns:p="http://schemas.openxmlformats.org/presentationml/2006/main">
   <p:cSld>
     <p:spTree>
       <p:nvGrpSpPr>
@@ -5428,6 +6313,7 @@
         </p:spPr>
         <p:txBody>
           <a:bodyPr anchor="ctr"/>
+          <a:lstStyle/>
           <a:p>
             <a:pPr algn="ctr">
               <a:lnSpc>
@@ -5435,26 +6321,26 @@
               </a:lnSpc>
             </a:pPr>
             <a:r>
-              <a:rPr b="1" lang="en-US" sz="4800" spc="-1" strike="noStrike">
-                <a:solidFill>
-                  <a:srgbClr val="ffffff"/>
-                </a:solidFill>
-                <a:uFill>
-                  <a:solidFill>
-                    <a:srgbClr val="ffffff"/>
+              <a:rPr lang="en-US" sz="4800" b="1" strike="noStrike" spc="-1">
+                <a:solidFill>
+                  <a:srgbClr val="FFFFFF"/>
+                </a:solidFill>
+                <a:uFill>
+                  <a:solidFill>
+                    <a:srgbClr val="FFFFFF"/>
                   </a:solidFill>
                 </a:uFill>
                 <a:latin typeface="Calisto MT"/>
               </a:rPr>
               <a:t>Purpose of the Game</a:t>
             </a:r>
-            <a:endParaRPr lang="en-US" sz="1800" spc="-1" strike="noStrike">
-              <a:solidFill>
-                <a:srgbClr val="ffffff"/>
-              </a:solidFill>
-              <a:uFill>
-                <a:solidFill>
-                  <a:srgbClr val="ffffff"/>
+            <a:endParaRPr lang="en-US" sz="1800" strike="noStrike" spc="-1">
+              <a:solidFill>
+                <a:srgbClr val="FFFFFF"/>
+              </a:solidFill>
+              <a:uFill>
+                <a:solidFill>
+                  <a:srgbClr val="FFFFFF"/>
                 </a:solidFill>
               </a:uFill>
               <a:latin typeface="Calisto MT"/>
@@ -5470,7 +6356,7 @@
         </p:nvSpPr>
         <p:spPr>
           <a:xfrm>
-            <a:off x="685800" y="1869120"/>
+            <a:off x="685800" y="1963250"/>
             <a:ext cx="7770600" cy="4256640"/>
           </a:xfrm>
           <a:prstGeom prst="rect">
@@ -5483,271 +6369,395 @@
         </p:spPr>
         <p:txBody>
           <a:bodyPr/>
-          <a:p>
-            <a:pPr marL="343080" indent="-342720">
+          <a:lstStyle/>
+          <a:p>
+            <a:pPr marL="343260" indent="-342900">
               <a:lnSpc>
                 <a:spcPct val="100000"/>
               </a:lnSpc>
-              <a:buBlip>
-                <a:blip r:embed="rId1"/>
-              </a:buBlip>
-            </a:pPr>
-            <a:r>
-              <a:rPr lang="en-US" sz="2200" spc="-1" strike="noStrike">
-                <a:solidFill>
-                  <a:srgbClr val="ffffff"/>
-                </a:solidFill>
-                <a:uFill>
-                  <a:solidFill>
-                    <a:srgbClr val="ffffff"/>
-                  </a:solidFill>
-                </a:uFill>
-                <a:latin typeface="Calisto MT"/>
-              </a:rPr>
-              <a:t>The purpose of the game is to win against an opponent.</a:t>
-            </a:r>
-            <a:endParaRPr lang="en-US" sz="2200" spc="-1" strike="noStrike">
-              <a:solidFill>
-                <a:srgbClr val="ffffff"/>
-              </a:solidFill>
-              <a:uFill>
-                <a:solidFill>
-                  <a:srgbClr val="ffffff"/>
-                </a:solidFill>
-              </a:uFill>
-              <a:latin typeface="Calisto MT"/>
-            </a:endParaRPr>
-          </a:p>
-          <a:p>
-            <a:pPr marL="343080" indent="-342720">
+              <a:buFont typeface="Arial" panose="020B0604020202020204" pitchFamily="34" charset="0"/>
+              <a:buChar char="•"/>
+            </a:pPr>
+            <a:r>
+              <a:rPr lang="en-US" sz="2200" strike="noStrike" spc="-1" dirty="0" smtClean="0">
+                <a:solidFill>
+                  <a:srgbClr val="FFFFFF"/>
+                </a:solidFill>
+                <a:uFill>
+                  <a:solidFill>
+                    <a:srgbClr val="FFFFFF"/>
+                  </a:solidFill>
+                </a:uFill>
+                <a:latin typeface="Calisto MT"/>
+              </a:rPr>
+              <a:t>Purpose: win agains</a:t>
+            </a:r>
+            <a:r>
+              <a:rPr lang="en-US" sz="2200" spc="-1" dirty="0" smtClean="0">
+                <a:solidFill>
+                  <a:srgbClr val="FFFFFF"/>
+                </a:solidFill>
+                <a:uFill>
+                  <a:solidFill>
+                    <a:srgbClr val="FFFFFF"/>
+                  </a:solidFill>
+                </a:uFill>
+                <a:latin typeface="Calisto MT"/>
+              </a:rPr>
+              <a:t>t your opponent </a:t>
+            </a:r>
+          </a:p>
+          <a:p>
+            <a:pPr marL="360">
               <a:lnSpc>
                 <a:spcPct val="100000"/>
               </a:lnSpc>
-              <a:buBlip>
-                <a:blip r:embed="rId2"/>
-              </a:buBlip>
-            </a:pPr>
-            <a:r>
-              <a:rPr lang="en-US" sz="2200" spc="-1" strike="noStrike">
-                <a:solidFill>
-                  <a:srgbClr val="ffffff"/>
-                </a:solidFill>
-                <a:uFill>
-                  <a:solidFill>
-                    <a:srgbClr val="ffffff"/>
-                  </a:solidFill>
-                </a:uFill>
-                <a:latin typeface="Calisto MT"/>
-              </a:rPr>
-              <a:t>To win, the player with most 4 square lined up wins:</a:t>
-            </a:r>
-            <a:endParaRPr lang="en-US" sz="2200" spc="-1" strike="noStrike">
-              <a:solidFill>
-                <a:srgbClr val="ffffff"/>
-              </a:solidFill>
-              <a:uFill>
-                <a:solidFill>
-                  <a:srgbClr val="ffffff"/>
-                </a:solidFill>
-              </a:uFill>
-              <a:latin typeface="Calisto MT"/>
-            </a:endParaRPr>
-          </a:p>
-          <a:p>
-            <a:pPr lvl="1" marL="685800" indent="-336240">
+            </a:pPr>
+            <a:endParaRPr lang="en-US" sz="2200" spc="-1" dirty="0" smtClean="0">
+              <a:solidFill>
+                <a:srgbClr val="FFFFFF"/>
+              </a:solidFill>
+              <a:uFill>
+                <a:solidFill>
+                  <a:srgbClr val="FFFFFF"/>
+                </a:solidFill>
+              </a:uFill>
+              <a:latin typeface="Calisto MT"/>
+            </a:endParaRPr>
+          </a:p>
+          <a:p>
+            <a:pPr marL="343260" indent="-342900">
               <a:lnSpc>
                 <a:spcPct val="100000"/>
               </a:lnSpc>
-              <a:buBlip>
-                <a:blip r:embed="rId3"/>
-              </a:buBlip>
-            </a:pPr>
-            <a:r>
-              <a:rPr lang="en-US" sz="2000" spc="-1" strike="noStrike">
-                <a:solidFill>
-                  <a:srgbClr val="ffffff"/>
-                </a:solidFill>
-                <a:uFill>
-                  <a:solidFill>
-                    <a:srgbClr val="ffffff"/>
-                  </a:solidFill>
-                </a:uFill>
-                <a:latin typeface="Calisto MT"/>
-              </a:rPr>
-              <a:t>Vertically</a:t>
-            </a:r>
-            <a:endParaRPr lang="en-US" sz="1800" spc="-1" strike="noStrike">
-              <a:solidFill>
-                <a:srgbClr val="ffffff"/>
-              </a:solidFill>
-              <a:uFill>
-                <a:solidFill>
-                  <a:srgbClr val="ffffff"/>
-                </a:solidFill>
-              </a:uFill>
-              <a:latin typeface="Calisto MT"/>
-            </a:endParaRPr>
-          </a:p>
-          <a:p>
-            <a:pPr lvl="1" marL="685800" indent="-336240">
+              <a:buFont typeface="Arial" panose="020B0604020202020204" pitchFamily="34" charset="0"/>
+              <a:buChar char="•"/>
+            </a:pPr>
+            <a:r>
+              <a:rPr lang="en-US" sz="2200" spc="-1" dirty="0" smtClean="0">
+                <a:solidFill>
+                  <a:srgbClr val="FFFFFF"/>
+                </a:solidFill>
+                <a:uFill>
+                  <a:solidFill>
+                    <a:srgbClr val="FFFFFF"/>
+                  </a:solidFill>
+                </a:uFill>
+                <a:latin typeface="Calisto MT"/>
+              </a:rPr>
+              <a:t>W</a:t>
+            </a:r>
+            <a:r>
+              <a:rPr lang="en-US" sz="2200" strike="noStrike" spc="-1" dirty="0" smtClean="0">
+                <a:solidFill>
+                  <a:srgbClr val="FFFFFF"/>
+                </a:solidFill>
+                <a:uFill>
+                  <a:solidFill>
+                    <a:srgbClr val="FFFFFF"/>
+                  </a:solidFill>
+                </a:uFill>
+                <a:latin typeface="Calisto MT"/>
+              </a:rPr>
+              <a:t>inner </a:t>
+            </a:r>
+            <a:r>
+              <a:rPr lang="en-US" sz="2200" strike="noStrike" spc="-1" dirty="0">
+                <a:solidFill>
+                  <a:srgbClr val="FFFFFF"/>
+                </a:solidFill>
+                <a:uFill>
+                  <a:solidFill>
+                    <a:srgbClr val="FFFFFF"/>
+                  </a:solidFill>
+                </a:uFill>
+                <a:latin typeface="Calisto MT"/>
+              </a:rPr>
+              <a:t>will be </a:t>
+            </a:r>
+            <a:r>
+              <a:rPr lang="en-US" sz="2200" strike="noStrike" spc="-1" dirty="0" smtClean="0">
+                <a:solidFill>
+                  <a:srgbClr val="FFFFFF"/>
+                </a:solidFill>
+                <a:uFill>
+                  <a:solidFill>
+                    <a:srgbClr val="FFFFFF"/>
+                  </a:solidFill>
+                </a:uFill>
+                <a:latin typeface="Calisto MT"/>
+              </a:rPr>
+              <a:t>determined </a:t>
+            </a:r>
+            <a:r>
+              <a:rPr lang="en-US" sz="2200" strike="noStrike" spc="-1" dirty="0">
+                <a:solidFill>
+                  <a:srgbClr val="FFFFFF"/>
+                </a:solidFill>
+                <a:uFill>
+                  <a:solidFill>
+                    <a:srgbClr val="FFFFFF"/>
+                  </a:solidFill>
+                </a:uFill>
+                <a:latin typeface="Calisto MT"/>
+              </a:rPr>
+              <a:t>once </a:t>
+            </a:r>
+            <a:r>
+              <a:rPr lang="en-US" sz="2200" strike="noStrike" spc="-1" dirty="0" smtClean="0">
+                <a:solidFill>
+                  <a:srgbClr val="FFFFFF"/>
+                </a:solidFill>
+                <a:uFill>
+                  <a:solidFill>
+                    <a:srgbClr val="FFFFFF"/>
+                  </a:solidFill>
+                </a:uFill>
+                <a:latin typeface="Calisto MT"/>
+              </a:rPr>
+              <a:t>grid is </a:t>
+            </a:r>
+            <a:r>
+              <a:rPr lang="en-US" sz="2200" strike="noStrike" spc="-1" dirty="0">
+                <a:solidFill>
+                  <a:srgbClr val="FFFFFF"/>
+                </a:solidFill>
+                <a:uFill>
+                  <a:solidFill>
+                    <a:srgbClr val="FFFFFF"/>
+                  </a:solidFill>
+                </a:uFill>
+                <a:latin typeface="Calisto MT"/>
+              </a:rPr>
+              <a:t>filled</a:t>
+            </a:r>
+            <a:r>
+              <a:rPr lang="en-US" sz="2200" strike="noStrike" spc="-1" dirty="0" smtClean="0">
+                <a:solidFill>
+                  <a:srgbClr val="FFFFFF"/>
+                </a:solidFill>
+                <a:uFill>
+                  <a:solidFill>
+                    <a:srgbClr val="FFFFFF"/>
+                  </a:solidFill>
+                </a:uFill>
+                <a:latin typeface="Calisto MT"/>
+              </a:rPr>
+              <a:t>.</a:t>
+            </a:r>
+          </a:p>
+          <a:p>
+            <a:pPr marL="360">
               <a:lnSpc>
                 <a:spcPct val="100000"/>
               </a:lnSpc>
-              <a:buBlip>
-                <a:blip r:embed="rId4"/>
-              </a:buBlip>
-            </a:pPr>
-            <a:r>
-              <a:rPr lang="en-US" sz="2000" spc="-1" strike="noStrike">
-                <a:solidFill>
-                  <a:srgbClr val="ffffff"/>
-                </a:solidFill>
-                <a:uFill>
-                  <a:solidFill>
-                    <a:srgbClr val="ffffff"/>
-                  </a:solidFill>
-                </a:uFill>
-                <a:latin typeface="Calisto MT"/>
-              </a:rPr>
-              <a:t>Horizontally</a:t>
-            </a:r>
-            <a:endParaRPr lang="en-US" sz="1800" spc="-1" strike="noStrike">
-              <a:solidFill>
-                <a:srgbClr val="ffffff"/>
-              </a:solidFill>
-              <a:uFill>
-                <a:solidFill>
-                  <a:srgbClr val="ffffff"/>
-                </a:solidFill>
-              </a:uFill>
-              <a:latin typeface="Calisto MT"/>
-            </a:endParaRPr>
-          </a:p>
-          <a:p>
-            <a:pPr lvl="1" marL="685800" indent="-336240">
+            </a:pPr>
+            <a:endParaRPr lang="en-US" sz="2200" spc="-1" dirty="0" smtClean="0">
+              <a:solidFill>
+                <a:srgbClr val="FFFFFF"/>
+              </a:solidFill>
+              <a:uFill>
+                <a:solidFill>
+                  <a:srgbClr val="FFFFFF"/>
+                </a:solidFill>
+              </a:uFill>
+              <a:latin typeface="Calisto MT"/>
+            </a:endParaRPr>
+          </a:p>
+          <a:p>
+            <a:pPr marL="343260" indent="-342900">
               <a:lnSpc>
                 <a:spcPct val="100000"/>
               </a:lnSpc>
-              <a:buBlip>
-                <a:blip r:embed="rId5"/>
-              </a:buBlip>
-            </a:pPr>
-            <a:r>
-              <a:rPr lang="en-US" sz="2000" spc="-1" strike="noStrike">
-                <a:solidFill>
-                  <a:srgbClr val="ffffff"/>
-                </a:solidFill>
-                <a:uFill>
-                  <a:solidFill>
-                    <a:srgbClr val="ffffff"/>
-                  </a:solidFill>
-                </a:uFill>
-                <a:latin typeface="Calisto MT"/>
-              </a:rPr>
-              <a:t>Diagonally</a:t>
-            </a:r>
-            <a:endParaRPr lang="en-US" sz="1800" spc="-1" strike="noStrike">
-              <a:solidFill>
-                <a:srgbClr val="ffffff"/>
-              </a:solidFill>
-              <a:uFill>
-                <a:solidFill>
-                  <a:srgbClr val="ffffff"/>
-                </a:solidFill>
-              </a:uFill>
-              <a:latin typeface="Calisto MT"/>
-            </a:endParaRPr>
-          </a:p>
-          <a:p>
-            <a:pPr marL="343080" indent="-342720">
+              <a:buFont typeface="Arial" panose="020B0604020202020204" pitchFamily="34" charset="0"/>
+              <a:buChar char="•"/>
+            </a:pPr>
+            <a:r>
+              <a:rPr lang="en-US" sz="2200" spc="-1" dirty="0" smtClean="0">
+                <a:solidFill>
+                  <a:srgbClr val="FFFFFF"/>
+                </a:solidFill>
+                <a:uFill>
+                  <a:solidFill>
+                    <a:srgbClr val="FFFFFF"/>
+                  </a:solidFill>
+                </a:uFill>
+                <a:latin typeface="Calisto MT"/>
+              </a:rPr>
+              <a:t>The player with most 4 spaces in a row wins</a:t>
+            </a:r>
+          </a:p>
+          <a:p>
+            <a:pPr marL="800460" lvl="1" indent="-342900">
+              <a:buFont typeface="Arial" panose="020B0604020202020204" pitchFamily="34" charset="0"/>
+              <a:buChar char="•"/>
+            </a:pPr>
+            <a:r>
+              <a:rPr lang="en-US" sz="2200" strike="noStrike" spc="-1" dirty="0" smtClean="0">
+                <a:solidFill>
+                  <a:srgbClr val="FFFFFF"/>
+                </a:solidFill>
+                <a:uFill>
+                  <a:solidFill>
+                    <a:srgbClr val="FFFFFF"/>
+                  </a:solidFill>
+                </a:uFill>
+                <a:latin typeface="Calisto MT"/>
+              </a:rPr>
+              <a:t>Rows must be :</a:t>
+            </a:r>
+          </a:p>
+          <a:p>
+            <a:pPr marL="1257660" lvl="2" indent="-342900">
+              <a:buFont typeface="Arial" panose="020B0604020202020204" pitchFamily="34" charset="0"/>
+              <a:buChar char="•"/>
+            </a:pPr>
+            <a:r>
+              <a:rPr lang="en-US" sz="2200" spc="-1" dirty="0" smtClean="0">
+                <a:solidFill>
+                  <a:srgbClr val="FFFFFF"/>
+                </a:solidFill>
+                <a:uFill>
+                  <a:solidFill>
+                    <a:srgbClr val="FFFFFF"/>
+                  </a:solidFill>
+                </a:uFill>
+                <a:latin typeface="Calisto MT"/>
+              </a:rPr>
+              <a:t>Vertical</a:t>
+            </a:r>
+          </a:p>
+          <a:p>
+            <a:pPr marL="1257660" lvl="2" indent="-342900">
+              <a:buFont typeface="Arial" panose="020B0604020202020204" pitchFamily="34" charset="0"/>
+              <a:buChar char="•"/>
+            </a:pPr>
+            <a:r>
+              <a:rPr lang="en-US" sz="2200" strike="noStrike" spc="-1" dirty="0" smtClean="0">
+                <a:solidFill>
+                  <a:srgbClr val="FFFFFF"/>
+                </a:solidFill>
+                <a:uFill>
+                  <a:solidFill>
+                    <a:srgbClr val="FFFFFF"/>
+                  </a:solidFill>
+                </a:uFill>
+                <a:latin typeface="Calisto MT"/>
+              </a:rPr>
+              <a:t>Horizontal</a:t>
+            </a:r>
+          </a:p>
+          <a:p>
+            <a:pPr marL="1257660" lvl="2" indent="-342900">
+              <a:buFont typeface="Arial" panose="020B0604020202020204" pitchFamily="34" charset="0"/>
+              <a:buChar char="•"/>
+            </a:pPr>
+            <a:r>
+              <a:rPr lang="en-US" sz="2200" spc="-1" dirty="0" smtClean="0">
+                <a:solidFill>
+                  <a:srgbClr val="FFFFFF"/>
+                </a:solidFill>
+                <a:uFill>
+                  <a:solidFill>
+                    <a:srgbClr val="FFFFFF"/>
+                  </a:solidFill>
+                </a:uFill>
+                <a:latin typeface="Calisto MT"/>
+              </a:rPr>
+              <a:t>Diagonal </a:t>
+            </a:r>
+            <a:endParaRPr lang="en-US" sz="2200" strike="noStrike" spc="-1" dirty="0">
+              <a:solidFill>
+                <a:srgbClr val="FFFFFF"/>
+              </a:solidFill>
+              <a:uFill>
+                <a:solidFill>
+                  <a:srgbClr val="FFFFFF"/>
+                </a:solidFill>
+              </a:uFill>
+              <a:latin typeface="Calisto MT"/>
+            </a:endParaRPr>
+          </a:p>
+          <a:p>
+            <a:pPr marL="343260" indent="-342900">
               <a:lnSpc>
                 <a:spcPct val="100000"/>
               </a:lnSpc>
-              <a:buBlip>
-                <a:blip r:embed="rId6"/>
-              </a:buBlip>
-            </a:pPr>
-            <a:r>
-              <a:rPr lang="en-US" sz="2200" spc="-1" strike="noStrike">
-                <a:solidFill>
-                  <a:srgbClr val="ffffff"/>
-                </a:solidFill>
-                <a:uFill>
-                  <a:solidFill>
-                    <a:srgbClr val="ffffff"/>
-                  </a:solidFill>
-                </a:uFill>
-                <a:latin typeface="Calisto MT"/>
-              </a:rPr>
-              <a:t>The winner will be determine once all spaces have been filled.</a:t>
-            </a:r>
-            <a:endParaRPr lang="en-US" sz="2200" spc="-1" strike="noStrike">
-              <a:solidFill>
-                <a:srgbClr val="ffffff"/>
-              </a:solidFill>
-              <a:uFill>
-                <a:solidFill>
-                  <a:srgbClr val="ffffff"/>
-                </a:solidFill>
-              </a:uFill>
-              <a:latin typeface="Calisto MT"/>
-            </a:endParaRPr>
-          </a:p>
-          <a:p>
-            <a:pPr marL="343080" indent="-342720">
+              <a:buFont typeface="Arial" panose="020B0604020202020204" pitchFamily="34" charset="0"/>
+              <a:buChar char="•"/>
+            </a:pPr>
+            <a:endParaRPr lang="en-US" sz="2200" strike="noStrike" spc="-1" dirty="0" smtClean="0">
+              <a:solidFill>
+                <a:srgbClr val="FFFFFF"/>
+              </a:solidFill>
+              <a:uFill>
+                <a:solidFill>
+                  <a:srgbClr val="FFFFFF"/>
+                </a:solidFill>
+              </a:uFill>
+              <a:latin typeface="Calisto MT"/>
+            </a:endParaRPr>
+          </a:p>
+          <a:p>
+            <a:pPr marL="343260" indent="-342900">
               <a:lnSpc>
                 <a:spcPct val="100000"/>
               </a:lnSpc>
-              <a:buBlip>
-                <a:blip r:embed="rId7"/>
-              </a:buBlip>
-            </a:pPr>
-            <a:r>
-              <a:rPr lang="en-US" sz="2200" spc="-1" strike="noStrike">
-                <a:solidFill>
-                  <a:srgbClr val="ffffff"/>
-                </a:solidFill>
-                <a:uFill>
-                  <a:solidFill>
-                    <a:srgbClr val="ffffff"/>
-                  </a:solidFill>
-                </a:uFill>
-                <a:latin typeface="Calisto MT"/>
-              </a:rPr>
-              <a:t>Have fun playing.</a:t>
-            </a:r>
-            <a:endParaRPr lang="en-US" sz="2200" spc="-1" strike="noStrike">
-              <a:solidFill>
-                <a:srgbClr val="ffffff"/>
-              </a:solidFill>
-              <a:uFill>
-                <a:solidFill>
-                  <a:srgbClr val="ffffff"/>
-                </a:solidFill>
-              </a:uFill>
-              <a:latin typeface="Calisto MT"/>
-            </a:endParaRPr>
+              <a:buFont typeface="Arial" panose="020B0604020202020204" pitchFamily="34" charset="0"/>
+              <a:buChar char="•"/>
+            </a:pPr>
+            <a:r>
+              <a:rPr lang="en-US" sz="2200" strike="noStrike" spc="-1" dirty="0" smtClean="0">
+                <a:solidFill>
+                  <a:srgbClr val="FFFFFF"/>
+                </a:solidFill>
+                <a:uFill>
+                  <a:solidFill>
+                    <a:srgbClr val="FFFFFF"/>
+                  </a:solidFill>
+                </a:uFill>
+                <a:latin typeface="Calisto MT"/>
+              </a:rPr>
+              <a:t>Overall, have </a:t>
+            </a:r>
+            <a:r>
+              <a:rPr lang="en-US" sz="2200" strike="noStrike" spc="-1" dirty="0">
+                <a:solidFill>
+                  <a:srgbClr val="FFFFFF"/>
+                </a:solidFill>
+                <a:uFill>
+                  <a:solidFill>
+                    <a:srgbClr val="FFFFFF"/>
+                  </a:solidFill>
+                </a:uFill>
+                <a:latin typeface="Calisto MT"/>
+              </a:rPr>
+              <a:t>fun playing.</a:t>
+            </a:r>
           </a:p>
         </p:txBody>
       </p:sp>
     </p:spTree>
   </p:cSld>
+  <p:clrMapOvr>
+    <a:masterClrMapping/>
+  </p:clrMapOvr>
   <p:timing>
     <p:tnLst>
       <p:par>
-        <p:cTn id="5" dur="indefinite" restart="never" nodeType="tmRoot">
+        <p:cTn id="1" dur="indefinite" restart="never" nodeType="tmRoot">
           <p:childTnLst>
             <p:seq>
-              <p:cTn id="6" nodeType="mainSeq"/>
+              <p:cTn id="2" nodeType="mainSeq"/>
               <p:prevCondLst>
-                <p:cond delay="0" evt="onPrev">
+                <p:cond evt="onPrev" delay="0">
                   <p:tgtEl>
                     <p:sldTgt/>
                   </p:tgtEl>
                 </p:cond>
               </p:prevCondLst>
               <p:nextCondLst>
-                <p:cond delay="0" evt="onNext">
+                <p:cond evt="onNext" delay="0">
                   <p:tgtEl>
                     <p:sldTgt/>
                   </p:tgtEl>
@@ -5763,7 +6773,7 @@
 </file>
 
 <file path=ppt/slides/slide4.xml><?xml version="1.0" encoding="utf-8"?>
-<p:sld xmlns:a="http://schemas.openxmlformats.org/drawingml/2006/main" xmlns:p="http://schemas.openxmlformats.org/presentationml/2006/main" xmlns:r="http://schemas.openxmlformats.org/officeDocument/2006/relationships">
+<p:sld xmlns:a="http://schemas.openxmlformats.org/drawingml/2006/main" xmlns:r="http://schemas.openxmlformats.org/officeDocument/2006/relationships" xmlns:p="http://schemas.openxmlformats.org/presentationml/2006/main">
   <p:cSld>
     <p:spTree>
       <p:nvGrpSpPr>
@@ -5800,6 +6810,7 @@
         </p:spPr>
         <p:txBody>
           <a:bodyPr anchor="ctr"/>
+          <a:lstStyle/>
           <a:p>
             <a:pPr algn="ctr">
               <a:lnSpc>
@@ -5807,26 +6818,26 @@
               </a:lnSpc>
             </a:pPr>
             <a:r>
-              <a:rPr lang="en-US" sz="4800" spc="-1" strike="noStrike">
-                <a:solidFill>
-                  <a:srgbClr val="ffffff"/>
-                </a:solidFill>
-                <a:uFill>
-                  <a:solidFill>
-                    <a:srgbClr val="ffffff"/>
+              <a:rPr lang="en-US" sz="4800" strike="noStrike" spc="-1">
+                <a:solidFill>
+                  <a:srgbClr val="FFFFFF"/>
+                </a:solidFill>
+                <a:uFill>
+                  <a:solidFill>
+                    <a:srgbClr val="FFFFFF"/>
                   </a:solidFill>
                 </a:uFill>
                 <a:latin typeface="Calisto MT"/>
               </a:rPr>
               <a:t>How the game will work</a:t>
             </a:r>
-            <a:endParaRPr lang="en-US" sz="1800" spc="-1" strike="noStrike">
-              <a:solidFill>
-                <a:srgbClr val="ffffff"/>
-              </a:solidFill>
-              <a:uFill>
-                <a:solidFill>
-                  <a:srgbClr val="ffffff"/>
+            <a:endParaRPr lang="en-US" sz="1800" strike="noStrike" spc="-1">
+              <a:solidFill>
+                <a:srgbClr val="FFFFFF"/>
+              </a:solidFill>
+              <a:uFill>
+                <a:solidFill>
+                  <a:srgbClr val="FFFFFF"/>
                 </a:solidFill>
               </a:uFill>
               <a:latin typeface="Calisto MT"/>
@@ -5855,141 +6866,387 @@
         </p:spPr>
         <p:txBody>
           <a:bodyPr/>
-          <a:p>
-            <a:pPr marL="343080" indent="-342720">
+          <a:lstStyle/>
+          <a:p>
+            <a:pPr marL="457560" indent="-457200">
               <a:lnSpc>
                 <a:spcPct val="100000"/>
               </a:lnSpc>
-              <a:buBlip>
-                <a:blip r:embed="rId1"/>
-              </a:buBlip>
-            </a:pPr>
-            <a:r>
-              <a:rPr lang="en-US" sz="2800" spc="-1" strike="noStrike">
-                <a:solidFill>
-                  <a:srgbClr val="ffffff"/>
-                </a:solidFill>
-                <a:uFill>
-                  <a:solidFill>
-                    <a:srgbClr val="ffffff"/>
-                  </a:solidFill>
-                </a:uFill>
-                <a:latin typeface="Calisto MT"/>
-              </a:rPr>
-              <a:t>At the start of the game, you will be given a login menu.</a:t>
-            </a:r>
-            <a:endParaRPr lang="en-US" sz="2200" spc="-1" strike="noStrike">
-              <a:solidFill>
-                <a:srgbClr val="ffffff"/>
-              </a:solidFill>
-              <a:uFill>
-                <a:solidFill>
-                  <a:srgbClr val="ffffff"/>
-                </a:solidFill>
-              </a:uFill>
-              <a:latin typeface="Calisto MT"/>
-            </a:endParaRPr>
-          </a:p>
-          <a:p>
-            <a:pPr marL="343080" indent="-342720">
+              <a:buFont typeface="Arial" panose="020B0604020202020204" pitchFamily="34" charset="0"/>
+              <a:buChar char="•"/>
+            </a:pPr>
+            <a:r>
+              <a:rPr lang="en-US" sz="2800" spc="-1" dirty="0" smtClean="0">
+                <a:solidFill>
+                  <a:srgbClr val="FFFFFF"/>
+                </a:solidFill>
+                <a:uFill>
+                  <a:solidFill>
+                    <a:srgbClr val="FFFFFF"/>
+                  </a:solidFill>
+                </a:uFill>
+                <a:latin typeface="Calisto MT"/>
+              </a:rPr>
+              <a:t>User will be given a login menu</a:t>
+            </a:r>
+            <a:endParaRPr lang="en-US" sz="2200" spc="-1" dirty="0">
+              <a:solidFill>
+                <a:srgbClr val="FFFFFF"/>
+              </a:solidFill>
+              <a:uFill>
+                <a:solidFill>
+                  <a:srgbClr val="FFFFFF"/>
+                </a:solidFill>
+              </a:uFill>
+              <a:latin typeface="Calisto MT"/>
+            </a:endParaRPr>
+          </a:p>
+          <a:p>
+            <a:pPr marL="457560" indent="-457200">
               <a:lnSpc>
                 <a:spcPct val="100000"/>
               </a:lnSpc>
-              <a:buBlip>
-                <a:blip r:embed="rId2"/>
-              </a:buBlip>
-            </a:pPr>
-            <a:r>
-              <a:rPr lang="en-US" sz="2800" spc="-1" strike="noStrike">
-                <a:solidFill>
-                  <a:srgbClr val="ffffff"/>
-                </a:solidFill>
-                <a:uFill>
-                  <a:solidFill>
-                    <a:srgbClr val="ffffff"/>
-                  </a:solidFill>
-                </a:uFill>
-                <a:latin typeface="Calisto MT"/>
-              </a:rPr>
-              <a:t>The user can either log in or register.</a:t>
-            </a:r>
-            <a:endParaRPr lang="en-US" sz="2200" spc="-1" strike="noStrike">
-              <a:solidFill>
-                <a:srgbClr val="ffffff"/>
-              </a:solidFill>
-              <a:uFill>
-                <a:solidFill>
-                  <a:srgbClr val="ffffff"/>
-                </a:solidFill>
-              </a:uFill>
-              <a:latin typeface="Calisto MT"/>
-            </a:endParaRPr>
-          </a:p>
-          <a:p>
-            <a:pPr marL="343080" indent="-342720">
+              <a:buFont typeface="Arial" panose="020B0604020202020204" pitchFamily="34" charset="0"/>
+              <a:buChar char="•"/>
+            </a:pPr>
+            <a:endParaRPr lang="en-US" sz="2800" strike="noStrike" spc="-1" dirty="0" smtClean="0">
+              <a:solidFill>
+                <a:srgbClr val="FFFFFF"/>
+              </a:solidFill>
+              <a:uFill>
+                <a:solidFill>
+                  <a:srgbClr val="FFFFFF"/>
+                </a:solidFill>
+              </a:uFill>
+              <a:latin typeface="Calisto MT"/>
+            </a:endParaRPr>
+          </a:p>
+          <a:p>
+            <a:pPr marL="457560" indent="-457200">
               <a:lnSpc>
                 <a:spcPct val="100000"/>
               </a:lnSpc>
-              <a:buBlip>
-                <a:blip r:embed="rId3"/>
-              </a:buBlip>
-            </a:pPr>
-            <a:r>
-              <a:rPr lang="en-US" sz="2800" spc="-1" strike="noStrike">
-                <a:solidFill>
-                  <a:srgbClr val="ffffff"/>
-                </a:solidFill>
-                <a:uFill>
-                  <a:solidFill>
-                    <a:srgbClr val="ffffff"/>
-                  </a:solidFill>
-                </a:uFill>
-                <a:latin typeface="Calisto MT"/>
-              </a:rPr>
-              <a:t>The user selects whether to compete against another user or the computer.</a:t>
-            </a:r>
-            <a:endParaRPr lang="en-US" sz="2200" spc="-1" strike="noStrike">
-              <a:solidFill>
-                <a:srgbClr val="ffffff"/>
-              </a:solidFill>
-              <a:uFill>
-                <a:solidFill>
-                  <a:srgbClr val="ffffff"/>
-                </a:solidFill>
-              </a:uFill>
-              <a:latin typeface="Calisto MT"/>
-            </a:endParaRPr>
-          </a:p>
-          <a:p>
-            <a:pPr marL="343080" indent="-342720">
+              <a:buFont typeface="Arial" panose="020B0604020202020204" pitchFamily="34" charset="0"/>
+              <a:buChar char="•"/>
+            </a:pPr>
+            <a:r>
+              <a:rPr lang="en-US" sz="2800" strike="noStrike" spc="-1" dirty="0" smtClean="0">
+                <a:solidFill>
+                  <a:srgbClr val="FFFFFF"/>
+                </a:solidFill>
+                <a:uFill>
+                  <a:solidFill>
+                    <a:srgbClr val="FFFFFF"/>
+                  </a:solidFill>
+                </a:uFill>
+                <a:latin typeface="Calisto MT"/>
+              </a:rPr>
+              <a:t>User </a:t>
+            </a:r>
+            <a:r>
+              <a:rPr lang="en-US" sz="2800" strike="noStrike" spc="-1" dirty="0">
+                <a:solidFill>
+                  <a:srgbClr val="FFFFFF"/>
+                </a:solidFill>
+                <a:uFill>
+                  <a:solidFill>
+                    <a:srgbClr val="FFFFFF"/>
+                  </a:solidFill>
+                </a:uFill>
+                <a:latin typeface="Calisto MT"/>
+              </a:rPr>
+              <a:t>can either log in or register</a:t>
+            </a:r>
+            <a:r>
+              <a:rPr lang="en-US" sz="2800" strike="noStrike" spc="-1" dirty="0" smtClean="0">
+                <a:solidFill>
+                  <a:srgbClr val="FFFFFF"/>
+                </a:solidFill>
+                <a:uFill>
+                  <a:solidFill>
+                    <a:srgbClr val="FFFFFF"/>
+                  </a:solidFill>
+                </a:uFill>
+                <a:latin typeface="Calisto MT"/>
+              </a:rPr>
+              <a:t>.</a:t>
+            </a:r>
+          </a:p>
+          <a:p>
+            <a:pPr marL="457560" indent="-457200">
               <a:lnSpc>
                 <a:spcPct val="100000"/>
               </a:lnSpc>
-              <a:buBlip>
-                <a:blip r:embed="rId4"/>
-              </a:buBlip>
-            </a:pPr>
-            <a:r>
-              <a:rPr lang="en-US" sz="2800" spc="-1" strike="noStrike">
-                <a:solidFill>
-                  <a:srgbClr val="ffffff"/>
-                </a:solidFill>
-                <a:uFill>
-                  <a:solidFill>
-                    <a:srgbClr val="ffffff"/>
-                  </a:solidFill>
-                </a:uFill>
-                <a:latin typeface="Calisto MT"/>
-              </a:rPr>
-              <a:t>A player's statistics will be saved under their username.</a:t>
-            </a:r>
-            <a:endParaRPr lang="en-US" sz="2200" spc="-1" strike="noStrike">
-              <a:solidFill>
-                <a:srgbClr val="ffffff"/>
-              </a:solidFill>
-              <a:uFill>
-                <a:solidFill>
-                  <a:srgbClr val="ffffff"/>
+              <a:buFont typeface="Arial" panose="020B0604020202020204" pitchFamily="34" charset="0"/>
+              <a:buChar char="•"/>
+            </a:pPr>
+            <a:endParaRPr lang="en-US" sz="2800" strike="noStrike" spc="-1" dirty="0" smtClean="0">
+              <a:solidFill>
+                <a:srgbClr val="FFFFFF"/>
+              </a:solidFill>
+              <a:uFill>
+                <a:solidFill>
+                  <a:srgbClr val="FFFFFF"/>
+                </a:solidFill>
+              </a:uFill>
+              <a:latin typeface="Calisto MT"/>
+            </a:endParaRPr>
+          </a:p>
+          <a:p>
+            <a:pPr marL="457560" indent="-457200">
+              <a:lnSpc>
+                <a:spcPct val="100000"/>
+              </a:lnSpc>
+              <a:buFont typeface="Arial" panose="020B0604020202020204" pitchFamily="34" charset="0"/>
+              <a:buChar char="•"/>
+            </a:pPr>
+            <a:r>
+              <a:rPr lang="en-US" sz="2800" strike="noStrike" spc="-1" dirty="0" smtClean="0">
+                <a:solidFill>
+                  <a:srgbClr val="FFFFFF"/>
+                </a:solidFill>
+                <a:uFill>
+                  <a:solidFill>
+                    <a:srgbClr val="FFFFFF"/>
+                  </a:solidFill>
+                </a:uFill>
+                <a:latin typeface="Calisto MT"/>
+              </a:rPr>
+              <a:t>The </a:t>
+            </a:r>
+            <a:r>
+              <a:rPr lang="en-US" sz="2800" strike="noStrike" spc="-1" dirty="0">
+                <a:solidFill>
+                  <a:srgbClr val="FFFFFF"/>
+                </a:solidFill>
+                <a:uFill>
+                  <a:solidFill>
+                    <a:srgbClr val="FFFFFF"/>
+                  </a:solidFill>
+                </a:uFill>
+                <a:latin typeface="Calisto MT"/>
+              </a:rPr>
+              <a:t>user </a:t>
+            </a:r>
+            <a:r>
+              <a:rPr lang="en-US" sz="2800" strike="noStrike" spc="-1" dirty="0" smtClean="0">
+                <a:solidFill>
+                  <a:srgbClr val="FFFFFF"/>
+                </a:solidFill>
+                <a:uFill>
+                  <a:solidFill>
+                    <a:srgbClr val="FFFFFF"/>
+                  </a:solidFill>
+                </a:uFill>
+                <a:latin typeface="Calisto MT"/>
+              </a:rPr>
+              <a:t>selects:</a:t>
+            </a:r>
+          </a:p>
+          <a:p>
+            <a:pPr marL="914760" lvl="1" indent="-457200">
+              <a:buFont typeface="Arial" panose="020B0604020202020204" pitchFamily="34" charset="0"/>
+              <a:buChar char="•"/>
+            </a:pPr>
+            <a:r>
+              <a:rPr lang="en-US" sz="2800" spc="-1" dirty="0" smtClean="0">
+                <a:solidFill>
+                  <a:srgbClr val="FFFFFF"/>
+                </a:solidFill>
+                <a:uFill>
+                  <a:solidFill>
+                    <a:srgbClr val="FFFFFF"/>
+                  </a:solidFill>
+                </a:uFill>
+                <a:latin typeface="Calisto MT"/>
+              </a:rPr>
+              <a:t>Player vs. Player (</a:t>
+            </a:r>
+            <a:r>
+              <a:rPr lang="en-US" sz="2800" spc="-1" dirty="0" err="1" smtClean="0">
+                <a:solidFill>
+                  <a:srgbClr val="FFFFFF"/>
+                </a:solidFill>
+                <a:uFill>
+                  <a:solidFill>
+                    <a:srgbClr val="FFFFFF"/>
+                  </a:solidFill>
+                </a:uFill>
+                <a:latin typeface="Calisto MT"/>
+              </a:rPr>
+              <a:t>PvP</a:t>
+            </a:r>
+            <a:r>
+              <a:rPr lang="en-US" sz="2800" spc="-1" dirty="0" smtClean="0">
+                <a:solidFill>
+                  <a:srgbClr val="FFFFFF"/>
+                </a:solidFill>
+                <a:uFill>
+                  <a:solidFill>
+                    <a:srgbClr val="FFFFFF"/>
+                  </a:solidFill>
+                </a:uFill>
+                <a:latin typeface="Calisto MT"/>
+              </a:rPr>
+              <a:t>)</a:t>
+            </a:r>
+          </a:p>
+          <a:p>
+            <a:pPr marL="914760" lvl="1" indent="-457200">
+              <a:buFont typeface="Arial" panose="020B0604020202020204" pitchFamily="34" charset="0"/>
+              <a:buChar char="•"/>
+            </a:pPr>
+            <a:endParaRPr lang="en-US" sz="2800" strike="noStrike" spc="-1" dirty="0" smtClean="0">
+              <a:solidFill>
+                <a:srgbClr val="FFFFFF"/>
+              </a:solidFill>
+              <a:uFill>
+                <a:solidFill>
+                  <a:srgbClr val="FFFFFF"/>
+                </a:solidFill>
+              </a:uFill>
+              <a:latin typeface="Calisto MT"/>
+            </a:endParaRPr>
+          </a:p>
+          <a:p>
+            <a:pPr marL="914760" lvl="1" indent="-457200">
+              <a:buFont typeface="Arial" panose="020B0604020202020204" pitchFamily="34" charset="0"/>
+              <a:buChar char="•"/>
+            </a:pPr>
+            <a:r>
+              <a:rPr lang="en-US" sz="2800" strike="noStrike" spc="-1" dirty="0" smtClean="0">
+                <a:solidFill>
+                  <a:srgbClr val="FFFFFF"/>
+                </a:solidFill>
+                <a:uFill>
+                  <a:solidFill>
+                    <a:srgbClr val="FFFFFF"/>
+                  </a:solidFill>
+                </a:uFill>
+                <a:latin typeface="Calisto MT"/>
+              </a:rPr>
+              <a:t>Player vs. A.I.(</a:t>
+            </a:r>
+            <a:r>
+              <a:rPr lang="en-US" sz="2800" strike="noStrike" spc="-1" dirty="0" err="1" smtClean="0">
+                <a:solidFill>
+                  <a:srgbClr val="FFFFFF"/>
+                </a:solidFill>
+                <a:uFill>
+                  <a:solidFill>
+                    <a:srgbClr val="FFFFFF"/>
+                  </a:solidFill>
+                </a:uFill>
+                <a:latin typeface="Calisto MT"/>
+              </a:rPr>
+              <a:t>PvA</a:t>
+            </a:r>
+            <a:r>
+              <a:rPr lang="en-US" sz="2800" strike="noStrike" spc="-1" dirty="0" smtClean="0">
+                <a:solidFill>
+                  <a:srgbClr val="FFFFFF"/>
+                </a:solidFill>
+                <a:uFill>
+                  <a:solidFill>
+                    <a:srgbClr val="FFFFFF"/>
+                  </a:solidFill>
+                </a:uFill>
+                <a:latin typeface="Calisto MT"/>
+              </a:rPr>
+              <a:t>) </a:t>
+            </a:r>
+          </a:p>
+          <a:p>
+            <a:pPr marL="457560" indent="-457200">
+              <a:lnSpc>
+                <a:spcPct val="100000"/>
+              </a:lnSpc>
+              <a:buFont typeface="Arial" panose="020B0604020202020204" pitchFamily="34" charset="0"/>
+              <a:buChar char="•"/>
+            </a:pPr>
+            <a:endParaRPr lang="en-US" sz="2800" strike="noStrike" spc="-1" dirty="0" smtClean="0">
+              <a:solidFill>
+                <a:srgbClr val="FFFFFF"/>
+              </a:solidFill>
+              <a:uFill>
+                <a:solidFill>
+                  <a:srgbClr val="FFFFFF"/>
+                </a:solidFill>
+              </a:uFill>
+              <a:latin typeface="Calisto MT"/>
+            </a:endParaRPr>
+          </a:p>
+          <a:p>
+            <a:pPr marL="457560" indent="-457200">
+              <a:lnSpc>
+                <a:spcPct val="100000"/>
+              </a:lnSpc>
+              <a:buFont typeface="Arial" panose="020B0604020202020204" pitchFamily="34" charset="0"/>
+              <a:buChar char="•"/>
+            </a:pPr>
+            <a:r>
+              <a:rPr lang="en-US" sz="2800" strike="noStrike" spc="-1" dirty="0" smtClean="0">
+                <a:solidFill>
+                  <a:srgbClr val="FFFFFF"/>
+                </a:solidFill>
+                <a:uFill>
+                  <a:solidFill>
+                    <a:srgbClr val="FFFFFF"/>
+                  </a:solidFill>
+                </a:uFill>
+                <a:latin typeface="Calisto MT"/>
+              </a:rPr>
+              <a:t>Player's </a:t>
+            </a:r>
+            <a:r>
+              <a:rPr lang="en-US" sz="2800" strike="noStrike" spc="-1" dirty="0">
+                <a:solidFill>
+                  <a:srgbClr val="FFFFFF"/>
+                </a:solidFill>
+                <a:uFill>
+                  <a:solidFill>
+                    <a:srgbClr val="FFFFFF"/>
+                  </a:solidFill>
+                </a:uFill>
+                <a:latin typeface="Calisto MT"/>
+              </a:rPr>
+              <a:t>statistics will be saved under </a:t>
+            </a:r>
+            <a:r>
+              <a:rPr lang="en-US" sz="2800" strike="noStrike" spc="-1" dirty="0" smtClean="0">
+                <a:solidFill>
+                  <a:srgbClr val="FFFFFF"/>
+                </a:solidFill>
+                <a:uFill>
+                  <a:solidFill>
+                    <a:srgbClr val="FFFFFF"/>
+                  </a:solidFill>
+                </a:uFill>
+                <a:latin typeface="Calisto MT"/>
+              </a:rPr>
+              <a:t>username</a:t>
+            </a:r>
+            <a:r>
+              <a:rPr lang="en-US" sz="2800" strike="noStrike" spc="-1" dirty="0">
+                <a:solidFill>
+                  <a:srgbClr val="FFFFFF"/>
+                </a:solidFill>
+                <a:uFill>
+                  <a:solidFill>
+                    <a:srgbClr val="FFFFFF"/>
+                  </a:solidFill>
+                </a:uFill>
+                <a:latin typeface="Calisto MT"/>
+              </a:rPr>
+              <a:t>.</a:t>
+            </a:r>
+            <a:endParaRPr lang="en-US" sz="2200" strike="noStrike" spc="-1" dirty="0">
+              <a:solidFill>
+                <a:srgbClr val="FFFFFF"/>
+              </a:solidFill>
+              <a:uFill>
+                <a:solidFill>
+                  <a:srgbClr val="FFFFFF"/>
                 </a:solidFill>
               </a:uFill>
               <a:latin typeface="Calisto MT"/>
@@ -5999,22 +7256,25 @@
       </p:sp>
     </p:spTree>
   </p:cSld>
+  <p:clrMapOvr>
+    <a:masterClrMapping/>
+  </p:clrMapOvr>
   <p:timing>
     <p:tnLst>
       <p:par>
-        <p:cTn id="7" dur="indefinite" restart="never" nodeType="tmRoot">
+        <p:cTn id="1" dur="indefinite" restart="never" nodeType="tmRoot">
           <p:childTnLst>
             <p:seq>
-              <p:cTn id="8" nodeType="mainSeq"/>
+              <p:cTn id="2" nodeType="mainSeq"/>
               <p:prevCondLst>
-                <p:cond delay="0" evt="onPrev">
+                <p:cond evt="onPrev" delay="0">
                   <p:tgtEl>
                     <p:sldTgt/>
                   </p:tgtEl>
                 </p:cond>
               </p:prevCondLst>
               <p:nextCondLst>
-                <p:cond delay="0" evt="onNext">
+                <p:cond evt="onNext" delay="0">
                   <p:tgtEl>
                     <p:sldTgt/>
                   </p:tgtEl>
@@ -6030,7 +7290,7 @@
 </file>
 
 <file path=ppt/slides/slide5.xml><?xml version="1.0" encoding="utf-8"?>
-<p:sld xmlns:a="http://schemas.openxmlformats.org/drawingml/2006/main" xmlns:p="http://schemas.openxmlformats.org/presentationml/2006/main" xmlns:r="http://schemas.openxmlformats.org/officeDocument/2006/relationships">
+<p:sld xmlns:a="http://schemas.openxmlformats.org/drawingml/2006/main" xmlns:r="http://schemas.openxmlformats.org/officeDocument/2006/relationships" xmlns:p="http://schemas.openxmlformats.org/presentationml/2006/main">
   <p:cSld>
     <p:spTree>
       <p:nvGrpSpPr>
@@ -6067,6 +7327,7 @@
         </p:spPr>
         <p:txBody>
           <a:bodyPr anchor="ctr"/>
+          <a:lstStyle/>
           <a:p>
             <a:pPr algn="ctr">
               <a:lnSpc>
@@ -6074,26 +7335,26 @@
               </a:lnSpc>
             </a:pPr>
             <a:r>
-              <a:rPr lang="en-US" sz="4800" spc="-1" strike="noStrike">
-                <a:solidFill>
-                  <a:srgbClr val="ffffff"/>
-                </a:solidFill>
-                <a:uFill>
-                  <a:solidFill>
-                    <a:srgbClr val="ffffff"/>
+              <a:rPr lang="en-US" sz="4800" strike="noStrike" spc="-1">
+                <a:solidFill>
+                  <a:srgbClr val="FFFFFF"/>
+                </a:solidFill>
+                <a:uFill>
+                  <a:solidFill>
+                    <a:srgbClr val="FFFFFF"/>
                   </a:solidFill>
                 </a:uFill>
                 <a:latin typeface="Calisto MT"/>
               </a:rPr>
               <a:t>New User Requirements</a:t>
             </a:r>
-            <a:endParaRPr lang="en-US" sz="1800" spc="-1" strike="noStrike">
-              <a:solidFill>
-                <a:srgbClr val="ffffff"/>
-              </a:solidFill>
-              <a:uFill>
-                <a:solidFill>
-                  <a:srgbClr val="ffffff"/>
+            <a:endParaRPr lang="en-US" sz="1800" strike="noStrike" spc="-1">
+              <a:solidFill>
+                <a:srgbClr val="FFFFFF"/>
+              </a:solidFill>
+              <a:uFill>
+                <a:solidFill>
+                  <a:srgbClr val="FFFFFF"/>
                 </a:solidFill>
               </a:uFill>
               <a:latin typeface="Calisto MT"/>
@@ -6122,133 +7383,208 @@
         </p:spPr>
         <p:txBody>
           <a:bodyPr/>
-          <a:p>
-            <a:pPr marL="343080" indent="-342720">
+          <a:lstStyle/>
+          <a:p>
+            <a:pPr marL="343260" indent="-342900">
               <a:lnSpc>
                 <a:spcPct val="100000"/>
               </a:lnSpc>
-              <a:buBlip>
-                <a:blip r:embed="rId1"/>
-              </a:buBlip>
-            </a:pPr>
-            <a:r>
-              <a:rPr lang="en-US" sz="2200" spc="-1" strike="noStrike">
-                <a:solidFill>
-                  <a:srgbClr val="ffffff"/>
-                </a:solidFill>
-                <a:uFill>
-                  <a:solidFill>
-                    <a:srgbClr val="ffffff"/>
-                  </a:solidFill>
-                </a:uFill>
-                <a:latin typeface="Calisto MT"/>
-              </a:rPr>
-              <a:t>New User Requirements:</a:t>
-            </a:r>
-            <a:endParaRPr lang="en-US" sz="2200" spc="-1" strike="noStrike">
-              <a:solidFill>
-                <a:srgbClr val="ffffff"/>
-              </a:solidFill>
-              <a:uFill>
-                <a:solidFill>
-                  <a:srgbClr val="ffffff"/>
-                </a:solidFill>
-              </a:uFill>
-              <a:latin typeface="Calisto MT"/>
-            </a:endParaRPr>
-          </a:p>
-          <a:p>
-            <a:pPr lvl="5" marL="2055960" indent="-336240">
+              <a:buFont typeface="Arial" panose="020B0604020202020204" pitchFamily="34" charset="0"/>
+              <a:buChar char="•"/>
+            </a:pPr>
+            <a:r>
+              <a:rPr lang="en-US" sz="2800" strike="noStrike" spc="-1" dirty="0">
+                <a:solidFill>
+                  <a:srgbClr val="FFFFFF"/>
+                </a:solidFill>
+                <a:uFill>
+                  <a:solidFill>
+                    <a:srgbClr val="FFFFFF"/>
+                  </a:solidFill>
+                </a:uFill>
+                <a:latin typeface="Calisto MT"/>
+              </a:rPr>
+              <a:t>New User </a:t>
+            </a:r>
+            <a:r>
+              <a:rPr lang="en-US" sz="2800" strike="noStrike" spc="-1" dirty="0" smtClean="0">
+                <a:solidFill>
+                  <a:srgbClr val="FFFFFF"/>
+                </a:solidFill>
+                <a:uFill>
+                  <a:solidFill>
+                    <a:srgbClr val="FFFFFF"/>
+                  </a:solidFill>
+                </a:uFill>
+                <a:latin typeface="Calisto MT"/>
+              </a:rPr>
+              <a:t>Requirements:</a:t>
+            </a:r>
+          </a:p>
+          <a:p>
+            <a:pPr marL="343260" indent="-342900">
               <a:lnSpc>
                 <a:spcPct val="100000"/>
               </a:lnSpc>
-              <a:buBlip>
-                <a:blip r:embed="rId2"/>
-              </a:buBlip>
-            </a:pPr>
-            <a:r>
-              <a:rPr lang="en-US" sz="2800" spc="-1" strike="noStrike">
-                <a:solidFill>
-                  <a:srgbClr val="ffffff"/>
-                </a:solidFill>
-                <a:uFill>
-                  <a:solidFill>
-                    <a:srgbClr val="ffffff"/>
+              <a:buFont typeface="Arial" panose="020B0604020202020204" pitchFamily="34" charset="0"/>
+              <a:buChar char="•"/>
+            </a:pPr>
+            <a:endParaRPr lang="en-US" sz="2800" strike="noStrike" spc="-1" dirty="0" smtClean="0">
+              <a:solidFill>
+                <a:srgbClr val="FFFFFF"/>
+              </a:solidFill>
+              <a:uFill>
+                <a:solidFill>
+                  <a:srgbClr val="FFFFFF"/>
+                </a:solidFill>
+              </a:uFill>
+              <a:latin typeface="Calisto MT"/>
+            </a:endParaRPr>
+          </a:p>
+          <a:p>
+            <a:pPr marL="800460" lvl="1" indent="-342900">
+              <a:buFont typeface="Arial" panose="020B0604020202020204" pitchFamily="34" charset="0"/>
+              <a:buChar char="•"/>
+            </a:pPr>
+            <a:r>
+              <a:rPr lang="en-US" sz="2800" strike="noStrike" spc="-1" dirty="0" smtClean="0">
+                <a:solidFill>
+                  <a:srgbClr val="FFFFFF"/>
+                </a:solidFill>
+                <a:uFill>
+                  <a:solidFill>
+                    <a:srgbClr val="FFFFFF"/>
                   </a:solidFill>
                 </a:uFill>
                 <a:latin typeface="Calisto MT"/>
               </a:rPr>
               <a:t>Register user.</a:t>
             </a:r>
-            <a:endParaRPr lang="en-US" sz="2000" spc="-1" strike="noStrike">
-              <a:solidFill>
-                <a:srgbClr val="ffffff"/>
-              </a:solidFill>
-              <a:uFill>
-                <a:solidFill>
-                  <a:srgbClr val="ffffff"/>
-                </a:solidFill>
-              </a:uFill>
-              <a:latin typeface="Calisto MT"/>
-            </a:endParaRPr>
-          </a:p>
-          <a:p>
-            <a:endParaRPr lang="en-US" sz="2200" spc="-1" strike="noStrike">
-              <a:solidFill>
-                <a:srgbClr val="ffffff"/>
-              </a:solidFill>
-              <a:uFill>
-                <a:solidFill>
-                  <a:srgbClr val="ffffff"/>
-                </a:solidFill>
-              </a:uFill>
-              <a:latin typeface="Calisto MT"/>
-            </a:endParaRPr>
-          </a:p>
-          <a:p>
-            <a:pPr lvl="5" marL="2055960" indent="-336240">
-              <a:lnSpc>
-                <a:spcPct val="100000"/>
-              </a:lnSpc>
-              <a:buBlip>
-                <a:blip r:embed="rId3"/>
-              </a:buBlip>
-            </a:pPr>
-            <a:r>
-              <a:rPr lang="en-US" sz="2800" spc="-1" strike="noStrike">
-                <a:solidFill>
-                  <a:srgbClr val="ffffff"/>
-                </a:solidFill>
-                <a:uFill>
-                  <a:solidFill>
-                    <a:srgbClr val="ffffff"/>
-                  </a:solidFill>
-                </a:uFill>
-                <a:latin typeface="Calisto MT"/>
-              </a:rPr>
-              <a:t>Menu to choose PvP or PvE</a:t>
-            </a:r>
-            <a:r>
-              <a:rPr lang="en-US" sz="1800" spc="-1" strike="noStrike">
-                <a:solidFill>
-                  <a:srgbClr val="ffffff"/>
-                </a:solidFill>
-                <a:uFill>
-                  <a:solidFill>
-                    <a:srgbClr val="ffffff"/>
+            <a:endParaRPr lang="en-US" sz="2000" spc="-1" dirty="0">
+              <a:solidFill>
+                <a:srgbClr val="FFFFFF"/>
+              </a:solidFill>
+              <a:uFill>
+                <a:solidFill>
+                  <a:srgbClr val="FFFFFF"/>
+                </a:solidFill>
+              </a:uFill>
+              <a:latin typeface="Calisto MT"/>
+            </a:endParaRPr>
+          </a:p>
+          <a:p>
+            <a:pPr marL="800460" lvl="1" indent="-342900">
+              <a:buFont typeface="Arial" panose="020B0604020202020204" pitchFamily="34" charset="0"/>
+              <a:buChar char="•"/>
+            </a:pPr>
+            <a:endParaRPr lang="en-US" sz="2800" strike="noStrike" spc="-1" dirty="0" smtClean="0">
+              <a:solidFill>
+                <a:srgbClr val="FFFFFF"/>
+              </a:solidFill>
+              <a:uFill>
+                <a:solidFill>
+                  <a:srgbClr val="FFFFFF"/>
+                </a:solidFill>
+              </a:uFill>
+              <a:latin typeface="Calisto MT"/>
+            </a:endParaRPr>
+          </a:p>
+          <a:p>
+            <a:pPr marL="800460" lvl="1" indent="-342900">
+              <a:buFont typeface="Arial" panose="020B0604020202020204" pitchFamily="34" charset="0"/>
+              <a:buChar char="•"/>
+            </a:pPr>
+            <a:r>
+              <a:rPr lang="en-US" sz="2800" strike="noStrike" spc="-1" dirty="0" smtClean="0">
+                <a:solidFill>
+                  <a:srgbClr val="FFFFFF"/>
+                </a:solidFill>
+                <a:uFill>
+                  <a:solidFill>
+                    <a:srgbClr val="FFFFFF"/>
+                  </a:solidFill>
+                </a:uFill>
+                <a:latin typeface="Calisto MT"/>
+              </a:rPr>
+              <a:t>Menu </a:t>
+            </a:r>
+            <a:r>
+              <a:rPr lang="en-US" sz="2800" strike="noStrike" spc="-1" dirty="0">
+                <a:solidFill>
+                  <a:srgbClr val="FFFFFF"/>
+                </a:solidFill>
+                <a:uFill>
+                  <a:solidFill>
+                    <a:srgbClr val="FFFFFF"/>
+                  </a:solidFill>
+                </a:uFill>
+                <a:latin typeface="Calisto MT"/>
+              </a:rPr>
+              <a:t>to choose </a:t>
+            </a:r>
+            <a:r>
+              <a:rPr lang="en-US" sz="2800" strike="noStrike" spc="-1" dirty="0" err="1">
+                <a:solidFill>
+                  <a:srgbClr val="FFFFFF"/>
+                </a:solidFill>
+                <a:uFill>
+                  <a:solidFill>
+                    <a:srgbClr val="FFFFFF"/>
+                  </a:solidFill>
+                </a:uFill>
+                <a:latin typeface="Calisto MT"/>
+              </a:rPr>
+              <a:t>PvP</a:t>
+            </a:r>
+            <a:r>
+              <a:rPr lang="en-US" sz="2800" strike="noStrike" spc="-1" dirty="0">
+                <a:solidFill>
+                  <a:srgbClr val="FFFFFF"/>
+                </a:solidFill>
+                <a:uFill>
+                  <a:solidFill>
+                    <a:srgbClr val="FFFFFF"/>
+                  </a:solidFill>
+                </a:uFill>
+                <a:latin typeface="Calisto MT"/>
+              </a:rPr>
+              <a:t> or </a:t>
+            </a:r>
+            <a:r>
+              <a:rPr lang="en-US" sz="2800" strike="noStrike" spc="-1" dirty="0" err="1" smtClean="0">
+                <a:solidFill>
+                  <a:srgbClr val="FFFFFF"/>
+                </a:solidFill>
+                <a:uFill>
+                  <a:solidFill>
+                    <a:srgbClr val="FFFFFF"/>
+                  </a:solidFill>
+                </a:uFill>
+                <a:latin typeface="Calisto MT"/>
+              </a:rPr>
+              <a:t>PvA</a:t>
+            </a:r>
+            <a:r>
+              <a:rPr lang="en-US" strike="noStrike" spc="-1" dirty="0" smtClean="0">
+                <a:solidFill>
+                  <a:srgbClr val="FFFFFF"/>
+                </a:solidFill>
+                <a:uFill>
+                  <a:solidFill>
+                    <a:srgbClr val="FFFFFF"/>
                   </a:solidFill>
                 </a:uFill>
                 <a:latin typeface="Calisto MT"/>
               </a:rPr>
               <a:t>.</a:t>
             </a:r>
-            <a:endParaRPr lang="en-US" sz="2000" spc="-1" strike="noStrike">
-              <a:solidFill>
-                <a:srgbClr val="ffffff"/>
-              </a:solidFill>
-              <a:uFill>
-                <a:solidFill>
-                  <a:srgbClr val="ffffff"/>
+            <a:endParaRPr lang="en-US" sz="2000" strike="noStrike" spc="-1" dirty="0">
+              <a:solidFill>
+                <a:srgbClr val="FFFFFF"/>
+              </a:solidFill>
+              <a:uFill>
+                <a:solidFill>
+                  <a:srgbClr val="FFFFFF"/>
                 </a:solidFill>
               </a:uFill>
               <a:latin typeface="Calisto MT"/>
@@ -6258,22 +7594,25 @@
       </p:sp>
     </p:spTree>
   </p:cSld>
+  <p:clrMapOvr>
+    <a:masterClrMapping/>
+  </p:clrMapOvr>
   <p:timing>
     <p:tnLst>
       <p:par>
-        <p:cTn id="9" dur="indefinite" restart="never" nodeType="tmRoot">
+        <p:cTn id="1" dur="indefinite" restart="never" nodeType="tmRoot">
           <p:childTnLst>
             <p:seq>
-              <p:cTn id="10" nodeType="mainSeq"/>
+              <p:cTn id="2" nodeType="mainSeq"/>
               <p:prevCondLst>
-                <p:cond delay="0" evt="onPrev">
+                <p:cond evt="onPrev" delay="0">
                   <p:tgtEl>
                     <p:sldTgt/>
                   </p:tgtEl>
                 </p:cond>
               </p:prevCondLst>
               <p:nextCondLst>
-                <p:cond delay="0" evt="onNext">
+                <p:cond evt="onNext" delay="0">
                   <p:tgtEl>
                     <p:sldTgt/>
                   </p:tgtEl>
@@ -6289,7 +7628,7 @@
 </file>
 
 <file path=ppt/slides/slide6.xml><?xml version="1.0" encoding="utf-8"?>
-<p:sld xmlns:a="http://schemas.openxmlformats.org/drawingml/2006/main" xmlns:p="http://schemas.openxmlformats.org/presentationml/2006/main" xmlns:r="http://schemas.openxmlformats.org/officeDocument/2006/relationships">
+<p:sld xmlns:a="http://schemas.openxmlformats.org/drawingml/2006/main" xmlns:r="http://schemas.openxmlformats.org/officeDocument/2006/relationships" xmlns:p="http://schemas.openxmlformats.org/presentationml/2006/main">
   <p:cSld>
     <p:spTree>
       <p:nvGrpSpPr>
@@ -6326,6 +7665,7 @@
         </p:spPr>
         <p:txBody>
           <a:bodyPr anchor="ctr"/>
+          <a:lstStyle/>
           <a:p>
             <a:pPr algn="ctr">
               <a:lnSpc>
@@ -6333,26 +7673,26 @@
               </a:lnSpc>
             </a:pPr>
             <a:r>
-              <a:rPr lang="en-US" sz="4800" spc="-1" strike="noStrike">
-                <a:solidFill>
-                  <a:srgbClr val="ffffff"/>
-                </a:solidFill>
-                <a:uFill>
-                  <a:solidFill>
-                    <a:srgbClr val="ffffff"/>
+              <a:rPr lang="en-US" sz="4800" strike="noStrike" spc="-1">
+                <a:solidFill>
+                  <a:srgbClr val="FFFFFF"/>
+                </a:solidFill>
+                <a:uFill>
+                  <a:solidFill>
+                    <a:srgbClr val="FFFFFF"/>
                   </a:solidFill>
                 </a:uFill>
                 <a:latin typeface="Calisto MT"/>
               </a:rPr>
               <a:t>Existing User Requirements</a:t>
             </a:r>
-            <a:endParaRPr lang="en-US" sz="1800" spc="-1" strike="noStrike">
-              <a:solidFill>
-                <a:srgbClr val="ffffff"/>
-              </a:solidFill>
-              <a:uFill>
-                <a:solidFill>
-                  <a:srgbClr val="ffffff"/>
+            <a:endParaRPr lang="en-US" sz="1800" strike="noStrike" spc="-1">
+              <a:solidFill>
+                <a:srgbClr val="FFFFFF"/>
+              </a:solidFill>
+              <a:uFill>
+                <a:solidFill>
+                  <a:srgbClr val="FFFFFF"/>
                 </a:solidFill>
               </a:uFill>
               <a:latin typeface="Calisto MT"/>
@@ -6381,119 +7721,233 @@
         </p:spPr>
         <p:txBody>
           <a:bodyPr/>
-          <a:p>
-            <a:pPr marL="343080" indent="-342720">
+          <a:lstStyle/>
+          <a:p>
+            <a:pPr marL="343260" indent="-342900">
               <a:lnSpc>
                 <a:spcPct val="100000"/>
               </a:lnSpc>
-              <a:buBlip>
-                <a:blip r:embed="rId1"/>
-              </a:buBlip>
-            </a:pPr>
-            <a:r>
-              <a:rPr lang="en-US" sz="2200" spc="-1" strike="noStrike">
-                <a:solidFill>
-                  <a:srgbClr val="ffffff"/>
-                </a:solidFill>
-                <a:uFill>
-                  <a:solidFill>
-                    <a:srgbClr val="ffffff"/>
-                  </a:solidFill>
-                </a:uFill>
-                <a:latin typeface="Calisto MT"/>
-              </a:rPr>
-              <a:t>Existing User Requirements:</a:t>
-            </a:r>
-            <a:endParaRPr lang="en-US" sz="2200" spc="-1" strike="noStrike">
-              <a:solidFill>
-                <a:srgbClr val="ffffff"/>
-              </a:solidFill>
-              <a:uFill>
-                <a:solidFill>
-                  <a:srgbClr val="ffffff"/>
-                </a:solidFill>
-              </a:uFill>
-              <a:latin typeface="Calisto MT"/>
-            </a:endParaRPr>
-          </a:p>
-          <a:p>
-            <a:pPr lvl="5" marL="2055960" indent="-336240">
-              <a:lnSpc>
-                <a:spcPct val="100000"/>
-              </a:lnSpc>
-              <a:buBlip>
-                <a:blip r:embed="rId2"/>
-              </a:buBlip>
-            </a:pPr>
-            <a:r>
-              <a:rPr lang="en-US" sz="2800" spc="-1" strike="noStrike">
-                <a:solidFill>
-                  <a:srgbClr val="ffffff"/>
-                </a:solidFill>
-                <a:uFill>
-                  <a:solidFill>
-                    <a:srgbClr val="ffffff"/>
-                  </a:solidFill>
-                </a:uFill>
-                <a:latin typeface="Calisto MT"/>
-              </a:rPr>
-              <a:t>Login and authentication.</a:t>
-            </a:r>
-            <a:endParaRPr lang="en-US" sz="2000" spc="-1" strike="noStrike">
-              <a:solidFill>
-                <a:srgbClr val="ffffff"/>
-              </a:solidFill>
-              <a:uFill>
-                <a:solidFill>
-                  <a:srgbClr val="ffffff"/>
-                </a:solidFill>
-              </a:uFill>
-              <a:latin typeface="Calisto MT"/>
-            </a:endParaRPr>
-          </a:p>
-          <a:p>
-            <a:endParaRPr lang="en-US" sz="2200" spc="-1" strike="noStrike">
-              <a:solidFill>
-                <a:srgbClr val="ffffff"/>
-              </a:solidFill>
-              <a:uFill>
-                <a:solidFill>
-                  <a:srgbClr val="ffffff"/>
-                </a:solidFill>
-              </a:uFill>
-              <a:latin typeface="Calisto MT"/>
-            </a:endParaRPr>
-          </a:p>
-          <a:p>
-            <a:pPr lvl="5" marL="2055960" indent="-336240">
-              <a:lnSpc>
-                <a:spcPct val="100000"/>
-              </a:lnSpc>
-              <a:buBlip>
-                <a:blip r:embed="rId3"/>
-              </a:buBlip>
-            </a:pPr>
-            <a:r>
-              <a:rPr lang="en-US" sz="2800" spc="-1" strike="noStrike">
-                <a:solidFill>
-                  <a:srgbClr val="ffffff"/>
-                </a:solidFill>
-                <a:uFill>
-                  <a:solidFill>
-                    <a:srgbClr val="ffffff"/>
-                  </a:solidFill>
-                </a:uFill>
-                <a:latin typeface="Calisto MT"/>
-              </a:rPr>
-              <a:t>Menu to choose PvP or PvE.</a:t>
-            </a:r>
-            <a:endParaRPr lang="en-US" sz="2000" spc="-1" strike="noStrike">
-              <a:solidFill>
-                <a:srgbClr val="ffffff"/>
-              </a:solidFill>
-              <a:uFill>
-                <a:solidFill>
-                  <a:srgbClr val="ffffff"/>
+              <a:buFont typeface="Arial" panose="020B0604020202020204" pitchFamily="34" charset="0"/>
+              <a:buChar char="•"/>
+            </a:pPr>
+            <a:r>
+              <a:rPr lang="en-US" sz="2800" strike="noStrike" spc="-1" dirty="0">
+                <a:solidFill>
+                  <a:srgbClr val="FFFFFF"/>
+                </a:solidFill>
+                <a:uFill>
+                  <a:solidFill>
+                    <a:srgbClr val="FFFFFF"/>
+                  </a:solidFill>
+                </a:uFill>
+                <a:latin typeface="Calisto MT"/>
+              </a:rPr>
+              <a:t>Existing User </a:t>
+            </a:r>
+            <a:r>
+              <a:rPr lang="en-US" sz="2800" strike="noStrike" spc="-1" dirty="0" smtClean="0">
+                <a:solidFill>
+                  <a:srgbClr val="FFFFFF"/>
+                </a:solidFill>
+                <a:uFill>
+                  <a:solidFill>
+                    <a:srgbClr val="FFFFFF"/>
+                  </a:solidFill>
+                </a:uFill>
+                <a:latin typeface="Calisto MT"/>
+              </a:rPr>
+              <a:t>Requirements:</a:t>
+            </a:r>
+          </a:p>
+          <a:p>
+            <a:pPr marL="800460" lvl="1" indent="-342900">
+              <a:buFont typeface="Arial" panose="020B0604020202020204" pitchFamily="34" charset="0"/>
+              <a:buChar char="•"/>
+            </a:pPr>
+            <a:endParaRPr lang="en-US" sz="2800" strike="noStrike" spc="-1" dirty="0" smtClean="0">
+              <a:solidFill>
+                <a:srgbClr val="FFFFFF"/>
+              </a:solidFill>
+              <a:uFill>
+                <a:solidFill>
+                  <a:srgbClr val="FFFFFF"/>
+                </a:solidFill>
+              </a:uFill>
+              <a:latin typeface="Calisto MT"/>
+            </a:endParaRPr>
+          </a:p>
+          <a:p>
+            <a:pPr marL="800460" lvl="1" indent="-342900">
+              <a:buFont typeface="Arial" panose="020B0604020202020204" pitchFamily="34" charset="0"/>
+              <a:buChar char="•"/>
+            </a:pPr>
+            <a:r>
+              <a:rPr lang="en-US" sz="2800" strike="noStrike" spc="-1" dirty="0" smtClean="0">
+                <a:solidFill>
+                  <a:srgbClr val="FFFFFF"/>
+                </a:solidFill>
+                <a:uFill>
+                  <a:solidFill>
+                    <a:srgbClr val="FFFFFF"/>
+                  </a:solidFill>
+                </a:uFill>
+                <a:latin typeface="Calisto MT"/>
+              </a:rPr>
+              <a:t>Login </a:t>
+            </a:r>
+            <a:r>
+              <a:rPr lang="en-US" sz="2800" strike="noStrike" spc="-1" dirty="0">
+                <a:solidFill>
+                  <a:srgbClr val="FFFFFF"/>
+                </a:solidFill>
+                <a:uFill>
+                  <a:solidFill>
+                    <a:srgbClr val="FFFFFF"/>
+                  </a:solidFill>
+                </a:uFill>
+                <a:latin typeface="Calisto MT"/>
+              </a:rPr>
+              <a:t>and </a:t>
+            </a:r>
+            <a:r>
+              <a:rPr lang="en-US" sz="2800" strike="noStrike" spc="-1" dirty="0" smtClean="0">
+                <a:solidFill>
+                  <a:srgbClr val="FFFFFF"/>
+                </a:solidFill>
+                <a:uFill>
+                  <a:solidFill>
+                    <a:srgbClr val="FFFFFF"/>
+                  </a:solidFill>
+                </a:uFill>
+                <a:latin typeface="Calisto MT"/>
+              </a:rPr>
+              <a:t>authentication.</a:t>
+            </a:r>
+            <a:endParaRPr lang="en-US" sz="2000" spc="-1" dirty="0">
+              <a:solidFill>
+                <a:srgbClr val="FFFFFF"/>
+              </a:solidFill>
+              <a:uFill>
+                <a:solidFill>
+                  <a:srgbClr val="FFFFFF"/>
+                </a:solidFill>
+              </a:uFill>
+              <a:latin typeface="Calisto MT"/>
+            </a:endParaRPr>
+          </a:p>
+          <a:p>
+            <a:pPr marL="800460" lvl="1" indent="-342900">
+              <a:buFont typeface="Arial" panose="020B0604020202020204" pitchFamily="34" charset="0"/>
+              <a:buChar char="•"/>
+            </a:pPr>
+            <a:endParaRPr lang="en-US" sz="2800" strike="noStrike" spc="-1" dirty="0" smtClean="0">
+              <a:solidFill>
+                <a:srgbClr val="FFFFFF"/>
+              </a:solidFill>
+              <a:uFill>
+                <a:solidFill>
+                  <a:srgbClr val="FFFFFF"/>
+                </a:solidFill>
+              </a:uFill>
+              <a:latin typeface="Calisto MT"/>
+            </a:endParaRPr>
+          </a:p>
+          <a:p>
+            <a:pPr marL="800460" lvl="1" indent="-342900">
+              <a:buFont typeface="Arial" panose="020B0604020202020204" pitchFamily="34" charset="0"/>
+              <a:buChar char="•"/>
+            </a:pPr>
+            <a:r>
+              <a:rPr lang="en-US" sz="2800" strike="noStrike" spc="-1" dirty="0" smtClean="0">
+                <a:solidFill>
+                  <a:srgbClr val="FFFFFF"/>
+                </a:solidFill>
+                <a:uFill>
+                  <a:solidFill>
+                    <a:srgbClr val="FFFFFF"/>
+                  </a:solidFill>
+                </a:uFill>
+                <a:latin typeface="Calisto MT"/>
+              </a:rPr>
+              <a:t>Menu </a:t>
+            </a:r>
+            <a:r>
+              <a:rPr lang="en-US" sz="2800" strike="noStrike" spc="-1" dirty="0">
+                <a:solidFill>
+                  <a:srgbClr val="FFFFFF"/>
+                </a:solidFill>
+                <a:uFill>
+                  <a:solidFill>
+                    <a:srgbClr val="FFFFFF"/>
+                  </a:solidFill>
+                </a:uFill>
+                <a:latin typeface="Calisto MT"/>
+              </a:rPr>
+              <a:t>to choose </a:t>
+            </a:r>
+            <a:r>
+              <a:rPr lang="en-US" sz="2800" strike="noStrike" spc="-1" dirty="0" err="1">
+                <a:solidFill>
+                  <a:srgbClr val="FFFFFF"/>
+                </a:solidFill>
+                <a:uFill>
+                  <a:solidFill>
+                    <a:srgbClr val="FFFFFF"/>
+                  </a:solidFill>
+                </a:uFill>
+                <a:latin typeface="Calisto MT"/>
+              </a:rPr>
+              <a:t>PvP</a:t>
+            </a:r>
+            <a:r>
+              <a:rPr lang="en-US" sz="2800" strike="noStrike" spc="-1" dirty="0">
+                <a:solidFill>
+                  <a:srgbClr val="FFFFFF"/>
+                </a:solidFill>
+                <a:uFill>
+                  <a:solidFill>
+                    <a:srgbClr val="FFFFFF"/>
+                  </a:solidFill>
+                </a:uFill>
+                <a:latin typeface="Calisto MT"/>
+              </a:rPr>
+              <a:t> or </a:t>
+            </a:r>
+            <a:r>
+              <a:rPr lang="en-US" sz="2800" strike="noStrike" spc="-1" dirty="0" err="1" smtClean="0">
+                <a:solidFill>
+                  <a:srgbClr val="FFFFFF"/>
+                </a:solidFill>
+                <a:uFill>
+                  <a:solidFill>
+                    <a:srgbClr val="FFFFFF"/>
+                  </a:solidFill>
+                </a:uFill>
+                <a:latin typeface="Calisto MT"/>
+              </a:rPr>
+              <a:t>PvA</a:t>
+            </a:r>
+            <a:r>
+              <a:rPr lang="en-US" sz="2800" strike="noStrike" spc="-1" dirty="0" smtClean="0">
+                <a:solidFill>
+                  <a:srgbClr val="FFFFFF"/>
+                </a:solidFill>
+                <a:uFill>
+                  <a:solidFill>
+                    <a:srgbClr val="FFFFFF"/>
+                  </a:solidFill>
+                </a:uFill>
+                <a:latin typeface="Calisto MT"/>
+              </a:rPr>
+              <a:t>.</a:t>
+            </a:r>
+            <a:endParaRPr lang="en-US" sz="2000" strike="noStrike" spc="-1" dirty="0">
+              <a:solidFill>
+                <a:srgbClr val="FFFFFF"/>
+              </a:solidFill>
+              <a:uFill>
+                <a:solidFill>
+                  <a:srgbClr val="FFFFFF"/>
                 </a:solidFill>
               </a:uFill>
               <a:latin typeface="Calisto MT"/>
@@ -6503,22 +7957,25 @@
       </p:sp>
     </p:spTree>
   </p:cSld>
+  <p:clrMapOvr>
+    <a:masterClrMapping/>
+  </p:clrMapOvr>
   <p:timing>
     <p:tnLst>
       <p:par>
-        <p:cTn id="11" dur="indefinite" restart="never" nodeType="tmRoot">
+        <p:cTn id="1" dur="indefinite" restart="never" nodeType="tmRoot">
           <p:childTnLst>
             <p:seq>
-              <p:cTn id="12" nodeType="mainSeq"/>
+              <p:cTn id="2" nodeType="mainSeq"/>
               <p:prevCondLst>
-                <p:cond delay="0" evt="onPrev">
+                <p:cond evt="onPrev" delay="0">
                   <p:tgtEl>
                     <p:sldTgt/>
                   </p:tgtEl>
                 </p:cond>
               </p:prevCondLst>
               <p:nextCondLst>
-                <p:cond delay="0" evt="onNext">
+                <p:cond evt="onNext" delay="0">
                   <p:tgtEl>
                     <p:sldTgt/>
                   </p:tgtEl>
@@ -6534,7 +7991,7 @@
 </file>
 
 <file path=ppt/slides/slide7.xml><?xml version="1.0" encoding="utf-8"?>
-<p:sld xmlns:a="http://schemas.openxmlformats.org/drawingml/2006/main" xmlns:p="http://schemas.openxmlformats.org/presentationml/2006/main" xmlns:r="http://schemas.openxmlformats.org/officeDocument/2006/relationships">
+<p:sld xmlns:a="http://schemas.openxmlformats.org/drawingml/2006/main" xmlns:r="http://schemas.openxmlformats.org/officeDocument/2006/relationships" xmlns:p="http://schemas.openxmlformats.org/presentationml/2006/main">
   <p:cSld>
     <p:spTree>
       <p:nvGrpSpPr>
@@ -6571,6 +8028,7 @@
         </p:spPr>
         <p:txBody>
           <a:bodyPr anchor="ctr"/>
+          <a:lstStyle/>
           <a:p>
             <a:pPr algn="ctr">
               <a:lnSpc>
@@ -6578,26 +8036,26 @@
               </a:lnSpc>
             </a:pPr>
             <a:r>
-              <a:rPr lang="en-US" sz="4800" spc="-1" strike="noStrike">
-                <a:solidFill>
-                  <a:srgbClr val="ffffff"/>
-                </a:solidFill>
-                <a:uFill>
-                  <a:solidFill>
-                    <a:srgbClr val="ffffff"/>
+              <a:rPr lang="en-US" sz="4800" strike="noStrike" spc="-1">
+                <a:solidFill>
+                  <a:srgbClr val="FFFFFF"/>
+                </a:solidFill>
+                <a:uFill>
+                  <a:solidFill>
+                    <a:srgbClr val="FFFFFF"/>
                   </a:solidFill>
                 </a:uFill>
                 <a:latin typeface="Calisto MT"/>
               </a:rPr>
               <a:t>Special case of Player vs Player</a:t>
             </a:r>
-            <a:endParaRPr lang="en-US" sz="1800" spc="-1" strike="noStrike">
-              <a:solidFill>
-                <a:srgbClr val="ffffff"/>
-              </a:solidFill>
-              <a:uFill>
-                <a:solidFill>
-                  <a:srgbClr val="ffffff"/>
+            <a:endParaRPr lang="en-US" sz="1800" strike="noStrike" spc="-1">
+              <a:solidFill>
+                <a:srgbClr val="FFFFFF"/>
+              </a:solidFill>
+              <a:uFill>
+                <a:solidFill>
+                  <a:srgbClr val="FFFFFF"/>
                 </a:solidFill>
               </a:uFill>
               <a:latin typeface="Calisto MT"/>
@@ -6626,167 +8084,205 @@
         </p:spPr>
         <p:txBody>
           <a:bodyPr/>
-          <a:p>
-            <a:pPr marL="343080" indent="-342720">
+          <a:lstStyle/>
+          <a:p>
+            <a:pPr marL="343260" indent="-342900">
               <a:lnSpc>
                 <a:spcPct val="100000"/>
               </a:lnSpc>
-              <a:buBlip>
-                <a:blip r:embed="rId1"/>
-              </a:buBlip>
-            </a:pPr>
-            <a:r>
-              <a:rPr lang="en-US" sz="2200" spc="-1" strike="noStrike">
-                <a:solidFill>
-                  <a:srgbClr val="ffffff"/>
-                </a:solidFill>
-                <a:uFill>
-                  <a:solidFill>
-                    <a:srgbClr val="ffffff"/>
-                  </a:solidFill>
-                </a:uFill>
-                <a:latin typeface="Calisto MT"/>
-              </a:rPr>
-              <a:t>Player vs Player:</a:t>
-            </a:r>
-            <a:endParaRPr lang="en-US" sz="2200" spc="-1" strike="noStrike">
-              <a:solidFill>
-                <a:srgbClr val="ffffff"/>
-              </a:solidFill>
-              <a:uFill>
-                <a:solidFill>
-                  <a:srgbClr val="ffffff"/>
-                </a:solidFill>
-              </a:uFill>
-              <a:latin typeface="Calisto MT"/>
-            </a:endParaRPr>
-          </a:p>
-          <a:p>
-            <a:pPr lvl="5" marL="2055960" indent="-336240">
-              <a:lnSpc>
-                <a:spcPct val="100000"/>
-              </a:lnSpc>
-              <a:buBlip>
-                <a:blip r:embed="rId2"/>
-              </a:buBlip>
-            </a:pPr>
-            <a:r>
-              <a:rPr lang="en-US" sz="2800" spc="-1" strike="noStrike">
-                <a:solidFill>
-                  <a:srgbClr val="ffffff"/>
-                </a:solidFill>
-                <a:uFill>
-                  <a:solidFill>
-                    <a:srgbClr val="ffffff"/>
-                  </a:solidFill>
-                </a:uFill>
-                <a:latin typeface="Calisto MT"/>
-              </a:rPr>
-              <a:t>Log in and choose PvP.</a:t>
-            </a:r>
-            <a:endParaRPr lang="en-US" sz="2000" spc="-1" strike="noStrike">
-              <a:solidFill>
-                <a:srgbClr val="ffffff"/>
-              </a:solidFill>
-              <a:uFill>
-                <a:solidFill>
-                  <a:srgbClr val="ffffff"/>
-                </a:solidFill>
-              </a:uFill>
-              <a:latin typeface="Calisto MT"/>
-            </a:endParaRPr>
-          </a:p>
-          <a:p>
-            <a:endParaRPr lang="en-US" sz="2200" spc="-1" strike="noStrike">
-              <a:solidFill>
-                <a:srgbClr val="ffffff"/>
-              </a:solidFill>
-              <a:uFill>
-                <a:solidFill>
-                  <a:srgbClr val="ffffff"/>
-                </a:solidFill>
-              </a:uFill>
-              <a:latin typeface="Calisto MT"/>
-            </a:endParaRPr>
-          </a:p>
-          <a:p>
-            <a:pPr lvl="5" marL="2055960" indent="-336240">
-              <a:lnSpc>
-                <a:spcPct val="100000"/>
-              </a:lnSpc>
-              <a:buBlip>
-                <a:blip r:embed="rId3"/>
-              </a:buBlip>
-            </a:pPr>
-            <a:r>
-              <a:rPr lang="en-US" sz="2800" spc="-1" strike="noStrike">
-                <a:solidFill>
-                  <a:srgbClr val="ffffff"/>
-                </a:solidFill>
-                <a:uFill>
-                  <a:solidFill>
-                    <a:srgbClr val="ffffff"/>
+              <a:buFont typeface="Arial" panose="020B0604020202020204" pitchFamily="34" charset="0"/>
+              <a:buChar char="•"/>
+            </a:pPr>
+            <a:r>
+              <a:rPr lang="en-US" sz="2800" strike="noStrike" spc="-1" dirty="0">
+                <a:solidFill>
+                  <a:srgbClr val="FFFFFF"/>
+                </a:solidFill>
+                <a:uFill>
+                  <a:solidFill>
+                    <a:srgbClr val="FFFFFF"/>
+                  </a:solidFill>
+                </a:uFill>
+                <a:latin typeface="Calisto MT"/>
+              </a:rPr>
+              <a:t>Player vs Player</a:t>
+            </a:r>
+            <a:r>
+              <a:rPr lang="en-US" sz="2800" strike="noStrike" spc="-1" dirty="0" smtClean="0">
+                <a:solidFill>
+                  <a:srgbClr val="FFFFFF"/>
+                </a:solidFill>
+                <a:uFill>
+                  <a:solidFill>
+                    <a:srgbClr val="FFFFFF"/>
+                  </a:solidFill>
+                </a:uFill>
+                <a:latin typeface="Calisto MT"/>
+              </a:rPr>
+              <a:t>:</a:t>
+            </a:r>
+            <a:endParaRPr lang="en-US" sz="2800" strike="noStrike" spc="-1" dirty="0">
+              <a:solidFill>
+                <a:srgbClr val="FFFFFF"/>
+              </a:solidFill>
+              <a:uFill>
+                <a:solidFill>
+                  <a:srgbClr val="FFFFFF"/>
+                </a:solidFill>
+              </a:uFill>
+              <a:latin typeface="Calisto MT"/>
+            </a:endParaRPr>
+          </a:p>
+          <a:p>
+            <a:pPr marL="1262520" lvl="3" indent="-457200">
+              <a:buFont typeface="Arial" panose="020B0604020202020204" pitchFamily="34" charset="0"/>
+              <a:buChar char="•"/>
+            </a:pPr>
+            <a:r>
+              <a:rPr lang="en-US" sz="2800" strike="noStrike" spc="-1" dirty="0">
+                <a:solidFill>
+                  <a:srgbClr val="FFFFFF"/>
+                </a:solidFill>
+                <a:uFill>
+                  <a:solidFill>
+                    <a:srgbClr val="FFFFFF"/>
+                  </a:solidFill>
+                </a:uFill>
+                <a:latin typeface="Calisto MT"/>
+              </a:rPr>
+              <a:t>Log in and choose </a:t>
+            </a:r>
+            <a:r>
+              <a:rPr lang="en-US" sz="2800" strike="noStrike" spc="-1" dirty="0" err="1">
+                <a:solidFill>
+                  <a:srgbClr val="FFFFFF"/>
+                </a:solidFill>
+                <a:uFill>
+                  <a:solidFill>
+                    <a:srgbClr val="FFFFFF"/>
+                  </a:solidFill>
+                </a:uFill>
+                <a:latin typeface="Calisto MT"/>
+              </a:rPr>
+              <a:t>PvP</a:t>
+            </a:r>
+            <a:r>
+              <a:rPr lang="en-US" sz="2800" strike="noStrike" spc="-1" dirty="0">
+                <a:solidFill>
+                  <a:srgbClr val="FFFFFF"/>
+                </a:solidFill>
+                <a:uFill>
+                  <a:solidFill>
+                    <a:srgbClr val="FFFFFF"/>
+                  </a:solidFill>
+                </a:uFill>
+                <a:latin typeface="Calisto MT"/>
+              </a:rPr>
+              <a:t>.</a:t>
+            </a:r>
+            <a:endParaRPr lang="en-US" sz="2000" strike="noStrike" spc="-1" dirty="0">
+              <a:solidFill>
+                <a:srgbClr val="FFFFFF"/>
+              </a:solidFill>
+              <a:uFill>
+                <a:solidFill>
+                  <a:srgbClr val="FFFFFF"/>
+                </a:solidFill>
+              </a:uFill>
+              <a:latin typeface="Calisto MT"/>
+            </a:endParaRPr>
+          </a:p>
+          <a:p>
+            <a:pPr marL="342900" indent="-342900">
+              <a:buFont typeface="Arial" panose="020B0604020202020204" pitchFamily="34" charset="0"/>
+              <a:buChar char="•"/>
+            </a:pPr>
+            <a:endParaRPr lang="en-US" sz="2200" strike="noStrike" spc="-1" dirty="0">
+              <a:solidFill>
+                <a:srgbClr val="FFFFFF"/>
+              </a:solidFill>
+              <a:uFill>
+                <a:solidFill>
+                  <a:srgbClr val="FFFFFF"/>
+                </a:solidFill>
+              </a:uFill>
+              <a:latin typeface="Calisto MT"/>
+            </a:endParaRPr>
+          </a:p>
+          <a:p>
+            <a:pPr marL="1262520" lvl="3" indent="-457200">
+              <a:buFont typeface="Arial" panose="020B0604020202020204" pitchFamily="34" charset="0"/>
+              <a:buChar char="•"/>
+            </a:pPr>
+            <a:r>
+              <a:rPr lang="en-US" sz="2800" strike="noStrike" spc="-1" dirty="0">
+                <a:solidFill>
+                  <a:srgbClr val="FFFFFF"/>
+                </a:solidFill>
+                <a:uFill>
+                  <a:solidFill>
+                    <a:srgbClr val="FFFFFF"/>
                   </a:solidFill>
                 </a:uFill>
                 <a:latin typeface="Calisto MT"/>
               </a:rPr>
               <a:t>Game starts as Player vs Player.</a:t>
             </a:r>
-            <a:endParaRPr lang="en-US" sz="2000" spc="-1" strike="noStrike">
-              <a:solidFill>
-                <a:srgbClr val="ffffff"/>
-              </a:solidFill>
-              <a:uFill>
-                <a:solidFill>
-                  <a:srgbClr val="ffffff"/>
-                </a:solidFill>
-              </a:uFill>
-              <a:latin typeface="Calisto MT"/>
-            </a:endParaRPr>
-          </a:p>
-          <a:p>
-            <a:endParaRPr lang="en-US" sz="2200" spc="-1" strike="noStrike">
-              <a:solidFill>
-                <a:srgbClr val="ffffff"/>
-              </a:solidFill>
-              <a:uFill>
-                <a:solidFill>
-                  <a:srgbClr val="ffffff"/>
-                </a:solidFill>
-              </a:uFill>
-              <a:latin typeface="Calisto MT"/>
-            </a:endParaRPr>
-          </a:p>
-          <a:p>
-            <a:pPr lvl="5" marL="2055960" indent="-336240">
-              <a:lnSpc>
-                <a:spcPct val="100000"/>
-              </a:lnSpc>
-              <a:buBlip>
-                <a:blip r:embed="rId4"/>
-              </a:buBlip>
-            </a:pPr>
-            <a:r>
-              <a:rPr lang="en-US" sz="2800" spc="-1" strike="noStrike">
-                <a:solidFill>
-                  <a:srgbClr val="ffffff"/>
-                </a:solidFill>
-                <a:uFill>
-                  <a:solidFill>
-                    <a:srgbClr val="ffffff"/>
+            <a:endParaRPr lang="en-US" sz="2000" strike="noStrike" spc="-1" dirty="0">
+              <a:solidFill>
+                <a:srgbClr val="FFFFFF"/>
+              </a:solidFill>
+              <a:uFill>
+                <a:solidFill>
+                  <a:srgbClr val="FFFFFF"/>
+                </a:solidFill>
+              </a:uFill>
+              <a:latin typeface="Calisto MT"/>
+            </a:endParaRPr>
+          </a:p>
+          <a:p>
+            <a:pPr marL="342900" indent="-342900">
+              <a:buFont typeface="Arial" panose="020B0604020202020204" pitchFamily="34" charset="0"/>
+              <a:buChar char="•"/>
+            </a:pPr>
+            <a:endParaRPr lang="en-US" sz="2200" strike="noStrike" spc="-1" dirty="0">
+              <a:solidFill>
+                <a:srgbClr val="FFFFFF"/>
+              </a:solidFill>
+              <a:uFill>
+                <a:solidFill>
+                  <a:srgbClr val="FFFFFF"/>
+                </a:solidFill>
+              </a:uFill>
+              <a:latin typeface="Calisto MT"/>
+            </a:endParaRPr>
+          </a:p>
+          <a:p>
+            <a:pPr marL="1262520" lvl="3" indent="-457200">
+              <a:buFont typeface="Arial" panose="020B0604020202020204" pitchFamily="34" charset="0"/>
+              <a:buChar char="•"/>
+            </a:pPr>
+            <a:r>
+              <a:rPr lang="en-US" sz="2800" strike="noStrike" spc="-1" dirty="0">
+                <a:solidFill>
+                  <a:srgbClr val="FFFFFF"/>
+                </a:solidFill>
+                <a:uFill>
+                  <a:solidFill>
+                    <a:srgbClr val="FFFFFF"/>
                   </a:solidFill>
                 </a:uFill>
                 <a:latin typeface="Calisto MT"/>
               </a:rPr>
               <a:t>Update the score as squares connect.</a:t>
             </a:r>
-            <a:endParaRPr lang="en-US" sz="2000" spc="-1" strike="noStrike">
-              <a:solidFill>
-                <a:srgbClr val="ffffff"/>
-              </a:solidFill>
-              <a:uFill>
-                <a:solidFill>
-                  <a:srgbClr val="ffffff"/>
+            <a:endParaRPr lang="en-US" sz="2000" strike="noStrike" spc="-1" dirty="0">
+              <a:solidFill>
+                <a:srgbClr val="FFFFFF"/>
+              </a:solidFill>
+              <a:uFill>
+                <a:solidFill>
+                  <a:srgbClr val="FFFFFF"/>
                 </a:solidFill>
               </a:uFill>
               <a:latin typeface="Calisto MT"/>
@@ -6796,22 +8292,25 @@
       </p:sp>
     </p:spTree>
   </p:cSld>
+  <p:clrMapOvr>
+    <a:masterClrMapping/>
+  </p:clrMapOvr>
   <p:timing>
     <p:tnLst>
       <p:par>
-        <p:cTn id="13" dur="indefinite" restart="never" nodeType="tmRoot">
+        <p:cTn id="1" dur="indefinite" restart="never" nodeType="tmRoot">
           <p:childTnLst>
             <p:seq>
-              <p:cTn id="14" nodeType="mainSeq"/>
+              <p:cTn id="2" nodeType="mainSeq"/>
               <p:prevCondLst>
-                <p:cond delay="0" evt="onPrev">
+                <p:cond evt="onPrev" delay="0">
                   <p:tgtEl>
                     <p:sldTgt/>
                   </p:tgtEl>
                 </p:cond>
               </p:prevCondLst>
               <p:nextCondLst>
-                <p:cond delay="0" evt="onNext">
+                <p:cond evt="onNext" delay="0">
                   <p:tgtEl>
                     <p:sldTgt/>
                   </p:tgtEl>
@@ -6827,7 +8326,7 @@
 </file>
 
 <file path=ppt/slides/slide8.xml><?xml version="1.0" encoding="utf-8"?>
-<p:sld xmlns:a="http://schemas.openxmlformats.org/drawingml/2006/main" xmlns:p="http://schemas.openxmlformats.org/presentationml/2006/main" xmlns:r="http://schemas.openxmlformats.org/officeDocument/2006/relationships">
+<p:sld xmlns:a="http://schemas.openxmlformats.org/drawingml/2006/main" xmlns:r="http://schemas.openxmlformats.org/officeDocument/2006/relationships" xmlns:p="http://schemas.openxmlformats.org/presentationml/2006/main">
   <p:cSld>
     <p:spTree>
       <p:nvGrpSpPr>
@@ -6864,6 +8363,7 @@
         </p:spPr>
         <p:txBody>
           <a:bodyPr anchor="ctr"/>
+          <a:lstStyle/>
           <a:p>
             <a:pPr algn="ctr">
               <a:lnSpc>
@@ -6871,26 +8371,26 @@
               </a:lnSpc>
             </a:pPr>
             <a:r>
-              <a:rPr lang="en-US" sz="4300" spc="-1" strike="noStrike">
-                <a:solidFill>
-                  <a:srgbClr val="ffffff"/>
-                </a:solidFill>
-                <a:uFill>
-                  <a:solidFill>
-                    <a:srgbClr val="ffffff"/>
+              <a:rPr lang="en-US" sz="4300" strike="noStrike" spc="-1">
+                <a:solidFill>
+                  <a:srgbClr val="FFFFFF"/>
+                </a:solidFill>
+                <a:uFill>
+                  <a:solidFill>
+                    <a:srgbClr val="FFFFFF"/>
                   </a:solidFill>
                 </a:uFill>
                 <a:latin typeface="Calisto MT"/>
               </a:rPr>
               <a:t>Special case of Player vs AI</a:t>
             </a:r>
-            <a:endParaRPr lang="en-US" sz="1800" spc="-1" strike="noStrike">
-              <a:solidFill>
-                <a:srgbClr val="ffffff"/>
-              </a:solidFill>
-              <a:uFill>
-                <a:solidFill>
-                  <a:srgbClr val="ffffff"/>
+            <a:endParaRPr lang="en-US" sz="1800" strike="noStrike" spc="-1">
+              <a:solidFill>
+                <a:srgbClr val="FFFFFF"/>
+              </a:solidFill>
+              <a:uFill>
+                <a:solidFill>
+                  <a:srgbClr val="FFFFFF"/>
                 </a:solidFill>
               </a:uFill>
               <a:latin typeface="Calisto MT"/>
@@ -6919,167 +8419,180 @@
         </p:spPr>
         <p:txBody>
           <a:bodyPr/>
-          <a:p>
-            <a:pPr marL="343080" indent="-342720">
+          <a:lstStyle/>
+          <a:p>
+            <a:pPr marL="343260" indent="-342900">
               <a:lnSpc>
                 <a:spcPct val="100000"/>
               </a:lnSpc>
-              <a:buBlip>
-                <a:blip r:embed="rId1"/>
-              </a:buBlip>
-            </a:pPr>
-            <a:r>
-              <a:rPr lang="en-US" sz="2200" spc="-1" strike="noStrike">
-                <a:solidFill>
-                  <a:srgbClr val="ffffff"/>
-                </a:solidFill>
-                <a:uFill>
-                  <a:solidFill>
-                    <a:srgbClr val="ffffff"/>
+              <a:buFont typeface="Arial" panose="020B0604020202020204" pitchFamily="34" charset="0"/>
+              <a:buChar char="•"/>
+            </a:pPr>
+            <a:r>
+              <a:rPr lang="en-US" sz="2800" strike="noStrike" spc="-1" dirty="0">
+                <a:solidFill>
+                  <a:srgbClr val="FFFFFF"/>
+                </a:solidFill>
+                <a:uFill>
+                  <a:solidFill>
+                    <a:srgbClr val="FFFFFF"/>
                   </a:solidFill>
                 </a:uFill>
                 <a:latin typeface="Calisto MT"/>
               </a:rPr>
               <a:t>Player vs AI:</a:t>
             </a:r>
-            <a:endParaRPr lang="en-US" sz="2200" spc="-1" strike="noStrike">
-              <a:solidFill>
-                <a:srgbClr val="ffffff"/>
-              </a:solidFill>
-              <a:uFill>
-                <a:solidFill>
-                  <a:srgbClr val="ffffff"/>
-                </a:solidFill>
-              </a:uFill>
-              <a:latin typeface="Calisto MT"/>
-            </a:endParaRPr>
-          </a:p>
-          <a:p>
-            <a:pPr lvl="5" marL="2055960" indent="-336240">
-              <a:lnSpc>
-                <a:spcPct val="100000"/>
-              </a:lnSpc>
-              <a:buBlip>
-                <a:blip r:embed="rId2"/>
-              </a:buBlip>
-            </a:pPr>
-            <a:r>
-              <a:rPr lang="en-US" sz="2800" spc="-1" strike="noStrike">
-                <a:solidFill>
-                  <a:srgbClr val="ffffff"/>
-                </a:solidFill>
-                <a:uFill>
-                  <a:solidFill>
-                    <a:srgbClr val="ffffff"/>
-                  </a:solidFill>
-                </a:uFill>
-                <a:latin typeface="Calisto MT"/>
-              </a:rPr>
-              <a:t>Log in and choose PvE.</a:t>
-            </a:r>
-            <a:endParaRPr lang="en-US" sz="2000" spc="-1" strike="noStrike">
-              <a:solidFill>
-                <a:srgbClr val="ffffff"/>
-              </a:solidFill>
-              <a:uFill>
-                <a:solidFill>
-                  <a:srgbClr val="ffffff"/>
-                </a:solidFill>
-              </a:uFill>
-              <a:latin typeface="Calisto MT"/>
-            </a:endParaRPr>
-          </a:p>
-          <a:p>
-            <a:endParaRPr lang="en-US" sz="2200" spc="-1" strike="noStrike">
-              <a:solidFill>
-                <a:srgbClr val="ffffff"/>
-              </a:solidFill>
-              <a:uFill>
-                <a:solidFill>
-                  <a:srgbClr val="ffffff"/>
-                </a:solidFill>
-              </a:uFill>
-              <a:latin typeface="Calisto MT"/>
-            </a:endParaRPr>
-          </a:p>
-          <a:p>
-            <a:pPr lvl="5" marL="2055960" indent="-336240">
-              <a:lnSpc>
-                <a:spcPct val="100000"/>
-              </a:lnSpc>
-              <a:buBlip>
-                <a:blip r:embed="rId3"/>
-              </a:buBlip>
-            </a:pPr>
-            <a:r>
-              <a:rPr lang="en-US" sz="2800" spc="-1" strike="noStrike">
-                <a:solidFill>
-                  <a:srgbClr val="ffffff"/>
-                </a:solidFill>
-                <a:uFill>
-                  <a:solidFill>
-                    <a:srgbClr val="ffffff"/>
+          </a:p>
+          <a:p>
+            <a:pPr marL="1262520" lvl="3" indent="-457200">
+              <a:buFont typeface="Arial" panose="020B0604020202020204" pitchFamily="34" charset="0"/>
+              <a:buChar char="•"/>
+            </a:pPr>
+            <a:r>
+              <a:rPr lang="en-US" sz="2800" strike="noStrike" spc="-1" dirty="0">
+                <a:solidFill>
+                  <a:srgbClr val="FFFFFF"/>
+                </a:solidFill>
+                <a:uFill>
+                  <a:solidFill>
+                    <a:srgbClr val="FFFFFF"/>
+                  </a:solidFill>
+                </a:uFill>
+                <a:latin typeface="Calisto MT"/>
+              </a:rPr>
+              <a:t>Log in and choose </a:t>
+            </a:r>
+            <a:r>
+              <a:rPr lang="en-US" sz="2800" strike="noStrike" spc="-1" dirty="0" err="1">
+                <a:solidFill>
+                  <a:srgbClr val="FFFFFF"/>
+                </a:solidFill>
+                <a:uFill>
+                  <a:solidFill>
+                    <a:srgbClr val="FFFFFF"/>
+                  </a:solidFill>
+                </a:uFill>
+                <a:latin typeface="Calisto MT"/>
+              </a:rPr>
+              <a:t>PvE</a:t>
+            </a:r>
+            <a:r>
+              <a:rPr lang="en-US" sz="2800" strike="noStrike" spc="-1" dirty="0">
+                <a:solidFill>
+                  <a:srgbClr val="FFFFFF"/>
+                </a:solidFill>
+                <a:uFill>
+                  <a:solidFill>
+                    <a:srgbClr val="FFFFFF"/>
+                  </a:solidFill>
+                </a:uFill>
+                <a:latin typeface="Calisto MT"/>
+              </a:rPr>
+              <a:t>.</a:t>
+            </a:r>
+            <a:endParaRPr lang="en-US" sz="2000" strike="noStrike" spc="-1" dirty="0">
+              <a:solidFill>
+                <a:srgbClr val="FFFFFF"/>
+              </a:solidFill>
+              <a:uFill>
+                <a:solidFill>
+                  <a:srgbClr val="FFFFFF"/>
+                </a:solidFill>
+              </a:uFill>
+              <a:latin typeface="Calisto MT"/>
+            </a:endParaRPr>
+          </a:p>
+          <a:p>
+            <a:pPr marL="342900" indent="-342900">
+              <a:buFont typeface="Arial" panose="020B0604020202020204" pitchFamily="34" charset="0"/>
+              <a:buChar char="•"/>
+            </a:pPr>
+            <a:endParaRPr lang="en-US" sz="2200" strike="noStrike" spc="-1" dirty="0">
+              <a:solidFill>
+                <a:srgbClr val="FFFFFF"/>
+              </a:solidFill>
+              <a:uFill>
+                <a:solidFill>
+                  <a:srgbClr val="FFFFFF"/>
+                </a:solidFill>
+              </a:uFill>
+              <a:latin typeface="Calisto MT"/>
+            </a:endParaRPr>
+          </a:p>
+          <a:p>
+            <a:pPr marL="1262520" lvl="3" indent="-457200">
+              <a:buFont typeface="Arial" panose="020B0604020202020204" pitchFamily="34" charset="0"/>
+              <a:buChar char="•"/>
+            </a:pPr>
+            <a:r>
+              <a:rPr lang="en-US" sz="2800" strike="noStrike" spc="-1" dirty="0">
+                <a:solidFill>
+                  <a:srgbClr val="FFFFFF"/>
+                </a:solidFill>
+                <a:uFill>
+                  <a:solidFill>
+                    <a:srgbClr val="FFFFFF"/>
                   </a:solidFill>
                 </a:uFill>
                 <a:latin typeface="Calisto MT"/>
               </a:rPr>
               <a:t>Game starts as Player vs AI.</a:t>
             </a:r>
-            <a:endParaRPr lang="en-US" sz="2000" spc="-1" strike="noStrike">
-              <a:solidFill>
-                <a:srgbClr val="ffffff"/>
-              </a:solidFill>
-              <a:uFill>
-                <a:solidFill>
-                  <a:srgbClr val="ffffff"/>
-                </a:solidFill>
-              </a:uFill>
-              <a:latin typeface="Calisto MT"/>
-            </a:endParaRPr>
-          </a:p>
-          <a:p>
-            <a:endParaRPr lang="en-US" sz="2200" spc="-1" strike="noStrike">
-              <a:solidFill>
-                <a:srgbClr val="ffffff"/>
-              </a:solidFill>
-              <a:uFill>
-                <a:solidFill>
-                  <a:srgbClr val="ffffff"/>
-                </a:solidFill>
-              </a:uFill>
-              <a:latin typeface="Calisto MT"/>
-            </a:endParaRPr>
-          </a:p>
-          <a:p>
-            <a:pPr lvl="5" marL="2055960" indent="-336240">
-              <a:lnSpc>
-                <a:spcPct val="100000"/>
-              </a:lnSpc>
-              <a:buBlip>
-                <a:blip r:embed="rId4"/>
-              </a:buBlip>
-            </a:pPr>
-            <a:r>
-              <a:rPr lang="en-US" sz="2800" spc="-1" strike="noStrike">
-                <a:solidFill>
-                  <a:srgbClr val="ffffff"/>
-                </a:solidFill>
-                <a:uFill>
-                  <a:solidFill>
-                    <a:srgbClr val="ffffff"/>
+            <a:endParaRPr lang="en-US" sz="2000" strike="noStrike" spc="-1" dirty="0">
+              <a:solidFill>
+                <a:srgbClr val="FFFFFF"/>
+              </a:solidFill>
+              <a:uFill>
+                <a:solidFill>
+                  <a:srgbClr val="FFFFFF"/>
+                </a:solidFill>
+              </a:uFill>
+              <a:latin typeface="Calisto MT"/>
+            </a:endParaRPr>
+          </a:p>
+          <a:p>
+            <a:pPr marL="342900" indent="-342900">
+              <a:buFont typeface="Arial" panose="020B0604020202020204" pitchFamily="34" charset="0"/>
+              <a:buChar char="•"/>
+            </a:pPr>
+            <a:endParaRPr lang="en-US" sz="2200" strike="noStrike" spc="-1" dirty="0">
+              <a:solidFill>
+                <a:srgbClr val="FFFFFF"/>
+              </a:solidFill>
+              <a:uFill>
+                <a:solidFill>
+                  <a:srgbClr val="FFFFFF"/>
+                </a:solidFill>
+              </a:uFill>
+              <a:latin typeface="Calisto MT"/>
+            </a:endParaRPr>
+          </a:p>
+          <a:p>
+            <a:pPr marL="1262520" lvl="3" indent="-457200">
+              <a:buFont typeface="Arial" panose="020B0604020202020204" pitchFamily="34" charset="0"/>
+              <a:buChar char="•"/>
+            </a:pPr>
+            <a:r>
+              <a:rPr lang="en-US" sz="2800" strike="noStrike" spc="-1" dirty="0">
+                <a:solidFill>
+                  <a:srgbClr val="FFFFFF"/>
+                </a:solidFill>
+                <a:uFill>
+                  <a:solidFill>
+                    <a:srgbClr val="FFFFFF"/>
                   </a:solidFill>
                 </a:uFill>
                 <a:latin typeface="Calisto MT"/>
               </a:rPr>
               <a:t>Update the score as squares connect.</a:t>
             </a:r>
-            <a:endParaRPr lang="en-US" sz="2000" spc="-1" strike="noStrike">
-              <a:solidFill>
-                <a:srgbClr val="ffffff"/>
-              </a:solidFill>
-              <a:uFill>
-                <a:solidFill>
-                  <a:srgbClr val="ffffff"/>
+            <a:endParaRPr lang="en-US" sz="2000" strike="noStrike" spc="-1" dirty="0">
+              <a:solidFill>
+                <a:srgbClr val="FFFFFF"/>
+              </a:solidFill>
+              <a:uFill>
+                <a:solidFill>
+                  <a:srgbClr val="FFFFFF"/>
                 </a:solidFill>
               </a:uFill>
               <a:latin typeface="Calisto MT"/>
@@ -7091,13 +8604,13 @@
                 <a:spcPct val="100000"/>
               </a:lnSpc>
             </a:pPr>
-            <a:endParaRPr lang="en-US" sz="2200" spc="-1" strike="noStrike">
-              <a:solidFill>
-                <a:srgbClr val="ffffff"/>
-              </a:solidFill>
-              <a:uFill>
-                <a:solidFill>
-                  <a:srgbClr val="ffffff"/>
+            <a:endParaRPr lang="en-US" sz="2200" strike="noStrike" spc="-1" dirty="0">
+              <a:solidFill>
+                <a:srgbClr val="FFFFFF"/>
+              </a:solidFill>
+              <a:uFill>
+                <a:solidFill>
+                  <a:srgbClr val="FFFFFF"/>
                 </a:solidFill>
               </a:uFill>
               <a:latin typeface="Calisto MT"/>
@@ -7107,22 +8620,25 @@
       </p:sp>
     </p:spTree>
   </p:cSld>
+  <p:clrMapOvr>
+    <a:masterClrMapping/>
+  </p:clrMapOvr>
   <p:timing>
     <p:tnLst>
       <p:par>
-        <p:cTn id="15" dur="indefinite" restart="never" nodeType="tmRoot">
+        <p:cTn id="1" dur="indefinite" restart="never" nodeType="tmRoot">
           <p:childTnLst>
             <p:seq>
-              <p:cTn id="16" nodeType="mainSeq"/>
+              <p:cTn id="2" nodeType="mainSeq"/>
               <p:prevCondLst>
-                <p:cond delay="0" evt="onPrev">
+                <p:cond evt="onPrev" delay="0">
                   <p:tgtEl>
                     <p:sldTgt/>
                   </p:tgtEl>
                 </p:cond>
               </p:prevCondLst>
               <p:nextCondLst>
-                <p:cond delay="0" evt="onNext">
+                <p:cond evt="onNext" delay="0">
                   <p:tgtEl>
                     <p:sldTgt/>
                   </p:tgtEl>
@@ -7138,7 +8654,7 @@
 </file>
 
 <file path=ppt/slides/slide9.xml><?xml version="1.0" encoding="utf-8"?>
-<p:sld xmlns:a="http://schemas.openxmlformats.org/drawingml/2006/main" xmlns:p="http://schemas.openxmlformats.org/presentationml/2006/main" xmlns:r="http://schemas.openxmlformats.org/officeDocument/2006/relationships">
+<p:sld xmlns:a="http://schemas.openxmlformats.org/drawingml/2006/main" xmlns:r="http://schemas.openxmlformats.org/officeDocument/2006/relationships" xmlns:p="http://schemas.openxmlformats.org/presentationml/2006/main">
   <p:cSld>
     <p:spTree>
       <p:nvGrpSpPr>
@@ -7175,6 +8691,7 @@
         </p:spPr>
         <p:txBody>
           <a:bodyPr anchor="ctr"/>
+          <a:lstStyle/>
           <a:p>
             <a:pPr algn="ctr">
               <a:lnSpc>
@@ -7182,26 +8699,26 @@
               </a:lnSpc>
             </a:pPr>
             <a:r>
-              <a:rPr lang="en-US" sz="4800" spc="-1" strike="noStrike">
-                <a:solidFill>
-                  <a:srgbClr val="ffffff"/>
-                </a:solidFill>
-                <a:uFill>
-                  <a:solidFill>
-                    <a:srgbClr val="ffffff"/>
+              <a:rPr lang="en-US" sz="4800" strike="noStrike" spc="-1">
+                <a:solidFill>
+                  <a:srgbClr val="FFFFFF"/>
+                </a:solidFill>
+                <a:uFill>
+                  <a:solidFill>
+                    <a:srgbClr val="FFFFFF"/>
                   </a:solidFill>
                 </a:uFill>
                 <a:latin typeface="Calisto MT"/>
               </a:rPr>
               <a:t>Game flow diagram</a:t>
             </a:r>
-            <a:endParaRPr lang="en-US" sz="1800" spc="-1" strike="noStrike">
-              <a:solidFill>
-                <a:srgbClr val="ffffff"/>
-              </a:solidFill>
-              <a:uFill>
-                <a:solidFill>
-                  <a:srgbClr val="ffffff"/>
+            <a:endParaRPr lang="en-US" sz="1800" strike="noStrike" spc="-1">
+              <a:solidFill>
+                <a:srgbClr val="FFFFFF"/>
+              </a:solidFill>
+              <a:uFill>
+                <a:solidFill>
+                  <a:srgbClr val="FFFFFF"/>
                 </a:solidFill>
               </a:uFill>
               <a:latin typeface="Calisto MT"/>
@@ -7211,12 +8728,12 @@
       </p:sp>
       <p:pic>
         <p:nvPicPr>
-          <p:cNvPr id="100" name="Content Placeholder 3" descr=""/>
+          <p:cNvPr id="100" name="Content Placeholder 3"/>
           <p:cNvPicPr/>
           <p:nvPr/>
         </p:nvPicPr>
         <p:blipFill>
-          <a:blip r:embed="rId1"/>
+          <a:blip r:embed="rId2"/>
           <a:stretch/>
         </p:blipFill>
         <p:spPr>
@@ -7234,22 +8751,25 @@
       </p:pic>
     </p:spTree>
   </p:cSld>
+  <p:clrMapOvr>
+    <a:masterClrMapping/>
+  </p:clrMapOvr>
   <p:timing>
     <p:tnLst>
       <p:par>
-        <p:cTn id="17" dur="indefinite" restart="never" nodeType="tmRoot">
+        <p:cTn id="1" dur="indefinite" restart="never" nodeType="tmRoot">
           <p:childTnLst>
             <p:seq>
-              <p:cTn id="18" nodeType="mainSeq"/>
+              <p:cTn id="2" nodeType="mainSeq"/>
               <p:prevCondLst>
-                <p:cond delay="0" evt="onPrev">
+                <p:cond evt="onPrev" delay="0">
                   <p:tgtEl>
                     <p:sldTgt/>
                   </p:tgtEl>
                 </p:cond>
               </p:prevCondLst>
               <p:nextCondLst>
-                <p:cond delay="0" evt="onNext">
+                <p:cond evt="onNext" delay="0">
                   <p:tgtEl>
                     <p:sldTgt/>
                   </p:tgtEl>
@@ -7484,6 +9004,8 @@
       </a:bgFillStyleLst>
     </a:fmtScheme>
   </a:themeElements>
+  <a:objectDefaults/>
+  <a:extraClrSchemeLst/>
 </a:theme>
 </file>
 
@@ -7707,6 +9229,8 @@
       </a:bgFillStyleLst>
     </a:fmtScheme>
   </a:themeElements>
+  <a:objectDefaults/>
+  <a:extraClrSchemeLst/>
 </a:theme>
 </file>
 
@@ -7930,5 +9454,7 @@
       </a:bgFillStyleLst>
     </a:fmtScheme>
   </a:themeElements>
+  <a:objectDefaults/>
+  <a:extraClrSchemeLst/>
 </a:theme>
 </file>
--- a/Power Point Presentation.pptx
+++ b/Power Point Presentation.pptx
@@ -43,7 +43,7 @@
       </p:grpSpPr>
       <p:sp>
         <p:nvSpPr>
-          <p:cNvPr id="78" name="PlaceHolder 1"/>
+          <p:cNvPr id="72" name="PlaceHolder 1"/>
           <p:cNvSpPr>
             <a:spLocks noGrp="1"/>
           </p:cNvSpPr>
@@ -93,7 +93,7 @@
       </p:sp>
       <p:sp>
         <p:nvSpPr>
-          <p:cNvPr id="79" name="PlaceHolder 2"/>
+          <p:cNvPr id="73" name="PlaceHolder 2"/>
           <p:cNvSpPr>
             <a:spLocks noGrp="1"/>
           </p:cNvSpPr>
@@ -143,7 +143,7 @@
       </p:sp>
       <p:sp>
         <p:nvSpPr>
-          <p:cNvPr id="80" name="PlaceHolder 3"/>
+          <p:cNvPr id="74" name="PlaceHolder 3"/>
           <p:cNvSpPr>
             <a:spLocks noGrp="1"/>
           </p:cNvSpPr>
@@ -194,7 +194,7 @@
       </p:sp>
       <p:sp>
         <p:nvSpPr>
-          <p:cNvPr id="81" name="PlaceHolder 4"/>
+          <p:cNvPr id="75" name="PlaceHolder 4"/>
           <p:cNvSpPr>
             <a:spLocks noGrp="1"/>
           </p:cNvSpPr>
@@ -244,7 +244,7 @@
       </p:sp>
       <p:sp>
         <p:nvSpPr>
-          <p:cNvPr id="82" name="PlaceHolder 5"/>
+          <p:cNvPr id="76" name="PlaceHolder 5"/>
           <p:cNvSpPr>
             <a:spLocks noGrp="1"/>
           </p:cNvSpPr>
@@ -265,7 +265,7 @@
           <a:bodyPr lIns="0" rIns="0" tIns="0" bIns="0" anchor="b"/>
           <a:p>
             <a:pPr algn="r"/>
-            <a:fld id="{A1A364BA-A6EB-4F19-B99D-E777A881F82B}" type="slidenum">
+            <a:fld id="{DF9E51C6-AB8C-405C-BED9-7585A92FDE8F}" type="slidenum">
               <a:rPr lang="en-US" sz="1400" spc="-1" strike="noStrike">
                 <a:solidFill>
                   <a:srgbClr val="000000"/>
@@ -318,7 +318,7 @@
       </p:grpSpPr>
       <p:sp>
         <p:nvSpPr>
-          <p:cNvPr id="101" name="PlaceHolder 1"/>
+          <p:cNvPr id="95" name="PlaceHolder 1"/>
           <p:cNvSpPr>
             <a:spLocks noGrp="1"/>
           </p:cNvSpPr>
@@ -329,16 +329,16 @@
         <p:spPr>
           <a:xfrm>
             <a:off x="685800" y="4343400"/>
-            <a:ext cx="5486040" cy="4114440"/>
-          </a:xfrm>
-          <a:prstGeom prst="rect">
-            <a:avLst/>
-          </a:prstGeom>
-        </p:spPr>
-        <p:txBody>
-          <a:bodyPr/>
-          <a:p>
-            <a:pPr>
+            <a:ext cx="5485320" cy="4113720"/>
+          </a:xfrm>
+          <a:prstGeom prst="rect">
+            <a:avLst/>
+          </a:prstGeom>
+        </p:spPr>
+        <p:txBody>
+          <a:bodyPr lIns="0" rIns="0" tIns="0" bIns="0"/>
+          <a:p>
+            <a:pPr marL="216000" indent="-215640">
               <a:lnSpc>
                 <a:spcPct val="100000"/>
               </a:lnSpc>
@@ -370,7 +370,7 @@
             </a:endParaRPr>
           </a:p>
           <a:p>
-            <a:pPr>
+            <a:pPr marL="216000" indent="-215640">
               <a:lnSpc>
                 <a:spcPct val="100000"/>
               </a:lnSpc>
@@ -402,7 +402,7 @@
             </a:endParaRPr>
           </a:p>
           <a:p>
-            <a:pPr>
+            <a:pPr marL="216000" indent="-215640">
               <a:lnSpc>
                 <a:spcPct val="100000"/>
               </a:lnSpc>
@@ -423,14 +423,14 @@
       </p:sp>
       <p:sp>
         <p:nvSpPr>
-          <p:cNvPr id="102" name="TextShape 2"/>
-          <p:cNvSpPr txBox="1"/>
+          <p:cNvPr id="96" name="CustomShape 2"/>
+          <p:cNvSpPr/>
           <p:nvPr/>
         </p:nvSpPr>
         <p:spPr>
           <a:xfrm>
             <a:off x="3884760" y="8685360"/>
-            <a:ext cx="2971440" cy="456840"/>
+            <a:ext cx="2970720" cy="456120"/>
           </a:xfrm>
           <a:prstGeom prst="rect">
             <a:avLst/>
@@ -440,15 +440,21 @@
             <a:noFill/>
           </a:ln>
         </p:spPr>
-        <p:txBody>
-          <a:bodyPr anchor="b"/>
+        <p:style>
+          <a:lnRef idx="0"/>
+          <a:fillRef idx="0"/>
+          <a:effectRef idx="0"/>
+          <a:fontRef idx="minor"/>
+        </p:style>
+        <p:txBody>
+          <a:bodyPr lIns="90000" rIns="90000" tIns="45000" bIns="45000" anchor="b"/>
           <a:p>
             <a:pPr algn="r">
               <a:lnSpc>
                 <a:spcPct val="100000"/>
               </a:lnSpc>
             </a:pPr>
-            <a:fld id="{61507815-42A9-41B9-923B-1026CB9BD3F7}" type="slidenum">
+            <a:fld id="{5109DCE1-4CA1-4804-9666-5C085ACFCEE5}" type="slidenum">
               <a:rPr lang="en-US" sz="1200" spc="-1" strike="noStrike">
                 <a:solidFill>
                   <a:srgbClr val="000000"/>
@@ -463,7 +469,7 @@
               </a:rPr>
               <a:t>&lt;number&gt;</a:t>
             </a:fld>
-            <a:endParaRPr lang="en-US" sz="1400" spc="-1" strike="noStrike">
+            <a:endParaRPr lang="en-US" sz="1800" spc="-1" strike="noStrike">
               <a:solidFill>
                 <a:srgbClr val="000000"/>
               </a:solidFill>
@@ -472,7 +478,7 @@
                   <a:srgbClr val="ffffff"/>
                 </a:solidFill>
               </a:uFill>
-              <a:latin typeface="Times New Roman"/>
+              <a:latin typeface="Arial"/>
             </a:endParaRPr>
           </a:p>
         </p:txBody>
@@ -501,7 +507,7 @@
       </p:grpSpPr>
       <p:sp>
         <p:nvSpPr>
-          <p:cNvPr id="103" name="PlaceHolder 1"/>
+          <p:cNvPr id="97" name="PlaceHolder 1"/>
           <p:cNvSpPr>
             <a:spLocks noGrp="1"/>
           </p:cNvSpPr>
@@ -512,16 +518,16 @@
         <p:spPr>
           <a:xfrm>
             <a:off x="685800" y="4343400"/>
-            <a:ext cx="5486040" cy="4114440"/>
-          </a:xfrm>
-          <a:prstGeom prst="rect">
-            <a:avLst/>
-          </a:prstGeom>
-        </p:spPr>
-        <p:txBody>
-          <a:bodyPr/>
-          <a:p>
-            <a:pPr>
+            <a:ext cx="5485320" cy="4113720"/>
+          </a:xfrm>
+          <a:prstGeom prst="rect">
+            <a:avLst/>
+          </a:prstGeom>
+        </p:spPr>
+        <p:txBody>
+          <a:bodyPr lIns="0" rIns="0" tIns="0" bIns="0"/>
+          <a:p>
+            <a:pPr marL="216000" indent="-215640">
               <a:lnSpc>
                 <a:spcPct val="100000"/>
               </a:lnSpc>
@@ -553,7 +559,7 @@
             </a:endParaRPr>
           </a:p>
           <a:p>
-            <a:pPr>
+            <a:pPr marL="216000" indent="-215640">
               <a:lnSpc>
                 <a:spcPct val="100000"/>
               </a:lnSpc>
@@ -585,7 +591,7 @@
             </a:endParaRPr>
           </a:p>
           <a:p>
-            <a:pPr>
+            <a:pPr marL="216000" indent="-215640">
               <a:lnSpc>
                 <a:spcPct val="100000"/>
               </a:lnSpc>
@@ -606,14 +612,14 @@
       </p:sp>
       <p:sp>
         <p:nvSpPr>
-          <p:cNvPr id="104" name="TextShape 2"/>
-          <p:cNvSpPr txBox="1"/>
+          <p:cNvPr id="98" name="CustomShape 2"/>
+          <p:cNvSpPr/>
           <p:nvPr/>
         </p:nvSpPr>
         <p:spPr>
           <a:xfrm>
             <a:off x="3884760" y="8685360"/>
-            <a:ext cx="2971440" cy="456840"/>
+            <a:ext cx="2970720" cy="456120"/>
           </a:xfrm>
           <a:prstGeom prst="rect">
             <a:avLst/>
@@ -623,15 +629,21 @@
             <a:noFill/>
           </a:ln>
         </p:spPr>
-        <p:txBody>
-          <a:bodyPr anchor="b"/>
+        <p:style>
+          <a:lnRef idx="0"/>
+          <a:fillRef idx="0"/>
+          <a:effectRef idx="0"/>
+          <a:fontRef idx="minor"/>
+        </p:style>
+        <p:txBody>
+          <a:bodyPr lIns="90000" rIns="90000" tIns="45000" bIns="45000" anchor="b"/>
           <a:p>
             <a:pPr algn="r">
               <a:lnSpc>
                 <a:spcPct val="100000"/>
               </a:lnSpc>
             </a:pPr>
-            <a:fld id="{DE8F7FE4-465C-40FD-85A8-4F73A1714D87}" type="slidenum">
+            <a:fld id="{3B287724-1ACF-4125-A17F-B3EE6D8A0358}" type="slidenum">
               <a:rPr lang="en-US" sz="1200" spc="-1" strike="noStrike">
                 <a:solidFill>
                   <a:srgbClr val="000000"/>
@@ -646,7 +658,7 @@
               </a:rPr>
               <a:t>&lt;number&gt;</a:t>
             </a:fld>
-            <a:endParaRPr lang="en-US" sz="1400" spc="-1" strike="noStrike">
+            <a:endParaRPr lang="en-US" sz="1800" spc="-1" strike="noStrike">
               <a:solidFill>
                 <a:srgbClr val="000000"/>
               </a:solidFill>
@@ -655,7 +667,7 @@
                   <a:srgbClr val="ffffff"/>
                 </a:solidFill>
               </a:uFill>
-              <a:latin typeface="Times New Roman"/>
+              <a:latin typeface="Arial"/>
             </a:endParaRPr>
           </a:p>
         </p:txBody>
@@ -684,7 +696,7 @@
       </p:grpSpPr>
       <p:sp>
         <p:nvSpPr>
-          <p:cNvPr id="105" name="PlaceHolder 1"/>
+          <p:cNvPr id="99" name="PlaceHolder 1"/>
           <p:cNvSpPr>
             <a:spLocks noGrp="1"/>
           </p:cNvSpPr>
@@ -695,16 +707,16 @@
         <p:spPr>
           <a:xfrm>
             <a:off x="685800" y="4343400"/>
-            <a:ext cx="5486040" cy="4114440"/>
-          </a:xfrm>
-          <a:prstGeom prst="rect">
-            <a:avLst/>
-          </a:prstGeom>
-        </p:spPr>
-        <p:txBody>
-          <a:bodyPr/>
-          <a:p>
-            <a:pPr>
+            <a:ext cx="5485320" cy="4113720"/>
+          </a:xfrm>
+          <a:prstGeom prst="rect">
+            <a:avLst/>
+          </a:prstGeom>
+        </p:spPr>
+        <p:txBody>
+          <a:bodyPr lIns="0" rIns="0" tIns="0" bIns="0"/>
+          <a:p>
+            <a:pPr marL="216000" indent="-215640">
               <a:lnSpc>
                 <a:spcPct val="100000"/>
               </a:lnSpc>
@@ -736,7 +748,7 @@
             </a:endParaRPr>
           </a:p>
           <a:p>
-            <a:pPr>
+            <a:pPr marL="216000" indent="-215640">
               <a:lnSpc>
                 <a:spcPct val="100000"/>
               </a:lnSpc>
@@ -768,7 +780,7 @@
             </a:endParaRPr>
           </a:p>
           <a:p>
-            <a:pPr>
+            <a:pPr marL="216000" indent="-215640">
               <a:lnSpc>
                 <a:spcPct val="100000"/>
               </a:lnSpc>
@@ -789,14 +801,14 @@
       </p:sp>
       <p:sp>
         <p:nvSpPr>
-          <p:cNvPr id="106" name="TextShape 2"/>
-          <p:cNvSpPr txBox="1"/>
+          <p:cNvPr id="100" name="CustomShape 2"/>
+          <p:cNvSpPr/>
           <p:nvPr/>
         </p:nvSpPr>
         <p:spPr>
           <a:xfrm>
             <a:off x="3884760" y="8685360"/>
-            <a:ext cx="2971440" cy="456840"/>
+            <a:ext cx="2970720" cy="456120"/>
           </a:xfrm>
           <a:prstGeom prst="rect">
             <a:avLst/>
@@ -806,15 +818,21 @@
             <a:noFill/>
           </a:ln>
         </p:spPr>
-        <p:txBody>
-          <a:bodyPr anchor="b"/>
+        <p:style>
+          <a:lnRef idx="0"/>
+          <a:fillRef idx="0"/>
+          <a:effectRef idx="0"/>
+          <a:fontRef idx="minor"/>
+        </p:style>
+        <p:txBody>
+          <a:bodyPr lIns="90000" rIns="90000" tIns="45000" bIns="45000" anchor="b"/>
           <a:p>
             <a:pPr algn="r">
               <a:lnSpc>
                 <a:spcPct val="100000"/>
               </a:lnSpc>
             </a:pPr>
-            <a:fld id="{101AFC28-93E5-4DE5-8CD6-449A16A7DA91}" type="slidenum">
+            <a:fld id="{8C5B90C0-C8DE-45C4-995F-CC25AE562E55}" type="slidenum">
               <a:rPr lang="en-US" sz="1200" spc="-1" strike="noStrike">
                 <a:solidFill>
                   <a:srgbClr val="000000"/>
@@ -829,7 +847,7 @@
               </a:rPr>
               <a:t>&lt;number&gt;</a:t>
             </a:fld>
-            <a:endParaRPr lang="en-US" sz="1400" spc="-1" strike="noStrike">
+            <a:endParaRPr lang="en-US" sz="1800" spc="-1" strike="noStrike">
               <a:solidFill>
                 <a:srgbClr val="000000"/>
               </a:solidFill>
@@ -838,7 +856,7 @@
                   <a:srgbClr val="ffffff"/>
                 </a:solidFill>
               </a:uFill>
-              <a:latin typeface="Times New Roman"/>
+              <a:latin typeface="Arial"/>
             </a:endParaRPr>
           </a:p>
         </p:txBody>
@@ -889,7 +907,7 @@
       </p:grpSpPr>
       <p:sp>
         <p:nvSpPr>
-          <p:cNvPr id="26" name="PlaceHolder 1"/>
+          <p:cNvPr id="23" name="PlaceHolder 1"/>
           <p:cNvSpPr>
             <a:spLocks noGrp="1"/>
           </p:cNvSpPr>
@@ -899,8 +917,8 @@
         </p:nvSpPr>
         <p:spPr>
           <a:xfrm>
-            <a:off x="685800" y="120960"/>
-            <a:ext cx="7770600" cy="1429560"/>
+            <a:off x="457200" y="273600"/>
+            <a:ext cx="8229240" cy="1144800"/>
           </a:xfrm>
           <a:prstGeom prst="rect">
             <a:avLst/>
@@ -909,23 +927,24 @@
         <p:txBody>
           <a:bodyPr lIns="0" rIns="0" tIns="0" bIns="0" anchor="ctr"/>
           <a:p>
-            <a:endParaRPr lang="en-US" sz="1800" spc="-1" strike="noStrike">
-              <a:solidFill>
-                <a:srgbClr val="ffffff"/>
-              </a:solidFill>
-              <a:uFill>
-                <a:solidFill>
-                  <a:srgbClr val="ffffff"/>
-                </a:solidFill>
-              </a:uFill>
-              <a:latin typeface="Calisto MT"/>
-            </a:endParaRPr>
-          </a:p>
-        </p:txBody>
-      </p:sp>
-      <p:sp>
-        <p:nvSpPr>
-          <p:cNvPr id="27" name="PlaceHolder 2"/>
+            <a:pPr algn="ctr"/>
+            <a:endParaRPr lang="en-US" sz="4400" spc="-1" strike="noStrike">
+              <a:solidFill>
+                <a:srgbClr val="ffffff"/>
+              </a:solidFill>
+              <a:uFill>
+                <a:solidFill>
+                  <a:srgbClr val="ffffff"/>
+                </a:solidFill>
+              </a:uFill>
+              <a:latin typeface="Arial"/>
+            </a:endParaRPr>
+          </a:p>
+        </p:txBody>
+      </p:sp>
+      <p:sp>
+        <p:nvSpPr>
+          <p:cNvPr id="24" name="PlaceHolder 2"/>
           <p:cNvSpPr>
             <a:spLocks noGrp="1"/>
           </p:cNvSpPr>
@@ -935,8 +954,8 @@
         </p:nvSpPr>
         <p:spPr>
           <a:xfrm>
-            <a:off x="685800" y="1869120"/>
-            <a:ext cx="7770600" cy="2030400"/>
+            <a:off x="457200" y="1604520"/>
+            <a:ext cx="8229240" cy="1896840"/>
           </a:xfrm>
           <a:prstGeom prst="rect">
             <a:avLst/>
@@ -945,23 +964,23 @@
         <p:txBody>
           <a:bodyPr lIns="0" rIns="0" tIns="0" bIns="0"/>
           <a:p>
-            <a:endParaRPr lang="en-US" sz="2200" spc="-1" strike="noStrike">
-              <a:solidFill>
-                <a:srgbClr val="ffffff"/>
-              </a:solidFill>
-              <a:uFill>
-                <a:solidFill>
-                  <a:srgbClr val="ffffff"/>
-                </a:solidFill>
-              </a:uFill>
-              <a:latin typeface="Calisto MT"/>
-            </a:endParaRPr>
-          </a:p>
-        </p:txBody>
-      </p:sp>
-      <p:sp>
-        <p:nvSpPr>
-          <p:cNvPr id="28" name="PlaceHolder 3"/>
+            <a:endParaRPr lang="en-US" sz="3200" spc="-1" strike="noStrike">
+              <a:solidFill>
+                <a:srgbClr val="ffffff"/>
+              </a:solidFill>
+              <a:uFill>
+                <a:solidFill>
+                  <a:srgbClr val="ffffff"/>
+                </a:solidFill>
+              </a:uFill>
+              <a:latin typeface="Arial"/>
+            </a:endParaRPr>
+          </a:p>
+        </p:txBody>
+      </p:sp>
+      <p:sp>
+        <p:nvSpPr>
+          <p:cNvPr id="25" name="PlaceHolder 3"/>
           <p:cNvSpPr>
             <a:spLocks noGrp="1"/>
           </p:cNvSpPr>
@@ -971,8 +990,8 @@
         </p:nvSpPr>
         <p:spPr>
           <a:xfrm>
-            <a:off x="685800" y="4092840"/>
-            <a:ext cx="7770600" cy="2030400"/>
+            <a:off x="457200" y="3682080"/>
+            <a:ext cx="8229240" cy="1896840"/>
           </a:xfrm>
           <a:prstGeom prst="rect">
             <a:avLst/>
@@ -981,16 +1000,16 @@
         <p:txBody>
           <a:bodyPr lIns="0" rIns="0" tIns="0" bIns="0"/>
           <a:p>
-            <a:endParaRPr lang="en-US" sz="2200" spc="-1" strike="noStrike">
-              <a:solidFill>
-                <a:srgbClr val="ffffff"/>
-              </a:solidFill>
-              <a:uFill>
-                <a:solidFill>
-                  <a:srgbClr val="ffffff"/>
-                </a:solidFill>
-              </a:uFill>
-              <a:latin typeface="Calisto MT"/>
+            <a:endParaRPr lang="en-US" sz="3200" spc="-1" strike="noStrike">
+              <a:solidFill>
+                <a:srgbClr val="ffffff"/>
+              </a:solidFill>
+              <a:uFill>
+                <a:solidFill>
+                  <a:srgbClr val="ffffff"/>
+                </a:solidFill>
+              </a:uFill>
+              <a:latin typeface="Arial"/>
             </a:endParaRPr>
           </a:p>
         </p:txBody>
@@ -1019,7 +1038,7 @@
       </p:grpSpPr>
       <p:sp>
         <p:nvSpPr>
-          <p:cNvPr id="29" name="PlaceHolder 1"/>
+          <p:cNvPr id="26" name="PlaceHolder 1"/>
           <p:cNvSpPr>
             <a:spLocks noGrp="1"/>
           </p:cNvSpPr>
@@ -1029,8 +1048,8 @@
         </p:nvSpPr>
         <p:spPr>
           <a:xfrm>
-            <a:off x="685800" y="120960"/>
-            <a:ext cx="7770600" cy="1429560"/>
+            <a:off x="457200" y="273600"/>
+            <a:ext cx="8229240" cy="1144800"/>
           </a:xfrm>
           <a:prstGeom prst="rect">
             <a:avLst/>
@@ -1039,23 +1058,24 @@
         <p:txBody>
           <a:bodyPr lIns="0" rIns="0" tIns="0" bIns="0" anchor="ctr"/>
           <a:p>
-            <a:endParaRPr lang="en-US" sz="1800" spc="-1" strike="noStrike">
-              <a:solidFill>
-                <a:srgbClr val="ffffff"/>
-              </a:solidFill>
-              <a:uFill>
-                <a:solidFill>
-                  <a:srgbClr val="ffffff"/>
-                </a:solidFill>
-              </a:uFill>
-              <a:latin typeface="Calisto MT"/>
-            </a:endParaRPr>
-          </a:p>
-        </p:txBody>
-      </p:sp>
-      <p:sp>
-        <p:nvSpPr>
-          <p:cNvPr id="30" name="PlaceHolder 2"/>
+            <a:pPr algn="ctr"/>
+            <a:endParaRPr lang="en-US" sz="4400" spc="-1" strike="noStrike">
+              <a:solidFill>
+                <a:srgbClr val="ffffff"/>
+              </a:solidFill>
+              <a:uFill>
+                <a:solidFill>
+                  <a:srgbClr val="ffffff"/>
+                </a:solidFill>
+              </a:uFill>
+              <a:latin typeface="Arial"/>
+            </a:endParaRPr>
+          </a:p>
+        </p:txBody>
+      </p:sp>
+      <p:sp>
+        <p:nvSpPr>
+          <p:cNvPr id="27" name="PlaceHolder 2"/>
           <p:cNvSpPr>
             <a:spLocks noGrp="1"/>
           </p:cNvSpPr>
@@ -1065,8 +1085,8 @@
         </p:nvSpPr>
         <p:spPr>
           <a:xfrm>
-            <a:off x="685800" y="1869120"/>
-            <a:ext cx="3791880" cy="2030400"/>
+            <a:off x="457200" y="1604520"/>
+            <a:ext cx="4015800" cy="1896840"/>
           </a:xfrm>
           <a:prstGeom prst="rect">
             <a:avLst/>
@@ -1075,23 +1095,23 @@
         <p:txBody>
           <a:bodyPr lIns="0" rIns="0" tIns="0" bIns="0"/>
           <a:p>
-            <a:endParaRPr lang="en-US" sz="2200" spc="-1" strike="noStrike">
-              <a:solidFill>
-                <a:srgbClr val="ffffff"/>
-              </a:solidFill>
-              <a:uFill>
-                <a:solidFill>
-                  <a:srgbClr val="ffffff"/>
-                </a:solidFill>
-              </a:uFill>
-              <a:latin typeface="Calisto MT"/>
-            </a:endParaRPr>
-          </a:p>
-        </p:txBody>
-      </p:sp>
-      <p:sp>
-        <p:nvSpPr>
-          <p:cNvPr id="31" name="PlaceHolder 3"/>
+            <a:endParaRPr lang="en-US" sz="3200" spc="-1" strike="noStrike">
+              <a:solidFill>
+                <a:srgbClr val="ffffff"/>
+              </a:solidFill>
+              <a:uFill>
+                <a:solidFill>
+                  <a:srgbClr val="ffffff"/>
+                </a:solidFill>
+              </a:uFill>
+              <a:latin typeface="Arial"/>
+            </a:endParaRPr>
+          </a:p>
+        </p:txBody>
+      </p:sp>
+      <p:sp>
+        <p:nvSpPr>
+          <p:cNvPr id="28" name="PlaceHolder 3"/>
           <p:cNvSpPr>
             <a:spLocks noGrp="1"/>
           </p:cNvSpPr>
@@ -1101,8 +1121,8 @@
         </p:nvSpPr>
         <p:spPr>
           <a:xfrm>
-            <a:off x="4667760" y="1869120"/>
-            <a:ext cx="3791880" cy="2030400"/>
+            <a:off x="4674240" y="1604520"/>
+            <a:ext cx="4015800" cy="1896840"/>
           </a:xfrm>
           <a:prstGeom prst="rect">
             <a:avLst/>
@@ -1111,23 +1131,23 @@
         <p:txBody>
           <a:bodyPr lIns="0" rIns="0" tIns="0" bIns="0"/>
           <a:p>
-            <a:endParaRPr lang="en-US" sz="2200" spc="-1" strike="noStrike">
-              <a:solidFill>
-                <a:srgbClr val="ffffff"/>
-              </a:solidFill>
-              <a:uFill>
-                <a:solidFill>
-                  <a:srgbClr val="ffffff"/>
-                </a:solidFill>
-              </a:uFill>
-              <a:latin typeface="Calisto MT"/>
-            </a:endParaRPr>
-          </a:p>
-        </p:txBody>
-      </p:sp>
-      <p:sp>
-        <p:nvSpPr>
-          <p:cNvPr id="32" name="PlaceHolder 4"/>
+            <a:endParaRPr lang="en-US" sz="3200" spc="-1" strike="noStrike">
+              <a:solidFill>
+                <a:srgbClr val="ffffff"/>
+              </a:solidFill>
+              <a:uFill>
+                <a:solidFill>
+                  <a:srgbClr val="ffffff"/>
+                </a:solidFill>
+              </a:uFill>
+              <a:latin typeface="Arial"/>
+            </a:endParaRPr>
+          </a:p>
+        </p:txBody>
+      </p:sp>
+      <p:sp>
+        <p:nvSpPr>
+          <p:cNvPr id="29" name="PlaceHolder 4"/>
           <p:cNvSpPr>
             <a:spLocks noGrp="1"/>
           </p:cNvSpPr>
@@ -1137,8 +1157,8 @@
         </p:nvSpPr>
         <p:spPr>
           <a:xfrm>
-            <a:off x="4667760" y="4092840"/>
-            <a:ext cx="3791880" cy="2030400"/>
+            <a:off x="4674240" y="3682080"/>
+            <a:ext cx="4015800" cy="1896840"/>
           </a:xfrm>
           <a:prstGeom prst="rect">
             <a:avLst/>
@@ -1147,23 +1167,23 @@
         <p:txBody>
           <a:bodyPr lIns="0" rIns="0" tIns="0" bIns="0"/>
           <a:p>
-            <a:endParaRPr lang="en-US" sz="2200" spc="-1" strike="noStrike">
-              <a:solidFill>
-                <a:srgbClr val="ffffff"/>
-              </a:solidFill>
-              <a:uFill>
-                <a:solidFill>
-                  <a:srgbClr val="ffffff"/>
-                </a:solidFill>
-              </a:uFill>
-              <a:latin typeface="Calisto MT"/>
-            </a:endParaRPr>
-          </a:p>
-        </p:txBody>
-      </p:sp>
-      <p:sp>
-        <p:nvSpPr>
-          <p:cNvPr id="33" name="PlaceHolder 5"/>
+            <a:endParaRPr lang="en-US" sz="3200" spc="-1" strike="noStrike">
+              <a:solidFill>
+                <a:srgbClr val="ffffff"/>
+              </a:solidFill>
+              <a:uFill>
+                <a:solidFill>
+                  <a:srgbClr val="ffffff"/>
+                </a:solidFill>
+              </a:uFill>
+              <a:latin typeface="Arial"/>
+            </a:endParaRPr>
+          </a:p>
+        </p:txBody>
+      </p:sp>
+      <p:sp>
+        <p:nvSpPr>
+          <p:cNvPr id="30" name="PlaceHolder 5"/>
           <p:cNvSpPr>
             <a:spLocks noGrp="1"/>
           </p:cNvSpPr>
@@ -1173,8 +1193,8 @@
         </p:nvSpPr>
         <p:spPr>
           <a:xfrm>
-            <a:off x="685800" y="4092840"/>
-            <a:ext cx="3791880" cy="2030400"/>
+            <a:off x="457200" y="3682080"/>
+            <a:ext cx="4015800" cy="1896840"/>
           </a:xfrm>
           <a:prstGeom prst="rect">
             <a:avLst/>
@@ -1183,16 +1203,16 @@
         <p:txBody>
           <a:bodyPr lIns="0" rIns="0" tIns="0" bIns="0"/>
           <a:p>
-            <a:endParaRPr lang="en-US" sz="2200" spc="-1" strike="noStrike">
-              <a:solidFill>
-                <a:srgbClr val="ffffff"/>
-              </a:solidFill>
-              <a:uFill>
-                <a:solidFill>
-                  <a:srgbClr val="ffffff"/>
-                </a:solidFill>
-              </a:uFill>
-              <a:latin typeface="Calisto MT"/>
+            <a:endParaRPr lang="en-US" sz="3200" spc="-1" strike="noStrike">
+              <a:solidFill>
+                <a:srgbClr val="ffffff"/>
+              </a:solidFill>
+              <a:uFill>
+                <a:solidFill>
+                  <a:srgbClr val="ffffff"/>
+                </a:solidFill>
+              </a:uFill>
+              <a:latin typeface="Arial"/>
             </a:endParaRPr>
           </a:p>
         </p:txBody>
@@ -1221,7 +1241,7 @@
       </p:grpSpPr>
       <p:sp>
         <p:nvSpPr>
-          <p:cNvPr id="34" name="PlaceHolder 1"/>
+          <p:cNvPr id="31" name="PlaceHolder 1"/>
           <p:cNvSpPr>
             <a:spLocks noGrp="1"/>
           </p:cNvSpPr>
@@ -1231,8 +1251,8 @@
         </p:nvSpPr>
         <p:spPr>
           <a:xfrm>
-            <a:off x="685800" y="120960"/>
-            <a:ext cx="7770600" cy="1429560"/>
+            <a:off x="457200" y="273600"/>
+            <a:ext cx="8229240" cy="1144800"/>
           </a:xfrm>
           <a:prstGeom prst="rect">
             <a:avLst/>
@@ -1241,23 +1261,24 @@
         <p:txBody>
           <a:bodyPr lIns="0" rIns="0" tIns="0" bIns="0" anchor="ctr"/>
           <a:p>
-            <a:endParaRPr lang="en-US" sz="1800" spc="-1" strike="noStrike">
-              <a:solidFill>
-                <a:srgbClr val="ffffff"/>
-              </a:solidFill>
-              <a:uFill>
-                <a:solidFill>
-                  <a:srgbClr val="ffffff"/>
-                </a:solidFill>
-              </a:uFill>
-              <a:latin typeface="Calisto MT"/>
-            </a:endParaRPr>
-          </a:p>
-        </p:txBody>
-      </p:sp>
-      <p:sp>
-        <p:nvSpPr>
-          <p:cNvPr id="35" name="PlaceHolder 2"/>
+            <a:pPr algn="ctr"/>
+            <a:endParaRPr lang="en-US" sz="4400" spc="-1" strike="noStrike">
+              <a:solidFill>
+                <a:srgbClr val="ffffff"/>
+              </a:solidFill>
+              <a:uFill>
+                <a:solidFill>
+                  <a:srgbClr val="ffffff"/>
+                </a:solidFill>
+              </a:uFill>
+              <a:latin typeface="Arial"/>
+            </a:endParaRPr>
+          </a:p>
+        </p:txBody>
+      </p:sp>
+      <p:sp>
+        <p:nvSpPr>
+          <p:cNvPr id="32" name="PlaceHolder 2"/>
           <p:cNvSpPr>
             <a:spLocks noGrp="1"/>
           </p:cNvSpPr>
@@ -1267,8 +1288,8 @@
         </p:nvSpPr>
         <p:spPr>
           <a:xfrm>
-            <a:off x="685800" y="1869120"/>
-            <a:ext cx="7770600" cy="4256640"/>
+            <a:off x="457200" y="1604520"/>
+            <a:ext cx="8229240" cy="3977280"/>
           </a:xfrm>
           <a:prstGeom prst="rect">
             <a:avLst/>
@@ -1277,23 +1298,23 @@
         <p:txBody>
           <a:bodyPr lIns="0" rIns="0" tIns="0" bIns="0"/>
           <a:p>
-            <a:endParaRPr lang="en-US" sz="2200" spc="-1" strike="noStrike">
-              <a:solidFill>
-                <a:srgbClr val="ffffff"/>
-              </a:solidFill>
-              <a:uFill>
-                <a:solidFill>
-                  <a:srgbClr val="ffffff"/>
-                </a:solidFill>
-              </a:uFill>
-              <a:latin typeface="Calisto MT"/>
-            </a:endParaRPr>
-          </a:p>
-        </p:txBody>
-      </p:sp>
-      <p:sp>
-        <p:nvSpPr>
-          <p:cNvPr id="36" name="PlaceHolder 3"/>
+            <a:endParaRPr lang="en-US" sz="3200" spc="-1" strike="noStrike">
+              <a:solidFill>
+                <a:srgbClr val="ffffff"/>
+              </a:solidFill>
+              <a:uFill>
+                <a:solidFill>
+                  <a:srgbClr val="ffffff"/>
+                </a:solidFill>
+              </a:uFill>
+              <a:latin typeface="Arial"/>
+            </a:endParaRPr>
+          </a:p>
+        </p:txBody>
+      </p:sp>
+      <p:sp>
+        <p:nvSpPr>
+          <p:cNvPr id="33" name="PlaceHolder 3"/>
           <p:cNvSpPr>
             <a:spLocks noGrp="1"/>
           </p:cNvSpPr>
@@ -1303,8 +1324,8 @@
         </p:nvSpPr>
         <p:spPr>
           <a:xfrm>
-            <a:off x="685800" y="1869120"/>
-            <a:ext cx="7770600" cy="4256640"/>
+            <a:off x="457200" y="1604520"/>
+            <a:ext cx="8229240" cy="3977280"/>
           </a:xfrm>
           <a:prstGeom prst="rect">
             <a:avLst/>
@@ -1313,23 +1334,23 @@
         <p:txBody>
           <a:bodyPr lIns="0" rIns="0" tIns="0" bIns="0"/>
           <a:p>
-            <a:endParaRPr lang="en-US" sz="2200" spc="-1" strike="noStrike">
-              <a:solidFill>
-                <a:srgbClr val="ffffff"/>
-              </a:solidFill>
-              <a:uFill>
-                <a:solidFill>
-                  <a:srgbClr val="ffffff"/>
-                </a:solidFill>
-              </a:uFill>
-              <a:latin typeface="Calisto MT"/>
+            <a:endParaRPr lang="en-US" sz="3200" spc="-1" strike="noStrike">
+              <a:solidFill>
+                <a:srgbClr val="ffffff"/>
+              </a:solidFill>
+              <a:uFill>
+                <a:solidFill>
+                  <a:srgbClr val="ffffff"/>
+                </a:solidFill>
+              </a:uFill>
+              <a:latin typeface="Arial"/>
             </a:endParaRPr>
           </a:p>
         </p:txBody>
       </p:sp>
       <p:pic>
         <p:nvPicPr>
-          <p:cNvPr id="37" name="" descr=""/>
+          <p:cNvPr id="34" name="" descr=""/>
           <p:cNvPicPr/>
           <p:nvPr/>
         </p:nvPicPr>
@@ -1339,8 +1360,8 @@
         </p:blipFill>
         <p:spPr>
           <a:xfrm>
-            <a:off x="1903320" y="1869120"/>
-            <a:ext cx="5334840" cy="4256640"/>
+            <a:off x="2079000" y="1604520"/>
+            <a:ext cx="4984920" cy="3977280"/>
           </a:xfrm>
           <a:prstGeom prst="rect">
             <a:avLst/>
@@ -1352,7 +1373,7 @@
       </p:pic>
       <p:pic>
         <p:nvPicPr>
-          <p:cNvPr id="38" name="" descr=""/>
+          <p:cNvPr id="35" name="" descr=""/>
           <p:cNvPicPr/>
           <p:nvPr/>
         </p:nvPicPr>
@@ -1362,8 +1383,8 @@
         </p:blipFill>
         <p:spPr>
           <a:xfrm>
-            <a:off x="1903320" y="1869120"/>
-            <a:ext cx="5334840" cy="4256640"/>
+            <a:off x="2079000" y="1604520"/>
+            <a:ext cx="4984920" cy="3977280"/>
           </a:xfrm>
           <a:prstGeom prst="rect">
             <a:avLst/>
@@ -1419,7 +1440,7 @@
       </p:grpSpPr>
       <p:sp>
         <p:nvSpPr>
-          <p:cNvPr id="44" name="PlaceHolder 1"/>
+          <p:cNvPr id="38" name="PlaceHolder 1"/>
           <p:cNvSpPr>
             <a:spLocks noGrp="1"/>
           </p:cNvSpPr>
@@ -1429,8 +1450,8 @@
         </p:nvSpPr>
         <p:spPr>
           <a:xfrm>
-            <a:off x="685800" y="120960"/>
-            <a:ext cx="7770600" cy="1429560"/>
+            <a:off x="457200" y="273600"/>
+            <a:ext cx="8229240" cy="1144800"/>
           </a:xfrm>
           <a:prstGeom prst="rect">
             <a:avLst/>
@@ -1439,23 +1460,24 @@
         <p:txBody>
           <a:bodyPr lIns="0" rIns="0" tIns="0" bIns="0" anchor="ctr"/>
           <a:p>
-            <a:endParaRPr lang="en-US" sz="1800" spc="-1" strike="noStrike">
-              <a:solidFill>
-                <a:srgbClr val="ffffff"/>
-              </a:solidFill>
-              <a:uFill>
-                <a:solidFill>
-                  <a:srgbClr val="ffffff"/>
-                </a:solidFill>
-              </a:uFill>
-              <a:latin typeface="Calisto MT"/>
-            </a:endParaRPr>
-          </a:p>
-        </p:txBody>
-      </p:sp>
-      <p:sp>
-        <p:nvSpPr>
-          <p:cNvPr id="45" name="PlaceHolder 2"/>
+            <a:pPr algn="ctr"/>
+            <a:endParaRPr lang="en-US" sz="4400" spc="-1" strike="noStrike">
+              <a:solidFill>
+                <a:srgbClr val="ffffff"/>
+              </a:solidFill>
+              <a:uFill>
+                <a:solidFill>
+                  <a:srgbClr val="ffffff"/>
+                </a:solidFill>
+              </a:uFill>
+              <a:latin typeface="Arial"/>
+            </a:endParaRPr>
+          </a:p>
+        </p:txBody>
+      </p:sp>
+      <p:sp>
+        <p:nvSpPr>
+          <p:cNvPr id="39" name="PlaceHolder 2"/>
           <p:cNvSpPr>
             <a:spLocks noGrp="1"/>
           </p:cNvSpPr>
@@ -1465,8 +1487,8 @@
         </p:nvSpPr>
         <p:spPr>
           <a:xfrm>
-            <a:off x="685800" y="1869120"/>
-            <a:ext cx="7770600" cy="4256640"/>
+            <a:off x="457200" y="1604520"/>
+            <a:ext cx="8229240" cy="3977280"/>
           </a:xfrm>
           <a:prstGeom prst="rect">
             <a:avLst/>
@@ -1514,7 +1536,7 @@
       </p:grpSpPr>
       <p:sp>
         <p:nvSpPr>
-          <p:cNvPr id="46" name="PlaceHolder 1"/>
+          <p:cNvPr id="40" name="PlaceHolder 1"/>
           <p:cNvSpPr>
             <a:spLocks noGrp="1"/>
           </p:cNvSpPr>
@@ -1524,8 +1546,8 @@
         </p:nvSpPr>
         <p:spPr>
           <a:xfrm>
-            <a:off x="685800" y="120960"/>
-            <a:ext cx="7770600" cy="1429560"/>
+            <a:off x="457200" y="273600"/>
+            <a:ext cx="8229240" cy="1144800"/>
           </a:xfrm>
           <a:prstGeom prst="rect">
             <a:avLst/>
@@ -1534,23 +1556,24 @@
         <p:txBody>
           <a:bodyPr lIns="0" rIns="0" tIns="0" bIns="0" anchor="ctr"/>
           <a:p>
-            <a:endParaRPr lang="en-US" sz="1800" spc="-1" strike="noStrike">
-              <a:solidFill>
-                <a:srgbClr val="ffffff"/>
-              </a:solidFill>
-              <a:uFill>
-                <a:solidFill>
-                  <a:srgbClr val="ffffff"/>
-                </a:solidFill>
-              </a:uFill>
-              <a:latin typeface="Calisto MT"/>
-            </a:endParaRPr>
-          </a:p>
-        </p:txBody>
-      </p:sp>
-      <p:sp>
-        <p:nvSpPr>
-          <p:cNvPr id="47" name="PlaceHolder 2"/>
+            <a:pPr algn="ctr"/>
+            <a:endParaRPr lang="en-US" sz="4400" spc="-1" strike="noStrike">
+              <a:solidFill>
+                <a:srgbClr val="ffffff"/>
+              </a:solidFill>
+              <a:uFill>
+                <a:solidFill>
+                  <a:srgbClr val="ffffff"/>
+                </a:solidFill>
+              </a:uFill>
+              <a:latin typeface="Arial"/>
+            </a:endParaRPr>
+          </a:p>
+        </p:txBody>
+      </p:sp>
+      <p:sp>
+        <p:nvSpPr>
+          <p:cNvPr id="41" name="PlaceHolder 2"/>
           <p:cNvSpPr>
             <a:spLocks noGrp="1"/>
           </p:cNvSpPr>
@@ -1560,8 +1583,8 @@
         </p:nvSpPr>
         <p:spPr>
           <a:xfrm>
-            <a:off x="685800" y="1869120"/>
-            <a:ext cx="7770600" cy="4256640"/>
+            <a:off x="457200" y="1604520"/>
+            <a:ext cx="8229240" cy="3977280"/>
           </a:xfrm>
           <a:prstGeom prst="rect">
             <a:avLst/>
@@ -1570,16 +1593,16 @@
         <p:txBody>
           <a:bodyPr lIns="0" rIns="0" tIns="0" bIns="0"/>
           <a:p>
-            <a:endParaRPr lang="en-US" sz="2200" spc="-1" strike="noStrike">
-              <a:solidFill>
-                <a:srgbClr val="ffffff"/>
-              </a:solidFill>
-              <a:uFill>
-                <a:solidFill>
-                  <a:srgbClr val="ffffff"/>
-                </a:solidFill>
-              </a:uFill>
-              <a:latin typeface="Calisto MT"/>
+            <a:endParaRPr lang="en-US" sz="3200" spc="-1" strike="noStrike">
+              <a:solidFill>
+                <a:srgbClr val="ffffff"/>
+              </a:solidFill>
+              <a:uFill>
+                <a:solidFill>
+                  <a:srgbClr val="ffffff"/>
+                </a:solidFill>
+              </a:uFill>
+              <a:latin typeface="Arial"/>
             </a:endParaRPr>
           </a:p>
         </p:txBody>
@@ -1608,7 +1631,7 @@
       </p:grpSpPr>
       <p:sp>
         <p:nvSpPr>
-          <p:cNvPr id="48" name="PlaceHolder 1"/>
+          <p:cNvPr id="42" name="PlaceHolder 1"/>
           <p:cNvSpPr>
             <a:spLocks noGrp="1"/>
           </p:cNvSpPr>
@@ -1618,8 +1641,8 @@
         </p:nvSpPr>
         <p:spPr>
           <a:xfrm>
-            <a:off x="685800" y="120960"/>
-            <a:ext cx="7770600" cy="1429560"/>
+            <a:off x="457200" y="273600"/>
+            <a:ext cx="8229240" cy="1144800"/>
           </a:xfrm>
           <a:prstGeom prst="rect">
             <a:avLst/>
@@ -1628,23 +1651,24 @@
         <p:txBody>
           <a:bodyPr lIns="0" rIns="0" tIns="0" bIns="0" anchor="ctr"/>
           <a:p>
-            <a:endParaRPr lang="en-US" sz="1800" spc="-1" strike="noStrike">
-              <a:solidFill>
-                <a:srgbClr val="ffffff"/>
-              </a:solidFill>
-              <a:uFill>
-                <a:solidFill>
-                  <a:srgbClr val="ffffff"/>
-                </a:solidFill>
-              </a:uFill>
-              <a:latin typeface="Calisto MT"/>
-            </a:endParaRPr>
-          </a:p>
-        </p:txBody>
-      </p:sp>
-      <p:sp>
-        <p:nvSpPr>
-          <p:cNvPr id="49" name="PlaceHolder 2"/>
+            <a:pPr algn="ctr"/>
+            <a:endParaRPr lang="en-US" sz="4400" spc="-1" strike="noStrike">
+              <a:solidFill>
+                <a:srgbClr val="ffffff"/>
+              </a:solidFill>
+              <a:uFill>
+                <a:solidFill>
+                  <a:srgbClr val="ffffff"/>
+                </a:solidFill>
+              </a:uFill>
+              <a:latin typeface="Arial"/>
+            </a:endParaRPr>
+          </a:p>
+        </p:txBody>
+      </p:sp>
+      <p:sp>
+        <p:nvSpPr>
+          <p:cNvPr id="43" name="PlaceHolder 2"/>
           <p:cNvSpPr>
             <a:spLocks noGrp="1"/>
           </p:cNvSpPr>
@@ -1654,8 +1678,8 @@
         </p:nvSpPr>
         <p:spPr>
           <a:xfrm>
-            <a:off x="685800" y="1869120"/>
-            <a:ext cx="3791880" cy="4256640"/>
+            <a:off x="457200" y="1604520"/>
+            <a:ext cx="4015800" cy="3977280"/>
           </a:xfrm>
           <a:prstGeom prst="rect">
             <a:avLst/>
@@ -1664,23 +1688,23 @@
         <p:txBody>
           <a:bodyPr lIns="0" rIns="0" tIns="0" bIns="0"/>
           <a:p>
-            <a:endParaRPr lang="en-US" sz="2200" spc="-1" strike="noStrike">
-              <a:solidFill>
-                <a:srgbClr val="ffffff"/>
-              </a:solidFill>
-              <a:uFill>
-                <a:solidFill>
-                  <a:srgbClr val="ffffff"/>
-                </a:solidFill>
-              </a:uFill>
-              <a:latin typeface="Calisto MT"/>
-            </a:endParaRPr>
-          </a:p>
-        </p:txBody>
-      </p:sp>
-      <p:sp>
-        <p:nvSpPr>
-          <p:cNvPr id="50" name="PlaceHolder 3"/>
+            <a:endParaRPr lang="en-US" sz="3200" spc="-1" strike="noStrike">
+              <a:solidFill>
+                <a:srgbClr val="ffffff"/>
+              </a:solidFill>
+              <a:uFill>
+                <a:solidFill>
+                  <a:srgbClr val="ffffff"/>
+                </a:solidFill>
+              </a:uFill>
+              <a:latin typeface="Arial"/>
+            </a:endParaRPr>
+          </a:p>
+        </p:txBody>
+      </p:sp>
+      <p:sp>
+        <p:nvSpPr>
+          <p:cNvPr id="44" name="PlaceHolder 3"/>
           <p:cNvSpPr>
             <a:spLocks noGrp="1"/>
           </p:cNvSpPr>
@@ -1690,8 +1714,8 @@
         </p:nvSpPr>
         <p:spPr>
           <a:xfrm>
-            <a:off x="4667760" y="1869120"/>
-            <a:ext cx="3791880" cy="4256640"/>
+            <a:off x="4674240" y="1604520"/>
+            <a:ext cx="4015800" cy="3977280"/>
           </a:xfrm>
           <a:prstGeom prst="rect">
             <a:avLst/>
@@ -1700,16 +1724,16 @@
         <p:txBody>
           <a:bodyPr lIns="0" rIns="0" tIns="0" bIns="0"/>
           <a:p>
-            <a:endParaRPr lang="en-US" sz="2200" spc="-1" strike="noStrike">
-              <a:solidFill>
-                <a:srgbClr val="ffffff"/>
-              </a:solidFill>
-              <a:uFill>
-                <a:solidFill>
-                  <a:srgbClr val="ffffff"/>
-                </a:solidFill>
-              </a:uFill>
-              <a:latin typeface="Calisto MT"/>
+            <a:endParaRPr lang="en-US" sz="3200" spc="-1" strike="noStrike">
+              <a:solidFill>
+                <a:srgbClr val="ffffff"/>
+              </a:solidFill>
+              <a:uFill>
+                <a:solidFill>
+                  <a:srgbClr val="ffffff"/>
+                </a:solidFill>
+              </a:uFill>
+              <a:latin typeface="Arial"/>
             </a:endParaRPr>
           </a:p>
         </p:txBody>
@@ -1738,7 +1762,7 @@
       </p:grpSpPr>
       <p:sp>
         <p:nvSpPr>
-          <p:cNvPr id="51" name="PlaceHolder 1"/>
+          <p:cNvPr id="45" name="PlaceHolder 1"/>
           <p:cNvSpPr>
             <a:spLocks noGrp="1"/>
           </p:cNvSpPr>
@@ -1748,8 +1772,8 @@
         </p:nvSpPr>
         <p:spPr>
           <a:xfrm>
-            <a:off x="685800" y="120960"/>
-            <a:ext cx="7770600" cy="1429560"/>
+            <a:off x="457200" y="273600"/>
+            <a:ext cx="8229240" cy="1144800"/>
           </a:xfrm>
           <a:prstGeom prst="rect">
             <a:avLst/>
@@ -1758,16 +1782,17 @@
         <p:txBody>
           <a:bodyPr lIns="0" rIns="0" tIns="0" bIns="0" anchor="ctr"/>
           <a:p>
-            <a:endParaRPr lang="en-US" sz="1800" spc="-1" strike="noStrike">
-              <a:solidFill>
-                <a:srgbClr val="ffffff"/>
-              </a:solidFill>
-              <a:uFill>
-                <a:solidFill>
-                  <a:srgbClr val="ffffff"/>
-                </a:solidFill>
-              </a:uFill>
-              <a:latin typeface="Calisto MT"/>
+            <a:pPr algn="ctr"/>
+            <a:endParaRPr lang="en-US" sz="4400" spc="-1" strike="noStrike">
+              <a:solidFill>
+                <a:srgbClr val="ffffff"/>
+              </a:solidFill>
+              <a:uFill>
+                <a:solidFill>
+                  <a:srgbClr val="ffffff"/>
+                </a:solidFill>
+              </a:uFill>
+              <a:latin typeface="Arial"/>
             </a:endParaRPr>
           </a:p>
         </p:txBody>
@@ -1796,7 +1821,7 @@
       </p:grpSpPr>
       <p:sp>
         <p:nvSpPr>
-          <p:cNvPr id="52" name="PlaceHolder 1"/>
+          <p:cNvPr id="46" name="PlaceHolder 1"/>
           <p:cNvSpPr>
             <a:spLocks noGrp="1"/>
           </p:cNvSpPr>
@@ -1806,8 +1831,8 @@
         </p:nvSpPr>
         <p:spPr>
           <a:xfrm>
-            <a:off x="685800" y="120960"/>
-            <a:ext cx="7770600" cy="6627960"/>
+            <a:off x="457200" y="273600"/>
+            <a:ext cx="8229240" cy="5307840"/>
           </a:xfrm>
           <a:prstGeom prst="rect">
             <a:avLst/>
@@ -1855,7 +1880,7 @@
       </p:grpSpPr>
       <p:sp>
         <p:nvSpPr>
-          <p:cNvPr id="53" name="PlaceHolder 1"/>
+          <p:cNvPr id="47" name="PlaceHolder 1"/>
           <p:cNvSpPr>
             <a:spLocks noGrp="1"/>
           </p:cNvSpPr>
@@ -1865,8 +1890,8 @@
         </p:nvSpPr>
         <p:spPr>
           <a:xfrm>
-            <a:off x="685800" y="120960"/>
-            <a:ext cx="7770600" cy="1429560"/>
+            <a:off x="457200" y="273600"/>
+            <a:ext cx="8229240" cy="1144800"/>
           </a:xfrm>
           <a:prstGeom prst="rect">
             <a:avLst/>
@@ -1875,23 +1900,24 @@
         <p:txBody>
           <a:bodyPr lIns="0" rIns="0" tIns="0" bIns="0" anchor="ctr"/>
           <a:p>
-            <a:endParaRPr lang="en-US" sz="1800" spc="-1" strike="noStrike">
-              <a:solidFill>
-                <a:srgbClr val="ffffff"/>
-              </a:solidFill>
-              <a:uFill>
-                <a:solidFill>
-                  <a:srgbClr val="ffffff"/>
-                </a:solidFill>
-              </a:uFill>
-              <a:latin typeface="Calisto MT"/>
-            </a:endParaRPr>
-          </a:p>
-        </p:txBody>
-      </p:sp>
-      <p:sp>
-        <p:nvSpPr>
-          <p:cNvPr id="54" name="PlaceHolder 2"/>
+            <a:pPr algn="ctr"/>
+            <a:endParaRPr lang="en-US" sz="4400" spc="-1" strike="noStrike">
+              <a:solidFill>
+                <a:srgbClr val="ffffff"/>
+              </a:solidFill>
+              <a:uFill>
+                <a:solidFill>
+                  <a:srgbClr val="ffffff"/>
+                </a:solidFill>
+              </a:uFill>
+              <a:latin typeface="Arial"/>
+            </a:endParaRPr>
+          </a:p>
+        </p:txBody>
+      </p:sp>
+      <p:sp>
+        <p:nvSpPr>
+          <p:cNvPr id="48" name="PlaceHolder 2"/>
           <p:cNvSpPr>
             <a:spLocks noGrp="1"/>
           </p:cNvSpPr>
@@ -1901,8 +1927,8 @@
         </p:nvSpPr>
         <p:spPr>
           <a:xfrm>
-            <a:off x="685800" y="1869120"/>
-            <a:ext cx="3791880" cy="2030400"/>
+            <a:off x="457200" y="1604520"/>
+            <a:ext cx="4015800" cy="1896840"/>
           </a:xfrm>
           <a:prstGeom prst="rect">
             <a:avLst/>
@@ -1911,23 +1937,23 @@
         <p:txBody>
           <a:bodyPr lIns="0" rIns="0" tIns="0" bIns="0"/>
           <a:p>
-            <a:endParaRPr lang="en-US" sz="2200" spc="-1" strike="noStrike">
-              <a:solidFill>
-                <a:srgbClr val="ffffff"/>
-              </a:solidFill>
-              <a:uFill>
-                <a:solidFill>
-                  <a:srgbClr val="ffffff"/>
-                </a:solidFill>
-              </a:uFill>
-              <a:latin typeface="Calisto MT"/>
-            </a:endParaRPr>
-          </a:p>
-        </p:txBody>
-      </p:sp>
-      <p:sp>
-        <p:nvSpPr>
-          <p:cNvPr id="55" name="PlaceHolder 3"/>
+            <a:endParaRPr lang="en-US" sz="3200" spc="-1" strike="noStrike">
+              <a:solidFill>
+                <a:srgbClr val="ffffff"/>
+              </a:solidFill>
+              <a:uFill>
+                <a:solidFill>
+                  <a:srgbClr val="ffffff"/>
+                </a:solidFill>
+              </a:uFill>
+              <a:latin typeface="Arial"/>
+            </a:endParaRPr>
+          </a:p>
+        </p:txBody>
+      </p:sp>
+      <p:sp>
+        <p:nvSpPr>
+          <p:cNvPr id="49" name="PlaceHolder 3"/>
           <p:cNvSpPr>
             <a:spLocks noGrp="1"/>
           </p:cNvSpPr>
@@ -1937,8 +1963,8 @@
         </p:nvSpPr>
         <p:spPr>
           <a:xfrm>
-            <a:off x="685800" y="4092840"/>
-            <a:ext cx="3791880" cy="2030400"/>
+            <a:off x="457200" y="3682080"/>
+            <a:ext cx="4015800" cy="1896840"/>
           </a:xfrm>
           <a:prstGeom prst="rect">
             <a:avLst/>
@@ -1947,23 +1973,23 @@
         <p:txBody>
           <a:bodyPr lIns="0" rIns="0" tIns="0" bIns="0"/>
           <a:p>
-            <a:endParaRPr lang="en-US" sz="2200" spc="-1" strike="noStrike">
-              <a:solidFill>
-                <a:srgbClr val="ffffff"/>
-              </a:solidFill>
-              <a:uFill>
-                <a:solidFill>
-                  <a:srgbClr val="ffffff"/>
-                </a:solidFill>
-              </a:uFill>
-              <a:latin typeface="Calisto MT"/>
-            </a:endParaRPr>
-          </a:p>
-        </p:txBody>
-      </p:sp>
-      <p:sp>
-        <p:nvSpPr>
-          <p:cNvPr id="56" name="PlaceHolder 4"/>
+            <a:endParaRPr lang="en-US" sz="3200" spc="-1" strike="noStrike">
+              <a:solidFill>
+                <a:srgbClr val="ffffff"/>
+              </a:solidFill>
+              <a:uFill>
+                <a:solidFill>
+                  <a:srgbClr val="ffffff"/>
+                </a:solidFill>
+              </a:uFill>
+              <a:latin typeface="Arial"/>
+            </a:endParaRPr>
+          </a:p>
+        </p:txBody>
+      </p:sp>
+      <p:sp>
+        <p:nvSpPr>
+          <p:cNvPr id="50" name="PlaceHolder 4"/>
           <p:cNvSpPr>
             <a:spLocks noGrp="1"/>
           </p:cNvSpPr>
@@ -1973,8 +1999,8 @@
         </p:nvSpPr>
         <p:spPr>
           <a:xfrm>
-            <a:off x="4667760" y="1869120"/>
-            <a:ext cx="3791880" cy="4256640"/>
+            <a:off x="4674240" y="1604520"/>
+            <a:ext cx="4015800" cy="3977280"/>
           </a:xfrm>
           <a:prstGeom prst="rect">
             <a:avLst/>
@@ -1983,16 +2009,16 @@
         <p:txBody>
           <a:bodyPr lIns="0" rIns="0" tIns="0" bIns="0"/>
           <a:p>
-            <a:endParaRPr lang="en-US" sz="2200" spc="-1" strike="noStrike">
-              <a:solidFill>
-                <a:srgbClr val="ffffff"/>
-              </a:solidFill>
-              <a:uFill>
-                <a:solidFill>
-                  <a:srgbClr val="ffffff"/>
-                </a:solidFill>
-              </a:uFill>
-              <a:latin typeface="Calisto MT"/>
+            <a:endParaRPr lang="en-US" sz="3200" spc="-1" strike="noStrike">
+              <a:solidFill>
+                <a:srgbClr val="ffffff"/>
+              </a:solidFill>
+              <a:uFill>
+                <a:solidFill>
+                  <a:srgbClr val="ffffff"/>
+                </a:solidFill>
+              </a:uFill>
+              <a:latin typeface="Arial"/>
             </a:endParaRPr>
           </a:p>
         </p:txBody>
@@ -2021,7 +2047,7 @@
       </p:grpSpPr>
       <p:sp>
         <p:nvSpPr>
-          <p:cNvPr id="5" name="PlaceHolder 1"/>
+          <p:cNvPr id="2" name="PlaceHolder 1"/>
           <p:cNvSpPr>
             <a:spLocks noGrp="1"/>
           </p:cNvSpPr>
@@ -2031,8 +2057,8 @@
         </p:nvSpPr>
         <p:spPr>
           <a:xfrm>
-            <a:off x="685800" y="120960"/>
-            <a:ext cx="7770600" cy="1429560"/>
+            <a:off x="457200" y="273600"/>
+            <a:ext cx="8229240" cy="1144800"/>
           </a:xfrm>
           <a:prstGeom prst="rect">
             <a:avLst/>
@@ -2041,23 +2067,24 @@
         <p:txBody>
           <a:bodyPr lIns="0" rIns="0" tIns="0" bIns="0" anchor="ctr"/>
           <a:p>
-            <a:endParaRPr lang="en-US" sz="1800" spc="-1" strike="noStrike">
-              <a:solidFill>
-                <a:srgbClr val="ffffff"/>
-              </a:solidFill>
-              <a:uFill>
-                <a:solidFill>
-                  <a:srgbClr val="ffffff"/>
-                </a:solidFill>
-              </a:uFill>
-              <a:latin typeface="Calisto MT"/>
-            </a:endParaRPr>
-          </a:p>
-        </p:txBody>
-      </p:sp>
-      <p:sp>
-        <p:nvSpPr>
-          <p:cNvPr id="6" name="PlaceHolder 2"/>
+            <a:pPr algn="ctr"/>
+            <a:endParaRPr lang="en-US" sz="4400" spc="-1" strike="noStrike">
+              <a:solidFill>
+                <a:srgbClr val="ffffff"/>
+              </a:solidFill>
+              <a:uFill>
+                <a:solidFill>
+                  <a:srgbClr val="ffffff"/>
+                </a:solidFill>
+              </a:uFill>
+              <a:latin typeface="Arial"/>
+            </a:endParaRPr>
+          </a:p>
+        </p:txBody>
+      </p:sp>
+      <p:sp>
+        <p:nvSpPr>
+          <p:cNvPr id="3" name="PlaceHolder 2"/>
           <p:cNvSpPr>
             <a:spLocks noGrp="1"/>
           </p:cNvSpPr>
@@ -2067,8 +2094,8 @@
         </p:nvSpPr>
         <p:spPr>
           <a:xfrm>
-            <a:off x="685800" y="1869120"/>
-            <a:ext cx="7770600" cy="4256640"/>
+            <a:off x="457200" y="1604520"/>
+            <a:ext cx="8229240" cy="3977280"/>
           </a:xfrm>
           <a:prstGeom prst="rect">
             <a:avLst/>
@@ -2116,7 +2143,7 @@
       </p:grpSpPr>
       <p:sp>
         <p:nvSpPr>
-          <p:cNvPr id="57" name="PlaceHolder 1"/>
+          <p:cNvPr id="51" name="PlaceHolder 1"/>
           <p:cNvSpPr>
             <a:spLocks noGrp="1"/>
           </p:cNvSpPr>
@@ -2126,8 +2153,8 @@
         </p:nvSpPr>
         <p:spPr>
           <a:xfrm>
-            <a:off x="685800" y="120960"/>
-            <a:ext cx="7770600" cy="1429560"/>
+            <a:off x="457200" y="273600"/>
+            <a:ext cx="8229240" cy="1144800"/>
           </a:xfrm>
           <a:prstGeom prst="rect">
             <a:avLst/>
@@ -2136,23 +2163,24 @@
         <p:txBody>
           <a:bodyPr lIns="0" rIns="0" tIns="0" bIns="0" anchor="ctr"/>
           <a:p>
-            <a:endParaRPr lang="en-US" sz="1800" spc="-1" strike="noStrike">
-              <a:solidFill>
-                <a:srgbClr val="ffffff"/>
-              </a:solidFill>
-              <a:uFill>
-                <a:solidFill>
-                  <a:srgbClr val="ffffff"/>
-                </a:solidFill>
-              </a:uFill>
-              <a:latin typeface="Calisto MT"/>
-            </a:endParaRPr>
-          </a:p>
-        </p:txBody>
-      </p:sp>
-      <p:sp>
-        <p:nvSpPr>
-          <p:cNvPr id="58" name="PlaceHolder 2"/>
+            <a:pPr algn="ctr"/>
+            <a:endParaRPr lang="en-US" sz="4400" spc="-1" strike="noStrike">
+              <a:solidFill>
+                <a:srgbClr val="ffffff"/>
+              </a:solidFill>
+              <a:uFill>
+                <a:solidFill>
+                  <a:srgbClr val="ffffff"/>
+                </a:solidFill>
+              </a:uFill>
+              <a:latin typeface="Arial"/>
+            </a:endParaRPr>
+          </a:p>
+        </p:txBody>
+      </p:sp>
+      <p:sp>
+        <p:nvSpPr>
+          <p:cNvPr id="52" name="PlaceHolder 2"/>
           <p:cNvSpPr>
             <a:spLocks noGrp="1"/>
           </p:cNvSpPr>
@@ -2162,8 +2190,8 @@
         </p:nvSpPr>
         <p:spPr>
           <a:xfrm>
-            <a:off x="685800" y="1869120"/>
-            <a:ext cx="3791880" cy="4256640"/>
+            <a:off x="457200" y="1604520"/>
+            <a:ext cx="4015800" cy="3977280"/>
           </a:xfrm>
           <a:prstGeom prst="rect">
             <a:avLst/>
@@ -2172,23 +2200,23 @@
         <p:txBody>
           <a:bodyPr lIns="0" rIns="0" tIns="0" bIns="0"/>
           <a:p>
-            <a:endParaRPr lang="en-US" sz="2200" spc="-1" strike="noStrike">
-              <a:solidFill>
-                <a:srgbClr val="ffffff"/>
-              </a:solidFill>
-              <a:uFill>
-                <a:solidFill>
-                  <a:srgbClr val="ffffff"/>
-                </a:solidFill>
-              </a:uFill>
-              <a:latin typeface="Calisto MT"/>
-            </a:endParaRPr>
-          </a:p>
-        </p:txBody>
-      </p:sp>
-      <p:sp>
-        <p:nvSpPr>
-          <p:cNvPr id="59" name="PlaceHolder 3"/>
+            <a:endParaRPr lang="en-US" sz="3200" spc="-1" strike="noStrike">
+              <a:solidFill>
+                <a:srgbClr val="ffffff"/>
+              </a:solidFill>
+              <a:uFill>
+                <a:solidFill>
+                  <a:srgbClr val="ffffff"/>
+                </a:solidFill>
+              </a:uFill>
+              <a:latin typeface="Arial"/>
+            </a:endParaRPr>
+          </a:p>
+        </p:txBody>
+      </p:sp>
+      <p:sp>
+        <p:nvSpPr>
+          <p:cNvPr id="53" name="PlaceHolder 3"/>
           <p:cNvSpPr>
             <a:spLocks noGrp="1"/>
           </p:cNvSpPr>
@@ -2198,8 +2226,8 @@
         </p:nvSpPr>
         <p:spPr>
           <a:xfrm>
-            <a:off x="4667760" y="1869120"/>
-            <a:ext cx="3791880" cy="2030400"/>
+            <a:off x="4674240" y="1604520"/>
+            <a:ext cx="4015800" cy="1896840"/>
           </a:xfrm>
           <a:prstGeom prst="rect">
             <a:avLst/>
@@ -2208,23 +2236,23 @@
         <p:txBody>
           <a:bodyPr lIns="0" rIns="0" tIns="0" bIns="0"/>
           <a:p>
-            <a:endParaRPr lang="en-US" sz="2200" spc="-1" strike="noStrike">
-              <a:solidFill>
-                <a:srgbClr val="ffffff"/>
-              </a:solidFill>
-              <a:uFill>
-                <a:solidFill>
-                  <a:srgbClr val="ffffff"/>
-                </a:solidFill>
-              </a:uFill>
-              <a:latin typeface="Calisto MT"/>
-            </a:endParaRPr>
-          </a:p>
-        </p:txBody>
-      </p:sp>
-      <p:sp>
-        <p:nvSpPr>
-          <p:cNvPr id="60" name="PlaceHolder 4"/>
+            <a:endParaRPr lang="en-US" sz="3200" spc="-1" strike="noStrike">
+              <a:solidFill>
+                <a:srgbClr val="ffffff"/>
+              </a:solidFill>
+              <a:uFill>
+                <a:solidFill>
+                  <a:srgbClr val="ffffff"/>
+                </a:solidFill>
+              </a:uFill>
+              <a:latin typeface="Arial"/>
+            </a:endParaRPr>
+          </a:p>
+        </p:txBody>
+      </p:sp>
+      <p:sp>
+        <p:nvSpPr>
+          <p:cNvPr id="54" name="PlaceHolder 4"/>
           <p:cNvSpPr>
             <a:spLocks noGrp="1"/>
           </p:cNvSpPr>
@@ -2234,8 +2262,8 @@
         </p:nvSpPr>
         <p:spPr>
           <a:xfrm>
-            <a:off x="4667760" y="4092840"/>
-            <a:ext cx="3791880" cy="2030400"/>
+            <a:off x="4674240" y="3682080"/>
+            <a:ext cx="4015800" cy="1896840"/>
           </a:xfrm>
           <a:prstGeom prst="rect">
             <a:avLst/>
@@ -2244,16 +2272,16 @@
         <p:txBody>
           <a:bodyPr lIns="0" rIns="0" tIns="0" bIns="0"/>
           <a:p>
-            <a:endParaRPr lang="en-US" sz="2200" spc="-1" strike="noStrike">
-              <a:solidFill>
-                <a:srgbClr val="ffffff"/>
-              </a:solidFill>
-              <a:uFill>
-                <a:solidFill>
-                  <a:srgbClr val="ffffff"/>
-                </a:solidFill>
-              </a:uFill>
-              <a:latin typeface="Calisto MT"/>
+            <a:endParaRPr lang="en-US" sz="3200" spc="-1" strike="noStrike">
+              <a:solidFill>
+                <a:srgbClr val="ffffff"/>
+              </a:solidFill>
+              <a:uFill>
+                <a:solidFill>
+                  <a:srgbClr val="ffffff"/>
+                </a:solidFill>
+              </a:uFill>
+              <a:latin typeface="Arial"/>
             </a:endParaRPr>
           </a:p>
         </p:txBody>
@@ -2282,7 +2310,7 @@
       </p:grpSpPr>
       <p:sp>
         <p:nvSpPr>
-          <p:cNvPr id="61" name="PlaceHolder 1"/>
+          <p:cNvPr id="55" name="PlaceHolder 1"/>
           <p:cNvSpPr>
             <a:spLocks noGrp="1"/>
           </p:cNvSpPr>
@@ -2292,8 +2320,8 @@
         </p:nvSpPr>
         <p:spPr>
           <a:xfrm>
-            <a:off x="685800" y="120960"/>
-            <a:ext cx="7770600" cy="1429560"/>
+            <a:off x="457200" y="273600"/>
+            <a:ext cx="8229240" cy="1144800"/>
           </a:xfrm>
           <a:prstGeom prst="rect">
             <a:avLst/>
@@ -2302,23 +2330,24 @@
         <p:txBody>
           <a:bodyPr lIns="0" rIns="0" tIns="0" bIns="0" anchor="ctr"/>
           <a:p>
-            <a:endParaRPr lang="en-US" sz="1800" spc="-1" strike="noStrike">
-              <a:solidFill>
-                <a:srgbClr val="ffffff"/>
-              </a:solidFill>
-              <a:uFill>
-                <a:solidFill>
-                  <a:srgbClr val="ffffff"/>
-                </a:solidFill>
-              </a:uFill>
-              <a:latin typeface="Calisto MT"/>
-            </a:endParaRPr>
-          </a:p>
-        </p:txBody>
-      </p:sp>
-      <p:sp>
-        <p:nvSpPr>
-          <p:cNvPr id="62" name="PlaceHolder 2"/>
+            <a:pPr algn="ctr"/>
+            <a:endParaRPr lang="en-US" sz="4400" spc="-1" strike="noStrike">
+              <a:solidFill>
+                <a:srgbClr val="ffffff"/>
+              </a:solidFill>
+              <a:uFill>
+                <a:solidFill>
+                  <a:srgbClr val="ffffff"/>
+                </a:solidFill>
+              </a:uFill>
+              <a:latin typeface="Arial"/>
+            </a:endParaRPr>
+          </a:p>
+        </p:txBody>
+      </p:sp>
+      <p:sp>
+        <p:nvSpPr>
+          <p:cNvPr id="56" name="PlaceHolder 2"/>
           <p:cNvSpPr>
             <a:spLocks noGrp="1"/>
           </p:cNvSpPr>
@@ -2328,8 +2357,8 @@
         </p:nvSpPr>
         <p:spPr>
           <a:xfrm>
-            <a:off x="685800" y="1869120"/>
-            <a:ext cx="3791880" cy="2030400"/>
+            <a:off x="457200" y="1604520"/>
+            <a:ext cx="4015800" cy="1896840"/>
           </a:xfrm>
           <a:prstGeom prst="rect">
             <a:avLst/>
@@ -2338,23 +2367,23 @@
         <p:txBody>
           <a:bodyPr lIns="0" rIns="0" tIns="0" bIns="0"/>
           <a:p>
-            <a:endParaRPr lang="en-US" sz="2200" spc="-1" strike="noStrike">
-              <a:solidFill>
-                <a:srgbClr val="ffffff"/>
-              </a:solidFill>
-              <a:uFill>
-                <a:solidFill>
-                  <a:srgbClr val="ffffff"/>
-                </a:solidFill>
-              </a:uFill>
-              <a:latin typeface="Calisto MT"/>
-            </a:endParaRPr>
-          </a:p>
-        </p:txBody>
-      </p:sp>
-      <p:sp>
-        <p:nvSpPr>
-          <p:cNvPr id="63" name="PlaceHolder 3"/>
+            <a:endParaRPr lang="en-US" sz="3200" spc="-1" strike="noStrike">
+              <a:solidFill>
+                <a:srgbClr val="ffffff"/>
+              </a:solidFill>
+              <a:uFill>
+                <a:solidFill>
+                  <a:srgbClr val="ffffff"/>
+                </a:solidFill>
+              </a:uFill>
+              <a:latin typeface="Arial"/>
+            </a:endParaRPr>
+          </a:p>
+        </p:txBody>
+      </p:sp>
+      <p:sp>
+        <p:nvSpPr>
+          <p:cNvPr id="57" name="PlaceHolder 3"/>
           <p:cNvSpPr>
             <a:spLocks noGrp="1"/>
           </p:cNvSpPr>
@@ -2364,8 +2393,8 @@
         </p:nvSpPr>
         <p:spPr>
           <a:xfrm>
-            <a:off x="4667760" y="1869120"/>
-            <a:ext cx="3791880" cy="2030400"/>
+            <a:off x="4674240" y="1604520"/>
+            <a:ext cx="4015800" cy="1896840"/>
           </a:xfrm>
           <a:prstGeom prst="rect">
             <a:avLst/>
@@ -2374,23 +2403,23 @@
         <p:txBody>
           <a:bodyPr lIns="0" rIns="0" tIns="0" bIns="0"/>
           <a:p>
-            <a:endParaRPr lang="en-US" sz="2200" spc="-1" strike="noStrike">
-              <a:solidFill>
-                <a:srgbClr val="ffffff"/>
-              </a:solidFill>
-              <a:uFill>
-                <a:solidFill>
-                  <a:srgbClr val="ffffff"/>
-                </a:solidFill>
-              </a:uFill>
-              <a:latin typeface="Calisto MT"/>
-            </a:endParaRPr>
-          </a:p>
-        </p:txBody>
-      </p:sp>
-      <p:sp>
-        <p:nvSpPr>
-          <p:cNvPr id="64" name="PlaceHolder 4"/>
+            <a:endParaRPr lang="en-US" sz="3200" spc="-1" strike="noStrike">
+              <a:solidFill>
+                <a:srgbClr val="ffffff"/>
+              </a:solidFill>
+              <a:uFill>
+                <a:solidFill>
+                  <a:srgbClr val="ffffff"/>
+                </a:solidFill>
+              </a:uFill>
+              <a:latin typeface="Arial"/>
+            </a:endParaRPr>
+          </a:p>
+        </p:txBody>
+      </p:sp>
+      <p:sp>
+        <p:nvSpPr>
+          <p:cNvPr id="58" name="PlaceHolder 4"/>
           <p:cNvSpPr>
             <a:spLocks noGrp="1"/>
           </p:cNvSpPr>
@@ -2400,8 +2429,8 @@
         </p:nvSpPr>
         <p:spPr>
           <a:xfrm>
-            <a:off x="685800" y="4092840"/>
-            <a:ext cx="7770600" cy="2030400"/>
+            <a:off x="457200" y="3682080"/>
+            <a:ext cx="8229240" cy="1896840"/>
           </a:xfrm>
           <a:prstGeom prst="rect">
             <a:avLst/>
@@ -2410,16 +2439,16 @@
         <p:txBody>
           <a:bodyPr lIns="0" rIns="0" tIns="0" bIns="0"/>
           <a:p>
-            <a:endParaRPr lang="en-US" sz="2200" spc="-1" strike="noStrike">
-              <a:solidFill>
-                <a:srgbClr val="ffffff"/>
-              </a:solidFill>
-              <a:uFill>
-                <a:solidFill>
-                  <a:srgbClr val="ffffff"/>
-                </a:solidFill>
-              </a:uFill>
-              <a:latin typeface="Calisto MT"/>
+            <a:endParaRPr lang="en-US" sz="3200" spc="-1" strike="noStrike">
+              <a:solidFill>
+                <a:srgbClr val="ffffff"/>
+              </a:solidFill>
+              <a:uFill>
+                <a:solidFill>
+                  <a:srgbClr val="ffffff"/>
+                </a:solidFill>
+              </a:uFill>
+              <a:latin typeface="Arial"/>
             </a:endParaRPr>
           </a:p>
         </p:txBody>
@@ -2448,7 +2477,7 @@
       </p:grpSpPr>
       <p:sp>
         <p:nvSpPr>
-          <p:cNvPr id="65" name="PlaceHolder 1"/>
+          <p:cNvPr id="59" name="PlaceHolder 1"/>
           <p:cNvSpPr>
             <a:spLocks noGrp="1"/>
           </p:cNvSpPr>
@@ -2458,8 +2487,8 @@
         </p:nvSpPr>
         <p:spPr>
           <a:xfrm>
-            <a:off x="685800" y="120960"/>
-            <a:ext cx="7770600" cy="1429560"/>
+            <a:off x="457200" y="273600"/>
+            <a:ext cx="8229240" cy="1144800"/>
           </a:xfrm>
           <a:prstGeom prst="rect">
             <a:avLst/>
@@ -2468,23 +2497,24 @@
         <p:txBody>
           <a:bodyPr lIns="0" rIns="0" tIns="0" bIns="0" anchor="ctr"/>
           <a:p>
-            <a:endParaRPr lang="en-US" sz="1800" spc="-1" strike="noStrike">
-              <a:solidFill>
-                <a:srgbClr val="ffffff"/>
-              </a:solidFill>
-              <a:uFill>
-                <a:solidFill>
-                  <a:srgbClr val="ffffff"/>
-                </a:solidFill>
-              </a:uFill>
-              <a:latin typeface="Calisto MT"/>
-            </a:endParaRPr>
-          </a:p>
-        </p:txBody>
-      </p:sp>
-      <p:sp>
-        <p:nvSpPr>
-          <p:cNvPr id="66" name="PlaceHolder 2"/>
+            <a:pPr algn="ctr"/>
+            <a:endParaRPr lang="en-US" sz="4400" spc="-1" strike="noStrike">
+              <a:solidFill>
+                <a:srgbClr val="ffffff"/>
+              </a:solidFill>
+              <a:uFill>
+                <a:solidFill>
+                  <a:srgbClr val="ffffff"/>
+                </a:solidFill>
+              </a:uFill>
+              <a:latin typeface="Arial"/>
+            </a:endParaRPr>
+          </a:p>
+        </p:txBody>
+      </p:sp>
+      <p:sp>
+        <p:nvSpPr>
+          <p:cNvPr id="60" name="PlaceHolder 2"/>
           <p:cNvSpPr>
             <a:spLocks noGrp="1"/>
           </p:cNvSpPr>
@@ -2494,8 +2524,8 @@
         </p:nvSpPr>
         <p:spPr>
           <a:xfrm>
-            <a:off x="685800" y="1869120"/>
-            <a:ext cx="7770600" cy="2030400"/>
+            <a:off x="457200" y="1604520"/>
+            <a:ext cx="8229240" cy="1896840"/>
           </a:xfrm>
           <a:prstGeom prst="rect">
             <a:avLst/>
@@ -2504,23 +2534,23 @@
         <p:txBody>
           <a:bodyPr lIns="0" rIns="0" tIns="0" bIns="0"/>
           <a:p>
-            <a:endParaRPr lang="en-US" sz="2200" spc="-1" strike="noStrike">
-              <a:solidFill>
-                <a:srgbClr val="ffffff"/>
-              </a:solidFill>
-              <a:uFill>
-                <a:solidFill>
-                  <a:srgbClr val="ffffff"/>
-                </a:solidFill>
-              </a:uFill>
-              <a:latin typeface="Calisto MT"/>
-            </a:endParaRPr>
-          </a:p>
-        </p:txBody>
-      </p:sp>
-      <p:sp>
-        <p:nvSpPr>
-          <p:cNvPr id="67" name="PlaceHolder 3"/>
+            <a:endParaRPr lang="en-US" sz="3200" spc="-1" strike="noStrike">
+              <a:solidFill>
+                <a:srgbClr val="ffffff"/>
+              </a:solidFill>
+              <a:uFill>
+                <a:solidFill>
+                  <a:srgbClr val="ffffff"/>
+                </a:solidFill>
+              </a:uFill>
+              <a:latin typeface="Arial"/>
+            </a:endParaRPr>
+          </a:p>
+        </p:txBody>
+      </p:sp>
+      <p:sp>
+        <p:nvSpPr>
+          <p:cNvPr id="61" name="PlaceHolder 3"/>
           <p:cNvSpPr>
             <a:spLocks noGrp="1"/>
           </p:cNvSpPr>
@@ -2530,8 +2560,8 @@
         </p:nvSpPr>
         <p:spPr>
           <a:xfrm>
-            <a:off x="685800" y="4092840"/>
-            <a:ext cx="7770600" cy="2030400"/>
+            <a:off x="457200" y="3682080"/>
+            <a:ext cx="8229240" cy="1896840"/>
           </a:xfrm>
           <a:prstGeom prst="rect">
             <a:avLst/>
@@ -2540,16 +2570,16 @@
         <p:txBody>
           <a:bodyPr lIns="0" rIns="0" tIns="0" bIns="0"/>
           <a:p>
-            <a:endParaRPr lang="en-US" sz="2200" spc="-1" strike="noStrike">
-              <a:solidFill>
-                <a:srgbClr val="ffffff"/>
-              </a:solidFill>
-              <a:uFill>
-                <a:solidFill>
-                  <a:srgbClr val="ffffff"/>
-                </a:solidFill>
-              </a:uFill>
-              <a:latin typeface="Calisto MT"/>
+            <a:endParaRPr lang="en-US" sz="3200" spc="-1" strike="noStrike">
+              <a:solidFill>
+                <a:srgbClr val="ffffff"/>
+              </a:solidFill>
+              <a:uFill>
+                <a:solidFill>
+                  <a:srgbClr val="ffffff"/>
+                </a:solidFill>
+              </a:uFill>
+              <a:latin typeface="Arial"/>
             </a:endParaRPr>
           </a:p>
         </p:txBody>
@@ -2578,7 +2608,7 @@
       </p:grpSpPr>
       <p:sp>
         <p:nvSpPr>
-          <p:cNvPr id="68" name="PlaceHolder 1"/>
+          <p:cNvPr id="62" name="PlaceHolder 1"/>
           <p:cNvSpPr>
             <a:spLocks noGrp="1"/>
           </p:cNvSpPr>
@@ -2588,8 +2618,8 @@
         </p:nvSpPr>
         <p:spPr>
           <a:xfrm>
-            <a:off x="685800" y="120960"/>
-            <a:ext cx="7770600" cy="1429560"/>
+            <a:off x="457200" y="273600"/>
+            <a:ext cx="8229240" cy="1144800"/>
           </a:xfrm>
           <a:prstGeom prst="rect">
             <a:avLst/>
@@ -2598,23 +2628,24 @@
         <p:txBody>
           <a:bodyPr lIns="0" rIns="0" tIns="0" bIns="0" anchor="ctr"/>
           <a:p>
-            <a:endParaRPr lang="en-US" sz="1800" spc="-1" strike="noStrike">
-              <a:solidFill>
-                <a:srgbClr val="ffffff"/>
-              </a:solidFill>
-              <a:uFill>
-                <a:solidFill>
-                  <a:srgbClr val="ffffff"/>
-                </a:solidFill>
-              </a:uFill>
-              <a:latin typeface="Calisto MT"/>
-            </a:endParaRPr>
-          </a:p>
-        </p:txBody>
-      </p:sp>
-      <p:sp>
-        <p:nvSpPr>
-          <p:cNvPr id="69" name="PlaceHolder 2"/>
+            <a:pPr algn="ctr"/>
+            <a:endParaRPr lang="en-US" sz="4400" spc="-1" strike="noStrike">
+              <a:solidFill>
+                <a:srgbClr val="ffffff"/>
+              </a:solidFill>
+              <a:uFill>
+                <a:solidFill>
+                  <a:srgbClr val="ffffff"/>
+                </a:solidFill>
+              </a:uFill>
+              <a:latin typeface="Arial"/>
+            </a:endParaRPr>
+          </a:p>
+        </p:txBody>
+      </p:sp>
+      <p:sp>
+        <p:nvSpPr>
+          <p:cNvPr id="63" name="PlaceHolder 2"/>
           <p:cNvSpPr>
             <a:spLocks noGrp="1"/>
           </p:cNvSpPr>
@@ -2624,8 +2655,8 @@
         </p:nvSpPr>
         <p:spPr>
           <a:xfrm>
-            <a:off x="685800" y="1869120"/>
-            <a:ext cx="3791880" cy="2030400"/>
+            <a:off x="457200" y="1604520"/>
+            <a:ext cx="4015800" cy="1896840"/>
           </a:xfrm>
           <a:prstGeom prst="rect">
             <a:avLst/>
@@ -2634,23 +2665,23 @@
         <p:txBody>
           <a:bodyPr lIns="0" rIns="0" tIns="0" bIns="0"/>
           <a:p>
-            <a:endParaRPr lang="en-US" sz="2200" spc="-1" strike="noStrike">
-              <a:solidFill>
-                <a:srgbClr val="ffffff"/>
-              </a:solidFill>
-              <a:uFill>
-                <a:solidFill>
-                  <a:srgbClr val="ffffff"/>
-                </a:solidFill>
-              </a:uFill>
-              <a:latin typeface="Calisto MT"/>
-            </a:endParaRPr>
-          </a:p>
-        </p:txBody>
-      </p:sp>
-      <p:sp>
-        <p:nvSpPr>
-          <p:cNvPr id="70" name="PlaceHolder 3"/>
+            <a:endParaRPr lang="en-US" sz="3200" spc="-1" strike="noStrike">
+              <a:solidFill>
+                <a:srgbClr val="ffffff"/>
+              </a:solidFill>
+              <a:uFill>
+                <a:solidFill>
+                  <a:srgbClr val="ffffff"/>
+                </a:solidFill>
+              </a:uFill>
+              <a:latin typeface="Arial"/>
+            </a:endParaRPr>
+          </a:p>
+        </p:txBody>
+      </p:sp>
+      <p:sp>
+        <p:nvSpPr>
+          <p:cNvPr id="64" name="PlaceHolder 3"/>
           <p:cNvSpPr>
             <a:spLocks noGrp="1"/>
           </p:cNvSpPr>
@@ -2660,8 +2691,8 @@
         </p:nvSpPr>
         <p:spPr>
           <a:xfrm>
-            <a:off x="4667760" y="1869120"/>
-            <a:ext cx="3791880" cy="2030400"/>
+            <a:off x="4674240" y="1604520"/>
+            <a:ext cx="4015800" cy="1896840"/>
           </a:xfrm>
           <a:prstGeom prst="rect">
             <a:avLst/>
@@ -2670,23 +2701,23 @@
         <p:txBody>
           <a:bodyPr lIns="0" rIns="0" tIns="0" bIns="0"/>
           <a:p>
-            <a:endParaRPr lang="en-US" sz="2200" spc="-1" strike="noStrike">
-              <a:solidFill>
-                <a:srgbClr val="ffffff"/>
-              </a:solidFill>
-              <a:uFill>
-                <a:solidFill>
-                  <a:srgbClr val="ffffff"/>
-                </a:solidFill>
-              </a:uFill>
-              <a:latin typeface="Calisto MT"/>
-            </a:endParaRPr>
-          </a:p>
-        </p:txBody>
-      </p:sp>
-      <p:sp>
-        <p:nvSpPr>
-          <p:cNvPr id="71" name="PlaceHolder 4"/>
+            <a:endParaRPr lang="en-US" sz="3200" spc="-1" strike="noStrike">
+              <a:solidFill>
+                <a:srgbClr val="ffffff"/>
+              </a:solidFill>
+              <a:uFill>
+                <a:solidFill>
+                  <a:srgbClr val="ffffff"/>
+                </a:solidFill>
+              </a:uFill>
+              <a:latin typeface="Arial"/>
+            </a:endParaRPr>
+          </a:p>
+        </p:txBody>
+      </p:sp>
+      <p:sp>
+        <p:nvSpPr>
+          <p:cNvPr id="65" name="PlaceHolder 4"/>
           <p:cNvSpPr>
             <a:spLocks noGrp="1"/>
           </p:cNvSpPr>
@@ -2696,8 +2727,8 @@
         </p:nvSpPr>
         <p:spPr>
           <a:xfrm>
-            <a:off x="4667760" y="4092840"/>
-            <a:ext cx="3791880" cy="2030400"/>
+            <a:off x="4674240" y="3682080"/>
+            <a:ext cx="4015800" cy="1896840"/>
           </a:xfrm>
           <a:prstGeom prst="rect">
             <a:avLst/>
@@ -2706,23 +2737,23 @@
         <p:txBody>
           <a:bodyPr lIns="0" rIns="0" tIns="0" bIns="0"/>
           <a:p>
-            <a:endParaRPr lang="en-US" sz="2200" spc="-1" strike="noStrike">
-              <a:solidFill>
-                <a:srgbClr val="ffffff"/>
-              </a:solidFill>
-              <a:uFill>
-                <a:solidFill>
-                  <a:srgbClr val="ffffff"/>
-                </a:solidFill>
-              </a:uFill>
-              <a:latin typeface="Calisto MT"/>
-            </a:endParaRPr>
-          </a:p>
-        </p:txBody>
-      </p:sp>
-      <p:sp>
-        <p:nvSpPr>
-          <p:cNvPr id="72" name="PlaceHolder 5"/>
+            <a:endParaRPr lang="en-US" sz="3200" spc="-1" strike="noStrike">
+              <a:solidFill>
+                <a:srgbClr val="ffffff"/>
+              </a:solidFill>
+              <a:uFill>
+                <a:solidFill>
+                  <a:srgbClr val="ffffff"/>
+                </a:solidFill>
+              </a:uFill>
+              <a:latin typeface="Arial"/>
+            </a:endParaRPr>
+          </a:p>
+        </p:txBody>
+      </p:sp>
+      <p:sp>
+        <p:nvSpPr>
+          <p:cNvPr id="66" name="PlaceHolder 5"/>
           <p:cNvSpPr>
             <a:spLocks noGrp="1"/>
           </p:cNvSpPr>
@@ -2732,8 +2763,8 @@
         </p:nvSpPr>
         <p:spPr>
           <a:xfrm>
-            <a:off x="685800" y="4092840"/>
-            <a:ext cx="3791880" cy="2030400"/>
+            <a:off x="457200" y="3682080"/>
+            <a:ext cx="4015800" cy="1896840"/>
           </a:xfrm>
           <a:prstGeom prst="rect">
             <a:avLst/>
@@ -2742,16 +2773,16 @@
         <p:txBody>
           <a:bodyPr lIns="0" rIns="0" tIns="0" bIns="0"/>
           <a:p>
-            <a:endParaRPr lang="en-US" sz="2200" spc="-1" strike="noStrike">
-              <a:solidFill>
-                <a:srgbClr val="ffffff"/>
-              </a:solidFill>
-              <a:uFill>
-                <a:solidFill>
-                  <a:srgbClr val="ffffff"/>
-                </a:solidFill>
-              </a:uFill>
-              <a:latin typeface="Calisto MT"/>
+            <a:endParaRPr lang="en-US" sz="3200" spc="-1" strike="noStrike">
+              <a:solidFill>
+                <a:srgbClr val="ffffff"/>
+              </a:solidFill>
+              <a:uFill>
+                <a:solidFill>
+                  <a:srgbClr val="ffffff"/>
+                </a:solidFill>
+              </a:uFill>
+              <a:latin typeface="Arial"/>
             </a:endParaRPr>
           </a:p>
         </p:txBody>
@@ -2780,7 +2811,7 @@
       </p:grpSpPr>
       <p:sp>
         <p:nvSpPr>
-          <p:cNvPr id="73" name="PlaceHolder 1"/>
+          <p:cNvPr id="67" name="PlaceHolder 1"/>
           <p:cNvSpPr>
             <a:spLocks noGrp="1"/>
           </p:cNvSpPr>
@@ -2790,8 +2821,8 @@
         </p:nvSpPr>
         <p:spPr>
           <a:xfrm>
-            <a:off x="685800" y="120960"/>
-            <a:ext cx="7770600" cy="1429560"/>
+            <a:off x="457200" y="273600"/>
+            <a:ext cx="8229240" cy="1144800"/>
           </a:xfrm>
           <a:prstGeom prst="rect">
             <a:avLst/>
@@ -2800,23 +2831,24 @@
         <p:txBody>
           <a:bodyPr lIns="0" rIns="0" tIns="0" bIns="0" anchor="ctr"/>
           <a:p>
-            <a:endParaRPr lang="en-US" sz="1800" spc="-1" strike="noStrike">
-              <a:solidFill>
-                <a:srgbClr val="ffffff"/>
-              </a:solidFill>
-              <a:uFill>
-                <a:solidFill>
-                  <a:srgbClr val="ffffff"/>
-                </a:solidFill>
-              </a:uFill>
-              <a:latin typeface="Calisto MT"/>
-            </a:endParaRPr>
-          </a:p>
-        </p:txBody>
-      </p:sp>
-      <p:sp>
-        <p:nvSpPr>
-          <p:cNvPr id="74" name="PlaceHolder 2"/>
+            <a:pPr algn="ctr"/>
+            <a:endParaRPr lang="en-US" sz="4400" spc="-1" strike="noStrike">
+              <a:solidFill>
+                <a:srgbClr val="ffffff"/>
+              </a:solidFill>
+              <a:uFill>
+                <a:solidFill>
+                  <a:srgbClr val="ffffff"/>
+                </a:solidFill>
+              </a:uFill>
+              <a:latin typeface="Arial"/>
+            </a:endParaRPr>
+          </a:p>
+        </p:txBody>
+      </p:sp>
+      <p:sp>
+        <p:nvSpPr>
+          <p:cNvPr id="68" name="PlaceHolder 2"/>
           <p:cNvSpPr>
             <a:spLocks noGrp="1"/>
           </p:cNvSpPr>
@@ -2826,8 +2858,8 @@
         </p:nvSpPr>
         <p:spPr>
           <a:xfrm>
-            <a:off x="685800" y="1869120"/>
-            <a:ext cx="7770600" cy="4256640"/>
+            <a:off x="457200" y="1604520"/>
+            <a:ext cx="8229240" cy="3977280"/>
           </a:xfrm>
           <a:prstGeom prst="rect">
             <a:avLst/>
@@ -2836,23 +2868,23 @@
         <p:txBody>
           <a:bodyPr lIns="0" rIns="0" tIns="0" bIns="0"/>
           <a:p>
-            <a:endParaRPr lang="en-US" sz="2200" spc="-1" strike="noStrike">
-              <a:solidFill>
-                <a:srgbClr val="ffffff"/>
-              </a:solidFill>
-              <a:uFill>
-                <a:solidFill>
-                  <a:srgbClr val="ffffff"/>
-                </a:solidFill>
-              </a:uFill>
-              <a:latin typeface="Calisto MT"/>
-            </a:endParaRPr>
-          </a:p>
-        </p:txBody>
-      </p:sp>
-      <p:sp>
-        <p:nvSpPr>
-          <p:cNvPr id="75" name="PlaceHolder 3"/>
+            <a:endParaRPr lang="en-US" sz="3200" spc="-1" strike="noStrike">
+              <a:solidFill>
+                <a:srgbClr val="ffffff"/>
+              </a:solidFill>
+              <a:uFill>
+                <a:solidFill>
+                  <a:srgbClr val="ffffff"/>
+                </a:solidFill>
+              </a:uFill>
+              <a:latin typeface="Arial"/>
+            </a:endParaRPr>
+          </a:p>
+        </p:txBody>
+      </p:sp>
+      <p:sp>
+        <p:nvSpPr>
+          <p:cNvPr id="69" name="PlaceHolder 3"/>
           <p:cNvSpPr>
             <a:spLocks noGrp="1"/>
           </p:cNvSpPr>
@@ -2862,8 +2894,8 @@
         </p:nvSpPr>
         <p:spPr>
           <a:xfrm>
-            <a:off x="685800" y="1869120"/>
-            <a:ext cx="7770600" cy="4256640"/>
+            <a:off x="457200" y="1604520"/>
+            <a:ext cx="8229240" cy="3977280"/>
           </a:xfrm>
           <a:prstGeom prst="rect">
             <a:avLst/>
@@ -2872,23 +2904,23 @@
         <p:txBody>
           <a:bodyPr lIns="0" rIns="0" tIns="0" bIns="0"/>
           <a:p>
-            <a:endParaRPr lang="en-US" sz="2200" spc="-1" strike="noStrike">
-              <a:solidFill>
-                <a:srgbClr val="ffffff"/>
-              </a:solidFill>
-              <a:uFill>
-                <a:solidFill>
-                  <a:srgbClr val="ffffff"/>
-                </a:solidFill>
-              </a:uFill>
-              <a:latin typeface="Calisto MT"/>
+            <a:endParaRPr lang="en-US" sz="3200" spc="-1" strike="noStrike">
+              <a:solidFill>
+                <a:srgbClr val="ffffff"/>
+              </a:solidFill>
+              <a:uFill>
+                <a:solidFill>
+                  <a:srgbClr val="ffffff"/>
+                </a:solidFill>
+              </a:uFill>
+              <a:latin typeface="Arial"/>
             </a:endParaRPr>
           </a:p>
         </p:txBody>
       </p:sp>
       <p:pic>
         <p:nvPicPr>
-          <p:cNvPr id="76" name="" descr=""/>
+          <p:cNvPr id="70" name="" descr=""/>
           <p:cNvPicPr/>
           <p:nvPr/>
         </p:nvPicPr>
@@ -2898,8 +2930,8 @@
         </p:blipFill>
         <p:spPr>
           <a:xfrm>
-            <a:off x="1903320" y="1869120"/>
-            <a:ext cx="5334840" cy="4256640"/>
+            <a:off x="2079000" y="1604520"/>
+            <a:ext cx="4984920" cy="3977280"/>
           </a:xfrm>
           <a:prstGeom prst="rect">
             <a:avLst/>
@@ -2911,7 +2943,7 @@
       </p:pic>
       <p:pic>
         <p:nvPicPr>
-          <p:cNvPr id="77" name="" descr=""/>
+          <p:cNvPr id="71" name="" descr=""/>
           <p:cNvPicPr/>
           <p:nvPr/>
         </p:nvPicPr>
@@ -2921,8 +2953,8 @@
         </p:blipFill>
         <p:spPr>
           <a:xfrm>
-            <a:off x="1903320" y="1869120"/>
-            <a:ext cx="5334840" cy="4256640"/>
+            <a:off x="2079000" y="1604520"/>
+            <a:ext cx="4984920" cy="3977280"/>
           </a:xfrm>
           <a:prstGeom prst="rect">
             <a:avLst/>
@@ -2956,7 +2988,7 @@
       </p:grpSpPr>
       <p:sp>
         <p:nvSpPr>
-          <p:cNvPr id="7" name="PlaceHolder 1"/>
+          <p:cNvPr id="4" name="PlaceHolder 1"/>
           <p:cNvSpPr>
             <a:spLocks noGrp="1"/>
           </p:cNvSpPr>
@@ -2966,8 +2998,8 @@
         </p:nvSpPr>
         <p:spPr>
           <a:xfrm>
-            <a:off x="685800" y="120960"/>
-            <a:ext cx="7770600" cy="1429560"/>
+            <a:off x="457200" y="273600"/>
+            <a:ext cx="8229240" cy="1144800"/>
           </a:xfrm>
           <a:prstGeom prst="rect">
             <a:avLst/>
@@ -2976,23 +3008,24 @@
         <p:txBody>
           <a:bodyPr lIns="0" rIns="0" tIns="0" bIns="0" anchor="ctr"/>
           <a:p>
-            <a:endParaRPr lang="en-US" sz="1800" spc="-1" strike="noStrike">
-              <a:solidFill>
-                <a:srgbClr val="ffffff"/>
-              </a:solidFill>
-              <a:uFill>
-                <a:solidFill>
-                  <a:srgbClr val="ffffff"/>
-                </a:solidFill>
-              </a:uFill>
-              <a:latin typeface="Calisto MT"/>
-            </a:endParaRPr>
-          </a:p>
-        </p:txBody>
-      </p:sp>
-      <p:sp>
-        <p:nvSpPr>
-          <p:cNvPr id="8" name="PlaceHolder 2"/>
+            <a:pPr algn="ctr"/>
+            <a:endParaRPr lang="en-US" sz="4400" spc="-1" strike="noStrike">
+              <a:solidFill>
+                <a:srgbClr val="ffffff"/>
+              </a:solidFill>
+              <a:uFill>
+                <a:solidFill>
+                  <a:srgbClr val="ffffff"/>
+                </a:solidFill>
+              </a:uFill>
+              <a:latin typeface="Arial"/>
+            </a:endParaRPr>
+          </a:p>
+        </p:txBody>
+      </p:sp>
+      <p:sp>
+        <p:nvSpPr>
+          <p:cNvPr id="5" name="PlaceHolder 2"/>
           <p:cNvSpPr>
             <a:spLocks noGrp="1"/>
           </p:cNvSpPr>
@@ -3002,8 +3035,8 @@
         </p:nvSpPr>
         <p:spPr>
           <a:xfrm>
-            <a:off x="685800" y="1869120"/>
-            <a:ext cx="7770600" cy="4256640"/>
+            <a:off x="457200" y="1604520"/>
+            <a:ext cx="8229240" cy="3977280"/>
           </a:xfrm>
           <a:prstGeom prst="rect">
             <a:avLst/>
@@ -3012,16 +3045,16 @@
         <p:txBody>
           <a:bodyPr lIns="0" rIns="0" tIns="0" bIns="0"/>
           <a:p>
-            <a:endParaRPr lang="en-US" sz="2200" spc="-1" strike="noStrike">
-              <a:solidFill>
-                <a:srgbClr val="ffffff"/>
-              </a:solidFill>
-              <a:uFill>
-                <a:solidFill>
-                  <a:srgbClr val="ffffff"/>
-                </a:solidFill>
-              </a:uFill>
-              <a:latin typeface="Calisto MT"/>
+            <a:endParaRPr lang="en-US" sz="3200" spc="-1" strike="noStrike">
+              <a:solidFill>
+                <a:srgbClr val="ffffff"/>
+              </a:solidFill>
+              <a:uFill>
+                <a:solidFill>
+                  <a:srgbClr val="ffffff"/>
+                </a:solidFill>
+              </a:uFill>
+              <a:latin typeface="Arial"/>
             </a:endParaRPr>
           </a:p>
         </p:txBody>
@@ -3050,7 +3083,7 @@
       </p:grpSpPr>
       <p:sp>
         <p:nvSpPr>
-          <p:cNvPr id="9" name="PlaceHolder 1"/>
+          <p:cNvPr id="6" name="PlaceHolder 1"/>
           <p:cNvSpPr>
             <a:spLocks noGrp="1"/>
           </p:cNvSpPr>
@@ -3060,8 +3093,8 @@
         </p:nvSpPr>
         <p:spPr>
           <a:xfrm>
-            <a:off x="685800" y="120960"/>
-            <a:ext cx="7770600" cy="1429560"/>
+            <a:off x="457200" y="273600"/>
+            <a:ext cx="8229240" cy="1144800"/>
           </a:xfrm>
           <a:prstGeom prst="rect">
             <a:avLst/>
@@ -3070,23 +3103,24 @@
         <p:txBody>
           <a:bodyPr lIns="0" rIns="0" tIns="0" bIns="0" anchor="ctr"/>
           <a:p>
-            <a:endParaRPr lang="en-US" sz="1800" spc="-1" strike="noStrike">
-              <a:solidFill>
-                <a:srgbClr val="ffffff"/>
-              </a:solidFill>
-              <a:uFill>
-                <a:solidFill>
-                  <a:srgbClr val="ffffff"/>
-                </a:solidFill>
-              </a:uFill>
-              <a:latin typeface="Calisto MT"/>
-            </a:endParaRPr>
-          </a:p>
-        </p:txBody>
-      </p:sp>
-      <p:sp>
-        <p:nvSpPr>
-          <p:cNvPr id="10" name="PlaceHolder 2"/>
+            <a:pPr algn="ctr"/>
+            <a:endParaRPr lang="en-US" sz="4400" spc="-1" strike="noStrike">
+              <a:solidFill>
+                <a:srgbClr val="ffffff"/>
+              </a:solidFill>
+              <a:uFill>
+                <a:solidFill>
+                  <a:srgbClr val="ffffff"/>
+                </a:solidFill>
+              </a:uFill>
+              <a:latin typeface="Arial"/>
+            </a:endParaRPr>
+          </a:p>
+        </p:txBody>
+      </p:sp>
+      <p:sp>
+        <p:nvSpPr>
+          <p:cNvPr id="7" name="PlaceHolder 2"/>
           <p:cNvSpPr>
             <a:spLocks noGrp="1"/>
           </p:cNvSpPr>
@@ -3096,8 +3130,8 @@
         </p:nvSpPr>
         <p:spPr>
           <a:xfrm>
-            <a:off x="685800" y="1869120"/>
-            <a:ext cx="3791880" cy="4256640"/>
+            <a:off x="457200" y="1604520"/>
+            <a:ext cx="4015800" cy="3977280"/>
           </a:xfrm>
           <a:prstGeom prst="rect">
             <a:avLst/>
@@ -3106,23 +3140,23 @@
         <p:txBody>
           <a:bodyPr lIns="0" rIns="0" tIns="0" bIns="0"/>
           <a:p>
-            <a:endParaRPr lang="en-US" sz="2200" spc="-1" strike="noStrike">
-              <a:solidFill>
-                <a:srgbClr val="ffffff"/>
-              </a:solidFill>
-              <a:uFill>
-                <a:solidFill>
-                  <a:srgbClr val="ffffff"/>
-                </a:solidFill>
-              </a:uFill>
-              <a:latin typeface="Calisto MT"/>
-            </a:endParaRPr>
-          </a:p>
-        </p:txBody>
-      </p:sp>
-      <p:sp>
-        <p:nvSpPr>
-          <p:cNvPr id="11" name="PlaceHolder 3"/>
+            <a:endParaRPr lang="en-US" sz="3200" spc="-1" strike="noStrike">
+              <a:solidFill>
+                <a:srgbClr val="ffffff"/>
+              </a:solidFill>
+              <a:uFill>
+                <a:solidFill>
+                  <a:srgbClr val="ffffff"/>
+                </a:solidFill>
+              </a:uFill>
+              <a:latin typeface="Arial"/>
+            </a:endParaRPr>
+          </a:p>
+        </p:txBody>
+      </p:sp>
+      <p:sp>
+        <p:nvSpPr>
+          <p:cNvPr id="8" name="PlaceHolder 3"/>
           <p:cNvSpPr>
             <a:spLocks noGrp="1"/>
           </p:cNvSpPr>
@@ -3132,8 +3166,8 @@
         </p:nvSpPr>
         <p:spPr>
           <a:xfrm>
-            <a:off x="4667760" y="1869120"/>
-            <a:ext cx="3791880" cy="4256640"/>
+            <a:off x="4674240" y="1604520"/>
+            <a:ext cx="4015800" cy="3977280"/>
           </a:xfrm>
           <a:prstGeom prst="rect">
             <a:avLst/>
@@ -3142,16 +3176,16 @@
         <p:txBody>
           <a:bodyPr lIns="0" rIns="0" tIns="0" bIns="0"/>
           <a:p>
-            <a:endParaRPr lang="en-US" sz="2200" spc="-1" strike="noStrike">
-              <a:solidFill>
-                <a:srgbClr val="ffffff"/>
-              </a:solidFill>
-              <a:uFill>
-                <a:solidFill>
-                  <a:srgbClr val="ffffff"/>
-                </a:solidFill>
-              </a:uFill>
-              <a:latin typeface="Calisto MT"/>
+            <a:endParaRPr lang="en-US" sz="3200" spc="-1" strike="noStrike">
+              <a:solidFill>
+                <a:srgbClr val="ffffff"/>
+              </a:solidFill>
+              <a:uFill>
+                <a:solidFill>
+                  <a:srgbClr val="ffffff"/>
+                </a:solidFill>
+              </a:uFill>
+              <a:latin typeface="Arial"/>
             </a:endParaRPr>
           </a:p>
         </p:txBody>
@@ -3180,7 +3214,7 @@
       </p:grpSpPr>
       <p:sp>
         <p:nvSpPr>
-          <p:cNvPr id="12" name="PlaceHolder 1"/>
+          <p:cNvPr id="9" name="PlaceHolder 1"/>
           <p:cNvSpPr>
             <a:spLocks noGrp="1"/>
           </p:cNvSpPr>
@@ -3190,8 +3224,8 @@
         </p:nvSpPr>
         <p:spPr>
           <a:xfrm>
-            <a:off x="685800" y="120960"/>
-            <a:ext cx="7770600" cy="1429560"/>
+            <a:off x="457200" y="273600"/>
+            <a:ext cx="8229240" cy="1144800"/>
           </a:xfrm>
           <a:prstGeom prst="rect">
             <a:avLst/>
@@ -3200,16 +3234,17 @@
         <p:txBody>
           <a:bodyPr lIns="0" rIns="0" tIns="0" bIns="0" anchor="ctr"/>
           <a:p>
-            <a:endParaRPr lang="en-US" sz="1800" spc="-1" strike="noStrike">
-              <a:solidFill>
-                <a:srgbClr val="ffffff"/>
-              </a:solidFill>
-              <a:uFill>
-                <a:solidFill>
-                  <a:srgbClr val="ffffff"/>
-                </a:solidFill>
-              </a:uFill>
-              <a:latin typeface="Calisto MT"/>
+            <a:pPr algn="ctr"/>
+            <a:endParaRPr lang="en-US" sz="4400" spc="-1" strike="noStrike">
+              <a:solidFill>
+                <a:srgbClr val="ffffff"/>
+              </a:solidFill>
+              <a:uFill>
+                <a:solidFill>
+                  <a:srgbClr val="ffffff"/>
+                </a:solidFill>
+              </a:uFill>
+              <a:latin typeface="Arial"/>
             </a:endParaRPr>
           </a:p>
         </p:txBody>
@@ -3238,7 +3273,7 @@
       </p:grpSpPr>
       <p:sp>
         <p:nvSpPr>
-          <p:cNvPr id="13" name="PlaceHolder 1"/>
+          <p:cNvPr id="10" name="PlaceHolder 1"/>
           <p:cNvSpPr>
             <a:spLocks noGrp="1"/>
           </p:cNvSpPr>
@@ -3248,8 +3283,8 @@
         </p:nvSpPr>
         <p:spPr>
           <a:xfrm>
-            <a:off x="685800" y="120960"/>
-            <a:ext cx="7770600" cy="6627960"/>
+            <a:off x="457200" y="273600"/>
+            <a:ext cx="8229240" cy="5307840"/>
           </a:xfrm>
           <a:prstGeom prst="rect">
             <a:avLst/>
@@ -3297,7 +3332,7 @@
       </p:grpSpPr>
       <p:sp>
         <p:nvSpPr>
-          <p:cNvPr id="14" name="PlaceHolder 1"/>
+          <p:cNvPr id="11" name="PlaceHolder 1"/>
           <p:cNvSpPr>
             <a:spLocks noGrp="1"/>
           </p:cNvSpPr>
@@ -3307,8 +3342,8 @@
         </p:nvSpPr>
         <p:spPr>
           <a:xfrm>
-            <a:off x="685800" y="120960"/>
-            <a:ext cx="7770600" cy="1429560"/>
+            <a:off x="457200" y="273600"/>
+            <a:ext cx="8229240" cy="1144800"/>
           </a:xfrm>
           <a:prstGeom prst="rect">
             <a:avLst/>
@@ -3317,23 +3352,24 @@
         <p:txBody>
           <a:bodyPr lIns="0" rIns="0" tIns="0" bIns="0" anchor="ctr"/>
           <a:p>
-            <a:endParaRPr lang="en-US" sz="1800" spc="-1" strike="noStrike">
-              <a:solidFill>
-                <a:srgbClr val="ffffff"/>
-              </a:solidFill>
-              <a:uFill>
-                <a:solidFill>
-                  <a:srgbClr val="ffffff"/>
-                </a:solidFill>
-              </a:uFill>
-              <a:latin typeface="Calisto MT"/>
-            </a:endParaRPr>
-          </a:p>
-        </p:txBody>
-      </p:sp>
-      <p:sp>
-        <p:nvSpPr>
-          <p:cNvPr id="15" name="PlaceHolder 2"/>
+            <a:pPr algn="ctr"/>
+            <a:endParaRPr lang="en-US" sz="4400" spc="-1" strike="noStrike">
+              <a:solidFill>
+                <a:srgbClr val="ffffff"/>
+              </a:solidFill>
+              <a:uFill>
+                <a:solidFill>
+                  <a:srgbClr val="ffffff"/>
+                </a:solidFill>
+              </a:uFill>
+              <a:latin typeface="Arial"/>
+            </a:endParaRPr>
+          </a:p>
+        </p:txBody>
+      </p:sp>
+      <p:sp>
+        <p:nvSpPr>
+          <p:cNvPr id="12" name="PlaceHolder 2"/>
           <p:cNvSpPr>
             <a:spLocks noGrp="1"/>
           </p:cNvSpPr>
@@ -3343,8 +3379,8 @@
         </p:nvSpPr>
         <p:spPr>
           <a:xfrm>
-            <a:off x="685800" y="1869120"/>
-            <a:ext cx="3791880" cy="2030400"/>
+            <a:off x="457200" y="1604520"/>
+            <a:ext cx="4015800" cy="1896840"/>
           </a:xfrm>
           <a:prstGeom prst="rect">
             <a:avLst/>
@@ -3353,23 +3389,23 @@
         <p:txBody>
           <a:bodyPr lIns="0" rIns="0" tIns="0" bIns="0"/>
           <a:p>
-            <a:endParaRPr lang="en-US" sz="2200" spc="-1" strike="noStrike">
-              <a:solidFill>
-                <a:srgbClr val="ffffff"/>
-              </a:solidFill>
-              <a:uFill>
-                <a:solidFill>
-                  <a:srgbClr val="ffffff"/>
-                </a:solidFill>
-              </a:uFill>
-              <a:latin typeface="Calisto MT"/>
-            </a:endParaRPr>
-          </a:p>
-        </p:txBody>
-      </p:sp>
-      <p:sp>
-        <p:nvSpPr>
-          <p:cNvPr id="16" name="PlaceHolder 3"/>
+            <a:endParaRPr lang="en-US" sz="3200" spc="-1" strike="noStrike">
+              <a:solidFill>
+                <a:srgbClr val="ffffff"/>
+              </a:solidFill>
+              <a:uFill>
+                <a:solidFill>
+                  <a:srgbClr val="ffffff"/>
+                </a:solidFill>
+              </a:uFill>
+              <a:latin typeface="Arial"/>
+            </a:endParaRPr>
+          </a:p>
+        </p:txBody>
+      </p:sp>
+      <p:sp>
+        <p:nvSpPr>
+          <p:cNvPr id="13" name="PlaceHolder 3"/>
           <p:cNvSpPr>
             <a:spLocks noGrp="1"/>
           </p:cNvSpPr>
@@ -3379,8 +3415,8 @@
         </p:nvSpPr>
         <p:spPr>
           <a:xfrm>
-            <a:off x="685800" y="4092840"/>
-            <a:ext cx="3791880" cy="2030400"/>
+            <a:off x="457200" y="3682080"/>
+            <a:ext cx="4015800" cy="1896840"/>
           </a:xfrm>
           <a:prstGeom prst="rect">
             <a:avLst/>
@@ -3389,23 +3425,23 @@
         <p:txBody>
           <a:bodyPr lIns="0" rIns="0" tIns="0" bIns="0"/>
           <a:p>
-            <a:endParaRPr lang="en-US" sz="2200" spc="-1" strike="noStrike">
-              <a:solidFill>
-                <a:srgbClr val="ffffff"/>
-              </a:solidFill>
-              <a:uFill>
-                <a:solidFill>
-                  <a:srgbClr val="ffffff"/>
-                </a:solidFill>
-              </a:uFill>
-              <a:latin typeface="Calisto MT"/>
-            </a:endParaRPr>
-          </a:p>
-        </p:txBody>
-      </p:sp>
-      <p:sp>
-        <p:nvSpPr>
-          <p:cNvPr id="17" name="PlaceHolder 4"/>
+            <a:endParaRPr lang="en-US" sz="3200" spc="-1" strike="noStrike">
+              <a:solidFill>
+                <a:srgbClr val="ffffff"/>
+              </a:solidFill>
+              <a:uFill>
+                <a:solidFill>
+                  <a:srgbClr val="ffffff"/>
+                </a:solidFill>
+              </a:uFill>
+              <a:latin typeface="Arial"/>
+            </a:endParaRPr>
+          </a:p>
+        </p:txBody>
+      </p:sp>
+      <p:sp>
+        <p:nvSpPr>
+          <p:cNvPr id="14" name="PlaceHolder 4"/>
           <p:cNvSpPr>
             <a:spLocks noGrp="1"/>
           </p:cNvSpPr>
@@ -3415,8 +3451,8 @@
         </p:nvSpPr>
         <p:spPr>
           <a:xfrm>
-            <a:off x="4667760" y="1869120"/>
-            <a:ext cx="3791880" cy="4256640"/>
+            <a:off x="4674240" y="1604520"/>
+            <a:ext cx="4015800" cy="3977280"/>
           </a:xfrm>
           <a:prstGeom prst="rect">
             <a:avLst/>
@@ -3425,16 +3461,16 @@
         <p:txBody>
           <a:bodyPr lIns="0" rIns="0" tIns="0" bIns="0"/>
           <a:p>
-            <a:endParaRPr lang="en-US" sz="2200" spc="-1" strike="noStrike">
-              <a:solidFill>
-                <a:srgbClr val="ffffff"/>
-              </a:solidFill>
-              <a:uFill>
-                <a:solidFill>
-                  <a:srgbClr val="ffffff"/>
-                </a:solidFill>
-              </a:uFill>
-              <a:latin typeface="Calisto MT"/>
+            <a:endParaRPr lang="en-US" sz="3200" spc="-1" strike="noStrike">
+              <a:solidFill>
+                <a:srgbClr val="ffffff"/>
+              </a:solidFill>
+              <a:uFill>
+                <a:solidFill>
+                  <a:srgbClr val="ffffff"/>
+                </a:solidFill>
+              </a:uFill>
+              <a:latin typeface="Arial"/>
             </a:endParaRPr>
           </a:p>
         </p:txBody>
@@ -3463,7 +3499,7 @@
       </p:grpSpPr>
       <p:sp>
         <p:nvSpPr>
-          <p:cNvPr id="18" name="PlaceHolder 1"/>
+          <p:cNvPr id="15" name="PlaceHolder 1"/>
           <p:cNvSpPr>
             <a:spLocks noGrp="1"/>
           </p:cNvSpPr>
@@ -3473,8 +3509,8 @@
         </p:nvSpPr>
         <p:spPr>
           <a:xfrm>
-            <a:off x="685800" y="120960"/>
-            <a:ext cx="7770600" cy="1429560"/>
+            <a:off x="457200" y="273600"/>
+            <a:ext cx="8229240" cy="1144800"/>
           </a:xfrm>
           <a:prstGeom prst="rect">
             <a:avLst/>
@@ -3483,23 +3519,24 @@
         <p:txBody>
           <a:bodyPr lIns="0" rIns="0" tIns="0" bIns="0" anchor="ctr"/>
           <a:p>
-            <a:endParaRPr lang="en-US" sz="1800" spc="-1" strike="noStrike">
-              <a:solidFill>
-                <a:srgbClr val="ffffff"/>
-              </a:solidFill>
-              <a:uFill>
-                <a:solidFill>
-                  <a:srgbClr val="ffffff"/>
-                </a:solidFill>
-              </a:uFill>
-              <a:latin typeface="Calisto MT"/>
-            </a:endParaRPr>
-          </a:p>
-        </p:txBody>
-      </p:sp>
-      <p:sp>
-        <p:nvSpPr>
-          <p:cNvPr id="19" name="PlaceHolder 2"/>
+            <a:pPr algn="ctr"/>
+            <a:endParaRPr lang="en-US" sz="4400" spc="-1" strike="noStrike">
+              <a:solidFill>
+                <a:srgbClr val="ffffff"/>
+              </a:solidFill>
+              <a:uFill>
+                <a:solidFill>
+                  <a:srgbClr val="ffffff"/>
+                </a:solidFill>
+              </a:uFill>
+              <a:latin typeface="Arial"/>
+            </a:endParaRPr>
+          </a:p>
+        </p:txBody>
+      </p:sp>
+      <p:sp>
+        <p:nvSpPr>
+          <p:cNvPr id="16" name="PlaceHolder 2"/>
           <p:cNvSpPr>
             <a:spLocks noGrp="1"/>
           </p:cNvSpPr>
@@ -3509,8 +3546,8 @@
         </p:nvSpPr>
         <p:spPr>
           <a:xfrm>
-            <a:off x="685800" y="1869120"/>
-            <a:ext cx="3791880" cy="4256640"/>
+            <a:off x="457200" y="1604520"/>
+            <a:ext cx="4015800" cy="3977280"/>
           </a:xfrm>
           <a:prstGeom prst="rect">
             <a:avLst/>
@@ -3519,23 +3556,23 @@
         <p:txBody>
           <a:bodyPr lIns="0" rIns="0" tIns="0" bIns="0"/>
           <a:p>
-            <a:endParaRPr lang="en-US" sz="2200" spc="-1" strike="noStrike">
-              <a:solidFill>
-                <a:srgbClr val="ffffff"/>
-              </a:solidFill>
-              <a:uFill>
-                <a:solidFill>
-                  <a:srgbClr val="ffffff"/>
-                </a:solidFill>
-              </a:uFill>
-              <a:latin typeface="Calisto MT"/>
-            </a:endParaRPr>
-          </a:p>
-        </p:txBody>
-      </p:sp>
-      <p:sp>
-        <p:nvSpPr>
-          <p:cNvPr id="20" name="PlaceHolder 3"/>
+            <a:endParaRPr lang="en-US" sz="3200" spc="-1" strike="noStrike">
+              <a:solidFill>
+                <a:srgbClr val="ffffff"/>
+              </a:solidFill>
+              <a:uFill>
+                <a:solidFill>
+                  <a:srgbClr val="ffffff"/>
+                </a:solidFill>
+              </a:uFill>
+              <a:latin typeface="Arial"/>
+            </a:endParaRPr>
+          </a:p>
+        </p:txBody>
+      </p:sp>
+      <p:sp>
+        <p:nvSpPr>
+          <p:cNvPr id="17" name="PlaceHolder 3"/>
           <p:cNvSpPr>
             <a:spLocks noGrp="1"/>
           </p:cNvSpPr>
@@ -3545,8 +3582,8 @@
         </p:nvSpPr>
         <p:spPr>
           <a:xfrm>
-            <a:off x="4667760" y="1869120"/>
-            <a:ext cx="3791880" cy="2030400"/>
+            <a:off x="4674240" y="1604520"/>
+            <a:ext cx="4015800" cy="1896840"/>
           </a:xfrm>
           <a:prstGeom prst="rect">
             <a:avLst/>
@@ -3555,23 +3592,23 @@
         <p:txBody>
           <a:bodyPr lIns="0" rIns="0" tIns="0" bIns="0"/>
           <a:p>
-            <a:endParaRPr lang="en-US" sz="2200" spc="-1" strike="noStrike">
-              <a:solidFill>
-                <a:srgbClr val="ffffff"/>
-              </a:solidFill>
-              <a:uFill>
-                <a:solidFill>
-                  <a:srgbClr val="ffffff"/>
-                </a:solidFill>
-              </a:uFill>
-              <a:latin typeface="Calisto MT"/>
-            </a:endParaRPr>
-          </a:p>
-        </p:txBody>
-      </p:sp>
-      <p:sp>
-        <p:nvSpPr>
-          <p:cNvPr id="21" name="PlaceHolder 4"/>
+            <a:endParaRPr lang="en-US" sz="3200" spc="-1" strike="noStrike">
+              <a:solidFill>
+                <a:srgbClr val="ffffff"/>
+              </a:solidFill>
+              <a:uFill>
+                <a:solidFill>
+                  <a:srgbClr val="ffffff"/>
+                </a:solidFill>
+              </a:uFill>
+              <a:latin typeface="Arial"/>
+            </a:endParaRPr>
+          </a:p>
+        </p:txBody>
+      </p:sp>
+      <p:sp>
+        <p:nvSpPr>
+          <p:cNvPr id="18" name="PlaceHolder 4"/>
           <p:cNvSpPr>
             <a:spLocks noGrp="1"/>
           </p:cNvSpPr>
@@ -3581,8 +3618,8 @@
         </p:nvSpPr>
         <p:spPr>
           <a:xfrm>
-            <a:off x="4667760" y="4092840"/>
-            <a:ext cx="3791880" cy="2030400"/>
+            <a:off x="4674240" y="3682080"/>
+            <a:ext cx="4015800" cy="1896840"/>
           </a:xfrm>
           <a:prstGeom prst="rect">
             <a:avLst/>
@@ -3591,16 +3628,16 @@
         <p:txBody>
           <a:bodyPr lIns="0" rIns="0" tIns="0" bIns="0"/>
           <a:p>
-            <a:endParaRPr lang="en-US" sz="2200" spc="-1" strike="noStrike">
-              <a:solidFill>
-                <a:srgbClr val="ffffff"/>
-              </a:solidFill>
-              <a:uFill>
-                <a:solidFill>
-                  <a:srgbClr val="ffffff"/>
-                </a:solidFill>
-              </a:uFill>
-              <a:latin typeface="Calisto MT"/>
+            <a:endParaRPr lang="en-US" sz="3200" spc="-1" strike="noStrike">
+              <a:solidFill>
+                <a:srgbClr val="ffffff"/>
+              </a:solidFill>
+              <a:uFill>
+                <a:solidFill>
+                  <a:srgbClr val="ffffff"/>
+                </a:solidFill>
+              </a:uFill>
+              <a:latin typeface="Arial"/>
             </a:endParaRPr>
           </a:p>
         </p:txBody>
@@ -3629,7 +3666,7 @@
       </p:grpSpPr>
       <p:sp>
         <p:nvSpPr>
-          <p:cNvPr id="22" name="PlaceHolder 1"/>
+          <p:cNvPr id="19" name="PlaceHolder 1"/>
           <p:cNvSpPr>
             <a:spLocks noGrp="1"/>
           </p:cNvSpPr>
@@ -3639,8 +3676,8 @@
         </p:nvSpPr>
         <p:spPr>
           <a:xfrm>
-            <a:off x="685800" y="120960"/>
-            <a:ext cx="7770600" cy="1429560"/>
+            <a:off x="457200" y="273600"/>
+            <a:ext cx="8229240" cy="1144800"/>
           </a:xfrm>
           <a:prstGeom prst="rect">
             <a:avLst/>
@@ -3649,23 +3686,24 @@
         <p:txBody>
           <a:bodyPr lIns="0" rIns="0" tIns="0" bIns="0" anchor="ctr"/>
           <a:p>
-            <a:endParaRPr lang="en-US" sz="1800" spc="-1" strike="noStrike">
-              <a:solidFill>
-                <a:srgbClr val="ffffff"/>
-              </a:solidFill>
-              <a:uFill>
-                <a:solidFill>
-                  <a:srgbClr val="ffffff"/>
-                </a:solidFill>
-              </a:uFill>
-              <a:latin typeface="Calisto MT"/>
-            </a:endParaRPr>
-          </a:p>
-        </p:txBody>
-      </p:sp>
-      <p:sp>
-        <p:nvSpPr>
-          <p:cNvPr id="23" name="PlaceHolder 2"/>
+            <a:pPr algn="ctr"/>
+            <a:endParaRPr lang="en-US" sz="4400" spc="-1" strike="noStrike">
+              <a:solidFill>
+                <a:srgbClr val="ffffff"/>
+              </a:solidFill>
+              <a:uFill>
+                <a:solidFill>
+                  <a:srgbClr val="ffffff"/>
+                </a:solidFill>
+              </a:uFill>
+              <a:latin typeface="Arial"/>
+            </a:endParaRPr>
+          </a:p>
+        </p:txBody>
+      </p:sp>
+      <p:sp>
+        <p:nvSpPr>
+          <p:cNvPr id="20" name="PlaceHolder 2"/>
           <p:cNvSpPr>
             <a:spLocks noGrp="1"/>
           </p:cNvSpPr>
@@ -3675,8 +3713,8 @@
         </p:nvSpPr>
         <p:spPr>
           <a:xfrm>
-            <a:off x="685800" y="1869120"/>
-            <a:ext cx="3791880" cy="2030400"/>
+            <a:off x="457200" y="1604520"/>
+            <a:ext cx="4015800" cy="1896840"/>
           </a:xfrm>
           <a:prstGeom prst="rect">
             <a:avLst/>
@@ -3685,23 +3723,23 @@
         <p:txBody>
           <a:bodyPr lIns="0" rIns="0" tIns="0" bIns="0"/>
           <a:p>
-            <a:endParaRPr lang="en-US" sz="2200" spc="-1" strike="noStrike">
-              <a:solidFill>
-                <a:srgbClr val="ffffff"/>
-              </a:solidFill>
-              <a:uFill>
-                <a:solidFill>
-                  <a:srgbClr val="ffffff"/>
-                </a:solidFill>
-              </a:uFill>
-              <a:latin typeface="Calisto MT"/>
-            </a:endParaRPr>
-          </a:p>
-        </p:txBody>
-      </p:sp>
-      <p:sp>
-        <p:nvSpPr>
-          <p:cNvPr id="24" name="PlaceHolder 3"/>
+            <a:endParaRPr lang="en-US" sz="3200" spc="-1" strike="noStrike">
+              <a:solidFill>
+                <a:srgbClr val="ffffff"/>
+              </a:solidFill>
+              <a:uFill>
+                <a:solidFill>
+                  <a:srgbClr val="ffffff"/>
+                </a:solidFill>
+              </a:uFill>
+              <a:latin typeface="Arial"/>
+            </a:endParaRPr>
+          </a:p>
+        </p:txBody>
+      </p:sp>
+      <p:sp>
+        <p:nvSpPr>
+          <p:cNvPr id="21" name="PlaceHolder 3"/>
           <p:cNvSpPr>
             <a:spLocks noGrp="1"/>
           </p:cNvSpPr>
@@ -3711,8 +3749,8 @@
         </p:nvSpPr>
         <p:spPr>
           <a:xfrm>
-            <a:off x="4667760" y="1869120"/>
-            <a:ext cx="3791880" cy="2030400"/>
+            <a:off x="4674240" y="1604520"/>
+            <a:ext cx="4015800" cy="1896840"/>
           </a:xfrm>
           <a:prstGeom prst="rect">
             <a:avLst/>
@@ -3721,23 +3759,23 @@
         <p:txBody>
           <a:bodyPr lIns="0" rIns="0" tIns="0" bIns="0"/>
           <a:p>
-            <a:endParaRPr lang="en-US" sz="2200" spc="-1" strike="noStrike">
-              <a:solidFill>
-                <a:srgbClr val="ffffff"/>
-              </a:solidFill>
-              <a:uFill>
-                <a:solidFill>
-                  <a:srgbClr val="ffffff"/>
-                </a:solidFill>
-              </a:uFill>
-              <a:latin typeface="Calisto MT"/>
-            </a:endParaRPr>
-          </a:p>
-        </p:txBody>
-      </p:sp>
-      <p:sp>
-        <p:nvSpPr>
-          <p:cNvPr id="25" name="PlaceHolder 4"/>
+            <a:endParaRPr lang="en-US" sz="3200" spc="-1" strike="noStrike">
+              <a:solidFill>
+                <a:srgbClr val="ffffff"/>
+              </a:solidFill>
+              <a:uFill>
+                <a:solidFill>
+                  <a:srgbClr val="ffffff"/>
+                </a:solidFill>
+              </a:uFill>
+              <a:latin typeface="Arial"/>
+            </a:endParaRPr>
+          </a:p>
+        </p:txBody>
+      </p:sp>
+      <p:sp>
+        <p:nvSpPr>
+          <p:cNvPr id="22" name="PlaceHolder 4"/>
           <p:cNvSpPr>
             <a:spLocks noGrp="1"/>
           </p:cNvSpPr>
@@ -3747,8 +3785,8 @@
         </p:nvSpPr>
         <p:spPr>
           <a:xfrm>
-            <a:off x="685800" y="4092840"/>
-            <a:ext cx="7770600" cy="2030400"/>
+            <a:off x="457200" y="3682080"/>
+            <a:ext cx="8229240" cy="1896840"/>
           </a:xfrm>
           <a:prstGeom prst="rect">
             <a:avLst/>
@@ -3757,16 +3795,16 @@
         <p:txBody>
           <a:bodyPr lIns="0" rIns="0" tIns="0" bIns="0"/>
           <a:p>
-            <a:endParaRPr lang="en-US" sz="2200" spc="-1" strike="noStrike">
-              <a:solidFill>
-                <a:srgbClr val="ffffff"/>
-              </a:solidFill>
-              <a:uFill>
-                <a:solidFill>
-                  <a:srgbClr val="ffffff"/>
-                </a:solidFill>
-              </a:uFill>
-              <a:latin typeface="Calisto MT"/>
+            <a:endParaRPr lang="en-US" sz="3200" spc="-1" strike="noStrike">
+              <a:solidFill>
+                <a:srgbClr val="ffffff"/>
+              </a:solidFill>
+              <a:uFill>
+                <a:solidFill>
+                  <a:srgbClr val="ffffff"/>
+                </a:solidFill>
+              </a:uFill>
+              <a:latin typeface="Arial"/>
             </a:endParaRPr>
           </a:p>
         </p:txBody>
@@ -3815,45 +3853,27 @@
         </p:nvSpPr>
         <p:spPr>
           <a:xfrm>
-            <a:off x="685800" y="2365200"/>
-            <a:ext cx="7772040" cy="978120"/>
-          </a:xfrm>
-          <a:prstGeom prst="rect">
-            <a:avLst/>
-          </a:prstGeom>
-        </p:spPr>
-        <p:txBody>
-          <a:bodyPr anchor="b"/>
-          <a:p>
-            <a:pPr algn="ctr">
-              <a:lnSpc>
-                <a:spcPct val="100000"/>
-              </a:lnSpc>
-            </a:pPr>
-            <a:r>
-              <a:rPr lang="en-US" sz="5400" spc="-1" strike="noStrike">
-                <a:solidFill>
-                  <a:srgbClr val="ffffff"/>
-                </a:solidFill>
-                <a:uFill>
-                  <a:solidFill>
-                    <a:srgbClr val="ffffff"/>
-                  </a:solidFill>
-                </a:uFill>
-                <a:latin typeface="Calisto MT"/>
-              </a:rPr>
-              <a:t>Click to edit Master title style</a:t>
-            </a:r>
-            <a:endParaRPr lang="en-US" sz="1800" spc="-1" strike="noStrike">
-              <a:solidFill>
-                <a:srgbClr val="ffffff"/>
-              </a:solidFill>
-              <a:uFill>
-                <a:solidFill>
-                  <a:srgbClr val="ffffff"/>
-                </a:solidFill>
-              </a:uFill>
-              <a:latin typeface="Calisto MT"/>
+            <a:off x="457200" y="273600"/>
+            <a:ext cx="8228880" cy="1144440"/>
+          </a:xfrm>
+          <a:prstGeom prst="rect">
+            <a:avLst/>
+          </a:prstGeom>
+        </p:spPr>
+        <p:txBody>
+          <a:bodyPr lIns="0" rIns="0" tIns="0" bIns="0" anchor="ctr"/>
+          <a:p>
+            <a:pPr algn="ctr"/>
+            <a:endParaRPr lang="en-US" sz="4400" spc="-1" strike="noStrike">
+              <a:solidFill>
+                <a:srgbClr val="ffffff"/>
+              </a:solidFill>
+              <a:uFill>
+                <a:solidFill>
+                  <a:srgbClr val="ffffff"/>
+                </a:solidFill>
+              </a:uFill>
+              <a:latin typeface="Arial"/>
             </a:endParaRPr>
           </a:p>
         </p:txBody>
@@ -3861,152 +3881,6 @@
       <p:sp>
         <p:nvSpPr>
           <p:cNvPr id="1" name="PlaceHolder 2"/>
-          <p:cNvSpPr>
-            <a:spLocks noGrp="1"/>
-          </p:cNvSpPr>
-          <p:nvPr>
-            <p:ph type="dt"/>
-          </p:nvPr>
-        </p:nvSpPr>
-        <p:spPr>
-          <a:xfrm>
-            <a:off x="6620400" y="6356520"/>
-            <a:ext cx="2133360" cy="364680"/>
-          </a:xfrm>
-          <a:prstGeom prst="rect">
-            <a:avLst/>
-          </a:prstGeom>
-        </p:spPr>
-        <p:txBody>
-          <a:bodyPr anchor="ctr"/>
-          <a:p>
-            <a:pPr algn="r">
-              <a:lnSpc>
-                <a:spcPct val="100000"/>
-              </a:lnSpc>
-            </a:pPr>
-            <a:r>
-              <a:rPr lang="en-US" sz="1200" spc="-1" strike="noStrike">
-                <a:solidFill>
-                  <a:srgbClr val="ffffff"/>
-                </a:solidFill>
-                <a:uFill>
-                  <a:solidFill>
-                    <a:srgbClr val="ffffff"/>
-                  </a:solidFill>
-                </a:uFill>
-                <a:latin typeface="Calisto MT"/>
-              </a:rPr>
-              <a:t>2/22/16</a:t>
-            </a:r>
-            <a:endParaRPr lang="en-US" sz="1400" spc="-1" strike="noStrike">
-              <a:solidFill>
-                <a:srgbClr val="ffffff"/>
-              </a:solidFill>
-              <a:uFill>
-                <a:solidFill>
-                  <a:srgbClr val="ffffff"/>
-                </a:solidFill>
-              </a:uFill>
-              <a:latin typeface="Times New Roman"/>
-            </a:endParaRPr>
-          </a:p>
-        </p:txBody>
-      </p:sp>
-      <p:sp>
-        <p:nvSpPr>
-          <p:cNvPr id="2" name="PlaceHolder 3"/>
-          <p:cNvSpPr>
-            <a:spLocks noGrp="1"/>
-          </p:cNvSpPr>
-          <p:nvPr>
-            <p:ph type="ftr"/>
-          </p:nvPr>
-        </p:nvSpPr>
-        <p:spPr>
-          <a:xfrm>
-            <a:off x="354240" y="6356520"/>
-            <a:ext cx="2895120" cy="364680"/>
-          </a:xfrm>
-          <a:prstGeom prst="rect">
-            <a:avLst/>
-          </a:prstGeom>
-        </p:spPr>
-        <p:txBody>
-          <a:bodyPr anchor="ctr"/>
-          <a:p>
-            <a:endParaRPr lang="en-US" sz="2400" spc="-1" strike="noStrike">
-              <a:solidFill>
-                <a:srgbClr val="ffffff"/>
-              </a:solidFill>
-              <a:uFill>
-                <a:solidFill>
-                  <a:srgbClr val="ffffff"/>
-                </a:solidFill>
-              </a:uFill>
-              <a:latin typeface="Times New Roman"/>
-            </a:endParaRPr>
-          </a:p>
-        </p:txBody>
-      </p:sp>
-      <p:sp>
-        <p:nvSpPr>
-          <p:cNvPr id="3" name="PlaceHolder 4"/>
-          <p:cNvSpPr>
-            <a:spLocks noGrp="1"/>
-          </p:cNvSpPr>
-          <p:nvPr>
-            <p:ph type="sldNum"/>
-          </p:nvPr>
-        </p:nvSpPr>
-        <p:spPr>
-          <a:xfrm>
-            <a:off x="4229280" y="6356520"/>
-            <a:ext cx="685440" cy="364680"/>
-          </a:xfrm>
-          <a:prstGeom prst="rect">
-            <a:avLst/>
-          </a:prstGeom>
-        </p:spPr>
-        <p:txBody>
-          <a:bodyPr anchor="ctr"/>
-          <a:p>
-            <a:pPr algn="ctr">
-              <a:lnSpc>
-                <a:spcPct val="100000"/>
-              </a:lnSpc>
-            </a:pPr>
-            <a:fld id="{ECB6DB9D-57D5-4F1F-9277-A214E9D172DD}" type="slidenum">
-              <a:rPr lang="en-US" sz="1200" spc="-1" strike="noStrike">
-                <a:solidFill>
-                  <a:srgbClr val="ffffff"/>
-                </a:solidFill>
-                <a:uFill>
-                  <a:solidFill>
-                    <a:srgbClr val="ffffff"/>
-                  </a:solidFill>
-                </a:uFill>
-                <a:latin typeface="Calisto MT"/>
-              </a:rPr>
-              <a:t>&lt;number&gt;</a:t>
-            </a:fld>
-            <a:endParaRPr lang="en-US" sz="1400" spc="-1" strike="noStrike">
-              <a:solidFill>
-                <a:srgbClr val="ffffff"/>
-              </a:solidFill>
-              <a:uFill>
-                <a:solidFill>
-                  <a:srgbClr val="ffffff"/>
-                </a:solidFill>
-              </a:uFill>
-              <a:latin typeface="Times New Roman"/>
-            </a:endParaRPr>
-          </a:p>
-        </p:txBody>
-      </p:sp>
-      <p:sp>
-        <p:nvSpPr>
-          <p:cNvPr id="4" name="PlaceHolder 5"/>
           <p:cNvSpPr>
             <a:spLocks noGrp="1"/>
           </p:cNvSpPr>
@@ -4017,7 +3891,7 @@
         <p:spPr>
           <a:xfrm>
             <a:off x="457200" y="1604520"/>
-            <a:ext cx="8229240" cy="3977280"/>
+            <a:ext cx="8228880" cy="3976920"/>
           </a:xfrm>
           <a:prstGeom prst="rect">
             <a:avLst/>
@@ -4035,7 +3909,7 @@
               <a:buChar char=""/>
             </a:pPr>
             <a:r>
-              <a:rPr lang="en-US" sz="2200" spc="-1" strike="noStrike">
+              <a:rPr lang="en-US" sz="1800" spc="-1" strike="noStrike">
                 <a:solidFill>
                   <a:srgbClr val="ffffff"/>
                 </a:solidFill>
@@ -4044,20 +3918,20 @@
                     <a:srgbClr val="ffffff"/>
                   </a:solidFill>
                 </a:uFill>
-                <a:latin typeface="Calisto MT"/>
+                <a:latin typeface="Arial"/>
               </a:rPr>
               <a:t>Click to edit the outline text format</a:t>
             </a:r>
-            <a:endParaRPr lang="en-US" sz="2200" spc="-1" strike="noStrike">
-              <a:solidFill>
-                <a:srgbClr val="ffffff"/>
-              </a:solidFill>
-              <a:uFill>
-                <a:solidFill>
-                  <a:srgbClr val="ffffff"/>
-                </a:solidFill>
-              </a:uFill>
-              <a:latin typeface="Calisto MT"/>
+            <a:endParaRPr lang="en-US" sz="1800" spc="-1" strike="noStrike">
+              <a:solidFill>
+                <a:srgbClr val="ffffff"/>
+              </a:solidFill>
+              <a:uFill>
+                <a:solidFill>
+                  <a:srgbClr val="ffffff"/>
+                </a:solidFill>
+              </a:uFill>
+              <a:latin typeface="Arial"/>
             </a:endParaRPr>
           </a:p>
           <a:p>
@@ -4079,7 +3953,7 @@
                     <a:srgbClr val="ffffff"/>
                   </a:solidFill>
                 </a:uFill>
-                <a:latin typeface="Calisto MT"/>
+                <a:latin typeface="Arial"/>
               </a:rPr>
               <a:t>Second Outline Level</a:t>
             </a:r>
@@ -4092,7 +3966,7 @@
                   <a:srgbClr val="ffffff"/>
                 </a:solidFill>
               </a:uFill>
-              <a:latin typeface="Calisto MT"/>
+              <a:latin typeface="Arial"/>
             </a:endParaRPr>
           </a:p>
           <a:p>
@@ -4114,7 +3988,7 @@
                     <a:srgbClr val="ffffff"/>
                   </a:solidFill>
                 </a:uFill>
-                <a:latin typeface="Calisto MT"/>
+                <a:latin typeface="Arial"/>
               </a:rPr>
               <a:t>Third Outline Level</a:t>
             </a:r>
@@ -4127,7 +4001,7 @@
                   <a:srgbClr val="ffffff"/>
                 </a:solidFill>
               </a:uFill>
-              <a:latin typeface="Calisto MT"/>
+              <a:latin typeface="Arial"/>
             </a:endParaRPr>
           </a:p>
           <a:p>
@@ -4149,7 +4023,7 @@
                     <a:srgbClr val="ffffff"/>
                   </a:solidFill>
                 </a:uFill>
-                <a:latin typeface="Calisto MT"/>
+                <a:latin typeface="Arial"/>
               </a:rPr>
               <a:t>Fourth Outline Level</a:t>
             </a:r>
@@ -4162,7 +4036,7 @@
                   <a:srgbClr val="ffffff"/>
                 </a:solidFill>
               </a:uFill>
-              <a:latin typeface="Calisto MT"/>
+              <a:latin typeface="Arial"/>
             </a:endParaRPr>
           </a:p>
           <a:p>
@@ -4175,7 +4049,7 @@
               <a:buChar char=""/>
             </a:pPr>
             <a:r>
-              <a:rPr lang="en-US" sz="2000" spc="-1" strike="noStrike">
+              <a:rPr lang="en-US" sz="1800" spc="-1" strike="noStrike">
                 <a:solidFill>
                   <a:srgbClr val="ffffff"/>
                 </a:solidFill>
@@ -4184,20 +4058,20 @@
                     <a:srgbClr val="ffffff"/>
                   </a:solidFill>
                 </a:uFill>
-                <a:latin typeface="Calisto MT"/>
+                <a:latin typeface="Arial"/>
               </a:rPr>
               <a:t>Fifth Outline Level</a:t>
             </a:r>
-            <a:endParaRPr lang="en-US" sz="2000" spc="-1" strike="noStrike">
-              <a:solidFill>
-                <a:srgbClr val="ffffff"/>
-              </a:solidFill>
-              <a:uFill>
-                <a:solidFill>
-                  <a:srgbClr val="ffffff"/>
-                </a:solidFill>
-              </a:uFill>
-              <a:latin typeface="Calisto MT"/>
+            <a:endParaRPr lang="en-US" sz="1800" spc="-1" strike="noStrike">
+              <a:solidFill>
+                <a:srgbClr val="ffffff"/>
+              </a:solidFill>
+              <a:uFill>
+                <a:solidFill>
+                  <a:srgbClr val="ffffff"/>
+                </a:solidFill>
+              </a:uFill>
+              <a:latin typeface="Arial"/>
             </a:endParaRPr>
           </a:p>
           <a:p>
@@ -4210,7 +4084,7 @@
               <a:buChar char=""/>
             </a:pPr>
             <a:r>
-              <a:rPr lang="en-US" sz="2000" spc="-1" strike="noStrike">
+              <a:rPr lang="en-US" sz="1800" spc="-1" strike="noStrike">
                 <a:solidFill>
                   <a:srgbClr val="ffffff"/>
                 </a:solidFill>
@@ -4219,20 +4093,20 @@
                     <a:srgbClr val="ffffff"/>
                   </a:solidFill>
                 </a:uFill>
-                <a:latin typeface="Calisto MT"/>
+                <a:latin typeface="Arial"/>
               </a:rPr>
               <a:t>Sixth Outline Level</a:t>
             </a:r>
-            <a:endParaRPr lang="en-US" sz="2000" spc="-1" strike="noStrike">
-              <a:solidFill>
-                <a:srgbClr val="ffffff"/>
-              </a:solidFill>
-              <a:uFill>
-                <a:solidFill>
-                  <a:srgbClr val="ffffff"/>
-                </a:solidFill>
-              </a:uFill>
-              <a:latin typeface="Calisto MT"/>
+            <a:endParaRPr lang="en-US" sz="1800" spc="-1" strike="noStrike">
+              <a:solidFill>
+                <a:srgbClr val="ffffff"/>
+              </a:solidFill>
+              <a:uFill>
+                <a:solidFill>
+                  <a:srgbClr val="ffffff"/>
+                </a:solidFill>
+              </a:uFill>
+              <a:latin typeface="Arial"/>
             </a:endParaRPr>
           </a:p>
           <a:p>
@@ -4245,7 +4119,7 @@
               <a:buChar char=""/>
             </a:pPr>
             <a:r>
-              <a:rPr lang="en-US" sz="2000" spc="-1" strike="noStrike">
+              <a:rPr lang="en-US" sz="1800" spc="-1" strike="noStrike">
                 <a:solidFill>
                   <a:srgbClr val="ffffff"/>
                 </a:solidFill>
@@ -4254,20 +4128,20 @@
                     <a:srgbClr val="ffffff"/>
                   </a:solidFill>
                 </a:uFill>
-                <a:latin typeface="Calisto MT"/>
+                <a:latin typeface="Arial"/>
               </a:rPr>
               <a:t>Seventh Outline Level</a:t>
             </a:r>
-            <a:endParaRPr lang="en-US" sz="2000" spc="-1" strike="noStrike">
-              <a:solidFill>
-                <a:srgbClr val="ffffff"/>
-              </a:solidFill>
-              <a:uFill>
-                <a:solidFill>
-                  <a:srgbClr val="ffffff"/>
-                </a:solidFill>
-              </a:uFill>
-              <a:latin typeface="Calisto MT"/>
+            <a:endParaRPr lang="en-US" sz="1800" spc="-1" strike="noStrike">
+              <a:solidFill>
+                <a:srgbClr val="ffffff"/>
+              </a:solidFill>
+              <a:uFill>
+                <a:solidFill>
+                  <a:srgbClr val="ffffff"/>
+                </a:solidFill>
+              </a:uFill>
+              <a:latin typeface="Arial"/>
             </a:endParaRPr>
           </a:p>
         </p:txBody>
@@ -4321,7 +4195,7 @@
       </p:grpSpPr>
       <p:sp>
         <p:nvSpPr>
-          <p:cNvPr id="39" name="PlaceHolder 1"/>
+          <p:cNvPr id="36" name="PlaceHolder 1"/>
           <p:cNvSpPr>
             <a:spLocks noGrp="1"/>
           </p:cNvSpPr>
@@ -4331,23 +4205,19 @@
         </p:nvSpPr>
         <p:spPr>
           <a:xfrm>
-            <a:off x="685800" y="120960"/>
-            <a:ext cx="7770600" cy="1429560"/>
-          </a:xfrm>
-          <a:prstGeom prst="rect">
-            <a:avLst/>
-          </a:prstGeom>
-        </p:spPr>
-        <p:txBody>
-          <a:bodyPr anchor="ctr"/>
-          <a:p>
-            <a:pPr algn="ctr">
-              <a:lnSpc>
-                <a:spcPct val="100000"/>
-              </a:lnSpc>
-            </a:pPr>
+            <a:off x="457200" y="273600"/>
+            <a:ext cx="8229240" cy="1144800"/>
+          </a:xfrm>
+          <a:prstGeom prst="rect">
+            <a:avLst/>
+          </a:prstGeom>
+        </p:spPr>
+        <p:txBody>
+          <a:bodyPr lIns="0" rIns="0" tIns="0" bIns="0" anchor="ctr"/>
+          <a:p>
+            <a:pPr algn="ctr"/>
             <a:r>
-              <a:rPr lang="en-US" sz="4800" spc="-1" strike="noStrike">
+              <a:rPr lang="en-US" sz="4400" spc="-1" strike="noStrike">
                 <a:solidFill>
                   <a:srgbClr val="ffffff"/>
                 </a:solidFill>
@@ -4356,27 +4226,27 @@
                     <a:srgbClr val="ffffff"/>
                   </a:solidFill>
                 </a:uFill>
-                <a:latin typeface="Calisto MT"/>
+                <a:latin typeface="Arial"/>
               </a:rPr>
-              <a:t>Click to edit Master title style</a:t>
+              <a:t>Click to edit the title text format</a:t>
             </a:r>
-            <a:endParaRPr lang="en-US" sz="1800" spc="-1" strike="noStrike">
-              <a:solidFill>
-                <a:srgbClr val="ffffff"/>
-              </a:solidFill>
-              <a:uFill>
-                <a:solidFill>
-                  <a:srgbClr val="ffffff"/>
-                </a:solidFill>
-              </a:uFill>
-              <a:latin typeface="Calisto MT"/>
-            </a:endParaRPr>
-          </a:p>
-        </p:txBody>
-      </p:sp>
-      <p:sp>
-        <p:nvSpPr>
-          <p:cNvPr id="40" name="PlaceHolder 2"/>
+            <a:endParaRPr lang="en-US" sz="4400" spc="-1" strike="noStrike">
+              <a:solidFill>
+                <a:srgbClr val="ffffff"/>
+              </a:solidFill>
+              <a:uFill>
+                <a:solidFill>
+                  <a:srgbClr val="ffffff"/>
+                </a:solidFill>
+              </a:uFill>
+              <a:latin typeface="Arial"/>
+            </a:endParaRPr>
+          </a:p>
+        </p:txBody>
+      </p:sp>
+      <p:sp>
+        <p:nvSpPr>
+          <p:cNvPr id="37" name="PlaceHolder 2"/>
           <p:cNvSpPr>
             <a:spLocks noGrp="1"/>
           </p:cNvSpPr>
@@ -4386,15 +4256,15 @@
         </p:nvSpPr>
         <p:spPr>
           <a:xfrm>
-            <a:off x="685800" y="1869120"/>
-            <a:ext cx="7770600" cy="4256640"/>
-          </a:xfrm>
-          <a:prstGeom prst="rect">
-            <a:avLst/>
-          </a:prstGeom>
-        </p:spPr>
-        <p:txBody>
-          <a:bodyPr/>
+            <a:off x="457200" y="1604520"/>
+            <a:ext cx="8229240" cy="3977280"/>
+          </a:xfrm>
+          <a:prstGeom prst="rect">
+            <a:avLst/>
+          </a:prstGeom>
+        </p:spPr>
+        <p:txBody>
+          <a:bodyPr lIns="0" rIns="0" tIns="0" bIns="0"/>
           <a:p>
             <a:pPr marL="432000" indent="-324000">
               <a:buClr>
@@ -4405,7 +4275,7 @@
               <a:buChar char=""/>
             </a:pPr>
             <a:r>
-              <a:rPr lang="en-US" sz="2200" spc="-1" strike="noStrike">
+              <a:rPr lang="en-US" sz="3200" spc="-1" strike="noStrike">
                 <a:solidFill>
                   <a:srgbClr val="ffffff"/>
                 </a:solidFill>
@@ -4414,20 +4284,20 @@
                     <a:srgbClr val="ffffff"/>
                   </a:solidFill>
                 </a:uFill>
-                <a:latin typeface="Calisto MT"/>
+                <a:latin typeface="Arial"/>
               </a:rPr>
               <a:t>Click to edit the outline text format</a:t>
             </a:r>
-            <a:endParaRPr lang="en-US" sz="2200" spc="-1" strike="noStrike">
-              <a:solidFill>
-                <a:srgbClr val="ffffff"/>
-              </a:solidFill>
-              <a:uFill>
-                <a:solidFill>
-                  <a:srgbClr val="ffffff"/>
-                </a:solidFill>
-              </a:uFill>
-              <a:latin typeface="Calisto MT"/>
+            <a:endParaRPr lang="en-US" sz="3200" spc="-1" strike="noStrike">
+              <a:solidFill>
+                <a:srgbClr val="ffffff"/>
+              </a:solidFill>
+              <a:uFill>
+                <a:solidFill>
+                  <a:srgbClr val="ffffff"/>
+                </a:solidFill>
+              </a:uFill>
+              <a:latin typeface="Arial"/>
             </a:endParaRPr>
           </a:p>
           <a:p>
@@ -4440,7 +4310,7 @@
               <a:buChar char=""/>
             </a:pPr>
             <a:r>
-              <a:rPr lang="en-US" sz="2200" spc="-1" strike="noStrike">
+              <a:rPr lang="en-US" sz="2800" spc="-1" strike="noStrike">
                 <a:solidFill>
                   <a:srgbClr val="ffffff"/>
                 </a:solidFill>
@@ -4449,20 +4319,20 @@
                     <a:srgbClr val="ffffff"/>
                   </a:solidFill>
                 </a:uFill>
-                <a:latin typeface="Calisto MT"/>
+                <a:latin typeface="Arial"/>
               </a:rPr>
               <a:t>Second Outline Level</a:t>
             </a:r>
-            <a:endParaRPr lang="en-US" sz="2200" spc="-1" strike="noStrike">
-              <a:solidFill>
-                <a:srgbClr val="ffffff"/>
-              </a:solidFill>
-              <a:uFill>
-                <a:solidFill>
-                  <a:srgbClr val="ffffff"/>
-                </a:solidFill>
-              </a:uFill>
-              <a:latin typeface="Calisto MT"/>
+            <a:endParaRPr lang="en-US" sz="2800" spc="-1" strike="noStrike">
+              <a:solidFill>
+                <a:srgbClr val="ffffff"/>
+              </a:solidFill>
+              <a:uFill>
+                <a:solidFill>
+                  <a:srgbClr val="ffffff"/>
+                </a:solidFill>
+              </a:uFill>
+              <a:latin typeface="Arial"/>
             </a:endParaRPr>
           </a:p>
           <a:p>
@@ -4475,7 +4345,7 @@
               <a:buChar char=""/>
             </a:pPr>
             <a:r>
-              <a:rPr lang="en-US" sz="2200" spc="-1" strike="noStrike">
+              <a:rPr lang="en-US" sz="2400" spc="-1" strike="noStrike">
                 <a:solidFill>
                   <a:srgbClr val="ffffff"/>
                 </a:solidFill>
@@ -4484,20 +4354,20 @@
                     <a:srgbClr val="ffffff"/>
                   </a:solidFill>
                 </a:uFill>
-                <a:latin typeface="Calisto MT"/>
+                <a:latin typeface="Arial"/>
               </a:rPr>
               <a:t>Third Outline Level</a:t>
             </a:r>
-            <a:endParaRPr lang="en-US" sz="2200" spc="-1" strike="noStrike">
-              <a:solidFill>
-                <a:srgbClr val="ffffff"/>
-              </a:solidFill>
-              <a:uFill>
-                <a:solidFill>
-                  <a:srgbClr val="ffffff"/>
-                </a:solidFill>
-              </a:uFill>
-              <a:latin typeface="Calisto MT"/>
+            <a:endParaRPr lang="en-US" sz="2400" spc="-1" strike="noStrike">
+              <a:solidFill>
+                <a:srgbClr val="ffffff"/>
+              </a:solidFill>
+              <a:uFill>
+                <a:solidFill>
+                  <a:srgbClr val="ffffff"/>
+                </a:solidFill>
+              </a:uFill>
+              <a:latin typeface="Arial"/>
             </a:endParaRPr>
           </a:p>
           <a:p>
@@ -4510,7 +4380,7 @@
               <a:buChar char=""/>
             </a:pPr>
             <a:r>
-              <a:rPr lang="en-US" sz="2200" spc="-1" strike="noStrike">
+              <a:rPr lang="en-US" sz="2000" spc="-1" strike="noStrike">
                 <a:solidFill>
                   <a:srgbClr val="ffffff"/>
                 </a:solidFill>
@@ -4519,20 +4389,20 @@
                     <a:srgbClr val="ffffff"/>
                   </a:solidFill>
                 </a:uFill>
-                <a:latin typeface="Calisto MT"/>
+                <a:latin typeface="Arial"/>
               </a:rPr>
               <a:t>Fourth Outline Level</a:t>
             </a:r>
-            <a:endParaRPr lang="en-US" sz="2200" spc="-1" strike="noStrike">
-              <a:solidFill>
-                <a:srgbClr val="ffffff"/>
-              </a:solidFill>
-              <a:uFill>
-                <a:solidFill>
-                  <a:srgbClr val="ffffff"/>
-                </a:solidFill>
-              </a:uFill>
-              <a:latin typeface="Calisto MT"/>
+            <a:endParaRPr lang="en-US" sz="2000" spc="-1" strike="noStrike">
+              <a:solidFill>
+                <a:srgbClr val="ffffff"/>
+              </a:solidFill>
+              <a:uFill>
+                <a:solidFill>
+                  <a:srgbClr val="ffffff"/>
+                </a:solidFill>
+              </a:uFill>
+              <a:latin typeface="Arial"/>
             </a:endParaRPr>
           </a:p>
           <a:p>
@@ -4545,7 +4415,7 @@
               <a:buChar char=""/>
             </a:pPr>
             <a:r>
-              <a:rPr lang="en-US" sz="2200" spc="-1" strike="noStrike">
+              <a:rPr lang="en-US" sz="2000" spc="-1" strike="noStrike">
                 <a:solidFill>
                   <a:srgbClr val="ffffff"/>
                 </a:solidFill>
@@ -4554,20 +4424,20 @@
                     <a:srgbClr val="ffffff"/>
                   </a:solidFill>
                 </a:uFill>
-                <a:latin typeface="Calisto MT"/>
+                <a:latin typeface="Arial"/>
               </a:rPr>
               <a:t>Fifth Outline Level</a:t>
             </a:r>
-            <a:endParaRPr lang="en-US" sz="2200" spc="-1" strike="noStrike">
-              <a:solidFill>
-                <a:srgbClr val="ffffff"/>
-              </a:solidFill>
-              <a:uFill>
-                <a:solidFill>
-                  <a:srgbClr val="ffffff"/>
-                </a:solidFill>
-              </a:uFill>
-              <a:latin typeface="Calisto MT"/>
+            <a:endParaRPr lang="en-US" sz="2000" spc="-1" strike="noStrike">
+              <a:solidFill>
+                <a:srgbClr val="ffffff"/>
+              </a:solidFill>
+              <a:uFill>
+                <a:solidFill>
+                  <a:srgbClr val="ffffff"/>
+                </a:solidFill>
+              </a:uFill>
+              <a:latin typeface="Arial"/>
             </a:endParaRPr>
           </a:p>
           <a:p>
@@ -4580,7 +4450,7 @@
               <a:buChar char=""/>
             </a:pPr>
             <a:r>
-              <a:rPr lang="en-US" sz="2200" spc="-1" strike="noStrike">
+              <a:rPr lang="en-US" sz="2000" spc="-1" strike="noStrike">
                 <a:solidFill>
                   <a:srgbClr val="ffffff"/>
                 </a:solidFill>
@@ -4589,33 +4459,33 @@
                     <a:srgbClr val="ffffff"/>
                   </a:solidFill>
                 </a:uFill>
-                <a:latin typeface="Calisto MT"/>
+                <a:latin typeface="Arial"/>
               </a:rPr>
               <a:t>Sixth Outline Level</a:t>
             </a:r>
-            <a:endParaRPr lang="en-US" sz="2200" spc="-1" strike="noStrike">
-              <a:solidFill>
-                <a:srgbClr val="ffffff"/>
-              </a:solidFill>
-              <a:uFill>
-                <a:solidFill>
-                  <a:srgbClr val="ffffff"/>
-                </a:solidFill>
-              </a:uFill>
-              <a:latin typeface="Calisto MT"/>
-            </a:endParaRPr>
-          </a:p>
-          <a:p>
-            <a:pPr marL="343080" indent="-342720">
-              <a:lnSpc>
-                <a:spcPct val="100000"/>
-              </a:lnSpc>
-              <a:buBlip>
-                <a:blip r:embed="rId3"/>
-              </a:buBlip>
+            <a:endParaRPr lang="en-US" sz="2000" spc="-1" strike="noStrike">
+              <a:solidFill>
+                <a:srgbClr val="ffffff"/>
+              </a:solidFill>
+              <a:uFill>
+                <a:solidFill>
+                  <a:srgbClr val="ffffff"/>
+                </a:solidFill>
+              </a:uFill>
+              <a:latin typeface="Arial"/>
+            </a:endParaRPr>
+          </a:p>
+          <a:p>
+            <a:pPr lvl="6" marL="3024000" indent="-216000">
+              <a:buClr>
+                <a:srgbClr val="ffffff"/>
+              </a:buClr>
+              <a:buSzPct val="45000"/>
+              <a:buFont typeface="Wingdings" charset="2"/>
+              <a:buChar char=""/>
             </a:pPr>
             <a:r>
-              <a:rPr lang="en-US" sz="2200" spc="-1" strike="noStrike">
+              <a:rPr lang="en-US" sz="2000" spc="-1" strike="noStrike">
                 <a:solidFill>
                   <a:srgbClr val="ffffff"/>
                 </a:solidFill>
@@ -4624,306 +4494,20 @@
                     <a:srgbClr val="ffffff"/>
                   </a:solidFill>
                 </a:uFill>
-                <a:latin typeface="Calisto MT"/>
+                <a:latin typeface="Arial"/>
               </a:rPr>
-              <a:t>Seventh Outline LevelClick to edit Master text styles</a:t>
+              <a:t>Seventh Outline Level</a:t>
             </a:r>
-            <a:endParaRPr lang="en-US" sz="2200" spc="-1" strike="noStrike">
-              <a:solidFill>
-                <a:srgbClr val="ffffff"/>
-              </a:solidFill>
-              <a:uFill>
-                <a:solidFill>
-                  <a:srgbClr val="ffffff"/>
-                </a:solidFill>
-              </a:uFill>
-              <a:latin typeface="Calisto MT"/>
-            </a:endParaRPr>
-          </a:p>
-          <a:p>
-            <a:pPr lvl="1" marL="685800" indent="-336240">
-              <a:lnSpc>
-                <a:spcPct val="100000"/>
-              </a:lnSpc>
-              <a:buBlip>
-                <a:blip r:embed="rId4"/>
-              </a:buBlip>
-            </a:pPr>
-            <a:r>
-              <a:rPr lang="en-US" sz="2000" spc="-1" strike="noStrike">
-                <a:solidFill>
-                  <a:srgbClr val="ffffff"/>
-                </a:solidFill>
-                <a:uFill>
-                  <a:solidFill>
-                    <a:srgbClr val="ffffff"/>
-                  </a:solidFill>
-                </a:uFill>
-                <a:latin typeface="Calisto MT"/>
-              </a:rPr>
-              <a:t>Second level</a:t>
-            </a:r>
-            <a:endParaRPr lang="en-US" sz="2200" spc="-1" strike="noStrike">
-              <a:solidFill>
-                <a:srgbClr val="ffffff"/>
-              </a:solidFill>
-              <a:uFill>
-                <a:solidFill>
-                  <a:srgbClr val="ffffff"/>
-                </a:solidFill>
-              </a:uFill>
-              <a:latin typeface="Calisto MT"/>
-            </a:endParaRPr>
-          </a:p>
-          <a:p>
-            <a:pPr lvl="2" marL="1035000" indent="-348840">
-              <a:lnSpc>
-                <a:spcPct val="100000"/>
-              </a:lnSpc>
-              <a:buBlip>
-                <a:blip r:embed="rId5"/>
-              </a:buBlip>
-            </a:pPr>
-            <a:r>
-              <a:rPr lang="en-US" sz="1800" spc="-1" strike="noStrike">
-                <a:solidFill>
-                  <a:srgbClr val="ffffff"/>
-                </a:solidFill>
-                <a:uFill>
-                  <a:solidFill>
-                    <a:srgbClr val="ffffff"/>
-                  </a:solidFill>
-                </a:uFill>
-                <a:latin typeface="Calisto MT"/>
-              </a:rPr>
-              <a:t>Third level</a:t>
-            </a:r>
-            <a:endParaRPr lang="en-US" sz="2200" spc="-1" strike="noStrike">
-              <a:solidFill>
-                <a:srgbClr val="ffffff"/>
-              </a:solidFill>
-              <a:uFill>
-                <a:solidFill>
-                  <a:srgbClr val="ffffff"/>
-                </a:solidFill>
-              </a:uFill>
-              <a:latin typeface="Calisto MT"/>
-            </a:endParaRPr>
-          </a:p>
-          <a:p>
-            <a:pPr lvl="3" marL="1371600" indent="-336240">
-              <a:lnSpc>
-                <a:spcPct val="100000"/>
-              </a:lnSpc>
-              <a:buBlip>
-                <a:blip r:embed="rId6"/>
-              </a:buBlip>
-            </a:pPr>
-            <a:r>
-              <a:rPr lang="en-US" sz="1800" spc="-1" strike="noStrike">
-                <a:solidFill>
-                  <a:srgbClr val="ffffff"/>
-                </a:solidFill>
-                <a:uFill>
-                  <a:solidFill>
-                    <a:srgbClr val="ffffff"/>
-                  </a:solidFill>
-                </a:uFill>
-                <a:latin typeface="Calisto MT"/>
-              </a:rPr>
-              <a:t>Fourth level</a:t>
-            </a:r>
-            <a:endParaRPr lang="en-US" sz="2200" spc="-1" strike="noStrike">
-              <a:solidFill>
-                <a:srgbClr val="ffffff"/>
-              </a:solidFill>
-              <a:uFill>
-                <a:solidFill>
-                  <a:srgbClr val="ffffff"/>
-                </a:solidFill>
-              </a:uFill>
-              <a:latin typeface="Calisto MT"/>
-            </a:endParaRPr>
-          </a:p>
-          <a:p>
-            <a:pPr lvl="4" marL="1720800" indent="-348840">
-              <a:lnSpc>
-                <a:spcPct val="100000"/>
-              </a:lnSpc>
-              <a:buBlip>
-                <a:blip r:embed="rId7"/>
-              </a:buBlip>
-            </a:pPr>
-            <a:r>
-              <a:rPr lang="en-US" sz="1800" spc="-1" strike="noStrike">
-                <a:solidFill>
-                  <a:srgbClr val="ffffff"/>
-                </a:solidFill>
-                <a:uFill>
-                  <a:solidFill>
-                    <a:srgbClr val="ffffff"/>
-                  </a:solidFill>
-                </a:uFill>
-                <a:latin typeface="Calisto MT"/>
-              </a:rPr>
-              <a:t>Fifth level</a:t>
-            </a:r>
-            <a:endParaRPr lang="en-US" sz="2200" spc="-1" strike="noStrike">
-              <a:solidFill>
-                <a:srgbClr val="ffffff"/>
-              </a:solidFill>
-              <a:uFill>
-                <a:solidFill>
-                  <a:srgbClr val="ffffff"/>
-                </a:solidFill>
-              </a:uFill>
-              <a:latin typeface="Calisto MT"/>
-            </a:endParaRPr>
-          </a:p>
-        </p:txBody>
-      </p:sp>
-      <p:sp>
-        <p:nvSpPr>
-          <p:cNvPr id="41" name="PlaceHolder 3"/>
-          <p:cNvSpPr>
-            <a:spLocks noGrp="1"/>
-          </p:cNvSpPr>
-          <p:nvPr>
-            <p:ph type="dt"/>
-          </p:nvPr>
-        </p:nvSpPr>
-        <p:spPr>
-          <a:xfrm>
-            <a:off x="6620400" y="6356520"/>
-            <a:ext cx="2133360" cy="364680"/>
-          </a:xfrm>
-          <a:prstGeom prst="rect">
-            <a:avLst/>
-          </a:prstGeom>
-        </p:spPr>
-        <p:txBody>
-          <a:bodyPr anchor="ctr"/>
-          <a:p>
-            <a:pPr algn="r">
-              <a:lnSpc>
-                <a:spcPct val="100000"/>
-              </a:lnSpc>
-            </a:pPr>
-            <a:r>
-              <a:rPr lang="en-US" sz="1200" spc="-1" strike="noStrike">
-                <a:solidFill>
-                  <a:srgbClr val="ffffff"/>
-                </a:solidFill>
-                <a:uFill>
-                  <a:solidFill>
-                    <a:srgbClr val="ffffff"/>
-                  </a:solidFill>
-                </a:uFill>
-                <a:latin typeface="Calisto MT"/>
-              </a:rPr>
-              <a:t>2/22/16</a:t>
-            </a:r>
-            <a:endParaRPr lang="en-US" sz="1400" spc="-1" strike="noStrike">
-              <a:solidFill>
-                <a:srgbClr val="ffffff"/>
-              </a:solidFill>
-              <a:uFill>
-                <a:solidFill>
-                  <a:srgbClr val="ffffff"/>
-                </a:solidFill>
-              </a:uFill>
-              <a:latin typeface="Times New Roman"/>
-            </a:endParaRPr>
-          </a:p>
-        </p:txBody>
-      </p:sp>
-      <p:sp>
-        <p:nvSpPr>
-          <p:cNvPr id="42" name="PlaceHolder 4"/>
-          <p:cNvSpPr>
-            <a:spLocks noGrp="1"/>
-          </p:cNvSpPr>
-          <p:nvPr>
-            <p:ph type="ftr"/>
-          </p:nvPr>
-        </p:nvSpPr>
-        <p:spPr>
-          <a:xfrm>
-            <a:off x="354240" y="6356520"/>
-            <a:ext cx="2895120" cy="364680"/>
-          </a:xfrm>
-          <a:prstGeom prst="rect">
-            <a:avLst/>
-          </a:prstGeom>
-        </p:spPr>
-        <p:txBody>
-          <a:bodyPr anchor="ctr"/>
-          <a:p>
-            <a:endParaRPr lang="en-US" sz="2400" spc="-1" strike="noStrike">
-              <a:solidFill>
-                <a:srgbClr val="ffffff"/>
-              </a:solidFill>
-              <a:uFill>
-                <a:solidFill>
-                  <a:srgbClr val="ffffff"/>
-                </a:solidFill>
-              </a:uFill>
-              <a:latin typeface="Times New Roman"/>
-            </a:endParaRPr>
-          </a:p>
-        </p:txBody>
-      </p:sp>
-      <p:sp>
-        <p:nvSpPr>
-          <p:cNvPr id="43" name="PlaceHolder 5"/>
-          <p:cNvSpPr>
-            <a:spLocks noGrp="1"/>
-          </p:cNvSpPr>
-          <p:nvPr>
-            <p:ph type="sldNum"/>
-          </p:nvPr>
-        </p:nvSpPr>
-        <p:spPr>
-          <a:xfrm>
-            <a:off x="4229280" y="6356520"/>
-            <a:ext cx="685440" cy="364680"/>
-          </a:xfrm>
-          <a:prstGeom prst="rect">
-            <a:avLst/>
-          </a:prstGeom>
-        </p:spPr>
-        <p:txBody>
-          <a:bodyPr anchor="ctr"/>
-          <a:p>
-            <a:pPr algn="ctr">
-              <a:lnSpc>
-                <a:spcPct val="100000"/>
-              </a:lnSpc>
-            </a:pPr>
-            <a:fld id="{F90B1BA1-BC27-426D-B903-8940D5D3F0DB}" type="slidenum">
-              <a:rPr lang="en-US" sz="1200" spc="-1" strike="noStrike">
-                <a:solidFill>
-                  <a:srgbClr val="ffffff"/>
-                </a:solidFill>
-                <a:uFill>
-                  <a:solidFill>
-                    <a:srgbClr val="ffffff"/>
-                  </a:solidFill>
-                </a:uFill>
-                <a:latin typeface="Calisto MT"/>
-              </a:rPr>
-              <a:t>&lt;number&gt;</a:t>
-            </a:fld>
-            <a:endParaRPr lang="en-US" sz="1400" spc="-1" strike="noStrike">
-              <a:solidFill>
-                <a:srgbClr val="ffffff"/>
-              </a:solidFill>
-              <a:uFill>
-                <a:solidFill>
-                  <a:srgbClr val="ffffff"/>
-                </a:solidFill>
-              </a:uFill>
-              <a:latin typeface="Times New Roman"/>
+            <a:endParaRPr lang="en-US" sz="2000" spc="-1" strike="noStrike">
+              <a:solidFill>
+                <a:srgbClr val="ffffff"/>
+              </a:solidFill>
+              <a:uFill>
+                <a:solidFill>
+                  <a:srgbClr val="ffffff"/>
+                </a:solidFill>
+              </a:uFill>
+              <a:latin typeface="Arial"/>
             </a:endParaRPr>
           </a:p>
         </p:txBody>
@@ -4932,18 +4516,18 @@
   </p:cSld>
   <p:clrMap bg1="lt1" bg2="lt2" tx1="dk1" tx2="dk2" accent1="accent1" accent2="accent2" accent3="accent3" accent4="accent4" accent5="accent5" accent6="accent6" hlink="hlink" folHlink="folHlink"/>
   <p:sldLayoutIdLst>
-    <p:sldLayoutId id="2147483662" r:id="rId8"/>
-    <p:sldLayoutId id="2147483663" r:id="rId9"/>
-    <p:sldLayoutId id="2147483664" r:id="rId10"/>
-    <p:sldLayoutId id="2147483665" r:id="rId11"/>
-    <p:sldLayoutId id="2147483666" r:id="rId12"/>
-    <p:sldLayoutId id="2147483667" r:id="rId13"/>
-    <p:sldLayoutId id="2147483668" r:id="rId14"/>
-    <p:sldLayoutId id="2147483669" r:id="rId15"/>
-    <p:sldLayoutId id="2147483670" r:id="rId16"/>
-    <p:sldLayoutId id="2147483671" r:id="rId17"/>
-    <p:sldLayoutId id="2147483672" r:id="rId18"/>
-    <p:sldLayoutId id="2147483673" r:id="rId19"/>
+    <p:sldLayoutId id="2147483662" r:id="rId3"/>
+    <p:sldLayoutId id="2147483663" r:id="rId4"/>
+    <p:sldLayoutId id="2147483664" r:id="rId5"/>
+    <p:sldLayoutId id="2147483665" r:id="rId6"/>
+    <p:sldLayoutId id="2147483666" r:id="rId7"/>
+    <p:sldLayoutId id="2147483667" r:id="rId8"/>
+    <p:sldLayoutId id="2147483668" r:id="rId9"/>
+    <p:sldLayoutId id="2147483669" r:id="rId10"/>
+    <p:sldLayoutId id="2147483670" r:id="rId11"/>
+    <p:sldLayoutId id="2147483671" r:id="rId12"/>
+    <p:sldLayoutId id="2147483672" r:id="rId13"/>
+    <p:sldLayoutId id="2147483673" r:id="rId14"/>
   </p:sldLayoutIdLst>
 </p:sldMaster>
 </file>
@@ -4967,14 +4551,14 @@
       </p:grpSpPr>
       <p:sp>
         <p:nvSpPr>
-          <p:cNvPr id="83" name="TextShape 1"/>
-          <p:cNvSpPr txBox="1"/>
+          <p:cNvPr id="77" name="CustomShape 1"/>
+          <p:cNvSpPr/>
           <p:nvPr/>
         </p:nvSpPr>
         <p:spPr>
           <a:xfrm>
             <a:off x="685800" y="2365200"/>
-            <a:ext cx="7772040" cy="978120"/>
+            <a:ext cx="7771320" cy="977400"/>
           </a:xfrm>
           <a:prstGeom prst="rect">
             <a:avLst/>
@@ -4984,8 +4568,14 @@
             <a:noFill/>
           </a:ln>
         </p:spPr>
-        <p:txBody>
-          <a:bodyPr anchor="b"/>
+        <p:style>
+          <a:lnRef idx="0"/>
+          <a:fillRef idx="0"/>
+          <a:effectRef idx="0"/>
+          <a:fontRef idx="minor"/>
+        </p:style>
+        <p:txBody>
+          <a:bodyPr lIns="90000" rIns="90000" tIns="45000" bIns="45000" anchor="b"/>
           <a:p>
             <a:pPr algn="ctr">
               <a:lnSpc>
@@ -5003,8 +4593,9 @@
                   </a:solidFill>
                 </a:uFill>
                 <a:latin typeface="Calisto MT"/>
+                <a:ea typeface="DejaVu Sans"/>
               </a:rPr>
-              <a:t>Team A</a:t>
+              <a:t>A-Team</a:t>
             </a:r>
             <a:endParaRPr lang="en-US" sz="1800" spc="-1" strike="noStrike">
               <a:solidFill>
@@ -5015,21 +4606,21 @@
                   <a:srgbClr val="ffffff"/>
                 </a:solidFill>
               </a:uFill>
-              <a:latin typeface="Calisto MT"/>
-            </a:endParaRPr>
-          </a:p>
-        </p:txBody>
-      </p:sp>
-      <p:sp>
-        <p:nvSpPr>
-          <p:cNvPr id="84" name="TextShape 2"/>
-          <p:cNvSpPr txBox="1"/>
+              <a:latin typeface="Arial"/>
+            </a:endParaRPr>
+          </a:p>
+        </p:txBody>
+      </p:sp>
+      <p:sp>
+        <p:nvSpPr>
+          <p:cNvPr id="78" name="CustomShape 2"/>
+          <p:cNvSpPr/>
           <p:nvPr/>
         </p:nvSpPr>
         <p:spPr>
           <a:xfrm>
-            <a:off x="685800" y="3352680"/>
-            <a:ext cx="7772040" cy="877320"/>
+            <a:off x="685800" y="3796560"/>
+            <a:ext cx="7771320" cy="876600"/>
           </a:xfrm>
           <a:prstGeom prst="rect">
             <a:avLst/>
@@ -5039,8 +4630,14 @@
             <a:noFill/>
           </a:ln>
         </p:spPr>
-        <p:txBody>
-          <a:bodyPr/>
+        <p:style>
+          <a:lnRef idx="0"/>
+          <a:fillRef idx="0"/>
+          <a:effectRef idx="0"/>
+          <a:fontRef idx="minor"/>
+        </p:style>
+        <p:txBody>
+          <a:bodyPr lIns="90000" rIns="90000" tIns="45000" bIns="45000"/>
           <a:p>
             <a:pPr algn="ctr">
               <a:lnSpc>
@@ -5058,10 +4655,29 @@
                   </a:solidFill>
                 </a:uFill>
                 <a:latin typeface="Calisto MT"/>
+                <a:ea typeface="DejaVu Sans"/>
               </a:rPr>
               <a:t>Project 6X6 Tic Tac Toe Game</a:t>
             </a:r>
-            <a:endParaRPr lang="en-US" sz="3200" spc="-1" strike="noStrike">
+            <a:endParaRPr lang="en-US" sz="1800" spc="-1" strike="noStrike">
+              <a:solidFill>
+                <a:srgbClr val="ffffff"/>
+              </a:solidFill>
+              <a:uFill>
+                <a:solidFill>
+                  <a:srgbClr val="ffffff"/>
+                </a:solidFill>
+              </a:uFill>
+              <a:latin typeface="Arial"/>
+            </a:endParaRPr>
+          </a:p>
+          <a:p>
+            <a:pPr algn="ctr">
+              <a:lnSpc>
+                <a:spcPct val="100000"/>
+              </a:lnSpc>
+            </a:pPr>
+            <a:endParaRPr lang="en-US" sz="1800" spc="-1" strike="noStrike">
               <a:solidFill>
                 <a:srgbClr val="ffffff"/>
               </a:solidFill>
@@ -5090,10 +4706,11 @@
                   </a:solidFill>
                 </a:uFill>
                 <a:latin typeface="Calisto MT"/>
+                <a:ea typeface="DejaVu Sans"/>
               </a:rPr>
               <a:t>By Ibra, Eddie, Jason, Carrie, Alexis, Alfonso </a:t>
             </a:r>
-            <a:endParaRPr lang="en-US" sz="3200" spc="-1" strike="noStrike">
+            <a:endParaRPr lang="en-US" sz="1800" spc="-1" strike="noStrike">
               <a:solidFill>
                 <a:srgbClr val="ffffff"/>
               </a:solidFill>
@@ -5158,14 +4775,14 @@
       </p:grpSpPr>
       <p:sp>
         <p:nvSpPr>
-          <p:cNvPr id="85" name="TextShape 1"/>
-          <p:cNvSpPr txBox="1"/>
+          <p:cNvPr id="79" name="CustomShape 1"/>
+          <p:cNvSpPr/>
           <p:nvPr/>
         </p:nvSpPr>
         <p:spPr>
           <a:xfrm>
             <a:off x="685800" y="120960"/>
-            <a:ext cx="7770600" cy="1429560"/>
+            <a:ext cx="7769880" cy="1428840"/>
           </a:xfrm>
           <a:prstGeom prst="rect">
             <a:avLst/>
@@ -5175,8 +4792,14 @@
             <a:noFill/>
           </a:ln>
         </p:spPr>
-        <p:txBody>
-          <a:bodyPr anchor="ctr"/>
+        <p:style>
+          <a:lnRef idx="0"/>
+          <a:fillRef idx="0"/>
+          <a:effectRef idx="0"/>
+          <a:fontRef idx="minor"/>
+        </p:style>
+        <p:txBody>
+          <a:bodyPr lIns="90000" rIns="90000" tIns="45000" bIns="45000" anchor="ctr"/>
           <a:p>
             <a:pPr algn="ctr">
               <a:lnSpc>
@@ -5194,6 +4817,7 @@
                   </a:solidFill>
                 </a:uFill>
                 <a:latin typeface="Calisto MT"/>
+                <a:ea typeface="DejaVu Sans"/>
               </a:rPr>
               <a:t>Introduction</a:t>
             </a:r>
@@ -5206,21 +4830,21 @@
                   <a:srgbClr val="ffffff"/>
                 </a:solidFill>
               </a:uFill>
-              <a:latin typeface="Calisto MT"/>
-            </a:endParaRPr>
-          </a:p>
-        </p:txBody>
-      </p:sp>
-      <p:sp>
-        <p:nvSpPr>
-          <p:cNvPr id="86" name="TextShape 2"/>
-          <p:cNvSpPr txBox="1"/>
+              <a:latin typeface="Arial"/>
+            </a:endParaRPr>
+          </a:p>
+        </p:txBody>
+      </p:sp>
+      <p:sp>
+        <p:nvSpPr>
+          <p:cNvPr id="80" name="CustomShape 2"/>
+          <p:cNvSpPr/>
           <p:nvPr/>
         </p:nvSpPr>
         <p:spPr>
           <a:xfrm>
             <a:off x="685800" y="1869120"/>
-            <a:ext cx="7770600" cy="4256640"/>
+            <a:ext cx="7769880" cy="4255920"/>
           </a:xfrm>
           <a:prstGeom prst="rect">
             <a:avLst/>
@@ -5230,13 +4854,24 @@
             <a:noFill/>
           </a:ln>
         </p:spPr>
-        <p:txBody>
-          <a:bodyPr/>
-          <a:p>
-            <a:pPr>
+        <p:style>
+          <a:lnRef idx="0"/>
+          <a:fillRef idx="0"/>
+          <a:effectRef idx="0"/>
+          <a:fontRef idx="minor"/>
+        </p:style>
+        <p:txBody>
+          <a:bodyPr lIns="90000" rIns="90000" tIns="45000" bIns="45000"/>
+          <a:p>
+            <a:pPr marL="343080" indent="-342360">
               <a:lnSpc>
                 <a:spcPct val="100000"/>
               </a:lnSpc>
+              <a:buClr>
+                <a:srgbClr val="ffffff"/>
+              </a:buClr>
+              <a:buFont typeface="Arial"/>
+              <a:buChar char="•"/>
             </a:pPr>
             <a:r>
               <a:rPr lang="en-US" sz="2200" spc="-1" strike="noStrike">
@@ -5249,9 +4884,33 @@
                   </a:solidFill>
                 </a:uFill>
                 <a:latin typeface="Calisto MT"/>
+                <a:ea typeface="DejaVu Sans"/>
               </a:rPr>
-              <a:t> </a:t>
+              <a:t>Classic Tic-Tac-Toe:</a:t>
             </a:r>
+            <a:endParaRPr lang="en-US" sz="1800" spc="-1" strike="noStrike">
+              <a:solidFill>
+                <a:srgbClr val="ffffff"/>
+              </a:solidFill>
+              <a:uFill>
+                <a:solidFill>
+                  <a:srgbClr val="ffffff"/>
+                </a:solidFill>
+              </a:uFill>
+              <a:latin typeface="Arial"/>
+            </a:endParaRPr>
+          </a:p>
+          <a:p>
+            <a:pPr lvl="1" marL="800280" indent="-342360">
+              <a:lnSpc>
+                <a:spcPct val="100000"/>
+              </a:lnSpc>
+              <a:buClr>
+                <a:srgbClr val="ffffff"/>
+              </a:buClr>
+              <a:buFont typeface="Arial"/>
+              <a:buChar char="•"/>
+            </a:pPr>
             <a:r>
               <a:rPr lang="en-US" sz="2200" spc="-1" strike="noStrike">
                 <a:solidFill>
@@ -5263,19 +4922,20 @@
                   </a:solidFill>
                 </a:uFill>
                 <a:latin typeface="Calisto MT"/>
+                <a:ea typeface="DejaVu Sans"/>
               </a:rPr>
-              <a:t>Tic Tac Toe is a game that is played with two players, X and O, who take turns marking spaces usually in a 3X3 grid.</a:t>
+              <a:t>Two players</a:t>
             </a:r>
-            <a:endParaRPr lang="en-US" sz="2200" spc="-1" strike="noStrike">
-              <a:solidFill>
-                <a:srgbClr val="ffffff"/>
-              </a:solidFill>
-              <a:uFill>
-                <a:solidFill>
-                  <a:srgbClr val="ffffff"/>
-                </a:solidFill>
-              </a:uFill>
-              <a:latin typeface="Calisto MT"/>
+            <a:endParaRPr lang="en-US" sz="1800" spc="-1" strike="noStrike">
+              <a:solidFill>
+                <a:srgbClr val="ffffff"/>
+              </a:solidFill>
+              <a:uFill>
+                <a:solidFill>
+                  <a:srgbClr val="ffffff"/>
+                </a:solidFill>
+              </a:uFill>
+              <a:latin typeface="Arial"/>
             </a:endParaRPr>
           </a:p>
           <a:p>
@@ -5283,6 +4943,29 @@
               <a:lnSpc>
                 <a:spcPct val="100000"/>
               </a:lnSpc>
+            </a:pPr>
+            <a:endParaRPr lang="en-US" sz="1800" spc="-1" strike="noStrike">
+              <a:solidFill>
+                <a:srgbClr val="ffffff"/>
+              </a:solidFill>
+              <a:uFill>
+                <a:solidFill>
+                  <a:srgbClr val="ffffff"/>
+                </a:solidFill>
+              </a:uFill>
+              <a:latin typeface="Arial"/>
+            </a:endParaRPr>
+          </a:p>
+          <a:p>
+            <a:pPr lvl="1" marL="800280" indent="-342360">
+              <a:lnSpc>
+                <a:spcPct val="100000"/>
+              </a:lnSpc>
+              <a:buClr>
+                <a:srgbClr val="ffffff"/>
+              </a:buClr>
+              <a:buFont typeface="Arial"/>
+              <a:buChar char="•"/>
             </a:pPr>
             <a:r>
               <a:rPr lang="en-US" sz="2200" spc="-1" strike="noStrike">
@@ -5295,19 +4978,20 @@
                   </a:solidFill>
                 </a:uFill>
                 <a:latin typeface="Calisto MT"/>
+                <a:ea typeface="DejaVu Sans"/>
               </a:rPr>
-              <a:t>For this project the game will be change from its most common size 3x3 to a 6x6 with 4 squares require to win rather than 3.</a:t>
+              <a:t>3x3 grid</a:t>
             </a:r>
-            <a:endParaRPr lang="en-US" sz="2200" spc="-1" strike="noStrike">
-              <a:solidFill>
-                <a:srgbClr val="ffffff"/>
-              </a:solidFill>
-              <a:uFill>
-                <a:solidFill>
-                  <a:srgbClr val="ffffff"/>
-                </a:solidFill>
-              </a:uFill>
-              <a:latin typeface="Calisto MT"/>
+            <a:endParaRPr lang="en-US" sz="1800" spc="-1" strike="noStrike">
+              <a:solidFill>
+                <a:srgbClr val="ffffff"/>
+              </a:solidFill>
+              <a:uFill>
+                <a:solidFill>
+                  <a:srgbClr val="ffffff"/>
+                </a:solidFill>
+              </a:uFill>
+              <a:latin typeface="Arial"/>
             </a:endParaRPr>
           </a:p>
           <a:p>
@@ -5315,6 +4999,29 @@
               <a:lnSpc>
                 <a:spcPct val="100000"/>
               </a:lnSpc>
+            </a:pPr>
+            <a:endParaRPr lang="en-US" sz="1800" spc="-1" strike="noStrike">
+              <a:solidFill>
+                <a:srgbClr val="ffffff"/>
+              </a:solidFill>
+              <a:uFill>
+                <a:solidFill>
+                  <a:srgbClr val="ffffff"/>
+                </a:solidFill>
+              </a:uFill>
+              <a:latin typeface="Arial"/>
+            </a:endParaRPr>
+          </a:p>
+          <a:p>
+            <a:pPr lvl="1" marL="800280" indent="-342360">
+              <a:lnSpc>
+                <a:spcPct val="100000"/>
+              </a:lnSpc>
+              <a:buClr>
+                <a:srgbClr val="ffffff"/>
+              </a:buClr>
+              <a:buFont typeface="Arial"/>
+              <a:buChar char="•"/>
             </a:pPr>
             <a:r>
               <a:rPr lang="en-US" sz="2200" spc="-1" strike="noStrike">
@@ -5327,9 +5034,69 @@
                   </a:solidFill>
                 </a:uFill>
                 <a:latin typeface="Calisto MT"/>
+                <a:ea typeface="DejaVu Sans"/>
               </a:rPr>
-              <a:t> </a:t>
+              <a:t>First with three in row wins</a:t>
             </a:r>
+            <a:endParaRPr lang="en-US" sz="1800" spc="-1" strike="noStrike">
+              <a:solidFill>
+                <a:srgbClr val="ffffff"/>
+              </a:solidFill>
+              <a:uFill>
+                <a:solidFill>
+                  <a:srgbClr val="ffffff"/>
+                </a:solidFill>
+              </a:uFill>
+              <a:latin typeface="Arial"/>
+            </a:endParaRPr>
+          </a:p>
+          <a:p>
+            <a:pPr>
+              <a:lnSpc>
+                <a:spcPct val="100000"/>
+              </a:lnSpc>
+            </a:pPr>
+            <a:endParaRPr lang="en-US" sz="1800" spc="-1" strike="noStrike">
+              <a:solidFill>
+                <a:srgbClr val="ffffff"/>
+              </a:solidFill>
+              <a:uFill>
+                <a:solidFill>
+                  <a:srgbClr val="ffffff"/>
+                </a:solidFill>
+              </a:uFill>
+              <a:latin typeface="Arial"/>
+            </a:endParaRPr>
+          </a:p>
+          <a:p>
+            <a:pPr>
+              <a:lnSpc>
+                <a:spcPct val="100000"/>
+              </a:lnSpc>
+            </a:pPr>
+            <a:endParaRPr lang="en-US" sz="1800" spc="-1" strike="noStrike">
+              <a:solidFill>
+                <a:srgbClr val="ffffff"/>
+              </a:solidFill>
+              <a:uFill>
+                <a:solidFill>
+                  <a:srgbClr val="ffffff"/>
+                </a:solidFill>
+              </a:uFill>
+              <a:latin typeface="Arial"/>
+            </a:endParaRPr>
+          </a:p>
+          <a:p>
+            <a:pPr marL="343080" indent="-342360">
+              <a:lnSpc>
+                <a:spcPct val="100000"/>
+              </a:lnSpc>
+              <a:buClr>
+                <a:srgbClr val="ffffff"/>
+              </a:buClr>
+              <a:buFont typeface="Arial"/>
+              <a:buChar char="•"/>
+            </a:pPr>
             <a:r>
               <a:rPr lang="en-US" sz="2200" spc="-1" strike="noStrike">
                 <a:solidFill>
@@ -5341,19 +5108,244 @@
                   </a:solidFill>
                 </a:uFill>
                 <a:latin typeface="Calisto MT"/>
+                <a:ea typeface="DejaVu Sans"/>
               </a:rPr>
-              <a:t>In conclusion it will be 6X6X4 version of the classic Tic Tac Toe game.</a:t>
+              <a:t>Our project: </a:t>
             </a:r>
-            <a:endParaRPr lang="en-US" sz="2200" spc="-1" strike="noStrike">
-              <a:solidFill>
-                <a:srgbClr val="ffffff"/>
-              </a:solidFill>
-              <a:uFill>
-                <a:solidFill>
-                  <a:srgbClr val="ffffff"/>
-                </a:solidFill>
-              </a:uFill>
-              <a:latin typeface="Calisto MT"/>
+            <a:endParaRPr lang="en-US" sz="1800" spc="-1" strike="noStrike">
+              <a:solidFill>
+                <a:srgbClr val="ffffff"/>
+              </a:solidFill>
+              <a:uFill>
+                <a:solidFill>
+                  <a:srgbClr val="ffffff"/>
+                </a:solidFill>
+              </a:uFill>
+              <a:latin typeface="Arial"/>
+            </a:endParaRPr>
+          </a:p>
+          <a:p>
+            <a:pPr lvl="1" marL="800280" indent="-342360">
+              <a:lnSpc>
+                <a:spcPct val="100000"/>
+              </a:lnSpc>
+              <a:buClr>
+                <a:srgbClr val="ffffff"/>
+              </a:buClr>
+              <a:buFont typeface="Arial"/>
+              <a:buChar char="•"/>
+            </a:pPr>
+            <a:r>
+              <a:rPr lang="en-US" sz="2200" spc="-1" strike="noStrike">
+                <a:solidFill>
+                  <a:srgbClr val="ffffff"/>
+                </a:solidFill>
+                <a:uFill>
+                  <a:solidFill>
+                    <a:srgbClr val="ffffff"/>
+                  </a:solidFill>
+                </a:uFill>
+                <a:latin typeface="Calisto MT"/>
+                <a:ea typeface="DejaVu Sans"/>
+              </a:rPr>
+              <a:t>One or two players</a:t>
+            </a:r>
+            <a:endParaRPr lang="en-US" sz="1800" spc="-1" strike="noStrike">
+              <a:solidFill>
+                <a:srgbClr val="ffffff"/>
+              </a:solidFill>
+              <a:uFill>
+                <a:solidFill>
+                  <a:srgbClr val="ffffff"/>
+                </a:solidFill>
+              </a:uFill>
+              <a:latin typeface="Arial"/>
+            </a:endParaRPr>
+          </a:p>
+          <a:p>
+            <a:pPr lvl="1" marL="800280" indent="-342360">
+              <a:lnSpc>
+                <a:spcPct val="100000"/>
+              </a:lnSpc>
+              <a:buClr>
+                <a:srgbClr val="ffffff"/>
+              </a:buClr>
+              <a:buFont typeface="Arial"/>
+              <a:buChar char="•"/>
+            </a:pPr>
+            <a:r>
+              <a:rPr lang="en-US" sz="2200" spc="-1" strike="noStrike">
+                <a:solidFill>
+                  <a:srgbClr val="ffffff"/>
+                </a:solidFill>
+                <a:uFill>
+                  <a:solidFill>
+                    <a:srgbClr val="ffffff"/>
+                  </a:solidFill>
+                </a:uFill>
+                <a:latin typeface="Calisto MT"/>
+                <a:ea typeface="DejaVu Sans"/>
+              </a:rPr>
+              <a:t> </a:t>
+            </a:r>
+            <a:endParaRPr lang="en-US" sz="1800" spc="-1" strike="noStrike">
+              <a:solidFill>
+                <a:srgbClr val="ffffff"/>
+              </a:solidFill>
+              <a:uFill>
+                <a:solidFill>
+                  <a:srgbClr val="ffffff"/>
+                </a:solidFill>
+              </a:uFill>
+              <a:latin typeface="Arial"/>
+            </a:endParaRPr>
+          </a:p>
+          <a:p>
+            <a:pPr lvl="1" marL="800280" indent="-342360">
+              <a:lnSpc>
+                <a:spcPct val="100000"/>
+              </a:lnSpc>
+              <a:buClr>
+                <a:srgbClr val="ffffff"/>
+              </a:buClr>
+              <a:buFont typeface="Arial"/>
+              <a:buChar char="•"/>
+            </a:pPr>
+            <a:r>
+              <a:rPr lang="en-US" sz="2200" spc="-1" strike="noStrike">
+                <a:solidFill>
+                  <a:srgbClr val="ffffff"/>
+                </a:solidFill>
+                <a:uFill>
+                  <a:solidFill>
+                    <a:srgbClr val="ffffff"/>
+                  </a:solidFill>
+                </a:uFill>
+                <a:latin typeface="Calisto MT"/>
+                <a:ea typeface="DejaVu Sans"/>
+              </a:rPr>
+              <a:t>6x6 grid</a:t>
+            </a:r>
+            <a:endParaRPr lang="en-US" sz="1800" spc="-1" strike="noStrike">
+              <a:solidFill>
+                <a:srgbClr val="ffffff"/>
+              </a:solidFill>
+              <a:uFill>
+                <a:solidFill>
+                  <a:srgbClr val="ffffff"/>
+                </a:solidFill>
+              </a:uFill>
+              <a:latin typeface="Arial"/>
+            </a:endParaRPr>
+          </a:p>
+          <a:p>
+            <a:pPr>
+              <a:lnSpc>
+                <a:spcPct val="100000"/>
+              </a:lnSpc>
+            </a:pPr>
+            <a:endParaRPr lang="en-US" sz="1800" spc="-1" strike="noStrike">
+              <a:solidFill>
+                <a:srgbClr val="ffffff"/>
+              </a:solidFill>
+              <a:uFill>
+                <a:solidFill>
+                  <a:srgbClr val="ffffff"/>
+                </a:solidFill>
+              </a:uFill>
+              <a:latin typeface="Arial"/>
+            </a:endParaRPr>
+          </a:p>
+          <a:p>
+            <a:pPr lvl="1" marL="800280" indent="-342360">
+              <a:lnSpc>
+                <a:spcPct val="100000"/>
+              </a:lnSpc>
+              <a:buClr>
+                <a:srgbClr val="ffffff"/>
+              </a:buClr>
+              <a:buFont typeface="Arial"/>
+              <a:buChar char="•"/>
+            </a:pPr>
+            <a:r>
+              <a:rPr lang="en-US" sz="2200" spc="-1" strike="noStrike">
+                <a:solidFill>
+                  <a:srgbClr val="ffffff"/>
+                </a:solidFill>
+                <a:uFill>
+                  <a:solidFill>
+                    <a:srgbClr val="ffffff"/>
+                  </a:solidFill>
+                </a:uFill>
+                <a:latin typeface="Calisto MT"/>
+                <a:ea typeface="DejaVu Sans"/>
+              </a:rPr>
+              <a:t>Player with the most four in a row wins</a:t>
+            </a:r>
+            <a:endParaRPr lang="en-US" sz="1800" spc="-1" strike="noStrike">
+              <a:solidFill>
+                <a:srgbClr val="ffffff"/>
+              </a:solidFill>
+              <a:uFill>
+                <a:solidFill>
+                  <a:srgbClr val="ffffff"/>
+                </a:solidFill>
+              </a:uFill>
+              <a:latin typeface="Arial"/>
+            </a:endParaRPr>
+          </a:p>
+          <a:p>
+            <a:pPr>
+              <a:lnSpc>
+                <a:spcPct val="100000"/>
+              </a:lnSpc>
+            </a:pPr>
+            <a:endParaRPr lang="en-US" sz="1800" spc="-1" strike="noStrike">
+              <a:solidFill>
+                <a:srgbClr val="ffffff"/>
+              </a:solidFill>
+              <a:uFill>
+                <a:solidFill>
+                  <a:srgbClr val="ffffff"/>
+                </a:solidFill>
+              </a:uFill>
+              <a:latin typeface="Arial"/>
+            </a:endParaRPr>
+          </a:p>
+          <a:p>
+            <a:pPr>
+              <a:lnSpc>
+                <a:spcPct val="100000"/>
+              </a:lnSpc>
+            </a:pPr>
+            <a:endParaRPr lang="en-US" sz="1800" spc="-1" strike="noStrike">
+              <a:solidFill>
+                <a:srgbClr val="ffffff"/>
+              </a:solidFill>
+              <a:uFill>
+                <a:solidFill>
+                  <a:srgbClr val="ffffff"/>
+                </a:solidFill>
+              </a:uFill>
+              <a:latin typeface="Arial"/>
+            </a:endParaRPr>
+          </a:p>
+          <a:p>
+            <a:pPr>
+              <a:lnSpc>
+                <a:spcPct val="100000"/>
+              </a:lnSpc>
+            </a:pPr>
+            <a:endParaRPr lang="en-US" sz="1800" spc="-1" strike="noStrike">
+              <a:solidFill>
+                <a:srgbClr val="ffffff"/>
+              </a:solidFill>
+              <a:uFill>
+                <a:solidFill>
+                  <a:srgbClr val="ffffff"/>
+                </a:solidFill>
+              </a:uFill>
+              <a:latin typeface="Arial"/>
             </a:endParaRPr>
           </a:p>
         </p:txBody>
@@ -5409,14 +5401,14 @@
       </p:grpSpPr>
       <p:sp>
         <p:nvSpPr>
-          <p:cNvPr id="87" name="TextShape 1"/>
-          <p:cNvSpPr txBox="1"/>
+          <p:cNvPr id="81" name="CustomShape 1"/>
+          <p:cNvSpPr/>
           <p:nvPr/>
         </p:nvSpPr>
         <p:spPr>
           <a:xfrm>
             <a:off x="685800" y="120960"/>
-            <a:ext cx="7770600" cy="1429560"/>
+            <a:ext cx="7769880" cy="1428840"/>
           </a:xfrm>
           <a:prstGeom prst="rect">
             <a:avLst/>
@@ -5426,8 +5418,14 @@
             <a:noFill/>
           </a:ln>
         </p:spPr>
-        <p:txBody>
-          <a:bodyPr anchor="ctr"/>
+        <p:style>
+          <a:lnRef idx="0"/>
+          <a:fillRef idx="0"/>
+          <a:effectRef idx="0"/>
+          <a:fontRef idx="minor"/>
+        </p:style>
+        <p:txBody>
+          <a:bodyPr lIns="90000" rIns="90000" tIns="45000" bIns="45000" anchor="ctr"/>
           <a:p>
             <a:pPr algn="ctr">
               <a:lnSpc>
@@ -5445,6 +5443,7 @@
                   </a:solidFill>
                 </a:uFill>
                 <a:latin typeface="Calisto MT"/>
+                <a:ea typeface="DejaVu Sans"/>
               </a:rPr>
               <a:t>Purpose of the Game</a:t>
             </a:r>
@@ -5457,21 +5456,21 @@
                   <a:srgbClr val="ffffff"/>
                 </a:solidFill>
               </a:uFill>
-              <a:latin typeface="Calisto MT"/>
-            </a:endParaRPr>
-          </a:p>
-        </p:txBody>
-      </p:sp>
-      <p:sp>
-        <p:nvSpPr>
-          <p:cNvPr id="88" name="TextShape 2"/>
-          <p:cNvSpPr txBox="1"/>
+              <a:latin typeface="Arial"/>
+            </a:endParaRPr>
+          </a:p>
+        </p:txBody>
+      </p:sp>
+      <p:sp>
+        <p:nvSpPr>
+          <p:cNvPr id="82" name="CustomShape 2"/>
+          <p:cNvSpPr/>
           <p:nvPr/>
         </p:nvSpPr>
         <p:spPr>
           <a:xfrm>
-            <a:off x="685800" y="1869120"/>
-            <a:ext cx="7770600" cy="4256640"/>
+            <a:off x="685800" y="1963080"/>
+            <a:ext cx="7769880" cy="4255920"/>
           </a:xfrm>
           <a:prstGeom prst="rect">
             <a:avLst/>
@@ -5481,16 +5480,24 @@
             <a:noFill/>
           </a:ln>
         </p:spPr>
-        <p:txBody>
-          <a:bodyPr/>
-          <a:p>
-            <a:pPr marL="343080" indent="-342720">
+        <p:style>
+          <a:lnRef idx="0"/>
+          <a:fillRef idx="0"/>
+          <a:effectRef idx="0"/>
+          <a:fontRef idx="minor"/>
+        </p:style>
+        <p:txBody>
+          <a:bodyPr lIns="90000" rIns="90000" tIns="45000" bIns="45000"/>
+          <a:p>
+            <a:pPr marL="343440" indent="-342360">
               <a:lnSpc>
                 <a:spcPct val="100000"/>
               </a:lnSpc>
-              <a:buBlip>
-                <a:blip r:embed="rId1"/>
-              </a:buBlip>
+              <a:buClr>
+                <a:srgbClr val="ffffff"/>
+              </a:buClr>
+              <a:buFont typeface="Arial"/>
+              <a:buChar char="•"/>
             </a:pPr>
             <a:r>
               <a:rPr lang="en-US" sz="2200" spc="-1" strike="noStrike">
@@ -5503,29 +5510,50 @@
                   </a:solidFill>
                 </a:uFill>
                 <a:latin typeface="Calisto MT"/>
+                <a:ea typeface="DejaVu Sans"/>
               </a:rPr>
-              <a:t>The purpose of the game is to win against an opponent.</a:t>
+              <a:t>Purpose: win against your opponent.</a:t>
             </a:r>
-            <a:endParaRPr lang="en-US" sz="2200" spc="-1" strike="noStrike">
-              <a:solidFill>
-                <a:srgbClr val="ffffff"/>
-              </a:solidFill>
-              <a:uFill>
-                <a:solidFill>
-                  <a:srgbClr val="ffffff"/>
-                </a:solidFill>
-              </a:uFill>
-              <a:latin typeface="Calisto MT"/>
-            </a:endParaRPr>
-          </a:p>
-          <a:p>
-            <a:pPr marL="343080" indent="-342720">
+            <a:endParaRPr lang="en-US" sz="1800" spc="-1" strike="noStrike">
+              <a:solidFill>
+                <a:srgbClr val="ffffff"/>
+              </a:solidFill>
+              <a:uFill>
+                <a:solidFill>
+                  <a:srgbClr val="ffffff"/>
+                </a:solidFill>
+              </a:uFill>
+              <a:latin typeface="Arial"/>
+            </a:endParaRPr>
+          </a:p>
+          <a:p>
+            <a:pPr marL="360">
               <a:lnSpc>
                 <a:spcPct val="100000"/>
               </a:lnSpc>
-              <a:buBlip>
-                <a:blip r:embed="rId2"/>
-              </a:buBlip>
+            </a:pPr>
+            <a:endParaRPr lang="en-US" sz="1800" spc="-1" strike="noStrike">
+              <a:solidFill>
+                <a:srgbClr val="ffffff"/>
+              </a:solidFill>
+              <a:uFill>
+                <a:solidFill>
+                  <a:srgbClr val="ffffff"/>
+                </a:solidFill>
+              </a:uFill>
+              <a:latin typeface="Arial"/>
+            </a:endParaRPr>
+          </a:p>
+          <a:p>
+            <a:pPr marL="343440" indent="-342360">
+              <a:lnSpc>
+                <a:spcPct val="100000"/>
+              </a:lnSpc>
+              <a:buClr>
+                <a:srgbClr val="ffffff"/>
+              </a:buClr>
+              <a:buFont typeface="Arial"/>
+              <a:buChar char="•"/>
             </a:pPr>
             <a:r>
               <a:rPr lang="en-US" sz="2200" spc="-1" strike="noStrike">
@@ -5538,32 +5566,53 @@
                   </a:solidFill>
                 </a:uFill>
                 <a:latin typeface="Calisto MT"/>
+                <a:ea typeface="DejaVu Sans"/>
               </a:rPr>
-              <a:t>To win, the player with most 4 square lined up wins:</a:t>
+              <a:t>The winner will be determined once the entire grid is filled.</a:t>
             </a:r>
-            <a:endParaRPr lang="en-US" sz="2200" spc="-1" strike="noStrike">
-              <a:solidFill>
-                <a:srgbClr val="ffffff"/>
-              </a:solidFill>
-              <a:uFill>
-                <a:solidFill>
-                  <a:srgbClr val="ffffff"/>
-                </a:solidFill>
-              </a:uFill>
-              <a:latin typeface="Calisto MT"/>
-            </a:endParaRPr>
-          </a:p>
-          <a:p>
-            <a:pPr lvl="1" marL="685800" indent="-336240">
+            <a:endParaRPr lang="en-US" sz="1800" spc="-1" strike="noStrike">
+              <a:solidFill>
+                <a:srgbClr val="ffffff"/>
+              </a:solidFill>
+              <a:uFill>
+                <a:solidFill>
+                  <a:srgbClr val="ffffff"/>
+                </a:solidFill>
+              </a:uFill>
+              <a:latin typeface="Arial"/>
+            </a:endParaRPr>
+          </a:p>
+          <a:p>
+            <a:pPr marL="360">
               <a:lnSpc>
                 <a:spcPct val="100000"/>
               </a:lnSpc>
-              <a:buBlip>
-                <a:blip r:embed="rId3"/>
-              </a:buBlip>
+            </a:pPr>
+            <a:endParaRPr lang="en-US" sz="1800" spc="-1" strike="noStrike">
+              <a:solidFill>
+                <a:srgbClr val="ffffff"/>
+              </a:solidFill>
+              <a:uFill>
+                <a:solidFill>
+                  <a:srgbClr val="ffffff"/>
+                </a:solidFill>
+              </a:uFill>
+              <a:latin typeface="Arial"/>
+            </a:endParaRPr>
+          </a:p>
+          <a:p>
+            <a:pPr marL="343440" indent="-342360">
+              <a:lnSpc>
+                <a:spcPct val="100000"/>
+              </a:lnSpc>
+              <a:buClr>
+                <a:srgbClr val="ffffff"/>
+              </a:buClr>
+              <a:buFont typeface="Arial"/>
+              <a:buChar char="•"/>
             </a:pPr>
             <a:r>
-              <a:rPr lang="en-US" sz="2000" spc="-1" strike="noStrike">
+              <a:rPr lang="en-US" sz="2200" spc="-1" strike="noStrike">
                 <a:solidFill>
                   <a:srgbClr val="ffffff"/>
                 </a:solidFill>
@@ -5573,8 +5622,9 @@
                   </a:solidFill>
                 </a:uFill>
                 <a:latin typeface="Calisto MT"/>
+                <a:ea typeface="DejaVu Sans"/>
               </a:rPr>
-              <a:t>Vertically</a:t>
+              <a:t>The player with the most 4 in a row wins:</a:t>
             </a:r>
             <a:endParaRPr lang="en-US" sz="1800" spc="-1" strike="noStrike">
               <a:solidFill>
@@ -5585,20 +5635,22 @@
                   <a:srgbClr val="ffffff"/>
                 </a:solidFill>
               </a:uFill>
-              <a:latin typeface="Calisto MT"/>
-            </a:endParaRPr>
-          </a:p>
-          <a:p>
-            <a:pPr lvl="1" marL="685800" indent="-336240">
+              <a:latin typeface="Arial"/>
+            </a:endParaRPr>
+          </a:p>
+          <a:p>
+            <a:pPr lvl="2" marL="1257840" indent="-342360">
               <a:lnSpc>
                 <a:spcPct val="100000"/>
               </a:lnSpc>
-              <a:buBlip>
-                <a:blip r:embed="rId4"/>
-              </a:buBlip>
+              <a:buClr>
+                <a:srgbClr val="ffffff"/>
+              </a:buClr>
+              <a:buFont typeface="Arial"/>
+              <a:buChar char="•"/>
             </a:pPr>
             <a:r>
-              <a:rPr lang="en-US" sz="2000" spc="-1" strike="noStrike">
+              <a:rPr lang="en-US" sz="2200" spc="-1" strike="noStrike">
                 <a:solidFill>
                   <a:srgbClr val="ffffff"/>
                 </a:solidFill>
@@ -5608,8 +5660,9 @@
                   </a:solidFill>
                 </a:uFill>
                 <a:latin typeface="Calisto MT"/>
+                <a:ea typeface="DejaVu Sans"/>
               </a:rPr>
-              <a:t>Horizontally</a:t>
+              <a:t>Vertically</a:t>
             </a:r>
             <a:endParaRPr lang="en-US" sz="1800" spc="-1" strike="noStrike">
               <a:solidFill>
@@ -5620,20 +5673,22 @@
                   <a:srgbClr val="ffffff"/>
                 </a:solidFill>
               </a:uFill>
-              <a:latin typeface="Calisto MT"/>
-            </a:endParaRPr>
-          </a:p>
-          <a:p>
-            <a:pPr lvl="1" marL="685800" indent="-336240">
+              <a:latin typeface="Arial"/>
+            </a:endParaRPr>
+          </a:p>
+          <a:p>
+            <a:pPr lvl="2" marL="1257840" indent="-342360">
               <a:lnSpc>
                 <a:spcPct val="100000"/>
               </a:lnSpc>
-              <a:buBlip>
-                <a:blip r:embed="rId5"/>
-              </a:buBlip>
+              <a:buClr>
+                <a:srgbClr val="ffffff"/>
+              </a:buClr>
+              <a:buFont typeface="Arial"/>
+              <a:buChar char="•"/>
             </a:pPr>
             <a:r>
-              <a:rPr lang="en-US" sz="2000" spc="-1" strike="noStrike">
+              <a:rPr lang="en-US" sz="2200" spc="-1" strike="noStrike">
                 <a:solidFill>
                   <a:srgbClr val="ffffff"/>
                 </a:solidFill>
@@ -5643,8 +5698,9 @@
                   </a:solidFill>
                 </a:uFill>
                 <a:latin typeface="Calisto MT"/>
+                <a:ea typeface="DejaVu Sans"/>
               </a:rPr>
-              <a:t>Diagonally</a:t>
+              <a:t>Horizontally</a:t>
             </a:r>
             <a:endParaRPr lang="en-US" sz="1800" spc="-1" strike="noStrike">
               <a:solidFill>
@@ -5655,17 +5711,19 @@
                   <a:srgbClr val="ffffff"/>
                 </a:solidFill>
               </a:uFill>
-              <a:latin typeface="Calisto MT"/>
-            </a:endParaRPr>
-          </a:p>
-          <a:p>
-            <a:pPr marL="343080" indent="-342720">
+              <a:latin typeface="Arial"/>
+            </a:endParaRPr>
+          </a:p>
+          <a:p>
+            <a:pPr lvl="2" marL="1257840" indent="-342360">
               <a:lnSpc>
                 <a:spcPct val="100000"/>
               </a:lnSpc>
-              <a:buBlip>
-                <a:blip r:embed="rId6"/>
-              </a:buBlip>
+              <a:buClr>
+                <a:srgbClr val="ffffff"/>
+              </a:buClr>
+              <a:buFont typeface="Arial"/>
+              <a:buChar char="•"/>
             </a:pPr>
             <a:r>
               <a:rPr lang="en-US" sz="2200" spc="-1" strike="noStrike">
@@ -5678,29 +5736,50 @@
                   </a:solidFill>
                 </a:uFill>
                 <a:latin typeface="Calisto MT"/>
+                <a:ea typeface="DejaVu Sans"/>
               </a:rPr>
-              <a:t>The winner will be determine once all spaces have been filled.</a:t>
+              <a:t>Diagonally</a:t>
             </a:r>
-            <a:endParaRPr lang="en-US" sz="2200" spc="-1" strike="noStrike">
-              <a:solidFill>
-                <a:srgbClr val="ffffff"/>
-              </a:solidFill>
-              <a:uFill>
-                <a:solidFill>
-                  <a:srgbClr val="ffffff"/>
-                </a:solidFill>
-              </a:uFill>
-              <a:latin typeface="Calisto MT"/>
-            </a:endParaRPr>
-          </a:p>
-          <a:p>
-            <a:pPr marL="343080" indent="-342720">
+            <a:endParaRPr lang="en-US" sz="1800" spc="-1" strike="noStrike">
+              <a:solidFill>
+                <a:srgbClr val="ffffff"/>
+              </a:solidFill>
+              <a:uFill>
+                <a:solidFill>
+                  <a:srgbClr val="ffffff"/>
+                </a:solidFill>
+              </a:uFill>
+              <a:latin typeface="Arial"/>
+            </a:endParaRPr>
+          </a:p>
+          <a:p>
+            <a:pPr>
               <a:lnSpc>
                 <a:spcPct val="100000"/>
               </a:lnSpc>
-              <a:buBlip>
-                <a:blip r:embed="rId7"/>
-              </a:buBlip>
+            </a:pPr>
+            <a:endParaRPr lang="en-US" sz="1800" spc="-1" strike="noStrike">
+              <a:solidFill>
+                <a:srgbClr val="ffffff"/>
+              </a:solidFill>
+              <a:uFill>
+                <a:solidFill>
+                  <a:srgbClr val="ffffff"/>
+                </a:solidFill>
+              </a:uFill>
+              <a:latin typeface="Arial"/>
+            </a:endParaRPr>
+          </a:p>
+          <a:p>
+            <a:pPr marL="343440" indent="-342360">
+              <a:lnSpc>
+                <a:spcPct val="100000"/>
+              </a:lnSpc>
+              <a:buClr>
+                <a:srgbClr val="ffffff"/>
+              </a:buClr>
+              <a:buFont typeface="Arial"/>
+              <a:buChar char="•"/>
             </a:pPr>
             <a:r>
               <a:rPr lang="en-US" sz="2200" spc="-1" strike="noStrike">
@@ -5713,19 +5792,20 @@
                   </a:solidFill>
                 </a:uFill>
                 <a:latin typeface="Calisto MT"/>
+                <a:ea typeface="DejaVu Sans"/>
               </a:rPr>
               <a:t>Have fun playing.</a:t>
             </a:r>
-            <a:endParaRPr lang="en-US" sz="2200" spc="-1" strike="noStrike">
-              <a:solidFill>
-                <a:srgbClr val="ffffff"/>
-              </a:solidFill>
-              <a:uFill>
-                <a:solidFill>
-                  <a:srgbClr val="ffffff"/>
-                </a:solidFill>
-              </a:uFill>
-              <a:latin typeface="Calisto MT"/>
+            <a:endParaRPr lang="en-US" sz="1800" spc="-1" strike="noStrike">
+              <a:solidFill>
+                <a:srgbClr val="ffffff"/>
+              </a:solidFill>
+              <a:uFill>
+                <a:solidFill>
+                  <a:srgbClr val="ffffff"/>
+                </a:solidFill>
+              </a:uFill>
+              <a:latin typeface="Arial"/>
             </a:endParaRPr>
           </a:p>
         </p:txBody>
@@ -5781,14 +5861,14 @@
       </p:grpSpPr>
       <p:sp>
         <p:nvSpPr>
-          <p:cNvPr id="89" name="TextShape 1"/>
-          <p:cNvSpPr txBox="1"/>
+          <p:cNvPr id="83" name="CustomShape 1"/>
+          <p:cNvSpPr/>
           <p:nvPr/>
         </p:nvSpPr>
         <p:spPr>
           <a:xfrm>
             <a:off x="685800" y="120960"/>
-            <a:ext cx="7770600" cy="1429560"/>
+            <a:ext cx="7769880" cy="1428840"/>
           </a:xfrm>
           <a:prstGeom prst="rect">
             <a:avLst/>
@@ -5798,8 +5878,14 @@
             <a:noFill/>
           </a:ln>
         </p:spPr>
-        <p:txBody>
-          <a:bodyPr anchor="ctr"/>
+        <p:style>
+          <a:lnRef idx="0"/>
+          <a:fillRef idx="0"/>
+          <a:effectRef idx="0"/>
+          <a:fontRef idx="minor"/>
+        </p:style>
+        <p:txBody>
+          <a:bodyPr lIns="90000" rIns="90000" tIns="45000" bIns="45000" anchor="ctr"/>
           <a:p>
             <a:pPr algn="ctr">
               <a:lnSpc>
@@ -5817,6 +5903,7 @@
                   </a:solidFill>
                 </a:uFill>
                 <a:latin typeface="Calisto MT"/>
+                <a:ea typeface="DejaVu Sans"/>
               </a:rPr>
               <a:t>How the game will work</a:t>
             </a:r>
@@ -5829,21 +5916,21 @@
                   <a:srgbClr val="ffffff"/>
                 </a:solidFill>
               </a:uFill>
-              <a:latin typeface="Calisto MT"/>
-            </a:endParaRPr>
-          </a:p>
-        </p:txBody>
-      </p:sp>
-      <p:sp>
-        <p:nvSpPr>
-          <p:cNvPr id="90" name="TextShape 2"/>
-          <p:cNvSpPr txBox="1"/>
+              <a:latin typeface="Arial"/>
+            </a:endParaRPr>
+          </a:p>
+        </p:txBody>
+      </p:sp>
+      <p:sp>
+        <p:nvSpPr>
+          <p:cNvPr id="84" name="CustomShape 2"/>
+          <p:cNvSpPr/>
           <p:nvPr/>
         </p:nvSpPr>
         <p:spPr>
           <a:xfrm>
             <a:off x="685800" y="1869120"/>
-            <a:ext cx="7770600" cy="4256640"/>
+            <a:ext cx="7769880" cy="4255920"/>
           </a:xfrm>
           <a:prstGeom prst="rect">
             <a:avLst/>
@@ -5853,16 +5940,24 @@
             <a:noFill/>
           </a:ln>
         </p:spPr>
-        <p:txBody>
-          <a:bodyPr/>
-          <a:p>
-            <a:pPr marL="343080" indent="-342720">
+        <p:style>
+          <a:lnRef idx="0"/>
+          <a:fillRef idx="0"/>
+          <a:effectRef idx="0"/>
+          <a:fontRef idx="minor"/>
+        </p:style>
+        <p:txBody>
+          <a:bodyPr lIns="90000" rIns="90000" tIns="45000" bIns="45000"/>
+          <a:p>
+            <a:pPr marL="457560" indent="-456480">
               <a:lnSpc>
                 <a:spcPct val="100000"/>
               </a:lnSpc>
-              <a:buBlip>
-                <a:blip r:embed="rId1"/>
-              </a:buBlip>
+              <a:buClr>
+                <a:srgbClr val="ffffff"/>
+              </a:buClr>
+              <a:buFont typeface="Arial"/>
+              <a:buChar char="•"/>
             </a:pPr>
             <a:r>
               <a:rPr lang="en-US" sz="2800" spc="-1" strike="noStrike">
@@ -5875,29 +5970,50 @@
                   </a:solidFill>
                 </a:uFill>
                 <a:latin typeface="Calisto MT"/>
+                <a:ea typeface="DejaVu Sans"/>
               </a:rPr>
-              <a:t>At the start of the game, you will be given a login menu.</a:t>
+              <a:t>User will be given a login menu.</a:t>
             </a:r>
-            <a:endParaRPr lang="en-US" sz="2200" spc="-1" strike="noStrike">
-              <a:solidFill>
-                <a:srgbClr val="ffffff"/>
-              </a:solidFill>
-              <a:uFill>
-                <a:solidFill>
-                  <a:srgbClr val="ffffff"/>
-                </a:solidFill>
-              </a:uFill>
-              <a:latin typeface="Calisto MT"/>
-            </a:endParaRPr>
-          </a:p>
-          <a:p>
-            <a:pPr marL="343080" indent="-342720">
+            <a:endParaRPr lang="en-US" sz="1800" spc="-1" strike="noStrike">
+              <a:solidFill>
+                <a:srgbClr val="ffffff"/>
+              </a:solidFill>
+              <a:uFill>
+                <a:solidFill>
+                  <a:srgbClr val="ffffff"/>
+                </a:solidFill>
+              </a:uFill>
+              <a:latin typeface="Arial"/>
+            </a:endParaRPr>
+          </a:p>
+          <a:p>
+            <a:pPr>
               <a:lnSpc>
                 <a:spcPct val="100000"/>
               </a:lnSpc>
-              <a:buBlip>
-                <a:blip r:embed="rId2"/>
-              </a:buBlip>
+            </a:pPr>
+            <a:endParaRPr lang="en-US" sz="1800" spc="-1" strike="noStrike">
+              <a:solidFill>
+                <a:srgbClr val="ffffff"/>
+              </a:solidFill>
+              <a:uFill>
+                <a:solidFill>
+                  <a:srgbClr val="ffffff"/>
+                </a:solidFill>
+              </a:uFill>
+              <a:latin typeface="Arial"/>
+            </a:endParaRPr>
+          </a:p>
+          <a:p>
+            <a:pPr marL="457560" indent="-456480">
+              <a:lnSpc>
+                <a:spcPct val="100000"/>
+              </a:lnSpc>
+              <a:buClr>
+                <a:srgbClr val="ffffff"/>
+              </a:buClr>
+              <a:buFont typeface="Arial"/>
+              <a:buChar char="•"/>
             </a:pPr>
             <a:r>
               <a:rPr lang="en-US" sz="2800" spc="-1" strike="noStrike">
@@ -5910,29 +6026,50 @@
                   </a:solidFill>
                 </a:uFill>
                 <a:latin typeface="Calisto MT"/>
+                <a:ea typeface="DejaVu Sans"/>
               </a:rPr>
-              <a:t>The user can either log in or register.</a:t>
+              <a:t>User can either log in or register.</a:t>
             </a:r>
-            <a:endParaRPr lang="en-US" sz="2200" spc="-1" strike="noStrike">
-              <a:solidFill>
-                <a:srgbClr val="ffffff"/>
-              </a:solidFill>
-              <a:uFill>
-                <a:solidFill>
-                  <a:srgbClr val="ffffff"/>
-                </a:solidFill>
-              </a:uFill>
-              <a:latin typeface="Calisto MT"/>
-            </a:endParaRPr>
-          </a:p>
-          <a:p>
-            <a:pPr marL="343080" indent="-342720">
+            <a:endParaRPr lang="en-US" sz="1800" spc="-1" strike="noStrike">
+              <a:solidFill>
+                <a:srgbClr val="ffffff"/>
+              </a:solidFill>
+              <a:uFill>
+                <a:solidFill>
+                  <a:srgbClr val="ffffff"/>
+                </a:solidFill>
+              </a:uFill>
+              <a:latin typeface="Arial"/>
+            </a:endParaRPr>
+          </a:p>
+          <a:p>
+            <a:pPr>
               <a:lnSpc>
                 <a:spcPct val="100000"/>
               </a:lnSpc>
-              <a:buBlip>
-                <a:blip r:embed="rId3"/>
-              </a:buBlip>
+            </a:pPr>
+            <a:endParaRPr lang="en-US" sz="1800" spc="-1" strike="noStrike">
+              <a:solidFill>
+                <a:srgbClr val="ffffff"/>
+              </a:solidFill>
+              <a:uFill>
+                <a:solidFill>
+                  <a:srgbClr val="ffffff"/>
+                </a:solidFill>
+              </a:uFill>
+              <a:latin typeface="Arial"/>
+            </a:endParaRPr>
+          </a:p>
+          <a:p>
+            <a:pPr marL="457560" indent="-456480">
+              <a:lnSpc>
+                <a:spcPct val="100000"/>
+              </a:lnSpc>
+              <a:buClr>
+                <a:srgbClr val="ffffff"/>
+              </a:buClr>
+              <a:buFont typeface="Arial"/>
+              <a:buChar char="•"/>
             </a:pPr>
             <a:r>
               <a:rPr lang="en-US" sz="2800" spc="-1" strike="noStrike">
@@ -5945,29 +6082,32 @@
                   </a:solidFill>
                 </a:uFill>
                 <a:latin typeface="Calisto MT"/>
+                <a:ea typeface="DejaVu Sans"/>
               </a:rPr>
-              <a:t>The user selects whether to compete against another user or the computer.</a:t>
+              <a:t>The user selects:</a:t>
             </a:r>
-            <a:endParaRPr lang="en-US" sz="2200" spc="-1" strike="noStrike">
-              <a:solidFill>
-                <a:srgbClr val="ffffff"/>
-              </a:solidFill>
-              <a:uFill>
-                <a:solidFill>
-                  <a:srgbClr val="ffffff"/>
-                </a:solidFill>
-              </a:uFill>
-              <a:latin typeface="Calisto MT"/>
-            </a:endParaRPr>
-          </a:p>
-          <a:p>
-            <a:pPr marL="343080" indent="-342720">
+            <a:endParaRPr lang="en-US" sz="1800" spc="-1" strike="noStrike">
+              <a:solidFill>
+                <a:srgbClr val="ffffff"/>
+              </a:solidFill>
+              <a:uFill>
+                <a:solidFill>
+                  <a:srgbClr val="ffffff"/>
+                </a:solidFill>
+              </a:uFill>
+              <a:latin typeface="Arial"/>
+            </a:endParaRPr>
+          </a:p>
+          <a:p>
+            <a:pPr lvl="1" marL="914760" indent="-456480">
               <a:lnSpc>
                 <a:spcPct val="100000"/>
               </a:lnSpc>
-              <a:buBlip>
-                <a:blip r:embed="rId4"/>
-              </a:buBlip>
+              <a:buClr>
+                <a:srgbClr val="ffffff"/>
+              </a:buClr>
+              <a:buFont typeface="Arial"/>
+              <a:buChar char="•"/>
             </a:pPr>
             <a:r>
               <a:rPr lang="en-US" sz="2800" spc="-1" strike="noStrike">
@@ -5980,19 +6120,132 @@
                   </a:solidFill>
                 </a:uFill>
                 <a:latin typeface="Calisto MT"/>
+                <a:ea typeface="DejaVu Sans"/>
               </a:rPr>
-              <a:t>A player's statistics will be saved under their username.</a:t>
+              <a:t>Player vs. Player (PvP)</a:t>
             </a:r>
-            <a:endParaRPr lang="en-US" sz="2200" spc="-1" strike="noStrike">
-              <a:solidFill>
-                <a:srgbClr val="ffffff"/>
-              </a:solidFill>
-              <a:uFill>
-                <a:solidFill>
-                  <a:srgbClr val="ffffff"/>
-                </a:solidFill>
-              </a:uFill>
-              <a:latin typeface="Calisto MT"/>
+            <a:endParaRPr lang="en-US" sz="1800" spc="-1" strike="noStrike">
+              <a:solidFill>
+                <a:srgbClr val="ffffff"/>
+              </a:solidFill>
+              <a:uFill>
+                <a:solidFill>
+                  <a:srgbClr val="ffffff"/>
+                </a:solidFill>
+              </a:uFill>
+              <a:latin typeface="Arial"/>
+            </a:endParaRPr>
+          </a:p>
+          <a:p>
+            <a:pPr>
+              <a:lnSpc>
+                <a:spcPct val="100000"/>
+              </a:lnSpc>
+            </a:pPr>
+            <a:endParaRPr lang="en-US" sz="1800" spc="-1" strike="noStrike">
+              <a:solidFill>
+                <a:srgbClr val="ffffff"/>
+              </a:solidFill>
+              <a:uFill>
+                <a:solidFill>
+                  <a:srgbClr val="ffffff"/>
+                </a:solidFill>
+              </a:uFill>
+              <a:latin typeface="Arial"/>
+            </a:endParaRPr>
+          </a:p>
+          <a:p>
+            <a:pPr lvl="1" marL="914760" indent="-456480">
+              <a:lnSpc>
+                <a:spcPct val="100000"/>
+              </a:lnSpc>
+              <a:buClr>
+                <a:srgbClr val="ffffff"/>
+              </a:buClr>
+              <a:buFont typeface="Arial"/>
+              <a:buChar char="•"/>
+            </a:pPr>
+            <a:r>
+              <a:rPr lang="en-US" sz="2800" spc="-1" strike="noStrike">
+                <a:solidFill>
+                  <a:srgbClr val="ffffff"/>
+                </a:solidFill>
+                <a:uFill>
+                  <a:solidFill>
+                    <a:srgbClr val="ffffff"/>
+                  </a:solidFill>
+                </a:uFill>
+                <a:latin typeface="Calisto MT"/>
+                <a:ea typeface="DejaVu Sans"/>
+              </a:rPr>
+              <a:t>Player vs. A.I.(PvA) </a:t>
+            </a:r>
+            <a:endParaRPr lang="en-US" sz="1800" spc="-1" strike="noStrike">
+              <a:solidFill>
+                <a:srgbClr val="ffffff"/>
+              </a:solidFill>
+              <a:uFill>
+                <a:solidFill>
+                  <a:srgbClr val="ffffff"/>
+                </a:solidFill>
+              </a:uFill>
+              <a:latin typeface="Arial"/>
+            </a:endParaRPr>
+          </a:p>
+          <a:p>
+            <a:pPr>
+              <a:lnSpc>
+                <a:spcPct val="100000"/>
+              </a:lnSpc>
+            </a:pPr>
+            <a:endParaRPr lang="en-US" sz="1800" spc="-1" strike="noStrike">
+              <a:solidFill>
+                <a:srgbClr val="ffffff"/>
+              </a:solidFill>
+              <a:uFill>
+                <a:solidFill>
+                  <a:srgbClr val="ffffff"/>
+                </a:solidFill>
+              </a:uFill>
+              <a:latin typeface="Arial"/>
+            </a:endParaRPr>
+          </a:p>
+          <a:p>
+            <a:pPr marL="457560" indent="-456480">
+              <a:lnSpc>
+                <a:spcPct val="100000"/>
+              </a:lnSpc>
+              <a:buClr>
+                <a:srgbClr val="ffffff"/>
+              </a:buClr>
+              <a:buFont typeface="Arial"/>
+              <a:buChar char="•"/>
+            </a:pPr>
+            <a:r>
+              <a:rPr lang="en-US" sz="2800" spc="-1" strike="noStrike">
+                <a:solidFill>
+                  <a:srgbClr val="ffffff"/>
+                </a:solidFill>
+                <a:uFill>
+                  <a:solidFill>
+                    <a:srgbClr val="ffffff"/>
+                  </a:solidFill>
+                </a:uFill>
+                <a:latin typeface="Calisto MT"/>
+                <a:ea typeface="DejaVu Sans"/>
+              </a:rPr>
+              <a:t>The player's statistics will be saved under their username.</a:t>
+            </a:r>
+            <a:endParaRPr lang="en-US" sz="1800" spc="-1" strike="noStrike">
+              <a:solidFill>
+                <a:srgbClr val="ffffff"/>
+              </a:solidFill>
+              <a:uFill>
+                <a:solidFill>
+                  <a:srgbClr val="ffffff"/>
+                </a:solidFill>
+              </a:uFill>
+              <a:latin typeface="Arial"/>
             </a:endParaRPr>
           </a:p>
         </p:txBody>
@@ -6048,14 +6301,14 @@
       </p:grpSpPr>
       <p:sp>
         <p:nvSpPr>
-          <p:cNvPr id="91" name="TextShape 1"/>
-          <p:cNvSpPr txBox="1"/>
+          <p:cNvPr id="85" name="CustomShape 1"/>
+          <p:cNvSpPr/>
           <p:nvPr/>
         </p:nvSpPr>
         <p:spPr>
           <a:xfrm>
             <a:off x="685800" y="120960"/>
-            <a:ext cx="7770600" cy="1429560"/>
+            <a:ext cx="7769880" cy="1428840"/>
           </a:xfrm>
           <a:prstGeom prst="rect">
             <a:avLst/>
@@ -6065,8 +6318,14 @@
             <a:noFill/>
           </a:ln>
         </p:spPr>
-        <p:txBody>
-          <a:bodyPr anchor="ctr"/>
+        <p:style>
+          <a:lnRef idx="0"/>
+          <a:fillRef idx="0"/>
+          <a:effectRef idx="0"/>
+          <a:fontRef idx="minor"/>
+        </p:style>
+        <p:txBody>
+          <a:bodyPr lIns="90000" rIns="90000" tIns="45000" bIns="45000" anchor="ctr"/>
           <a:p>
             <a:pPr algn="ctr">
               <a:lnSpc>
@@ -6084,6 +6343,7 @@
                   </a:solidFill>
                 </a:uFill>
                 <a:latin typeface="Calisto MT"/>
+                <a:ea typeface="DejaVu Sans"/>
               </a:rPr>
               <a:t>New User Requirements</a:t>
             </a:r>
@@ -6096,21 +6356,21 @@
                   <a:srgbClr val="ffffff"/>
                 </a:solidFill>
               </a:uFill>
-              <a:latin typeface="Calisto MT"/>
-            </a:endParaRPr>
-          </a:p>
-        </p:txBody>
-      </p:sp>
-      <p:sp>
-        <p:nvSpPr>
-          <p:cNvPr id="92" name="TextShape 2"/>
-          <p:cNvSpPr txBox="1"/>
+              <a:latin typeface="Arial"/>
+            </a:endParaRPr>
+          </a:p>
+        </p:txBody>
+      </p:sp>
+      <p:sp>
+        <p:nvSpPr>
+          <p:cNvPr id="86" name="CustomShape 2"/>
+          <p:cNvSpPr/>
           <p:nvPr/>
         </p:nvSpPr>
         <p:spPr>
           <a:xfrm>
             <a:off x="685800" y="1869120"/>
-            <a:ext cx="7770600" cy="4256640"/>
+            <a:ext cx="7769880" cy="4255920"/>
           </a:xfrm>
           <a:prstGeom prst="rect">
             <a:avLst/>
@@ -6120,19 +6380,27 @@
             <a:noFill/>
           </a:ln>
         </p:spPr>
-        <p:txBody>
-          <a:bodyPr/>
-          <a:p>
-            <a:pPr marL="343080" indent="-342720">
+        <p:style>
+          <a:lnRef idx="0"/>
+          <a:fillRef idx="0"/>
+          <a:effectRef idx="0"/>
+          <a:fontRef idx="minor"/>
+        </p:style>
+        <p:txBody>
+          <a:bodyPr lIns="90000" rIns="90000" tIns="45000" bIns="45000"/>
+          <a:p>
+            <a:pPr marL="343440" indent="-342360">
               <a:lnSpc>
                 <a:spcPct val="100000"/>
               </a:lnSpc>
-              <a:buBlip>
-                <a:blip r:embed="rId1"/>
-              </a:buBlip>
+              <a:buClr>
+                <a:srgbClr val="ffffff"/>
+              </a:buClr>
+              <a:buFont typeface="Arial"/>
+              <a:buChar char="•"/>
             </a:pPr>
             <a:r>
-              <a:rPr lang="en-US" sz="2200" spc="-1" strike="noStrike">
+              <a:rPr lang="en-US" sz="2800" spc="-1" strike="noStrike">
                 <a:solidFill>
                   <a:srgbClr val="ffffff"/>
                 </a:solidFill>
@@ -6142,29 +6410,50 @@
                   </a:solidFill>
                 </a:uFill>
                 <a:latin typeface="Calisto MT"/>
+                <a:ea typeface="DejaVu Sans"/>
               </a:rPr>
               <a:t>New User Requirements:</a:t>
             </a:r>
-            <a:endParaRPr lang="en-US" sz="2200" spc="-1" strike="noStrike">
-              <a:solidFill>
-                <a:srgbClr val="ffffff"/>
-              </a:solidFill>
-              <a:uFill>
-                <a:solidFill>
-                  <a:srgbClr val="ffffff"/>
-                </a:solidFill>
-              </a:uFill>
-              <a:latin typeface="Calisto MT"/>
-            </a:endParaRPr>
-          </a:p>
-          <a:p>
-            <a:pPr lvl="5" marL="2055960" indent="-336240">
+            <a:endParaRPr lang="en-US" sz="1800" spc="-1" strike="noStrike">
+              <a:solidFill>
+                <a:srgbClr val="ffffff"/>
+              </a:solidFill>
+              <a:uFill>
+                <a:solidFill>
+                  <a:srgbClr val="ffffff"/>
+                </a:solidFill>
+              </a:uFill>
+              <a:latin typeface="Arial"/>
+            </a:endParaRPr>
+          </a:p>
+          <a:p>
+            <a:pPr>
               <a:lnSpc>
                 <a:spcPct val="100000"/>
               </a:lnSpc>
-              <a:buBlip>
-                <a:blip r:embed="rId2"/>
-              </a:buBlip>
+            </a:pPr>
+            <a:endParaRPr lang="en-US" sz="1800" spc="-1" strike="noStrike">
+              <a:solidFill>
+                <a:srgbClr val="ffffff"/>
+              </a:solidFill>
+              <a:uFill>
+                <a:solidFill>
+                  <a:srgbClr val="ffffff"/>
+                </a:solidFill>
+              </a:uFill>
+              <a:latin typeface="Arial"/>
+            </a:endParaRPr>
+          </a:p>
+          <a:p>
+            <a:pPr lvl="1" marL="800640" indent="-342360">
+              <a:lnSpc>
+                <a:spcPct val="100000"/>
+              </a:lnSpc>
+              <a:buClr>
+                <a:srgbClr val="ffffff"/>
+              </a:buClr>
+              <a:buFont typeface="Arial"/>
+              <a:buChar char="•"/>
             </a:pPr>
             <a:r>
               <a:rPr lang="en-US" sz="2800" spc="-1" strike="noStrike">
@@ -6177,42 +6466,50 @@
                   </a:solidFill>
                 </a:uFill>
                 <a:latin typeface="Calisto MT"/>
+                <a:ea typeface="DejaVu Sans"/>
               </a:rPr>
               <a:t>Register user.</a:t>
             </a:r>
-            <a:endParaRPr lang="en-US" sz="2000" spc="-1" strike="noStrike">
-              <a:solidFill>
-                <a:srgbClr val="ffffff"/>
-              </a:solidFill>
-              <a:uFill>
-                <a:solidFill>
-                  <a:srgbClr val="ffffff"/>
-                </a:solidFill>
-              </a:uFill>
-              <a:latin typeface="Calisto MT"/>
-            </a:endParaRPr>
-          </a:p>
-          <a:p>
-            <a:endParaRPr lang="en-US" sz="2200" spc="-1" strike="noStrike">
-              <a:solidFill>
-                <a:srgbClr val="ffffff"/>
-              </a:solidFill>
-              <a:uFill>
-                <a:solidFill>
-                  <a:srgbClr val="ffffff"/>
-                </a:solidFill>
-              </a:uFill>
-              <a:latin typeface="Calisto MT"/>
-            </a:endParaRPr>
-          </a:p>
-          <a:p>
-            <a:pPr lvl="5" marL="2055960" indent="-336240">
+            <a:endParaRPr lang="en-US" sz="1800" spc="-1" strike="noStrike">
+              <a:solidFill>
+                <a:srgbClr val="ffffff"/>
+              </a:solidFill>
+              <a:uFill>
+                <a:solidFill>
+                  <a:srgbClr val="ffffff"/>
+                </a:solidFill>
+              </a:uFill>
+              <a:latin typeface="Arial"/>
+            </a:endParaRPr>
+          </a:p>
+          <a:p>
+            <a:pPr>
               <a:lnSpc>
                 <a:spcPct val="100000"/>
               </a:lnSpc>
-              <a:buBlip>
-                <a:blip r:embed="rId3"/>
-              </a:buBlip>
+            </a:pPr>
+            <a:endParaRPr lang="en-US" sz="1800" spc="-1" strike="noStrike">
+              <a:solidFill>
+                <a:srgbClr val="ffffff"/>
+              </a:solidFill>
+              <a:uFill>
+                <a:solidFill>
+                  <a:srgbClr val="ffffff"/>
+                </a:solidFill>
+              </a:uFill>
+              <a:latin typeface="Arial"/>
+            </a:endParaRPr>
+          </a:p>
+          <a:p>
+            <a:pPr lvl="1" marL="800640" indent="-342360">
+              <a:lnSpc>
+                <a:spcPct val="100000"/>
+              </a:lnSpc>
+              <a:buClr>
+                <a:srgbClr val="ffffff"/>
+              </a:buClr>
+              <a:buFont typeface="Arial"/>
+              <a:buChar char="•"/>
             </a:pPr>
             <a:r>
               <a:rPr lang="en-US" sz="2800" spc="-1" strike="noStrike">
@@ -6225,8 +6522,9 @@
                   </a:solidFill>
                 </a:uFill>
                 <a:latin typeface="Calisto MT"/>
+                <a:ea typeface="DejaVu Sans"/>
               </a:rPr>
-              <a:t>Menu to choose PvP or PvE</a:t>
+              <a:t>Menu to choose PvP or PvA</a:t>
             </a:r>
             <a:r>
               <a:rPr lang="en-US" sz="1800" spc="-1" strike="noStrike">
@@ -6239,19 +6537,20 @@
                   </a:solidFill>
                 </a:uFill>
                 <a:latin typeface="Calisto MT"/>
+                <a:ea typeface="DejaVu Sans"/>
               </a:rPr>
               <a:t>.</a:t>
             </a:r>
-            <a:endParaRPr lang="en-US" sz="2000" spc="-1" strike="noStrike">
-              <a:solidFill>
-                <a:srgbClr val="ffffff"/>
-              </a:solidFill>
-              <a:uFill>
-                <a:solidFill>
-                  <a:srgbClr val="ffffff"/>
-                </a:solidFill>
-              </a:uFill>
-              <a:latin typeface="Calisto MT"/>
+            <a:endParaRPr lang="en-US" sz="1800" spc="-1" strike="noStrike">
+              <a:solidFill>
+                <a:srgbClr val="ffffff"/>
+              </a:solidFill>
+              <a:uFill>
+                <a:solidFill>
+                  <a:srgbClr val="ffffff"/>
+                </a:solidFill>
+              </a:uFill>
+              <a:latin typeface="Arial"/>
             </a:endParaRPr>
           </a:p>
         </p:txBody>
@@ -6307,14 +6606,14 @@
       </p:grpSpPr>
       <p:sp>
         <p:nvSpPr>
-          <p:cNvPr id="93" name="TextShape 1"/>
-          <p:cNvSpPr txBox="1"/>
+          <p:cNvPr id="87" name="CustomShape 1"/>
+          <p:cNvSpPr/>
           <p:nvPr/>
         </p:nvSpPr>
         <p:spPr>
           <a:xfrm>
             <a:off x="685800" y="120960"/>
-            <a:ext cx="7770600" cy="1429560"/>
+            <a:ext cx="7769880" cy="1428840"/>
           </a:xfrm>
           <a:prstGeom prst="rect">
             <a:avLst/>
@@ -6324,8 +6623,14 @@
             <a:noFill/>
           </a:ln>
         </p:spPr>
-        <p:txBody>
-          <a:bodyPr anchor="ctr"/>
+        <p:style>
+          <a:lnRef idx="0"/>
+          <a:fillRef idx="0"/>
+          <a:effectRef idx="0"/>
+          <a:fontRef idx="minor"/>
+        </p:style>
+        <p:txBody>
+          <a:bodyPr lIns="90000" rIns="90000" tIns="45000" bIns="45000" anchor="ctr"/>
           <a:p>
             <a:pPr algn="ctr">
               <a:lnSpc>
@@ -6343,6 +6648,7 @@
                   </a:solidFill>
                 </a:uFill>
                 <a:latin typeface="Calisto MT"/>
+                <a:ea typeface="DejaVu Sans"/>
               </a:rPr>
               <a:t>Existing User Requirements</a:t>
             </a:r>
@@ -6355,21 +6661,21 @@
                   <a:srgbClr val="ffffff"/>
                 </a:solidFill>
               </a:uFill>
-              <a:latin typeface="Calisto MT"/>
-            </a:endParaRPr>
-          </a:p>
-        </p:txBody>
-      </p:sp>
-      <p:sp>
-        <p:nvSpPr>
-          <p:cNvPr id="94" name="TextShape 2"/>
-          <p:cNvSpPr txBox="1"/>
+              <a:latin typeface="Arial"/>
+            </a:endParaRPr>
+          </a:p>
+        </p:txBody>
+      </p:sp>
+      <p:sp>
+        <p:nvSpPr>
+          <p:cNvPr id="88" name="CustomShape 2"/>
+          <p:cNvSpPr/>
           <p:nvPr/>
         </p:nvSpPr>
         <p:spPr>
           <a:xfrm>
             <a:off x="685800" y="1869120"/>
-            <a:ext cx="7770600" cy="4256640"/>
+            <a:ext cx="7769880" cy="4255920"/>
           </a:xfrm>
           <a:prstGeom prst="rect">
             <a:avLst/>
@@ -6379,19 +6685,27 @@
             <a:noFill/>
           </a:ln>
         </p:spPr>
-        <p:txBody>
-          <a:bodyPr/>
-          <a:p>
-            <a:pPr marL="343080" indent="-342720">
+        <p:style>
+          <a:lnRef idx="0"/>
+          <a:fillRef idx="0"/>
+          <a:effectRef idx="0"/>
+          <a:fontRef idx="minor"/>
+        </p:style>
+        <p:txBody>
+          <a:bodyPr lIns="90000" rIns="90000" tIns="45000" bIns="45000"/>
+          <a:p>
+            <a:pPr marL="343440" indent="-342360">
               <a:lnSpc>
                 <a:spcPct val="100000"/>
               </a:lnSpc>
-              <a:buBlip>
-                <a:blip r:embed="rId1"/>
-              </a:buBlip>
+              <a:buClr>
+                <a:srgbClr val="ffffff"/>
+              </a:buClr>
+              <a:buFont typeface="Arial"/>
+              <a:buChar char="•"/>
             </a:pPr>
             <a:r>
-              <a:rPr lang="en-US" sz="2200" spc="-1" strike="noStrike">
+              <a:rPr lang="en-US" sz="2800" spc="-1" strike="noStrike">
                 <a:solidFill>
                   <a:srgbClr val="ffffff"/>
                 </a:solidFill>
@@ -6401,29 +6715,50 @@
                   </a:solidFill>
                 </a:uFill>
                 <a:latin typeface="Calisto MT"/>
+                <a:ea typeface="DejaVu Sans"/>
               </a:rPr>
               <a:t>Existing User Requirements:</a:t>
             </a:r>
-            <a:endParaRPr lang="en-US" sz="2200" spc="-1" strike="noStrike">
-              <a:solidFill>
-                <a:srgbClr val="ffffff"/>
-              </a:solidFill>
-              <a:uFill>
-                <a:solidFill>
-                  <a:srgbClr val="ffffff"/>
-                </a:solidFill>
-              </a:uFill>
-              <a:latin typeface="Calisto MT"/>
-            </a:endParaRPr>
-          </a:p>
-          <a:p>
-            <a:pPr lvl="5" marL="2055960" indent="-336240">
+            <a:endParaRPr lang="en-US" sz="1800" spc="-1" strike="noStrike">
+              <a:solidFill>
+                <a:srgbClr val="ffffff"/>
+              </a:solidFill>
+              <a:uFill>
+                <a:solidFill>
+                  <a:srgbClr val="ffffff"/>
+                </a:solidFill>
+              </a:uFill>
+              <a:latin typeface="Arial"/>
+            </a:endParaRPr>
+          </a:p>
+          <a:p>
+            <a:pPr>
               <a:lnSpc>
                 <a:spcPct val="100000"/>
               </a:lnSpc>
-              <a:buBlip>
-                <a:blip r:embed="rId2"/>
-              </a:buBlip>
+            </a:pPr>
+            <a:endParaRPr lang="en-US" sz="1800" spc="-1" strike="noStrike">
+              <a:solidFill>
+                <a:srgbClr val="ffffff"/>
+              </a:solidFill>
+              <a:uFill>
+                <a:solidFill>
+                  <a:srgbClr val="ffffff"/>
+                </a:solidFill>
+              </a:uFill>
+              <a:latin typeface="Arial"/>
+            </a:endParaRPr>
+          </a:p>
+          <a:p>
+            <a:pPr lvl="1" marL="800640" indent="-342360">
+              <a:lnSpc>
+                <a:spcPct val="100000"/>
+              </a:lnSpc>
+              <a:buClr>
+                <a:srgbClr val="ffffff"/>
+              </a:buClr>
+              <a:buFont typeface="Arial"/>
+              <a:buChar char="•"/>
             </a:pPr>
             <a:r>
               <a:rPr lang="en-US" sz="2800" spc="-1" strike="noStrike">
@@ -6436,42 +6771,50 @@
                   </a:solidFill>
                 </a:uFill>
                 <a:latin typeface="Calisto MT"/>
+                <a:ea typeface="DejaVu Sans"/>
               </a:rPr>
               <a:t>Login and authentication.</a:t>
             </a:r>
-            <a:endParaRPr lang="en-US" sz="2000" spc="-1" strike="noStrike">
-              <a:solidFill>
-                <a:srgbClr val="ffffff"/>
-              </a:solidFill>
-              <a:uFill>
-                <a:solidFill>
-                  <a:srgbClr val="ffffff"/>
-                </a:solidFill>
-              </a:uFill>
-              <a:latin typeface="Calisto MT"/>
-            </a:endParaRPr>
-          </a:p>
-          <a:p>
-            <a:endParaRPr lang="en-US" sz="2200" spc="-1" strike="noStrike">
-              <a:solidFill>
-                <a:srgbClr val="ffffff"/>
-              </a:solidFill>
-              <a:uFill>
-                <a:solidFill>
-                  <a:srgbClr val="ffffff"/>
-                </a:solidFill>
-              </a:uFill>
-              <a:latin typeface="Calisto MT"/>
-            </a:endParaRPr>
-          </a:p>
-          <a:p>
-            <a:pPr lvl="5" marL="2055960" indent="-336240">
+            <a:endParaRPr lang="en-US" sz="1800" spc="-1" strike="noStrike">
+              <a:solidFill>
+                <a:srgbClr val="ffffff"/>
+              </a:solidFill>
+              <a:uFill>
+                <a:solidFill>
+                  <a:srgbClr val="ffffff"/>
+                </a:solidFill>
+              </a:uFill>
+              <a:latin typeface="Arial"/>
+            </a:endParaRPr>
+          </a:p>
+          <a:p>
+            <a:pPr>
               <a:lnSpc>
                 <a:spcPct val="100000"/>
               </a:lnSpc>
-              <a:buBlip>
-                <a:blip r:embed="rId3"/>
-              </a:buBlip>
+            </a:pPr>
+            <a:endParaRPr lang="en-US" sz="1800" spc="-1" strike="noStrike">
+              <a:solidFill>
+                <a:srgbClr val="ffffff"/>
+              </a:solidFill>
+              <a:uFill>
+                <a:solidFill>
+                  <a:srgbClr val="ffffff"/>
+                </a:solidFill>
+              </a:uFill>
+              <a:latin typeface="Arial"/>
+            </a:endParaRPr>
+          </a:p>
+          <a:p>
+            <a:pPr lvl="1" marL="800640" indent="-342360">
+              <a:lnSpc>
+                <a:spcPct val="100000"/>
+              </a:lnSpc>
+              <a:buClr>
+                <a:srgbClr val="ffffff"/>
+              </a:buClr>
+              <a:buFont typeface="Arial"/>
+              <a:buChar char="•"/>
             </a:pPr>
             <a:r>
               <a:rPr lang="en-US" sz="2800" spc="-1" strike="noStrike">
@@ -6484,19 +6827,20 @@
                   </a:solidFill>
                 </a:uFill>
                 <a:latin typeface="Calisto MT"/>
+                <a:ea typeface="DejaVu Sans"/>
               </a:rPr>
-              <a:t>Menu to choose PvP or PvE.</a:t>
+              <a:t>Menu to choose PvP or PvA.</a:t>
             </a:r>
-            <a:endParaRPr lang="en-US" sz="2000" spc="-1" strike="noStrike">
-              <a:solidFill>
-                <a:srgbClr val="ffffff"/>
-              </a:solidFill>
-              <a:uFill>
-                <a:solidFill>
-                  <a:srgbClr val="ffffff"/>
-                </a:solidFill>
-              </a:uFill>
-              <a:latin typeface="Calisto MT"/>
+            <a:endParaRPr lang="en-US" sz="1800" spc="-1" strike="noStrike">
+              <a:solidFill>
+                <a:srgbClr val="ffffff"/>
+              </a:solidFill>
+              <a:uFill>
+                <a:solidFill>
+                  <a:srgbClr val="ffffff"/>
+                </a:solidFill>
+              </a:uFill>
+              <a:latin typeface="Arial"/>
             </a:endParaRPr>
           </a:p>
         </p:txBody>
@@ -6552,14 +6896,14 @@
       </p:grpSpPr>
       <p:sp>
         <p:nvSpPr>
-          <p:cNvPr id="95" name="TextShape 1"/>
-          <p:cNvSpPr txBox="1"/>
+          <p:cNvPr id="89" name="CustomShape 1"/>
+          <p:cNvSpPr/>
           <p:nvPr/>
         </p:nvSpPr>
         <p:spPr>
           <a:xfrm>
             <a:off x="685800" y="120960"/>
-            <a:ext cx="7770600" cy="1429560"/>
+            <a:ext cx="7769880" cy="1428840"/>
           </a:xfrm>
           <a:prstGeom prst="rect">
             <a:avLst/>
@@ -6569,8 +6913,14 @@
             <a:noFill/>
           </a:ln>
         </p:spPr>
-        <p:txBody>
-          <a:bodyPr anchor="ctr"/>
+        <p:style>
+          <a:lnRef idx="0"/>
+          <a:fillRef idx="0"/>
+          <a:effectRef idx="0"/>
+          <a:fontRef idx="minor"/>
+        </p:style>
+        <p:txBody>
+          <a:bodyPr lIns="90000" rIns="90000" tIns="45000" bIns="45000" anchor="ctr"/>
           <a:p>
             <a:pPr algn="ctr">
               <a:lnSpc>
@@ -6588,6 +6938,7 @@
                   </a:solidFill>
                 </a:uFill>
                 <a:latin typeface="Calisto MT"/>
+                <a:ea typeface="DejaVu Sans"/>
               </a:rPr>
               <a:t>Special case of Player vs Player</a:t>
             </a:r>
@@ -6600,21 +6951,21 @@
                   <a:srgbClr val="ffffff"/>
                 </a:solidFill>
               </a:uFill>
-              <a:latin typeface="Calisto MT"/>
-            </a:endParaRPr>
-          </a:p>
-        </p:txBody>
-      </p:sp>
-      <p:sp>
-        <p:nvSpPr>
-          <p:cNvPr id="96" name="TextShape 2"/>
-          <p:cNvSpPr txBox="1"/>
+              <a:latin typeface="Arial"/>
+            </a:endParaRPr>
+          </a:p>
+        </p:txBody>
+      </p:sp>
+      <p:sp>
+        <p:nvSpPr>
+          <p:cNvPr id="90" name="CustomShape 2"/>
+          <p:cNvSpPr/>
           <p:nvPr/>
         </p:nvSpPr>
         <p:spPr>
           <a:xfrm>
             <a:off x="685800" y="1869120"/>
-            <a:ext cx="7770600" cy="4256640"/>
+            <a:ext cx="7769880" cy="4255920"/>
           </a:xfrm>
           <a:prstGeom prst="rect">
             <a:avLst/>
@@ -6624,19 +6975,27 @@
             <a:noFill/>
           </a:ln>
         </p:spPr>
-        <p:txBody>
-          <a:bodyPr/>
-          <a:p>
-            <a:pPr marL="343080" indent="-342720">
+        <p:style>
+          <a:lnRef idx="0"/>
+          <a:fillRef idx="0"/>
+          <a:effectRef idx="0"/>
+          <a:fontRef idx="minor"/>
+        </p:style>
+        <p:txBody>
+          <a:bodyPr lIns="90000" rIns="90000" tIns="45000" bIns="45000"/>
+          <a:p>
+            <a:pPr marL="343440" indent="-342360">
               <a:lnSpc>
                 <a:spcPct val="100000"/>
               </a:lnSpc>
-              <a:buBlip>
-                <a:blip r:embed="rId1"/>
-              </a:buBlip>
+              <a:buClr>
+                <a:srgbClr val="ffffff"/>
+              </a:buClr>
+              <a:buFont typeface="Arial"/>
+              <a:buChar char="•"/>
             </a:pPr>
             <a:r>
-              <a:rPr lang="en-US" sz="2200" spc="-1" strike="noStrike">
+              <a:rPr lang="en-US" sz="2800" spc="-1" strike="noStrike">
                 <a:solidFill>
                   <a:srgbClr val="ffffff"/>
                 </a:solidFill>
@@ -6646,29 +7005,32 @@
                   </a:solidFill>
                 </a:uFill>
                 <a:latin typeface="Calisto MT"/>
+                <a:ea typeface="DejaVu Sans"/>
               </a:rPr>
               <a:t>Player vs Player:</a:t>
             </a:r>
-            <a:endParaRPr lang="en-US" sz="2200" spc="-1" strike="noStrike">
-              <a:solidFill>
-                <a:srgbClr val="ffffff"/>
-              </a:solidFill>
-              <a:uFill>
-                <a:solidFill>
-                  <a:srgbClr val="ffffff"/>
-                </a:solidFill>
-              </a:uFill>
-              <a:latin typeface="Calisto MT"/>
-            </a:endParaRPr>
-          </a:p>
-          <a:p>
-            <a:pPr lvl="5" marL="2055960" indent="-336240">
+            <a:endParaRPr lang="en-US" sz="1800" spc="-1" strike="noStrike">
+              <a:solidFill>
+                <a:srgbClr val="ffffff"/>
+              </a:solidFill>
+              <a:uFill>
+                <a:solidFill>
+                  <a:srgbClr val="ffffff"/>
+                </a:solidFill>
+              </a:uFill>
+              <a:latin typeface="Arial"/>
+            </a:endParaRPr>
+          </a:p>
+          <a:p>
+            <a:pPr lvl="3" marL="1262520" indent="-456480">
               <a:lnSpc>
                 <a:spcPct val="100000"/>
               </a:lnSpc>
-              <a:buBlip>
-                <a:blip r:embed="rId2"/>
-              </a:buBlip>
+              <a:buClr>
+                <a:srgbClr val="ffffff"/>
+              </a:buClr>
+              <a:buFont typeface="Arial"/>
+              <a:buChar char="•"/>
             </a:pPr>
             <a:r>
               <a:rPr lang="en-US" sz="2800" spc="-1" strike="noStrike">
@@ -6681,42 +7043,50 @@
                   </a:solidFill>
                 </a:uFill>
                 <a:latin typeface="Calisto MT"/>
+                <a:ea typeface="DejaVu Sans"/>
               </a:rPr>
               <a:t>Log in and choose PvP.</a:t>
             </a:r>
-            <a:endParaRPr lang="en-US" sz="2000" spc="-1" strike="noStrike">
-              <a:solidFill>
-                <a:srgbClr val="ffffff"/>
-              </a:solidFill>
-              <a:uFill>
-                <a:solidFill>
-                  <a:srgbClr val="ffffff"/>
-                </a:solidFill>
-              </a:uFill>
-              <a:latin typeface="Calisto MT"/>
-            </a:endParaRPr>
-          </a:p>
-          <a:p>
-            <a:endParaRPr lang="en-US" sz="2200" spc="-1" strike="noStrike">
-              <a:solidFill>
-                <a:srgbClr val="ffffff"/>
-              </a:solidFill>
-              <a:uFill>
-                <a:solidFill>
-                  <a:srgbClr val="ffffff"/>
-                </a:solidFill>
-              </a:uFill>
-              <a:latin typeface="Calisto MT"/>
-            </a:endParaRPr>
-          </a:p>
-          <a:p>
-            <a:pPr lvl="5" marL="2055960" indent="-336240">
+            <a:endParaRPr lang="en-US" sz="1800" spc="-1" strike="noStrike">
+              <a:solidFill>
+                <a:srgbClr val="ffffff"/>
+              </a:solidFill>
+              <a:uFill>
+                <a:solidFill>
+                  <a:srgbClr val="ffffff"/>
+                </a:solidFill>
+              </a:uFill>
+              <a:latin typeface="Arial"/>
+            </a:endParaRPr>
+          </a:p>
+          <a:p>
+            <a:pPr>
               <a:lnSpc>
                 <a:spcPct val="100000"/>
               </a:lnSpc>
-              <a:buBlip>
-                <a:blip r:embed="rId3"/>
-              </a:buBlip>
+            </a:pPr>
+            <a:endParaRPr lang="en-US" sz="1800" spc="-1" strike="noStrike">
+              <a:solidFill>
+                <a:srgbClr val="ffffff"/>
+              </a:solidFill>
+              <a:uFill>
+                <a:solidFill>
+                  <a:srgbClr val="ffffff"/>
+                </a:solidFill>
+              </a:uFill>
+              <a:latin typeface="Arial"/>
+            </a:endParaRPr>
+          </a:p>
+          <a:p>
+            <a:pPr lvl="3" marL="1262520" indent="-456480">
+              <a:lnSpc>
+                <a:spcPct val="100000"/>
+              </a:lnSpc>
+              <a:buClr>
+                <a:srgbClr val="ffffff"/>
+              </a:buClr>
+              <a:buFont typeface="Arial"/>
+              <a:buChar char="•"/>
             </a:pPr>
             <a:r>
               <a:rPr lang="en-US" sz="2800" spc="-1" strike="noStrike">
@@ -6729,42 +7099,50 @@
                   </a:solidFill>
                 </a:uFill>
                 <a:latin typeface="Calisto MT"/>
+                <a:ea typeface="DejaVu Sans"/>
               </a:rPr>
               <a:t>Game starts as Player vs Player.</a:t>
             </a:r>
-            <a:endParaRPr lang="en-US" sz="2000" spc="-1" strike="noStrike">
-              <a:solidFill>
-                <a:srgbClr val="ffffff"/>
-              </a:solidFill>
-              <a:uFill>
-                <a:solidFill>
-                  <a:srgbClr val="ffffff"/>
-                </a:solidFill>
-              </a:uFill>
-              <a:latin typeface="Calisto MT"/>
-            </a:endParaRPr>
-          </a:p>
-          <a:p>
-            <a:endParaRPr lang="en-US" sz="2200" spc="-1" strike="noStrike">
-              <a:solidFill>
-                <a:srgbClr val="ffffff"/>
-              </a:solidFill>
-              <a:uFill>
-                <a:solidFill>
-                  <a:srgbClr val="ffffff"/>
-                </a:solidFill>
-              </a:uFill>
-              <a:latin typeface="Calisto MT"/>
-            </a:endParaRPr>
-          </a:p>
-          <a:p>
-            <a:pPr lvl="5" marL="2055960" indent="-336240">
+            <a:endParaRPr lang="en-US" sz="1800" spc="-1" strike="noStrike">
+              <a:solidFill>
+                <a:srgbClr val="ffffff"/>
+              </a:solidFill>
+              <a:uFill>
+                <a:solidFill>
+                  <a:srgbClr val="ffffff"/>
+                </a:solidFill>
+              </a:uFill>
+              <a:latin typeface="Arial"/>
+            </a:endParaRPr>
+          </a:p>
+          <a:p>
+            <a:pPr>
               <a:lnSpc>
                 <a:spcPct val="100000"/>
               </a:lnSpc>
-              <a:buBlip>
-                <a:blip r:embed="rId4"/>
-              </a:buBlip>
+            </a:pPr>
+            <a:endParaRPr lang="en-US" sz="1800" spc="-1" strike="noStrike">
+              <a:solidFill>
+                <a:srgbClr val="ffffff"/>
+              </a:solidFill>
+              <a:uFill>
+                <a:solidFill>
+                  <a:srgbClr val="ffffff"/>
+                </a:solidFill>
+              </a:uFill>
+              <a:latin typeface="Arial"/>
+            </a:endParaRPr>
+          </a:p>
+          <a:p>
+            <a:pPr lvl="3" marL="1262520" indent="-456480">
+              <a:lnSpc>
+                <a:spcPct val="100000"/>
+              </a:lnSpc>
+              <a:buClr>
+                <a:srgbClr val="ffffff"/>
+              </a:buClr>
+              <a:buFont typeface="Arial"/>
+              <a:buChar char="•"/>
             </a:pPr>
             <a:r>
               <a:rPr lang="en-US" sz="2800" spc="-1" strike="noStrike">
@@ -6777,19 +7155,20 @@
                   </a:solidFill>
                 </a:uFill>
                 <a:latin typeface="Calisto MT"/>
+                <a:ea typeface="DejaVu Sans"/>
               </a:rPr>
               <a:t>Update the score as squares connect.</a:t>
             </a:r>
-            <a:endParaRPr lang="en-US" sz="2000" spc="-1" strike="noStrike">
-              <a:solidFill>
-                <a:srgbClr val="ffffff"/>
-              </a:solidFill>
-              <a:uFill>
-                <a:solidFill>
-                  <a:srgbClr val="ffffff"/>
-                </a:solidFill>
-              </a:uFill>
-              <a:latin typeface="Calisto MT"/>
+            <a:endParaRPr lang="en-US" sz="1800" spc="-1" strike="noStrike">
+              <a:solidFill>
+                <a:srgbClr val="ffffff"/>
+              </a:solidFill>
+              <a:uFill>
+                <a:solidFill>
+                  <a:srgbClr val="ffffff"/>
+                </a:solidFill>
+              </a:uFill>
+              <a:latin typeface="Arial"/>
             </a:endParaRPr>
           </a:p>
         </p:txBody>
@@ -6845,14 +7224,14 @@
       </p:grpSpPr>
       <p:sp>
         <p:nvSpPr>
-          <p:cNvPr id="97" name="TextShape 1"/>
-          <p:cNvSpPr txBox="1"/>
+          <p:cNvPr id="91" name="CustomShape 1"/>
+          <p:cNvSpPr/>
           <p:nvPr/>
         </p:nvSpPr>
         <p:spPr>
           <a:xfrm>
             <a:off x="685800" y="120960"/>
-            <a:ext cx="7770600" cy="1429560"/>
+            <a:ext cx="7769880" cy="1428840"/>
           </a:xfrm>
           <a:prstGeom prst="rect">
             <a:avLst/>
@@ -6862,8 +7241,14 @@
             <a:noFill/>
           </a:ln>
         </p:spPr>
-        <p:txBody>
-          <a:bodyPr anchor="ctr"/>
+        <p:style>
+          <a:lnRef idx="0"/>
+          <a:fillRef idx="0"/>
+          <a:effectRef idx="0"/>
+          <a:fontRef idx="minor"/>
+        </p:style>
+        <p:txBody>
+          <a:bodyPr lIns="90000" rIns="90000" tIns="45000" bIns="45000" anchor="ctr"/>
           <a:p>
             <a:pPr algn="ctr">
               <a:lnSpc>
@@ -6881,6 +7266,7 @@
                   </a:solidFill>
                 </a:uFill>
                 <a:latin typeface="Calisto MT"/>
+                <a:ea typeface="DejaVu Sans"/>
               </a:rPr>
               <a:t>Special case of Player vs AI</a:t>
             </a:r>
@@ -6893,21 +7279,21 @@
                   <a:srgbClr val="ffffff"/>
                 </a:solidFill>
               </a:uFill>
-              <a:latin typeface="Calisto MT"/>
-            </a:endParaRPr>
-          </a:p>
-        </p:txBody>
-      </p:sp>
-      <p:sp>
-        <p:nvSpPr>
-          <p:cNvPr id="98" name="TextShape 2"/>
-          <p:cNvSpPr txBox="1"/>
+              <a:latin typeface="Arial"/>
+            </a:endParaRPr>
+          </a:p>
+        </p:txBody>
+      </p:sp>
+      <p:sp>
+        <p:nvSpPr>
+          <p:cNvPr id="92" name="CustomShape 2"/>
+          <p:cNvSpPr/>
           <p:nvPr/>
         </p:nvSpPr>
         <p:spPr>
           <a:xfrm>
             <a:off x="685800" y="1869120"/>
-            <a:ext cx="7770600" cy="4256640"/>
+            <a:ext cx="7769880" cy="4255920"/>
           </a:xfrm>
           <a:prstGeom prst="rect">
             <a:avLst/>
@@ -6917,19 +7303,27 @@
             <a:noFill/>
           </a:ln>
         </p:spPr>
-        <p:txBody>
-          <a:bodyPr/>
-          <a:p>
-            <a:pPr marL="343080" indent="-342720">
+        <p:style>
+          <a:lnRef idx="0"/>
+          <a:fillRef idx="0"/>
+          <a:effectRef idx="0"/>
+          <a:fontRef idx="minor"/>
+        </p:style>
+        <p:txBody>
+          <a:bodyPr lIns="90000" rIns="90000" tIns="45000" bIns="45000"/>
+          <a:p>
+            <a:pPr marL="343440" indent="-342360">
               <a:lnSpc>
                 <a:spcPct val="100000"/>
               </a:lnSpc>
-              <a:buBlip>
-                <a:blip r:embed="rId1"/>
-              </a:buBlip>
+              <a:buClr>
+                <a:srgbClr val="ffffff"/>
+              </a:buClr>
+              <a:buFont typeface="Arial"/>
+              <a:buChar char="•"/>
             </a:pPr>
             <a:r>
-              <a:rPr lang="en-US" sz="2200" spc="-1" strike="noStrike">
+              <a:rPr lang="en-US" sz="2800" spc="-1" strike="noStrike">
                 <a:solidFill>
                   <a:srgbClr val="ffffff"/>
                 </a:solidFill>
@@ -6939,29 +7333,32 @@
                   </a:solidFill>
                 </a:uFill>
                 <a:latin typeface="Calisto MT"/>
+                <a:ea typeface="DejaVu Sans"/>
               </a:rPr>
               <a:t>Player vs AI:</a:t>
             </a:r>
-            <a:endParaRPr lang="en-US" sz="2200" spc="-1" strike="noStrike">
-              <a:solidFill>
-                <a:srgbClr val="ffffff"/>
-              </a:solidFill>
-              <a:uFill>
-                <a:solidFill>
-                  <a:srgbClr val="ffffff"/>
-                </a:solidFill>
-              </a:uFill>
-              <a:latin typeface="Calisto MT"/>
-            </a:endParaRPr>
-          </a:p>
-          <a:p>
-            <a:pPr lvl="5" marL="2055960" indent="-336240">
+            <a:endParaRPr lang="en-US" sz="1800" spc="-1" strike="noStrike">
+              <a:solidFill>
+                <a:srgbClr val="ffffff"/>
+              </a:solidFill>
+              <a:uFill>
+                <a:solidFill>
+                  <a:srgbClr val="ffffff"/>
+                </a:solidFill>
+              </a:uFill>
+              <a:latin typeface="Arial"/>
+            </a:endParaRPr>
+          </a:p>
+          <a:p>
+            <a:pPr lvl="3" marL="1262520" indent="-456480">
               <a:lnSpc>
                 <a:spcPct val="100000"/>
               </a:lnSpc>
-              <a:buBlip>
-                <a:blip r:embed="rId2"/>
-              </a:buBlip>
+              <a:buClr>
+                <a:srgbClr val="ffffff"/>
+              </a:buClr>
+              <a:buFont typeface="Arial"/>
+              <a:buChar char="•"/>
             </a:pPr>
             <a:r>
               <a:rPr lang="en-US" sz="2800" spc="-1" strike="noStrike">
@@ -6974,42 +7371,50 @@
                   </a:solidFill>
                 </a:uFill>
                 <a:latin typeface="Calisto MT"/>
+                <a:ea typeface="DejaVu Sans"/>
               </a:rPr>
-              <a:t>Log in and choose PvE.</a:t>
+              <a:t>Log in and choose PvA.</a:t>
             </a:r>
-            <a:endParaRPr lang="en-US" sz="2000" spc="-1" strike="noStrike">
-              <a:solidFill>
-                <a:srgbClr val="ffffff"/>
-              </a:solidFill>
-              <a:uFill>
-                <a:solidFill>
-                  <a:srgbClr val="ffffff"/>
-                </a:solidFill>
-              </a:uFill>
-              <a:latin typeface="Calisto MT"/>
-            </a:endParaRPr>
-          </a:p>
-          <a:p>
-            <a:endParaRPr lang="en-US" sz="2200" spc="-1" strike="noStrike">
-              <a:solidFill>
-                <a:srgbClr val="ffffff"/>
-              </a:solidFill>
-              <a:uFill>
-                <a:solidFill>
-                  <a:srgbClr val="ffffff"/>
-                </a:solidFill>
-              </a:uFill>
-              <a:latin typeface="Calisto MT"/>
-            </a:endParaRPr>
-          </a:p>
-          <a:p>
-            <a:pPr lvl="5" marL="2055960" indent="-336240">
+            <a:endParaRPr lang="en-US" sz="1800" spc="-1" strike="noStrike">
+              <a:solidFill>
+                <a:srgbClr val="ffffff"/>
+              </a:solidFill>
+              <a:uFill>
+                <a:solidFill>
+                  <a:srgbClr val="ffffff"/>
+                </a:solidFill>
+              </a:uFill>
+              <a:latin typeface="Arial"/>
+            </a:endParaRPr>
+          </a:p>
+          <a:p>
+            <a:pPr>
               <a:lnSpc>
                 <a:spcPct val="100000"/>
               </a:lnSpc>
-              <a:buBlip>
-                <a:blip r:embed="rId3"/>
-              </a:buBlip>
+            </a:pPr>
+            <a:endParaRPr lang="en-US" sz="1800" spc="-1" strike="noStrike">
+              <a:solidFill>
+                <a:srgbClr val="ffffff"/>
+              </a:solidFill>
+              <a:uFill>
+                <a:solidFill>
+                  <a:srgbClr val="ffffff"/>
+                </a:solidFill>
+              </a:uFill>
+              <a:latin typeface="Arial"/>
+            </a:endParaRPr>
+          </a:p>
+          <a:p>
+            <a:pPr lvl="3" marL="1262520" indent="-456480">
+              <a:lnSpc>
+                <a:spcPct val="100000"/>
+              </a:lnSpc>
+              <a:buClr>
+                <a:srgbClr val="ffffff"/>
+              </a:buClr>
+              <a:buFont typeface="Arial"/>
+              <a:buChar char="•"/>
             </a:pPr>
             <a:r>
               <a:rPr lang="en-US" sz="2800" spc="-1" strike="noStrike">
@@ -7022,42 +7427,50 @@
                   </a:solidFill>
                 </a:uFill>
                 <a:latin typeface="Calisto MT"/>
+                <a:ea typeface="DejaVu Sans"/>
               </a:rPr>
               <a:t>Game starts as Player vs AI.</a:t>
             </a:r>
-            <a:endParaRPr lang="en-US" sz="2000" spc="-1" strike="noStrike">
-              <a:solidFill>
-                <a:srgbClr val="ffffff"/>
-              </a:solidFill>
-              <a:uFill>
-                <a:solidFill>
-                  <a:srgbClr val="ffffff"/>
-                </a:solidFill>
-              </a:uFill>
-              <a:latin typeface="Calisto MT"/>
-            </a:endParaRPr>
-          </a:p>
-          <a:p>
-            <a:endParaRPr lang="en-US" sz="2200" spc="-1" strike="noStrike">
-              <a:solidFill>
-                <a:srgbClr val="ffffff"/>
-              </a:solidFill>
-              <a:uFill>
-                <a:solidFill>
-                  <a:srgbClr val="ffffff"/>
-                </a:solidFill>
-              </a:uFill>
-              <a:latin typeface="Calisto MT"/>
-            </a:endParaRPr>
-          </a:p>
-          <a:p>
-            <a:pPr lvl="5" marL="2055960" indent="-336240">
+            <a:endParaRPr lang="en-US" sz="1800" spc="-1" strike="noStrike">
+              <a:solidFill>
+                <a:srgbClr val="ffffff"/>
+              </a:solidFill>
+              <a:uFill>
+                <a:solidFill>
+                  <a:srgbClr val="ffffff"/>
+                </a:solidFill>
+              </a:uFill>
+              <a:latin typeface="Arial"/>
+            </a:endParaRPr>
+          </a:p>
+          <a:p>
+            <a:pPr>
               <a:lnSpc>
                 <a:spcPct val="100000"/>
               </a:lnSpc>
-              <a:buBlip>
-                <a:blip r:embed="rId4"/>
-              </a:buBlip>
+            </a:pPr>
+            <a:endParaRPr lang="en-US" sz="1800" spc="-1" strike="noStrike">
+              <a:solidFill>
+                <a:srgbClr val="ffffff"/>
+              </a:solidFill>
+              <a:uFill>
+                <a:solidFill>
+                  <a:srgbClr val="ffffff"/>
+                </a:solidFill>
+              </a:uFill>
+              <a:latin typeface="Arial"/>
+            </a:endParaRPr>
+          </a:p>
+          <a:p>
+            <a:pPr lvl="3" marL="1262520" indent="-456480">
+              <a:lnSpc>
+                <a:spcPct val="100000"/>
+              </a:lnSpc>
+              <a:buClr>
+                <a:srgbClr val="ffffff"/>
+              </a:buClr>
+              <a:buFont typeface="Arial"/>
+              <a:buChar char="•"/>
             </a:pPr>
             <a:r>
               <a:rPr lang="en-US" sz="2800" spc="-1" strike="noStrike">
@@ -7070,19 +7483,20 @@
                   </a:solidFill>
                 </a:uFill>
                 <a:latin typeface="Calisto MT"/>
+                <a:ea typeface="DejaVu Sans"/>
               </a:rPr>
               <a:t>Update the score as squares connect.</a:t>
             </a:r>
-            <a:endParaRPr lang="en-US" sz="2000" spc="-1" strike="noStrike">
-              <a:solidFill>
-                <a:srgbClr val="ffffff"/>
-              </a:solidFill>
-              <a:uFill>
-                <a:solidFill>
-                  <a:srgbClr val="ffffff"/>
-                </a:solidFill>
-              </a:uFill>
-              <a:latin typeface="Calisto MT"/>
+            <a:endParaRPr lang="en-US" sz="1800" spc="-1" strike="noStrike">
+              <a:solidFill>
+                <a:srgbClr val="ffffff"/>
+              </a:solidFill>
+              <a:uFill>
+                <a:solidFill>
+                  <a:srgbClr val="ffffff"/>
+                </a:solidFill>
+              </a:uFill>
+              <a:latin typeface="Arial"/>
             </a:endParaRPr>
           </a:p>
           <a:p>
@@ -7091,16 +7505,16 @@
                 <a:spcPct val="100000"/>
               </a:lnSpc>
             </a:pPr>
-            <a:endParaRPr lang="en-US" sz="2200" spc="-1" strike="noStrike">
-              <a:solidFill>
-                <a:srgbClr val="ffffff"/>
-              </a:solidFill>
-              <a:uFill>
-                <a:solidFill>
-                  <a:srgbClr val="ffffff"/>
-                </a:solidFill>
-              </a:uFill>
-              <a:latin typeface="Calisto MT"/>
+            <a:endParaRPr lang="en-US" sz="1800" spc="-1" strike="noStrike">
+              <a:solidFill>
+                <a:srgbClr val="ffffff"/>
+              </a:solidFill>
+              <a:uFill>
+                <a:solidFill>
+                  <a:srgbClr val="ffffff"/>
+                </a:solidFill>
+              </a:uFill>
+              <a:latin typeface="Arial"/>
             </a:endParaRPr>
           </a:p>
         </p:txBody>
@@ -7156,14 +7570,14 @@
       </p:grpSpPr>
       <p:sp>
         <p:nvSpPr>
-          <p:cNvPr id="99" name="TextShape 1"/>
-          <p:cNvSpPr txBox="1"/>
+          <p:cNvPr id="93" name="CustomShape 1"/>
+          <p:cNvSpPr/>
           <p:nvPr/>
         </p:nvSpPr>
         <p:spPr>
           <a:xfrm>
             <a:off x="685800" y="120960"/>
-            <a:ext cx="7770600" cy="1429560"/>
+            <a:ext cx="7769880" cy="1428840"/>
           </a:xfrm>
           <a:prstGeom prst="rect">
             <a:avLst/>
@@ -7173,8 +7587,14 @@
             <a:noFill/>
           </a:ln>
         </p:spPr>
-        <p:txBody>
-          <a:bodyPr anchor="ctr"/>
+        <p:style>
+          <a:lnRef idx="0"/>
+          <a:fillRef idx="0"/>
+          <a:effectRef idx="0"/>
+          <a:fontRef idx="minor"/>
+        </p:style>
+        <p:txBody>
+          <a:bodyPr lIns="90000" rIns="90000" tIns="45000" bIns="45000" anchor="ctr"/>
           <a:p>
             <a:pPr algn="ctr">
               <a:lnSpc>
@@ -7192,6 +7612,7 @@
                   </a:solidFill>
                 </a:uFill>
                 <a:latin typeface="Calisto MT"/>
+                <a:ea typeface="DejaVu Sans"/>
               </a:rPr>
               <a:t>Game flow diagram</a:t>
             </a:r>
@@ -7204,14 +7625,14 @@
                   <a:srgbClr val="ffffff"/>
                 </a:solidFill>
               </a:uFill>
-              <a:latin typeface="Calisto MT"/>
+              <a:latin typeface="Arial"/>
             </a:endParaRPr>
           </a:p>
         </p:txBody>
       </p:sp>
       <p:pic>
         <p:nvPicPr>
-          <p:cNvPr id="100" name="Content Placeholder 3" descr=""/>
+          <p:cNvPr id="94" name="Content Placeholder 3" descr=""/>
           <p:cNvPicPr/>
           <p:nvPr/>
         </p:nvPicPr>
@@ -7222,7 +7643,7 @@
         <p:spPr>
           <a:xfrm>
             <a:off x="1654920" y="1389960"/>
-            <a:ext cx="5421960" cy="5065560"/>
+            <a:ext cx="5421240" cy="5064840"/>
           </a:xfrm>
           <a:prstGeom prst="rect">
             <a:avLst/>

--- a/Power Point Presentation.pptx
+++ b/Power Point Presentation.pptx
@@ -265,7 +265,7 @@
           <a:bodyPr lIns="0" rIns="0" tIns="0" bIns="0" anchor="b"/>
           <a:p>
             <a:pPr algn="r"/>
-            <a:fld id="{DF9E51C6-AB8C-405C-BED9-7585A92FDE8F}" type="slidenum">
+            <a:fld id="{E725EC66-3AEA-4319-9C17-8EB0EEB9AA8D}" type="slidenum">
               <a:rPr lang="en-US" sz="1400" spc="-1" strike="noStrike">
                 <a:solidFill>
                   <a:srgbClr val="000000"/>
@@ -329,7 +329,7 @@
         <p:spPr>
           <a:xfrm>
             <a:off x="685800" y="4343400"/>
-            <a:ext cx="5485320" cy="4113720"/>
+            <a:ext cx="5484960" cy="4113360"/>
           </a:xfrm>
           <a:prstGeom prst="rect">
             <a:avLst/>
@@ -338,7 +338,7 @@
         <p:txBody>
           <a:bodyPr lIns="0" rIns="0" tIns="0" bIns="0"/>
           <a:p>
-            <a:pPr marL="216000" indent="-215640">
+            <a:pPr marL="216000" indent="-215280">
               <a:lnSpc>
                 <a:spcPct val="100000"/>
               </a:lnSpc>
@@ -370,7 +370,7 @@
             </a:endParaRPr>
           </a:p>
           <a:p>
-            <a:pPr marL="216000" indent="-215640">
+            <a:pPr marL="216000" indent="-215280">
               <a:lnSpc>
                 <a:spcPct val="100000"/>
               </a:lnSpc>
@@ -402,7 +402,7 @@
             </a:endParaRPr>
           </a:p>
           <a:p>
-            <a:pPr marL="216000" indent="-215640">
+            <a:pPr marL="216000" indent="-215280">
               <a:lnSpc>
                 <a:spcPct val="100000"/>
               </a:lnSpc>
@@ -430,7 +430,7 @@
         <p:spPr>
           <a:xfrm>
             <a:off x="3884760" y="8685360"/>
-            <a:ext cx="2970720" cy="456120"/>
+            <a:ext cx="2970360" cy="455760"/>
           </a:xfrm>
           <a:prstGeom prst="rect">
             <a:avLst/>
@@ -446,42 +446,6 @@
           <a:effectRef idx="0"/>
           <a:fontRef idx="minor"/>
         </p:style>
-        <p:txBody>
-          <a:bodyPr lIns="90000" rIns="90000" tIns="45000" bIns="45000" anchor="b"/>
-          <a:p>
-            <a:pPr algn="r">
-              <a:lnSpc>
-                <a:spcPct val="100000"/>
-              </a:lnSpc>
-            </a:pPr>
-            <a:fld id="{5109DCE1-4CA1-4804-9666-5C085ACFCEE5}" type="slidenum">
-              <a:rPr lang="en-US" sz="1200" spc="-1" strike="noStrike">
-                <a:solidFill>
-                  <a:srgbClr val="000000"/>
-                </a:solidFill>
-                <a:uFill>
-                  <a:solidFill>
-                    <a:srgbClr val="ffffff"/>
-                  </a:solidFill>
-                </a:uFill>
-                <a:latin typeface="+mn-lt"/>
-                <a:ea typeface="+mn-ea"/>
-              </a:rPr>
-              <a:t>&lt;number&gt;</a:t>
-            </a:fld>
-            <a:endParaRPr lang="en-US" sz="1800" spc="-1" strike="noStrike">
-              <a:solidFill>
-                <a:srgbClr val="000000"/>
-              </a:solidFill>
-              <a:uFill>
-                <a:solidFill>
-                  <a:srgbClr val="ffffff"/>
-                </a:solidFill>
-              </a:uFill>
-              <a:latin typeface="Arial"/>
-            </a:endParaRPr>
-          </a:p>
-        </p:txBody>
       </p:sp>
     </p:spTree>
   </p:cSld>
@@ -518,7 +482,7 @@
         <p:spPr>
           <a:xfrm>
             <a:off x="685800" y="4343400"/>
-            <a:ext cx="5485320" cy="4113720"/>
+            <a:ext cx="5484960" cy="4113360"/>
           </a:xfrm>
           <a:prstGeom prst="rect">
             <a:avLst/>
@@ -527,7 +491,7 @@
         <p:txBody>
           <a:bodyPr lIns="0" rIns="0" tIns="0" bIns="0"/>
           <a:p>
-            <a:pPr marL="216000" indent="-215640">
+            <a:pPr marL="216000" indent="-215280">
               <a:lnSpc>
                 <a:spcPct val="100000"/>
               </a:lnSpc>
@@ -559,7 +523,7 @@
             </a:endParaRPr>
           </a:p>
           <a:p>
-            <a:pPr marL="216000" indent="-215640">
+            <a:pPr marL="216000" indent="-215280">
               <a:lnSpc>
                 <a:spcPct val="100000"/>
               </a:lnSpc>
@@ -591,7 +555,7 @@
             </a:endParaRPr>
           </a:p>
           <a:p>
-            <a:pPr marL="216000" indent="-215640">
+            <a:pPr marL="216000" indent="-215280">
               <a:lnSpc>
                 <a:spcPct val="100000"/>
               </a:lnSpc>
@@ -619,7 +583,7 @@
         <p:spPr>
           <a:xfrm>
             <a:off x="3884760" y="8685360"/>
-            <a:ext cx="2970720" cy="456120"/>
+            <a:ext cx="2970360" cy="455760"/>
           </a:xfrm>
           <a:prstGeom prst="rect">
             <a:avLst/>
@@ -635,42 +599,6 @@
           <a:effectRef idx="0"/>
           <a:fontRef idx="minor"/>
         </p:style>
-        <p:txBody>
-          <a:bodyPr lIns="90000" rIns="90000" tIns="45000" bIns="45000" anchor="b"/>
-          <a:p>
-            <a:pPr algn="r">
-              <a:lnSpc>
-                <a:spcPct val="100000"/>
-              </a:lnSpc>
-            </a:pPr>
-            <a:fld id="{3B287724-1ACF-4125-A17F-B3EE6D8A0358}" type="slidenum">
-              <a:rPr lang="en-US" sz="1200" spc="-1" strike="noStrike">
-                <a:solidFill>
-                  <a:srgbClr val="000000"/>
-                </a:solidFill>
-                <a:uFill>
-                  <a:solidFill>
-                    <a:srgbClr val="ffffff"/>
-                  </a:solidFill>
-                </a:uFill>
-                <a:latin typeface="+mn-lt"/>
-                <a:ea typeface="+mn-ea"/>
-              </a:rPr>
-              <a:t>&lt;number&gt;</a:t>
-            </a:fld>
-            <a:endParaRPr lang="en-US" sz="1800" spc="-1" strike="noStrike">
-              <a:solidFill>
-                <a:srgbClr val="000000"/>
-              </a:solidFill>
-              <a:uFill>
-                <a:solidFill>
-                  <a:srgbClr val="ffffff"/>
-                </a:solidFill>
-              </a:uFill>
-              <a:latin typeface="Arial"/>
-            </a:endParaRPr>
-          </a:p>
-        </p:txBody>
       </p:sp>
     </p:spTree>
   </p:cSld>
@@ -707,7 +635,7 @@
         <p:spPr>
           <a:xfrm>
             <a:off x="685800" y="4343400"/>
-            <a:ext cx="5485320" cy="4113720"/>
+            <a:ext cx="5484960" cy="4113360"/>
           </a:xfrm>
           <a:prstGeom prst="rect">
             <a:avLst/>
@@ -716,7 +644,7 @@
         <p:txBody>
           <a:bodyPr lIns="0" rIns="0" tIns="0" bIns="0"/>
           <a:p>
-            <a:pPr marL="216000" indent="-215640">
+            <a:pPr marL="216000" indent="-215280">
               <a:lnSpc>
                 <a:spcPct val="100000"/>
               </a:lnSpc>
@@ -748,7 +676,7 @@
             </a:endParaRPr>
           </a:p>
           <a:p>
-            <a:pPr marL="216000" indent="-215640">
+            <a:pPr marL="216000" indent="-215280">
               <a:lnSpc>
                 <a:spcPct val="100000"/>
               </a:lnSpc>
@@ -780,7 +708,7 @@
             </a:endParaRPr>
           </a:p>
           <a:p>
-            <a:pPr marL="216000" indent="-215640">
+            <a:pPr marL="216000" indent="-215280">
               <a:lnSpc>
                 <a:spcPct val="100000"/>
               </a:lnSpc>
@@ -808,7 +736,7 @@
         <p:spPr>
           <a:xfrm>
             <a:off x="3884760" y="8685360"/>
-            <a:ext cx="2970720" cy="456120"/>
+            <a:ext cx="2970360" cy="455760"/>
           </a:xfrm>
           <a:prstGeom prst="rect">
             <a:avLst/>
@@ -824,42 +752,6 @@
           <a:effectRef idx="0"/>
           <a:fontRef idx="minor"/>
         </p:style>
-        <p:txBody>
-          <a:bodyPr lIns="90000" rIns="90000" tIns="45000" bIns="45000" anchor="b"/>
-          <a:p>
-            <a:pPr algn="r">
-              <a:lnSpc>
-                <a:spcPct val="100000"/>
-              </a:lnSpc>
-            </a:pPr>
-            <a:fld id="{8C5B90C0-C8DE-45C4-995F-CC25AE562E55}" type="slidenum">
-              <a:rPr lang="en-US" sz="1200" spc="-1" strike="noStrike">
-                <a:solidFill>
-                  <a:srgbClr val="000000"/>
-                </a:solidFill>
-                <a:uFill>
-                  <a:solidFill>
-                    <a:srgbClr val="ffffff"/>
-                  </a:solidFill>
-                </a:uFill>
-                <a:latin typeface="+mn-lt"/>
-                <a:ea typeface="+mn-ea"/>
-              </a:rPr>
-              <a:t>&lt;number&gt;</a:t>
-            </a:fld>
-            <a:endParaRPr lang="en-US" sz="1800" spc="-1" strike="noStrike">
-              <a:solidFill>
-                <a:srgbClr val="000000"/>
-              </a:solidFill>
-              <a:uFill>
-                <a:solidFill>
-                  <a:srgbClr val="ffffff"/>
-                </a:solidFill>
-              </a:uFill>
-              <a:latin typeface="Arial"/>
-            </a:endParaRPr>
-          </a:p>
-        </p:txBody>
       </p:sp>
     </p:spTree>
   </p:cSld>
@@ -3854,7 +3746,7 @@
         <p:spPr>
           <a:xfrm>
             <a:off x="457200" y="273600"/>
-            <a:ext cx="8228880" cy="1144440"/>
+            <a:ext cx="8229240" cy="1144800"/>
           </a:xfrm>
           <a:prstGeom prst="rect">
             <a:avLst/>
@@ -3864,6 +3756,20 @@
           <a:bodyPr lIns="0" rIns="0" tIns="0" bIns="0" anchor="ctr"/>
           <a:p>
             <a:pPr algn="ctr"/>
+            <a:r>
+              <a:rPr lang="en-US" sz="4400" spc="-1" strike="noStrike">
+                <a:solidFill>
+                  <a:srgbClr val="ffffff"/>
+                </a:solidFill>
+                <a:uFill>
+                  <a:solidFill>
+                    <a:srgbClr val="ffffff"/>
+                  </a:solidFill>
+                </a:uFill>
+                <a:latin typeface="Arial"/>
+              </a:rPr>
+              <a:t>Click to edit the title text format</a:t>
+            </a:r>
             <a:endParaRPr lang="en-US" sz="4400" spc="-1" strike="noStrike">
               <a:solidFill>
                 <a:srgbClr val="ffffff"/>
@@ -3891,7 +3797,7 @@
         <p:spPr>
           <a:xfrm>
             <a:off x="457200" y="1604520"/>
-            <a:ext cx="8228880" cy="3976920"/>
+            <a:ext cx="8229240" cy="3977280"/>
           </a:xfrm>
           <a:prstGeom prst="rect">
             <a:avLst/>
@@ -3909,7 +3815,7 @@
               <a:buChar char=""/>
             </a:pPr>
             <a:r>
-              <a:rPr lang="en-US" sz="1800" spc="-1" strike="noStrike">
+              <a:rPr lang="en-US" sz="3200" spc="-1" strike="noStrike">
                 <a:solidFill>
                   <a:srgbClr val="ffffff"/>
                 </a:solidFill>
@@ -3922,7 +3828,7 @@
               </a:rPr>
               <a:t>Click to edit the outline text format</a:t>
             </a:r>
-            <a:endParaRPr lang="en-US" sz="1800" spc="-1" strike="noStrike">
+            <a:endParaRPr lang="en-US" sz="3200" spc="-1" strike="noStrike">
               <a:solidFill>
                 <a:srgbClr val="ffffff"/>
               </a:solidFill>
@@ -3944,7 +3850,7 @@
               <a:buChar char=""/>
             </a:pPr>
             <a:r>
-              <a:rPr lang="en-US" sz="1800" spc="-1" strike="noStrike">
+              <a:rPr lang="en-US" sz="2800" spc="-1" strike="noStrike">
                 <a:solidFill>
                   <a:srgbClr val="ffffff"/>
                 </a:solidFill>
@@ -3957,7 +3863,7 @@
               </a:rPr>
               <a:t>Second Outline Level</a:t>
             </a:r>
-            <a:endParaRPr lang="en-US" sz="1800" spc="-1" strike="noStrike">
+            <a:endParaRPr lang="en-US" sz="2800" spc="-1" strike="noStrike">
               <a:solidFill>
                 <a:srgbClr val="ffffff"/>
               </a:solidFill>
@@ -3979,7 +3885,7 @@
               <a:buChar char=""/>
             </a:pPr>
             <a:r>
-              <a:rPr lang="en-US" sz="1800" spc="-1" strike="noStrike">
+              <a:rPr lang="en-US" sz="2400" spc="-1" strike="noStrike">
                 <a:solidFill>
                   <a:srgbClr val="ffffff"/>
                 </a:solidFill>
@@ -3992,7 +3898,7 @@
               </a:rPr>
               <a:t>Third Outline Level</a:t>
             </a:r>
-            <a:endParaRPr lang="en-US" sz="1800" spc="-1" strike="noStrike">
+            <a:endParaRPr lang="en-US" sz="2400" spc="-1" strike="noStrike">
               <a:solidFill>
                 <a:srgbClr val="ffffff"/>
               </a:solidFill>
@@ -4014,7 +3920,7 @@
               <a:buChar char=""/>
             </a:pPr>
             <a:r>
-              <a:rPr lang="en-US" sz="1800" spc="-1" strike="noStrike">
+              <a:rPr lang="en-US" sz="2000" spc="-1" strike="noStrike">
                 <a:solidFill>
                   <a:srgbClr val="ffffff"/>
                 </a:solidFill>
@@ -4027,7 +3933,7 @@
               </a:rPr>
               <a:t>Fourth Outline Level</a:t>
             </a:r>
-            <a:endParaRPr lang="en-US" sz="1800" spc="-1" strike="noStrike">
+            <a:endParaRPr lang="en-US" sz="2000" spc="-1" strike="noStrike">
               <a:solidFill>
                 <a:srgbClr val="ffffff"/>
               </a:solidFill>
@@ -4049,7 +3955,7 @@
               <a:buChar char=""/>
             </a:pPr>
             <a:r>
-              <a:rPr lang="en-US" sz="1800" spc="-1" strike="noStrike">
+              <a:rPr lang="en-US" sz="2000" spc="-1" strike="noStrike">
                 <a:solidFill>
                   <a:srgbClr val="ffffff"/>
                 </a:solidFill>
@@ -4062,7 +3968,7 @@
               </a:rPr>
               <a:t>Fifth Outline Level</a:t>
             </a:r>
-            <a:endParaRPr lang="en-US" sz="1800" spc="-1" strike="noStrike">
+            <a:endParaRPr lang="en-US" sz="2000" spc="-1" strike="noStrike">
               <a:solidFill>
                 <a:srgbClr val="ffffff"/>
               </a:solidFill>
@@ -4084,7 +3990,7 @@
               <a:buChar char=""/>
             </a:pPr>
             <a:r>
-              <a:rPr lang="en-US" sz="1800" spc="-1" strike="noStrike">
+              <a:rPr lang="en-US" sz="2000" spc="-1" strike="noStrike">
                 <a:solidFill>
                   <a:srgbClr val="ffffff"/>
                 </a:solidFill>
@@ -4097,7 +4003,7 @@
               </a:rPr>
               <a:t>Sixth Outline Level</a:t>
             </a:r>
-            <a:endParaRPr lang="en-US" sz="1800" spc="-1" strike="noStrike">
+            <a:endParaRPr lang="en-US" sz="2000" spc="-1" strike="noStrike">
               <a:solidFill>
                 <a:srgbClr val="ffffff"/>
               </a:solidFill>
@@ -4119,7 +4025,7 @@
               <a:buChar char=""/>
             </a:pPr>
             <a:r>
-              <a:rPr lang="en-US" sz="1800" spc="-1" strike="noStrike">
+              <a:rPr lang="en-US" sz="2000" spc="-1" strike="noStrike">
                 <a:solidFill>
                   <a:srgbClr val="ffffff"/>
                 </a:solidFill>
@@ -4132,7 +4038,7 @@
               </a:rPr>
               <a:t>Seventh Outline Level</a:t>
             </a:r>
-            <a:endParaRPr lang="en-US" sz="1800" spc="-1" strike="noStrike">
+            <a:endParaRPr lang="en-US" sz="2000" spc="-1" strike="noStrike">
               <a:solidFill>
                 <a:srgbClr val="ffffff"/>
               </a:solidFill>
@@ -4558,7 +4464,7 @@
         <p:spPr>
           <a:xfrm>
             <a:off x="685800" y="2365200"/>
-            <a:ext cx="7771320" cy="977400"/>
+            <a:ext cx="7770960" cy="977040"/>
           </a:xfrm>
           <a:prstGeom prst="rect">
             <a:avLst/>
@@ -4620,7 +4526,7 @@
         <p:spPr>
           <a:xfrm>
             <a:off x="685800" y="3796560"/>
-            <a:ext cx="7771320" cy="876600"/>
+            <a:ext cx="7770960" cy="876240"/>
           </a:xfrm>
           <a:prstGeom prst="rect">
             <a:avLst/>
@@ -4782,7 +4688,7 @@
         <p:spPr>
           <a:xfrm>
             <a:off x="685800" y="120960"/>
-            <a:ext cx="7769880" cy="1428840"/>
+            <a:ext cx="7769520" cy="1428480"/>
           </a:xfrm>
           <a:prstGeom prst="rect">
             <a:avLst/>
@@ -4844,7 +4750,7 @@
         <p:spPr>
           <a:xfrm>
             <a:off x="685800" y="1869120"/>
-            <a:ext cx="7769880" cy="4255920"/>
+            <a:ext cx="7769520" cy="4255560"/>
           </a:xfrm>
           <a:prstGeom prst="rect">
             <a:avLst/>
@@ -4863,7 +4769,7 @@
         <p:txBody>
           <a:bodyPr lIns="90000" rIns="90000" tIns="45000" bIns="45000"/>
           <a:p>
-            <a:pPr marL="343080" indent="-342360">
+            <a:pPr marL="343080" indent="-342000">
               <a:lnSpc>
                 <a:spcPct val="100000"/>
               </a:lnSpc>
@@ -4901,7 +4807,7 @@
             </a:endParaRPr>
           </a:p>
           <a:p>
-            <a:pPr lvl="1" marL="800280" indent="-342360">
+            <a:pPr lvl="1" marL="800280" indent="-342000">
               <a:lnSpc>
                 <a:spcPct val="100000"/>
               </a:lnSpc>
@@ -4957,7 +4863,7 @@
             </a:endParaRPr>
           </a:p>
           <a:p>
-            <a:pPr lvl="1" marL="800280" indent="-342360">
+            <a:pPr lvl="1" marL="800280" indent="-342000">
               <a:lnSpc>
                 <a:spcPct val="100000"/>
               </a:lnSpc>
@@ -5013,7 +4919,7 @@
             </a:endParaRPr>
           </a:p>
           <a:p>
-            <a:pPr lvl="1" marL="800280" indent="-342360">
+            <a:pPr lvl="1" marL="800280" indent="-342000">
               <a:lnSpc>
                 <a:spcPct val="100000"/>
               </a:lnSpc>
@@ -5087,7 +4993,7 @@
             </a:endParaRPr>
           </a:p>
           <a:p>
-            <a:pPr marL="343080" indent="-342360">
+            <a:pPr marL="343080" indent="-342000">
               <a:lnSpc>
                 <a:spcPct val="100000"/>
               </a:lnSpc>
@@ -5125,7 +5031,7 @@
             </a:endParaRPr>
           </a:p>
           <a:p>
-            <a:pPr lvl="1" marL="800280" indent="-342360">
+            <a:pPr lvl="1" marL="800280" indent="-342000">
               <a:lnSpc>
                 <a:spcPct val="100000"/>
               </a:lnSpc>
@@ -5163,7 +5069,7 @@
             </a:endParaRPr>
           </a:p>
           <a:p>
-            <a:pPr lvl="1" marL="800280" indent="-342360">
+            <a:pPr lvl="1" marL="800280" indent="-342000">
               <a:lnSpc>
                 <a:spcPct val="100000"/>
               </a:lnSpc>
@@ -5201,7 +5107,7 @@
             </a:endParaRPr>
           </a:p>
           <a:p>
-            <a:pPr lvl="1" marL="800280" indent="-342360">
+            <a:pPr lvl="1" marL="800280" indent="-342000">
               <a:lnSpc>
                 <a:spcPct val="100000"/>
               </a:lnSpc>
@@ -5257,7 +5163,7 @@
             </a:endParaRPr>
           </a:p>
           <a:p>
-            <a:pPr lvl="1" marL="800280" indent="-342360">
+            <a:pPr lvl="1" marL="800280" indent="-342000">
               <a:lnSpc>
                 <a:spcPct val="100000"/>
               </a:lnSpc>
@@ -5408,7 +5314,7 @@
         <p:spPr>
           <a:xfrm>
             <a:off x="685800" y="120960"/>
-            <a:ext cx="7769880" cy="1428840"/>
+            <a:ext cx="7769520" cy="1428480"/>
           </a:xfrm>
           <a:prstGeom prst="rect">
             <a:avLst/>
@@ -5470,7 +5376,7 @@
         <p:spPr>
           <a:xfrm>
             <a:off x="685800" y="1963080"/>
-            <a:ext cx="7769880" cy="4255920"/>
+            <a:ext cx="7769520" cy="4255560"/>
           </a:xfrm>
           <a:prstGeom prst="rect">
             <a:avLst/>
@@ -5489,7 +5395,7 @@
         <p:txBody>
           <a:bodyPr lIns="90000" rIns="90000" tIns="45000" bIns="45000"/>
           <a:p>
-            <a:pPr marL="343440" indent="-342360">
+            <a:pPr marL="343440" indent="-342000">
               <a:lnSpc>
                 <a:spcPct val="100000"/>
               </a:lnSpc>
@@ -5545,7 +5451,7 @@
             </a:endParaRPr>
           </a:p>
           <a:p>
-            <a:pPr marL="343440" indent="-342360">
+            <a:pPr marL="343440" indent="-342000">
               <a:lnSpc>
                 <a:spcPct val="100000"/>
               </a:lnSpc>
@@ -5601,7 +5507,7 @@
             </a:endParaRPr>
           </a:p>
           <a:p>
-            <a:pPr marL="343440" indent="-342360">
+            <a:pPr marL="343440" indent="-342000">
               <a:lnSpc>
                 <a:spcPct val="100000"/>
               </a:lnSpc>
@@ -5639,7 +5545,7 @@
             </a:endParaRPr>
           </a:p>
           <a:p>
-            <a:pPr lvl="2" marL="1257840" indent="-342360">
+            <a:pPr lvl="2" marL="1257840" indent="-342000">
               <a:lnSpc>
                 <a:spcPct val="100000"/>
               </a:lnSpc>
@@ -5677,7 +5583,7 @@
             </a:endParaRPr>
           </a:p>
           <a:p>
-            <a:pPr lvl="2" marL="1257840" indent="-342360">
+            <a:pPr lvl="2" marL="1257840" indent="-342000">
               <a:lnSpc>
                 <a:spcPct val="100000"/>
               </a:lnSpc>
@@ -5715,7 +5621,7 @@
             </a:endParaRPr>
           </a:p>
           <a:p>
-            <a:pPr lvl="2" marL="1257840" indent="-342360">
+            <a:pPr lvl="2" marL="1257840" indent="-342000">
               <a:lnSpc>
                 <a:spcPct val="100000"/>
               </a:lnSpc>
@@ -5771,7 +5677,7 @@
             </a:endParaRPr>
           </a:p>
           <a:p>
-            <a:pPr marL="343440" indent="-342360">
+            <a:pPr marL="343440" indent="-342000">
               <a:lnSpc>
                 <a:spcPct val="100000"/>
               </a:lnSpc>
@@ -5868,7 +5774,7 @@
         <p:spPr>
           <a:xfrm>
             <a:off x="685800" y="120960"/>
-            <a:ext cx="7769880" cy="1428840"/>
+            <a:ext cx="7769520" cy="1428480"/>
           </a:xfrm>
           <a:prstGeom prst="rect">
             <a:avLst/>
@@ -5930,7 +5836,7 @@
         <p:spPr>
           <a:xfrm>
             <a:off x="685800" y="1869120"/>
-            <a:ext cx="7769880" cy="4255920"/>
+            <a:ext cx="7769520" cy="4255560"/>
           </a:xfrm>
           <a:prstGeom prst="rect">
             <a:avLst/>
@@ -5949,7 +5855,7 @@
         <p:txBody>
           <a:bodyPr lIns="90000" rIns="90000" tIns="45000" bIns="45000"/>
           <a:p>
-            <a:pPr marL="457560" indent="-456480">
+            <a:pPr marL="457560" indent="-456120">
               <a:lnSpc>
                 <a:spcPct val="100000"/>
               </a:lnSpc>
@@ -6005,7 +5911,7 @@
             </a:endParaRPr>
           </a:p>
           <a:p>
-            <a:pPr marL="457560" indent="-456480">
+            <a:pPr marL="457560" indent="-456120">
               <a:lnSpc>
                 <a:spcPct val="100000"/>
               </a:lnSpc>
@@ -6061,7 +5967,7 @@
             </a:endParaRPr>
           </a:p>
           <a:p>
-            <a:pPr marL="457560" indent="-456480">
+            <a:pPr marL="457560" indent="-456120">
               <a:lnSpc>
                 <a:spcPct val="100000"/>
               </a:lnSpc>
@@ -6099,7 +6005,7 @@
             </a:endParaRPr>
           </a:p>
           <a:p>
-            <a:pPr lvl="1" marL="914760" indent="-456480">
+            <a:pPr lvl="1" marL="914760" indent="-456120">
               <a:lnSpc>
                 <a:spcPct val="100000"/>
               </a:lnSpc>
@@ -6155,7 +6061,7 @@
             </a:endParaRPr>
           </a:p>
           <a:p>
-            <a:pPr lvl="1" marL="914760" indent="-456480">
+            <a:pPr lvl="1" marL="914760" indent="-456120">
               <a:lnSpc>
                 <a:spcPct val="100000"/>
               </a:lnSpc>
@@ -6211,7 +6117,7 @@
             </a:endParaRPr>
           </a:p>
           <a:p>
-            <a:pPr marL="457560" indent="-456480">
+            <a:pPr marL="457560" indent="-456120">
               <a:lnSpc>
                 <a:spcPct val="100000"/>
               </a:lnSpc>
@@ -6308,7 +6214,7 @@
         <p:spPr>
           <a:xfrm>
             <a:off x="685800" y="120960"/>
-            <a:ext cx="7769880" cy="1428840"/>
+            <a:ext cx="7769520" cy="1428480"/>
           </a:xfrm>
           <a:prstGeom prst="rect">
             <a:avLst/>
@@ -6370,7 +6276,7 @@
         <p:spPr>
           <a:xfrm>
             <a:off x="685800" y="1869120"/>
-            <a:ext cx="7769880" cy="4255920"/>
+            <a:ext cx="7769520" cy="4255560"/>
           </a:xfrm>
           <a:prstGeom prst="rect">
             <a:avLst/>
@@ -6389,7 +6295,7 @@
         <p:txBody>
           <a:bodyPr lIns="90000" rIns="90000" tIns="45000" bIns="45000"/>
           <a:p>
-            <a:pPr marL="343440" indent="-342360">
+            <a:pPr marL="343440" indent="-342000">
               <a:lnSpc>
                 <a:spcPct val="100000"/>
               </a:lnSpc>
@@ -6445,7 +6351,7 @@
             </a:endParaRPr>
           </a:p>
           <a:p>
-            <a:pPr lvl="1" marL="800640" indent="-342360">
+            <a:pPr lvl="1" marL="800640" indent="-342000">
               <a:lnSpc>
                 <a:spcPct val="100000"/>
               </a:lnSpc>
@@ -6501,7 +6407,7 @@
             </a:endParaRPr>
           </a:p>
           <a:p>
-            <a:pPr lvl="1" marL="800640" indent="-342360">
+            <a:pPr lvl="1" marL="800640" indent="-342000">
               <a:lnSpc>
                 <a:spcPct val="100000"/>
               </a:lnSpc>
@@ -6613,7 +6519,7 @@
         <p:spPr>
           <a:xfrm>
             <a:off x="685800" y="120960"/>
-            <a:ext cx="7769880" cy="1428840"/>
+            <a:ext cx="7769520" cy="1428480"/>
           </a:xfrm>
           <a:prstGeom prst="rect">
             <a:avLst/>
@@ -6675,7 +6581,7 @@
         <p:spPr>
           <a:xfrm>
             <a:off x="685800" y="1869120"/>
-            <a:ext cx="7769880" cy="4255920"/>
+            <a:ext cx="7769520" cy="4255560"/>
           </a:xfrm>
           <a:prstGeom prst="rect">
             <a:avLst/>
@@ -6694,7 +6600,7 @@
         <p:txBody>
           <a:bodyPr lIns="90000" rIns="90000" tIns="45000" bIns="45000"/>
           <a:p>
-            <a:pPr marL="343440" indent="-342360">
+            <a:pPr marL="343440" indent="-342000">
               <a:lnSpc>
                 <a:spcPct val="100000"/>
               </a:lnSpc>
@@ -6750,7 +6656,7 @@
             </a:endParaRPr>
           </a:p>
           <a:p>
-            <a:pPr lvl="1" marL="800640" indent="-342360">
+            <a:pPr lvl="1" marL="800640" indent="-342000">
               <a:lnSpc>
                 <a:spcPct val="100000"/>
               </a:lnSpc>
@@ -6806,7 +6712,7 @@
             </a:endParaRPr>
           </a:p>
           <a:p>
-            <a:pPr lvl="1" marL="800640" indent="-342360">
+            <a:pPr lvl="1" marL="800640" indent="-342000">
               <a:lnSpc>
                 <a:spcPct val="100000"/>
               </a:lnSpc>
@@ -6903,7 +6809,7 @@
         <p:spPr>
           <a:xfrm>
             <a:off x="685800" y="120960"/>
-            <a:ext cx="7769880" cy="1428840"/>
+            <a:ext cx="7769520" cy="1428480"/>
           </a:xfrm>
           <a:prstGeom prst="rect">
             <a:avLst/>
@@ -6965,7 +6871,7 @@
         <p:spPr>
           <a:xfrm>
             <a:off x="685800" y="1869120"/>
-            <a:ext cx="7769880" cy="4255920"/>
+            <a:ext cx="7769520" cy="4255560"/>
           </a:xfrm>
           <a:prstGeom prst="rect">
             <a:avLst/>
@@ -6984,7 +6890,7 @@
         <p:txBody>
           <a:bodyPr lIns="90000" rIns="90000" tIns="45000" bIns="45000"/>
           <a:p>
-            <a:pPr marL="343440" indent="-342360">
+            <a:pPr marL="343440" indent="-342000">
               <a:lnSpc>
                 <a:spcPct val="100000"/>
               </a:lnSpc>
@@ -7022,7 +6928,7 @@
             </a:endParaRPr>
           </a:p>
           <a:p>
-            <a:pPr lvl="3" marL="1262520" indent="-456480">
+            <a:pPr lvl="3" marL="1262520" indent="-456120">
               <a:lnSpc>
                 <a:spcPct val="100000"/>
               </a:lnSpc>
@@ -7078,7 +6984,7 @@
             </a:endParaRPr>
           </a:p>
           <a:p>
-            <a:pPr lvl="3" marL="1262520" indent="-456480">
+            <a:pPr lvl="3" marL="1262520" indent="-456120">
               <a:lnSpc>
                 <a:spcPct val="100000"/>
               </a:lnSpc>
@@ -7134,7 +7040,7 @@
             </a:endParaRPr>
           </a:p>
           <a:p>
-            <a:pPr lvl="3" marL="1262520" indent="-456480">
+            <a:pPr lvl="3" marL="1262520" indent="-456120">
               <a:lnSpc>
                 <a:spcPct val="100000"/>
               </a:lnSpc>
@@ -7231,7 +7137,7 @@
         <p:spPr>
           <a:xfrm>
             <a:off x="685800" y="120960"/>
-            <a:ext cx="7769880" cy="1428840"/>
+            <a:ext cx="7769520" cy="1428480"/>
           </a:xfrm>
           <a:prstGeom prst="rect">
             <a:avLst/>
@@ -7293,7 +7199,7 @@
         <p:spPr>
           <a:xfrm>
             <a:off x="685800" y="1869120"/>
-            <a:ext cx="7769880" cy="4255920"/>
+            <a:ext cx="7769520" cy="4255560"/>
           </a:xfrm>
           <a:prstGeom prst="rect">
             <a:avLst/>
@@ -7312,7 +7218,7 @@
         <p:txBody>
           <a:bodyPr lIns="90000" rIns="90000" tIns="45000" bIns="45000"/>
           <a:p>
-            <a:pPr marL="343440" indent="-342360">
+            <a:pPr marL="343440" indent="-342000">
               <a:lnSpc>
                 <a:spcPct val="100000"/>
               </a:lnSpc>
@@ -7350,7 +7256,7 @@
             </a:endParaRPr>
           </a:p>
           <a:p>
-            <a:pPr lvl="3" marL="1262520" indent="-456480">
+            <a:pPr lvl="3" marL="1262520" indent="-456120">
               <a:lnSpc>
                 <a:spcPct val="100000"/>
               </a:lnSpc>
@@ -7406,7 +7312,7 @@
             </a:endParaRPr>
           </a:p>
           <a:p>
-            <a:pPr lvl="3" marL="1262520" indent="-456480">
+            <a:pPr lvl="3" marL="1262520" indent="-456120">
               <a:lnSpc>
                 <a:spcPct val="100000"/>
               </a:lnSpc>
@@ -7462,7 +7368,7 @@
             </a:endParaRPr>
           </a:p>
           <a:p>
-            <a:pPr lvl="3" marL="1262520" indent="-456480">
+            <a:pPr lvl="3" marL="1262520" indent="-456120">
               <a:lnSpc>
                 <a:spcPct val="100000"/>
               </a:lnSpc>
@@ -7577,7 +7483,7 @@
         <p:spPr>
           <a:xfrm>
             <a:off x="685800" y="120960"/>
-            <a:ext cx="7769880" cy="1428840"/>
+            <a:ext cx="7769520" cy="1428480"/>
           </a:xfrm>
           <a:prstGeom prst="rect">
             <a:avLst/>
@@ -7643,7 +7549,7 @@
         <p:spPr>
           <a:xfrm>
             <a:off x="1654920" y="1389960"/>
-            <a:ext cx="5421240" cy="5064840"/>
+            <a:ext cx="5420880" cy="5064480"/>
           </a:xfrm>
           <a:prstGeom prst="rect">
             <a:avLst/>

--- a/Power Point Presentation.pptx
+++ b/Power Point Presentation.pptx
@@ -1,32 +1,132 @@
 
 <file path=ppt/presentation.xml><?xml version="1.0" encoding="utf-8"?>
-<p:presentation xmlns:a="http://schemas.openxmlformats.org/drawingml/2006/main" xmlns:p="http://schemas.openxmlformats.org/presentationml/2006/main" xmlns:r="http://schemas.openxmlformats.org/officeDocument/2006/relationships">
+<p:presentation xmlns:a="http://schemas.openxmlformats.org/drawingml/2006/main" xmlns:r="http://schemas.openxmlformats.org/officeDocument/2006/relationships" xmlns:p="http://schemas.openxmlformats.org/presentationml/2006/main">
   <p:sldMasterIdLst>
-    <p:sldMasterId id="2147483648" r:id="rId2"/>
-    <p:sldMasterId id="2147483661" r:id="rId3"/>
+    <p:sldMasterId id="2147483648" r:id="rId1"/>
+    <p:sldMasterId id="2147483661" r:id="rId2"/>
   </p:sldMasterIdLst>
   <p:notesMasterIdLst>
-    <p:notesMasterId r:id="rId4"/>
+    <p:notesMasterId r:id="rId12"/>
   </p:notesMasterIdLst>
   <p:sldIdLst>
-    <p:sldId id="256" r:id="rId5"/>
-    <p:sldId id="257" r:id="rId6"/>
-    <p:sldId id="258" r:id="rId7"/>
-    <p:sldId id="259" r:id="rId8"/>
-    <p:sldId id="260" r:id="rId9"/>
-    <p:sldId id="261" r:id="rId10"/>
-    <p:sldId id="262" r:id="rId11"/>
-    <p:sldId id="263" r:id="rId12"/>
-    <p:sldId id="264" r:id="rId13"/>
+    <p:sldId id="256" r:id="rId3"/>
+    <p:sldId id="257" r:id="rId4"/>
+    <p:sldId id="258" r:id="rId5"/>
+    <p:sldId id="259" r:id="rId6"/>
+    <p:sldId id="260" r:id="rId7"/>
+    <p:sldId id="261" r:id="rId8"/>
+    <p:sldId id="262" r:id="rId9"/>
+    <p:sldId id="263" r:id="rId10"/>
+    <p:sldId id="264" r:id="rId11"/>
   </p:sldIdLst>
-  <p:sldSz cx="9144000" cy="6858000"/>
+  <p:sldSz cx="9144000" cy="6858000" type="screen4x3"/>
   <p:notesSz cx="6858000" cy="9144000"/>
+  <p:defaultTextStyle>
+    <a:defPPr>
+      <a:defRPr lang="en-US"/>
+    </a:defPPr>
+    <a:lvl1pPr marL="0" algn="l" defTabSz="914400" rtl="0" eaLnBrk="1" latinLnBrk="0" hangingPunct="1">
+      <a:defRPr sz="1800" kern="1200">
+        <a:solidFill>
+          <a:schemeClr val="tx1"/>
+        </a:solidFill>
+        <a:latin typeface="+mn-lt"/>
+        <a:ea typeface="+mn-ea"/>
+        <a:cs typeface="+mn-cs"/>
+      </a:defRPr>
+    </a:lvl1pPr>
+    <a:lvl2pPr marL="457200" algn="l" defTabSz="914400" rtl="0" eaLnBrk="1" latinLnBrk="0" hangingPunct="1">
+      <a:defRPr sz="1800" kern="1200">
+        <a:solidFill>
+          <a:schemeClr val="tx1"/>
+        </a:solidFill>
+        <a:latin typeface="+mn-lt"/>
+        <a:ea typeface="+mn-ea"/>
+        <a:cs typeface="+mn-cs"/>
+      </a:defRPr>
+    </a:lvl2pPr>
+    <a:lvl3pPr marL="914400" algn="l" defTabSz="914400" rtl="0" eaLnBrk="1" latinLnBrk="0" hangingPunct="1">
+      <a:defRPr sz="1800" kern="1200">
+        <a:solidFill>
+          <a:schemeClr val="tx1"/>
+        </a:solidFill>
+        <a:latin typeface="+mn-lt"/>
+        <a:ea typeface="+mn-ea"/>
+        <a:cs typeface="+mn-cs"/>
+      </a:defRPr>
+    </a:lvl3pPr>
+    <a:lvl4pPr marL="1371600" algn="l" defTabSz="914400" rtl="0" eaLnBrk="1" latinLnBrk="0" hangingPunct="1">
+      <a:defRPr sz="1800" kern="1200">
+        <a:solidFill>
+          <a:schemeClr val="tx1"/>
+        </a:solidFill>
+        <a:latin typeface="+mn-lt"/>
+        <a:ea typeface="+mn-ea"/>
+        <a:cs typeface="+mn-cs"/>
+      </a:defRPr>
+    </a:lvl4pPr>
+    <a:lvl5pPr marL="1828800" algn="l" defTabSz="914400" rtl="0" eaLnBrk="1" latinLnBrk="0" hangingPunct="1">
+      <a:defRPr sz="1800" kern="1200">
+        <a:solidFill>
+          <a:schemeClr val="tx1"/>
+        </a:solidFill>
+        <a:latin typeface="+mn-lt"/>
+        <a:ea typeface="+mn-ea"/>
+        <a:cs typeface="+mn-cs"/>
+      </a:defRPr>
+    </a:lvl5pPr>
+    <a:lvl6pPr marL="2286000" algn="l" defTabSz="914400" rtl="0" eaLnBrk="1" latinLnBrk="0" hangingPunct="1">
+      <a:defRPr sz="1800" kern="1200">
+        <a:solidFill>
+          <a:schemeClr val="tx1"/>
+        </a:solidFill>
+        <a:latin typeface="+mn-lt"/>
+        <a:ea typeface="+mn-ea"/>
+        <a:cs typeface="+mn-cs"/>
+      </a:defRPr>
+    </a:lvl6pPr>
+    <a:lvl7pPr marL="2743200" algn="l" defTabSz="914400" rtl="0" eaLnBrk="1" latinLnBrk="0" hangingPunct="1">
+      <a:defRPr sz="1800" kern="1200">
+        <a:solidFill>
+          <a:schemeClr val="tx1"/>
+        </a:solidFill>
+        <a:latin typeface="+mn-lt"/>
+        <a:ea typeface="+mn-ea"/>
+        <a:cs typeface="+mn-cs"/>
+      </a:defRPr>
+    </a:lvl7pPr>
+    <a:lvl8pPr marL="3200400" algn="l" defTabSz="914400" rtl="0" eaLnBrk="1" latinLnBrk="0" hangingPunct="1">
+      <a:defRPr sz="1800" kern="1200">
+        <a:solidFill>
+          <a:schemeClr val="tx1"/>
+        </a:solidFill>
+        <a:latin typeface="+mn-lt"/>
+        <a:ea typeface="+mn-ea"/>
+        <a:cs typeface="+mn-cs"/>
+      </a:defRPr>
+    </a:lvl8pPr>
+    <a:lvl9pPr marL="3657600" algn="l" defTabSz="914400" rtl="0" eaLnBrk="1" latinLnBrk="0" hangingPunct="1">
+      <a:defRPr sz="1800" kern="1200">
+        <a:solidFill>
+          <a:schemeClr val="tx1"/>
+        </a:solidFill>
+        <a:latin typeface="+mn-lt"/>
+        <a:ea typeface="+mn-ea"/>
+        <a:cs typeface="+mn-cs"/>
+      </a:defRPr>
+    </a:lvl9pPr>
+  </p:defaultTextStyle>
 </p:presentation>
 </file>
 
 <file path=ppt/notesMasters/notesMaster1.xml><?xml version="1.0" encoding="utf-8"?>
-<p:notesMaster xmlns:a="http://schemas.openxmlformats.org/drawingml/2006/main" xmlns:p="http://schemas.openxmlformats.org/presentationml/2006/main" xmlns:r="http://schemas.openxmlformats.org/officeDocument/2006/relationships">
+<p:notesMaster xmlns:a="http://schemas.openxmlformats.org/drawingml/2006/main" xmlns:r="http://schemas.openxmlformats.org/officeDocument/2006/relationships" xmlns:p="http://schemas.openxmlformats.org/presentationml/2006/main">
   <p:cSld>
+    <p:bg>
+      <p:bgRef idx="1001">
+        <a:schemeClr val="bg1"/>
+      </p:bgRef>
+    </p:bg>
     <p:spTree>
       <p:nvGrpSpPr>
         <p:cNvPr id="1" name=""/>
@@ -61,33 +161,23 @@
           </a:prstGeom>
         </p:spPr>
         <p:txBody>
-          <a:bodyPr lIns="0" rIns="0" tIns="0" bIns="0"/>
+          <a:bodyPr lIns="0" tIns="0" rIns="0" bIns="0"/>
+          <a:lstStyle/>
           <a:p>
             <a:r>
-              <a:rPr lang="en-US" sz="2000" spc="-1" strike="noStrike">
+              <a:rPr lang="en-US" sz="2000" strike="noStrike" spc="-1">
                 <a:solidFill>
                   <a:srgbClr val="000000"/>
                 </a:solidFill>
                 <a:uFill>
                   <a:solidFill>
-                    <a:srgbClr val="ffffff"/>
+                    <a:srgbClr val="FFFFFF"/>
                   </a:solidFill>
                 </a:uFill>
                 <a:latin typeface="Arial"/>
               </a:rPr>
               <a:t>Click to edit the notes format</a:t>
             </a:r>
-            <a:endParaRPr lang="en-US" sz="2000" spc="-1" strike="noStrike">
-              <a:solidFill>
-                <a:srgbClr val="000000"/>
-              </a:solidFill>
-              <a:uFill>
-                <a:solidFill>
-                  <a:srgbClr val="ffffff"/>
-                </a:solidFill>
-              </a:uFill>
-              <a:latin typeface="Arial"/>
-            </a:endParaRPr>
           </a:p>
         </p:txBody>
       </p:sp>
@@ -111,33 +201,23 @@
           </a:prstGeom>
         </p:spPr>
         <p:txBody>
-          <a:bodyPr lIns="0" rIns="0" tIns="0" bIns="0"/>
+          <a:bodyPr lIns="0" tIns="0" rIns="0" bIns="0"/>
+          <a:lstStyle/>
           <a:p>
             <a:r>
-              <a:rPr lang="en-US" sz="1400" spc="-1" strike="noStrike">
+              <a:rPr lang="en-US" sz="1400" strike="noStrike" spc="-1">
                 <a:solidFill>
                   <a:srgbClr val="000000"/>
                 </a:solidFill>
                 <a:uFill>
                   <a:solidFill>
-                    <a:srgbClr val="ffffff"/>
+                    <a:srgbClr val="FFFFFF"/>
                   </a:solidFill>
                 </a:uFill>
                 <a:latin typeface="Times New Roman"/>
               </a:rPr>
               <a:t>&lt;header&gt;</a:t>
             </a:r>
-            <a:endParaRPr lang="en-US" sz="1400" spc="-1" strike="noStrike">
-              <a:solidFill>
-                <a:srgbClr val="000000"/>
-              </a:solidFill>
-              <a:uFill>
-                <a:solidFill>
-                  <a:srgbClr val="ffffff"/>
-                </a:solidFill>
-              </a:uFill>
-              <a:latin typeface="Times New Roman"/>
-            </a:endParaRPr>
           </a:p>
         </p:txBody>
       </p:sp>
@@ -161,34 +241,24 @@
           </a:prstGeom>
         </p:spPr>
         <p:txBody>
-          <a:bodyPr lIns="0" rIns="0" tIns="0" bIns="0"/>
+          <a:bodyPr lIns="0" tIns="0" rIns="0" bIns="0"/>
+          <a:lstStyle/>
           <a:p>
             <a:pPr algn="r"/>
             <a:r>
-              <a:rPr lang="en-US" sz="1400" spc="-1" strike="noStrike">
+              <a:rPr lang="en-US" sz="1400" strike="noStrike" spc="-1">
                 <a:solidFill>
                   <a:srgbClr val="000000"/>
                 </a:solidFill>
                 <a:uFill>
                   <a:solidFill>
-                    <a:srgbClr val="ffffff"/>
+                    <a:srgbClr val="FFFFFF"/>
                   </a:solidFill>
                 </a:uFill>
                 <a:latin typeface="Times New Roman"/>
               </a:rPr>
               <a:t>&lt;date/time&gt;</a:t>
             </a:r>
-            <a:endParaRPr lang="en-US" sz="1400" spc="-1" strike="noStrike">
-              <a:solidFill>
-                <a:srgbClr val="000000"/>
-              </a:solidFill>
-              <a:uFill>
-                <a:solidFill>
-                  <a:srgbClr val="ffffff"/>
-                </a:solidFill>
-              </a:uFill>
-              <a:latin typeface="Times New Roman"/>
-            </a:endParaRPr>
           </a:p>
         </p:txBody>
       </p:sp>
@@ -212,33 +282,23 @@
           </a:prstGeom>
         </p:spPr>
         <p:txBody>
-          <a:bodyPr lIns="0" rIns="0" tIns="0" bIns="0" anchor="b"/>
+          <a:bodyPr lIns="0" tIns="0" rIns="0" bIns="0" anchor="b"/>
+          <a:lstStyle/>
           <a:p>
             <a:r>
-              <a:rPr lang="en-US" sz="1400" spc="-1" strike="noStrike">
+              <a:rPr lang="en-US" sz="1400" strike="noStrike" spc="-1">
                 <a:solidFill>
                   <a:srgbClr val="000000"/>
                 </a:solidFill>
                 <a:uFill>
                   <a:solidFill>
-                    <a:srgbClr val="ffffff"/>
+                    <a:srgbClr val="FFFFFF"/>
                   </a:solidFill>
                 </a:uFill>
                 <a:latin typeface="Times New Roman"/>
               </a:rPr>
               <a:t>&lt;footer&gt;</a:t>
             </a:r>
-            <a:endParaRPr lang="en-US" sz="1400" spc="-1" strike="noStrike">
-              <a:solidFill>
-                <a:srgbClr val="000000"/>
-              </a:solidFill>
-              <a:uFill>
-                <a:solidFill>
-                  <a:srgbClr val="ffffff"/>
-                </a:solidFill>
-              </a:uFill>
-              <a:latin typeface="Times New Roman"/>
-            </a:endParaRPr>
           </a:p>
         </p:txBody>
       </p:sp>
@@ -262,30 +322,31 @@
           </a:prstGeom>
         </p:spPr>
         <p:txBody>
-          <a:bodyPr lIns="0" rIns="0" tIns="0" bIns="0" anchor="b"/>
+          <a:bodyPr lIns="0" tIns="0" rIns="0" bIns="0" anchor="b"/>
+          <a:lstStyle/>
           <a:p>
             <a:pPr algn="r"/>
             <a:fld id="{DF9E51C6-AB8C-405C-BED9-7585A92FDE8F}" type="slidenum">
-              <a:rPr lang="en-US" sz="1400" spc="-1" strike="noStrike">
+              <a:rPr lang="en-US" sz="1400" strike="noStrike" spc="-1">
                 <a:solidFill>
                   <a:srgbClr val="000000"/>
                 </a:solidFill>
                 <a:uFill>
                   <a:solidFill>
-                    <a:srgbClr val="ffffff"/>
+                    <a:srgbClr val="FFFFFF"/>
                   </a:solidFill>
                 </a:uFill>
                 <a:latin typeface="Times New Roman"/>
               </a:rPr>
-              <a:t>&lt;number&gt;</a:t>
+              <a:t>‹#›</a:t>
             </a:fld>
-            <a:endParaRPr lang="en-US" sz="1400" spc="-1" strike="noStrike">
+            <a:endParaRPr lang="en-US" sz="1400" strike="noStrike" spc="-1">
               <a:solidFill>
                 <a:srgbClr val="000000"/>
               </a:solidFill>
               <a:uFill>
                 <a:solidFill>
-                  <a:srgbClr val="ffffff"/>
+                  <a:srgbClr val="FFFFFF"/>
                 </a:solidFill>
               </a:uFill>
               <a:latin typeface="Times New Roman"/>
@@ -294,13 +355,110 @@
         </p:txBody>
       </p:sp>
     </p:spTree>
+    <p:extLst>
+      <p:ext uri="{BB962C8B-B14F-4D97-AF65-F5344CB8AC3E}">
+        <p14:creationId xmlns:p14="http://schemas.microsoft.com/office/powerpoint/2010/main" val="3321870661"/>
+      </p:ext>
+    </p:extLst>
   </p:cSld>
-  <p:clrMap bg1="lt1" bg2="lt2" tx1="dk1" tx2="dk2" accent1="accent1" accent2="accent2" accent3="accent3" accent4="accent4" accent5="accent5" accent6="accent6" hlink="hlink" folHlink="folHlink"/>
+  <p:clrMap bg1="lt1" tx1="dk1" bg2="lt2" tx2="dk2" accent1="accent1" accent2="accent2" accent3="accent3" accent4="accent4" accent5="accent5" accent6="accent6" hlink="hlink" folHlink="folHlink"/>
+  <p:notesStyle>
+    <a:lvl1pPr marL="0" algn="l" defTabSz="914400" rtl="0" eaLnBrk="1" latinLnBrk="0" hangingPunct="1">
+      <a:defRPr sz="1200" kern="1200">
+        <a:solidFill>
+          <a:schemeClr val="tx1"/>
+        </a:solidFill>
+        <a:latin typeface="+mn-lt"/>
+        <a:ea typeface="+mn-ea"/>
+        <a:cs typeface="+mn-cs"/>
+      </a:defRPr>
+    </a:lvl1pPr>
+    <a:lvl2pPr marL="457200" algn="l" defTabSz="914400" rtl="0" eaLnBrk="1" latinLnBrk="0" hangingPunct="1">
+      <a:defRPr sz="1200" kern="1200">
+        <a:solidFill>
+          <a:schemeClr val="tx1"/>
+        </a:solidFill>
+        <a:latin typeface="+mn-lt"/>
+        <a:ea typeface="+mn-ea"/>
+        <a:cs typeface="+mn-cs"/>
+      </a:defRPr>
+    </a:lvl2pPr>
+    <a:lvl3pPr marL="914400" algn="l" defTabSz="914400" rtl="0" eaLnBrk="1" latinLnBrk="0" hangingPunct="1">
+      <a:defRPr sz="1200" kern="1200">
+        <a:solidFill>
+          <a:schemeClr val="tx1"/>
+        </a:solidFill>
+        <a:latin typeface="+mn-lt"/>
+        <a:ea typeface="+mn-ea"/>
+        <a:cs typeface="+mn-cs"/>
+      </a:defRPr>
+    </a:lvl3pPr>
+    <a:lvl4pPr marL="1371600" algn="l" defTabSz="914400" rtl="0" eaLnBrk="1" latinLnBrk="0" hangingPunct="1">
+      <a:defRPr sz="1200" kern="1200">
+        <a:solidFill>
+          <a:schemeClr val="tx1"/>
+        </a:solidFill>
+        <a:latin typeface="+mn-lt"/>
+        <a:ea typeface="+mn-ea"/>
+        <a:cs typeface="+mn-cs"/>
+      </a:defRPr>
+    </a:lvl4pPr>
+    <a:lvl5pPr marL="1828800" algn="l" defTabSz="914400" rtl="0" eaLnBrk="1" latinLnBrk="0" hangingPunct="1">
+      <a:defRPr sz="1200" kern="1200">
+        <a:solidFill>
+          <a:schemeClr val="tx1"/>
+        </a:solidFill>
+        <a:latin typeface="+mn-lt"/>
+        <a:ea typeface="+mn-ea"/>
+        <a:cs typeface="+mn-cs"/>
+      </a:defRPr>
+    </a:lvl5pPr>
+    <a:lvl6pPr marL="2286000" algn="l" defTabSz="914400" rtl="0" eaLnBrk="1" latinLnBrk="0" hangingPunct="1">
+      <a:defRPr sz="1200" kern="1200">
+        <a:solidFill>
+          <a:schemeClr val="tx1"/>
+        </a:solidFill>
+        <a:latin typeface="+mn-lt"/>
+        <a:ea typeface="+mn-ea"/>
+        <a:cs typeface="+mn-cs"/>
+      </a:defRPr>
+    </a:lvl6pPr>
+    <a:lvl7pPr marL="2743200" algn="l" defTabSz="914400" rtl="0" eaLnBrk="1" latinLnBrk="0" hangingPunct="1">
+      <a:defRPr sz="1200" kern="1200">
+        <a:solidFill>
+          <a:schemeClr val="tx1"/>
+        </a:solidFill>
+        <a:latin typeface="+mn-lt"/>
+        <a:ea typeface="+mn-ea"/>
+        <a:cs typeface="+mn-cs"/>
+      </a:defRPr>
+    </a:lvl7pPr>
+    <a:lvl8pPr marL="3200400" algn="l" defTabSz="914400" rtl="0" eaLnBrk="1" latinLnBrk="0" hangingPunct="1">
+      <a:defRPr sz="1200" kern="1200">
+        <a:solidFill>
+          <a:schemeClr val="tx1"/>
+        </a:solidFill>
+        <a:latin typeface="+mn-lt"/>
+        <a:ea typeface="+mn-ea"/>
+        <a:cs typeface="+mn-cs"/>
+      </a:defRPr>
+    </a:lvl8pPr>
+    <a:lvl9pPr marL="3657600" algn="l" defTabSz="914400" rtl="0" eaLnBrk="1" latinLnBrk="0" hangingPunct="1">
+      <a:defRPr sz="1200" kern="1200">
+        <a:solidFill>
+          <a:schemeClr val="tx1"/>
+        </a:solidFill>
+        <a:latin typeface="+mn-lt"/>
+        <a:ea typeface="+mn-ea"/>
+        <a:cs typeface="+mn-cs"/>
+      </a:defRPr>
+    </a:lvl9pPr>
+  </p:notesStyle>
 </p:notesMaster>
 </file>
 
-<file path=ppt/notesSlides/notesSlide3.xml><?xml version="1.0" encoding="utf-8"?>
-<p:notes xmlns:a="http://schemas.openxmlformats.org/drawingml/2006/main" xmlns:p="http://schemas.openxmlformats.org/presentationml/2006/main" xmlns:r="http://schemas.openxmlformats.org/officeDocument/2006/relationships">
+<file path=ppt/notesSlides/notesSlide1.xml><?xml version="1.0" encoding="utf-8"?>
+<p:notes xmlns:a="http://schemas.openxmlformats.org/drawingml/2006/main" xmlns:r="http://schemas.openxmlformats.org/officeDocument/2006/relationships" xmlns:p="http://schemas.openxmlformats.org/presentationml/2006/main">
   <p:cSld>
     <p:spTree>
       <p:nvGrpSpPr>
@@ -336,7 +494,8 @@
           </a:prstGeom>
         </p:spPr>
         <p:txBody>
-          <a:bodyPr lIns="0" rIns="0" tIns="0" bIns="0"/>
+          <a:bodyPr lIns="0" tIns="0" rIns="0" bIns="0"/>
+          <a:lstStyle/>
           <a:p>
             <a:pPr marL="216000" indent="-215640">
               <a:lnSpc>
@@ -344,30 +503,19 @@
               </a:lnSpc>
             </a:pPr>
             <a:r>
-              <a:rPr lang="en-US" sz="2000" spc="-1" strike="noStrike">
+              <a:rPr lang="en-US" sz="2000" strike="noStrike" spc="-1">
                 <a:solidFill>
                   <a:srgbClr val="000000"/>
                 </a:solidFill>
                 <a:uFill>
                   <a:solidFill>
-                    <a:srgbClr val="ffffff"/>
+                    <a:srgbClr val="FFFFFF"/>
                   </a:solidFill>
                 </a:uFill>
                 <a:latin typeface="Arial"/>
               </a:rPr>
               <a:t>GOALS: To play the game during downtime, to be entertained and to win the game. </a:t>
             </a:r>
-            <a:endParaRPr lang="en-US" sz="2000" spc="-1" strike="noStrike">
-              <a:solidFill>
-                <a:srgbClr val="000000"/>
-              </a:solidFill>
-              <a:uFill>
-                <a:solidFill>
-                  <a:srgbClr val="ffffff"/>
-                </a:solidFill>
-              </a:uFill>
-              <a:latin typeface="Arial"/>
-            </a:endParaRPr>
           </a:p>
           <a:p>
             <a:pPr marL="216000" indent="-215640">
@@ -376,30 +524,19 @@
               </a:lnSpc>
             </a:pPr>
             <a:r>
-              <a:rPr lang="en-US" sz="2000" spc="-1" strike="noStrike">
+              <a:rPr lang="en-US" sz="2000" strike="noStrike" spc="-1">
                 <a:solidFill>
                   <a:srgbClr val="000000"/>
                 </a:solidFill>
                 <a:uFill>
                   <a:solidFill>
-                    <a:srgbClr val="ffffff"/>
+                    <a:srgbClr val="FFFFFF"/>
                   </a:solidFill>
                 </a:uFill>
                 <a:latin typeface="Arial"/>
               </a:rPr>
               <a:t>TASKS: </a:t>
             </a:r>
-            <a:endParaRPr lang="en-US" sz="2000" spc="-1" strike="noStrike">
-              <a:solidFill>
-                <a:srgbClr val="000000"/>
-              </a:solidFill>
-              <a:uFill>
-                <a:solidFill>
-                  <a:srgbClr val="ffffff"/>
-                </a:solidFill>
-              </a:uFill>
-              <a:latin typeface="Arial"/>
-            </a:endParaRPr>
           </a:p>
           <a:p>
             <a:pPr marL="216000" indent="-215640">
@@ -407,13 +544,13 @@
                 <a:spcPct val="100000"/>
               </a:lnSpc>
             </a:pPr>
-            <a:endParaRPr lang="en-US" sz="2000" spc="-1" strike="noStrike">
+            <a:endParaRPr lang="en-US" sz="2000" strike="noStrike" spc="-1">
               <a:solidFill>
                 <a:srgbClr val="000000"/>
               </a:solidFill>
               <a:uFill>
                 <a:solidFill>
-                  <a:srgbClr val="ffffff"/>
+                  <a:srgbClr val="FFFFFF"/>
                 </a:solidFill>
               </a:uFill>
               <a:latin typeface="Arial"/>
@@ -441,13 +578,20 @@
           </a:ln>
         </p:spPr>
         <p:style>
-          <a:lnRef idx="0"/>
-          <a:fillRef idx="0"/>
-          <a:effectRef idx="0"/>
+          <a:lnRef idx="0">
+            <a:scrgbClr r="0" g="0" b="0"/>
+          </a:lnRef>
+          <a:fillRef idx="0">
+            <a:scrgbClr r="0" g="0" b="0"/>
+          </a:fillRef>
+          <a:effectRef idx="0">
+            <a:scrgbClr r="0" g="0" b="0"/>
+          </a:effectRef>
           <a:fontRef idx="minor"/>
         </p:style>
         <p:txBody>
-          <a:bodyPr lIns="90000" rIns="90000" tIns="45000" bIns="45000" anchor="b"/>
+          <a:bodyPr lIns="90000" tIns="45000" rIns="90000" bIns="45000" anchor="b"/>
+          <a:lstStyle/>
           <a:p>
             <a:pPr algn="r">
               <a:lnSpc>
@@ -455,27 +599,27 @@
               </a:lnSpc>
             </a:pPr>
             <a:fld id="{5109DCE1-4CA1-4804-9666-5C085ACFCEE5}" type="slidenum">
-              <a:rPr lang="en-US" sz="1200" spc="-1" strike="noStrike">
+              <a:rPr lang="en-US" sz="1200" strike="noStrike" spc="-1">
                 <a:solidFill>
                   <a:srgbClr val="000000"/>
                 </a:solidFill>
                 <a:uFill>
                   <a:solidFill>
-                    <a:srgbClr val="ffffff"/>
+                    <a:srgbClr val="FFFFFF"/>
                   </a:solidFill>
                 </a:uFill>
                 <a:latin typeface="+mn-lt"/>
                 <a:ea typeface="+mn-ea"/>
               </a:rPr>
-              <a:t>&lt;number&gt;</a:t>
+              <a:t>3</a:t>
             </a:fld>
-            <a:endParaRPr lang="en-US" sz="1800" spc="-1" strike="noStrike">
+            <a:endParaRPr lang="en-US" sz="1800" strike="noStrike" spc="-1">
               <a:solidFill>
                 <a:srgbClr val="000000"/>
               </a:solidFill>
               <a:uFill>
                 <a:solidFill>
-                  <a:srgbClr val="ffffff"/>
+                  <a:srgbClr val="FFFFFF"/>
                 </a:solidFill>
               </a:uFill>
               <a:latin typeface="Arial"/>
@@ -484,12 +628,20 @@
         </p:txBody>
       </p:sp>
     </p:spTree>
+    <p:extLst>
+      <p:ext uri="{BB962C8B-B14F-4D97-AF65-F5344CB8AC3E}">
+        <p14:creationId xmlns:p14="http://schemas.microsoft.com/office/powerpoint/2010/main" val="3826756049"/>
+      </p:ext>
+    </p:extLst>
   </p:cSld>
+  <p:clrMapOvr>
+    <a:masterClrMapping/>
+  </p:clrMapOvr>
 </p:notes>
 </file>
 
-<file path=ppt/notesSlides/notesSlide6.xml><?xml version="1.0" encoding="utf-8"?>
-<p:notes xmlns:a="http://schemas.openxmlformats.org/drawingml/2006/main" xmlns:p="http://schemas.openxmlformats.org/presentationml/2006/main" xmlns:r="http://schemas.openxmlformats.org/officeDocument/2006/relationships">
+<file path=ppt/notesSlides/notesSlide2.xml><?xml version="1.0" encoding="utf-8"?>
+<p:notes xmlns:a="http://schemas.openxmlformats.org/drawingml/2006/main" xmlns:r="http://schemas.openxmlformats.org/officeDocument/2006/relationships" xmlns:p="http://schemas.openxmlformats.org/presentationml/2006/main">
   <p:cSld>
     <p:spTree>
       <p:nvGrpSpPr>
@@ -525,7 +677,8 @@
           </a:prstGeom>
         </p:spPr>
         <p:txBody>
-          <a:bodyPr lIns="0" rIns="0" tIns="0" bIns="0"/>
+          <a:bodyPr lIns="0" tIns="0" rIns="0" bIns="0"/>
+          <a:lstStyle/>
           <a:p>
             <a:pPr marL="216000" indent="-215640">
               <a:lnSpc>
@@ -533,30 +686,19 @@
               </a:lnSpc>
             </a:pPr>
             <a:r>
-              <a:rPr lang="en-US" sz="2000" spc="-1" strike="noStrike">
+              <a:rPr lang="en-US" sz="2000" strike="noStrike" spc="-1">
                 <a:solidFill>
                   <a:srgbClr val="000000"/>
                 </a:solidFill>
                 <a:uFill>
                   <a:solidFill>
-                    <a:srgbClr val="ffffff"/>
+                    <a:srgbClr val="FFFFFF"/>
                   </a:solidFill>
                 </a:uFill>
                 <a:latin typeface="Arial"/>
               </a:rPr>
               <a:t>GOALS: To play the game during downtime, to be entertained and to win the game. </a:t>
             </a:r>
-            <a:endParaRPr lang="en-US" sz="2000" spc="-1" strike="noStrike">
-              <a:solidFill>
-                <a:srgbClr val="000000"/>
-              </a:solidFill>
-              <a:uFill>
-                <a:solidFill>
-                  <a:srgbClr val="ffffff"/>
-                </a:solidFill>
-              </a:uFill>
-              <a:latin typeface="Arial"/>
-            </a:endParaRPr>
           </a:p>
           <a:p>
             <a:pPr marL="216000" indent="-215640">
@@ -565,30 +707,19 @@
               </a:lnSpc>
             </a:pPr>
             <a:r>
-              <a:rPr lang="en-US" sz="2000" spc="-1" strike="noStrike">
+              <a:rPr lang="en-US" sz="2000" strike="noStrike" spc="-1">
                 <a:solidFill>
                   <a:srgbClr val="000000"/>
                 </a:solidFill>
                 <a:uFill>
                   <a:solidFill>
-                    <a:srgbClr val="ffffff"/>
+                    <a:srgbClr val="FFFFFF"/>
                   </a:solidFill>
                 </a:uFill>
                 <a:latin typeface="Arial"/>
               </a:rPr>
               <a:t>TASKS: </a:t>
             </a:r>
-            <a:endParaRPr lang="en-US" sz="2000" spc="-1" strike="noStrike">
-              <a:solidFill>
-                <a:srgbClr val="000000"/>
-              </a:solidFill>
-              <a:uFill>
-                <a:solidFill>
-                  <a:srgbClr val="ffffff"/>
-                </a:solidFill>
-              </a:uFill>
-              <a:latin typeface="Arial"/>
-            </a:endParaRPr>
           </a:p>
           <a:p>
             <a:pPr marL="216000" indent="-215640">
@@ -596,13 +727,13 @@
                 <a:spcPct val="100000"/>
               </a:lnSpc>
             </a:pPr>
-            <a:endParaRPr lang="en-US" sz="2000" spc="-1" strike="noStrike">
+            <a:endParaRPr lang="en-US" sz="2000" strike="noStrike" spc="-1">
               <a:solidFill>
                 <a:srgbClr val="000000"/>
               </a:solidFill>
               <a:uFill>
                 <a:solidFill>
-                  <a:srgbClr val="ffffff"/>
+                  <a:srgbClr val="FFFFFF"/>
                 </a:solidFill>
               </a:uFill>
               <a:latin typeface="Arial"/>
@@ -630,13 +761,20 @@
           </a:ln>
         </p:spPr>
         <p:style>
-          <a:lnRef idx="0"/>
-          <a:fillRef idx="0"/>
-          <a:effectRef idx="0"/>
+          <a:lnRef idx="0">
+            <a:scrgbClr r="0" g="0" b="0"/>
+          </a:lnRef>
+          <a:fillRef idx="0">
+            <a:scrgbClr r="0" g="0" b="0"/>
+          </a:fillRef>
+          <a:effectRef idx="0">
+            <a:scrgbClr r="0" g="0" b="0"/>
+          </a:effectRef>
           <a:fontRef idx="minor"/>
         </p:style>
         <p:txBody>
-          <a:bodyPr lIns="90000" rIns="90000" tIns="45000" bIns="45000" anchor="b"/>
+          <a:bodyPr lIns="90000" tIns="45000" rIns="90000" bIns="45000" anchor="b"/>
+          <a:lstStyle/>
           <a:p>
             <a:pPr algn="r">
               <a:lnSpc>
@@ -644,27 +782,27 @@
               </a:lnSpc>
             </a:pPr>
             <a:fld id="{3B287724-1ACF-4125-A17F-B3EE6D8A0358}" type="slidenum">
-              <a:rPr lang="en-US" sz="1200" spc="-1" strike="noStrike">
+              <a:rPr lang="en-US" sz="1200" strike="noStrike" spc="-1">
                 <a:solidFill>
                   <a:srgbClr val="000000"/>
                 </a:solidFill>
                 <a:uFill>
                   <a:solidFill>
-                    <a:srgbClr val="ffffff"/>
+                    <a:srgbClr val="FFFFFF"/>
                   </a:solidFill>
                 </a:uFill>
                 <a:latin typeface="+mn-lt"/>
                 <a:ea typeface="+mn-ea"/>
               </a:rPr>
-              <a:t>&lt;number&gt;</a:t>
+              <a:t>6</a:t>
             </a:fld>
-            <a:endParaRPr lang="en-US" sz="1800" spc="-1" strike="noStrike">
+            <a:endParaRPr lang="en-US" sz="1800" strike="noStrike" spc="-1">
               <a:solidFill>
                 <a:srgbClr val="000000"/>
               </a:solidFill>
               <a:uFill>
                 <a:solidFill>
-                  <a:srgbClr val="ffffff"/>
+                  <a:srgbClr val="FFFFFF"/>
                 </a:solidFill>
               </a:uFill>
               <a:latin typeface="Arial"/>
@@ -673,12 +811,20 @@
         </p:txBody>
       </p:sp>
     </p:spTree>
+    <p:extLst>
+      <p:ext uri="{BB962C8B-B14F-4D97-AF65-F5344CB8AC3E}">
+        <p14:creationId xmlns:p14="http://schemas.microsoft.com/office/powerpoint/2010/main" val="1936606208"/>
+      </p:ext>
+    </p:extLst>
   </p:cSld>
+  <p:clrMapOvr>
+    <a:masterClrMapping/>
+  </p:clrMapOvr>
 </p:notes>
 </file>
 
-<file path=ppt/notesSlides/notesSlide7.xml><?xml version="1.0" encoding="utf-8"?>
-<p:notes xmlns:a="http://schemas.openxmlformats.org/drawingml/2006/main" xmlns:p="http://schemas.openxmlformats.org/presentationml/2006/main" xmlns:r="http://schemas.openxmlformats.org/officeDocument/2006/relationships">
+<file path=ppt/notesSlides/notesSlide3.xml><?xml version="1.0" encoding="utf-8"?>
+<p:notes xmlns:a="http://schemas.openxmlformats.org/drawingml/2006/main" xmlns:r="http://schemas.openxmlformats.org/officeDocument/2006/relationships" xmlns:p="http://schemas.openxmlformats.org/presentationml/2006/main">
   <p:cSld>
     <p:spTree>
       <p:nvGrpSpPr>
@@ -714,7 +860,8 @@
           </a:prstGeom>
         </p:spPr>
         <p:txBody>
-          <a:bodyPr lIns="0" rIns="0" tIns="0" bIns="0"/>
+          <a:bodyPr lIns="0" tIns="0" rIns="0" bIns="0"/>
+          <a:lstStyle/>
           <a:p>
             <a:pPr marL="216000" indent="-215640">
               <a:lnSpc>
@@ -722,30 +869,19 @@
               </a:lnSpc>
             </a:pPr>
             <a:r>
-              <a:rPr lang="en-US" sz="2000" spc="-1" strike="noStrike">
+              <a:rPr lang="en-US" sz="2000" strike="noStrike" spc="-1">
                 <a:solidFill>
                   <a:srgbClr val="000000"/>
                 </a:solidFill>
                 <a:uFill>
                   <a:solidFill>
-                    <a:srgbClr val="ffffff"/>
+                    <a:srgbClr val="FFFFFF"/>
                   </a:solidFill>
                 </a:uFill>
                 <a:latin typeface="Arial"/>
               </a:rPr>
               <a:t>GOALS: To play the game during downtime, to be entertained and to win the game. </a:t>
             </a:r>
-            <a:endParaRPr lang="en-US" sz="2000" spc="-1" strike="noStrike">
-              <a:solidFill>
-                <a:srgbClr val="000000"/>
-              </a:solidFill>
-              <a:uFill>
-                <a:solidFill>
-                  <a:srgbClr val="ffffff"/>
-                </a:solidFill>
-              </a:uFill>
-              <a:latin typeface="Arial"/>
-            </a:endParaRPr>
           </a:p>
           <a:p>
             <a:pPr marL="216000" indent="-215640">
@@ -754,30 +890,19 @@
               </a:lnSpc>
             </a:pPr>
             <a:r>
-              <a:rPr lang="en-US" sz="2000" spc="-1" strike="noStrike">
+              <a:rPr lang="en-US" sz="2000" strike="noStrike" spc="-1">
                 <a:solidFill>
                   <a:srgbClr val="000000"/>
                 </a:solidFill>
                 <a:uFill>
                   <a:solidFill>
-                    <a:srgbClr val="ffffff"/>
+                    <a:srgbClr val="FFFFFF"/>
                   </a:solidFill>
                 </a:uFill>
                 <a:latin typeface="Arial"/>
               </a:rPr>
               <a:t>TASKS: </a:t>
             </a:r>
-            <a:endParaRPr lang="en-US" sz="2000" spc="-1" strike="noStrike">
-              <a:solidFill>
-                <a:srgbClr val="000000"/>
-              </a:solidFill>
-              <a:uFill>
-                <a:solidFill>
-                  <a:srgbClr val="ffffff"/>
-                </a:solidFill>
-              </a:uFill>
-              <a:latin typeface="Arial"/>
-            </a:endParaRPr>
           </a:p>
           <a:p>
             <a:pPr marL="216000" indent="-215640">
@@ -785,13 +910,13 @@
                 <a:spcPct val="100000"/>
               </a:lnSpc>
             </a:pPr>
-            <a:endParaRPr lang="en-US" sz="2000" spc="-1" strike="noStrike">
+            <a:endParaRPr lang="en-US" sz="2000" strike="noStrike" spc="-1">
               <a:solidFill>
                 <a:srgbClr val="000000"/>
               </a:solidFill>
               <a:uFill>
                 <a:solidFill>
-                  <a:srgbClr val="ffffff"/>
+                  <a:srgbClr val="FFFFFF"/>
                 </a:solidFill>
               </a:uFill>
               <a:latin typeface="Arial"/>
@@ -819,13 +944,20 @@
           </a:ln>
         </p:spPr>
         <p:style>
-          <a:lnRef idx="0"/>
-          <a:fillRef idx="0"/>
-          <a:effectRef idx="0"/>
+          <a:lnRef idx="0">
+            <a:scrgbClr r="0" g="0" b="0"/>
+          </a:lnRef>
+          <a:fillRef idx="0">
+            <a:scrgbClr r="0" g="0" b="0"/>
+          </a:fillRef>
+          <a:effectRef idx="0">
+            <a:scrgbClr r="0" g="0" b="0"/>
+          </a:effectRef>
           <a:fontRef idx="minor"/>
         </p:style>
         <p:txBody>
-          <a:bodyPr lIns="90000" rIns="90000" tIns="45000" bIns="45000" anchor="b"/>
+          <a:bodyPr lIns="90000" tIns="45000" rIns="90000" bIns="45000" anchor="b"/>
+          <a:lstStyle/>
           <a:p>
             <a:pPr algn="r">
               <a:lnSpc>
@@ -833,27 +965,27 @@
               </a:lnSpc>
             </a:pPr>
             <a:fld id="{8C5B90C0-C8DE-45C4-995F-CC25AE562E55}" type="slidenum">
-              <a:rPr lang="en-US" sz="1200" spc="-1" strike="noStrike">
+              <a:rPr lang="en-US" sz="1200" strike="noStrike" spc="-1">
                 <a:solidFill>
                   <a:srgbClr val="000000"/>
                 </a:solidFill>
                 <a:uFill>
                   <a:solidFill>
-                    <a:srgbClr val="ffffff"/>
+                    <a:srgbClr val="FFFFFF"/>
                   </a:solidFill>
                 </a:uFill>
                 <a:latin typeface="+mn-lt"/>
                 <a:ea typeface="+mn-ea"/>
               </a:rPr>
-              <a:t>&lt;number&gt;</a:t>
+              <a:t>7</a:t>
             </a:fld>
-            <a:endParaRPr lang="en-US" sz="1800" spc="-1" strike="noStrike">
+            <a:endParaRPr lang="en-US" sz="1800" strike="noStrike" spc="-1">
               <a:solidFill>
                 <a:srgbClr val="000000"/>
               </a:solidFill>
               <a:uFill>
                 <a:solidFill>
-                  <a:srgbClr val="ffffff"/>
+                  <a:srgbClr val="FFFFFF"/>
                 </a:solidFill>
               </a:uFill>
               <a:latin typeface="Arial"/>
@@ -862,12 +994,20 @@
         </p:txBody>
       </p:sp>
     </p:spTree>
+    <p:extLst>
+      <p:ext uri="{BB962C8B-B14F-4D97-AF65-F5344CB8AC3E}">
+        <p14:creationId xmlns:p14="http://schemas.microsoft.com/office/powerpoint/2010/main" val="884265929"/>
+      </p:ext>
+    </p:extLst>
   </p:cSld>
+  <p:clrMapOvr>
+    <a:masterClrMapping/>
+  </p:clrMapOvr>
 </p:notes>
 </file>
 
 <file path=ppt/slideLayouts/slideLayout1.xml><?xml version="1.0" encoding="utf-8"?>
-<p:sldLayout xmlns:a="http://schemas.openxmlformats.org/drawingml/2006/main" xmlns:p="http://schemas.openxmlformats.org/presentationml/2006/main" xmlns:r="http://schemas.openxmlformats.org/officeDocument/2006/relationships" type="blank" preserve="1">
+<p:sldLayout xmlns:a="http://schemas.openxmlformats.org/drawingml/2006/main" xmlns:r="http://schemas.openxmlformats.org/officeDocument/2006/relationships" xmlns:p="http://schemas.openxmlformats.org/presentationml/2006/main" type="blank" preserve="1">
   <p:cSld name="Blank Slide">
     <p:spTree>
       <p:nvGrpSpPr>
@@ -885,11 +1025,14 @@
       </p:grpSpPr>
     </p:spTree>
   </p:cSld>
+  <p:clrMapOvr>
+    <a:masterClrMapping/>
+  </p:clrMapOvr>
 </p:sldLayout>
 </file>
 
 <file path=ppt/slideLayouts/slideLayout10.xml><?xml version="1.0" encoding="utf-8"?>
-<p:sldLayout xmlns:a="http://schemas.openxmlformats.org/drawingml/2006/main" xmlns:p="http://schemas.openxmlformats.org/presentationml/2006/main" xmlns:r="http://schemas.openxmlformats.org/officeDocument/2006/relationships" type="objOverTx" preserve="1">
+<p:sldLayout xmlns:a="http://schemas.openxmlformats.org/drawingml/2006/main" xmlns:r="http://schemas.openxmlformats.org/officeDocument/2006/relationships" xmlns:p="http://schemas.openxmlformats.org/presentationml/2006/main" type="objOverTx" preserve="1">
   <p:cSld name="Title, Content over Content">
     <p:spTree>
       <p:nvGrpSpPr>
@@ -925,16 +1068,17 @@
           </a:prstGeom>
         </p:spPr>
         <p:txBody>
-          <a:bodyPr lIns="0" rIns="0" tIns="0" bIns="0" anchor="ctr"/>
+          <a:bodyPr lIns="0" tIns="0" rIns="0" bIns="0" anchor="ctr"/>
+          <a:lstStyle/>
           <a:p>
             <a:pPr algn="ctr"/>
-            <a:endParaRPr lang="en-US" sz="4400" spc="-1" strike="noStrike">
-              <a:solidFill>
-                <a:srgbClr val="ffffff"/>
-              </a:solidFill>
-              <a:uFill>
-                <a:solidFill>
-                  <a:srgbClr val="ffffff"/>
+            <a:endParaRPr lang="en-US" sz="4400" strike="noStrike" spc="-1">
+              <a:solidFill>
+                <a:srgbClr val="FFFFFF"/>
+              </a:solidFill>
+              <a:uFill>
+                <a:solidFill>
+                  <a:srgbClr val="FFFFFF"/>
                 </a:solidFill>
               </a:uFill>
               <a:latin typeface="Arial"/>
@@ -962,15 +1106,16 @@
           </a:prstGeom>
         </p:spPr>
         <p:txBody>
-          <a:bodyPr lIns="0" rIns="0" tIns="0" bIns="0"/>
-          <a:p>
-            <a:endParaRPr lang="en-US" sz="3200" spc="-1" strike="noStrike">
-              <a:solidFill>
-                <a:srgbClr val="ffffff"/>
-              </a:solidFill>
-              <a:uFill>
-                <a:solidFill>
-                  <a:srgbClr val="ffffff"/>
+          <a:bodyPr lIns="0" tIns="0" rIns="0" bIns="0"/>
+          <a:lstStyle/>
+          <a:p>
+            <a:endParaRPr lang="en-US" sz="3200" strike="noStrike" spc="-1">
+              <a:solidFill>
+                <a:srgbClr val="FFFFFF"/>
+              </a:solidFill>
+              <a:uFill>
+                <a:solidFill>
+                  <a:srgbClr val="FFFFFF"/>
                 </a:solidFill>
               </a:uFill>
               <a:latin typeface="Arial"/>
@@ -998,15 +1143,16 @@
           </a:prstGeom>
         </p:spPr>
         <p:txBody>
-          <a:bodyPr lIns="0" rIns="0" tIns="0" bIns="0"/>
-          <a:p>
-            <a:endParaRPr lang="en-US" sz="3200" spc="-1" strike="noStrike">
-              <a:solidFill>
-                <a:srgbClr val="ffffff"/>
-              </a:solidFill>
-              <a:uFill>
-                <a:solidFill>
-                  <a:srgbClr val="ffffff"/>
+          <a:bodyPr lIns="0" tIns="0" rIns="0" bIns="0"/>
+          <a:lstStyle/>
+          <a:p>
+            <a:endParaRPr lang="en-US" sz="3200" strike="noStrike" spc="-1">
+              <a:solidFill>
+                <a:srgbClr val="FFFFFF"/>
+              </a:solidFill>
+              <a:uFill>
+                <a:solidFill>
+                  <a:srgbClr val="FFFFFF"/>
                 </a:solidFill>
               </a:uFill>
               <a:latin typeface="Arial"/>
@@ -1016,11 +1162,14 @@
       </p:sp>
     </p:spTree>
   </p:cSld>
+  <p:clrMapOvr>
+    <a:masterClrMapping/>
+  </p:clrMapOvr>
 </p:sldLayout>
 </file>
 
 <file path=ppt/slideLayouts/slideLayout11.xml><?xml version="1.0" encoding="utf-8"?>
-<p:sldLayout xmlns:a="http://schemas.openxmlformats.org/drawingml/2006/main" xmlns:p="http://schemas.openxmlformats.org/presentationml/2006/main" xmlns:r="http://schemas.openxmlformats.org/officeDocument/2006/relationships" type="fourObj" preserve="1">
+<p:sldLayout xmlns:a="http://schemas.openxmlformats.org/drawingml/2006/main" xmlns:r="http://schemas.openxmlformats.org/officeDocument/2006/relationships" xmlns:p="http://schemas.openxmlformats.org/presentationml/2006/main" type="fourObj" preserve="1">
   <p:cSld name="Title, 4 Content">
     <p:spTree>
       <p:nvGrpSpPr>
@@ -1056,16 +1205,17 @@
           </a:prstGeom>
         </p:spPr>
         <p:txBody>
-          <a:bodyPr lIns="0" rIns="0" tIns="0" bIns="0" anchor="ctr"/>
+          <a:bodyPr lIns="0" tIns="0" rIns="0" bIns="0" anchor="ctr"/>
+          <a:lstStyle/>
           <a:p>
             <a:pPr algn="ctr"/>
-            <a:endParaRPr lang="en-US" sz="4400" spc="-1" strike="noStrike">
-              <a:solidFill>
-                <a:srgbClr val="ffffff"/>
-              </a:solidFill>
-              <a:uFill>
-                <a:solidFill>
-                  <a:srgbClr val="ffffff"/>
+            <a:endParaRPr lang="en-US" sz="4400" strike="noStrike" spc="-1">
+              <a:solidFill>
+                <a:srgbClr val="FFFFFF"/>
+              </a:solidFill>
+              <a:uFill>
+                <a:solidFill>
+                  <a:srgbClr val="FFFFFF"/>
                 </a:solidFill>
               </a:uFill>
               <a:latin typeface="Arial"/>
@@ -1093,15 +1243,16 @@
           </a:prstGeom>
         </p:spPr>
         <p:txBody>
-          <a:bodyPr lIns="0" rIns="0" tIns="0" bIns="0"/>
-          <a:p>
-            <a:endParaRPr lang="en-US" sz="3200" spc="-1" strike="noStrike">
-              <a:solidFill>
-                <a:srgbClr val="ffffff"/>
-              </a:solidFill>
-              <a:uFill>
-                <a:solidFill>
-                  <a:srgbClr val="ffffff"/>
+          <a:bodyPr lIns="0" tIns="0" rIns="0" bIns="0"/>
+          <a:lstStyle/>
+          <a:p>
+            <a:endParaRPr lang="en-US" sz="3200" strike="noStrike" spc="-1">
+              <a:solidFill>
+                <a:srgbClr val="FFFFFF"/>
+              </a:solidFill>
+              <a:uFill>
+                <a:solidFill>
+                  <a:srgbClr val="FFFFFF"/>
                 </a:solidFill>
               </a:uFill>
               <a:latin typeface="Arial"/>
@@ -1129,15 +1280,16 @@
           </a:prstGeom>
         </p:spPr>
         <p:txBody>
-          <a:bodyPr lIns="0" rIns="0" tIns="0" bIns="0"/>
-          <a:p>
-            <a:endParaRPr lang="en-US" sz="3200" spc="-1" strike="noStrike">
-              <a:solidFill>
-                <a:srgbClr val="ffffff"/>
-              </a:solidFill>
-              <a:uFill>
-                <a:solidFill>
-                  <a:srgbClr val="ffffff"/>
+          <a:bodyPr lIns="0" tIns="0" rIns="0" bIns="0"/>
+          <a:lstStyle/>
+          <a:p>
+            <a:endParaRPr lang="en-US" sz="3200" strike="noStrike" spc="-1">
+              <a:solidFill>
+                <a:srgbClr val="FFFFFF"/>
+              </a:solidFill>
+              <a:uFill>
+                <a:solidFill>
+                  <a:srgbClr val="FFFFFF"/>
                 </a:solidFill>
               </a:uFill>
               <a:latin typeface="Arial"/>
@@ -1165,15 +1317,16 @@
           </a:prstGeom>
         </p:spPr>
         <p:txBody>
-          <a:bodyPr lIns="0" rIns="0" tIns="0" bIns="0"/>
-          <a:p>
-            <a:endParaRPr lang="en-US" sz="3200" spc="-1" strike="noStrike">
-              <a:solidFill>
-                <a:srgbClr val="ffffff"/>
-              </a:solidFill>
-              <a:uFill>
-                <a:solidFill>
-                  <a:srgbClr val="ffffff"/>
+          <a:bodyPr lIns="0" tIns="0" rIns="0" bIns="0"/>
+          <a:lstStyle/>
+          <a:p>
+            <a:endParaRPr lang="en-US" sz="3200" strike="noStrike" spc="-1">
+              <a:solidFill>
+                <a:srgbClr val="FFFFFF"/>
+              </a:solidFill>
+              <a:uFill>
+                <a:solidFill>
+                  <a:srgbClr val="FFFFFF"/>
                 </a:solidFill>
               </a:uFill>
               <a:latin typeface="Arial"/>
@@ -1201,15 +1354,16 @@
           </a:prstGeom>
         </p:spPr>
         <p:txBody>
-          <a:bodyPr lIns="0" rIns="0" tIns="0" bIns="0"/>
-          <a:p>
-            <a:endParaRPr lang="en-US" sz="3200" spc="-1" strike="noStrike">
-              <a:solidFill>
-                <a:srgbClr val="ffffff"/>
-              </a:solidFill>
-              <a:uFill>
-                <a:solidFill>
-                  <a:srgbClr val="ffffff"/>
+          <a:bodyPr lIns="0" tIns="0" rIns="0" bIns="0"/>
+          <a:lstStyle/>
+          <a:p>
+            <a:endParaRPr lang="en-US" sz="3200" strike="noStrike" spc="-1">
+              <a:solidFill>
+                <a:srgbClr val="FFFFFF"/>
+              </a:solidFill>
+              <a:uFill>
+                <a:solidFill>
+                  <a:srgbClr val="FFFFFF"/>
                 </a:solidFill>
               </a:uFill>
               <a:latin typeface="Arial"/>
@@ -1219,11 +1373,14 @@
       </p:sp>
     </p:spTree>
   </p:cSld>
+  <p:clrMapOvr>
+    <a:masterClrMapping/>
+  </p:clrMapOvr>
 </p:sldLayout>
 </file>
 
 <file path=ppt/slideLayouts/slideLayout12.xml><?xml version="1.0" encoding="utf-8"?>
-<p:sldLayout xmlns:a="http://schemas.openxmlformats.org/drawingml/2006/main" xmlns:p="http://schemas.openxmlformats.org/presentationml/2006/main" xmlns:r="http://schemas.openxmlformats.org/officeDocument/2006/relationships" type="blank" preserve="1">
+<p:sldLayout xmlns:a="http://schemas.openxmlformats.org/drawingml/2006/main" xmlns:r="http://schemas.openxmlformats.org/officeDocument/2006/relationships" xmlns:p="http://schemas.openxmlformats.org/presentationml/2006/main" type="blank" preserve="1">
   <p:cSld name="Title, 6 Content">
     <p:spTree>
       <p:nvGrpSpPr>
@@ -1259,16 +1416,17 @@
           </a:prstGeom>
         </p:spPr>
         <p:txBody>
-          <a:bodyPr lIns="0" rIns="0" tIns="0" bIns="0" anchor="ctr"/>
+          <a:bodyPr lIns="0" tIns="0" rIns="0" bIns="0" anchor="ctr"/>
+          <a:lstStyle/>
           <a:p>
             <a:pPr algn="ctr"/>
-            <a:endParaRPr lang="en-US" sz="4400" spc="-1" strike="noStrike">
-              <a:solidFill>
-                <a:srgbClr val="ffffff"/>
-              </a:solidFill>
-              <a:uFill>
-                <a:solidFill>
-                  <a:srgbClr val="ffffff"/>
+            <a:endParaRPr lang="en-US" sz="4400" strike="noStrike" spc="-1">
+              <a:solidFill>
+                <a:srgbClr val="FFFFFF"/>
+              </a:solidFill>
+              <a:uFill>
+                <a:solidFill>
+                  <a:srgbClr val="FFFFFF"/>
                 </a:solidFill>
               </a:uFill>
               <a:latin typeface="Arial"/>
@@ -1296,15 +1454,16 @@
           </a:prstGeom>
         </p:spPr>
         <p:txBody>
-          <a:bodyPr lIns="0" rIns="0" tIns="0" bIns="0"/>
-          <a:p>
-            <a:endParaRPr lang="en-US" sz="3200" spc="-1" strike="noStrike">
-              <a:solidFill>
-                <a:srgbClr val="ffffff"/>
-              </a:solidFill>
-              <a:uFill>
-                <a:solidFill>
-                  <a:srgbClr val="ffffff"/>
+          <a:bodyPr lIns="0" tIns="0" rIns="0" bIns="0"/>
+          <a:lstStyle/>
+          <a:p>
+            <a:endParaRPr lang="en-US" sz="3200" strike="noStrike" spc="-1">
+              <a:solidFill>
+                <a:srgbClr val="FFFFFF"/>
+              </a:solidFill>
+              <a:uFill>
+                <a:solidFill>
+                  <a:srgbClr val="FFFFFF"/>
                 </a:solidFill>
               </a:uFill>
               <a:latin typeface="Arial"/>
@@ -1332,15 +1491,16 @@
           </a:prstGeom>
         </p:spPr>
         <p:txBody>
-          <a:bodyPr lIns="0" rIns="0" tIns="0" bIns="0"/>
-          <a:p>
-            <a:endParaRPr lang="en-US" sz="3200" spc="-1" strike="noStrike">
-              <a:solidFill>
-                <a:srgbClr val="ffffff"/>
-              </a:solidFill>
-              <a:uFill>
-                <a:solidFill>
-                  <a:srgbClr val="ffffff"/>
+          <a:bodyPr lIns="0" tIns="0" rIns="0" bIns="0"/>
+          <a:lstStyle/>
+          <a:p>
+            <a:endParaRPr lang="en-US" sz="3200" strike="noStrike" spc="-1">
+              <a:solidFill>
+                <a:srgbClr val="FFFFFF"/>
+              </a:solidFill>
+              <a:uFill>
+                <a:solidFill>
+                  <a:srgbClr val="FFFFFF"/>
                 </a:solidFill>
               </a:uFill>
               <a:latin typeface="Arial"/>
@@ -1350,7 +1510,7 @@
       </p:sp>
       <p:pic>
         <p:nvPicPr>
-          <p:cNvPr id="34" name="" descr=""/>
+          <p:cNvPr id="34" name="Picture 33"/>
           <p:cNvPicPr/>
           <p:nvPr/>
         </p:nvPicPr>
@@ -1373,12 +1533,12 @@
       </p:pic>
       <p:pic>
         <p:nvPicPr>
-          <p:cNvPr id="35" name="" descr=""/>
+          <p:cNvPr id="35" name="Picture 34"/>
           <p:cNvPicPr/>
           <p:nvPr/>
         </p:nvPicPr>
         <p:blipFill>
-          <a:blip r:embed="rId3"/>
+          <a:blip r:embed="rId2"/>
           <a:stretch/>
         </p:blipFill>
         <p:spPr>
@@ -1396,11 +1556,14 @@
       </p:pic>
     </p:spTree>
   </p:cSld>
+  <p:clrMapOvr>
+    <a:masterClrMapping/>
+  </p:clrMapOvr>
 </p:sldLayout>
 </file>
 
 <file path=ppt/slideLayouts/slideLayout13.xml><?xml version="1.0" encoding="utf-8"?>
-<p:sldLayout xmlns:a="http://schemas.openxmlformats.org/drawingml/2006/main" xmlns:p="http://schemas.openxmlformats.org/presentationml/2006/main" xmlns:r="http://schemas.openxmlformats.org/officeDocument/2006/relationships" type="blank" preserve="1">
+<p:sldLayout xmlns:a="http://schemas.openxmlformats.org/drawingml/2006/main" xmlns:r="http://schemas.openxmlformats.org/officeDocument/2006/relationships" xmlns:p="http://schemas.openxmlformats.org/presentationml/2006/main" type="blank" preserve="1">
   <p:cSld name="Blank Slide">
     <p:spTree>
       <p:nvGrpSpPr>
@@ -1418,11 +1581,14 @@
       </p:grpSpPr>
     </p:spTree>
   </p:cSld>
+  <p:clrMapOvr>
+    <a:masterClrMapping/>
+  </p:clrMapOvr>
 </p:sldLayout>
 </file>
 
 <file path=ppt/slideLayouts/slideLayout14.xml><?xml version="1.0" encoding="utf-8"?>
-<p:sldLayout xmlns:a="http://schemas.openxmlformats.org/drawingml/2006/main" xmlns:p="http://schemas.openxmlformats.org/presentationml/2006/main" xmlns:r="http://schemas.openxmlformats.org/officeDocument/2006/relationships" type="tx" preserve="1">
+<p:sldLayout xmlns:a="http://schemas.openxmlformats.org/drawingml/2006/main" xmlns:r="http://schemas.openxmlformats.org/officeDocument/2006/relationships" xmlns:p="http://schemas.openxmlformats.org/presentationml/2006/main" type="tx" preserve="1">
   <p:cSld name="Title Slide">
     <p:spTree>
       <p:nvGrpSpPr>
@@ -1458,16 +1624,17 @@
           </a:prstGeom>
         </p:spPr>
         <p:txBody>
-          <a:bodyPr lIns="0" rIns="0" tIns="0" bIns="0" anchor="ctr"/>
+          <a:bodyPr lIns="0" tIns="0" rIns="0" bIns="0" anchor="ctr"/>
+          <a:lstStyle/>
           <a:p>
             <a:pPr algn="ctr"/>
-            <a:endParaRPr lang="en-US" sz="4400" spc="-1" strike="noStrike">
-              <a:solidFill>
-                <a:srgbClr val="ffffff"/>
-              </a:solidFill>
-              <a:uFill>
-                <a:solidFill>
-                  <a:srgbClr val="ffffff"/>
+            <a:endParaRPr lang="en-US" sz="4400" strike="noStrike" spc="-1">
+              <a:solidFill>
+                <a:srgbClr val="FFFFFF"/>
+              </a:solidFill>
+              <a:uFill>
+                <a:solidFill>
+                  <a:srgbClr val="FFFFFF"/>
                 </a:solidFill>
               </a:uFill>
               <a:latin typeface="Arial"/>
@@ -1495,16 +1662,17 @@
           </a:prstGeom>
         </p:spPr>
         <p:txBody>
-          <a:bodyPr lIns="0" rIns="0" tIns="0" bIns="0" anchor="ctr"/>
+          <a:bodyPr lIns="0" tIns="0" rIns="0" bIns="0" anchor="ctr"/>
+          <a:lstStyle/>
           <a:p>
             <a:pPr algn="ctr"/>
-            <a:endParaRPr lang="en-US" sz="3200" spc="-1" strike="noStrike">
-              <a:solidFill>
-                <a:srgbClr val="ffffff"/>
-              </a:solidFill>
-              <a:uFill>
-                <a:solidFill>
-                  <a:srgbClr val="ffffff"/>
+            <a:endParaRPr lang="en-US" sz="3200" strike="noStrike" spc="-1">
+              <a:solidFill>
+                <a:srgbClr val="FFFFFF"/>
+              </a:solidFill>
+              <a:uFill>
+                <a:solidFill>
+                  <a:srgbClr val="FFFFFF"/>
                 </a:solidFill>
               </a:uFill>
               <a:latin typeface="Arial"/>
@@ -1514,11 +1682,14 @@
       </p:sp>
     </p:spTree>
   </p:cSld>
+  <p:clrMapOvr>
+    <a:masterClrMapping/>
+  </p:clrMapOvr>
 </p:sldLayout>
 </file>
 
 <file path=ppt/slideLayouts/slideLayout15.xml><?xml version="1.0" encoding="utf-8"?>
-<p:sldLayout xmlns:a="http://schemas.openxmlformats.org/drawingml/2006/main" xmlns:p="http://schemas.openxmlformats.org/presentationml/2006/main" xmlns:r="http://schemas.openxmlformats.org/officeDocument/2006/relationships" type="obj" preserve="1">
+<p:sldLayout xmlns:a="http://schemas.openxmlformats.org/drawingml/2006/main" xmlns:r="http://schemas.openxmlformats.org/officeDocument/2006/relationships" xmlns:p="http://schemas.openxmlformats.org/presentationml/2006/main" type="obj" preserve="1">
   <p:cSld name="Title, Content">
     <p:spTree>
       <p:nvGrpSpPr>
@@ -1554,16 +1725,17 @@
           </a:prstGeom>
         </p:spPr>
         <p:txBody>
-          <a:bodyPr lIns="0" rIns="0" tIns="0" bIns="0" anchor="ctr"/>
+          <a:bodyPr lIns="0" tIns="0" rIns="0" bIns="0" anchor="ctr"/>
+          <a:lstStyle/>
           <a:p>
             <a:pPr algn="ctr"/>
-            <a:endParaRPr lang="en-US" sz="4400" spc="-1" strike="noStrike">
-              <a:solidFill>
-                <a:srgbClr val="ffffff"/>
-              </a:solidFill>
-              <a:uFill>
-                <a:solidFill>
-                  <a:srgbClr val="ffffff"/>
+            <a:endParaRPr lang="en-US" sz="4400" strike="noStrike" spc="-1">
+              <a:solidFill>
+                <a:srgbClr val="FFFFFF"/>
+              </a:solidFill>
+              <a:uFill>
+                <a:solidFill>
+                  <a:srgbClr val="FFFFFF"/>
                 </a:solidFill>
               </a:uFill>
               <a:latin typeface="Arial"/>
@@ -1591,15 +1763,16 @@
           </a:prstGeom>
         </p:spPr>
         <p:txBody>
-          <a:bodyPr lIns="0" rIns="0" tIns="0" bIns="0"/>
-          <a:p>
-            <a:endParaRPr lang="en-US" sz="3200" spc="-1" strike="noStrike">
-              <a:solidFill>
-                <a:srgbClr val="ffffff"/>
-              </a:solidFill>
-              <a:uFill>
-                <a:solidFill>
-                  <a:srgbClr val="ffffff"/>
+          <a:bodyPr lIns="0" tIns="0" rIns="0" bIns="0"/>
+          <a:lstStyle/>
+          <a:p>
+            <a:endParaRPr lang="en-US" sz="3200" strike="noStrike" spc="-1">
+              <a:solidFill>
+                <a:srgbClr val="FFFFFF"/>
+              </a:solidFill>
+              <a:uFill>
+                <a:solidFill>
+                  <a:srgbClr val="FFFFFF"/>
                 </a:solidFill>
               </a:uFill>
               <a:latin typeface="Arial"/>
@@ -1609,11 +1782,14 @@
       </p:sp>
     </p:spTree>
   </p:cSld>
+  <p:clrMapOvr>
+    <a:masterClrMapping/>
+  </p:clrMapOvr>
 </p:sldLayout>
 </file>
 
 <file path=ppt/slideLayouts/slideLayout16.xml><?xml version="1.0" encoding="utf-8"?>
-<p:sldLayout xmlns:a="http://schemas.openxmlformats.org/drawingml/2006/main" xmlns:p="http://schemas.openxmlformats.org/presentationml/2006/main" xmlns:r="http://schemas.openxmlformats.org/officeDocument/2006/relationships" type="twoObj" preserve="1">
+<p:sldLayout xmlns:a="http://schemas.openxmlformats.org/drawingml/2006/main" xmlns:r="http://schemas.openxmlformats.org/officeDocument/2006/relationships" xmlns:p="http://schemas.openxmlformats.org/presentationml/2006/main" type="twoObj" preserve="1">
   <p:cSld name="Title, 2 Content">
     <p:spTree>
       <p:nvGrpSpPr>
@@ -1649,16 +1825,17 @@
           </a:prstGeom>
         </p:spPr>
         <p:txBody>
-          <a:bodyPr lIns="0" rIns="0" tIns="0" bIns="0" anchor="ctr"/>
+          <a:bodyPr lIns="0" tIns="0" rIns="0" bIns="0" anchor="ctr"/>
+          <a:lstStyle/>
           <a:p>
             <a:pPr algn="ctr"/>
-            <a:endParaRPr lang="en-US" sz="4400" spc="-1" strike="noStrike">
-              <a:solidFill>
-                <a:srgbClr val="ffffff"/>
-              </a:solidFill>
-              <a:uFill>
-                <a:solidFill>
-                  <a:srgbClr val="ffffff"/>
+            <a:endParaRPr lang="en-US" sz="4400" strike="noStrike" spc="-1">
+              <a:solidFill>
+                <a:srgbClr val="FFFFFF"/>
+              </a:solidFill>
+              <a:uFill>
+                <a:solidFill>
+                  <a:srgbClr val="FFFFFF"/>
                 </a:solidFill>
               </a:uFill>
               <a:latin typeface="Arial"/>
@@ -1686,15 +1863,16 @@
           </a:prstGeom>
         </p:spPr>
         <p:txBody>
-          <a:bodyPr lIns="0" rIns="0" tIns="0" bIns="0"/>
-          <a:p>
-            <a:endParaRPr lang="en-US" sz="3200" spc="-1" strike="noStrike">
-              <a:solidFill>
-                <a:srgbClr val="ffffff"/>
-              </a:solidFill>
-              <a:uFill>
-                <a:solidFill>
-                  <a:srgbClr val="ffffff"/>
+          <a:bodyPr lIns="0" tIns="0" rIns="0" bIns="0"/>
+          <a:lstStyle/>
+          <a:p>
+            <a:endParaRPr lang="en-US" sz="3200" strike="noStrike" spc="-1">
+              <a:solidFill>
+                <a:srgbClr val="FFFFFF"/>
+              </a:solidFill>
+              <a:uFill>
+                <a:solidFill>
+                  <a:srgbClr val="FFFFFF"/>
                 </a:solidFill>
               </a:uFill>
               <a:latin typeface="Arial"/>
@@ -1722,15 +1900,16 @@
           </a:prstGeom>
         </p:spPr>
         <p:txBody>
-          <a:bodyPr lIns="0" rIns="0" tIns="0" bIns="0"/>
-          <a:p>
-            <a:endParaRPr lang="en-US" sz="3200" spc="-1" strike="noStrike">
-              <a:solidFill>
-                <a:srgbClr val="ffffff"/>
-              </a:solidFill>
-              <a:uFill>
-                <a:solidFill>
-                  <a:srgbClr val="ffffff"/>
+          <a:bodyPr lIns="0" tIns="0" rIns="0" bIns="0"/>
+          <a:lstStyle/>
+          <a:p>
+            <a:endParaRPr lang="en-US" sz="3200" strike="noStrike" spc="-1">
+              <a:solidFill>
+                <a:srgbClr val="FFFFFF"/>
+              </a:solidFill>
+              <a:uFill>
+                <a:solidFill>
+                  <a:srgbClr val="FFFFFF"/>
                 </a:solidFill>
               </a:uFill>
               <a:latin typeface="Arial"/>
@@ -1740,11 +1919,14 @@
       </p:sp>
     </p:spTree>
   </p:cSld>
+  <p:clrMapOvr>
+    <a:masterClrMapping/>
+  </p:clrMapOvr>
 </p:sldLayout>
 </file>
 
 <file path=ppt/slideLayouts/slideLayout17.xml><?xml version="1.0" encoding="utf-8"?>
-<p:sldLayout xmlns:a="http://schemas.openxmlformats.org/drawingml/2006/main" xmlns:p="http://schemas.openxmlformats.org/presentationml/2006/main" xmlns:r="http://schemas.openxmlformats.org/officeDocument/2006/relationships" type="titleOnly" preserve="1">
+<p:sldLayout xmlns:a="http://schemas.openxmlformats.org/drawingml/2006/main" xmlns:r="http://schemas.openxmlformats.org/officeDocument/2006/relationships" xmlns:p="http://schemas.openxmlformats.org/presentationml/2006/main" type="titleOnly" preserve="1">
   <p:cSld name="Title Only">
     <p:spTree>
       <p:nvGrpSpPr>
@@ -1780,16 +1962,17 @@
           </a:prstGeom>
         </p:spPr>
         <p:txBody>
-          <a:bodyPr lIns="0" rIns="0" tIns="0" bIns="0" anchor="ctr"/>
+          <a:bodyPr lIns="0" tIns="0" rIns="0" bIns="0" anchor="ctr"/>
+          <a:lstStyle/>
           <a:p>
             <a:pPr algn="ctr"/>
-            <a:endParaRPr lang="en-US" sz="4400" spc="-1" strike="noStrike">
-              <a:solidFill>
-                <a:srgbClr val="ffffff"/>
-              </a:solidFill>
-              <a:uFill>
-                <a:solidFill>
-                  <a:srgbClr val="ffffff"/>
+            <a:endParaRPr lang="en-US" sz="4400" strike="noStrike" spc="-1">
+              <a:solidFill>
+                <a:srgbClr val="FFFFFF"/>
+              </a:solidFill>
+              <a:uFill>
+                <a:solidFill>
+                  <a:srgbClr val="FFFFFF"/>
                 </a:solidFill>
               </a:uFill>
               <a:latin typeface="Arial"/>
@@ -1799,11 +1982,14 @@
       </p:sp>
     </p:spTree>
   </p:cSld>
+  <p:clrMapOvr>
+    <a:masterClrMapping/>
+  </p:clrMapOvr>
 </p:sldLayout>
 </file>
 
 <file path=ppt/slideLayouts/slideLayout18.xml><?xml version="1.0" encoding="utf-8"?>
-<p:sldLayout xmlns:a="http://schemas.openxmlformats.org/drawingml/2006/main" xmlns:p="http://schemas.openxmlformats.org/presentationml/2006/main" xmlns:r="http://schemas.openxmlformats.org/officeDocument/2006/relationships" type="objOnly" preserve="1">
+<p:sldLayout xmlns:a="http://schemas.openxmlformats.org/drawingml/2006/main" xmlns:r="http://schemas.openxmlformats.org/officeDocument/2006/relationships" xmlns:p="http://schemas.openxmlformats.org/presentationml/2006/main" type="objOnly" preserve="1">
   <p:cSld name="Centered Text">
     <p:spTree>
       <p:nvGrpSpPr>
@@ -1839,16 +2025,17 @@
           </a:prstGeom>
         </p:spPr>
         <p:txBody>
-          <a:bodyPr lIns="0" rIns="0" tIns="0" bIns="0" anchor="ctr"/>
+          <a:bodyPr lIns="0" tIns="0" rIns="0" bIns="0" anchor="ctr"/>
+          <a:lstStyle/>
           <a:p>
             <a:pPr algn="ctr"/>
-            <a:endParaRPr lang="en-US" sz="3200" spc="-1" strike="noStrike">
-              <a:solidFill>
-                <a:srgbClr val="ffffff"/>
-              </a:solidFill>
-              <a:uFill>
-                <a:solidFill>
-                  <a:srgbClr val="ffffff"/>
+            <a:endParaRPr lang="en-US" sz="3200" strike="noStrike" spc="-1">
+              <a:solidFill>
+                <a:srgbClr val="FFFFFF"/>
+              </a:solidFill>
+              <a:uFill>
+                <a:solidFill>
+                  <a:srgbClr val="FFFFFF"/>
                 </a:solidFill>
               </a:uFill>
               <a:latin typeface="Arial"/>
@@ -1858,11 +2045,14 @@
       </p:sp>
     </p:spTree>
   </p:cSld>
+  <p:clrMapOvr>
+    <a:masterClrMapping/>
+  </p:clrMapOvr>
 </p:sldLayout>
 </file>
 
 <file path=ppt/slideLayouts/slideLayout19.xml><?xml version="1.0" encoding="utf-8"?>
-<p:sldLayout xmlns:a="http://schemas.openxmlformats.org/drawingml/2006/main" xmlns:p="http://schemas.openxmlformats.org/presentationml/2006/main" xmlns:r="http://schemas.openxmlformats.org/officeDocument/2006/relationships" type="twoObjAndObj" preserve="1">
+<p:sldLayout xmlns:a="http://schemas.openxmlformats.org/drawingml/2006/main" xmlns:r="http://schemas.openxmlformats.org/officeDocument/2006/relationships" xmlns:p="http://schemas.openxmlformats.org/presentationml/2006/main" type="twoObjAndObj" preserve="1">
   <p:cSld name="Title, 2 Content and Content">
     <p:spTree>
       <p:nvGrpSpPr>
@@ -1898,16 +2088,17 @@
           </a:prstGeom>
         </p:spPr>
         <p:txBody>
-          <a:bodyPr lIns="0" rIns="0" tIns="0" bIns="0" anchor="ctr"/>
+          <a:bodyPr lIns="0" tIns="0" rIns="0" bIns="0" anchor="ctr"/>
+          <a:lstStyle/>
           <a:p>
             <a:pPr algn="ctr"/>
-            <a:endParaRPr lang="en-US" sz="4400" spc="-1" strike="noStrike">
-              <a:solidFill>
-                <a:srgbClr val="ffffff"/>
-              </a:solidFill>
-              <a:uFill>
-                <a:solidFill>
-                  <a:srgbClr val="ffffff"/>
+            <a:endParaRPr lang="en-US" sz="4400" strike="noStrike" spc="-1">
+              <a:solidFill>
+                <a:srgbClr val="FFFFFF"/>
+              </a:solidFill>
+              <a:uFill>
+                <a:solidFill>
+                  <a:srgbClr val="FFFFFF"/>
                 </a:solidFill>
               </a:uFill>
               <a:latin typeface="Arial"/>
@@ -1935,15 +2126,16 @@
           </a:prstGeom>
         </p:spPr>
         <p:txBody>
-          <a:bodyPr lIns="0" rIns="0" tIns="0" bIns="0"/>
-          <a:p>
-            <a:endParaRPr lang="en-US" sz="3200" spc="-1" strike="noStrike">
-              <a:solidFill>
-                <a:srgbClr val="ffffff"/>
-              </a:solidFill>
-              <a:uFill>
-                <a:solidFill>
-                  <a:srgbClr val="ffffff"/>
+          <a:bodyPr lIns="0" tIns="0" rIns="0" bIns="0"/>
+          <a:lstStyle/>
+          <a:p>
+            <a:endParaRPr lang="en-US" sz="3200" strike="noStrike" spc="-1">
+              <a:solidFill>
+                <a:srgbClr val="FFFFFF"/>
+              </a:solidFill>
+              <a:uFill>
+                <a:solidFill>
+                  <a:srgbClr val="FFFFFF"/>
                 </a:solidFill>
               </a:uFill>
               <a:latin typeface="Arial"/>
@@ -1971,15 +2163,16 @@
           </a:prstGeom>
         </p:spPr>
         <p:txBody>
-          <a:bodyPr lIns="0" rIns="0" tIns="0" bIns="0"/>
-          <a:p>
-            <a:endParaRPr lang="en-US" sz="3200" spc="-1" strike="noStrike">
-              <a:solidFill>
-                <a:srgbClr val="ffffff"/>
-              </a:solidFill>
-              <a:uFill>
-                <a:solidFill>
-                  <a:srgbClr val="ffffff"/>
+          <a:bodyPr lIns="0" tIns="0" rIns="0" bIns="0"/>
+          <a:lstStyle/>
+          <a:p>
+            <a:endParaRPr lang="en-US" sz="3200" strike="noStrike" spc="-1">
+              <a:solidFill>
+                <a:srgbClr val="FFFFFF"/>
+              </a:solidFill>
+              <a:uFill>
+                <a:solidFill>
+                  <a:srgbClr val="FFFFFF"/>
                 </a:solidFill>
               </a:uFill>
               <a:latin typeface="Arial"/>
@@ -2007,15 +2200,16 @@
           </a:prstGeom>
         </p:spPr>
         <p:txBody>
-          <a:bodyPr lIns="0" rIns="0" tIns="0" bIns="0"/>
-          <a:p>
-            <a:endParaRPr lang="en-US" sz="3200" spc="-1" strike="noStrike">
-              <a:solidFill>
-                <a:srgbClr val="ffffff"/>
-              </a:solidFill>
-              <a:uFill>
-                <a:solidFill>
-                  <a:srgbClr val="ffffff"/>
+          <a:bodyPr lIns="0" tIns="0" rIns="0" bIns="0"/>
+          <a:lstStyle/>
+          <a:p>
+            <a:endParaRPr lang="en-US" sz="3200" strike="noStrike" spc="-1">
+              <a:solidFill>
+                <a:srgbClr val="FFFFFF"/>
+              </a:solidFill>
+              <a:uFill>
+                <a:solidFill>
+                  <a:srgbClr val="FFFFFF"/>
                 </a:solidFill>
               </a:uFill>
               <a:latin typeface="Arial"/>
@@ -2025,11 +2219,14 @@
       </p:sp>
     </p:spTree>
   </p:cSld>
+  <p:clrMapOvr>
+    <a:masterClrMapping/>
+  </p:clrMapOvr>
 </p:sldLayout>
 </file>
 
 <file path=ppt/slideLayouts/slideLayout2.xml><?xml version="1.0" encoding="utf-8"?>
-<p:sldLayout xmlns:a="http://schemas.openxmlformats.org/drawingml/2006/main" xmlns:p="http://schemas.openxmlformats.org/presentationml/2006/main" xmlns:r="http://schemas.openxmlformats.org/officeDocument/2006/relationships" type="tx" preserve="1">
+<p:sldLayout xmlns:a="http://schemas.openxmlformats.org/drawingml/2006/main" xmlns:r="http://schemas.openxmlformats.org/officeDocument/2006/relationships" xmlns:p="http://schemas.openxmlformats.org/presentationml/2006/main" type="tx" preserve="1">
   <p:cSld name="Title Slide">
     <p:spTree>
       <p:nvGrpSpPr>
@@ -2065,16 +2262,17 @@
           </a:prstGeom>
         </p:spPr>
         <p:txBody>
-          <a:bodyPr lIns="0" rIns="0" tIns="0" bIns="0" anchor="ctr"/>
+          <a:bodyPr lIns="0" tIns="0" rIns="0" bIns="0" anchor="ctr"/>
+          <a:lstStyle/>
           <a:p>
             <a:pPr algn="ctr"/>
-            <a:endParaRPr lang="en-US" sz="4400" spc="-1" strike="noStrike">
-              <a:solidFill>
-                <a:srgbClr val="ffffff"/>
-              </a:solidFill>
-              <a:uFill>
-                <a:solidFill>
-                  <a:srgbClr val="ffffff"/>
+            <a:endParaRPr lang="en-US" sz="4400" strike="noStrike" spc="-1">
+              <a:solidFill>
+                <a:srgbClr val="FFFFFF"/>
+              </a:solidFill>
+              <a:uFill>
+                <a:solidFill>
+                  <a:srgbClr val="FFFFFF"/>
                 </a:solidFill>
               </a:uFill>
               <a:latin typeface="Arial"/>
@@ -2102,16 +2300,17 @@
           </a:prstGeom>
         </p:spPr>
         <p:txBody>
-          <a:bodyPr lIns="0" rIns="0" tIns="0" bIns="0" anchor="ctr"/>
+          <a:bodyPr lIns="0" tIns="0" rIns="0" bIns="0" anchor="ctr"/>
+          <a:lstStyle/>
           <a:p>
             <a:pPr algn="ctr"/>
-            <a:endParaRPr lang="en-US" sz="3200" spc="-1" strike="noStrike">
-              <a:solidFill>
-                <a:srgbClr val="ffffff"/>
-              </a:solidFill>
-              <a:uFill>
-                <a:solidFill>
-                  <a:srgbClr val="ffffff"/>
+            <a:endParaRPr lang="en-US" sz="3200" strike="noStrike" spc="-1">
+              <a:solidFill>
+                <a:srgbClr val="FFFFFF"/>
+              </a:solidFill>
+              <a:uFill>
+                <a:solidFill>
+                  <a:srgbClr val="FFFFFF"/>
                 </a:solidFill>
               </a:uFill>
               <a:latin typeface="Arial"/>
@@ -2121,11 +2320,14 @@
       </p:sp>
     </p:spTree>
   </p:cSld>
+  <p:clrMapOvr>
+    <a:masterClrMapping/>
+  </p:clrMapOvr>
 </p:sldLayout>
 </file>
 
 <file path=ppt/slideLayouts/slideLayout20.xml><?xml version="1.0" encoding="utf-8"?>
-<p:sldLayout xmlns:a="http://schemas.openxmlformats.org/drawingml/2006/main" xmlns:p="http://schemas.openxmlformats.org/presentationml/2006/main" xmlns:r="http://schemas.openxmlformats.org/officeDocument/2006/relationships" type="objAndTwoObj" preserve="1">
+<p:sldLayout xmlns:a="http://schemas.openxmlformats.org/drawingml/2006/main" xmlns:r="http://schemas.openxmlformats.org/officeDocument/2006/relationships" xmlns:p="http://schemas.openxmlformats.org/presentationml/2006/main" type="objAndTwoObj" preserve="1">
   <p:cSld name="Title Content and 2 Content">
     <p:spTree>
       <p:nvGrpSpPr>
@@ -2161,16 +2363,17 @@
           </a:prstGeom>
         </p:spPr>
         <p:txBody>
-          <a:bodyPr lIns="0" rIns="0" tIns="0" bIns="0" anchor="ctr"/>
+          <a:bodyPr lIns="0" tIns="0" rIns="0" bIns="0" anchor="ctr"/>
+          <a:lstStyle/>
           <a:p>
             <a:pPr algn="ctr"/>
-            <a:endParaRPr lang="en-US" sz="4400" spc="-1" strike="noStrike">
-              <a:solidFill>
-                <a:srgbClr val="ffffff"/>
-              </a:solidFill>
-              <a:uFill>
-                <a:solidFill>
-                  <a:srgbClr val="ffffff"/>
+            <a:endParaRPr lang="en-US" sz="4400" strike="noStrike" spc="-1">
+              <a:solidFill>
+                <a:srgbClr val="FFFFFF"/>
+              </a:solidFill>
+              <a:uFill>
+                <a:solidFill>
+                  <a:srgbClr val="FFFFFF"/>
                 </a:solidFill>
               </a:uFill>
               <a:latin typeface="Arial"/>
@@ -2198,15 +2401,16 @@
           </a:prstGeom>
         </p:spPr>
         <p:txBody>
-          <a:bodyPr lIns="0" rIns="0" tIns="0" bIns="0"/>
-          <a:p>
-            <a:endParaRPr lang="en-US" sz="3200" spc="-1" strike="noStrike">
-              <a:solidFill>
-                <a:srgbClr val="ffffff"/>
-              </a:solidFill>
-              <a:uFill>
-                <a:solidFill>
-                  <a:srgbClr val="ffffff"/>
+          <a:bodyPr lIns="0" tIns="0" rIns="0" bIns="0"/>
+          <a:lstStyle/>
+          <a:p>
+            <a:endParaRPr lang="en-US" sz="3200" strike="noStrike" spc="-1">
+              <a:solidFill>
+                <a:srgbClr val="FFFFFF"/>
+              </a:solidFill>
+              <a:uFill>
+                <a:solidFill>
+                  <a:srgbClr val="FFFFFF"/>
                 </a:solidFill>
               </a:uFill>
               <a:latin typeface="Arial"/>
@@ -2234,15 +2438,16 @@
           </a:prstGeom>
         </p:spPr>
         <p:txBody>
-          <a:bodyPr lIns="0" rIns="0" tIns="0" bIns="0"/>
-          <a:p>
-            <a:endParaRPr lang="en-US" sz="3200" spc="-1" strike="noStrike">
-              <a:solidFill>
-                <a:srgbClr val="ffffff"/>
-              </a:solidFill>
-              <a:uFill>
-                <a:solidFill>
-                  <a:srgbClr val="ffffff"/>
+          <a:bodyPr lIns="0" tIns="0" rIns="0" bIns="0"/>
+          <a:lstStyle/>
+          <a:p>
+            <a:endParaRPr lang="en-US" sz="3200" strike="noStrike" spc="-1">
+              <a:solidFill>
+                <a:srgbClr val="FFFFFF"/>
+              </a:solidFill>
+              <a:uFill>
+                <a:solidFill>
+                  <a:srgbClr val="FFFFFF"/>
                 </a:solidFill>
               </a:uFill>
               <a:latin typeface="Arial"/>
@@ -2270,15 +2475,16 @@
           </a:prstGeom>
         </p:spPr>
         <p:txBody>
-          <a:bodyPr lIns="0" rIns="0" tIns="0" bIns="0"/>
-          <a:p>
-            <a:endParaRPr lang="en-US" sz="3200" spc="-1" strike="noStrike">
-              <a:solidFill>
-                <a:srgbClr val="ffffff"/>
-              </a:solidFill>
-              <a:uFill>
-                <a:solidFill>
-                  <a:srgbClr val="ffffff"/>
+          <a:bodyPr lIns="0" tIns="0" rIns="0" bIns="0"/>
+          <a:lstStyle/>
+          <a:p>
+            <a:endParaRPr lang="en-US" sz="3200" strike="noStrike" spc="-1">
+              <a:solidFill>
+                <a:srgbClr val="FFFFFF"/>
+              </a:solidFill>
+              <a:uFill>
+                <a:solidFill>
+                  <a:srgbClr val="FFFFFF"/>
                 </a:solidFill>
               </a:uFill>
               <a:latin typeface="Arial"/>
@@ -2288,11 +2494,14 @@
       </p:sp>
     </p:spTree>
   </p:cSld>
+  <p:clrMapOvr>
+    <a:masterClrMapping/>
+  </p:clrMapOvr>
 </p:sldLayout>
 </file>
 
 <file path=ppt/slideLayouts/slideLayout21.xml><?xml version="1.0" encoding="utf-8"?>
-<p:sldLayout xmlns:a="http://schemas.openxmlformats.org/drawingml/2006/main" xmlns:p="http://schemas.openxmlformats.org/presentationml/2006/main" xmlns:r="http://schemas.openxmlformats.org/officeDocument/2006/relationships" type="twoObjOverTx" preserve="1">
+<p:sldLayout xmlns:a="http://schemas.openxmlformats.org/drawingml/2006/main" xmlns:r="http://schemas.openxmlformats.org/officeDocument/2006/relationships" xmlns:p="http://schemas.openxmlformats.org/presentationml/2006/main" type="twoObjOverTx" preserve="1">
   <p:cSld name="Title, 2 Content over Content">
     <p:spTree>
       <p:nvGrpSpPr>
@@ -2328,16 +2537,17 @@
           </a:prstGeom>
         </p:spPr>
         <p:txBody>
-          <a:bodyPr lIns="0" rIns="0" tIns="0" bIns="0" anchor="ctr"/>
+          <a:bodyPr lIns="0" tIns="0" rIns="0" bIns="0" anchor="ctr"/>
+          <a:lstStyle/>
           <a:p>
             <a:pPr algn="ctr"/>
-            <a:endParaRPr lang="en-US" sz="4400" spc="-1" strike="noStrike">
-              <a:solidFill>
-                <a:srgbClr val="ffffff"/>
-              </a:solidFill>
-              <a:uFill>
-                <a:solidFill>
-                  <a:srgbClr val="ffffff"/>
+            <a:endParaRPr lang="en-US" sz="4400" strike="noStrike" spc="-1">
+              <a:solidFill>
+                <a:srgbClr val="FFFFFF"/>
+              </a:solidFill>
+              <a:uFill>
+                <a:solidFill>
+                  <a:srgbClr val="FFFFFF"/>
                 </a:solidFill>
               </a:uFill>
               <a:latin typeface="Arial"/>
@@ -2365,15 +2575,16 @@
           </a:prstGeom>
         </p:spPr>
         <p:txBody>
-          <a:bodyPr lIns="0" rIns="0" tIns="0" bIns="0"/>
-          <a:p>
-            <a:endParaRPr lang="en-US" sz="3200" spc="-1" strike="noStrike">
-              <a:solidFill>
-                <a:srgbClr val="ffffff"/>
-              </a:solidFill>
-              <a:uFill>
-                <a:solidFill>
-                  <a:srgbClr val="ffffff"/>
+          <a:bodyPr lIns="0" tIns="0" rIns="0" bIns="0"/>
+          <a:lstStyle/>
+          <a:p>
+            <a:endParaRPr lang="en-US" sz="3200" strike="noStrike" spc="-1">
+              <a:solidFill>
+                <a:srgbClr val="FFFFFF"/>
+              </a:solidFill>
+              <a:uFill>
+                <a:solidFill>
+                  <a:srgbClr val="FFFFFF"/>
                 </a:solidFill>
               </a:uFill>
               <a:latin typeface="Arial"/>
@@ -2401,15 +2612,16 @@
           </a:prstGeom>
         </p:spPr>
         <p:txBody>
-          <a:bodyPr lIns="0" rIns="0" tIns="0" bIns="0"/>
-          <a:p>
-            <a:endParaRPr lang="en-US" sz="3200" spc="-1" strike="noStrike">
-              <a:solidFill>
-                <a:srgbClr val="ffffff"/>
-              </a:solidFill>
-              <a:uFill>
-                <a:solidFill>
-                  <a:srgbClr val="ffffff"/>
+          <a:bodyPr lIns="0" tIns="0" rIns="0" bIns="0"/>
+          <a:lstStyle/>
+          <a:p>
+            <a:endParaRPr lang="en-US" sz="3200" strike="noStrike" spc="-1">
+              <a:solidFill>
+                <a:srgbClr val="FFFFFF"/>
+              </a:solidFill>
+              <a:uFill>
+                <a:solidFill>
+                  <a:srgbClr val="FFFFFF"/>
                 </a:solidFill>
               </a:uFill>
               <a:latin typeface="Arial"/>
@@ -2437,15 +2649,16 @@
           </a:prstGeom>
         </p:spPr>
         <p:txBody>
-          <a:bodyPr lIns="0" rIns="0" tIns="0" bIns="0"/>
-          <a:p>
-            <a:endParaRPr lang="en-US" sz="3200" spc="-1" strike="noStrike">
-              <a:solidFill>
-                <a:srgbClr val="ffffff"/>
-              </a:solidFill>
-              <a:uFill>
-                <a:solidFill>
-                  <a:srgbClr val="ffffff"/>
+          <a:bodyPr lIns="0" tIns="0" rIns="0" bIns="0"/>
+          <a:lstStyle/>
+          <a:p>
+            <a:endParaRPr lang="en-US" sz="3200" strike="noStrike" spc="-1">
+              <a:solidFill>
+                <a:srgbClr val="FFFFFF"/>
+              </a:solidFill>
+              <a:uFill>
+                <a:solidFill>
+                  <a:srgbClr val="FFFFFF"/>
                 </a:solidFill>
               </a:uFill>
               <a:latin typeface="Arial"/>
@@ -2455,11 +2668,14 @@
       </p:sp>
     </p:spTree>
   </p:cSld>
+  <p:clrMapOvr>
+    <a:masterClrMapping/>
+  </p:clrMapOvr>
 </p:sldLayout>
 </file>
 
 <file path=ppt/slideLayouts/slideLayout22.xml><?xml version="1.0" encoding="utf-8"?>
-<p:sldLayout xmlns:a="http://schemas.openxmlformats.org/drawingml/2006/main" xmlns:p="http://schemas.openxmlformats.org/presentationml/2006/main" xmlns:r="http://schemas.openxmlformats.org/officeDocument/2006/relationships" type="objOverTx" preserve="1">
+<p:sldLayout xmlns:a="http://schemas.openxmlformats.org/drawingml/2006/main" xmlns:r="http://schemas.openxmlformats.org/officeDocument/2006/relationships" xmlns:p="http://schemas.openxmlformats.org/presentationml/2006/main" type="objOverTx" preserve="1">
   <p:cSld name="Title, Content over Content">
     <p:spTree>
       <p:nvGrpSpPr>
@@ -2495,16 +2711,17 @@
           </a:prstGeom>
         </p:spPr>
         <p:txBody>
-          <a:bodyPr lIns="0" rIns="0" tIns="0" bIns="0" anchor="ctr"/>
+          <a:bodyPr lIns="0" tIns="0" rIns="0" bIns="0" anchor="ctr"/>
+          <a:lstStyle/>
           <a:p>
             <a:pPr algn="ctr"/>
-            <a:endParaRPr lang="en-US" sz="4400" spc="-1" strike="noStrike">
-              <a:solidFill>
-                <a:srgbClr val="ffffff"/>
-              </a:solidFill>
-              <a:uFill>
-                <a:solidFill>
-                  <a:srgbClr val="ffffff"/>
+            <a:endParaRPr lang="en-US" sz="4400" strike="noStrike" spc="-1">
+              <a:solidFill>
+                <a:srgbClr val="FFFFFF"/>
+              </a:solidFill>
+              <a:uFill>
+                <a:solidFill>
+                  <a:srgbClr val="FFFFFF"/>
                 </a:solidFill>
               </a:uFill>
               <a:latin typeface="Arial"/>
@@ -2532,15 +2749,16 @@
           </a:prstGeom>
         </p:spPr>
         <p:txBody>
-          <a:bodyPr lIns="0" rIns="0" tIns="0" bIns="0"/>
-          <a:p>
-            <a:endParaRPr lang="en-US" sz="3200" spc="-1" strike="noStrike">
-              <a:solidFill>
-                <a:srgbClr val="ffffff"/>
-              </a:solidFill>
-              <a:uFill>
-                <a:solidFill>
-                  <a:srgbClr val="ffffff"/>
+          <a:bodyPr lIns="0" tIns="0" rIns="0" bIns="0"/>
+          <a:lstStyle/>
+          <a:p>
+            <a:endParaRPr lang="en-US" sz="3200" strike="noStrike" spc="-1">
+              <a:solidFill>
+                <a:srgbClr val="FFFFFF"/>
+              </a:solidFill>
+              <a:uFill>
+                <a:solidFill>
+                  <a:srgbClr val="FFFFFF"/>
                 </a:solidFill>
               </a:uFill>
               <a:latin typeface="Arial"/>
@@ -2568,15 +2786,16 @@
           </a:prstGeom>
         </p:spPr>
         <p:txBody>
-          <a:bodyPr lIns="0" rIns="0" tIns="0" bIns="0"/>
-          <a:p>
-            <a:endParaRPr lang="en-US" sz="3200" spc="-1" strike="noStrike">
-              <a:solidFill>
-                <a:srgbClr val="ffffff"/>
-              </a:solidFill>
-              <a:uFill>
-                <a:solidFill>
-                  <a:srgbClr val="ffffff"/>
+          <a:bodyPr lIns="0" tIns="0" rIns="0" bIns="0"/>
+          <a:lstStyle/>
+          <a:p>
+            <a:endParaRPr lang="en-US" sz="3200" strike="noStrike" spc="-1">
+              <a:solidFill>
+                <a:srgbClr val="FFFFFF"/>
+              </a:solidFill>
+              <a:uFill>
+                <a:solidFill>
+                  <a:srgbClr val="FFFFFF"/>
                 </a:solidFill>
               </a:uFill>
               <a:latin typeface="Arial"/>
@@ -2586,11 +2805,14 @@
       </p:sp>
     </p:spTree>
   </p:cSld>
+  <p:clrMapOvr>
+    <a:masterClrMapping/>
+  </p:clrMapOvr>
 </p:sldLayout>
 </file>
 
 <file path=ppt/slideLayouts/slideLayout23.xml><?xml version="1.0" encoding="utf-8"?>
-<p:sldLayout xmlns:a="http://schemas.openxmlformats.org/drawingml/2006/main" xmlns:p="http://schemas.openxmlformats.org/presentationml/2006/main" xmlns:r="http://schemas.openxmlformats.org/officeDocument/2006/relationships" type="fourObj" preserve="1">
+<p:sldLayout xmlns:a="http://schemas.openxmlformats.org/drawingml/2006/main" xmlns:r="http://schemas.openxmlformats.org/officeDocument/2006/relationships" xmlns:p="http://schemas.openxmlformats.org/presentationml/2006/main" type="fourObj" preserve="1">
   <p:cSld name="Title, 4 Content">
     <p:spTree>
       <p:nvGrpSpPr>
@@ -2626,16 +2848,17 @@
           </a:prstGeom>
         </p:spPr>
         <p:txBody>
-          <a:bodyPr lIns="0" rIns="0" tIns="0" bIns="0" anchor="ctr"/>
+          <a:bodyPr lIns="0" tIns="0" rIns="0" bIns="0" anchor="ctr"/>
+          <a:lstStyle/>
           <a:p>
             <a:pPr algn="ctr"/>
-            <a:endParaRPr lang="en-US" sz="4400" spc="-1" strike="noStrike">
-              <a:solidFill>
-                <a:srgbClr val="ffffff"/>
-              </a:solidFill>
-              <a:uFill>
-                <a:solidFill>
-                  <a:srgbClr val="ffffff"/>
+            <a:endParaRPr lang="en-US" sz="4400" strike="noStrike" spc="-1">
+              <a:solidFill>
+                <a:srgbClr val="FFFFFF"/>
+              </a:solidFill>
+              <a:uFill>
+                <a:solidFill>
+                  <a:srgbClr val="FFFFFF"/>
                 </a:solidFill>
               </a:uFill>
               <a:latin typeface="Arial"/>
@@ -2663,15 +2886,16 @@
           </a:prstGeom>
         </p:spPr>
         <p:txBody>
-          <a:bodyPr lIns="0" rIns="0" tIns="0" bIns="0"/>
-          <a:p>
-            <a:endParaRPr lang="en-US" sz="3200" spc="-1" strike="noStrike">
-              <a:solidFill>
-                <a:srgbClr val="ffffff"/>
-              </a:solidFill>
-              <a:uFill>
-                <a:solidFill>
-                  <a:srgbClr val="ffffff"/>
+          <a:bodyPr lIns="0" tIns="0" rIns="0" bIns="0"/>
+          <a:lstStyle/>
+          <a:p>
+            <a:endParaRPr lang="en-US" sz="3200" strike="noStrike" spc="-1">
+              <a:solidFill>
+                <a:srgbClr val="FFFFFF"/>
+              </a:solidFill>
+              <a:uFill>
+                <a:solidFill>
+                  <a:srgbClr val="FFFFFF"/>
                 </a:solidFill>
               </a:uFill>
               <a:latin typeface="Arial"/>
@@ -2699,15 +2923,16 @@
           </a:prstGeom>
         </p:spPr>
         <p:txBody>
-          <a:bodyPr lIns="0" rIns="0" tIns="0" bIns="0"/>
-          <a:p>
-            <a:endParaRPr lang="en-US" sz="3200" spc="-1" strike="noStrike">
-              <a:solidFill>
-                <a:srgbClr val="ffffff"/>
-              </a:solidFill>
-              <a:uFill>
-                <a:solidFill>
-                  <a:srgbClr val="ffffff"/>
+          <a:bodyPr lIns="0" tIns="0" rIns="0" bIns="0"/>
+          <a:lstStyle/>
+          <a:p>
+            <a:endParaRPr lang="en-US" sz="3200" strike="noStrike" spc="-1">
+              <a:solidFill>
+                <a:srgbClr val="FFFFFF"/>
+              </a:solidFill>
+              <a:uFill>
+                <a:solidFill>
+                  <a:srgbClr val="FFFFFF"/>
                 </a:solidFill>
               </a:uFill>
               <a:latin typeface="Arial"/>
@@ -2735,15 +2960,16 @@
           </a:prstGeom>
         </p:spPr>
         <p:txBody>
-          <a:bodyPr lIns="0" rIns="0" tIns="0" bIns="0"/>
-          <a:p>
-            <a:endParaRPr lang="en-US" sz="3200" spc="-1" strike="noStrike">
-              <a:solidFill>
-                <a:srgbClr val="ffffff"/>
-              </a:solidFill>
-              <a:uFill>
-                <a:solidFill>
-                  <a:srgbClr val="ffffff"/>
+          <a:bodyPr lIns="0" tIns="0" rIns="0" bIns="0"/>
+          <a:lstStyle/>
+          <a:p>
+            <a:endParaRPr lang="en-US" sz="3200" strike="noStrike" spc="-1">
+              <a:solidFill>
+                <a:srgbClr val="FFFFFF"/>
+              </a:solidFill>
+              <a:uFill>
+                <a:solidFill>
+                  <a:srgbClr val="FFFFFF"/>
                 </a:solidFill>
               </a:uFill>
               <a:latin typeface="Arial"/>
@@ -2771,15 +2997,16 @@
           </a:prstGeom>
         </p:spPr>
         <p:txBody>
-          <a:bodyPr lIns="0" rIns="0" tIns="0" bIns="0"/>
-          <a:p>
-            <a:endParaRPr lang="en-US" sz="3200" spc="-1" strike="noStrike">
-              <a:solidFill>
-                <a:srgbClr val="ffffff"/>
-              </a:solidFill>
-              <a:uFill>
-                <a:solidFill>
-                  <a:srgbClr val="ffffff"/>
+          <a:bodyPr lIns="0" tIns="0" rIns="0" bIns="0"/>
+          <a:lstStyle/>
+          <a:p>
+            <a:endParaRPr lang="en-US" sz="3200" strike="noStrike" spc="-1">
+              <a:solidFill>
+                <a:srgbClr val="FFFFFF"/>
+              </a:solidFill>
+              <a:uFill>
+                <a:solidFill>
+                  <a:srgbClr val="FFFFFF"/>
                 </a:solidFill>
               </a:uFill>
               <a:latin typeface="Arial"/>
@@ -2789,11 +3016,14 @@
       </p:sp>
     </p:spTree>
   </p:cSld>
+  <p:clrMapOvr>
+    <a:masterClrMapping/>
+  </p:clrMapOvr>
 </p:sldLayout>
 </file>
 
 <file path=ppt/slideLayouts/slideLayout24.xml><?xml version="1.0" encoding="utf-8"?>
-<p:sldLayout xmlns:a="http://schemas.openxmlformats.org/drawingml/2006/main" xmlns:p="http://schemas.openxmlformats.org/presentationml/2006/main" xmlns:r="http://schemas.openxmlformats.org/officeDocument/2006/relationships" type="blank" preserve="1">
+<p:sldLayout xmlns:a="http://schemas.openxmlformats.org/drawingml/2006/main" xmlns:r="http://schemas.openxmlformats.org/officeDocument/2006/relationships" xmlns:p="http://schemas.openxmlformats.org/presentationml/2006/main" type="blank" preserve="1">
   <p:cSld name="Title, 6 Content">
     <p:spTree>
       <p:nvGrpSpPr>
@@ -2829,16 +3059,17 @@
           </a:prstGeom>
         </p:spPr>
         <p:txBody>
-          <a:bodyPr lIns="0" rIns="0" tIns="0" bIns="0" anchor="ctr"/>
+          <a:bodyPr lIns="0" tIns="0" rIns="0" bIns="0" anchor="ctr"/>
+          <a:lstStyle/>
           <a:p>
             <a:pPr algn="ctr"/>
-            <a:endParaRPr lang="en-US" sz="4400" spc="-1" strike="noStrike">
-              <a:solidFill>
-                <a:srgbClr val="ffffff"/>
-              </a:solidFill>
-              <a:uFill>
-                <a:solidFill>
-                  <a:srgbClr val="ffffff"/>
+            <a:endParaRPr lang="en-US" sz="4400" strike="noStrike" spc="-1">
+              <a:solidFill>
+                <a:srgbClr val="FFFFFF"/>
+              </a:solidFill>
+              <a:uFill>
+                <a:solidFill>
+                  <a:srgbClr val="FFFFFF"/>
                 </a:solidFill>
               </a:uFill>
               <a:latin typeface="Arial"/>
@@ -2866,15 +3097,16 @@
           </a:prstGeom>
         </p:spPr>
         <p:txBody>
-          <a:bodyPr lIns="0" rIns="0" tIns="0" bIns="0"/>
-          <a:p>
-            <a:endParaRPr lang="en-US" sz="3200" spc="-1" strike="noStrike">
-              <a:solidFill>
-                <a:srgbClr val="ffffff"/>
-              </a:solidFill>
-              <a:uFill>
-                <a:solidFill>
-                  <a:srgbClr val="ffffff"/>
+          <a:bodyPr lIns="0" tIns="0" rIns="0" bIns="0"/>
+          <a:lstStyle/>
+          <a:p>
+            <a:endParaRPr lang="en-US" sz="3200" strike="noStrike" spc="-1">
+              <a:solidFill>
+                <a:srgbClr val="FFFFFF"/>
+              </a:solidFill>
+              <a:uFill>
+                <a:solidFill>
+                  <a:srgbClr val="FFFFFF"/>
                 </a:solidFill>
               </a:uFill>
               <a:latin typeface="Arial"/>
@@ -2902,15 +3134,16 @@
           </a:prstGeom>
         </p:spPr>
         <p:txBody>
-          <a:bodyPr lIns="0" rIns="0" tIns="0" bIns="0"/>
-          <a:p>
-            <a:endParaRPr lang="en-US" sz="3200" spc="-1" strike="noStrike">
-              <a:solidFill>
-                <a:srgbClr val="ffffff"/>
-              </a:solidFill>
-              <a:uFill>
-                <a:solidFill>
-                  <a:srgbClr val="ffffff"/>
+          <a:bodyPr lIns="0" tIns="0" rIns="0" bIns="0"/>
+          <a:lstStyle/>
+          <a:p>
+            <a:endParaRPr lang="en-US" sz="3200" strike="noStrike" spc="-1">
+              <a:solidFill>
+                <a:srgbClr val="FFFFFF"/>
+              </a:solidFill>
+              <a:uFill>
+                <a:solidFill>
+                  <a:srgbClr val="FFFFFF"/>
                 </a:solidFill>
               </a:uFill>
               <a:latin typeface="Arial"/>
@@ -2920,7 +3153,7 @@
       </p:sp>
       <p:pic>
         <p:nvPicPr>
-          <p:cNvPr id="70" name="" descr=""/>
+          <p:cNvPr id="70" name="Picture 69"/>
           <p:cNvPicPr/>
           <p:nvPr/>
         </p:nvPicPr>
@@ -2943,12 +3176,12 @@
       </p:pic>
       <p:pic>
         <p:nvPicPr>
-          <p:cNvPr id="71" name="" descr=""/>
+          <p:cNvPr id="71" name="Picture 70"/>
           <p:cNvPicPr/>
           <p:nvPr/>
         </p:nvPicPr>
         <p:blipFill>
-          <a:blip r:embed="rId3"/>
+          <a:blip r:embed="rId2"/>
           <a:stretch/>
         </p:blipFill>
         <p:spPr>
@@ -2966,11 +3199,14 @@
       </p:pic>
     </p:spTree>
   </p:cSld>
+  <p:clrMapOvr>
+    <a:masterClrMapping/>
+  </p:clrMapOvr>
 </p:sldLayout>
 </file>
 
 <file path=ppt/slideLayouts/slideLayout3.xml><?xml version="1.0" encoding="utf-8"?>
-<p:sldLayout xmlns:a="http://schemas.openxmlformats.org/drawingml/2006/main" xmlns:p="http://schemas.openxmlformats.org/presentationml/2006/main" xmlns:r="http://schemas.openxmlformats.org/officeDocument/2006/relationships" type="obj" preserve="1">
+<p:sldLayout xmlns:a="http://schemas.openxmlformats.org/drawingml/2006/main" xmlns:r="http://schemas.openxmlformats.org/officeDocument/2006/relationships" xmlns:p="http://schemas.openxmlformats.org/presentationml/2006/main" type="obj" preserve="1">
   <p:cSld name="Title, Content">
     <p:spTree>
       <p:nvGrpSpPr>
@@ -3006,16 +3242,17 @@
           </a:prstGeom>
         </p:spPr>
         <p:txBody>
-          <a:bodyPr lIns="0" rIns="0" tIns="0" bIns="0" anchor="ctr"/>
+          <a:bodyPr lIns="0" tIns="0" rIns="0" bIns="0" anchor="ctr"/>
+          <a:lstStyle/>
           <a:p>
             <a:pPr algn="ctr"/>
-            <a:endParaRPr lang="en-US" sz="4400" spc="-1" strike="noStrike">
-              <a:solidFill>
-                <a:srgbClr val="ffffff"/>
-              </a:solidFill>
-              <a:uFill>
-                <a:solidFill>
-                  <a:srgbClr val="ffffff"/>
+            <a:endParaRPr lang="en-US" sz="4400" strike="noStrike" spc="-1">
+              <a:solidFill>
+                <a:srgbClr val="FFFFFF"/>
+              </a:solidFill>
+              <a:uFill>
+                <a:solidFill>
+                  <a:srgbClr val="FFFFFF"/>
                 </a:solidFill>
               </a:uFill>
               <a:latin typeface="Arial"/>
@@ -3043,15 +3280,16 @@
           </a:prstGeom>
         </p:spPr>
         <p:txBody>
-          <a:bodyPr lIns="0" rIns="0" tIns="0" bIns="0"/>
-          <a:p>
-            <a:endParaRPr lang="en-US" sz="3200" spc="-1" strike="noStrike">
-              <a:solidFill>
-                <a:srgbClr val="ffffff"/>
-              </a:solidFill>
-              <a:uFill>
-                <a:solidFill>
-                  <a:srgbClr val="ffffff"/>
+          <a:bodyPr lIns="0" tIns="0" rIns="0" bIns="0"/>
+          <a:lstStyle/>
+          <a:p>
+            <a:endParaRPr lang="en-US" sz="3200" strike="noStrike" spc="-1">
+              <a:solidFill>
+                <a:srgbClr val="FFFFFF"/>
+              </a:solidFill>
+              <a:uFill>
+                <a:solidFill>
+                  <a:srgbClr val="FFFFFF"/>
                 </a:solidFill>
               </a:uFill>
               <a:latin typeface="Arial"/>
@@ -3061,11 +3299,14 @@
       </p:sp>
     </p:spTree>
   </p:cSld>
+  <p:clrMapOvr>
+    <a:masterClrMapping/>
+  </p:clrMapOvr>
 </p:sldLayout>
 </file>
 
 <file path=ppt/slideLayouts/slideLayout4.xml><?xml version="1.0" encoding="utf-8"?>
-<p:sldLayout xmlns:a="http://schemas.openxmlformats.org/drawingml/2006/main" xmlns:p="http://schemas.openxmlformats.org/presentationml/2006/main" xmlns:r="http://schemas.openxmlformats.org/officeDocument/2006/relationships" type="twoObj" preserve="1">
+<p:sldLayout xmlns:a="http://schemas.openxmlformats.org/drawingml/2006/main" xmlns:r="http://schemas.openxmlformats.org/officeDocument/2006/relationships" xmlns:p="http://schemas.openxmlformats.org/presentationml/2006/main" type="twoObj" preserve="1">
   <p:cSld name="Title, 2 Content">
     <p:spTree>
       <p:nvGrpSpPr>
@@ -3101,16 +3342,17 @@
           </a:prstGeom>
         </p:spPr>
         <p:txBody>
-          <a:bodyPr lIns="0" rIns="0" tIns="0" bIns="0" anchor="ctr"/>
+          <a:bodyPr lIns="0" tIns="0" rIns="0" bIns="0" anchor="ctr"/>
+          <a:lstStyle/>
           <a:p>
             <a:pPr algn="ctr"/>
-            <a:endParaRPr lang="en-US" sz="4400" spc="-1" strike="noStrike">
-              <a:solidFill>
-                <a:srgbClr val="ffffff"/>
-              </a:solidFill>
-              <a:uFill>
-                <a:solidFill>
-                  <a:srgbClr val="ffffff"/>
+            <a:endParaRPr lang="en-US" sz="4400" strike="noStrike" spc="-1">
+              <a:solidFill>
+                <a:srgbClr val="FFFFFF"/>
+              </a:solidFill>
+              <a:uFill>
+                <a:solidFill>
+                  <a:srgbClr val="FFFFFF"/>
                 </a:solidFill>
               </a:uFill>
               <a:latin typeface="Arial"/>
@@ -3138,15 +3380,16 @@
           </a:prstGeom>
         </p:spPr>
         <p:txBody>
-          <a:bodyPr lIns="0" rIns="0" tIns="0" bIns="0"/>
-          <a:p>
-            <a:endParaRPr lang="en-US" sz="3200" spc="-1" strike="noStrike">
-              <a:solidFill>
-                <a:srgbClr val="ffffff"/>
-              </a:solidFill>
-              <a:uFill>
-                <a:solidFill>
-                  <a:srgbClr val="ffffff"/>
+          <a:bodyPr lIns="0" tIns="0" rIns="0" bIns="0"/>
+          <a:lstStyle/>
+          <a:p>
+            <a:endParaRPr lang="en-US" sz="3200" strike="noStrike" spc="-1">
+              <a:solidFill>
+                <a:srgbClr val="FFFFFF"/>
+              </a:solidFill>
+              <a:uFill>
+                <a:solidFill>
+                  <a:srgbClr val="FFFFFF"/>
                 </a:solidFill>
               </a:uFill>
               <a:latin typeface="Arial"/>
@@ -3174,15 +3417,16 @@
           </a:prstGeom>
         </p:spPr>
         <p:txBody>
-          <a:bodyPr lIns="0" rIns="0" tIns="0" bIns="0"/>
-          <a:p>
-            <a:endParaRPr lang="en-US" sz="3200" spc="-1" strike="noStrike">
-              <a:solidFill>
-                <a:srgbClr val="ffffff"/>
-              </a:solidFill>
-              <a:uFill>
-                <a:solidFill>
-                  <a:srgbClr val="ffffff"/>
+          <a:bodyPr lIns="0" tIns="0" rIns="0" bIns="0"/>
+          <a:lstStyle/>
+          <a:p>
+            <a:endParaRPr lang="en-US" sz="3200" strike="noStrike" spc="-1">
+              <a:solidFill>
+                <a:srgbClr val="FFFFFF"/>
+              </a:solidFill>
+              <a:uFill>
+                <a:solidFill>
+                  <a:srgbClr val="FFFFFF"/>
                 </a:solidFill>
               </a:uFill>
               <a:latin typeface="Arial"/>
@@ -3192,11 +3436,14 @@
       </p:sp>
     </p:spTree>
   </p:cSld>
+  <p:clrMapOvr>
+    <a:masterClrMapping/>
+  </p:clrMapOvr>
 </p:sldLayout>
 </file>
 
 <file path=ppt/slideLayouts/slideLayout5.xml><?xml version="1.0" encoding="utf-8"?>
-<p:sldLayout xmlns:a="http://schemas.openxmlformats.org/drawingml/2006/main" xmlns:p="http://schemas.openxmlformats.org/presentationml/2006/main" xmlns:r="http://schemas.openxmlformats.org/officeDocument/2006/relationships" type="titleOnly" preserve="1">
+<p:sldLayout xmlns:a="http://schemas.openxmlformats.org/drawingml/2006/main" xmlns:r="http://schemas.openxmlformats.org/officeDocument/2006/relationships" xmlns:p="http://schemas.openxmlformats.org/presentationml/2006/main" type="titleOnly" preserve="1">
   <p:cSld name="Title Only">
     <p:spTree>
       <p:nvGrpSpPr>
@@ -3232,16 +3479,17 @@
           </a:prstGeom>
         </p:spPr>
         <p:txBody>
-          <a:bodyPr lIns="0" rIns="0" tIns="0" bIns="0" anchor="ctr"/>
+          <a:bodyPr lIns="0" tIns="0" rIns="0" bIns="0" anchor="ctr"/>
+          <a:lstStyle/>
           <a:p>
             <a:pPr algn="ctr"/>
-            <a:endParaRPr lang="en-US" sz="4400" spc="-1" strike="noStrike">
-              <a:solidFill>
-                <a:srgbClr val="ffffff"/>
-              </a:solidFill>
-              <a:uFill>
-                <a:solidFill>
-                  <a:srgbClr val="ffffff"/>
+            <a:endParaRPr lang="en-US" sz="4400" strike="noStrike" spc="-1">
+              <a:solidFill>
+                <a:srgbClr val="FFFFFF"/>
+              </a:solidFill>
+              <a:uFill>
+                <a:solidFill>
+                  <a:srgbClr val="FFFFFF"/>
                 </a:solidFill>
               </a:uFill>
               <a:latin typeface="Arial"/>
@@ -3251,11 +3499,14 @@
       </p:sp>
     </p:spTree>
   </p:cSld>
+  <p:clrMapOvr>
+    <a:masterClrMapping/>
+  </p:clrMapOvr>
 </p:sldLayout>
 </file>
 
 <file path=ppt/slideLayouts/slideLayout6.xml><?xml version="1.0" encoding="utf-8"?>
-<p:sldLayout xmlns:a="http://schemas.openxmlformats.org/drawingml/2006/main" xmlns:p="http://schemas.openxmlformats.org/presentationml/2006/main" xmlns:r="http://schemas.openxmlformats.org/officeDocument/2006/relationships" type="objOnly" preserve="1">
+<p:sldLayout xmlns:a="http://schemas.openxmlformats.org/drawingml/2006/main" xmlns:r="http://schemas.openxmlformats.org/officeDocument/2006/relationships" xmlns:p="http://schemas.openxmlformats.org/presentationml/2006/main" type="objOnly" preserve="1">
   <p:cSld name="Centered Text">
     <p:spTree>
       <p:nvGrpSpPr>
@@ -3291,16 +3542,17 @@
           </a:prstGeom>
         </p:spPr>
         <p:txBody>
-          <a:bodyPr lIns="0" rIns="0" tIns="0" bIns="0" anchor="ctr"/>
+          <a:bodyPr lIns="0" tIns="0" rIns="0" bIns="0" anchor="ctr"/>
+          <a:lstStyle/>
           <a:p>
             <a:pPr algn="ctr"/>
-            <a:endParaRPr lang="en-US" sz="3200" spc="-1" strike="noStrike">
-              <a:solidFill>
-                <a:srgbClr val="ffffff"/>
-              </a:solidFill>
-              <a:uFill>
-                <a:solidFill>
-                  <a:srgbClr val="ffffff"/>
+            <a:endParaRPr lang="en-US" sz="3200" strike="noStrike" spc="-1">
+              <a:solidFill>
+                <a:srgbClr val="FFFFFF"/>
+              </a:solidFill>
+              <a:uFill>
+                <a:solidFill>
+                  <a:srgbClr val="FFFFFF"/>
                 </a:solidFill>
               </a:uFill>
               <a:latin typeface="Arial"/>
@@ -3310,11 +3562,14 @@
       </p:sp>
     </p:spTree>
   </p:cSld>
+  <p:clrMapOvr>
+    <a:masterClrMapping/>
+  </p:clrMapOvr>
 </p:sldLayout>
 </file>
 
 <file path=ppt/slideLayouts/slideLayout7.xml><?xml version="1.0" encoding="utf-8"?>
-<p:sldLayout xmlns:a="http://schemas.openxmlformats.org/drawingml/2006/main" xmlns:p="http://schemas.openxmlformats.org/presentationml/2006/main" xmlns:r="http://schemas.openxmlformats.org/officeDocument/2006/relationships" type="twoObjAndObj" preserve="1">
+<p:sldLayout xmlns:a="http://schemas.openxmlformats.org/drawingml/2006/main" xmlns:r="http://schemas.openxmlformats.org/officeDocument/2006/relationships" xmlns:p="http://schemas.openxmlformats.org/presentationml/2006/main" type="twoObjAndObj" preserve="1">
   <p:cSld name="Title, 2 Content and Content">
     <p:spTree>
       <p:nvGrpSpPr>
@@ -3350,16 +3605,17 @@
           </a:prstGeom>
         </p:spPr>
         <p:txBody>
-          <a:bodyPr lIns="0" rIns="0" tIns="0" bIns="0" anchor="ctr"/>
+          <a:bodyPr lIns="0" tIns="0" rIns="0" bIns="0" anchor="ctr"/>
+          <a:lstStyle/>
           <a:p>
             <a:pPr algn="ctr"/>
-            <a:endParaRPr lang="en-US" sz="4400" spc="-1" strike="noStrike">
-              <a:solidFill>
-                <a:srgbClr val="ffffff"/>
-              </a:solidFill>
-              <a:uFill>
-                <a:solidFill>
-                  <a:srgbClr val="ffffff"/>
+            <a:endParaRPr lang="en-US" sz="4400" strike="noStrike" spc="-1">
+              <a:solidFill>
+                <a:srgbClr val="FFFFFF"/>
+              </a:solidFill>
+              <a:uFill>
+                <a:solidFill>
+                  <a:srgbClr val="FFFFFF"/>
                 </a:solidFill>
               </a:uFill>
               <a:latin typeface="Arial"/>
@@ -3387,15 +3643,16 @@
           </a:prstGeom>
         </p:spPr>
         <p:txBody>
-          <a:bodyPr lIns="0" rIns="0" tIns="0" bIns="0"/>
-          <a:p>
-            <a:endParaRPr lang="en-US" sz="3200" spc="-1" strike="noStrike">
-              <a:solidFill>
-                <a:srgbClr val="ffffff"/>
-              </a:solidFill>
-              <a:uFill>
-                <a:solidFill>
-                  <a:srgbClr val="ffffff"/>
+          <a:bodyPr lIns="0" tIns="0" rIns="0" bIns="0"/>
+          <a:lstStyle/>
+          <a:p>
+            <a:endParaRPr lang="en-US" sz="3200" strike="noStrike" spc="-1">
+              <a:solidFill>
+                <a:srgbClr val="FFFFFF"/>
+              </a:solidFill>
+              <a:uFill>
+                <a:solidFill>
+                  <a:srgbClr val="FFFFFF"/>
                 </a:solidFill>
               </a:uFill>
               <a:latin typeface="Arial"/>
@@ -3423,15 +3680,16 @@
           </a:prstGeom>
         </p:spPr>
         <p:txBody>
-          <a:bodyPr lIns="0" rIns="0" tIns="0" bIns="0"/>
-          <a:p>
-            <a:endParaRPr lang="en-US" sz="3200" spc="-1" strike="noStrike">
-              <a:solidFill>
-                <a:srgbClr val="ffffff"/>
-              </a:solidFill>
-              <a:uFill>
-                <a:solidFill>
-                  <a:srgbClr val="ffffff"/>
+          <a:bodyPr lIns="0" tIns="0" rIns="0" bIns="0"/>
+          <a:lstStyle/>
+          <a:p>
+            <a:endParaRPr lang="en-US" sz="3200" strike="noStrike" spc="-1">
+              <a:solidFill>
+                <a:srgbClr val="FFFFFF"/>
+              </a:solidFill>
+              <a:uFill>
+                <a:solidFill>
+                  <a:srgbClr val="FFFFFF"/>
                 </a:solidFill>
               </a:uFill>
               <a:latin typeface="Arial"/>
@@ -3459,15 +3717,16 @@
           </a:prstGeom>
         </p:spPr>
         <p:txBody>
-          <a:bodyPr lIns="0" rIns="0" tIns="0" bIns="0"/>
-          <a:p>
-            <a:endParaRPr lang="en-US" sz="3200" spc="-1" strike="noStrike">
-              <a:solidFill>
-                <a:srgbClr val="ffffff"/>
-              </a:solidFill>
-              <a:uFill>
-                <a:solidFill>
-                  <a:srgbClr val="ffffff"/>
+          <a:bodyPr lIns="0" tIns="0" rIns="0" bIns="0"/>
+          <a:lstStyle/>
+          <a:p>
+            <a:endParaRPr lang="en-US" sz="3200" strike="noStrike" spc="-1">
+              <a:solidFill>
+                <a:srgbClr val="FFFFFF"/>
+              </a:solidFill>
+              <a:uFill>
+                <a:solidFill>
+                  <a:srgbClr val="FFFFFF"/>
                 </a:solidFill>
               </a:uFill>
               <a:latin typeface="Arial"/>
@@ -3477,11 +3736,14 @@
       </p:sp>
     </p:spTree>
   </p:cSld>
+  <p:clrMapOvr>
+    <a:masterClrMapping/>
+  </p:clrMapOvr>
 </p:sldLayout>
 </file>
 
 <file path=ppt/slideLayouts/slideLayout8.xml><?xml version="1.0" encoding="utf-8"?>
-<p:sldLayout xmlns:a="http://schemas.openxmlformats.org/drawingml/2006/main" xmlns:p="http://schemas.openxmlformats.org/presentationml/2006/main" xmlns:r="http://schemas.openxmlformats.org/officeDocument/2006/relationships" type="objAndTwoObj" preserve="1">
+<p:sldLayout xmlns:a="http://schemas.openxmlformats.org/drawingml/2006/main" xmlns:r="http://schemas.openxmlformats.org/officeDocument/2006/relationships" xmlns:p="http://schemas.openxmlformats.org/presentationml/2006/main" type="objAndTwoObj" preserve="1">
   <p:cSld name="Title Content and 2 Content">
     <p:spTree>
       <p:nvGrpSpPr>
@@ -3517,16 +3779,17 @@
           </a:prstGeom>
         </p:spPr>
         <p:txBody>
-          <a:bodyPr lIns="0" rIns="0" tIns="0" bIns="0" anchor="ctr"/>
+          <a:bodyPr lIns="0" tIns="0" rIns="0" bIns="0" anchor="ctr"/>
+          <a:lstStyle/>
           <a:p>
             <a:pPr algn="ctr"/>
-            <a:endParaRPr lang="en-US" sz="4400" spc="-1" strike="noStrike">
-              <a:solidFill>
-                <a:srgbClr val="ffffff"/>
-              </a:solidFill>
-              <a:uFill>
-                <a:solidFill>
-                  <a:srgbClr val="ffffff"/>
+            <a:endParaRPr lang="en-US" sz="4400" strike="noStrike" spc="-1">
+              <a:solidFill>
+                <a:srgbClr val="FFFFFF"/>
+              </a:solidFill>
+              <a:uFill>
+                <a:solidFill>
+                  <a:srgbClr val="FFFFFF"/>
                 </a:solidFill>
               </a:uFill>
               <a:latin typeface="Arial"/>
@@ -3554,15 +3817,16 @@
           </a:prstGeom>
         </p:spPr>
         <p:txBody>
-          <a:bodyPr lIns="0" rIns="0" tIns="0" bIns="0"/>
-          <a:p>
-            <a:endParaRPr lang="en-US" sz="3200" spc="-1" strike="noStrike">
-              <a:solidFill>
-                <a:srgbClr val="ffffff"/>
-              </a:solidFill>
-              <a:uFill>
-                <a:solidFill>
-                  <a:srgbClr val="ffffff"/>
+          <a:bodyPr lIns="0" tIns="0" rIns="0" bIns="0"/>
+          <a:lstStyle/>
+          <a:p>
+            <a:endParaRPr lang="en-US" sz="3200" strike="noStrike" spc="-1">
+              <a:solidFill>
+                <a:srgbClr val="FFFFFF"/>
+              </a:solidFill>
+              <a:uFill>
+                <a:solidFill>
+                  <a:srgbClr val="FFFFFF"/>
                 </a:solidFill>
               </a:uFill>
               <a:latin typeface="Arial"/>
@@ -3590,15 +3854,16 @@
           </a:prstGeom>
         </p:spPr>
         <p:txBody>
-          <a:bodyPr lIns="0" rIns="0" tIns="0" bIns="0"/>
-          <a:p>
-            <a:endParaRPr lang="en-US" sz="3200" spc="-1" strike="noStrike">
-              <a:solidFill>
-                <a:srgbClr val="ffffff"/>
-              </a:solidFill>
-              <a:uFill>
-                <a:solidFill>
-                  <a:srgbClr val="ffffff"/>
+          <a:bodyPr lIns="0" tIns="0" rIns="0" bIns="0"/>
+          <a:lstStyle/>
+          <a:p>
+            <a:endParaRPr lang="en-US" sz="3200" strike="noStrike" spc="-1">
+              <a:solidFill>
+                <a:srgbClr val="FFFFFF"/>
+              </a:solidFill>
+              <a:uFill>
+                <a:solidFill>
+                  <a:srgbClr val="FFFFFF"/>
                 </a:solidFill>
               </a:uFill>
               <a:latin typeface="Arial"/>
@@ -3626,15 +3891,16 @@
           </a:prstGeom>
         </p:spPr>
         <p:txBody>
-          <a:bodyPr lIns="0" rIns="0" tIns="0" bIns="0"/>
-          <a:p>
-            <a:endParaRPr lang="en-US" sz="3200" spc="-1" strike="noStrike">
-              <a:solidFill>
-                <a:srgbClr val="ffffff"/>
-              </a:solidFill>
-              <a:uFill>
-                <a:solidFill>
-                  <a:srgbClr val="ffffff"/>
+          <a:bodyPr lIns="0" tIns="0" rIns="0" bIns="0"/>
+          <a:lstStyle/>
+          <a:p>
+            <a:endParaRPr lang="en-US" sz="3200" strike="noStrike" spc="-1">
+              <a:solidFill>
+                <a:srgbClr val="FFFFFF"/>
+              </a:solidFill>
+              <a:uFill>
+                <a:solidFill>
+                  <a:srgbClr val="FFFFFF"/>
                 </a:solidFill>
               </a:uFill>
               <a:latin typeface="Arial"/>
@@ -3644,11 +3910,14 @@
       </p:sp>
     </p:spTree>
   </p:cSld>
+  <p:clrMapOvr>
+    <a:masterClrMapping/>
+  </p:clrMapOvr>
 </p:sldLayout>
 </file>
 
 <file path=ppt/slideLayouts/slideLayout9.xml><?xml version="1.0" encoding="utf-8"?>
-<p:sldLayout xmlns:a="http://schemas.openxmlformats.org/drawingml/2006/main" xmlns:p="http://schemas.openxmlformats.org/presentationml/2006/main" xmlns:r="http://schemas.openxmlformats.org/officeDocument/2006/relationships" type="twoObjOverTx" preserve="1">
+<p:sldLayout xmlns:a="http://schemas.openxmlformats.org/drawingml/2006/main" xmlns:r="http://schemas.openxmlformats.org/officeDocument/2006/relationships" xmlns:p="http://schemas.openxmlformats.org/presentationml/2006/main" type="twoObjOverTx" preserve="1">
   <p:cSld name="Title, 2 Content over Content">
     <p:spTree>
       <p:nvGrpSpPr>
@@ -3684,16 +3953,17 @@
           </a:prstGeom>
         </p:spPr>
         <p:txBody>
-          <a:bodyPr lIns="0" rIns="0" tIns="0" bIns="0" anchor="ctr"/>
+          <a:bodyPr lIns="0" tIns="0" rIns="0" bIns="0" anchor="ctr"/>
+          <a:lstStyle/>
           <a:p>
             <a:pPr algn="ctr"/>
-            <a:endParaRPr lang="en-US" sz="4400" spc="-1" strike="noStrike">
-              <a:solidFill>
-                <a:srgbClr val="ffffff"/>
-              </a:solidFill>
-              <a:uFill>
-                <a:solidFill>
-                  <a:srgbClr val="ffffff"/>
+            <a:endParaRPr lang="en-US" sz="4400" strike="noStrike" spc="-1">
+              <a:solidFill>
+                <a:srgbClr val="FFFFFF"/>
+              </a:solidFill>
+              <a:uFill>
+                <a:solidFill>
+                  <a:srgbClr val="FFFFFF"/>
                 </a:solidFill>
               </a:uFill>
               <a:latin typeface="Arial"/>
@@ -3721,15 +3991,16 @@
           </a:prstGeom>
         </p:spPr>
         <p:txBody>
-          <a:bodyPr lIns="0" rIns="0" tIns="0" bIns="0"/>
-          <a:p>
-            <a:endParaRPr lang="en-US" sz="3200" spc="-1" strike="noStrike">
-              <a:solidFill>
-                <a:srgbClr val="ffffff"/>
-              </a:solidFill>
-              <a:uFill>
-                <a:solidFill>
-                  <a:srgbClr val="ffffff"/>
+          <a:bodyPr lIns="0" tIns="0" rIns="0" bIns="0"/>
+          <a:lstStyle/>
+          <a:p>
+            <a:endParaRPr lang="en-US" sz="3200" strike="noStrike" spc="-1">
+              <a:solidFill>
+                <a:srgbClr val="FFFFFF"/>
+              </a:solidFill>
+              <a:uFill>
+                <a:solidFill>
+                  <a:srgbClr val="FFFFFF"/>
                 </a:solidFill>
               </a:uFill>
               <a:latin typeface="Arial"/>
@@ -3757,15 +4028,16 @@
           </a:prstGeom>
         </p:spPr>
         <p:txBody>
-          <a:bodyPr lIns="0" rIns="0" tIns="0" bIns="0"/>
-          <a:p>
-            <a:endParaRPr lang="en-US" sz="3200" spc="-1" strike="noStrike">
-              <a:solidFill>
-                <a:srgbClr val="ffffff"/>
-              </a:solidFill>
-              <a:uFill>
-                <a:solidFill>
-                  <a:srgbClr val="ffffff"/>
+          <a:bodyPr lIns="0" tIns="0" rIns="0" bIns="0"/>
+          <a:lstStyle/>
+          <a:p>
+            <a:endParaRPr lang="en-US" sz="3200" strike="noStrike" spc="-1">
+              <a:solidFill>
+                <a:srgbClr val="FFFFFF"/>
+              </a:solidFill>
+              <a:uFill>
+                <a:solidFill>
+                  <a:srgbClr val="FFFFFF"/>
                 </a:solidFill>
               </a:uFill>
               <a:latin typeface="Arial"/>
@@ -3793,15 +4065,16 @@
           </a:prstGeom>
         </p:spPr>
         <p:txBody>
-          <a:bodyPr lIns="0" rIns="0" tIns="0" bIns="0"/>
-          <a:p>
-            <a:endParaRPr lang="en-US" sz="3200" spc="-1" strike="noStrike">
-              <a:solidFill>
-                <a:srgbClr val="ffffff"/>
-              </a:solidFill>
-              <a:uFill>
-                <a:solidFill>
-                  <a:srgbClr val="ffffff"/>
+          <a:bodyPr lIns="0" tIns="0" rIns="0" bIns="0"/>
+          <a:lstStyle/>
+          <a:p>
+            <a:endParaRPr lang="en-US" sz="3200" strike="noStrike" spc="-1">
+              <a:solidFill>
+                <a:srgbClr val="FFFFFF"/>
+              </a:solidFill>
+              <a:uFill>
+                <a:solidFill>
+                  <a:srgbClr val="FFFFFF"/>
                 </a:solidFill>
               </a:uFill>
               <a:latin typeface="Arial"/>
@@ -3811,20 +4084,24 @@
       </p:sp>
     </p:spTree>
   </p:cSld>
+  <p:clrMapOvr>
+    <a:masterClrMapping/>
+  </p:clrMapOvr>
 </p:sldLayout>
 </file>
 
 <file path=ppt/slideMasters/slideMaster1.xml><?xml version="1.0" encoding="utf-8"?>
-<p:sldMaster xmlns:a="http://schemas.openxmlformats.org/drawingml/2006/main" xmlns:p="http://schemas.openxmlformats.org/presentationml/2006/main" xmlns:r="http://schemas.openxmlformats.org/officeDocument/2006/relationships">
+<p:sldMaster xmlns:a="http://schemas.openxmlformats.org/drawingml/2006/main" xmlns:r="http://schemas.openxmlformats.org/officeDocument/2006/relationships" xmlns:p="http://schemas.openxmlformats.org/presentationml/2006/main">
   <p:cSld>
     <p:bg>
       <p:bgPr>
         <a:blipFill>
-          <a:blip r:embed="rId2"/>
+          <a:blip r:embed="rId14"/>
           <a:stretch>
             <a:fillRect/>
           </a:stretch>
         </a:blipFill>
+        <a:effectLst/>
       </p:bgPr>
     </p:bg>
     <p:spTree>
@@ -3843,7 +4120,7 @@
       </p:grpSpPr>
       <p:sp>
         <p:nvSpPr>
-          <p:cNvPr id="0" name="PlaceHolder 1"/>
+          <p:cNvPr id="2" name="PlaceHolder 1"/>
           <p:cNvSpPr>
             <a:spLocks noGrp="1"/>
           </p:cNvSpPr>
@@ -3861,16 +4138,17 @@
           </a:prstGeom>
         </p:spPr>
         <p:txBody>
-          <a:bodyPr lIns="0" rIns="0" tIns="0" bIns="0" anchor="ctr"/>
+          <a:bodyPr lIns="0" tIns="0" rIns="0" bIns="0" anchor="ctr"/>
+          <a:lstStyle/>
           <a:p>
             <a:pPr algn="ctr"/>
-            <a:endParaRPr lang="en-US" sz="4400" spc="-1" strike="noStrike">
-              <a:solidFill>
-                <a:srgbClr val="ffffff"/>
-              </a:solidFill>
-              <a:uFill>
-                <a:solidFill>
-                  <a:srgbClr val="ffffff"/>
+            <a:endParaRPr lang="en-US" sz="4400" strike="noStrike" spc="-1">
+              <a:solidFill>
+                <a:srgbClr val="FFFFFF"/>
+              </a:solidFill>
+              <a:uFill>
+                <a:solidFill>
+                  <a:srgbClr val="FFFFFF"/>
                 </a:solidFill>
               </a:uFill>
               <a:latin typeface="Arial"/>
@@ -3880,7 +4158,7 @@
       </p:sp>
       <p:sp>
         <p:nvSpPr>
-          <p:cNvPr id="1" name="PlaceHolder 2"/>
+          <p:cNvPr id="3" name="PlaceHolder 2"/>
           <p:cNvSpPr>
             <a:spLocks noGrp="1"/>
           </p:cNvSpPr>
@@ -3898,285 +4176,490 @@
           </a:prstGeom>
         </p:spPr>
         <p:txBody>
-          <a:bodyPr lIns="0" rIns="0" tIns="0" bIns="0"/>
+          <a:bodyPr lIns="0" tIns="0" rIns="0" bIns="0"/>
+          <a:lstStyle/>
           <a:p>
             <a:pPr marL="432000" indent="-324000">
               <a:buClr>
-                <a:srgbClr val="ffffff"/>
+                <a:srgbClr val="FFFFFF"/>
               </a:buClr>
               <a:buSzPct val="45000"/>
               <a:buFont typeface="Wingdings" charset="2"/>
               <a:buChar char=""/>
             </a:pPr>
             <a:r>
-              <a:rPr lang="en-US" sz="1800" spc="-1" strike="noStrike">
-                <a:solidFill>
-                  <a:srgbClr val="ffffff"/>
-                </a:solidFill>
-                <a:uFill>
-                  <a:solidFill>
-                    <a:srgbClr val="ffffff"/>
+              <a:rPr lang="en-US" sz="1800" strike="noStrike" spc="-1">
+                <a:solidFill>
+                  <a:srgbClr val="FFFFFF"/>
+                </a:solidFill>
+                <a:uFill>
+                  <a:solidFill>
+                    <a:srgbClr val="FFFFFF"/>
                   </a:solidFill>
                 </a:uFill>
                 <a:latin typeface="Arial"/>
               </a:rPr>
               <a:t>Click to edit the outline text format</a:t>
             </a:r>
-            <a:endParaRPr lang="en-US" sz="1800" spc="-1" strike="noStrike">
-              <a:solidFill>
-                <a:srgbClr val="ffffff"/>
-              </a:solidFill>
-              <a:uFill>
-                <a:solidFill>
-                  <a:srgbClr val="ffffff"/>
-                </a:solidFill>
-              </a:uFill>
-              <a:latin typeface="Arial"/>
-            </a:endParaRPr>
-          </a:p>
-          <a:p>
-            <a:pPr lvl="1" marL="864000" indent="-324000">
+          </a:p>
+          <a:p>
+            <a:pPr marL="864000" lvl="1" indent="-324000">
               <a:buClr>
-                <a:srgbClr val="ffffff"/>
+                <a:srgbClr val="FFFFFF"/>
               </a:buClr>
               <a:buSzPct val="75000"/>
               <a:buFont typeface="Symbol" charset="2"/>
               <a:buChar char=""/>
             </a:pPr>
             <a:r>
-              <a:rPr lang="en-US" sz="1800" spc="-1" strike="noStrike">
-                <a:solidFill>
-                  <a:srgbClr val="ffffff"/>
-                </a:solidFill>
-                <a:uFill>
-                  <a:solidFill>
-                    <a:srgbClr val="ffffff"/>
+              <a:rPr lang="en-US" sz="1800" strike="noStrike" spc="-1">
+                <a:solidFill>
+                  <a:srgbClr val="FFFFFF"/>
+                </a:solidFill>
+                <a:uFill>
+                  <a:solidFill>
+                    <a:srgbClr val="FFFFFF"/>
                   </a:solidFill>
                 </a:uFill>
                 <a:latin typeface="Arial"/>
               </a:rPr>
               <a:t>Second Outline Level</a:t>
             </a:r>
-            <a:endParaRPr lang="en-US" sz="1800" spc="-1" strike="noStrike">
-              <a:solidFill>
-                <a:srgbClr val="ffffff"/>
-              </a:solidFill>
-              <a:uFill>
-                <a:solidFill>
-                  <a:srgbClr val="ffffff"/>
-                </a:solidFill>
-              </a:uFill>
-              <a:latin typeface="Arial"/>
-            </a:endParaRPr>
-          </a:p>
-          <a:p>
-            <a:pPr lvl="2" marL="1296000" indent="-288000">
+          </a:p>
+          <a:p>
+            <a:pPr marL="1296000" lvl="2" indent="-288000">
               <a:buClr>
-                <a:srgbClr val="ffffff"/>
+                <a:srgbClr val="FFFFFF"/>
               </a:buClr>
               <a:buSzPct val="45000"/>
               <a:buFont typeface="Wingdings" charset="2"/>
               <a:buChar char=""/>
             </a:pPr>
             <a:r>
-              <a:rPr lang="en-US" sz="1800" spc="-1" strike="noStrike">
-                <a:solidFill>
-                  <a:srgbClr val="ffffff"/>
-                </a:solidFill>
-                <a:uFill>
-                  <a:solidFill>
-                    <a:srgbClr val="ffffff"/>
+              <a:rPr lang="en-US" sz="1800" strike="noStrike" spc="-1">
+                <a:solidFill>
+                  <a:srgbClr val="FFFFFF"/>
+                </a:solidFill>
+                <a:uFill>
+                  <a:solidFill>
+                    <a:srgbClr val="FFFFFF"/>
                   </a:solidFill>
                 </a:uFill>
                 <a:latin typeface="Arial"/>
               </a:rPr>
               <a:t>Third Outline Level</a:t>
             </a:r>
-            <a:endParaRPr lang="en-US" sz="1800" spc="-1" strike="noStrike">
-              <a:solidFill>
-                <a:srgbClr val="ffffff"/>
-              </a:solidFill>
-              <a:uFill>
-                <a:solidFill>
-                  <a:srgbClr val="ffffff"/>
-                </a:solidFill>
-              </a:uFill>
-              <a:latin typeface="Arial"/>
-            </a:endParaRPr>
-          </a:p>
-          <a:p>
-            <a:pPr lvl="3" marL="1728000" indent="-216000">
+          </a:p>
+          <a:p>
+            <a:pPr marL="1728000" lvl="3" indent="-216000">
               <a:buClr>
-                <a:srgbClr val="ffffff"/>
+                <a:srgbClr val="FFFFFF"/>
               </a:buClr>
               <a:buSzPct val="75000"/>
               <a:buFont typeface="Symbol" charset="2"/>
               <a:buChar char=""/>
             </a:pPr>
             <a:r>
-              <a:rPr lang="en-US" sz="1800" spc="-1" strike="noStrike">
-                <a:solidFill>
-                  <a:srgbClr val="ffffff"/>
-                </a:solidFill>
-                <a:uFill>
-                  <a:solidFill>
-                    <a:srgbClr val="ffffff"/>
+              <a:rPr lang="en-US" sz="1800" strike="noStrike" spc="-1">
+                <a:solidFill>
+                  <a:srgbClr val="FFFFFF"/>
+                </a:solidFill>
+                <a:uFill>
+                  <a:solidFill>
+                    <a:srgbClr val="FFFFFF"/>
                   </a:solidFill>
                 </a:uFill>
                 <a:latin typeface="Arial"/>
               </a:rPr>
               <a:t>Fourth Outline Level</a:t>
             </a:r>
-            <a:endParaRPr lang="en-US" sz="1800" spc="-1" strike="noStrike">
-              <a:solidFill>
-                <a:srgbClr val="ffffff"/>
-              </a:solidFill>
-              <a:uFill>
-                <a:solidFill>
-                  <a:srgbClr val="ffffff"/>
-                </a:solidFill>
-              </a:uFill>
-              <a:latin typeface="Arial"/>
-            </a:endParaRPr>
-          </a:p>
-          <a:p>
-            <a:pPr lvl="4" marL="2160000" indent="-216000">
+          </a:p>
+          <a:p>
+            <a:pPr marL="2160000" lvl="4" indent="-216000">
               <a:buClr>
-                <a:srgbClr val="ffffff"/>
+                <a:srgbClr val="FFFFFF"/>
               </a:buClr>
               <a:buSzPct val="45000"/>
               <a:buFont typeface="Wingdings" charset="2"/>
               <a:buChar char=""/>
             </a:pPr>
             <a:r>
-              <a:rPr lang="en-US" sz="1800" spc="-1" strike="noStrike">
-                <a:solidFill>
-                  <a:srgbClr val="ffffff"/>
-                </a:solidFill>
-                <a:uFill>
-                  <a:solidFill>
-                    <a:srgbClr val="ffffff"/>
+              <a:rPr lang="en-US" sz="1800" strike="noStrike" spc="-1">
+                <a:solidFill>
+                  <a:srgbClr val="FFFFFF"/>
+                </a:solidFill>
+                <a:uFill>
+                  <a:solidFill>
+                    <a:srgbClr val="FFFFFF"/>
                   </a:solidFill>
                 </a:uFill>
                 <a:latin typeface="Arial"/>
               </a:rPr>
               <a:t>Fifth Outline Level</a:t>
             </a:r>
-            <a:endParaRPr lang="en-US" sz="1800" spc="-1" strike="noStrike">
-              <a:solidFill>
-                <a:srgbClr val="ffffff"/>
-              </a:solidFill>
-              <a:uFill>
-                <a:solidFill>
-                  <a:srgbClr val="ffffff"/>
-                </a:solidFill>
-              </a:uFill>
-              <a:latin typeface="Arial"/>
-            </a:endParaRPr>
-          </a:p>
-          <a:p>
-            <a:pPr lvl="5" marL="2592000" indent="-216000">
+          </a:p>
+          <a:p>
+            <a:pPr marL="2592000" lvl="5" indent="-216000">
               <a:buClr>
-                <a:srgbClr val="ffffff"/>
+                <a:srgbClr val="FFFFFF"/>
               </a:buClr>
               <a:buSzPct val="45000"/>
               <a:buFont typeface="Wingdings" charset="2"/>
               <a:buChar char=""/>
             </a:pPr>
             <a:r>
-              <a:rPr lang="en-US" sz="1800" spc="-1" strike="noStrike">
-                <a:solidFill>
-                  <a:srgbClr val="ffffff"/>
-                </a:solidFill>
-                <a:uFill>
-                  <a:solidFill>
-                    <a:srgbClr val="ffffff"/>
+              <a:rPr lang="en-US" sz="1800" strike="noStrike" spc="-1">
+                <a:solidFill>
+                  <a:srgbClr val="FFFFFF"/>
+                </a:solidFill>
+                <a:uFill>
+                  <a:solidFill>
+                    <a:srgbClr val="FFFFFF"/>
                   </a:solidFill>
                 </a:uFill>
                 <a:latin typeface="Arial"/>
               </a:rPr>
               <a:t>Sixth Outline Level</a:t>
             </a:r>
-            <a:endParaRPr lang="en-US" sz="1800" spc="-1" strike="noStrike">
-              <a:solidFill>
-                <a:srgbClr val="ffffff"/>
-              </a:solidFill>
-              <a:uFill>
-                <a:solidFill>
-                  <a:srgbClr val="ffffff"/>
-                </a:solidFill>
-              </a:uFill>
-              <a:latin typeface="Arial"/>
-            </a:endParaRPr>
-          </a:p>
-          <a:p>
-            <a:pPr lvl="6" marL="3024000" indent="-216000">
+          </a:p>
+          <a:p>
+            <a:pPr marL="3024000" lvl="6" indent="-216000">
               <a:buClr>
-                <a:srgbClr val="ffffff"/>
+                <a:srgbClr val="FFFFFF"/>
               </a:buClr>
               <a:buSzPct val="45000"/>
               <a:buFont typeface="Wingdings" charset="2"/>
               <a:buChar char=""/>
             </a:pPr>
             <a:r>
-              <a:rPr lang="en-US" sz="1800" spc="-1" strike="noStrike">
-                <a:solidFill>
-                  <a:srgbClr val="ffffff"/>
-                </a:solidFill>
-                <a:uFill>
-                  <a:solidFill>
-                    <a:srgbClr val="ffffff"/>
+              <a:rPr lang="en-US" sz="1800" strike="noStrike" spc="-1">
+                <a:solidFill>
+                  <a:srgbClr val="FFFFFF"/>
+                </a:solidFill>
+                <a:uFill>
+                  <a:solidFill>
+                    <a:srgbClr val="FFFFFF"/>
                   </a:solidFill>
                 </a:uFill>
                 <a:latin typeface="Arial"/>
               </a:rPr>
               <a:t>Seventh Outline Level</a:t>
             </a:r>
-            <a:endParaRPr lang="en-US" sz="1800" spc="-1" strike="noStrike">
-              <a:solidFill>
-                <a:srgbClr val="ffffff"/>
-              </a:solidFill>
-              <a:uFill>
-                <a:solidFill>
-                  <a:srgbClr val="ffffff"/>
-                </a:solidFill>
-              </a:uFill>
-              <a:latin typeface="Arial"/>
-            </a:endParaRPr>
           </a:p>
         </p:txBody>
       </p:sp>
     </p:spTree>
   </p:cSld>
-  <p:clrMap bg1="lt1" bg2="lt2" tx1="dk1" tx2="dk2" accent1="accent1" accent2="accent2" accent3="accent3" accent4="accent4" accent5="accent5" accent6="accent6" hlink="hlink" folHlink="folHlink"/>
+  <p:clrMap bg1="lt1" tx1="dk1" bg2="lt2" tx2="dk2" accent1="accent1" accent2="accent2" accent3="accent3" accent4="accent4" accent5="accent5" accent6="accent6" hlink="hlink" folHlink="folHlink"/>
   <p:sldLayoutIdLst>
-    <p:sldLayoutId id="2147483649" r:id="rId3"/>
-    <p:sldLayoutId id="2147483650" r:id="rId4"/>
-    <p:sldLayoutId id="2147483651" r:id="rId5"/>
-    <p:sldLayoutId id="2147483652" r:id="rId6"/>
-    <p:sldLayoutId id="2147483653" r:id="rId7"/>
-    <p:sldLayoutId id="2147483654" r:id="rId8"/>
-    <p:sldLayoutId id="2147483655" r:id="rId9"/>
-    <p:sldLayoutId id="2147483656" r:id="rId10"/>
-    <p:sldLayoutId id="2147483657" r:id="rId11"/>
-    <p:sldLayoutId id="2147483658" r:id="rId12"/>
-    <p:sldLayoutId id="2147483659" r:id="rId13"/>
-    <p:sldLayoutId id="2147483660" r:id="rId14"/>
+    <p:sldLayoutId id="2147483649" r:id="rId1"/>
+    <p:sldLayoutId id="2147483650" r:id="rId2"/>
+    <p:sldLayoutId id="2147483651" r:id="rId3"/>
+    <p:sldLayoutId id="2147483652" r:id="rId4"/>
+    <p:sldLayoutId id="2147483653" r:id="rId5"/>
+    <p:sldLayoutId id="2147483654" r:id="rId6"/>
+    <p:sldLayoutId id="2147483655" r:id="rId7"/>
+    <p:sldLayoutId id="2147483656" r:id="rId8"/>
+    <p:sldLayoutId id="2147483657" r:id="rId9"/>
+    <p:sldLayoutId id="2147483658" r:id="rId10"/>
+    <p:sldLayoutId id="2147483659" r:id="rId11"/>
+    <p:sldLayoutId id="2147483660" r:id="rId12"/>
   </p:sldLayoutIdLst>
+  <p:txStyles>
+    <p:titleStyle>
+      <a:lvl1pPr algn="l" defTabSz="914400" rtl="0" eaLnBrk="1" latinLnBrk="0" hangingPunct="1">
+        <a:lnSpc>
+          <a:spcPct val="90000"/>
+        </a:lnSpc>
+        <a:spcBef>
+          <a:spcPct val="0"/>
+        </a:spcBef>
+        <a:buNone/>
+        <a:defRPr sz="4400" kern="1200">
+          <a:solidFill>
+            <a:schemeClr val="tx1"/>
+          </a:solidFill>
+          <a:latin typeface="+mj-lt"/>
+          <a:ea typeface="+mj-ea"/>
+          <a:cs typeface="+mj-cs"/>
+        </a:defRPr>
+      </a:lvl1pPr>
+    </p:titleStyle>
+    <p:bodyStyle>
+      <a:lvl1pPr marL="228600" indent="-228600" algn="l" defTabSz="914400" rtl="0" eaLnBrk="1" latinLnBrk="0" hangingPunct="1">
+        <a:lnSpc>
+          <a:spcPct val="90000"/>
+        </a:lnSpc>
+        <a:spcBef>
+          <a:spcPts val="1000"/>
+        </a:spcBef>
+        <a:buFont typeface="Arial" panose="020B0604020202020204" pitchFamily="34" charset="0"/>
+        <a:buChar char="•"/>
+        <a:defRPr sz="2800" kern="1200">
+          <a:solidFill>
+            <a:schemeClr val="tx1"/>
+          </a:solidFill>
+          <a:latin typeface="+mn-lt"/>
+          <a:ea typeface="+mn-ea"/>
+          <a:cs typeface="+mn-cs"/>
+        </a:defRPr>
+      </a:lvl1pPr>
+      <a:lvl2pPr marL="685800" indent="-228600" algn="l" defTabSz="914400" rtl="0" eaLnBrk="1" latinLnBrk="0" hangingPunct="1">
+        <a:lnSpc>
+          <a:spcPct val="90000"/>
+        </a:lnSpc>
+        <a:spcBef>
+          <a:spcPts val="500"/>
+        </a:spcBef>
+        <a:buFont typeface="Arial" panose="020B0604020202020204" pitchFamily="34" charset="0"/>
+        <a:buChar char="•"/>
+        <a:defRPr sz="2400" kern="1200">
+          <a:solidFill>
+            <a:schemeClr val="tx1"/>
+          </a:solidFill>
+          <a:latin typeface="+mn-lt"/>
+          <a:ea typeface="+mn-ea"/>
+          <a:cs typeface="+mn-cs"/>
+        </a:defRPr>
+      </a:lvl2pPr>
+      <a:lvl3pPr marL="1143000" indent="-228600" algn="l" defTabSz="914400" rtl="0" eaLnBrk="1" latinLnBrk="0" hangingPunct="1">
+        <a:lnSpc>
+          <a:spcPct val="90000"/>
+        </a:lnSpc>
+        <a:spcBef>
+          <a:spcPts val="500"/>
+        </a:spcBef>
+        <a:buFont typeface="Arial" panose="020B0604020202020204" pitchFamily="34" charset="0"/>
+        <a:buChar char="•"/>
+        <a:defRPr sz="2000" kern="1200">
+          <a:solidFill>
+            <a:schemeClr val="tx1"/>
+          </a:solidFill>
+          <a:latin typeface="+mn-lt"/>
+          <a:ea typeface="+mn-ea"/>
+          <a:cs typeface="+mn-cs"/>
+        </a:defRPr>
+      </a:lvl3pPr>
+      <a:lvl4pPr marL="1600200" indent="-228600" algn="l" defTabSz="914400" rtl="0" eaLnBrk="1" latinLnBrk="0" hangingPunct="1">
+        <a:lnSpc>
+          <a:spcPct val="90000"/>
+        </a:lnSpc>
+        <a:spcBef>
+          <a:spcPts val="500"/>
+        </a:spcBef>
+        <a:buFont typeface="Arial" panose="020B0604020202020204" pitchFamily="34" charset="0"/>
+        <a:buChar char="•"/>
+        <a:defRPr sz="1800" kern="1200">
+          <a:solidFill>
+            <a:schemeClr val="tx1"/>
+          </a:solidFill>
+          <a:latin typeface="+mn-lt"/>
+          <a:ea typeface="+mn-ea"/>
+          <a:cs typeface="+mn-cs"/>
+        </a:defRPr>
+      </a:lvl4pPr>
+      <a:lvl5pPr marL="2057400" indent="-228600" algn="l" defTabSz="914400" rtl="0" eaLnBrk="1" latinLnBrk="0" hangingPunct="1">
+        <a:lnSpc>
+          <a:spcPct val="90000"/>
+        </a:lnSpc>
+        <a:spcBef>
+          <a:spcPts val="500"/>
+        </a:spcBef>
+        <a:buFont typeface="Arial" panose="020B0604020202020204" pitchFamily="34" charset="0"/>
+        <a:buChar char="•"/>
+        <a:defRPr sz="1800" kern="1200">
+          <a:solidFill>
+            <a:schemeClr val="tx1"/>
+          </a:solidFill>
+          <a:latin typeface="+mn-lt"/>
+          <a:ea typeface="+mn-ea"/>
+          <a:cs typeface="+mn-cs"/>
+        </a:defRPr>
+      </a:lvl5pPr>
+      <a:lvl6pPr marL="2514600" indent="-228600" algn="l" defTabSz="914400" rtl="0" eaLnBrk="1" latinLnBrk="0" hangingPunct="1">
+        <a:lnSpc>
+          <a:spcPct val="90000"/>
+        </a:lnSpc>
+        <a:spcBef>
+          <a:spcPts val="500"/>
+        </a:spcBef>
+        <a:buFont typeface="Arial" panose="020B0604020202020204" pitchFamily="34" charset="0"/>
+        <a:buChar char="•"/>
+        <a:defRPr sz="1800" kern="1200">
+          <a:solidFill>
+            <a:schemeClr val="tx1"/>
+          </a:solidFill>
+          <a:latin typeface="+mn-lt"/>
+          <a:ea typeface="+mn-ea"/>
+          <a:cs typeface="+mn-cs"/>
+        </a:defRPr>
+      </a:lvl6pPr>
+      <a:lvl7pPr marL="2971800" indent="-228600" algn="l" defTabSz="914400" rtl="0" eaLnBrk="1" latinLnBrk="0" hangingPunct="1">
+        <a:lnSpc>
+          <a:spcPct val="90000"/>
+        </a:lnSpc>
+        <a:spcBef>
+          <a:spcPts val="500"/>
+        </a:spcBef>
+        <a:buFont typeface="Arial" panose="020B0604020202020204" pitchFamily="34" charset="0"/>
+        <a:buChar char="•"/>
+        <a:defRPr sz="1800" kern="1200">
+          <a:solidFill>
+            <a:schemeClr val="tx1"/>
+          </a:solidFill>
+          <a:latin typeface="+mn-lt"/>
+          <a:ea typeface="+mn-ea"/>
+          <a:cs typeface="+mn-cs"/>
+        </a:defRPr>
+      </a:lvl7pPr>
+      <a:lvl8pPr marL="3429000" indent="-228600" algn="l" defTabSz="914400" rtl="0" eaLnBrk="1" latinLnBrk="0" hangingPunct="1">
+        <a:lnSpc>
+          <a:spcPct val="90000"/>
+        </a:lnSpc>
+        <a:spcBef>
+          <a:spcPts val="500"/>
+        </a:spcBef>
+        <a:buFont typeface="Arial" panose="020B0604020202020204" pitchFamily="34" charset="0"/>
+        <a:buChar char="•"/>
+        <a:defRPr sz="1800" kern="1200">
+          <a:solidFill>
+            <a:schemeClr val="tx1"/>
+          </a:solidFill>
+          <a:latin typeface="+mn-lt"/>
+          <a:ea typeface="+mn-ea"/>
+          <a:cs typeface="+mn-cs"/>
+        </a:defRPr>
+      </a:lvl8pPr>
+      <a:lvl9pPr marL="3886200" indent="-228600" algn="l" defTabSz="914400" rtl="0" eaLnBrk="1" latinLnBrk="0" hangingPunct="1">
+        <a:lnSpc>
+          <a:spcPct val="90000"/>
+        </a:lnSpc>
+        <a:spcBef>
+          <a:spcPts val="500"/>
+        </a:spcBef>
+        <a:buFont typeface="Arial" panose="020B0604020202020204" pitchFamily="34" charset="0"/>
+        <a:buChar char="•"/>
+        <a:defRPr sz="1800" kern="1200">
+          <a:solidFill>
+            <a:schemeClr val="tx1"/>
+          </a:solidFill>
+          <a:latin typeface="+mn-lt"/>
+          <a:ea typeface="+mn-ea"/>
+          <a:cs typeface="+mn-cs"/>
+        </a:defRPr>
+      </a:lvl9pPr>
+    </p:bodyStyle>
+    <p:otherStyle>
+      <a:defPPr>
+        <a:defRPr lang="en-US"/>
+      </a:defPPr>
+      <a:lvl1pPr marL="0" algn="l" defTabSz="914400" rtl="0" eaLnBrk="1" latinLnBrk="0" hangingPunct="1">
+        <a:defRPr sz="1800" kern="1200">
+          <a:solidFill>
+            <a:schemeClr val="tx1"/>
+          </a:solidFill>
+          <a:latin typeface="+mn-lt"/>
+          <a:ea typeface="+mn-ea"/>
+          <a:cs typeface="+mn-cs"/>
+        </a:defRPr>
+      </a:lvl1pPr>
+      <a:lvl2pPr marL="457200" algn="l" defTabSz="914400" rtl="0" eaLnBrk="1" latinLnBrk="0" hangingPunct="1">
+        <a:defRPr sz="1800" kern="1200">
+          <a:solidFill>
+            <a:schemeClr val="tx1"/>
+          </a:solidFill>
+          <a:latin typeface="+mn-lt"/>
+          <a:ea typeface="+mn-ea"/>
+          <a:cs typeface="+mn-cs"/>
+        </a:defRPr>
+      </a:lvl2pPr>
+      <a:lvl3pPr marL="914400" algn="l" defTabSz="914400" rtl="0" eaLnBrk="1" latinLnBrk="0" hangingPunct="1">
+        <a:defRPr sz="1800" kern="1200">
+          <a:solidFill>
+            <a:schemeClr val="tx1"/>
+          </a:solidFill>
+          <a:latin typeface="+mn-lt"/>
+          <a:ea typeface="+mn-ea"/>
+          <a:cs typeface="+mn-cs"/>
+        </a:defRPr>
+      </a:lvl3pPr>
+      <a:lvl4pPr marL="1371600" algn="l" defTabSz="914400" rtl="0" eaLnBrk="1" latinLnBrk="0" hangingPunct="1">
+        <a:defRPr sz="1800" kern="1200">
+          <a:solidFill>
+            <a:schemeClr val="tx1"/>
+          </a:solidFill>
+          <a:latin typeface="+mn-lt"/>
+          <a:ea typeface="+mn-ea"/>
+          <a:cs typeface="+mn-cs"/>
+        </a:defRPr>
+      </a:lvl4pPr>
+      <a:lvl5pPr marL="1828800" algn="l" defTabSz="914400" rtl="0" eaLnBrk="1" latinLnBrk="0" hangingPunct="1">
+        <a:defRPr sz="1800" kern="1200">
+          <a:solidFill>
+            <a:schemeClr val="tx1"/>
+          </a:solidFill>
+          <a:latin typeface="+mn-lt"/>
+          <a:ea typeface="+mn-ea"/>
+          <a:cs typeface="+mn-cs"/>
+        </a:defRPr>
+      </a:lvl5pPr>
+      <a:lvl6pPr marL="2286000" algn="l" defTabSz="914400" rtl="0" eaLnBrk="1" latinLnBrk="0" hangingPunct="1">
+        <a:defRPr sz="1800" kern="1200">
+          <a:solidFill>
+            <a:schemeClr val="tx1"/>
+          </a:solidFill>
+          <a:latin typeface="+mn-lt"/>
+          <a:ea typeface="+mn-ea"/>
+          <a:cs typeface="+mn-cs"/>
+        </a:defRPr>
+      </a:lvl6pPr>
+      <a:lvl7pPr marL="2743200" algn="l" defTabSz="914400" rtl="0" eaLnBrk="1" latinLnBrk="0" hangingPunct="1">
+        <a:defRPr sz="1800" kern="1200">
+          <a:solidFill>
+            <a:schemeClr val="tx1"/>
+          </a:solidFill>
+          <a:latin typeface="+mn-lt"/>
+          <a:ea typeface="+mn-ea"/>
+          <a:cs typeface="+mn-cs"/>
+        </a:defRPr>
+      </a:lvl7pPr>
+      <a:lvl8pPr marL="3200400" algn="l" defTabSz="914400" rtl="0" eaLnBrk="1" latinLnBrk="0" hangingPunct="1">
+        <a:defRPr sz="1800" kern="1200">
+          <a:solidFill>
+            <a:schemeClr val="tx1"/>
+          </a:solidFill>
+          <a:latin typeface="+mn-lt"/>
+          <a:ea typeface="+mn-ea"/>
+          <a:cs typeface="+mn-cs"/>
+        </a:defRPr>
+      </a:lvl8pPr>
+      <a:lvl9pPr marL="3657600" algn="l" defTabSz="914400" rtl="0" eaLnBrk="1" latinLnBrk="0" hangingPunct="1">
+        <a:defRPr sz="1800" kern="1200">
+          <a:solidFill>
+            <a:schemeClr val="tx1"/>
+          </a:solidFill>
+          <a:latin typeface="+mn-lt"/>
+          <a:ea typeface="+mn-ea"/>
+          <a:cs typeface="+mn-cs"/>
+        </a:defRPr>
+      </a:lvl9pPr>
+    </p:otherStyle>
+  </p:txStyles>
 </p:sldMaster>
 </file>
 
 <file path=ppt/slideMasters/slideMaster2.xml><?xml version="1.0" encoding="utf-8"?>
-<p:sldMaster xmlns:a="http://schemas.openxmlformats.org/drawingml/2006/main" xmlns:p="http://schemas.openxmlformats.org/presentationml/2006/main" xmlns:r="http://schemas.openxmlformats.org/officeDocument/2006/relationships">
+<p:sldMaster xmlns:a="http://schemas.openxmlformats.org/drawingml/2006/main" xmlns:r="http://schemas.openxmlformats.org/officeDocument/2006/relationships" xmlns:p="http://schemas.openxmlformats.org/presentationml/2006/main">
   <p:cSld>
     <p:bg>
       <p:bgPr>
         <a:blipFill>
-          <a:blip r:embed="rId2"/>
+          <a:blip r:embed="rId14"/>
           <a:stretch>
             <a:fillRect/>
           </a:stretch>
         </a:blipFill>
+        <a:effectLst/>
       </p:bgPr>
     </p:bg>
     <p:spTree>
@@ -4213,34 +4696,24 @@
           </a:prstGeom>
         </p:spPr>
         <p:txBody>
-          <a:bodyPr lIns="0" rIns="0" tIns="0" bIns="0" anchor="ctr"/>
+          <a:bodyPr lIns="0" tIns="0" rIns="0" bIns="0" anchor="ctr"/>
+          <a:lstStyle/>
           <a:p>
             <a:pPr algn="ctr"/>
             <a:r>
-              <a:rPr lang="en-US" sz="4400" spc="-1" strike="noStrike">
-                <a:solidFill>
-                  <a:srgbClr val="ffffff"/>
-                </a:solidFill>
-                <a:uFill>
-                  <a:solidFill>
-                    <a:srgbClr val="ffffff"/>
+              <a:rPr lang="en-US" sz="4400" strike="noStrike" spc="-1">
+                <a:solidFill>
+                  <a:srgbClr val="FFFFFF"/>
+                </a:solidFill>
+                <a:uFill>
+                  <a:solidFill>
+                    <a:srgbClr val="FFFFFF"/>
                   </a:solidFill>
                 </a:uFill>
                 <a:latin typeface="Arial"/>
               </a:rPr>
               <a:t>Click to edit the title text format</a:t>
             </a:r>
-            <a:endParaRPr lang="en-US" sz="4400" spc="-1" strike="noStrike">
-              <a:solidFill>
-                <a:srgbClr val="ffffff"/>
-              </a:solidFill>
-              <a:uFill>
-                <a:solidFill>
-                  <a:srgbClr val="ffffff"/>
-                </a:solidFill>
-              </a:uFill>
-              <a:latin typeface="Arial"/>
-            </a:endParaRPr>
           </a:p>
         </p:txBody>
       </p:sp>
@@ -4264,276 +4737,480 @@
           </a:prstGeom>
         </p:spPr>
         <p:txBody>
-          <a:bodyPr lIns="0" rIns="0" tIns="0" bIns="0"/>
+          <a:bodyPr lIns="0" tIns="0" rIns="0" bIns="0"/>
+          <a:lstStyle/>
           <a:p>
             <a:pPr marL="432000" indent="-324000">
               <a:buClr>
-                <a:srgbClr val="ffffff"/>
+                <a:srgbClr val="FFFFFF"/>
               </a:buClr>
               <a:buSzPct val="45000"/>
               <a:buFont typeface="Wingdings" charset="2"/>
               <a:buChar char=""/>
             </a:pPr>
             <a:r>
-              <a:rPr lang="en-US" sz="3200" spc="-1" strike="noStrike">
-                <a:solidFill>
-                  <a:srgbClr val="ffffff"/>
-                </a:solidFill>
-                <a:uFill>
-                  <a:solidFill>
-                    <a:srgbClr val="ffffff"/>
+              <a:rPr lang="en-US" sz="3200" strike="noStrike" spc="-1">
+                <a:solidFill>
+                  <a:srgbClr val="FFFFFF"/>
+                </a:solidFill>
+                <a:uFill>
+                  <a:solidFill>
+                    <a:srgbClr val="FFFFFF"/>
                   </a:solidFill>
                 </a:uFill>
                 <a:latin typeface="Arial"/>
               </a:rPr>
               <a:t>Click to edit the outline text format</a:t>
             </a:r>
-            <a:endParaRPr lang="en-US" sz="3200" spc="-1" strike="noStrike">
-              <a:solidFill>
-                <a:srgbClr val="ffffff"/>
-              </a:solidFill>
-              <a:uFill>
-                <a:solidFill>
-                  <a:srgbClr val="ffffff"/>
-                </a:solidFill>
-              </a:uFill>
-              <a:latin typeface="Arial"/>
-            </a:endParaRPr>
-          </a:p>
-          <a:p>
-            <a:pPr lvl="1" marL="864000" indent="-324000">
+          </a:p>
+          <a:p>
+            <a:pPr marL="864000" lvl="1" indent="-324000">
               <a:buClr>
-                <a:srgbClr val="ffffff"/>
+                <a:srgbClr val="FFFFFF"/>
               </a:buClr>
               <a:buSzPct val="75000"/>
               <a:buFont typeface="Symbol" charset="2"/>
               <a:buChar char=""/>
             </a:pPr>
             <a:r>
-              <a:rPr lang="en-US" sz="2800" spc="-1" strike="noStrike">
-                <a:solidFill>
-                  <a:srgbClr val="ffffff"/>
-                </a:solidFill>
-                <a:uFill>
-                  <a:solidFill>
-                    <a:srgbClr val="ffffff"/>
+              <a:rPr lang="en-US" sz="2800" strike="noStrike" spc="-1">
+                <a:solidFill>
+                  <a:srgbClr val="FFFFFF"/>
+                </a:solidFill>
+                <a:uFill>
+                  <a:solidFill>
+                    <a:srgbClr val="FFFFFF"/>
                   </a:solidFill>
                 </a:uFill>
                 <a:latin typeface="Arial"/>
               </a:rPr>
               <a:t>Second Outline Level</a:t>
             </a:r>
-            <a:endParaRPr lang="en-US" sz="2800" spc="-1" strike="noStrike">
-              <a:solidFill>
-                <a:srgbClr val="ffffff"/>
-              </a:solidFill>
-              <a:uFill>
-                <a:solidFill>
-                  <a:srgbClr val="ffffff"/>
-                </a:solidFill>
-              </a:uFill>
-              <a:latin typeface="Arial"/>
-            </a:endParaRPr>
-          </a:p>
-          <a:p>
-            <a:pPr lvl="2" marL="1296000" indent="-288000">
+          </a:p>
+          <a:p>
+            <a:pPr marL="1296000" lvl="2" indent="-288000">
               <a:buClr>
-                <a:srgbClr val="ffffff"/>
+                <a:srgbClr val="FFFFFF"/>
               </a:buClr>
               <a:buSzPct val="45000"/>
               <a:buFont typeface="Wingdings" charset="2"/>
               <a:buChar char=""/>
             </a:pPr>
             <a:r>
-              <a:rPr lang="en-US" sz="2400" spc="-1" strike="noStrike">
-                <a:solidFill>
-                  <a:srgbClr val="ffffff"/>
-                </a:solidFill>
-                <a:uFill>
-                  <a:solidFill>
-                    <a:srgbClr val="ffffff"/>
+              <a:rPr lang="en-US" sz="2400" strike="noStrike" spc="-1">
+                <a:solidFill>
+                  <a:srgbClr val="FFFFFF"/>
+                </a:solidFill>
+                <a:uFill>
+                  <a:solidFill>
+                    <a:srgbClr val="FFFFFF"/>
                   </a:solidFill>
                 </a:uFill>
                 <a:latin typeface="Arial"/>
               </a:rPr>
               <a:t>Third Outline Level</a:t>
             </a:r>
-            <a:endParaRPr lang="en-US" sz="2400" spc="-1" strike="noStrike">
-              <a:solidFill>
-                <a:srgbClr val="ffffff"/>
-              </a:solidFill>
-              <a:uFill>
-                <a:solidFill>
-                  <a:srgbClr val="ffffff"/>
-                </a:solidFill>
-              </a:uFill>
-              <a:latin typeface="Arial"/>
-            </a:endParaRPr>
-          </a:p>
-          <a:p>
-            <a:pPr lvl="3" marL="1728000" indent="-216000">
+          </a:p>
+          <a:p>
+            <a:pPr marL="1728000" lvl="3" indent="-216000">
               <a:buClr>
-                <a:srgbClr val="ffffff"/>
+                <a:srgbClr val="FFFFFF"/>
               </a:buClr>
               <a:buSzPct val="75000"/>
               <a:buFont typeface="Symbol" charset="2"/>
               <a:buChar char=""/>
             </a:pPr>
             <a:r>
-              <a:rPr lang="en-US" sz="2000" spc="-1" strike="noStrike">
-                <a:solidFill>
-                  <a:srgbClr val="ffffff"/>
-                </a:solidFill>
-                <a:uFill>
-                  <a:solidFill>
-                    <a:srgbClr val="ffffff"/>
+              <a:rPr lang="en-US" sz="2000" strike="noStrike" spc="-1">
+                <a:solidFill>
+                  <a:srgbClr val="FFFFFF"/>
+                </a:solidFill>
+                <a:uFill>
+                  <a:solidFill>
+                    <a:srgbClr val="FFFFFF"/>
                   </a:solidFill>
                 </a:uFill>
                 <a:latin typeface="Arial"/>
               </a:rPr>
               <a:t>Fourth Outline Level</a:t>
             </a:r>
-            <a:endParaRPr lang="en-US" sz="2000" spc="-1" strike="noStrike">
-              <a:solidFill>
-                <a:srgbClr val="ffffff"/>
-              </a:solidFill>
-              <a:uFill>
-                <a:solidFill>
-                  <a:srgbClr val="ffffff"/>
-                </a:solidFill>
-              </a:uFill>
-              <a:latin typeface="Arial"/>
-            </a:endParaRPr>
-          </a:p>
-          <a:p>
-            <a:pPr lvl="4" marL="2160000" indent="-216000">
+          </a:p>
+          <a:p>
+            <a:pPr marL="2160000" lvl="4" indent="-216000">
               <a:buClr>
-                <a:srgbClr val="ffffff"/>
+                <a:srgbClr val="FFFFFF"/>
               </a:buClr>
               <a:buSzPct val="45000"/>
               <a:buFont typeface="Wingdings" charset="2"/>
               <a:buChar char=""/>
             </a:pPr>
             <a:r>
-              <a:rPr lang="en-US" sz="2000" spc="-1" strike="noStrike">
-                <a:solidFill>
-                  <a:srgbClr val="ffffff"/>
-                </a:solidFill>
-                <a:uFill>
-                  <a:solidFill>
-                    <a:srgbClr val="ffffff"/>
+              <a:rPr lang="en-US" sz="2000" strike="noStrike" spc="-1">
+                <a:solidFill>
+                  <a:srgbClr val="FFFFFF"/>
+                </a:solidFill>
+                <a:uFill>
+                  <a:solidFill>
+                    <a:srgbClr val="FFFFFF"/>
                   </a:solidFill>
                 </a:uFill>
                 <a:latin typeface="Arial"/>
               </a:rPr>
               <a:t>Fifth Outline Level</a:t>
             </a:r>
-            <a:endParaRPr lang="en-US" sz="2000" spc="-1" strike="noStrike">
-              <a:solidFill>
-                <a:srgbClr val="ffffff"/>
-              </a:solidFill>
-              <a:uFill>
-                <a:solidFill>
-                  <a:srgbClr val="ffffff"/>
-                </a:solidFill>
-              </a:uFill>
-              <a:latin typeface="Arial"/>
-            </a:endParaRPr>
-          </a:p>
-          <a:p>
-            <a:pPr lvl="5" marL="2592000" indent="-216000">
+          </a:p>
+          <a:p>
+            <a:pPr marL="2592000" lvl="5" indent="-216000">
               <a:buClr>
-                <a:srgbClr val="ffffff"/>
+                <a:srgbClr val="FFFFFF"/>
               </a:buClr>
               <a:buSzPct val="45000"/>
               <a:buFont typeface="Wingdings" charset="2"/>
               <a:buChar char=""/>
             </a:pPr>
             <a:r>
-              <a:rPr lang="en-US" sz="2000" spc="-1" strike="noStrike">
-                <a:solidFill>
-                  <a:srgbClr val="ffffff"/>
-                </a:solidFill>
-                <a:uFill>
-                  <a:solidFill>
-                    <a:srgbClr val="ffffff"/>
+              <a:rPr lang="en-US" sz="2000" strike="noStrike" spc="-1">
+                <a:solidFill>
+                  <a:srgbClr val="FFFFFF"/>
+                </a:solidFill>
+                <a:uFill>
+                  <a:solidFill>
+                    <a:srgbClr val="FFFFFF"/>
                   </a:solidFill>
                 </a:uFill>
                 <a:latin typeface="Arial"/>
               </a:rPr>
               <a:t>Sixth Outline Level</a:t>
             </a:r>
-            <a:endParaRPr lang="en-US" sz="2000" spc="-1" strike="noStrike">
-              <a:solidFill>
-                <a:srgbClr val="ffffff"/>
-              </a:solidFill>
-              <a:uFill>
-                <a:solidFill>
-                  <a:srgbClr val="ffffff"/>
-                </a:solidFill>
-              </a:uFill>
-              <a:latin typeface="Arial"/>
-            </a:endParaRPr>
-          </a:p>
-          <a:p>
-            <a:pPr lvl="6" marL="3024000" indent="-216000">
+          </a:p>
+          <a:p>
+            <a:pPr marL="3024000" lvl="6" indent="-216000">
               <a:buClr>
-                <a:srgbClr val="ffffff"/>
+                <a:srgbClr val="FFFFFF"/>
               </a:buClr>
               <a:buSzPct val="45000"/>
               <a:buFont typeface="Wingdings" charset="2"/>
               <a:buChar char=""/>
             </a:pPr>
             <a:r>
-              <a:rPr lang="en-US" sz="2000" spc="-1" strike="noStrike">
-                <a:solidFill>
-                  <a:srgbClr val="ffffff"/>
-                </a:solidFill>
-                <a:uFill>
-                  <a:solidFill>
-                    <a:srgbClr val="ffffff"/>
+              <a:rPr lang="en-US" sz="2000" strike="noStrike" spc="-1">
+                <a:solidFill>
+                  <a:srgbClr val="FFFFFF"/>
+                </a:solidFill>
+                <a:uFill>
+                  <a:solidFill>
+                    <a:srgbClr val="FFFFFF"/>
                   </a:solidFill>
                 </a:uFill>
                 <a:latin typeface="Arial"/>
               </a:rPr>
               <a:t>Seventh Outline Level</a:t>
             </a:r>
-            <a:endParaRPr lang="en-US" sz="2000" spc="-1" strike="noStrike">
-              <a:solidFill>
-                <a:srgbClr val="ffffff"/>
-              </a:solidFill>
-              <a:uFill>
-                <a:solidFill>
-                  <a:srgbClr val="ffffff"/>
-                </a:solidFill>
-              </a:uFill>
-              <a:latin typeface="Arial"/>
-            </a:endParaRPr>
           </a:p>
         </p:txBody>
       </p:sp>
     </p:spTree>
   </p:cSld>
-  <p:clrMap bg1="lt1" bg2="lt2" tx1="dk1" tx2="dk2" accent1="accent1" accent2="accent2" accent3="accent3" accent4="accent4" accent5="accent5" accent6="accent6" hlink="hlink" folHlink="folHlink"/>
+  <p:clrMap bg1="lt1" tx1="dk1" bg2="lt2" tx2="dk2" accent1="accent1" accent2="accent2" accent3="accent3" accent4="accent4" accent5="accent5" accent6="accent6" hlink="hlink" folHlink="folHlink"/>
   <p:sldLayoutIdLst>
-    <p:sldLayoutId id="2147483662" r:id="rId3"/>
-    <p:sldLayoutId id="2147483663" r:id="rId4"/>
-    <p:sldLayoutId id="2147483664" r:id="rId5"/>
-    <p:sldLayoutId id="2147483665" r:id="rId6"/>
-    <p:sldLayoutId id="2147483666" r:id="rId7"/>
-    <p:sldLayoutId id="2147483667" r:id="rId8"/>
-    <p:sldLayoutId id="2147483668" r:id="rId9"/>
-    <p:sldLayoutId id="2147483669" r:id="rId10"/>
-    <p:sldLayoutId id="2147483670" r:id="rId11"/>
-    <p:sldLayoutId id="2147483671" r:id="rId12"/>
-    <p:sldLayoutId id="2147483672" r:id="rId13"/>
-    <p:sldLayoutId id="2147483673" r:id="rId14"/>
+    <p:sldLayoutId id="2147483662" r:id="rId1"/>
+    <p:sldLayoutId id="2147483663" r:id="rId2"/>
+    <p:sldLayoutId id="2147483664" r:id="rId3"/>
+    <p:sldLayoutId id="2147483665" r:id="rId4"/>
+    <p:sldLayoutId id="2147483666" r:id="rId5"/>
+    <p:sldLayoutId id="2147483667" r:id="rId6"/>
+    <p:sldLayoutId id="2147483668" r:id="rId7"/>
+    <p:sldLayoutId id="2147483669" r:id="rId8"/>
+    <p:sldLayoutId id="2147483670" r:id="rId9"/>
+    <p:sldLayoutId id="2147483671" r:id="rId10"/>
+    <p:sldLayoutId id="2147483672" r:id="rId11"/>
+    <p:sldLayoutId id="2147483673" r:id="rId12"/>
   </p:sldLayoutIdLst>
+  <p:txStyles>
+    <p:titleStyle>
+      <a:lvl1pPr algn="l" defTabSz="914400" rtl="0" eaLnBrk="1" latinLnBrk="0" hangingPunct="1">
+        <a:lnSpc>
+          <a:spcPct val="90000"/>
+        </a:lnSpc>
+        <a:spcBef>
+          <a:spcPct val="0"/>
+        </a:spcBef>
+        <a:buNone/>
+        <a:defRPr sz="4400" kern="1200">
+          <a:solidFill>
+            <a:schemeClr val="tx1"/>
+          </a:solidFill>
+          <a:latin typeface="+mj-lt"/>
+          <a:ea typeface="+mj-ea"/>
+          <a:cs typeface="+mj-cs"/>
+        </a:defRPr>
+      </a:lvl1pPr>
+    </p:titleStyle>
+    <p:bodyStyle>
+      <a:lvl1pPr marL="228600" indent="-228600" algn="l" defTabSz="914400" rtl="0" eaLnBrk="1" latinLnBrk="0" hangingPunct="1">
+        <a:lnSpc>
+          <a:spcPct val="90000"/>
+        </a:lnSpc>
+        <a:spcBef>
+          <a:spcPts val="1000"/>
+        </a:spcBef>
+        <a:buFont typeface="Arial" panose="020B0604020202020204" pitchFamily="34" charset="0"/>
+        <a:buChar char="•"/>
+        <a:defRPr sz="2800" kern="1200">
+          <a:solidFill>
+            <a:schemeClr val="tx1"/>
+          </a:solidFill>
+          <a:latin typeface="+mn-lt"/>
+          <a:ea typeface="+mn-ea"/>
+          <a:cs typeface="+mn-cs"/>
+        </a:defRPr>
+      </a:lvl1pPr>
+      <a:lvl2pPr marL="685800" indent="-228600" algn="l" defTabSz="914400" rtl="0" eaLnBrk="1" latinLnBrk="0" hangingPunct="1">
+        <a:lnSpc>
+          <a:spcPct val="90000"/>
+        </a:lnSpc>
+        <a:spcBef>
+          <a:spcPts val="500"/>
+        </a:spcBef>
+        <a:buFont typeface="Arial" panose="020B0604020202020204" pitchFamily="34" charset="0"/>
+        <a:buChar char="•"/>
+        <a:defRPr sz="2400" kern="1200">
+          <a:solidFill>
+            <a:schemeClr val="tx1"/>
+          </a:solidFill>
+          <a:latin typeface="+mn-lt"/>
+          <a:ea typeface="+mn-ea"/>
+          <a:cs typeface="+mn-cs"/>
+        </a:defRPr>
+      </a:lvl2pPr>
+      <a:lvl3pPr marL="1143000" indent="-228600" algn="l" defTabSz="914400" rtl="0" eaLnBrk="1" latinLnBrk="0" hangingPunct="1">
+        <a:lnSpc>
+          <a:spcPct val="90000"/>
+        </a:lnSpc>
+        <a:spcBef>
+          <a:spcPts val="500"/>
+        </a:spcBef>
+        <a:buFont typeface="Arial" panose="020B0604020202020204" pitchFamily="34" charset="0"/>
+        <a:buChar char="•"/>
+        <a:defRPr sz="2000" kern="1200">
+          <a:solidFill>
+            <a:schemeClr val="tx1"/>
+          </a:solidFill>
+          <a:latin typeface="+mn-lt"/>
+          <a:ea typeface="+mn-ea"/>
+          <a:cs typeface="+mn-cs"/>
+        </a:defRPr>
+      </a:lvl3pPr>
+      <a:lvl4pPr marL="1600200" indent="-228600" algn="l" defTabSz="914400" rtl="0" eaLnBrk="1" latinLnBrk="0" hangingPunct="1">
+        <a:lnSpc>
+          <a:spcPct val="90000"/>
+        </a:lnSpc>
+        <a:spcBef>
+          <a:spcPts val="500"/>
+        </a:spcBef>
+        <a:buFont typeface="Arial" panose="020B0604020202020204" pitchFamily="34" charset="0"/>
+        <a:buChar char="•"/>
+        <a:defRPr sz="1800" kern="1200">
+          <a:solidFill>
+            <a:schemeClr val="tx1"/>
+          </a:solidFill>
+          <a:latin typeface="+mn-lt"/>
+          <a:ea typeface="+mn-ea"/>
+          <a:cs typeface="+mn-cs"/>
+        </a:defRPr>
+      </a:lvl4pPr>
+      <a:lvl5pPr marL="2057400" indent="-228600" algn="l" defTabSz="914400" rtl="0" eaLnBrk="1" latinLnBrk="0" hangingPunct="1">
+        <a:lnSpc>
+          <a:spcPct val="90000"/>
+        </a:lnSpc>
+        <a:spcBef>
+          <a:spcPts val="500"/>
+        </a:spcBef>
+        <a:buFont typeface="Arial" panose="020B0604020202020204" pitchFamily="34" charset="0"/>
+        <a:buChar char="•"/>
+        <a:defRPr sz="1800" kern="1200">
+          <a:solidFill>
+            <a:schemeClr val="tx1"/>
+          </a:solidFill>
+          <a:latin typeface="+mn-lt"/>
+          <a:ea typeface="+mn-ea"/>
+          <a:cs typeface="+mn-cs"/>
+        </a:defRPr>
+      </a:lvl5pPr>
+      <a:lvl6pPr marL="2514600" indent="-228600" algn="l" defTabSz="914400" rtl="0" eaLnBrk="1" latinLnBrk="0" hangingPunct="1">
+        <a:lnSpc>
+          <a:spcPct val="90000"/>
+        </a:lnSpc>
+        <a:spcBef>
+          <a:spcPts val="500"/>
+        </a:spcBef>
+        <a:buFont typeface="Arial" panose="020B0604020202020204" pitchFamily="34" charset="0"/>
+        <a:buChar char="•"/>
+        <a:defRPr sz="1800" kern="1200">
+          <a:solidFill>
+            <a:schemeClr val="tx1"/>
+          </a:solidFill>
+          <a:latin typeface="+mn-lt"/>
+          <a:ea typeface="+mn-ea"/>
+          <a:cs typeface="+mn-cs"/>
+        </a:defRPr>
+      </a:lvl6pPr>
+      <a:lvl7pPr marL="2971800" indent="-228600" algn="l" defTabSz="914400" rtl="0" eaLnBrk="1" latinLnBrk="0" hangingPunct="1">
+        <a:lnSpc>
+          <a:spcPct val="90000"/>
+        </a:lnSpc>
+        <a:spcBef>
+          <a:spcPts val="500"/>
+        </a:spcBef>
+        <a:buFont typeface="Arial" panose="020B0604020202020204" pitchFamily="34" charset="0"/>
+        <a:buChar char="•"/>
+        <a:defRPr sz="1800" kern="1200">
+          <a:solidFill>
+            <a:schemeClr val="tx1"/>
+          </a:solidFill>
+          <a:latin typeface="+mn-lt"/>
+          <a:ea typeface="+mn-ea"/>
+          <a:cs typeface="+mn-cs"/>
+        </a:defRPr>
+      </a:lvl7pPr>
+      <a:lvl8pPr marL="3429000" indent="-228600" algn="l" defTabSz="914400" rtl="0" eaLnBrk="1" latinLnBrk="0" hangingPunct="1">
+        <a:lnSpc>
+          <a:spcPct val="90000"/>
+        </a:lnSpc>
+        <a:spcBef>
+          <a:spcPts val="500"/>
+        </a:spcBef>
+        <a:buFont typeface="Arial" panose="020B0604020202020204" pitchFamily="34" charset="0"/>
+        <a:buChar char="•"/>
+        <a:defRPr sz="1800" kern="1200">
+          <a:solidFill>
+            <a:schemeClr val="tx1"/>
+          </a:solidFill>
+          <a:latin typeface="+mn-lt"/>
+          <a:ea typeface="+mn-ea"/>
+          <a:cs typeface="+mn-cs"/>
+        </a:defRPr>
+      </a:lvl8pPr>
+      <a:lvl9pPr marL="3886200" indent="-228600" algn="l" defTabSz="914400" rtl="0" eaLnBrk="1" latinLnBrk="0" hangingPunct="1">
+        <a:lnSpc>
+          <a:spcPct val="90000"/>
+        </a:lnSpc>
+        <a:spcBef>
+          <a:spcPts val="500"/>
+        </a:spcBef>
+        <a:buFont typeface="Arial" panose="020B0604020202020204" pitchFamily="34" charset="0"/>
+        <a:buChar char="•"/>
+        <a:defRPr sz="1800" kern="1200">
+          <a:solidFill>
+            <a:schemeClr val="tx1"/>
+          </a:solidFill>
+          <a:latin typeface="+mn-lt"/>
+          <a:ea typeface="+mn-ea"/>
+          <a:cs typeface="+mn-cs"/>
+        </a:defRPr>
+      </a:lvl9pPr>
+    </p:bodyStyle>
+    <p:otherStyle>
+      <a:defPPr>
+        <a:defRPr lang="en-US"/>
+      </a:defPPr>
+      <a:lvl1pPr marL="0" algn="l" defTabSz="914400" rtl="0" eaLnBrk="1" latinLnBrk="0" hangingPunct="1">
+        <a:defRPr sz="1800" kern="1200">
+          <a:solidFill>
+            <a:schemeClr val="tx1"/>
+          </a:solidFill>
+          <a:latin typeface="+mn-lt"/>
+          <a:ea typeface="+mn-ea"/>
+          <a:cs typeface="+mn-cs"/>
+        </a:defRPr>
+      </a:lvl1pPr>
+      <a:lvl2pPr marL="457200" algn="l" defTabSz="914400" rtl="0" eaLnBrk="1" latinLnBrk="0" hangingPunct="1">
+        <a:defRPr sz="1800" kern="1200">
+          <a:solidFill>
+            <a:schemeClr val="tx1"/>
+          </a:solidFill>
+          <a:latin typeface="+mn-lt"/>
+          <a:ea typeface="+mn-ea"/>
+          <a:cs typeface="+mn-cs"/>
+        </a:defRPr>
+      </a:lvl2pPr>
+      <a:lvl3pPr marL="914400" algn="l" defTabSz="914400" rtl="0" eaLnBrk="1" latinLnBrk="0" hangingPunct="1">
+        <a:defRPr sz="1800" kern="1200">
+          <a:solidFill>
+            <a:schemeClr val="tx1"/>
+          </a:solidFill>
+          <a:latin typeface="+mn-lt"/>
+          <a:ea typeface="+mn-ea"/>
+          <a:cs typeface="+mn-cs"/>
+        </a:defRPr>
+      </a:lvl3pPr>
+      <a:lvl4pPr marL="1371600" algn="l" defTabSz="914400" rtl="0" eaLnBrk="1" latinLnBrk="0" hangingPunct="1">
+        <a:defRPr sz="1800" kern="1200">
+          <a:solidFill>
+            <a:schemeClr val="tx1"/>
+          </a:solidFill>
+          <a:latin typeface="+mn-lt"/>
+          <a:ea typeface="+mn-ea"/>
+          <a:cs typeface="+mn-cs"/>
+        </a:defRPr>
+      </a:lvl4pPr>
+      <a:lvl5pPr marL="1828800" algn="l" defTabSz="914400" rtl="0" eaLnBrk="1" latinLnBrk="0" hangingPunct="1">
+        <a:defRPr sz="1800" kern="1200">
+          <a:solidFill>
+            <a:schemeClr val="tx1"/>
+          </a:solidFill>
+          <a:latin typeface="+mn-lt"/>
+          <a:ea typeface="+mn-ea"/>
+          <a:cs typeface="+mn-cs"/>
+        </a:defRPr>
+      </a:lvl5pPr>
+      <a:lvl6pPr marL="2286000" algn="l" defTabSz="914400" rtl="0" eaLnBrk="1" latinLnBrk="0" hangingPunct="1">
+        <a:defRPr sz="1800" kern="1200">
+          <a:solidFill>
+            <a:schemeClr val="tx1"/>
+          </a:solidFill>
+          <a:latin typeface="+mn-lt"/>
+          <a:ea typeface="+mn-ea"/>
+          <a:cs typeface="+mn-cs"/>
+        </a:defRPr>
+      </a:lvl6pPr>
+      <a:lvl7pPr marL="2743200" algn="l" defTabSz="914400" rtl="0" eaLnBrk="1" latinLnBrk="0" hangingPunct="1">
+        <a:defRPr sz="1800" kern="1200">
+          <a:solidFill>
+            <a:schemeClr val="tx1"/>
+          </a:solidFill>
+          <a:latin typeface="+mn-lt"/>
+          <a:ea typeface="+mn-ea"/>
+          <a:cs typeface="+mn-cs"/>
+        </a:defRPr>
+      </a:lvl7pPr>
+      <a:lvl8pPr marL="3200400" algn="l" defTabSz="914400" rtl="0" eaLnBrk="1" latinLnBrk="0" hangingPunct="1">
+        <a:defRPr sz="1800" kern="1200">
+          <a:solidFill>
+            <a:schemeClr val="tx1"/>
+          </a:solidFill>
+          <a:latin typeface="+mn-lt"/>
+          <a:ea typeface="+mn-ea"/>
+          <a:cs typeface="+mn-cs"/>
+        </a:defRPr>
+      </a:lvl8pPr>
+      <a:lvl9pPr marL="3657600" algn="l" defTabSz="914400" rtl="0" eaLnBrk="1" latinLnBrk="0" hangingPunct="1">
+        <a:defRPr sz="1800" kern="1200">
+          <a:solidFill>
+            <a:schemeClr val="tx1"/>
+          </a:solidFill>
+          <a:latin typeface="+mn-lt"/>
+          <a:ea typeface="+mn-ea"/>
+          <a:cs typeface="+mn-cs"/>
+        </a:defRPr>
+      </a:lvl9pPr>
+    </p:otherStyle>
+  </p:txStyles>
 </p:sldMaster>
 </file>
 
 <file path=ppt/slides/slide1.xml><?xml version="1.0" encoding="utf-8"?>
-<p:sld xmlns:a="http://schemas.openxmlformats.org/drawingml/2006/main" xmlns:p="http://schemas.openxmlformats.org/presentationml/2006/main" xmlns:r="http://schemas.openxmlformats.org/officeDocument/2006/relationships">
+<p:sld xmlns:a="http://schemas.openxmlformats.org/drawingml/2006/main" xmlns:r="http://schemas.openxmlformats.org/officeDocument/2006/relationships" xmlns:p="http://schemas.openxmlformats.org/presentationml/2006/main">
   <p:cSld>
     <p:spTree>
       <p:nvGrpSpPr>
@@ -4569,13 +5246,20 @@
           </a:ln>
         </p:spPr>
         <p:style>
-          <a:lnRef idx="0"/>
-          <a:fillRef idx="0"/>
-          <a:effectRef idx="0"/>
+          <a:lnRef idx="0">
+            <a:scrgbClr r="0" g="0" b="0"/>
+          </a:lnRef>
+          <a:fillRef idx="0">
+            <a:scrgbClr r="0" g="0" b="0"/>
+          </a:fillRef>
+          <a:effectRef idx="0">
+            <a:scrgbClr r="0" g="0" b="0"/>
+          </a:effectRef>
           <a:fontRef idx="minor"/>
         </p:style>
         <p:txBody>
-          <a:bodyPr lIns="90000" rIns="90000" tIns="45000" bIns="45000" anchor="b"/>
+          <a:bodyPr lIns="90000" tIns="45000" rIns="90000" bIns="45000" anchor="b"/>
+          <a:lstStyle/>
           <a:p>
             <a:pPr algn="ctr">
               <a:lnSpc>
@@ -4583,13 +5267,13 @@
               </a:lnSpc>
             </a:pPr>
             <a:r>
-              <a:rPr lang="en-US" sz="5400" spc="-1" strike="noStrike">
-                <a:solidFill>
-                  <a:srgbClr val="ffffff"/>
-                </a:solidFill>
-                <a:uFill>
-                  <a:solidFill>
-                    <a:srgbClr val="ffffff"/>
+              <a:rPr lang="en-US" sz="5400" strike="noStrike" spc="-1">
+                <a:solidFill>
+                  <a:srgbClr val="FFFFFF"/>
+                </a:solidFill>
+                <a:uFill>
+                  <a:solidFill>
+                    <a:srgbClr val="FFFFFF"/>
                   </a:solidFill>
                 </a:uFill>
                 <a:latin typeface="Calisto MT"/>
@@ -4597,13 +5281,13 @@
               </a:rPr>
               <a:t>A-Team</a:t>
             </a:r>
-            <a:endParaRPr lang="en-US" sz="1800" spc="-1" strike="noStrike">
-              <a:solidFill>
-                <a:srgbClr val="ffffff"/>
-              </a:solidFill>
-              <a:uFill>
-                <a:solidFill>
-                  <a:srgbClr val="ffffff"/>
+            <a:endParaRPr lang="en-US" sz="1800" strike="noStrike" spc="-1">
+              <a:solidFill>
+                <a:srgbClr val="FFFFFF"/>
+              </a:solidFill>
+              <a:uFill>
+                <a:solidFill>
+                  <a:srgbClr val="FFFFFF"/>
                 </a:solidFill>
               </a:uFill>
               <a:latin typeface="Arial"/>
@@ -4631,13 +5315,20 @@
           </a:ln>
         </p:spPr>
         <p:style>
-          <a:lnRef idx="0"/>
-          <a:fillRef idx="0"/>
-          <a:effectRef idx="0"/>
+          <a:lnRef idx="0">
+            <a:scrgbClr r="0" g="0" b="0"/>
+          </a:lnRef>
+          <a:fillRef idx="0">
+            <a:scrgbClr r="0" g="0" b="0"/>
+          </a:fillRef>
+          <a:effectRef idx="0">
+            <a:scrgbClr r="0" g="0" b="0"/>
+          </a:effectRef>
           <a:fontRef idx="minor"/>
         </p:style>
         <p:txBody>
-          <a:bodyPr lIns="90000" rIns="90000" tIns="45000" bIns="45000"/>
+          <a:bodyPr lIns="90000" tIns="45000" rIns="90000" bIns="45000"/>
+          <a:lstStyle/>
           <a:p>
             <a:pPr algn="ctr">
               <a:lnSpc>
@@ -4645,13 +5336,13 @@
               </a:lnSpc>
             </a:pPr>
             <a:r>
-              <a:rPr lang="en-US" sz="2000" spc="-1" strike="noStrike">
-                <a:solidFill>
-                  <a:srgbClr val="ffffff"/>
-                </a:solidFill>
-                <a:uFill>
-                  <a:solidFill>
-                    <a:srgbClr val="ffffff"/>
+              <a:rPr lang="en-US" sz="2000" strike="noStrike" spc="-1">
+                <a:solidFill>
+                  <a:srgbClr val="FFFFFF"/>
+                </a:solidFill>
+                <a:uFill>
+                  <a:solidFill>
+                    <a:srgbClr val="FFFFFF"/>
                   </a:solidFill>
                 </a:uFill>
                 <a:latin typeface="Calisto MT"/>
@@ -4659,13 +5350,13 @@
               </a:rPr>
               <a:t>Project 6X6 Tic Tac Toe Game</a:t>
             </a:r>
-            <a:endParaRPr lang="en-US" sz="1800" spc="-1" strike="noStrike">
-              <a:solidFill>
-                <a:srgbClr val="ffffff"/>
-              </a:solidFill>
-              <a:uFill>
-                <a:solidFill>
-                  <a:srgbClr val="ffffff"/>
+            <a:endParaRPr lang="en-US" sz="1800" strike="noStrike" spc="-1">
+              <a:solidFill>
+                <a:srgbClr val="FFFFFF"/>
+              </a:solidFill>
+              <a:uFill>
+                <a:solidFill>
+                  <a:srgbClr val="FFFFFF"/>
                 </a:solidFill>
               </a:uFill>
               <a:latin typeface="Arial"/>
@@ -4677,13 +5368,13 @@
                 <a:spcPct val="100000"/>
               </a:lnSpc>
             </a:pPr>
-            <a:endParaRPr lang="en-US" sz="1800" spc="-1" strike="noStrike">
-              <a:solidFill>
-                <a:srgbClr val="ffffff"/>
-              </a:solidFill>
-              <a:uFill>
-                <a:solidFill>
-                  <a:srgbClr val="ffffff"/>
+            <a:endParaRPr lang="en-US" sz="1800" strike="noStrike" spc="-1">
+              <a:solidFill>
+                <a:srgbClr val="FFFFFF"/>
+              </a:solidFill>
+              <a:uFill>
+                <a:solidFill>
+                  <a:srgbClr val="FFFFFF"/>
                 </a:solidFill>
               </a:uFill>
               <a:latin typeface="Arial"/>
@@ -4696,13 +5387,13 @@
               </a:lnSpc>
             </a:pPr>
             <a:r>
-              <a:rPr lang="en-US" sz="2000" spc="-1" strike="noStrike">
-                <a:solidFill>
-                  <a:srgbClr val="ffffff"/>
-                </a:solidFill>
-                <a:uFill>
-                  <a:solidFill>
-                    <a:srgbClr val="ffffff"/>
+              <a:rPr lang="en-US" sz="2000" strike="noStrike" spc="-1">
+                <a:solidFill>
+                  <a:srgbClr val="FFFFFF"/>
+                </a:solidFill>
+                <a:uFill>
+                  <a:solidFill>
+                    <a:srgbClr val="FFFFFF"/>
                   </a:solidFill>
                 </a:uFill>
                 <a:latin typeface="Calisto MT"/>
@@ -4710,13 +5401,13 @@
               </a:rPr>
               <a:t>By Ibra, Eddie, Jason, Carrie, Alexis, Alfonso </a:t>
             </a:r>
-            <a:endParaRPr lang="en-US" sz="1800" spc="-1" strike="noStrike">
-              <a:solidFill>
-                <a:srgbClr val="ffffff"/>
-              </a:solidFill>
-              <a:uFill>
-                <a:solidFill>
-                  <a:srgbClr val="ffffff"/>
+            <a:endParaRPr lang="en-US" sz="1800" strike="noStrike" spc="-1">
+              <a:solidFill>
+                <a:srgbClr val="FFFFFF"/>
+              </a:solidFill>
+              <a:uFill>
+                <a:solidFill>
+                  <a:srgbClr val="FFFFFF"/>
                 </a:solidFill>
               </a:uFill>
               <a:latin typeface="Arial"/>
@@ -4726,6 +5417,9 @@
       </p:sp>
     </p:spTree>
   </p:cSld>
+  <p:clrMapOvr>
+    <a:masterClrMapping/>
+  </p:clrMapOvr>
   <p:timing>
     <p:tnLst>
       <p:par>
@@ -4734,14 +5428,14 @@
             <p:seq>
               <p:cTn id="2" nodeType="mainSeq"/>
               <p:prevCondLst>
-                <p:cond delay="0" evt="onPrev">
+                <p:cond evt="onPrev" delay="0">
                   <p:tgtEl>
                     <p:sldTgt/>
                   </p:tgtEl>
                 </p:cond>
               </p:prevCondLst>
               <p:nextCondLst>
-                <p:cond delay="0" evt="onNext">
+                <p:cond evt="onNext" delay="0">
                   <p:tgtEl>
                     <p:sldTgt/>
                   </p:tgtEl>
@@ -4757,7 +5451,7 @@
 </file>
 
 <file path=ppt/slides/slide2.xml><?xml version="1.0" encoding="utf-8"?>
-<p:sld xmlns:a="http://schemas.openxmlformats.org/drawingml/2006/main" xmlns:p="http://schemas.openxmlformats.org/presentationml/2006/main" xmlns:r="http://schemas.openxmlformats.org/officeDocument/2006/relationships">
+<p:sld xmlns:a="http://schemas.openxmlformats.org/drawingml/2006/main" xmlns:r="http://schemas.openxmlformats.org/officeDocument/2006/relationships" xmlns:p="http://schemas.openxmlformats.org/presentationml/2006/main">
   <p:cSld>
     <p:spTree>
       <p:nvGrpSpPr>
@@ -4793,13 +5487,20 @@
           </a:ln>
         </p:spPr>
         <p:style>
-          <a:lnRef idx="0"/>
-          <a:fillRef idx="0"/>
-          <a:effectRef idx="0"/>
+          <a:lnRef idx="0">
+            <a:scrgbClr r="0" g="0" b="0"/>
+          </a:lnRef>
+          <a:fillRef idx="0">
+            <a:scrgbClr r="0" g="0" b="0"/>
+          </a:fillRef>
+          <a:effectRef idx="0">
+            <a:scrgbClr r="0" g="0" b="0"/>
+          </a:effectRef>
           <a:fontRef idx="minor"/>
         </p:style>
         <p:txBody>
-          <a:bodyPr lIns="90000" rIns="90000" tIns="45000" bIns="45000" anchor="ctr"/>
+          <a:bodyPr lIns="90000" tIns="45000" rIns="90000" bIns="45000" anchor="ctr"/>
+          <a:lstStyle/>
           <a:p>
             <a:pPr algn="ctr">
               <a:lnSpc>
@@ -4807,13 +5508,13 @@
               </a:lnSpc>
             </a:pPr>
             <a:r>
-              <a:rPr b="1" lang="en-US" sz="4800" spc="-1" strike="noStrike">
-                <a:solidFill>
-                  <a:srgbClr val="ffffff"/>
-                </a:solidFill>
-                <a:uFill>
-                  <a:solidFill>
-                    <a:srgbClr val="ffffff"/>
+              <a:rPr lang="en-US" sz="4800" b="1" strike="noStrike" spc="-1">
+                <a:solidFill>
+                  <a:srgbClr val="FFFFFF"/>
+                </a:solidFill>
+                <a:uFill>
+                  <a:solidFill>
+                    <a:srgbClr val="FFFFFF"/>
                   </a:solidFill>
                 </a:uFill>
                 <a:latin typeface="Calisto MT"/>
@@ -4821,13 +5522,13 @@
               </a:rPr>
               <a:t>Introduction</a:t>
             </a:r>
-            <a:endParaRPr lang="en-US" sz="1800" spc="-1" strike="noStrike">
-              <a:solidFill>
-                <a:srgbClr val="ffffff"/>
-              </a:solidFill>
-              <a:uFill>
-                <a:solidFill>
-                  <a:srgbClr val="ffffff"/>
+            <a:endParaRPr lang="en-US" sz="1800" strike="noStrike" spc="-1">
+              <a:solidFill>
+                <a:srgbClr val="FFFFFF"/>
+              </a:solidFill>
+              <a:uFill>
+                <a:solidFill>
+                  <a:srgbClr val="FFFFFF"/>
                 </a:solidFill>
               </a:uFill>
               <a:latin typeface="Arial"/>
@@ -4855,32 +5556,39 @@
           </a:ln>
         </p:spPr>
         <p:style>
-          <a:lnRef idx="0"/>
-          <a:fillRef idx="0"/>
-          <a:effectRef idx="0"/>
+          <a:lnRef idx="0">
+            <a:scrgbClr r="0" g="0" b="0"/>
+          </a:lnRef>
+          <a:fillRef idx="0">
+            <a:scrgbClr r="0" g="0" b="0"/>
+          </a:fillRef>
+          <a:effectRef idx="0">
+            <a:scrgbClr r="0" g="0" b="0"/>
+          </a:effectRef>
           <a:fontRef idx="minor"/>
         </p:style>
         <p:txBody>
-          <a:bodyPr lIns="90000" rIns="90000" tIns="45000" bIns="45000"/>
+          <a:bodyPr lIns="90000" tIns="45000" rIns="90000" bIns="45000"/>
+          <a:lstStyle/>
           <a:p>
             <a:pPr marL="343080" indent="-342360">
               <a:lnSpc>
                 <a:spcPct val="100000"/>
               </a:lnSpc>
               <a:buClr>
-                <a:srgbClr val="ffffff"/>
+                <a:srgbClr val="FFFFFF"/>
               </a:buClr>
               <a:buFont typeface="Arial"/>
               <a:buChar char="•"/>
             </a:pPr>
             <a:r>
-              <a:rPr lang="en-US" sz="2200" spc="-1" strike="noStrike">
-                <a:solidFill>
-                  <a:srgbClr val="ffffff"/>
-                </a:solidFill>
-                <a:uFill>
-                  <a:solidFill>
-                    <a:srgbClr val="ffffff"/>
+              <a:rPr lang="en-US" sz="2200" strike="noStrike" spc="-1">
+                <a:solidFill>
+                  <a:srgbClr val="FFFFFF"/>
+                </a:solidFill>
+                <a:uFill>
+                  <a:solidFill>
+                    <a:srgbClr val="FFFFFF"/>
                   </a:solidFill>
                 </a:uFill>
                 <a:latin typeface="Calisto MT"/>
@@ -4888,37 +5596,37 @@
               </a:rPr>
               <a:t>Classic Tic-Tac-Toe:</a:t>
             </a:r>
-            <a:endParaRPr lang="en-US" sz="1800" spc="-1" strike="noStrike">
-              <a:solidFill>
-                <a:srgbClr val="ffffff"/>
-              </a:solidFill>
-              <a:uFill>
-                <a:solidFill>
-                  <a:srgbClr val="ffffff"/>
-                </a:solidFill>
-              </a:uFill>
-              <a:latin typeface="Arial"/>
-            </a:endParaRPr>
-          </a:p>
-          <a:p>
-            <a:pPr lvl="1" marL="800280" indent="-342360">
+            <a:endParaRPr lang="en-US" sz="1800" strike="noStrike" spc="-1">
+              <a:solidFill>
+                <a:srgbClr val="FFFFFF"/>
+              </a:solidFill>
+              <a:uFill>
+                <a:solidFill>
+                  <a:srgbClr val="FFFFFF"/>
+                </a:solidFill>
+              </a:uFill>
+              <a:latin typeface="Arial"/>
+            </a:endParaRPr>
+          </a:p>
+          <a:p>
+            <a:pPr marL="800280" lvl="1" indent="-342360">
               <a:lnSpc>
                 <a:spcPct val="100000"/>
               </a:lnSpc>
               <a:buClr>
-                <a:srgbClr val="ffffff"/>
+                <a:srgbClr val="FFFFFF"/>
               </a:buClr>
               <a:buFont typeface="Arial"/>
               <a:buChar char="•"/>
             </a:pPr>
             <a:r>
-              <a:rPr lang="en-US" sz="2200" spc="-1" strike="noStrike">
-                <a:solidFill>
-                  <a:srgbClr val="ffffff"/>
-                </a:solidFill>
-                <a:uFill>
-                  <a:solidFill>
-                    <a:srgbClr val="ffffff"/>
+              <a:rPr lang="en-US" sz="2200" strike="noStrike" spc="-1">
+                <a:solidFill>
+                  <a:srgbClr val="FFFFFF"/>
+                </a:solidFill>
+                <a:uFill>
+                  <a:solidFill>
+                    <a:srgbClr val="FFFFFF"/>
                   </a:solidFill>
                 </a:uFill>
                 <a:latin typeface="Calisto MT"/>
@@ -4926,13 +5634,13 @@
               </a:rPr>
               <a:t>Two players</a:t>
             </a:r>
-            <a:endParaRPr lang="en-US" sz="1800" spc="-1" strike="noStrike">
-              <a:solidFill>
-                <a:srgbClr val="ffffff"/>
-              </a:solidFill>
-              <a:uFill>
-                <a:solidFill>
-                  <a:srgbClr val="ffffff"/>
+            <a:endParaRPr lang="en-US" sz="1800" strike="noStrike" spc="-1">
+              <a:solidFill>
+                <a:srgbClr val="FFFFFF"/>
+              </a:solidFill>
+              <a:uFill>
+                <a:solidFill>
+                  <a:srgbClr val="FFFFFF"/>
                 </a:solidFill>
               </a:uFill>
               <a:latin typeface="Arial"/>
@@ -4944,37 +5652,37 @@
                 <a:spcPct val="100000"/>
               </a:lnSpc>
             </a:pPr>
-            <a:endParaRPr lang="en-US" sz="1800" spc="-1" strike="noStrike">
-              <a:solidFill>
-                <a:srgbClr val="ffffff"/>
-              </a:solidFill>
-              <a:uFill>
-                <a:solidFill>
-                  <a:srgbClr val="ffffff"/>
-                </a:solidFill>
-              </a:uFill>
-              <a:latin typeface="Arial"/>
-            </a:endParaRPr>
-          </a:p>
-          <a:p>
-            <a:pPr lvl="1" marL="800280" indent="-342360">
+            <a:endParaRPr lang="en-US" sz="1800" strike="noStrike" spc="-1">
+              <a:solidFill>
+                <a:srgbClr val="FFFFFF"/>
+              </a:solidFill>
+              <a:uFill>
+                <a:solidFill>
+                  <a:srgbClr val="FFFFFF"/>
+                </a:solidFill>
+              </a:uFill>
+              <a:latin typeface="Arial"/>
+            </a:endParaRPr>
+          </a:p>
+          <a:p>
+            <a:pPr marL="800280" lvl="1" indent="-342360">
               <a:lnSpc>
                 <a:spcPct val="100000"/>
               </a:lnSpc>
               <a:buClr>
-                <a:srgbClr val="ffffff"/>
+                <a:srgbClr val="FFFFFF"/>
               </a:buClr>
               <a:buFont typeface="Arial"/>
               <a:buChar char="•"/>
             </a:pPr>
             <a:r>
-              <a:rPr lang="en-US" sz="2200" spc="-1" strike="noStrike">
-                <a:solidFill>
-                  <a:srgbClr val="ffffff"/>
-                </a:solidFill>
-                <a:uFill>
-                  <a:solidFill>
-                    <a:srgbClr val="ffffff"/>
+              <a:rPr lang="en-US" sz="2200" strike="noStrike" spc="-1">
+                <a:solidFill>
+                  <a:srgbClr val="FFFFFF"/>
+                </a:solidFill>
+                <a:uFill>
+                  <a:solidFill>
+                    <a:srgbClr val="FFFFFF"/>
                   </a:solidFill>
                 </a:uFill>
                 <a:latin typeface="Calisto MT"/>
@@ -4982,13 +5690,13 @@
               </a:rPr>
               <a:t>3x3 grid</a:t>
             </a:r>
-            <a:endParaRPr lang="en-US" sz="1800" spc="-1" strike="noStrike">
-              <a:solidFill>
-                <a:srgbClr val="ffffff"/>
-              </a:solidFill>
-              <a:uFill>
-                <a:solidFill>
-                  <a:srgbClr val="ffffff"/>
+            <a:endParaRPr lang="en-US" sz="1800" strike="noStrike" spc="-1">
+              <a:solidFill>
+                <a:srgbClr val="FFFFFF"/>
+              </a:solidFill>
+              <a:uFill>
+                <a:solidFill>
+                  <a:srgbClr val="FFFFFF"/>
                 </a:solidFill>
               </a:uFill>
               <a:latin typeface="Arial"/>
@@ -5000,37 +5708,37 @@
                 <a:spcPct val="100000"/>
               </a:lnSpc>
             </a:pPr>
-            <a:endParaRPr lang="en-US" sz="1800" spc="-1" strike="noStrike">
-              <a:solidFill>
-                <a:srgbClr val="ffffff"/>
-              </a:solidFill>
-              <a:uFill>
-                <a:solidFill>
-                  <a:srgbClr val="ffffff"/>
-                </a:solidFill>
-              </a:uFill>
-              <a:latin typeface="Arial"/>
-            </a:endParaRPr>
-          </a:p>
-          <a:p>
-            <a:pPr lvl="1" marL="800280" indent="-342360">
+            <a:endParaRPr lang="en-US" sz="1800" strike="noStrike" spc="-1">
+              <a:solidFill>
+                <a:srgbClr val="FFFFFF"/>
+              </a:solidFill>
+              <a:uFill>
+                <a:solidFill>
+                  <a:srgbClr val="FFFFFF"/>
+                </a:solidFill>
+              </a:uFill>
+              <a:latin typeface="Arial"/>
+            </a:endParaRPr>
+          </a:p>
+          <a:p>
+            <a:pPr marL="800280" lvl="1" indent="-342360">
               <a:lnSpc>
                 <a:spcPct val="100000"/>
               </a:lnSpc>
               <a:buClr>
-                <a:srgbClr val="ffffff"/>
+                <a:srgbClr val="FFFFFF"/>
               </a:buClr>
               <a:buFont typeface="Arial"/>
               <a:buChar char="•"/>
             </a:pPr>
             <a:r>
-              <a:rPr lang="en-US" sz="2200" spc="-1" strike="noStrike">
-                <a:solidFill>
-                  <a:srgbClr val="ffffff"/>
-                </a:solidFill>
-                <a:uFill>
-                  <a:solidFill>
-                    <a:srgbClr val="ffffff"/>
+              <a:rPr lang="en-US" sz="2200" strike="noStrike" spc="-1">
+                <a:solidFill>
+                  <a:srgbClr val="FFFFFF"/>
+                </a:solidFill>
+                <a:uFill>
+                  <a:solidFill>
+                    <a:srgbClr val="FFFFFF"/>
                   </a:solidFill>
                 </a:uFill>
                 <a:latin typeface="Calisto MT"/>
@@ -5038,13 +5746,13 @@
               </a:rPr>
               <a:t>First with three in row wins</a:t>
             </a:r>
-            <a:endParaRPr lang="en-US" sz="1800" spc="-1" strike="noStrike">
-              <a:solidFill>
-                <a:srgbClr val="ffffff"/>
-              </a:solidFill>
-              <a:uFill>
-                <a:solidFill>
-                  <a:srgbClr val="ffffff"/>
+            <a:endParaRPr lang="en-US" sz="1800" strike="noStrike" spc="-1">
+              <a:solidFill>
+                <a:srgbClr val="FFFFFF"/>
+              </a:solidFill>
+              <a:uFill>
+                <a:solidFill>
+                  <a:srgbClr val="FFFFFF"/>
                 </a:solidFill>
               </a:uFill>
               <a:latin typeface="Arial"/>
@@ -5056,13 +5764,13 @@
                 <a:spcPct val="100000"/>
               </a:lnSpc>
             </a:pPr>
-            <a:endParaRPr lang="en-US" sz="1800" spc="-1" strike="noStrike">
-              <a:solidFill>
-                <a:srgbClr val="ffffff"/>
-              </a:solidFill>
-              <a:uFill>
-                <a:solidFill>
-                  <a:srgbClr val="ffffff"/>
+            <a:endParaRPr lang="en-US" sz="1800" strike="noStrike" spc="-1">
+              <a:solidFill>
+                <a:srgbClr val="FFFFFF"/>
+              </a:solidFill>
+              <a:uFill>
+                <a:solidFill>
+                  <a:srgbClr val="FFFFFF"/>
                 </a:solidFill>
               </a:uFill>
               <a:latin typeface="Arial"/>
@@ -5074,13 +5782,13 @@
                 <a:spcPct val="100000"/>
               </a:lnSpc>
             </a:pPr>
-            <a:endParaRPr lang="en-US" sz="1800" spc="-1" strike="noStrike">
-              <a:solidFill>
-                <a:srgbClr val="ffffff"/>
-              </a:solidFill>
-              <a:uFill>
-                <a:solidFill>
-                  <a:srgbClr val="ffffff"/>
+            <a:endParaRPr lang="en-US" sz="1800" strike="noStrike" spc="-1">
+              <a:solidFill>
+                <a:srgbClr val="FFFFFF"/>
+              </a:solidFill>
+              <a:uFill>
+                <a:solidFill>
+                  <a:srgbClr val="FFFFFF"/>
                 </a:solidFill>
               </a:uFill>
               <a:latin typeface="Arial"/>
@@ -5092,19 +5800,19 @@
                 <a:spcPct val="100000"/>
               </a:lnSpc>
               <a:buClr>
-                <a:srgbClr val="ffffff"/>
+                <a:srgbClr val="FFFFFF"/>
               </a:buClr>
               <a:buFont typeface="Arial"/>
               <a:buChar char="•"/>
             </a:pPr>
             <a:r>
-              <a:rPr lang="en-US" sz="2200" spc="-1" strike="noStrike">
-                <a:solidFill>
-                  <a:srgbClr val="ffffff"/>
-                </a:solidFill>
-                <a:uFill>
-                  <a:solidFill>
-                    <a:srgbClr val="ffffff"/>
+              <a:rPr lang="en-US" sz="2200" strike="noStrike" spc="-1">
+                <a:solidFill>
+                  <a:srgbClr val="FFFFFF"/>
+                </a:solidFill>
+                <a:uFill>
+                  <a:solidFill>
+                    <a:srgbClr val="FFFFFF"/>
                   </a:solidFill>
                 </a:uFill>
                 <a:latin typeface="Calisto MT"/>
@@ -5112,37 +5820,37 @@
               </a:rPr>
               <a:t>Our project: </a:t>
             </a:r>
-            <a:endParaRPr lang="en-US" sz="1800" spc="-1" strike="noStrike">
-              <a:solidFill>
-                <a:srgbClr val="ffffff"/>
-              </a:solidFill>
-              <a:uFill>
-                <a:solidFill>
-                  <a:srgbClr val="ffffff"/>
-                </a:solidFill>
-              </a:uFill>
-              <a:latin typeface="Arial"/>
-            </a:endParaRPr>
-          </a:p>
-          <a:p>
-            <a:pPr lvl="1" marL="800280" indent="-342360">
+            <a:endParaRPr lang="en-US" sz="1800" strike="noStrike" spc="-1">
+              <a:solidFill>
+                <a:srgbClr val="FFFFFF"/>
+              </a:solidFill>
+              <a:uFill>
+                <a:solidFill>
+                  <a:srgbClr val="FFFFFF"/>
+                </a:solidFill>
+              </a:uFill>
+              <a:latin typeface="Arial"/>
+            </a:endParaRPr>
+          </a:p>
+          <a:p>
+            <a:pPr marL="800280" lvl="1" indent="-342360">
               <a:lnSpc>
                 <a:spcPct val="100000"/>
               </a:lnSpc>
               <a:buClr>
-                <a:srgbClr val="ffffff"/>
+                <a:srgbClr val="FFFFFF"/>
               </a:buClr>
               <a:buFont typeface="Arial"/>
               <a:buChar char="•"/>
             </a:pPr>
             <a:r>
-              <a:rPr lang="en-US" sz="2200" spc="-1" strike="noStrike">
-                <a:solidFill>
-                  <a:srgbClr val="ffffff"/>
-                </a:solidFill>
-                <a:uFill>
-                  <a:solidFill>
-                    <a:srgbClr val="ffffff"/>
+              <a:rPr lang="en-US" sz="2200" strike="noStrike" spc="-1">
+                <a:solidFill>
+                  <a:srgbClr val="FFFFFF"/>
+                </a:solidFill>
+                <a:uFill>
+                  <a:solidFill>
+                    <a:srgbClr val="FFFFFF"/>
                   </a:solidFill>
                 </a:uFill>
                 <a:latin typeface="Calisto MT"/>
@@ -5150,37 +5858,37 @@
               </a:rPr>
               <a:t>One or two players</a:t>
             </a:r>
-            <a:endParaRPr lang="en-US" sz="1800" spc="-1" strike="noStrike">
-              <a:solidFill>
-                <a:srgbClr val="ffffff"/>
-              </a:solidFill>
-              <a:uFill>
-                <a:solidFill>
-                  <a:srgbClr val="ffffff"/>
-                </a:solidFill>
-              </a:uFill>
-              <a:latin typeface="Arial"/>
-            </a:endParaRPr>
-          </a:p>
-          <a:p>
-            <a:pPr lvl="1" marL="800280" indent="-342360">
+            <a:endParaRPr lang="en-US" sz="1800" strike="noStrike" spc="-1">
+              <a:solidFill>
+                <a:srgbClr val="FFFFFF"/>
+              </a:solidFill>
+              <a:uFill>
+                <a:solidFill>
+                  <a:srgbClr val="FFFFFF"/>
+                </a:solidFill>
+              </a:uFill>
+              <a:latin typeface="Arial"/>
+            </a:endParaRPr>
+          </a:p>
+          <a:p>
+            <a:pPr marL="800280" lvl="1" indent="-342360">
               <a:lnSpc>
                 <a:spcPct val="100000"/>
               </a:lnSpc>
               <a:buClr>
-                <a:srgbClr val="ffffff"/>
+                <a:srgbClr val="FFFFFF"/>
               </a:buClr>
               <a:buFont typeface="Arial"/>
               <a:buChar char="•"/>
             </a:pPr>
             <a:r>
-              <a:rPr lang="en-US" sz="2200" spc="-1" strike="noStrike">
-                <a:solidFill>
-                  <a:srgbClr val="ffffff"/>
-                </a:solidFill>
-                <a:uFill>
-                  <a:solidFill>
-                    <a:srgbClr val="ffffff"/>
+              <a:rPr lang="en-US" sz="2200" strike="noStrike" spc="-1">
+                <a:solidFill>
+                  <a:srgbClr val="FFFFFF"/>
+                </a:solidFill>
+                <a:uFill>
+                  <a:solidFill>
+                    <a:srgbClr val="FFFFFF"/>
                   </a:solidFill>
                 </a:uFill>
                 <a:latin typeface="Calisto MT"/>
@@ -5188,37 +5896,37 @@
               </a:rPr>
               <a:t> </a:t>
             </a:r>
-            <a:endParaRPr lang="en-US" sz="1800" spc="-1" strike="noStrike">
-              <a:solidFill>
-                <a:srgbClr val="ffffff"/>
-              </a:solidFill>
-              <a:uFill>
-                <a:solidFill>
-                  <a:srgbClr val="ffffff"/>
-                </a:solidFill>
-              </a:uFill>
-              <a:latin typeface="Arial"/>
-            </a:endParaRPr>
-          </a:p>
-          <a:p>
-            <a:pPr lvl="1" marL="800280" indent="-342360">
+            <a:endParaRPr lang="en-US" sz="1800" strike="noStrike" spc="-1">
+              <a:solidFill>
+                <a:srgbClr val="FFFFFF"/>
+              </a:solidFill>
+              <a:uFill>
+                <a:solidFill>
+                  <a:srgbClr val="FFFFFF"/>
+                </a:solidFill>
+              </a:uFill>
+              <a:latin typeface="Arial"/>
+            </a:endParaRPr>
+          </a:p>
+          <a:p>
+            <a:pPr marL="800280" lvl="1" indent="-342360">
               <a:lnSpc>
                 <a:spcPct val="100000"/>
               </a:lnSpc>
               <a:buClr>
-                <a:srgbClr val="ffffff"/>
+                <a:srgbClr val="FFFFFF"/>
               </a:buClr>
               <a:buFont typeface="Arial"/>
               <a:buChar char="•"/>
             </a:pPr>
             <a:r>
-              <a:rPr lang="en-US" sz="2200" spc="-1" strike="noStrike">
-                <a:solidFill>
-                  <a:srgbClr val="ffffff"/>
-                </a:solidFill>
-                <a:uFill>
-                  <a:solidFill>
-                    <a:srgbClr val="ffffff"/>
+              <a:rPr lang="en-US" sz="2200" strike="noStrike" spc="-1">
+                <a:solidFill>
+                  <a:srgbClr val="FFFFFF"/>
+                </a:solidFill>
+                <a:uFill>
+                  <a:solidFill>
+                    <a:srgbClr val="FFFFFF"/>
                   </a:solidFill>
                 </a:uFill>
                 <a:latin typeface="Calisto MT"/>
@@ -5226,13 +5934,13 @@
               </a:rPr>
               <a:t>6x6 grid</a:t>
             </a:r>
-            <a:endParaRPr lang="en-US" sz="1800" spc="-1" strike="noStrike">
-              <a:solidFill>
-                <a:srgbClr val="ffffff"/>
-              </a:solidFill>
-              <a:uFill>
-                <a:solidFill>
-                  <a:srgbClr val="ffffff"/>
+            <a:endParaRPr lang="en-US" sz="1800" strike="noStrike" spc="-1">
+              <a:solidFill>
+                <a:srgbClr val="FFFFFF"/>
+              </a:solidFill>
+              <a:uFill>
+                <a:solidFill>
+                  <a:srgbClr val="FFFFFF"/>
                 </a:solidFill>
               </a:uFill>
               <a:latin typeface="Arial"/>
@@ -5244,37 +5952,37 @@
                 <a:spcPct val="100000"/>
               </a:lnSpc>
             </a:pPr>
-            <a:endParaRPr lang="en-US" sz="1800" spc="-1" strike="noStrike">
-              <a:solidFill>
-                <a:srgbClr val="ffffff"/>
-              </a:solidFill>
-              <a:uFill>
-                <a:solidFill>
-                  <a:srgbClr val="ffffff"/>
-                </a:solidFill>
-              </a:uFill>
-              <a:latin typeface="Arial"/>
-            </a:endParaRPr>
-          </a:p>
-          <a:p>
-            <a:pPr lvl="1" marL="800280" indent="-342360">
+            <a:endParaRPr lang="en-US" sz="1800" strike="noStrike" spc="-1">
+              <a:solidFill>
+                <a:srgbClr val="FFFFFF"/>
+              </a:solidFill>
+              <a:uFill>
+                <a:solidFill>
+                  <a:srgbClr val="FFFFFF"/>
+                </a:solidFill>
+              </a:uFill>
+              <a:latin typeface="Arial"/>
+            </a:endParaRPr>
+          </a:p>
+          <a:p>
+            <a:pPr marL="800280" lvl="1" indent="-342360">
               <a:lnSpc>
                 <a:spcPct val="100000"/>
               </a:lnSpc>
               <a:buClr>
-                <a:srgbClr val="ffffff"/>
+                <a:srgbClr val="FFFFFF"/>
               </a:buClr>
               <a:buFont typeface="Arial"/>
               <a:buChar char="•"/>
             </a:pPr>
             <a:r>
-              <a:rPr lang="en-US" sz="2200" spc="-1" strike="noStrike">
-                <a:solidFill>
-                  <a:srgbClr val="ffffff"/>
-                </a:solidFill>
-                <a:uFill>
-                  <a:solidFill>
-                    <a:srgbClr val="ffffff"/>
+              <a:rPr lang="en-US" sz="2200" strike="noStrike" spc="-1">
+                <a:solidFill>
+                  <a:srgbClr val="FFFFFF"/>
+                </a:solidFill>
+                <a:uFill>
+                  <a:solidFill>
+                    <a:srgbClr val="FFFFFF"/>
                   </a:solidFill>
                 </a:uFill>
                 <a:latin typeface="Calisto MT"/>
@@ -5282,13 +5990,13 @@
               </a:rPr>
               <a:t>Player with the most four in a row wins</a:t>
             </a:r>
-            <a:endParaRPr lang="en-US" sz="1800" spc="-1" strike="noStrike">
-              <a:solidFill>
-                <a:srgbClr val="ffffff"/>
-              </a:solidFill>
-              <a:uFill>
-                <a:solidFill>
-                  <a:srgbClr val="ffffff"/>
+            <a:endParaRPr lang="en-US" sz="1800" strike="noStrike" spc="-1">
+              <a:solidFill>
+                <a:srgbClr val="FFFFFF"/>
+              </a:solidFill>
+              <a:uFill>
+                <a:solidFill>
+                  <a:srgbClr val="FFFFFF"/>
                 </a:solidFill>
               </a:uFill>
               <a:latin typeface="Arial"/>
@@ -5300,13 +6008,13 @@
                 <a:spcPct val="100000"/>
               </a:lnSpc>
             </a:pPr>
-            <a:endParaRPr lang="en-US" sz="1800" spc="-1" strike="noStrike">
-              <a:solidFill>
-                <a:srgbClr val="ffffff"/>
-              </a:solidFill>
-              <a:uFill>
-                <a:solidFill>
-                  <a:srgbClr val="ffffff"/>
+            <a:endParaRPr lang="en-US" sz="1800" strike="noStrike" spc="-1">
+              <a:solidFill>
+                <a:srgbClr val="FFFFFF"/>
+              </a:solidFill>
+              <a:uFill>
+                <a:solidFill>
+                  <a:srgbClr val="FFFFFF"/>
                 </a:solidFill>
               </a:uFill>
               <a:latin typeface="Arial"/>
@@ -5318,13 +6026,13 @@
                 <a:spcPct val="100000"/>
               </a:lnSpc>
             </a:pPr>
-            <a:endParaRPr lang="en-US" sz="1800" spc="-1" strike="noStrike">
-              <a:solidFill>
-                <a:srgbClr val="ffffff"/>
-              </a:solidFill>
-              <a:uFill>
-                <a:solidFill>
-                  <a:srgbClr val="ffffff"/>
+            <a:endParaRPr lang="en-US" sz="1800" strike="noStrike" spc="-1">
+              <a:solidFill>
+                <a:srgbClr val="FFFFFF"/>
+              </a:solidFill>
+              <a:uFill>
+                <a:solidFill>
+                  <a:srgbClr val="FFFFFF"/>
                 </a:solidFill>
               </a:uFill>
               <a:latin typeface="Arial"/>
@@ -5336,13 +6044,13 @@
                 <a:spcPct val="100000"/>
               </a:lnSpc>
             </a:pPr>
-            <a:endParaRPr lang="en-US" sz="1800" spc="-1" strike="noStrike">
-              <a:solidFill>
-                <a:srgbClr val="ffffff"/>
-              </a:solidFill>
-              <a:uFill>
-                <a:solidFill>
-                  <a:srgbClr val="ffffff"/>
+            <a:endParaRPr lang="en-US" sz="1800" strike="noStrike" spc="-1">
+              <a:solidFill>
+                <a:srgbClr val="FFFFFF"/>
+              </a:solidFill>
+              <a:uFill>
+                <a:solidFill>
+                  <a:srgbClr val="FFFFFF"/>
                 </a:solidFill>
               </a:uFill>
               <a:latin typeface="Arial"/>
@@ -5352,22 +6060,25 @@
       </p:sp>
     </p:spTree>
   </p:cSld>
+  <p:clrMapOvr>
+    <a:masterClrMapping/>
+  </p:clrMapOvr>
   <p:timing>
     <p:tnLst>
       <p:par>
-        <p:cTn id="3" dur="indefinite" restart="never" nodeType="tmRoot">
+        <p:cTn id="1" dur="indefinite" restart="never" nodeType="tmRoot">
           <p:childTnLst>
             <p:seq>
-              <p:cTn id="4" nodeType="mainSeq"/>
+              <p:cTn id="2" nodeType="mainSeq"/>
               <p:prevCondLst>
-                <p:cond delay="0" evt="onPrev">
+                <p:cond evt="onPrev" delay="0">
                   <p:tgtEl>
                     <p:sldTgt/>
                   </p:tgtEl>
                 </p:cond>
               </p:prevCondLst>
               <p:nextCondLst>
-                <p:cond delay="0" evt="onNext">
+                <p:cond evt="onNext" delay="0">
                   <p:tgtEl>
                     <p:sldTgt/>
                   </p:tgtEl>
@@ -5383,7 +6094,7 @@
 </file>
 
 <file path=ppt/slides/slide3.xml><?xml version="1.0" encoding="utf-8"?>
-<p:sld xmlns:a="http://schemas.openxmlformats.org/drawingml/2006/main" xmlns:p="http://schemas.openxmlformats.org/presentationml/2006/main" xmlns:r="http://schemas.openxmlformats.org/officeDocument/2006/relationships">
+<p:sld xmlns:a="http://schemas.openxmlformats.org/drawingml/2006/main" xmlns:r="http://schemas.openxmlformats.org/officeDocument/2006/relationships" xmlns:p="http://schemas.openxmlformats.org/presentationml/2006/main">
   <p:cSld>
     <p:spTree>
       <p:nvGrpSpPr>
@@ -5419,13 +6130,20 @@
           </a:ln>
         </p:spPr>
         <p:style>
-          <a:lnRef idx="0"/>
-          <a:fillRef idx="0"/>
-          <a:effectRef idx="0"/>
+          <a:lnRef idx="0">
+            <a:scrgbClr r="0" g="0" b="0"/>
+          </a:lnRef>
+          <a:fillRef idx="0">
+            <a:scrgbClr r="0" g="0" b="0"/>
+          </a:fillRef>
+          <a:effectRef idx="0">
+            <a:scrgbClr r="0" g="0" b="0"/>
+          </a:effectRef>
           <a:fontRef idx="minor"/>
         </p:style>
         <p:txBody>
-          <a:bodyPr lIns="90000" rIns="90000" tIns="45000" bIns="45000" anchor="ctr"/>
+          <a:bodyPr lIns="90000" tIns="45000" rIns="90000" bIns="45000" anchor="ctr"/>
+          <a:lstStyle/>
           <a:p>
             <a:pPr algn="ctr">
               <a:lnSpc>
@@ -5433,13 +6151,13 @@
               </a:lnSpc>
             </a:pPr>
             <a:r>
-              <a:rPr b="1" lang="en-US" sz="4800" spc="-1" strike="noStrike">
-                <a:solidFill>
-                  <a:srgbClr val="ffffff"/>
-                </a:solidFill>
-                <a:uFill>
-                  <a:solidFill>
-                    <a:srgbClr val="ffffff"/>
+              <a:rPr lang="en-US" sz="4800" b="1" strike="noStrike" spc="-1">
+                <a:solidFill>
+                  <a:srgbClr val="FFFFFF"/>
+                </a:solidFill>
+                <a:uFill>
+                  <a:solidFill>
+                    <a:srgbClr val="FFFFFF"/>
                   </a:solidFill>
                 </a:uFill>
                 <a:latin typeface="Calisto MT"/>
@@ -5447,13 +6165,13 @@
               </a:rPr>
               <a:t>Purpose of the Game</a:t>
             </a:r>
-            <a:endParaRPr lang="en-US" sz="1800" spc="-1" strike="noStrike">
-              <a:solidFill>
-                <a:srgbClr val="ffffff"/>
-              </a:solidFill>
-              <a:uFill>
-                <a:solidFill>
-                  <a:srgbClr val="ffffff"/>
+            <a:endParaRPr lang="en-US" sz="1800" strike="noStrike" spc="-1">
+              <a:solidFill>
+                <a:srgbClr val="FFFFFF"/>
+              </a:solidFill>
+              <a:uFill>
+                <a:solidFill>
+                  <a:srgbClr val="FFFFFF"/>
                 </a:solidFill>
               </a:uFill>
               <a:latin typeface="Arial"/>
@@ -5481,32 +6199,39 @@
           </a:ln>
         </p:spPr>
         <p:style>
-          <a:lnRef idx="0"/>
-          <a:fillRef idx="0"/>
-          <a:effectRef idx="0"/>
+          <a:lnRef idx="0">
+            <a:scrgbClr r="0" g="0" b="0"/>
+          </a:lnRef>
+          <a:fillRef idx="0">
+            <a:scrgbClr r="0" g="0" b="0"/>
+          </a:fillRef>
+          <a:effectRef idx="0">
+            <a:scrgbClr r="0" g="0" b="0"/>
+          </a:effectRef>
           <a:fontRef idx="minor"/>
         </p:style>
         <p:txBody>
-          <a:bodyPr lIns="90000" rIns="90000" tIns="45000" bIns="45000"/>
+          <a:bodyPr lIns="90000" tIns="45000" rIns="90000" bIns="45000"/>
+          <a:lstStyle/>
           <a:p>
             <a:pPr marL="343440" indent="-342360">
               <a:lnSpc>
                 <a:spcPct val="100000"/>
               </a:lnSpc>
               <a:buClr>
-                <a:srgbClr val="ffffff"/>
+                <a:srgbClr val="FFFFFF"/>
               </a:buClr>
               <a:buFont typeface="Arial"/>
               <a:buChar char="•"/>
             </a:pPr>
             <a:r>
-              <a:rPr lang="en-US" sz="2200" spc="-1" strike="noStrike">
-                <a:solidFill>
-                  <a:srgbClr val="ffffff"/>
-                </a:solidFill>
-                <a:uFill>
-                  <a:solidFill>
-                    <a:srgbClr val="ffffff"/>
+              <a:rPr lang="en-US" sz="2200" strike="noStrike" spc="-1">
+                <a:solidFill>
+                  <a:srgbClr val="FFFFFF"/>
+                </a:solidFill>
+                <a:uFill>
+                  <a:solidFill>
+                    <a:srgbClr val="FFFFFF"/>
                   </a:solidFill>
                 </a:uFill>
                 <a:latin typeface="Calisto MT"/>
@@ -5514,13 +6239,13 @@
               </a:rPr>
               <a:t>Purpose: win against your opponent.</a:t>
             </a:r>
-            <a:endParaRPr lang="en-US" sz="1800" spc="-1" strike="noStrike">
-              <a:solidFill>
-                <a:srgbClr val="ffffff"/>
-              </a:solidFill>
-              <a:uFill>
-                <a:solidFill>
-                  <a:srgbClr val="ffffff"/>
+            <a:endParaRPr lang="en-US" sz="1800" strike="noStrike" spc="-1">
+              <a:solidFill>
+                <a:srgbClr val="FFFFFF"/>
+              </a:solidFill>
+              <a:uFill>
+                <a:solidFill>
+                  <a:srgbClr val="FFFFFF"/>
                 </a:solidFill>
               </a:uFill>
               <a:latin typeface="Arial"/>
@@ -5532,13 +6257,13 @@
                 <a:spcPct val="100000"/>
               </a:lnSpc>
             </a:pPr>
-            <a:endParaRPr lang="en-US" sz="1800" spc="-1" strike="noStrike">
-              <a:solidFill>
-                <a:srgbClr val="ffffff"/>
-              </a:solidFill>
-              <a:uFill>
-                <a:solidFill>
-                  <a:srgbClr val="ffffff"/>
+            <a:endParaRPr lang="en-US" sz="1800" strike="noStrike" spc="-1">
+              <a:solidFill>
+                <a:srgbClr val="FFFFFF"/>
+              </a:solidFill>
+              <a:uFill>
+                <a:solidFill>
+                  <a:srgbClr val="FFFFFF"/>
                 </a:solidFill>
               </a:uFill>
               <a:latin typeface="Arial"/>
@@ -5550,19 +6275,19 @@
                 <a:spcPct val="100000"/>
               </a:lnSpc>
               <a:buClr>
-                <a:srgbClr val="ffffff"/>
+                <a:srgbClr val="FFFFFF"/>
               </a:buClr>
               <a:buFont typeface="Arial"/>
               <a:buChar char="•"/>
             </a:pPr>
             <a:r>
-              <a:rPr lang="en-US" sz="2200" spc="-1" strike="noStrike">
-                <a:solidFill>
-                  <a:srgbClr val="ffffff"/>
-                </a:solidFill>
-                <a:uFill>
-                  <a:solidFill>
-                    <a:srgbClr val="ffffff"/>
+              <a:rPr lang="en-US" sz="2200" strike="noStrike" spc="-1">
+                <a:solidFill>
+                  <a:srgbClr val="FFFFFF"/>
+                </a:solidFill>
+                <a:uFill>
+                  <a:solidFill>
+                    <a:srgbClr val="FFFFFF"/>
                   </a:solidFill>
                 </a:uFill>
                 <a:latin typeface="Calisto MT"/>
@@ -5570,13 +6295,13 @@
               </a:rPr>
               <a:t>The winner will be determined once the entire grid is filled.</a:t>
             </a:r>
-            <a:endParaRPr lang="en-US" sz="1800" spc="-1" strike="noStrike">
-              <a:solidFill>
-                <a:srgbClr val="ffffff"/>
-              </a:solidFill>
-              <a:uFill>
-                <a:solidFill>
-                  <a:srgbClr val="ffffff"/>
+            <a:endParaRPr lang="en-US" sz="1800" strike="noStrike" spc="-1">
+              <a:solidFill>
+                <a:srgbClr val="FFFFFF"/>
+              </a:solidFill>
+              <a:uFill>
+                <a:solidFill>
+                  <a:srgbClr val="FFFFFF"/>
                 </a:solidFill>
               </a:uFill>
               <a:latin typeface="Arial"/>
@@ -5588,13 +6313,13 @@
                 <a:spcPct val="100000"/>
               </a:lnSpc>
             </a:pPr>
-            <a:endParaRPr lang="en-US" sz="1800" spc="-1" strike="noStrike">
-              <a:solidFill>
-                <a:srgbClr val="ffffff"/>
-              </a:solidFill>
-              <a:uFill>
-                <a:solidFill>
-                  <a:srgbClr val="ffffff"/>
+            <a:endParaRPr lang="en-US" sz="1800" strike="noStrike" spc="-1">
+              <a:solidFill>
+                <a:srgbClr val="FFFFFF"/>
+              </a:solidFill>
+              <a:uFill>
+                <a:solidFill>
+                  <a:srgbClr val="FFFFFF"/>
                 </a:solidFill>
               </a:uFill>
               <a:latin typeface="Arial"/>
@@ -5606,19 +6331,19 @@
                 <a:spcPct val="100000"/>
               </a:lnSpc>
               <a:buClr>
-                <a:srgbClr val="ffffff"/>
+                <a:srgbClr val="FFFFFF"/>
               </a:buClr>
               <a:buFont typeface="Arial"/>
               <a:buChar char="•"/>
             </a:pPr>
             <a:r>
-              <a:rPr lang="en-US" sz="2200" spc="-1" strike="noStrike">
-                <a:solidFill>
-                  <a:srgbClr val="ffffff"/>
-                </a:solidFill>
-                <a:uFill>
-                  <a:solidFill>
-                    <a:srgbClr val="ffffff"/>
+              <a:rPr lang="en-US" sz="2200" strike="noStrike" spc="-1">
+                <a:solidFill>
+                  <a:srgbClr val="FFFFFF"/>
+                </a:solidFill>
+                <a:uFill>
+                  <a:solidFill>
+                    <a:srgbClr val="FFFFFF"/>
                   </a:solidFill>
                 </a:uFill>
                 <a:latin typeface="Calisto MT"/>
@@ -5626,37 +6351,37 @@
               </a:rPr>
               <a:t>The player with the most 4 in a row wins:</a:t>
             </a:r>
-            <a:endParaRPr lang="en-US" sz="1800" spc="-1" strike="noStrike">
-              <a:solidFill>
-                <a:srgbClr val="ffffff"/>
-              </a:solidFill>
-              <a:uFill>
-                <a:solidFill>
-                  <a:srgbClr val="ffffff"/>
-                </a:solidFill>
-              </a:uFill>
-              <a:latin typeface="Arial"/>
-            </a:endParaRPr>
-          </a:p>
-          <a:p>
-            <a:pPr lvl="2" marL="1257840" indent="-342360">
+            <a:endParaRPr lang="en-US" sz="1800" strike="noStrike" spc="-1">
+              <a:solidFill>
+                <a:srgbClr val="FFFFFF"/>
+              </a:solidFill>
+              <a:uFill>
+                <a:solidFill>
+                  <a:srgbClr val="FFFFFF"/>
+                </a:solidFill>
+              </a:uFill>
+              <a:latin typeface="Arial"/>
+            </a:endParaRPr>
+          </a:p>
+          <a:p>
+            <a:pPr marL="1257840" lvl="2" indent="-342360">
               <a:lnSpc>
                 <a:spcPct val="100000"/>
               </a:lnSpc>
               <a:buClr>
-                <a:srgbClr val="ffffff"/>
+                <a:srgbClr val="FFFFFF"/>
               </a:buClr>
               <a:buFont typeface="Arial"/>
               <a:buChar char="•"/>
             </a:pPr>
             <a:r>
-              <a:rPr lang="en-US" sz="2200" spc="-1" strike="noStrike">
-                <a:solidFill>
-                  <a:srgbClr val="ffffff"/>
-                </a:solidFill>
-                <a:uFill>
-                  <a:solidFill>
-                    <a:srgbClr val="ffffff"/>
+              <a:rPr lang="en-US" sz="2200" strike="noStrike" spc="-1">
+                <a:solidFill>
+                  <a:srgbClr val="FFFFFF"/>
+                </a:solidFill>
+                <a:uFill>
+                  <a:solidFill>
+                    <a:srgbClr val="FFFFFF"/>
                   </a:solidFill>
                 </a:uFill>
                 <a:latin typeface="Calisto MT"/>
@@ -5664,37 +6389,37 @@
               </a:rPr>
               <a:t>Vertically</a:t>
             </a:r>
-            <a:endParaRPr lang="en-US" sz="1800" spc="-1" strike="noStrike">
-              <a:solidFill>
-                <a:srgbClr val="ffffff"/>
-              </a:solidFill>
-              <a:uFill>
-                <a:solidFill>
-                  <a:srgbClr val="ffffff"/>
-                </a:solidFill>
-              </a:uFill>
-              <a:latin typeface="Arial"/>
-            </a:endParaRPr>
-          </a:p>
-          <a:p>
-            <a:pPr lvl="2" marL="1257840" indent="-342360">
+            <a:endParaRPr lang="en-US" sz="1800" strike="noStrike" spc="-1">
+              <a:solidFill>
+                <a:srgbClr val="FFFFFF"/>
+              </a:solidFill>
+              <a:uFill>
+                <a:solidFill>
+                  <a:srgbClr val="FFFFFF"/>
+                </a:solidFill>
+              </a:uFill>
+              <a:latin typeface="Arial"/>
+            </a:endParaRPr>
+          </a:p>
+          <a:p>
+            <a:pPr marL="1257840" lvl="2" indent="-342360">
               <a:lnSpc>
                 <a:spcPct val="100000"/>
               </a:lnSpc>
               <a:buClr>
-                <a:srgbClr val="ffffff"/>
+                <a:srgbClr val="FFFFFF"/>
               </a:buClr>
               <a:buFont typeface="Arial"/>
               <a:buChar char="•"/>
             </a:pPr>
             <a:r>
-              <a:rPr lang="en-US" sz="2200" spc="-1" strike="noStrike">
-                <a:solidFill>
-                  <a:srgbClr val="ffffff"/>
-                </a:solidFill>
-                <a:uFill>
-                  <a:solidFill>
-                    <a:srgbClr val="ffffff"/>
+              <a:rPr lang="en-US" sz="2200" strike="noStrike" spc="-1">
+                <a:solidFill>
+                  <a:srgbClr val="FFFFFF"/>
+                </a:solidFill>
+                <a:uFill>
+                  <a:solidFill>
+                    <a:srgbClr val="FFFFFF"/>
                   </a:solidFill>
                 </a:uFill>
                 <a:latin typeface="Calisto MT"/>
@@ -5702,37 +6427,37 @@
               </a:rPr>
               <a:t>Horizontally</a:t>
             </a:r>
-            <a:endParaRPr lang="en-US" sz="1800" spc="-1" strike="noStrike">
-              <a:solidFill>
-                <a:srgbClr val="ffffff"/>
-              </a:solidFill>
-              <a:uFill>
-                <a:solidFill>
-                  <a:srgbClr val="ffffff"/>
-                </a:solidFill>
-              </a:uFill>
-              <a:latin typeface="Arial"/>
-            </a:endParaRPr>
-          </a:p>
-          <a:p>
-            <a:pPr lvl="2" marL="1257840" indent="-342360">
+            <a:endParaRPr lang="en-US" sz="1800" strike="noStrike" spc="-1">
+              <a:solidFill>
+                <a:srgbClr val="FFFFFF"/>
+              </a:solidFill>
+              <a:uFill>
+                <a:solidFill>
+                  <a:srgbClr val="FFFFFF"/>
+                </a:solidFill>
+              </a:uFill>
+              <a:latin typeface="Arial"/>
+            </a:endParaRPr>
+          </a:p>
+          <a:p>
+            <a:pPr marL="1257840" lvl="2" indent="-342360">
               <a:lnSpc>
                 <a:spcPct val="100000"/>
               </a:lnSpc>
               <a:buClr>
-                <a:srgbClr val="ffffff"/>
+                <a:srgbClr val="FFFFFF"/>
               </a:buClr>
               <a:buFont typeface="Arial"/>
               <a:buChar char="•"/>
             </a:pPr>
             <a:r>
-              <a:rPr lang="en-US" sz="2200" spc="-1" strike="noStrike">
-                <a:solidFill>
-                  <a:srgbClr val="ffffff"/>
-                </a:solidFill>
-                <a:uFill>
-                  <a:solidFill>
-                    <a:srgbClr val="ffffff"/>
+              <a:rPr lang="en-US" sz="2200" strike="noStrike" spc="-1">
+                <a:solidFill>
+                  <a:srgbClr val="FFFFFF"/>
+                </a:solidFill>
+                <a:uFill>
+                  <a:solidFill>
+                    <a:srgbClr val="FFFFFF"/>
                   </a:solidFill>
                 </a:uFill>
                 <a:latin typeface="Calisto MT"/>
@@ -5740,13 +6465,13 @@
               </a:rPr>
               <a:t>Diagonally</a:t>
             </a:r>
-            <a:endParaRPr lang="en-US" sz="1800" spc="-1" strike="noStrike">
-              <a:solidFill>
-                <a:srgbClr val="ffffff"/>
-              </a:solidFill>
-              <a:uFill>
-                <a:solidFill>
-                  <a:srgbClr val="ffffff"/>
+            <a:endParaRPr lang="en-US" sz="1800" strike="noStrike" spc="-1">
+              <a:solidFill>
+                <a:srgbClr val="FFFFFF"/>
+              </a:solidFill>
+              <a:uFill>
+                <a:solidFill>
+                  <a:srgbClr val="FFFFFF"/>
                 </a:solidFill>
               </a:uFill>
               <a:latin typeface="Arial"/>
@@ -5758,13 +6483,13 @@
                 <a:spcPct val="100000"/>
               </a:lnSpc>
             </a:pPr>
-            <a:endParaRPr lang="en-US" sz="1800" spc="-1" strike="noStrike">
-              <a:solidFill>
-                <a:srgbClr val="ffffff"/>
-              </a:solidFill>
-              <a:uFill>
-                <a:solidFill>
-                  <a:srgbClr val="ffffff"/>
+            <a:endParaRPr lang="en-US" sz="1800" strike="noStrike" spc="-1">
+              <a:solidFill>
+                <a:srgbClr val="FFFFFF"/>
+              </a:solidFill>
+              <a:uFill>
+                <a:solidFill>
+                  <a:srgbClr val="FFFFFF"/>
                 </a:solidFill>
               </a:uFill>
               <a:latin typeface="Arial"/>
@@ -5776,19 +6501,19 @@
                 <a:spcPct val="100000"/>
               </a:lnSpc>
               <a:buClr>
-                <a:srgbClr val="ffffff"/>
+                <a:srgbClr val="FFFFFF"/>
               </a:buClr>
               <a:buFont typeface="Arial"/>
               <a:buChar char="•"/>
             </a:pPr>
             <a:r>
-              <a:rPr lang="en-US" sz="2200" spc="-1" strike="noStrike">
-                <a:solidFill>
-                  <a:srgbClr val="ffffff"/>
-                </a:solidFill>
-                <a:uFill>
-                  <a:solidFill>
-                    <a:srgbClr val="ffffff"/>
+              <a:rPr lang="en-US" sz="2200" strike="noStrike" spc="-1">
+                <a:solidFill>
+                  <a:srgbClr val="FFFFFF"/>
+                </a:solidFill>
+                <a:uFill>
+                  <a:solidFill>
+                    <a:srgbClr val="FFFFFF"/>
                   </a:solidFill>
                 </a:uFill>
                 <a:latin typeface="Calisto MT"/>
@@ -5796,13 +6521,13 @@
               </a:rPr>
               <a:t>Have fun playing.</a:t>
             </a:r>
-            <a:endParaRPr lang="en-US" sz="1800" spc="-1" strike="noStrike">
-              <a:solidFill>
-                <a:srgbClr val="ffffff"/>
-              </a:solidFill>
-              <a:uFill>
-                <a:solidFill>
-                  <a:srgbClr val="ffffff"/>
+            <a:endParaRPr lang="en-US" sz="1800" strike="noStrike" spc="-1">
+              <a:solidFill>
+                <a:srgbClr val="FFFFFF"/>
+              </a:solidFill>
+              <a:uFill>
+                <a:solidFill>
+                  <a:srgbClr val="FFFFFF"/>
                 </a:solidFill>
               </a:uFill>
               <a:latin typeface="Arial"/>
@@ -5812,22 +6537,25 @@
       </p:sp>
     </p:spTree>
   </p:cSld>
+  <p:clrMapOvr>
+    <a:masterClrMapping/>
+  </p:clrMapOvr>
   <p:timing>
     <p:tnLst>
       <p:par>
-        <p:cTn id="5" dur="indefinite" restart="never" nodeType="tmRoot">
+        <p:cTn id="1" dur="indefinite" restart="never" nodeType="tmRoot">
           <p:childTnLst>
             <p:seq>
-              <p:cTn id="6" nodeType="mainSeq"/>
+              <p:cTn id="2" nodeType="mainSeq"/>
               <p:prevCondLst>
-                <p:cond delay="0" evt="onPrev">
+                <p:cond evt="onPrev" delay="0">
                   <p:tgtEl>
                     <p:sldTgt/>
                   </p:tgtEl>
                 </p:cond>
               </p:prevCondLst>
               <p:nextCondLst>
-                <p:cond delay="0" evt="onNext">
+                <p:cond evt="onNext" delay="0">
                   <p:tgtEl>
                     <p:sldTgt/>
                   </p:tgtEl>
@@ -5843,7 +6571,7 @@
 </file>
 
 <file path=ppt/slides/slide4.xml><?xml version="1.0" encoding="utf-8"?>
-<p:sld xmlns:a="http://schemas.openxmlformats.org/drawingml/2006/main" xmlns:p="http://schemas.openxmlformats.org/presentationml/2006/main" xmlns:r="http://schemas.openxmlformats.org/officeDocument/2006/relationships">
+<p:sld xmlns:a="http://schemas.openxmlformats.org/drawingml/2006/main" xmlns:r="http://schemas.openxmlformats.org/officeDocument/2006/relationships" xmlns:p="http://schemas.openxmlformats.org/presentationml/2006/main">
   <p:cSld>
     <p:spTree>
       <p:nvGrpSpPr>
@@ -5879,13 +6607,20 @@
           </a:ln>
         </p:spPr>
         <p:style>
-          <a:lnRef idx="0"/>
-          <a:fillRef idx="0"/>
-          <a:effectRef idx="0"/>
+          <a:lnRef idx="0">
+            <a:scrgbClr r="0" g="0" b="0"/>
+          </a:lnRef>
+          <a:fillRef idx="0">
+            <a:scrgbClr r="0" g="0" b="0"/>
+          </a:fillRef>
+          <a:effectRef idx="0">
+            <a:scrgbClr r="0" g="0" b="0"/>
+          </a:effectRef>
           <a:fontRef idx="minor"/>
         </p:style>
         <p:txBody>
-          <a:bodyPr lIns="90000" rIns="90000" tIns="45000" bIns="45000" anchor="ctr"/>
+          <a:bodyPr lIns="90000" tIns="45000" rIns="90000" bIns="45000" anchor="ctr"/>
+          <a:lstStyle/>
           <a:p>
             <a:pPr algn="ctr">
               <a:lnSpc>
@@ -5893,13 +6628,13 @@
               </a:lnSpc>
             </a:pPr>
             <a:r>
-              <a:rPr lang="en-US" sz="4800" spc="-1" strike="noStrike">
-                <a:solidFill>
-                  <a:srgbClr val="ffffff"/>
-                </a:solidFill>
-                <a:uFill>
-                  <a:solidFill>
-                    <a:srgbClr val="ffffff"/>
+              <a:rPr lang="en-US" sz="4800" strike="noStrike" spc="-1">
+                <a:solidFill>
+                  <a:srgbClr val="FFFFFF"/>
+                </a:solidFill>
+                <a:uFill>
+                  <a:solidFill>
+                    <a:srgbClr val="FFFFFF"/>
                   </a:solidFill>
                 </a:uFill>
                 <a:latin typeface="Calisto MT"/>
@@ -5907,13 +6642,13 @@
               </a:rPr>
               <a:t>How the game will work</a:t>
             </a:r>
-            <a:endParaRPr lang="en-US" sz="1800" spc="-1" strike="noStrike">
-              <a:solidFill>
-                <a:srgbClr val="ffffff"/>
-              </a:solidFill>
-              <a:uFill>
-                <a:solidFill>
-                  <a:srgbClr val="ffffff"/>
+            <a:endParaRPr lang="en-US" sz="1800" strike="noStrike" spc="-1">
+              <a:solidFill>
+                <a:srgbClr val="FFFFFF"/>
+              </a:solidFill>
+              <a:uFill>
+                <a:solidFill>
+                  <a:srgbClr val="FFFFFF"/>
                 </a:solidFill>
               </a:uFill>
               <a:latin typeface="Arial"/>
@@ -5941,32 +6676,39 @@
           </a:ln>
         </p:spPr>
         <p:style>
-          <a:lnRef idx="0"/>
-          <a:fillRef idx="0"/>
-          <a:effectRef idx="0"/>
+          <a:lnRef idx="0">
+            <a:scrgbClr r="0" g="0" b="0"/>
+          </a:lnRef>
+          <a:fillRef idx="0">
+            <a:scrgbClr r="0" g="0" b="0"/>
+          </a:fillRef>
+          <a:effectRef idx="0">
+            <a:scrgbClr r="0" g="0" b="0"/>
+          </a:effectRef>
           <a:fontRef idx="minor"/>
         </p:style>
         <p:txBody>
-          <a:bodyPr lIns="90000" rIns="90000" tIns="45000" bIns="45000"/>
+          <a:bodyPr lIns="90000" tIns="45000" rIns="90000" bIns="45000"/>
+          <a:lstStyle/>
           <a:p>
             <a:pPr marL="457560" indent="-456480">
               <a:lnSpc>
                 <a:spcPct val="100000"/>
               </a:lnSpc>
               <a:buClr>
-                <a:srgbClr val="ffffff"/>
+                <a:srgbClr val="FFFFFF"/>
               </a:buClr>
               <a:buFont typeface="Arial"/>
               <a:buChar char="•"/>
             </a:pPr>
             <a:r>
-              <a:rPr lang="en-US" sz="2800" spc="-1" strike="noStrike">
-                <a:solidFill>
-                  <a:srgbClr val="ffffff"/>
-                </a:solidFill>
-                <a:uFill>
-                  <a:solidFill>
-                    <a:srgbClr val="ffffff"/>
+              <a:rPr lang="en-US" sz="2800" strike="noStrike" spc="-1" dirty="0">
+                <a:solidFill>
+                  <a:srgbClr val="FFFFFF"/>
+                </a:solidFill>
+                <a:uFill>
+                  <a:solidFill>
+                    <a:srgbClr val="FFFFFF"/>
                   </a:solidFill>
                 </a:uFill>
                 <a:latin typeface="Calisto MT"/>
@@ -5974,13 +6716,13 @@
               </a:rPr>
               <a:t>User will be given a login menu.</a:t>
             </a:r>
-            <a:endParaRPr lang="en-US" sz="1800" spc="-1" strike="noStrike">
-              <a:solidFill>
-                <a:srgbClr val="ffffff"/>
-              </a:solidFill>
-              <a:uFill>
-                <a:solidFill>
-                  <a:srgbClr val="ffffff"/>
+            <a:endParaRPr lang="en-US" sz="1800" strike="noStrike" spc="-1" dirty="0">
+              <a:solidFill>
+                <a:srgbClr val="FFFFFF"/>
+              </a:solidFill>
+              <a:uFill>
+                <a:solidFill>
+                  <a:srgbClr val="FFFFFF"/>
                 </a:solidFill>
               </a:uFill>
               <a:latin typeface="Arial"/>
@@ -5992,13 +6734,13 @@
                 <a:spcPct val="100000"/>
               </a:lnSpc>
             </a:pPr>
-            <a:endParaRPr lang="en-US" sz="1800" spc="-1" strike="noStrike">
-              <a:solidFill>
-                <a:srgbClr val="ffffff"/>
-              </a:solidFill>
-              <a:uFill>
-                <a:solidFill>
-                  <a:srgbClr val="ffffff"/>
+            <a:endParaRPr lang="en-US" sz="1800" strike="noStrike" spc="-1" dirty="0">
+              <a:solidFill>
+                <a:srgbClr val="FFFFFF"/>
+              </a:solidFill>
+              <a:uFill>
+                <a:solidFill>
+                  <a:srgbClr val="FFFFFF"/>
                 </a:solidFill>
               </a:uFill>
               <a:latin typeface="Arial"/>
@@ -6010,19 +6752,19 @@
                 <a:spcPct val="100000"/>
               </a:lnSpc>
               <a:buClr>
-                <a:srgbClr val="ffffff"/>
+                <a:srgbClr val="FFFFFF"/>
               </a:buClr>
               <a:buFont typeface="Arial"/>
               <a:buChar char="•"/>
             </a:pPr>
             <a:r>
-              <a:rPr lang="en-US" sz="2800" spc="-1" strike="noStrike">
-                <a:solidFill>
-                  <a:srgbClr val="ffffff"/>
-                </a:solidFill>
-                <a:uFill>
-                  <a:solidFill>
-                    <a:srgbClr val="ffffff"/>
+              <a:rPr lang="en-US" sz="2800" strike="noStrike" spc="-1" dirty="0">
+                <a:solidFill>
+                  <a:srgbClr val="FFFFFF"/>
+                </a:solidFill>
+                <a:uFill>
+                  <a:solidFill>
+                    <a:srgbClr val="FFFFFF"/>
                   </a:solidFill>
                 </a:uFill>
                 <a:latin typeface="Calisto MT"/>
@@ -6030,13 +6772,13 @@
               </a:rPr>
               <a:t>User can either log in or register.</a:t>
             </a:r>
-            <a:endParaRPr lang="en-US" sz="1800" spc="-1" strike="noStrike">
-              <a:solidFill>
-                <a:srgbClr val="ffffff"/>
-              </a:solidFill>
-              <a:uFill>
-                <a:solidFill>
-                  <a:srgbClr val="ffffff"/>
+            <a:endParaRPr lang="en-US" sz="1800" strike="noStrike" spc="-1" dirty="0">
+              <a:solidFill>
+                <a:srgbClr val="FFFFFF"/>
+              </a:solidFill>
+              <a:uFill>
+                <a:solidFill>
+                  <a:srgbClr val="FFFFFF"/>
                 </a:solidFill>
               </a:uFill>
               <a:latin typeface="Arial"/>
@@ -6048,13 +6790,13 @@
                 <a:spcPct val="100000"/>
               </a:lnSpc>
             </a:pPr>
-            <a:endParaRPr lang="en-US" sz="1800" spc="-1" strike="noStrike">
-              <a:solidFill>
-                <a:srgbClr val="ffffff"/>
-              </a:solidFill>
-              <a:uFill>
-                <a:solidFill>
-                  <a:srgbClr val="ffffff"/>
+            <a:endParaRPr lang="en-US" sz="1800" strike="noStrike" spc="-1" dirty="0">
+              <a:solidFill>
+                <a:srgbClr val="FFFFFF"/>
+              </a:solidFill>
+              <a:uFill>
+                <a:solidFill>
+                  <a:srgbClr val="FFFFFF"/>
                 </a:solidFill>
               </a:uFill>
               <a:latin typeface="Arial"/>
@@ -6066,19 +6808,19 @@
                 <a:spcPct val="100000"/>
               </a:lnSpc>
               <a:buClr>
-                <a:srgbClr val="ffffff"/>
+                <a:srgbClr val="FFFFFF"/>
               </a:buClr>
               <a:buFont typeface="Arial"/>
               <a:buChar char="•"/>
             </a:pPr>
             <a:r>
-              <a:rPr lang="en-US" sz="2800" spc="-1" strike="noStrike">
-                <a:solidFill>
-                  <a:srgbClr val="ffffff"/>
-                </a:solidFill>
-                <a:uFill>
-                  <a:solidFill>
-                    <a:srgbClr val="ffffff"/>
+              <a:rPr lang="en-US" sz="2800" strike="noStrike" spc="-1" dirty="0">
+                <a:solidFill>
+                  <a:srgbClr val="FFFFFF"/>
+                </a:solidFill>
+                <a:uFill>
+                  <a:solidFill>
+                    <a:srgbClr val="FFFFFF"/>
                   </a:solidFill>
                 </a:uFill>
                 <a:latin typeface="Calisto MT"/>
@@ -6086,51 +6828,81 @@
               </a:rPr>
               <a:t>The user selects:</a:t>
             </a:r>
-            <a:endParaRPr lang="en-US" sz="1800" spc="-1" strike="noStrike">
-              <a:solidFill>
-                <a:srgbClr val="ffffff"/>
-              </a:solidFill>
-              <a:uFill>
-                <a:solidFill>
-                  <a:srgbClr val="ffffff"/>
-                </a:solidFill>
-              </a:uFill>
-              <a:latin typeface="Arial"/>
-            </a:endParaRPr>
-          </a:p>
-          <a:p>
-            <a:pPr lvl="1" marL="914760" indent="-456480">
+            <a:endParaRPr lang="en-US" sz="1800" strike="noStrike" spc="-1" dirty="0">
+              <a:solidFill>
+                <a:srgbClr val="FFFFFF"/>
+              </a:solidFill>
+              <a:uFill>
+                <a:solidFill>
+                  <a:srgbClr val="FFFFFF"/>
+                </a:solidFill>
+              </a:uFill>
+              <a:latin typeface="Arial"/>
+            </a:endParaRPr>
+          </a:p>
+          <a:p>
+            <a:pPr marL="914760" lvl="1" indent="-456480">
               <a:lnSpc>
                 <a:spcPct val="100000"/>
               </a:lnSpc>
               <a:buClr>
-                <a:srgbClr val="ffffff"/>
+                <a:srgbClr val="FFFFFF"/>
               </a:buClr>
               <a:buFont typeface="Arial"/>
               <a:buChar char="•"/>
             </a:pPr>
             <a:r>
-              <a:rPr lang="en-US" sz="2800" spc="-1" strike="noStrike">
-                <a:solidFill>
-                  <a:srgbClr val="ffffff"/>
-                </a:solidFill>
-                <a:uFill>
-                  <a:solidFill>
-                    <a:srgbClr val="ffffff"/>
+              <a:rPr lang="en-US" sz="2800" strike="noStrike" spc="-1" dirty="0">
+                <a:solidFill>
+                  <a:srgbClr val="FFFFFF"/>
+                </a:solidFill>
+                <a:uFill>
+                  <a:solidFill>
+                    <a:srgbClr val="FFFFFF"/>
                   </a:solidFill>
                 </a:uFill>
                 <a:latin typeface="Calisto MT"/>
                 <a:ea typeface="DejaVu Sans"/>
               </a:rPr>
-              <a:t>Player vs. Player (PvP)</a:t>
+              <a:t>Player vs. Player (</a:t>
             </a:r>
-            <a:endParaRPr lang="en-US" sz="1800" spc="-1" strike="noStrike">
-              <a:solidFill>
-                <a:srgbClr val="ffffff"/>
-              </a:solidFill>
-              <a:uFill>
-                <a:solidFill>
-                  <a:srgbClr val="ffffff"/>
+            <a:r>
+              <a:rPr lang="en-US" sz="2800" strike="noStrike" spc="-1" dirty="0" err="1">
+                <a:solidFill>
+                  <a:srgbClr val="FFFFFF"/>
+                </a:solidFill>
+                <a:uFill>
+                  <a:solidFill>
+                    <a:srgbClr val="FFFFFF"/>
+                  </a:solidFill>
+                </a:uFill>
+                <a:latin typeface="Calisto MT"/>
+                <a:ea typeface="DejaVu Sans"/>
+              </a:rPr>
+              <a:t>PvP</a:t>
+            </a:r>
+            <a:r>
+              <a:rPr lang="en-US" sz="2800" strike="noStrike" spc="-1" dirty="0">
+                <a:solidFill>
+                  <a:srgbClr val="FFFFFF"/>
+                </a:solidFill>
+                <a:uFill>
+                  <a:solidFill>
+                    <a:srgbClr val="FFFFFF"/>
+                  </a:solidFill>
+                </a:uFill>
+                <a:latin typeface="Calisto MT"/>
+                <a:ea typeface="DejaVu Sans"/>
+              </a:rPr>
+              <a:t>)</a:t>
+            </a:r>
+            <a:endParaRPr lang="en-US" sz="1800" strike="noStrike" spc="-1" dirty="0">
+              <a:solidFill>
+                <a:srgbClr val="FFFFFF"/>
+              </a:solidFill>
+              <a:uFill>
+                <a:solidFill>
+                  <a:srgbClr val="FFFFFF"/>
                 </a:solidFill>
               </a:uFill>
               <a:latin typeface="Arial"/>
@@ -6142,51 +6914,81 @@
                 <a:spcPct val="100000"/>
               </a:lnSpc>
             </a:pPr>
-            <a:endParaRPr lang="en-US" sz="1800" spc="-1" strike="noStrike">
-              <a:solidFill>
-                <a:srgbClr val="ffffff"/>
-              </a:solidFill>
-              <a:uFill>
-                <a:solidFill>
-                  <a:srgbClr val="ffffff"/>
-                </a:solidFill>
-              </a:uFill>
-              <a:latin typeface="Arial"/>
-            </a:endParaRPr>
-          </a:p>
-          <a:p>
-            <a:pPr lvl="1" marL="914760" indent="-456480">
+            <a:endParaRPr lang="en-US" sz="1800" strike="noStrike" spc="-1" dirty="0">
+              <a:solidFill>
+                <a:srgbClr val="FFFFFF"/>
+              </a:solidFill>
+              <a:uFill>
+                <a:solidFill>
+                  <a:srgbClr val="FFFFFF"/>
+                </a:solidFill>
+              </a:uFill>
+              <a:latin typeface="Arial"/>
+            </a:endParaRPr>
+          </a:p>
+          <a:p>
+            <a:pPr marL="914760" lvl="1" indent="-456480">
               <a:lnSpc>
                 <a:spcPct val="100000"/>
               </a:lnSpc>
               <a:buClr>
-                <a:srgbClr val="ffffff"/>
+                <a:srgbClr val="FFFFFF"/>
               </a:buClr>
               <a:buFont typeface="Arial"/>
               <a:buChar char="•"/>
             </a:pPr>
             <a:r>
-              <a:rPr lang="en-US" sz="2800" spc="-1" strike="noStrike">
-                <a:solidFill>
-                  <a:srgbClr val="ffffff"/>
-                </a:solidFill>
-                <a:uFill>
-                  <a:solidFill>
-                    <a:srgbClr val="ffffff"/>
+              <a:rPr lang="en-US" sz="2800" strike="noStrike" spc="-1" dirty="0">
+                <a:solidFill>
+                  <a:srgbClr val="FFFFFF"/>
+                </a:solidFill>
+                <a:uFill>
+                  <a:solidFill>
+                    <a:srgbClr val="FFFFFF"/>
                   </a:solidFill>
                 </a:uFill>
                 <a:latin typeface="Calisto MT"/>
                 <a:ea typeface="DejaVu Sans"/>
               </a:rPr>
-              <a:t>Player vs. A.I.(PvA) </a:t>
+              <a:t>Player vs. A.I.(</a:t>
             </a:r>
-            <a:endParaRPr lang="en-US" sz="1800" spc="-1" strike="noStrike">
-              <a:solidFill>
-                <a:srgbClr val="ffffff"/>
-              </a:solidFill>
-              <a:uFill>
-                <a:solidFill>
-                  <a:srgbClr val="ffffff"/>
+            <a:r>
+              <a:rPr lang="en-US" sz="2800" strike="noStrike" spc="-1" dirty="0" err="1">
+                <a:solidFill>
+                  <a:srgbClr val="FFFFFF"/>
+                </a:solidFill>
+                <a:uFill>
+                  <a:solidFill>
+                    <a:srgbClr val="FFFFFF"/>
+                  </a:solidFill>
+                </a:uFill>
+                <a:latin typeface="Calisto MT"/>
+                <a:ea typeface="DejaVu Sans"/>
+              </a:rPr>
+              <a:t>PvA</a:t>
+            </a:r>
+            <a:r>
+              <a:rPr lang="en-US" sz="2800" strike="noStrike" spc="-1" dirty="0">
+                <a:solidFill>
+                  <a:srgbClr val="FFFFFF"/>
+                </a:solidFill>
+                <a:uFill>
+                  <a:solidFill>
+                    <a:srgbClr val="FFFFFF"/>
+                  </a:solidFill>
+                </a:uFill>
+                <a:latin typeface="Calisto MT"/>
+                <a:ea typeface="DejaVu Sans"/>
+              </a:rPr>
+              <a:t>) </a:t>
+            </a:r>
+            <a:endParaRPr lang="en-US" sz="1800" strike="noStrike" spc="-1" dirty="0">
+              <a:solidFill>
+                <a:srgbClr val="FFFFFF"/>
+              </a:solidFill>
+              <a:uFill>
+                <a:solidFill>
+                  <a:srgbClr val="FFFFFF"/>
                 </a:solidFill>
               </a:uFill>
               <a:latin typeface="Arial"/>
@@ -6198,13 +7000,13 @@
                 <a:spcPct val="100000"/>
               </a:lnSpc>
             </a:pPr>
-            <a:endParaRPr lang="en-US" sz="1800" spc="-1" strike="noStrike">
-              <a:solidFill>
-                <a:srgbClr val="ffffff"/>
-              </a:solidFill>
-              <a:uFill>
-                <a:solidFill>
-                  <a:srgbClr val="ffffff"/>
+            <a:endParaRPr lang="en-US" sz="1800" strike="noStrike" spc="-1" dirty="0">
+              <a:solidFill>
+                <a:srgbClr val="FFFFFF"/>
+              </a:solidFill>
+              <a:uFill>
+                <a:solidFill>
+                  <a:srgbClr val="FFFFFF"/>
                 </a:solidFill>
               </a:uFill>
               <a:latin typeface="Arial"/>
@@ -6216,33 +7018,78 @@
                 <a:spcPct val="100000"/>
               </a:lnSpc>
               <a:buClr>
-                <a:srgbClr val="ffffff"/>
+                <a:srgbClr val="FFFFFF"/>
               </a:buClr>
               <a:buFont typeface="Arial"/>
               <a:buChar char="•"/>
             </a:pPr>
             <a:r>
-              <a:rPr lang="en-US" sz="2800" spc="-1" strike="noStrike">
-                <a:solidFill>
-                  <a:srgbClr val="ffffff"/>
-                </a:solidFill>
-                <a:uFill>
-                  <a:solidFill>
-                    <a:srgbClr val="ffffff"/>
+              <a:rPr lang="en-US" sz="2800" strike="noStrike" spc="-1" dirty="0">
+                <a:solidFill>
+                  <a:srgbClr val="FFFFFF"/>
+                </a:solidFill>
+                <a:uFill>
+                  <a:solidFill>
+                    <a:srgbClr val="FFFFFF"/>
                   </a:solidFill>
                 </a:uFill>
                 <a:latin typeface="Calisto MT"/>
                 <a:ea typeface="DejaVu Sans"/>
               </a:rPr>
-              <a:t>The player's statistics will be saved under their username.</a:t>
+              <a:t>The player's </a:t>
             </a:r>
-            <a:endParaRPr lang="en-US" sz="1800" spc="-1" strike="noStrike">
-              <a:solidFill>
-                <a:srgbClr val="ffffff"/>
-              </a:solidFill>
-              <a:uFill>
-                <a:solidFill>
-                  <a:srgbClr val="ffffff"/>
+            <a:r>
+              <a:rPr lang="en-US" sz="2800" strike="noStrike" spc="-1" dirty="0" smtClean="0">
+                <a:solidFill>
+                  <a:srgbClr val="FFFFFF"/>
+                </a:solidFill>
+                <a:uFill>
+                  <a:solidFill>
+                    <a:srgbClr val="FFFFFF"/>
+                  </a:solidFill>
+                </a:uFill>
+                <a:latin typeface="Calisto MT"/>
+                <a:ea typeface="DejaVu Sans"/>
+              </a:rPr>
+              <a:t>status </a:t>
+            </a:r>
+            <a:r>
+              <a:rPr lang="en-US" sz="2800" strike="noStrike" spc="-1" dirty="0">
+                <a:solidFill>
+                  <a:srgbClr val="FFFFFF"/>
+                </a:solidFill>
+                <a:uFill>
+                  <a:solidFill>
+                    <a:srgbClr val="FFFFFF"/>
+                  </a:solidFill>
+                </a:uFill>
+                <a:latin typeface="Calisto MT"/>
+                <a:ea typeface="DejaVu Sans"/>
+              </a:rPr>
+              <a:t>will be </a:t>
+            </a:r>
+            <a:r>
+              <a:rPr lang="en-US" sz="2800" strike="noStrike" spc="-1" dirty="0" smtClean="0">
+                <a:solidFill>
+                  <a:srgbClr val="FFFFFF"/>
+                </a:solidFill>
+                <a:uFill>
+                  <a:solidFill>
+                    <a:srgbClr val="FFFFFF"/>
+                  </a:solidFill>
+                </a:uFill>
+                <a:latin typeface="Calisto MT"/>
+                <a:ea typeface="DejaVu Sans"/>
+              </a:rPr>
+              <a:t>saved in the database via their unique username.</a:t>
+            </a:r>
+            <a:endParaRPr lang="en-US" sz="1800" strike="noStrike" spc="-1" dirty="0">
+              <a:solidFill>
+                <a:srgbClr val="FFFFFF"/>
+              </a:solidFill>
+              <a:uFill>
+                <a:solidFill>
+                  <a:srgbClr val="FFFFFF"/>
                 </a:solidFill>
               </a:uFill>
               <a:latin typeface="Arial"/>
@@ -6252,22 +7099,25 @@
       </p:sp>
     </p:spTree>
   </p:cSld>
+  <p:clrMapOvr>
+    <a:masterClrMapping/>
+  </p:clrMapOvr>
   <p:timing>
     <p:tnLst>
       <p:par>
-        <p:cTn id="7" dur="indefinite" restart="never" nodeType="tmRoot">
+        <p:cTn id="1" dur="indefinite" restart="never" nodeType="tmRoot">
           <p:childTnLst>
             <p:seq>
-              <p:cTn id="8" nodeType="mainSeq"/>
+              <p:cTn id="2" nodeType="mainSeq"/>
               <p:prevCondLst>
-                <p:cond delay="0" evt="onPrev">
+                <p:cond evt="onPrev" delay="0">
                   <p:tgtEl>
                     <p:sldTgt/>
                   </p:tgtEl>
                 </p:cond>
               </p:prevCondLst>
               <p:nextCondLst>
-                <p:cond delay="0" evt="onNext">
+                <p:cond evt="onNext" delay="0">
                   <p:tgtEl>
                     <p:sldTgt/>
                   </p:tgtEl>
@@ -6283,7 +7133,7 @@
 </file>
 
 <file path=ppt/slides/slide5.xml><?xml version="1.0" encoding="utf-8"?>
-<p:sld xmlns:a="http://schemas.openxmlformats.org/drawingml/2006/main" xmlns:p="http://schemas.openxmlformats.org/presentationml/2006/main" xmlns:r="http://schemas.openxmlformats.org/officeDocument/2006/relationships">
+<p:sld xmlns:a="http://schemas.openxmlformats.org/drawingml/2006/main" xmlns:r="http://schemas.openxmlformats.org/officeDocument/2006/relationships" xmlns:p="http://schemas.openxmlformats.org/presentationml/2006/main">
   <p:cSld>
     <p:spTree>
       <p:nvGrpSpPr>
@@ -6319,13 +7169,20 @@
           </a:ln>
         </p:spPr>
         <p:style>
-          <a:lnRef idx="0"/>
-          <a:fillRef idx="0"/>
-          <a:effectRef idx="0"/>
+          <a:lnRef idx="0">
+            <a:scrgbClr r="0" g="0" b="0"/>
+          </a:lnRef>
+          <a:fillRef idx="0">
+            <a:scrgbClr r="0" g="0" b="0"/>
+          </a:fillRef>
+          <a:effectRef idx="0">
+            <a:scrgbClr r="0" g="0" b="0"/>
+          </a:effectRef>
           <a:fontRef idx="minor"/>
         </p:style>
         <p:txBody>
-          <a:bodyPr lIns="90000" rIns="90000" tIns="45000" bIns="45000" anchor="ctr"/>
+          <a:bodyPr lIns="90000" tIns="45000" rIns="90000" bIns="45000" anchor="ctr"/>
+          <a:lstStyle/>
           <a:p>
             <a:pPr algn="ctr">
               <a:lnSpc>
@@ -6333,13 +7190,13 @@
               </a:lnSpc>
             </a:pPr>
             <a:r>
-              <a:rPr lang="en-US" sz="4800" spc="-1" strike="noStrike">
-                <a:solidFill>
-                  <a:srgbClr val="ffffff"/>
-                </a:solidFill>
-                <a:uFill>
-                  <a:solidFill>
-                    <a:srgbClr val="ffffff"/>
+              <a:rPr lang="en-US" sz="4800" strike="noStrike" spc="-1">
+                <a:solidFill>
+                  <a:srgbClr val="FFFFFF"/>
+                </a:solidFill>
+                <a:uFill>
+                  <a:solidFill>
+                    <a:srgbClr val="FFFFFF"/>
                   </a:solidFill>
                 </a:uFill>
                 <a:latin typeface="Calisto MT"/>
@@ -6347,13 +7204,13 @@
               </a:rPr>
               <a:t>New User Requirements</a:t>
             </a:r>
-            <a:endParaRPr lang="en-US" sz="1800" spc="-1" strike="noStrike">
-              <a:solidFill>
-                <a:srgbClr val="ffffff"/>
-              </a:solidFill>
-              <a:uFill>
-                <a:solidFill>
-                  <a:srgbClr val="ffffff"/>
+            <a:endParaRPr lang="en-US" sz="1800" strike="noStrike" spc="-1">
+              <a:solidFill>
+                <a:srgbClr val="FFFFFF"/>
+              </a:solidFill>
+              <a:uFill>
+                <a:solidFill>
+                  <a:srgbClr val="FFFFFF"/>
                 </a:solidFill>
               </a:uFill>
               <a:latin typeface="Arial"/>
@@ -6381,32 +7238,39 @@
           </a:ln>
         </p:spPr>
         <p:style>
-          <a:lnRef idx="0"/>
-          <a:fillRef idx="0"/>
-          <a:effectRef idx="0"/>
+          <a:lnRef idx="0">
+            <a:scrgbClr r="0" g="0" b="0"/>
+          </a:lnRef>
+          <a:fillRef idx="0">
+            <a:scrgbClr r="0" g="0" b="0"/>
+          </a:fillRef>
+          <a:effectRef idx="0">
+            <a:scrgbClr r="0" g="0" b="0"/>
+          </a:effectRef>
           <a:fontRef idx="minor"/>
         </p:style>
         <p:txBody>
-          <a:bodyPr lIns="90000" rIns="90000" tIns="45000" bIns="45000"/>
+          <a:bodyPr lIns="90000" tIns="45000" rIns="90000" bIns="45000"/>
+          <a:lstStyle/>
           <a:p>
             <a:pPr marL="343440" indent="-342360">
               <a:lnSpc>
                 <a:spcPct val="100000"/>
               </a:lnSpc>
               <a:buClr>
-                <a:srgbClr val="ffffff"/>
+                <a:srgbClr val="FFFFFF"/>
               </a:buClr>
               <a:buFont typeface="Arial"/>
               <a:buChar char="•"/>
             </a:pPr>
             <a:r>
-              <a:rPr lang="en-US" sz="2800" spc="-1" strike="noStrike">
-                <a:solidFill>
-                  <a:srgbClr val="ffffff"/>
-                </a:solidFill>
-                <a:uFill>
-                  <a:solidFill>
-                    <a:srgbClr val="ffffff"/>
+              <a:rPr lang="en-US" sz="2800" strike="noStrike" spc="-1" dirty="0">
+                <a:solidFill>
+                  <a:srgbClr val="FFFFFF"/>
+                </a:solidFill>
+                <a:uFill>
+                  <a:solidFill>
+                    <a:srgbClr val="FFFFFF"/>
                   </a:solidFill>
                 </a:uFill>
                 <a:latin typeface="Calisto MT"/>
@@ -6414,13 +7278,13 @@
               </a:rPr>
               <a:t>New User Requirements:</a:t>
             </a:r>
-            <a:endParaRPr lang="en-US" sz="1800" spc="-1" strike="noStrike">
-              <a:solidFill>
-                <a:srgbClr val="ffffff"/>
-              </a:solidFill>
-              <a:uFill>
-                <a:solidFill>
-                  <a:srgbClr val="ffffff"/>
+            <a:endParaRPr lang="en-US" sz="1800" strike="noStrike" spc="-1" dirty="0">
+              <a:solidFill>
+                <a:srgbClr val="FFFFFF"/>
+              </a:solidFill>
+              <a:uFill>
+                <a:solidFill>
+                  <a:srgbClr val="FFFFFF"/>
                 </a:solidFill>
               </a:uFill>
               <a:latin typeface="Arial"/>
@@ -6432,51 +7296,139 @@
                 <a:spcPct val="100000"/>
               </a:lnSpc>
             </a:pPr>
-            <a:endParaRPr lang="en-US" sz="1800" spc="-1" strike="noStrike">
-              <a:solidFill>
-                <a:srgbClr val="ffffff"/>
-              </a:solidFill>
-              <a:uFill>
-                <a:solidFill>
-                  <a:srgbClr val="ffffff"/>
-                </a:solidFill>
-              </a:uFill>
-              <a:latin typeface="Arial"/>
-            </a:endParaRPr>
-          </a:p>
-          <a:p>
-            <a:pPr lvl="1" marL="800640" indent="-342360">
+            <a:endParaRPr lang="en-US" sz="1800" strike="noStrike" spc="-1" dirty="0">
+              <a:solidFill>
+                <a:srgbClr val="FFFFFF"/>
+              </a:solidFill>
+              <a:uFill>
+                <a:solidFill>
+                  <a:srgbClr val="FFFFFF"/>
+                </a:solidFill>
+              </a:uFill>
+              <a:latin typeface="Arial"/>
+            </a:endParaRPr>
+          </a:p>
+          <a:p>
+            <a:pPr marL="800640" lvl="1" indent="-342360">
               <a:lnSpc>
                 <a:spcPct val="100000"/>
               </a:lnSpc>
               <a:buClr>
-                <a:srgbClr val="ffffff"/>
+                <a:srgbClr val="FFFFFF"/>
               </a:buClr>
               <a:buFont typeface="Arial"/>
               <a:buChar char="•"/>
             </a:pPr>
             <a:r>
-              <a:rPr lang="en-US" sz="2800" spc="-1" strike="noStrike">
-                <a:solidFill>
-                  <a:srgbClr val="ffffff"/>
-                </a:solidFill>
-                <a:uFill>
-                  <a:solidFill>
-                    <a:srgbClr val="ffffff"/>
+              <a:rPr lang="en-US" sz="2800" strike="noStrike" spc="-1" dirty="0">
+                <a:solidFill>
+                  <a:srgbClr val="FFFFFF"/>
+                </a:solidFill>
+                <a:uFill>
+                  <a:solidFill>
+                    <a:srgbClr val="FFFFFF"/>
                   </a:solidFill>
                 </a:uFill>
                 <a:latin typeface="Calisto MT"/>
                 <a:ea typeface="DejaVu Sans"/>
               </a:rPr>
-              <a:t>Register user.</a:t>
+              <a:t>Register </a:t>
             </a:r>
-            <a:endParaRPr lang="en-US" sz="1800" spc="-1" strike="noStrike">
-              <a:solidFill>
-                <a:srgbClr val="ffffff"/>
-              </a:solidFill>
-              <a:uFill>
-                <a:solidFill>
-                  <a:srgbClr val="ffffff"/>
+            <a:r>
+              <a:rPr lang="en-US" sz="2800" strike="noStrike" spc="-1" dirty="0" smtClean="0">
+                <a:solidFill>
+                  <a:srgbClr val="FFFFFF"/>
+                </a:solidFill>
+                <a:uFill>
+                  <a:solidFill>
+                    <a:srgbClr val="FFFFFF"/>
+                  </a:solidFill>
+                </a:uFill>
+                <a:latin typeface="Calisto MT"/>
+                <a:ea typeface="DejaVu Sans"/>
+              </a:rPr>
+              <a:t>user</a:t>
+            </a:r>
+            <a:r>
+              <a:rPr lang="en-US" sz="2800" spc="-1" dirty="0" smtClean="0">
+                <a:solidFill>
+                  <a:srgbClr val="FFFFFF"/>
+                </a:solidFill>
+                <a:uFill>
+                  <a:solidFill>
+                    <a:srgbClr val="FFFFFF"/>
+                  </a:solidFill>
+                </a:uFill>
+                <a:latin typeface="Calisto MT"/>
+                <a:ea typeface="DejaVu Sans"/>
+              </a:rPr>
+              <a:t> by: </a:t>
+            </a:r>
+            <a:endParaRPr lang="en-US" sz="2800" strike="noStrike" spc="-1" dirty="0" smtClean="0">
+              <a:solidFill>
+                <a:srgbClr val="FFFFFF"/>
+              </a:solidFill>
+              <a:uFill>
+                <a:solidFill>
+                  <a:srgbClr val="FFFFFF"/>
+                </a:solidFill>
+              </a:uFill>
+              <a:latin typeface="Calisto MT"/>
+              <a:ea typeface="DejaVu Sans"/>
+            </a:endParaRPr>
+          </a:p>
+          <a:p>
+            <a:pPr marL="1257840" lvl="2" indent="-342360">
+              <a:buClr>
+                <a:srgbClr val="FFFFFF"/>
+              </a:buClr>
+              <a:buFont typeface="Arial"/>
+              <a:buChar char="•"/>
+            </a:pPr>
+            <a:r>
+              <a:rPr lang="en-US" spc="-1" dirty="0" smtClean="0">
+                <a:solidFill>
+                  <a:srgbClr val="FFFFFF"/>
+                </a:solidFill>
+                <a:uFill>
+                  <a:solidFill>
+                    <a:srgbClr val="FFFFFF"/>
+                  </a:solidFill>
+                </a:uFill>
+                <a:latin typeface="Calisto MT"/>
+              </a:rPr>
+              <a:t>Unique username</a:t>
+            </a:r>
+          </a:p>
+          <a:p>
+            <a:pPr marL="1257840" lvl="2" indent="-342360">
+              <a:buClr>
+                <a:srgbClr val="FFFFFF"/>
+              </a:buClr>
+              <a:buFont typeface="Arial"/>
+              <a:buChar char="•"/>
+            </a:pPr>
+            <a:r>
+              <a:rPr lang="en-US" strike="noStrike" spc="-1" dirty="0" smtClean="0">
+                <a:solidFill>
+                  <a:srgbClr val="FFFFFF"/>
+                </a:solidFill>
+                <a:uFill>
+                  <a:solidFill>
+                    <a:srgbClr val="FFFFFF"/>
+                  </a:solidFill>
+                </a:uFill>
+                <a:latin typeface="Calisto MT"/>
+              </a:rPr>
+              <a:t>Unique password</a:t>
+            </a:r>
+            <a:endParaRPr lang="en-US" strike="noStrike" spc="-1" dirty="0" smtClean="0">
+              <a:solidFill>
+                <a:srgbClr val="FFFFFF"/>
+              </a:solidFill>
+              <a:uFill>
+                <a:solidFill>
+                  <a:srgbClr val="FFFFFF"/>
                 </a:solidFill>
               </a:uFill>
               <a:latin typeface="Arial"/>
@@ -6488,66 +7440,126 @@
                 <a:spcPct val="100000"/>
               </a:lnSpc>
             </a:pPr>
-            <a:endParaRPr lang="en-US" sz="1800" spc="-1" strike="noStrike">
-              <a:solidFill>
-                <a:srgbClr val="ffffff"/>
-              </a:solidFill>
-              <a:uFill>
-                <a:solidFill>
-                  <a:srgbClr val="ffffff"/>
-                </a:solidFill>
-              </a:uFill>
-              <a:latin typeface="Arial"/>
-            </a:endParaRPr>
-          </a:p>
-          <a:p>
-            <a:pPr lvl="1" marL="800640" indent="-342360">
+            <a:endParaRPr lang="en-US" sz="1800" strike="noStrike" spc="-1" dirty="0">
+              <a:solidFill>
+                <a:srgbClr val="FFFFFF"/>
+              </a:solidFill>
+              <a:uFill>
+                <a:solidFill>
+                  <a:srgbClr val="FFFFFF"/>
+                </a:solidFill>
+              </a:uFill>
+              <a:latin typeface="Arial"/>
+            </a:endParaRPr>
+          </a:p>
+          <a:p>
+            <a:pPr marL="800640" lvl="1" indent="-342360">
               <a:lnSpc>
                 <a:spcPct val="100000"/>
               </a:lnSpc>
               <a:buClr>
-                <a:srgbClr val="ffffff"/>
+                <a:srgbClr val="FFFFFF"/>
               </a:buClr>
               <a:buFont typeface="Arial"/>
               <a:buChar char="•"/>
             </a:pPr>
             <a:r>
-              <a:rPr lang="en-US" sz="2800" spc="-1" strike="noStrike">
-                <a:solidFill>
-                  <a:srgbClr val="ffffff"/>
-                </a:solidFill>
-                <a:uFill>
-                  <a:solidFill>
-                    <a:srgbClr val="ffffff"/>
+              <a:rPr lang="en-US" sz="2800" strike="noStrike" spc="-1" dirty="0" smtClean="0">
+                <a:solidFill>
+                  <a:srgbClr val="FFFFFF"/>
+                </a:solidFill>
+                <a:uFill>
+                  <a:solidFill>
+                    <a:srgbClr val="FFFFFF"/>
                   </a:solidFill>
                 </a:uFill>
                 <a:latin typeface="Calisto MT"/>
                 <a:ea typeface="DejaVu Sans"/>
               </a:rPr>
-              <a:t>Menu to choose PvP or PvA</a:t>
+              <a:t>Now User can choose </a:t>
             </a:r>
             <a:r>
-              <a:rPr lang="en-US" sz="1800" spc="-1" strike="noStrike">
-                <a:solidFill>
-                  <a:srgbClr val="ffffff"/>
-                </a:solidFill>
-                <a:uFill>
-                  <a:solidFill>
-                    <a:srgbClr val="ffffff"/>
+              <a:rPr lang="en-US" sz="2800" strike="noStrike" spc="-1" dirty="0" err="1" smtClean="0">
+                <a:solidFill>
+                  <a:srgbClr val="FFFFFF"/>
+                </a:solidFill>
+                <a:uFill>
+                  <a:solidFill>
+                    <a:srgbClr val="FFFFFF"/>
                   </a:solidFill>
                 </a:uFill>
                 <a:latin typeface="Calisto MT"/>
                 <a:ea typeface="DejaVu Sans"/>
               </a:rPr>
+              <a:t>PvP</a:t>
+            </a:r>
+            <a:r>
+              <a:rPr lang="en-US" sz="2800" strike="noStrike" spc="-1" dirty="0" smtClean="0">
+                <a:solidFill>
+                  <a:srgbClr val="FFFFFF"/>
+                </a:solidFill>
+                <a:uFill>
+                  <a:solidFill>
+                    <a:srgbClr val="FFFFFF"/>
+                  </a:solidFill>
+                </a:uFill>
+                <a:latin typeface="Calisto MT"/>
+                <a:ea typeface="DejaVu Sans"/>
+              </a:rPr>
+              <a:t> </a:t>
+            </a:r>
+            <a:r>
+              <a:rPr lang="en-US" sz="2800" strike="noStrike" spc="-1" dirty="0">
+                <a:solidFill>
+                  <a:srgbClr val="FFFFFF"/>
+                </a:solidFill>
+                <a:uFill>
+                  <a:solidFill>
+                    <a:srgbClr val="FFFFFF"/>
+                  </a:solidFill>
+                </a:uFill>
+                <a:latin typeface="Calisto MT"/>
+                <a:ea typeface="DejaVu Sans"/>
+              </a:rPr>
+              <a:t>or </a:t>
+            </a:r>
+            <a:r>
+              <a:rPr lang="en-US" sz="2800" strike="noStrike" spc="-1" dirty="0" err="1">
+                <a:solidFill>
+                  <a:srgbClr val="FFFFFF"/>
+                </a:solidFill>
+                <a:uFill>
+                  <a:solidFill>
+                    <a:srgbClr val="FFFFFF"/>
+                  </a:solidFill>
+                </a:uFill>
+                <a:latin typeface="Calisto MT"/>
+                <a:ea typeface="DejaVu Sans"/>
+              </a:rPr>
+              <a:t>PvA</a:t>
+            </a:r>
+            <a:r>
+              <a:rPr lang="en-US" sz="1800" strike="noStrike" spc="-1" dirty="0">
+                <a:solidFill>
+                  <a:srgbClr val="FFFFFF"/>
+                </a:solidFill>
+                <a:uFill>
+                  <a:solidFill>
+                    <a:srgbClr val="FFFFFF"/>
+                  </a:solidFill>
+                </a:uFill>
+                <a:latin typeface="Calisto MT"/>
+                <a:ea typeface="DejaVu Sans"/>
+              </a:rPr>
               <a:t>.</a:t>
             </a:r>
-            <a:endParaRPr lang="en-US" sz="1800" spc="-1" strike="noStrike">
-              <a:solidFill>
-                <a:srgbClr val="ffffff"/>
-              </a:solidFill>
-              <a:uFill>
-                <a:solidFill>
-                  <a:srgbClr val="ffffff"/>
+            <a:endParaRPr lang="en-US" sz="1800" strike="noStrike" spc="-1" dirty="0">
+              <a:solidFill>
+                <a:srgbClr val="FFFFFF"/>
+              </a:solidFill>
+              <a:uFill>
+                <a:solidFill>
+                  <a:srgbClr val="FFFFFF"/>
                 </a:solidFill>
               </a:uFill>
               <a:latin typeface="Arial"/>
@@ -6557,22 +7569,25 @@
       </p:sp>
     </p:spTree>
   </p:cSld>
+  <p:clrMapOvr>
+    <a:masterClrMapping/>
+  </p:clrMapOvr>
   <p:timing>
     <p:tnLst>
       <p:par>
-        <p:cTn id="9" dur="indefinite" restart="never" nodeType="tmRoot">
+        <p:cTn id="1" dur="indefinite" restart="never" nodeType="tmRoot">
           <p:childTnLst>
             <p:seq>
-              <p:cTn id="10" nodeType="mainSeq"/>
+              <p:cTn id="2" nodeType="mainSeq"/>
               <p:prevCondLst>
-                <p:cond delay="0" evt="onPrev">
+                <p:cond evt="onPrev" delay="0">
                   <p:tgtEl>
                     <p:sldTgt/>
                   </p:tgtEl>
                 </p:cond>
               </p:prevCondLst>
               <p:nextCondLst>
-                <p:cond delay="0" evt="onNext">
+                <p:cond evt="onNext" delay="0">
                   <p:tgtEl>
                     <p:sldTgt/>
                   </p:tgtEl>
@@ -6588,7 +7603,7 @@
 </file>
 
 <file path=ppt/slides/slide6.xml><?xml version="1.0" encoding="utf-8"?>
-<p:sld xmlns:a="http://schemas.openxmlformats.org/drawingml/2006/main" xmlns:p="http://schemas.openxmlformats.org/presentationml/2006/main" xmlns:r="http://schemas.openxmlformats.org/officeDocument/2006/relationships">
+<p:sld xmlns:a="http://schemas.openxmlformats.org/drawingml/2006/main" xmlns:r="http://schemas.openxmlformats.org/officeDocument/2006/relationships" xmlns:p="http://schemas.openxmlformats.org/presentationml/2006/main">
   <p:cSld>
     <p:spTree>
       <p:nvGrpSpPr>
@@ -6624,13 +7639,20 @@
           </a:ln>
         </p:spPr>
         <p:style>
-          <a:lnRef idx="0"/>
-          <a:fillRef idx="0"/>
-          <a:effectRef idx="0"/>
+          <a:lnRef idx="0">
+            <a:scrgbClr r="0" g="0" b="0"/>
+          </a:lnRef>
+          <a:fillRef idx="0">
+            <a:scrgbClr r="0" g="0" b="0"/>
+          </a:fillRef>
+          <a:effectRef idx="0">
+            <a:scrgbClr r="0" g="0" b="0"/>
+          </a:effectRef>
           <a:fontRef idx="minor"/>
         </p:style>
         <p:txBody>
-          <a:bodyPr lIns="90000" rIns="90000" tIns="45000" bIns="45000" anchor="ctr"/>
+          <a:bodyPr lIns="90000" tIns="45000" rIns="90000" bIns="45000" anchor="ctr"/>
+          <a:lstStyle/>
           <a:p>
             <a:pPr algn="ctr">
               <a:lnSpc>
@@ -6638,13 +7660,13 @@
               </a:lnSpc>
             </a:pPr>
             <a:r>
-              <a:rPr lang="en-US" sz="4800" spc="-1" strike="noStrike">
-                <a:solidFill>
-                  <a:srgbClr val="ffffff"/>
-                </a:solidFill>
-                <a:uFill>
-                  <a:solidFill>
-                    <a:srgbClr val="ffffff"/>
+              <a:rPr lang="en-US" sz="4800" strike="noStrike" spc="-1">
+                <a:solidFill>
+                  <a:srgbClr val="FFFFFF"/>
+                </a:solidFill>
+                <a:uFill>
+                  <a:solidFill>
+                    <a:srgbClr val="FFFFFF"/>
                   </a:solidFill>
                 </a:uFill>
                 <a:latin typeface="Calisto MT"/>
@@ -6652,13 +7674,13 @@
               </a:rPr>
               <a:t>Existing User Requirements</a:t>
             </a:r>
-            <a:endParaRPr lang="en-US" sz="1800" spc="-1" strike="noStrike">
-              <a:solidFill>
-                <a:srgbClr val="ffffff"/>
-              </a:solidFill>
-              <a:uFill>
-                <a:solidFill>
-                  <a:srgbClr val="ffffff"/>
+            <a:endParaRPr lang="en-US" sz="1800" strike="noStrike" spc="-1">
+              <a:solidFill>
+                <a:srgbClr val="FFFFFF"/>
+              </a:solidFill>
+              <a:uFill>
+                <a:solidFill>
+                  <a:srgbClr val="FFFFFF"/>
                 </a:solidFill>
               </a:uFill>
               <a:latin typeface="Arial"/>
@@ -6686,32 +7708,39 @@
           </a:ln>
         </p:spPr>
         <p:style>
-          <a:lnRef idx="0"/>
-          <a:fillRef idx="0"/>
-          <a:effectRef idx="0"/>
+          <a:lnRef idx="0">
+            <a:scrgbClr r="0" g="0" b="0"/>
+          </a:lnRef>
+          <a:fillRef idx="0">
+            <a:scrgbClr r="0" g="0" b="0"/>
+          </a:fillRef>
+          <a:effectRef idx="0">
+            <a:scrgbClr r="0" g="0" b="0"/>
+          </a:effectRef>
           <a:fontRef idx="minor"/>
         </p:style>
         <p:txBody>
-          <a:bodyPr lIns="90000" rIns="90000" tIns="45000" bIns="45000"/>
+          <a:bodyPr lIns="90000" tIns="45000" rIns="90000" bIns="45000"/>
+          <a:lstStyle/>
           <a:p>
             <a:pPr marL="343440" indent="-342360">
               <a:lnSpc>
                 <a:spcPct val="100000"/>
               </a:lnSpc>
               <a:buClr>
-                <a:srgbClr val="ffffff"/>
+                <a:srgbClr val="FFFFFF"/>
               </a:buClr>
               <a:buFont typeface="Arial"/>
               <a:buChar char="•"/>
             </a:pPr>
             <a:r>
-              <a:rPr lang="en-US" sz="2800" spc="-1" strike="noStrike">
-                <a:solidFill>
-                  <a:srgbClr val="ffffff"/>
-                </a:solidFill>
-                <a:uFill>
-                  <a:solidFill>
-                    <a:srgbClr val="ffffff"/>
+              <a:rPr lang="en-US" sz="2800" strike="noStrike" spc="-1" dirty="0">
+                <a:solidFill>
+                  <a:srgbClr val="FFFFFF"/>
+                </a:solidFill>
+                <a:uFill>
+                  <a:solidFill>
+                    <a:srgbClr val="FFFFFF"/>
                   </a:solidFill>
                 </a:uFill>
                 <a:latin typeface="Calisto MT"/>
@@ -6719,13 +7748,13 @@
               </a:rPr>
               <a:t>Existing User Requirements:</a:t>
             </a:r>
-            <a:endParaRPr lang="en-US" sz="1800" spc="-1" strike="noStrike">
-              <a:solidFill>
-                <a:srgbClr val="ffffff"/>
-              </a:solidFill>
-              <a:uFill>
-                <a:solidFill>
-                  <a:srgbClr val="ffffff"/>
+            <a:endParaRPr lang="en-US" sz="1800" strike="noStrike" spc="-1" dirty="0">
+              <a:solidFill>
+                <a:srgbClr val="FFFFFF"/>
+              </a:solidFill>
+              <a:uFill>
+                <a:solidFill>
+                  <a:srgbClr val="FFFFFF"/>
                 </a:solidFill>
               </a:uFill>
               <a:latin typeface="Arial"/>
@@ -6737,51 +7766,92 @@
                 <a:spcPct val="100000"/>
               </a:lnSpc>
             </a:pPr>
-            <a:endParaRPr lang="en-US" sz="1800" spc="-1" strike="noStrike">
-              <a:solidFill>
-                <a:srgbClr val="ffffff"/>
-              </a:solidFill>
-              <a:uFill>
-                <a:solidFill>
-                  <a:srgbClr val="ffffff"/>
-                </a:solidFill>
-              </a:uFill>
-              <a:latin typeface="Arial"/>
-            </a:endParaRPr>
-          </a:p>
-          <a:p>
-            <a:pPr lvl="1" marL="800640" indent="-342360">
+            <a:endParaRPr lang="en-US" sz="1800" strike="noStrike" spc="-1" dirty="0">
+              <a:solidFill>
+                <a:srgbClr val="FFFFFF"/>
+              </a:solidFill>
+              <a:uFill>
+                <a:solidFill>
+                  <a:srgbClr val="FFFFFF"/>
+                </a:solidFill>
+              </a:uFill>
+              <a:latin typeface="Arial"/>
+            </a:endParaRPr>
+          </a:p>
+          <a:p>
+            <a:pPr marL="800640" lvl="1" indent="-342360">
               <a:lnSpc>
                 <a:spcPct val="100000"/>
               </a:lnSpc>
               <a:buClr>
-                <a:srgbClr val="ffffff"/>
+                <a:srgbClr val="FFFFFF"/>
               </a:buClr>
               <a:buFont typeface="Arial"/>
               <a:buChar char="•"/>
             </a:pPr>
             <a:r>
-              <a:rPr lang="en-US" sz="2800" spc="-1" strike="noStrike">
-                <a:solidFill>
-                  <a:srgbClr val="ffffff"/>
-                </a:solidFill>
-                <a:uFill>
-                  <a:solidFill>
-                    <a:srgbClr val="ffffff"/>
+              <a:rPr lang="en-US" sz="2800" spc="-1" dirty="0" smtClean="0">
+                <a:solidFill>
+                  <a:srgbClr val="FFFFFF"/>
+                </a:solidFill>
+                <a:uFill>
+                  <a:solidFill>
+                    <a:srgbClr val="FFFFFF"/>
                   </a:solidFill>
                 </a:uFill>
                 <a:latin typeface="Calisto MT"/>
                 <a:ea typeface="DejaVu Sans"/>
               </a:rPr>
-              <a:t>Login and authentication.</a:t>
+              <a:t>Username and password require</a:t>
             </a:r>
-            <a:endParaRPr lang="en-US" sz="1800" spc="-1" strike="noStrike">
-              <a:solidFill>
-                <a:srgbClr val="ffffff"/>
-              </a:solidFill>
-              <a:uFill>
-                <a:solidFill>
-                  <a:srgbClr val="ffffff"/>
+            <a:r>
+              <a:rPr lang="en-US" sz="2800" strike="noStrike" spc="-1" dirty="0" smtClean="0">
+                <a:solidFill>
+                  <a:srgbClr val="FFFFFF"/>
+                </a:solidFill>
+                <a:uFill>
+                  <a:solidFill>
+                    <a:srgbClr val="FFFFFF"/>
+                  </a:solidFill>
+                </a:uFill>
+                <a:latin typeface="Calisto MT"/>
+                <a:ea typeface="DejaVu Sans"/>
+              </a:rPr>
+              <a:t>.</a:t>
+            </a:r>
+          </a:p>
+          <a:p>
+            <a:pPr marL="800640" lvl="1" indent="-342360">
+              <a:lnSpc>
+                <a:spcPct val="100000"/>
+              </a:lnSpc>
+              <a:buClr>
+                <a:srgbClr val="FFFFFF"/>
+              </a:buClr>
+              <a:buFont typeface="Arial"/>
+              <a:buChar char="•"/>
+            </a:pPr>
+            <a:r>
+              <a:rPr lang="en-US" sz="2800" spc="-1" dirty="0" smtClean="0">
+                <a:solidFill>
+                  <a:srgbClr val="FFFFFF"/>
+                </a:solidFill>
+                <a:uFill>
+                  <a:solidFill>
+                    <a:srgbClr val="FFFFFF"/>
+                  </a:solidFill>
+                </a:uFill>
+                <a:latin typeface="Calisto MT"/>
+              </a:rPr>
+              <a:t>Once authenticated, main menu will be presented</a:t>
+            </a:r>
+            <a:endParaRPr lang="en-US" sz="1800" strike="noStrike" spc="-1" dirty="0">
+              <a:solidFill>
+                <a:srgbClr val="FFFFFF"/>
+              </a:solidFill>
+              <a:uFill>
+                <a:solidFill>
+                  <a:srgbClr val="FFFFFF"/>
                 </a:solidFill>
               </a:uFill>
               <a:latin typeface="Arial"/>
@@ -6793,51 +7863,111 @@
                 <a:spcPct val="100000"/>
               </a:lnSpc>
             </a:pPr>
-            <a:endParaRPr lang="en-US" sz="1800" spc="-1" strike="noStrike">
-              <a:solidFill>
-                <a:srgbClr val="ffffff"/>
-              </a:solidFill>
-              <a:uFill>
-                <a:solidFill>
-                  <a:srgbClr val="ffffff"/>
-                </a:solidFill>
-              </a:uFill>
-              <a:latin typeface="Arial"/>
-            </a:endParaRPr>
-          </a:p>
-          <a:p>
-            <a:pPr lvl="1" marL="800640" indent="-342360">
+            <a:endParaRPr lang="en-US" sz="1800" strike="noStrike" spc="-1" dirty="0">
+              <a:solidFill>
+                <a:srgbClr val="FFFFFF"/>
+              </a:solidFill>
+              <a:uFill>
+                <a:solidFill>
+                  <a:srgbClr val="FFFFFF"/>
+                </a:solidFill>
+              </a:uFill>
+              <a:latin typeface="Arial"/>
+            </a:endParaRPr>
+          </a:p>
+          <a:p>
+            <a:pPr marL="800640" lvl="1" indent="-342360">
               <a:lnSpc>
                 <a:spcPct val="100000"/>
               </a:lnSpc>
               <a:buClr>
-                <a:srgbClr val="ffffff"/>
+                <a:srgbClr val="FFFFFF"/>
               </a:buClr>
               <a:buFont typeface="Arial"/>
               <a:buChar char="•"/>
             </a:pPr>
             <a:r>
-              <a:rPr lang="en-US" sz="2800" spc="-1" strike="noStrike">
-                <a:solidFill>
-                  <a:srgbClr val="ffffff"/>
-                </a:solidFill>
-                <a:uFill>
-                  <a:solidFill>
-                    <a:srgbClr val="ffffff"/>
+              <a:rPr lang="en-US" sz="2800" strike="noStrike" spc="-1" dirty="0" smtClean="0">
+                <a:solidFill>
+                  <a:srgbClr val="FFFFFF"/>
+                </a:solidFill>
+                <a:uFill>
+                  <a:solidFill>
+                    <a:srgbClr val="FFFFFF"/>
                   </a:solidFill>
                 </a:uFill>
                 <a:latin typeface="Calisto MT"/>
                 <a:ea typeface="DejaVu Sans"/>
               </a:rPr>
-              <a:t>Menu to choose PvP or PvA.</a:t>
+              <a:t>User can choose </a:t>
             </a:r>
-            <a:endParaRPr lang="en-US" sz="1800" spc="-1" strike="noStrike">
-              <a:solidFill>
-                <a:srgbClr val="ffffff"/>
-              </a:solidFill>
-              <a:uFill>
-                <a:solidFill>
-                  <a:srgbClr val="ffffff"/>
+            <a:r>
+              <a:rPr lang="en-US" sz="2800" strike="noStrike" spc="-1" dirty="0" err="1">
+                <a:solidFill>
+                  <a:srgbClr val="FFFFFF"/>
+                </a:solidFill>
+                <a:uFill>
+                  <a:solidFill>
+                    <a:srgbClr val="FFFFFF"/>
+                  </a:solidFill>
+                </a:uFill>
+                <a:latin typeface="Calisto MT"/>
+                <a:ea typeface="DejaVu Sans"/>
+              </a:rPr>
+              <a:t>PvP</a:t>
+            </a:r>
+            <a:r>
+              <a:rPr lang="en-US" sz="2800" strike="noStrike" spc="-1" dirty="0">
+                <a:solidFill>
+                  <a:srgbClr val="FFFFFF"/>
+                </a:solidFill>
+                <a:uFill>
+                  <a:solidFill>
+                    <a:srgbClr val="FFFFFF"/>
+                  </a:solidFill>
+                </a:uFill>
+                <a:latin typeface="Calisto MT"/>
+                <a:ea typeface="DejaVu Sans"/>
+              </a:rPr>
+              <a:t> or </a:t>
+            </a:r>
+            <a:r>
+              <a:rPr lang="en-US" sz="2800" strike="noStrike" spc="-1" dirty="0" err="1">
+                <a:solidFill>
+                  <a:srgbClr val="FFFFFF"/>
+                </a:solidFill>
+                <a:uFill>
+                  <a:solidFill>
+                    <a:srgbClr val="FFFFFF"/>
+                  </a:solidFill>
+                </a:uFill>
+                <a:latin typeface="Calisto MT"/>
+                <a:ea typeface="DejaVu Sans"/>
+              </a:rPr>
+              <a:t>PvA</a:t>
+            </a:r>
+            <a:r>
+              <a:rPr lang="en-US" sz="2800" strike="noStrike" spc="-1" dirty="0">
+                <a:solidFill>
+                  <a:srgbClr val="FFFFFF"/>
+                </a:solidFill>
+                <a:uFill>
+                  <a:solidFill>
+                    <a:srgbClr val="FFFFFF"/>
+                  </a:solidFill>
+                </a:uFill>
+                <a:latin typeface="Calisto MT"/>
+                <a:ea typeface="DejaVu Sans"/>
+              </a:rPr>
+              <a:t>.</a:t>
+            </a:r>
+            <a:endParaRPr lang="en-US" sz="1800" strike="noStrike" spc="-1" dirty="0">
+              <a:solidFill>
+                <a:srgbClr val="FFFFFF"/>
+              </a:solidFill>
+              <a:uFill>
+                <a:solidFill>
+                  <a:srgbClr val="FFFFFF"/>
                 </a:solidFill>
               </a:uFill>
               <a:latin typeface="Arial"/>
@@ -6847,22 +7977,25 @@
       </p:sp>
     </p:spTree>
   </p:cSld>
+  <p:clrMapOvr>
+    <a:masterClrMapping/>
+  </p:clrMapOvr>
   <p:timing>
     <p:tnLst>
       <p:par>
-        <p:cTn id="11" dur="indefinite" restart="never" nodeType="tmRoot">
+        <p:cTn id="1" dur="indefinite" restart="never" nodeType="tmRoot">
           <p:childTnLst>
             <p:seq>
-              <p:cTn id="12" nodeType="mainSeq"/>
+              <p:cTn id="2" nodeType="mainSeq"/>
               <p:prevCondLst>
-                <p:cond delay="0" evt="onPrev">
+                <p:cond evt="onPrev" delay="0">
                   <p:tgtEl>
                     <p:sldTgt/>
                   </p:tgtEl>
                 </p:cond>
               </p:prevCondLst>
               <p:nextCondLst>
-                <p:cond delay="0" evt="onNext">
+                <p:cond evt="onNext" delay="0">
                   <p:tgtEl>
                     <p:sldTgt/>
                   </p:tgtEl>
@@ -6878,7 +8011,7 @@
 </file>
 
 <file path=ppt/slides/slide7.xml><?xml version="1.0" encoding="utf-8"?>
-<p:sld xmlns:a="http://schemas.openxmlformats.org/drawingml/2006/main" xmlns:p="http://schemas.openxmlformats.org/presentationml/2006/main" xmlns:r="http://schemas.openxmlformats.org/officeDocument/2006/relationships">
+<p:sld xmlns:a="http://schemas.openxmlformats.org/drawingml/2006/main" xmlns:r="http://schemas.openxmlformats.org/officeDocument/2006/relationships" xmlns:p="http://schemas.openxmlformats.org/presentationml/2006/main">
   <p:cSld>
     <p:spTree>
       <p:nvGrpSpPr>
@@ -6914,13 +8047,20 @@
           </a:ln>
         </p:spPr>
         <p:style>
-          <a:lnRef idx="0"/>
-          <a:fillRef idx="0"/>
-          <a:effectRef idx="0"/>
+          <a:lnRef idx="0">
+            <a:scrgbClr r="0" g="0" b="0"/>
+          </a:lnRef>
+          <a:fillRef idx="0">
+            <a:scrgbClr r="0" g="0" b="0"/>
+          </a:fillRef>
+          <a:effectRef idx="0">
+            <a:scrgbClr r="0" g="0" b="0"/>
+          </a:effectRef>
           <a:fontRef idx="minor"/>
         </p:style>
         <p:txBody>
-          <a:bodyPr lIns="90000" rIns="90000" tIns="45000" bIns="45000" anchor="ctr"/>
+          <a:bodyPr lIns="90000" tIns="45000" rIns="90000" bIns="45000" anchor="ctr"/>
+          <a:lstStyle/>
           <a:p>
             <a:pPr algn="ctr">
               <a:lnSpc>
@@ -6928,13 +8068,13 @@
               </a:lnSpc>
             </a:pPr>
             <a:r>
-              <a:rPr lang="en-US" sz="4800" spc="-1" strike="noStrike">
-                <a:solidFill>
-                  <a:srgbClr val="ffffff"/>
-                </a:solidFill>
-                <a:uFill>
-                  <a:solidFill>
-                    <a:srgbClr val="ffffff"/>
+              <a:rPr lang="en-US" sz="4800" strike="noStrike" spc="-1">
+                <a:solidFill>
+                  <a:srgbClr val="FFFFFF"/>
+                </a:solidFill>
+                <a:uFill>
+                  <a:solidFill>
+                    <a:srgbClr val="FFFFFF"/>
                   </a:solidFill>
                 </a:uFill>
                 <a:latin typeface="Calisto MT"/>
@@ -6942,13 +8082,13 @@
               </a:rPr>
               <a:t>Special case of Player vs Player</a:t>
             </a:r>
-            <a:endParaRPr lang="en-US" sz="1800" spc="-1" strike="noStrike">
-              <a:solidFill>
-                <a:srgbClr val="ffffff"/>
-              </a:solidFill>
-              <a:uFill>
-                <a:solidFill>
-                  <a:srgbClr val="ffffff"/>
+            <a:endParaRPr lang="en-US" sz="1800" strike="noStrike" spc="-1">
+              <a:solidFill>
+                <a:srgbClr val="FFFFFF"/>
+              </a:solidFill>
+              <a:uFill>
+                <a:solidFill>
+                  <a:srgbClr val="FFFFFF"/>
                 </a:solidFill>
               </a:uFill>
               <a:latin typeface="Arial"/>
@@ -6976,32 +8116,39 @@
           </a:ln>
         </p:spPr>
         <p:style>
-          <a:lnRef idx="0"/>
-          <a:fillRef idx="0"/>
-          <a:effectRef idx="0"/>
+          <a:lnRef idx="0">
+            <a:scrgbClr r="0" g="0" b="0"/>
+          </a:lnRef>
+          <a:fillRef idx="0">
+            <a:scrgbClr r="0" g="0" b="0"/>
+          </a:fillRef>
+          <a:effectRef idx="0">
+            <a:scrgbClr r="0" g="0" b="0"/>
+          </a:effectRef>
           <a:fontRef idx="minor"/>
         </p:style>
         <p:txBody>
-          <a:bodyPr lIns="90000" rIns="90000" tIns="45000" bIns="45000"/>
+          <a:bodyPr lIns="90000" tIns="45000" rIns="90000" bIns="45000"/>
+          <a:lstStyle/>
           <a:p>
             <a:pPr marL="343440" indent="-342360">
               <a:lnSpc>
                 <a:spcPct val="100000"/>
               </a:lnSpc>
               <a:buClr>
-                <a:srgbClr val="ffffff"/>
+                <a:srgbClr val="FFFFFF"/>
               </a:buClr>
               <a:buFont typeface="Arial"/>
               <a:buChar char="•"/>
             </a:pPr>
             <a:r>
-              <a:rPr lang="en-US" sz="2800" spc="-1" strike="noStrike">
-                <a:solidFill>
-                  <a:srgbClr val="ffffff"/>
-                </a:solidFill>
-                <a:uFill>
-                  <a:solidFill>
-                    <a:srgbClr val="ffffff"/>
+              <a:rPr lang="en-US" sz="2800" strike="noStrike" spc="-1" dirty="0">
+                <a:solidFill>
+                  <a:srgbClr val="FFFFFF"/>
+                </a:solidFill>
+                <a:uFill>
+                  <a:solidFill>
+                    <a:srgbClr val="FFFFFF"/>
                   </a:solidFill>
                 </a:uFill>
                 <a:latin typeface="Calisto MT"/>
@@ -7009,51 +8156,81 @@
               </a:rPr>
               <a:t>Player vs Player:</a:t>
             </a:r>
-            <a:endParaRPr lang="en-US" sz="1800" spc="-1" strike="noStrike">
-              <a:solidFill>
-                <a:srgbClr val="ffffff"/>
-              </a:solidFill>
-              <a:uFill>
-                <a:solidFill>
-                  <a:srgbClr val="ffffff"/>
-                </a:solidFill>
-              </a:uFill>
-              <a:latin typeface="Arial"/>
-            </a:endParaRPr>
-          </a:p>
-          <a:p>
-            <a:pPr lvl="3" marL="1262520" indent="-456480">
+            <a:endParaRPr lang="en-US" sz="1800" strike="noStrike" spc="-1" dirty="0">
+              <a:solidFill>
+                <a:srgbClr val="FFFFFF"/>
+              </a:solidFill>
+              <a:uFill>
+                <a:solidFill>
+                  <a:srgbClr val="FFFFFF"/>
+                </a:solidFill>
+              </a:uFill>
+              <a:latin typeface="Arial"/>
+            </a:endParaRPr>
+          </a:p>
+          <a:p>
+            <a:pPr marL="1262520" lvl="3" indent="-456480">
               <a:lnSpc>
                 <a:spcPct val="100000"/>
               </a:lnSpc>
               <a:buClr>
-                <a:srgbClr val="ffffff"/>
+                <a:srgbClr val="FFFFFF"/>
               </a:buClr>
               <a:buFont typeface="Arial"/>
               <a:buChar char="•"/>
             </a:pPr>
             <a:r>
-              <a:rPr lang="en-US" sz="2800" spc="-1" strike="noStrike">
-                <a:solidFill>
-                  <a:srgbClr val="ffffff"/>
-                </a:solidFill>
-                <a:uFill>
-                  <a:solidFill>
-                    <a:srgbClr val="ffffff"/>
+              <a:rPr lang="en-US" sz="2800" strike="noStrike" spc="-1" dirty="0">
+                <a:solidFill>
+                  <a:srgbClr val="FFFFFF"/>
+                </a:solidFill>
+                <a:uFill>
+                  <a:solidFill>
+                    <a:srgbClr val="FFFFFF"/>
                   </a:solidFill>
                 </a:uFill>
                 <a:latin typeface="Calisto MT"/>
                 <a:ea typeface="DejaVu Sans"/>
               </a:rPr>
-              <a:t>Log in and choose PvP.</a:t>
+              <a:t>Log in and choose </a:t>
             </a:r>
-            <a:endParaRPr lang="en-US" sz="1800" spc="-1" strike="noStrike">
-              <a:solidFill>
-                <a:srgbClr val="ffffff"/>
-              </a:solidFill>
-              <a:uFill>
-                <a:solidFill>
-                  <a:srgbClr val="ffffff"/>
+            <a:r>
+              <a:rPr lang="en-US" sz="2800" strike="noStrike" spc="-1" dirty="0" err="1">
+                <a:solidFill>
+                  <a:srgbClr val="FFFFFF"/>
+                </a:solidFill>
+                <a:uFill>
+                  <a:solidFill>
+                    <a:srgbClr val="FFFFFF"/>
+                  </a:solidFill>
+                </a:uFill>
+                <a:latin typeface="Calisto MT"/>
+                <a:ea typeface="DejaVu Sans"/>
+              </a:rPr>
+              <a:t>PvP</a:t>
+            </a:r>
+            <a:r>
+              <a:rPr lang="en-US" sz="2800" strike="noStrike" spc="-1" dirty="0">
+                <a:solidFill>
+                  <a:srgbClr val="FFFFFF"/>
+                </a:solidFill>
+                <a:uFill>
+                  <a:solidFill>
+                    <a:srgbClr val="FFFFFF"/>
+                  </a:solidFill>
+                </a:uFill>
+                <a:latin typeface="Calisto MT"/>
+                <a:ea typeface="DejaVu Sans"/>
+              </a:rPr>
+              <a:t>.</a:t>
+            </a:r>
+            <a:endParaRPr lang="en-US" sz="1800" strike="noStrike" spc="-1" dirty="0">
+              <a:solidFill>
+                <a:srgbClr val="FFFFFF"/>
+              </a:solidFill>
+              <a:uFill>
+                <a:solidFill>
+                  <a:srgbClr val="FFFFFF"/>
                 </a:solidFill>
               </a:uFill>
               <a:latin typeface="Arial"/>
@@ -7065,37 +8242,37 @@
                 <a:spcPct val="100000"/>
               </a:lnSpc>
             </a:pPr>
-            <a:endParaRPr lang="en-US" sz="1800" spc="-1" strike="noStrike">
-              <a:solidFill>
-                <a:srgbClr val="ffffff"/>
-              </a:solidFill>
-              <a:uFill>
-                <a:solidFill>
-                  <a:srgbClr val="ffffff"/>
-                </a:solidFill>
-              </a:uFill>
-              <a:latin typeface="Arial"/>
-            </a:endParaRPr>
-          </a:p>
-          <a:p>
-            <a:pPr lvl="3" marL="1262520" indent="-456480">
+            <a:endParaRPr lang="en-US" sz="1800" strike="noStrike" spc="-1" dirty="0">
+              <a:solidFill>
+                <a:srgbClr val="FFFFFF"/>
+              </a:solidFill>
+              <a:uFill>
+                <a:solidFill>
+                  <a:srgbClr val="FFFFFF"/>
+                </a:solidFill>
+              </a:uFill>
+              <a:latin typeface="Arial"/>
+            </a:endParaRPr>
+          </a:p>
+          <a:p>
+            <a:pPr marL="1262520" lvl="3" indent="-456480">
               <a:lnSpc>
                 <a:spcPct val="100000"/>
               </a:lnSpc>
               <a:buClr>
-                <a:srgbClr val="ffffff"/>
+                <a:srgbClr val="FFFFFF"/>
               </a:buClr>
               <a:buFont typeface="Arial"/>
               <a:buChar char="•"/>
             </a:pPr>
             <a:r>
-              <a:rPr lang="en-US" sz="2800" spc="-1" strike="noStrike">
-                <a:solidFill>
-                  <a:srgbClr val="ffffff"/>
-                </a:solidFill>
-                <a:uFill>
-                  <a:solidFill>
-                    <a:srgbClr val="ffffff"/>
+              <a:rPr lang="en-US" sz="2800" strike="noStrike" spc="-1" dirty="0">
+                <a:solidFill>
+                  <a:srgbClr val="FFFFFF"/>
+                </a:solidFill>
+                <a:uFill>
+                  <a:solidFill>
+                    <a:srgbClr val="FFFFFF"/>
                   </a:solidFill>
                 </a:uFill>
                 <a:latin typeface="Calisto MT"/>
@@ -7103,13 +8280,13 @@
               </a:rPr>
               <a:t>Game starts as Player vs Player.</a:t>
             </a:r>
-            <a:endParaRPr lang="en-US" sz="1800" spc="-1" strike="noStrike">
-              <a:solidFill>
-                <a:srgbClr val="ffffff"/>
-              </a:solidFill>
-              <a:uFill>
-                <a:solidFill>
-                  <a:srgbClr val="ffffff"/>
+            <a:endParaRPr lang="en-US" sz="1800" strike="noStrike" spc="-1" dirty="0">
+              <a:solidFill>
+                <a:srgbClr val="FFFFFF"/>
+              </a:solidFill>
+              <a:uFill>
+                <a:solidFill>
+                  <a:srgbClr val="FFFFFF"/>
                 </a:solidFill>
               </a:uFill>
               <a:latin typeface="Arial"/>
@@ -7121,37 +8298,37 @@
                 <a:spcPct val="100000"/>
               </a:lnSpc>
             </a:pPr>
-            <a:endParaRPr lang="en-US" sz="1800" spc="-1" strike="noStrike">
-              <a:solidFill>
-                <a:srgbClr val="ffffff"/>
-              </a:solidFill>
-              <a:uFill>
-                <a:solidFill>
-                  <a:srgbClr val="ffffff"/>
-                </a:solidFill>
-              </a:uFill>
-              <a:latin typeface="Arial"/>
-            </a:endParaRPr>
-          </a:p>
-          <a:p>
-            <a:pPr lvl="3" marL="1262520" indent="-456480">
+            <a:endParaRPr lang="en-US" sz="1800" strike="noStrike" spc="-1" dirty="0">
+              <a:solidFill>
+                <a:srgbClr val="FFFFFF"/>
+              </a:solidFill>
+              <a:uFill>
+                <a:solidFill>
+                  <a:srgbClr val="FFFFFF"/>
+                </a:solidFill>
+              </a:uFill>
+              <a:latin typeface="Arial"/>
+            </a:endParaRPr>
+          </a:p>
+          <a:p>
+            <a:pPr marL="1262520" lvl="3" indent="-456480">
               <a:lnSpc>
                 <a:spcPct val="100000"/>
               </a:lnSpc>
               <a:buClr>
-                <a:srgbClr val="ffffff"/>
+                <a:srgbClr val="FFFFFF"/>
               </a:buClr>
               <a:buFont typeface="Arial"/>
               <a:buChar char="•"/>
             </a:pPr>
             <a:r>
-              <a:rPr lang="en-US" sz="2800" spc="-1" strike="noStrike">
-                <a:solidFill>
-                  <a:srgbClr val="ffffff"/>
-                </a:solidFill>
-                <a:uFill>
-                  <a:solidFill>
-                    <a:srgbClr val="ffffff"/>
+              <a:rPr lang="en-US" sz="2800" strike="noStrike" spc="-1" dirty="0">
+                <a:solidFill>
+                  <a:srgbClr val="FFFFFF"/>
+                </a:solidFill>
+                <a:uFill>
+                  <a:solidFill>
+                    <a:srgbClr val="FFFFFF"/>
                   </a:solidFill>
                 </a:uFill>
                 <a:latin typeface="Calisto MT"/>
@@ -7159,13 +8336,13 @@
               </a:rPr>
               <a:t>Update the score as squares connect.</a:t>
             </a:r>
-            <a:endParaRPr lang="en-US" sz="1800" spc="-1" strike="noStrike">
-              <a:solidFill>
-                <a:srgbClr val="ffffff"/>
-              </a:solidFill>
-              <a:uFill>
-                <a:solidFill>
-                  <a:srgbClr val="ffffff"/>
+            <a:endParaRPr lang="en-US" sz="1800" strike="noStrike" spc="-1" dirty="0">
+              <a:solidFill>
+                <a:srgbClr val="FFFFFF"/>
+              </a:solidFill>
+              <a:uFill>
+                <a:solidFill>
+                  <a:srgbClr val="FFFFFF"/>
                 </a:solidFill>
               </a:uFill>
               <a:latin typeface="Arial"/>
@@ -7175,22 +8352,25 @@
       </p:sp>
     </p:spTree>
   </p:cSld>
+  <p:clrMapOvr>
+    <a:masterClrMapping/>
+  </p:clrMapOvr>
   <p:timing>
     <p:tnLst>
       <p:par>
-        <p:cTn id="13" dur="indefinite" restart="never" nodeType="tmRoot">
+        <p:cTn id="1" dur="indefinite" restart="never" nodeType="tmRoot">
           <p:childTnLst>
             <p:seq>
-              <p:cTn id="14" nodeType="mainSeq"/>
+              <p:cTn id="2" nodeType="mainSeq"/>
               <p:prevCondLst>
-                <p:cond delay="0" evt="onPrev">
+                <p:cond evt="onPrev" delay="0">
                   <p:tgtEl>
                     <p:sldTgt/>
                   </p:tgtEl>
                 </p:cond>
               </p:prevCondLst>
               <p:nextCondLst>
-                <p:cond delay="0" evt="onNext">
+                <p:cond evt="onNext" delay="0">
                   <p:tgtEl>
                     <p:sldTgt/>
                   </p:tgtEl>
@@ -7206,7 +8386,7 @@
 </file>
 
 <file path=ppt/slides/slide8.xml><?xml version="1.0" encoding="utf-8"?>
-<p:sld xmlns:a="http://schemas.openxmlformats.org/drawingml/2006/main" xmlns:p="http://schemas.openxmlformats.org/presentationml/2006/main" xmlns:r="http://schemas.openxmlformats.org/officeDocument/2006/relationships">
+<p:sld xmlns:a="http://schemas.openxmlformats.org/drawingml/2006/main" xmlns:r="http://schemas.openxmlformats.org/officeDocument/2006/relationships" xmlns:p="http://schemas.openxmlformats.org/presentationml/2006/main">
   <p:cSld>
     <p:spTree>
       <p:nvGrpSpPr>
@@ -7242,13 +8422,20 @@
           </a:ln>
         </p:spPr>
         <p:style>
-          <a:lnRef idx="0"/>
-          <a:fillRef idx="0"/>
-          <a:effectRef idx="0"/>
+          <a:lnRef idx="0">
+            <a:scrgbClr r="0" g="0" b="0"/>
+          </a:lnRef>
+          <a:fillRef idx="0">
+            <a:scrgbClr r="0" g="0" b="0"/>
+          </a:fillRef>
+          <a:effectRef idx="0">
+            <a:scrgbClr r="0" g="0" b="0"/>
+          </a:effectRef>
           <a:fontRef idx="minor"/>
         </p:style>
         <p:txBody>
-          <a:bodyPr lIns="90000" rIns="90000" tIns="45000" bIns="45000" anchor="ctr"/>
+          <a:bodyPr lIns="90000" tIns="45000" rIns="90000" bIns="45000" anchor="ctr"/>
+          <a:lstStyle/>
           <a:p>
             <a:pPr algn="ctr">
               <a:lnSpc>
@@ -7256,13 +8443,13 @@
               </a:lnSpc>
             </a:pPr>
             <a:r>
-              <a:rPr lang="en-US" sz="4300" spc="-1" strike="noStrike">
-                <a:solidFill>
-                  <a:srgbClr val="ffffff"/>
-                </a:solidFill>
-                <a:uFill>
-                  <a:solidFill>
-                    <a:srgbClr val="ffffff"/>
+              <a:rPr lang="en-US" sz="4300" strike="noStrike" spc="-1">
+                <a:solidFill>
+                  <a:srgbClr val="FFFFFF"/>
+                </a:solidFill>
+                <a:uFill>
+                  <a:solidFill>
+                    <a:srgbClr val="FFFFFF"/>
                   </a:solidFill>
                 </a:uFill>
                 <a:latin typeface="Calisto MT"/>
@@ -7270,13 +8457,13 @@
               </a:rPr>
               <a:t>Special case of Player vs AI</a:t>
             </a:r>
-            <a:endParaRPr lang="en-US" sz="1800" spc="-1" strike="noStrike">
-              <a:solidFill>
-                <a:srgbClr val="ffffff"/>
-              </a:solidFill>
-              <a:uFill>
-                <a:solidFill>
-                  <a:srgbClr val="ffffff"/>
+            <a:endParaRPr lang="en-US" sz="1800" strike="noStrike" spc="-1">
+              <a:solidFill>
+                <a:srgbClr val="FFFFFF"/>
+              </a:solidFill>
+              <a:uFill>
+                <a:solidFill>
+                  <a:srgbClr val="FFFFFF"/>
                 </a:solidFill>
               </a:uFill>
               <a:latin typeface="Arial"/>
@@ -7304,32 +8491,39 @@
           </a:ln>
         </p:spPr>
         <p:style>
-          <a:lnRef idx="0"/>
-          <a:fillRef idx="0"/>
-          <a:effectRef idx="0"/>
+          <a:lnRef idx="0">
+            <a:scrgbClr r="0" g="0" b="0"/>
+          </a:lnRef>
+          <a:fillRef idx="0">
+            <a:scrgbClr r="0" g="0" b="0"/>
+          </a:fillRef>
+          <a:effectRef idx="0">
+            <a:scrgbClr r="0" g="0" b="0"/>
+          </a:effectRef>
           <a:fontRef idx="minor"/>
         </p:style>
         <p:txBody>
-          <a:bodyPr lIns="90000" rIns="90000" tIns="45000" bIns="45000"/>
+          <a:bodyPr lIns="90000" tIns="45000" rIns="90000" bIns="45000"/>
+          <a:lstStyle/>
           <a:p>
             <a:pPr marL="343440" indent="-342360">
               <a:lnSpc>
                 <a:spcPct val="100000"/>
               </a:lnSpc>
               <a:buClr>
-                <a:srgbClr val="ffffff"/>
+                <a:srgbClr val="FFFFFF"/>
               </a:buClr>
               <a:buFont typeface="Arial"/>
               <a:buChar char="•"/>
             </a:pPr>
             <a:r>
-              <a:rPr lang="en-US" sz="2800" spc="-1" strike="noStrike">
-                <a:solidFill>
-                  <a:srgbClr val="ffffff"/>
-                </a:solidFill>
-                <a:uFill>
-                  <a:solidFill>
-                    <a:srgbClr val="ffffff"/>
+              <a:rPr lang="en-US" sz="2800" strike="noStrike" spc="-1">
+                <a:solidFill>
+                  <a:srgbClr val="FFFFFF"/>
+                </a:solidFill>
+                <a:uFill>
+                  <a:solidFill>
+                    <a:srgbClr val="FFFFFF"/>
                   </a:solidFill>
                 </a:uFill>
                 <a:latin typeface="Calisto MT"/>
@@ -7337,37 +8531,37 @@
               </a:rPr>
               <a:t>Player vs AI:</a:t>
             </a:r>
-            <a:endParaRPr lang="en-US" sz="1800" spc="-1" strike="noStrike">
-              <a:solidFill>
-                <a:srgbClr val="ffffff"/>
-              </a:solidFill>
-              <a:uFill>
-                <a:solidFill>
-                  <a:srgbClr val="ffffff"/>
-                </a:solidFill>
-              </a:uFill>
-              <a:latin typeface="Arial"/>
-            </a:endParaRPr>
-          </a:p>
-          <a:p>
-            <a:pPr lvl="3" marL="1262520" indent="-456480">
+            <a:endParaRPr lang="en-US" sz="1800" strike="noStrike" spc="-1">
+              <a:solidFill>
+                <a:srgbClr val="FFFFFF"/>
+              </a:solidFill>
+              <a:uFill>
+                <a:solidFill>
+                  <a:srgbClr val="FFFFFF"/>
+                </a:solidFill>
+              </a:uFill>
+              <a:latin typeface="Arial"/>
+            </a:endParaRPr>
+          </a:p>
+          <a:p>
+            <a:pPr marL="1262520" lvl="3" indent="-456480">
               <a:lnSpc>
                 <a:spcPct val="100000"/>
               </a:lnSpc>
               <a:buClr>
-                <a:srgbClr val="ffffff"/>
+                <a:srgbClr val="FFFFFF"/>
               </a:buClr>
               <a:buFont typeface="Arial"/>
               <a:buChar char="•"/>
             </a:pPr>
             <a:r>
-              <a:rPr lang="en-US" sz="2800" spc="-1" strike="noStrike">
-                <a:solidFill>
-                  <a:srgbClr val="ffffff"/>
-                </a:solidFill>
-                <a:uFill>
-                  <a:solidFill>
-                    <a:srgbClr val="ffffff"/>
+              <a:rPr lang="en-US" sz="2800" strike="noStrike" spc="-1">
+                <a:solidFill>
+                  <a:srgbClr val="FFFFFF"/>
+                </a:solidFill>
+                <a:uFill>
+                  <a:solidFill>
+                    <a:srgbClr val="FFFFFF"/>
                   </a:solidFill>
                 </a:uFill>
                 <a:latin typeface="Calisto MT"/>
@@ -7375,13 +8569,13 @@
               </a:rPr>
               <a:t>Log in and choose PvA.</a:t>
             </a:r>
-            <a:endParaRPr lang="en-US" sz="1800" spc="-1" strike="noStrike">
-              <a:solidFill>
-                <a:srgbClr val="ffffff"/>
-              </a:solidFill>
-              <a:uFill>
-                <a:solidFill>
-                  <a:srgbClr val="ffffff"/>
+            <a:endParaRPr lang="en-US" sz="1800" strike="noStrike" spc="-1">
+              <a:solidFill>
+                <a:srgbClr val="FFFFFF"/>
+              </a:solidFill>
+              <a:uFill>
+                <a:solidFill>
+                  <a:srgbClr val="FFFFFF"/>
                 </a:solidFill>
               </a:uFill>
               <a:latin typeface="Arial"/>
@@ -7393,37 +8587,37 @@
                 <a:spcPct val="100000"/>
               </a:lnSpc>
             </a:pPr>
-            <a:endParaRPr lang="en-US" sz="1800" spc="-1" strike="noStrike">
-              <a:solidFill>
-                <a:srgbClr val="ffffff"/>
-              </a:solidFill>
-              <a:uFill>
-                <a:solidFill>
-                  <a:srgbClr val="ffffff"/>
-                </a:solidFill>
-              </a:uFill>
-              <a:latin typeface="Arial"/>
-            </a:endParaRPr>
-          </a:p>
-          <a:p>
-            <a:pPr lvl="3" marL="1262520" indent="-456480">
+            <a:endParaRPr lang="en-US" sz="1800" strike="noStrike" spc="-1">
+              <a:solidFill>
+                <a:srgbClr val="FFFFFF"/>
+              </a:solidFill>
+              <a:uFill>
+                <a:solidFill>
+                  <a:srgbClr val="FFFFFF"/>
+                </a:solidFill>
+              </a:uFill>
+              <a:latin typeface="Arial"/>
+            </a:endParaRPr>
+          </a:p>
+          <a:p>
+            <a:pPr marL="1262520" lvl="3" indent="-456480">
               <a:lnSpc>
                 <a:spcPct val="100000"/>
               </a:lnSpc>
               <a:buClr>
-                <a:srgbClr val="ffffff"/>
+                <a:srgbClr val="FFFFFF"/>
               </a:buClr>
               <a:buFont typeface="Arial"/>
               <a:buChar char="•"/>
             </a:pPr>
             <a:r>
-              <a:rPr lang="en-US" sz="2800" spc="-1" strike="noStrike">
-                <a:solidFill>
-                  <a:srgbClr val="ffffff"/>
-                </a:solidFill>
-                <a:uFill>
-                  <a:solidFill>
-                    <a:srgbClr val="ffffff"/>
+              <a:rPr lang="en-US" sz="2800" strike="noStrike" spc="-1">
+                <a:solidFill>
+                  <a:srgbClr val="FFFFFF"/>
+                </a:solidFill>
+                <a:uFill>
+                  <a:solidFill>
+                    <a:srgbClr val="FFFFFF"/>
                   </a:solidFill>
                 </a:uFill>
                 <a:latin typeface="Calisto MT"/>
@@ -7431,13 +8625,13 @@
               </a:rPr>
               <a:t>Game starts as Player vs AI.</a:t>
             </a:r>
-            <a:endParaRPr lang="en-US" sz="1800" spc="-1" strike="noStrike">
-              <a:solidFill>
-                <a:srgbClr val="ffffff"/>
-              </a:solidFill>
-              <a:uFill>
-                <a:solidFill>
-                  <a:srgbClr val="ffffff"/>
+            <a:endParaRPr lang="en-US" sz="1800" strike="noStrike" spc="-1">
+              <a:solidFill>
+                <a:srgbClr val="FFFFFF"/>
+              </a:solidFill>
+              <a:uFill>
+                <a:solidFill>
+                  <a:srgbClr val="FFFFFF"/>
                 </a:solidFill>
               </a:uFill>
               <a:latin typeface="Arial"/>
@@ -7449,37 +8643,37 @@
                 <a:spcPct val="100000"/>
               </a:lnSpc>
             </a:pPr>
-            <a:endParaRPr lang="en-US" sz="1800" spc="-1" strike="noStrike">
-              <a:solidFill>
-                <a:srgbClr val="ffffff"/>
-              </a:solidFill>
-              <a:uFill>
-                <a:solidFill>
-                  <a:srgbClr val="ffffff"/>
-                </a:solidFill>
-              </a:uFill>
-              <a:latin typeface="Arial"/>
-            </a:endParaRPr>
-          </a:p>
-          <a:p>
-            <a:pPr lvl="3" marL="1262520" indent="-456480">
+            <a:endParaRPr lang="en-US" sz="1800" strike="noStrike" spc="-1">
+              <a:solidFill>
+                <a:srgbClr val="FFFFFF"/>
+              </a:solidFill>
+              <a:uFill>
+                <a:solidFill>
+                  <a:srgbClr val="FFFFFF"/>
+                </a:solidFill>
+              </a:uFill>
+              <a:latin typeface="Arial"/>
+            </a:endParaRPr>
+          </a:p>
+          <a:p>
+            <a:pPr marL="1262520" lvl="3" indent="-456480">
               <a:lnSpc>
                 <a:spcPct val="100000"/>
               </a:lnSpc>
               <a:buClr>
-                <a:srgbClr val="ffffff"/>
+                <a:srgbClr val="FFFFFF"/>
               </a:buClr>
               <a:buFont typeface="Arial"/>
               <a:buChar char="•"/>
             </a:pPr>
             <a:r>
-              <a:rPr lang="en-US" sz="2800" spc="-1" strike="noStrike">
-                <a:solidFill>
-                  <a:srgbClr val="ffffff"/>
-                </a:solidFill>
-                <a:uFill>
-                  <a:solidFill>
-                    <a:srgbClr val="ffffff"/>
+              <a:rPr lang="en-US" sz="2800" strike="noStrike" spc="-1">
+                <a:solidFill>
+                  <a:srgbClr val="FFFFFF"/>
+                </a:solidFill>
+                <a:uFill>
+                  <a:solidFill>
+                    <a:srgbClr val="FFFFFF"/>
                   </a:solidFill>
                 </a:uFill>
                 <a:latin typeface="Calisto MT"/>
@@ -7487,13 +8681,13 @@
               </a:rPr>
               <a:t>Update the score as squares connect.</a:t>
             </a:r>
-            <a:endParaRPr lang="en-US" sz="1800" spc="-1" strike="noStrike">
-              <a:solidFill>
-                <a:srgbClr val="ffffff"/>
-              </a:solidFill>
-              <a:uFill>
-                <a:solidFill>
-                  <a:srgbClr val="ffffff"/>
+            <a:endParaRPr lang="en-US" sz="1800" strike="noStrike" spc="-1">
+              <a:solidFill>
+                <a:srgbClr val="FFFFFF"/>
+              </a:solidFill>
+              <a:uFill>
+                <a:solidFill>
+                  <a:srgbClr val="FFFFFF"/>
                 </a:solidFill>
               </a:uFill>
               <a:latin typeface="Arial"/>
@@ -7505,13 +8699,13 @@
                 <a:spcPct val="100000"/>
               </a:lnSpc>
             </a:pPr>
-            <a:endParaRPr lang="en-US" sz="1800" spc="-1" strike="noStrike">
-              <a:solidFill>
-                <a:srgbClr val="ffffff"/>
-              </a:solidFill>
-              <a:uFill>
-                <a:solidFill>
-                  <a:srgbClr val="ffffff"/>
+            <a:endParaRPr lang="en-US" sz="1800" strike="noStrike" spc="-1">
+              <a:solidFill>
+                <a:srgbClr val="FFFFFF"/>
+              </a:solidFill>
+              <a:uFill>
+                <a:solidFill>
+                  <a:srgbClr val="FFFFFF"/>
                 </a:solidFill>
               </a:uFill>
               <a:latin typeface="Arial"/>
@@ -7521,22 +8715,25 @@
       </p:sp>
     </p:spTree>
   </p:cSld>
+  <p:clrMapOvr>
+    <a:masterClrMapping/>
+  </p:clrMapOvr>
   <p:timing>
     <p:tnLst>
       <p:par>
-        <p:cTn id="15" dur="indefinite" restart="never" nodeType="tmRoot">
+        <p:cTn id="1" dur="indefinite" restart="never" nodeType="tmRoot">
           <p:childTnLst>
             <p:seq>
-              <p:cTn id="16" nodeType="mainSeq"/>
+              <p:cTn id="2" nodeType="mainSeq"/>
               <p:prevCondLst>
-                <p:cond delay="0" evt="onPrev">
+                <p:cond evt="onPrev" delay="0">
                   <p:tgtEl>
                     <p:sldTgt/>
                   </p:tgtEl>
                 </p:cond>
               </p:prevCondLst>
               <p:nextCondLst>
-                <p:cond delay="0" evt="onNext">
+                <p:cond evt="onNext" delay="0">
                   <p:tgtEl>
                     <p:sldTgt/>
                   </p:tgtEl>
@@ -7552,7 +8749,7 @@
 </file>
 
 <file path=ppt/slides/slide9.xml><?xml version="1.0" encoding="utf-8"?>
-<p:sld xmlns:a="http://schemas.openxmlformats.org/drawingml/2006/main" xmlns:p="http://schemas.openxmlformats.org/presentationml/2006/main" xmlns:r="http://schemas.openxmlformats.org/officeDocument/2006/relationships">
+<p:sld xmlns:a="http://schemas.openxmlformats.org/drawingml/2006/main" xmlns:r="http://schemas.openxmlformats.org/officeDocument/2006/relationships" xmlns:p="http://schemas.openxmlformats.org/presentationml/2006/main">
   <p:cSld>
     <p:spTree>
       <p:nvGrpSpPr>
@@ -7588,13 +8785,20 @@
           </a:ln>
         </p:spPr>
         <p:style>
-          <a:lnRef idx="0"/>
-          <a:fillRef idx="0"/>
-          <a:effectRef idx="0"/>
+          <a:lnRef idx="0">
+            <a:scrgbClr r="0" g="0" b="0"/>
+          </a:lnRef>
+          <a:fillRef idx="0">
+            <a:scrgbClr r="0" g="0" b="0"/>
+          </a:fillRef>
+          <a:effectRef idx="0">
+            <a:scrgbClr r="0" g="0" b="0"/>
+          </a:effectRef>
           <a:fontRef idx="minor"/>
         </p:style>
         <p:txBody>
-          <a:bodyPr lIns="90000" rIns="90000" tIns="45000" bIns="45000" anchor="ctr"/>
+          <a:bodyPr lIns="90000" tIns="45000" rIns="90000" bIns="45000" anchor="ctr"/>
+          <a:lstStyle/>
           <a:p>
             <a:pPr algn="ctr">
               <a:lnSpc>
@@ -7602,13 +8806,13 @@
               </a:lnSpc>
             </a:pPr>
             <a:r>
-              <a:rPr lang="en-US" sz="4800" spc="-1" strike="noStrike">
-                <a:solidFill>
-                  <a:srgbClr val="ffffff"/>
-                </a:solidFill>
-                <a:uFill>
-                  <a:solidFill>
-                    <a:srgbClr val="ffffff"/>
+              <a:rPr lang="en-US" sz="4800" strike="noStrike" spc="-1">
+                <a:solidFill>
+                  <a:srgbClr val="FFFFFF"/>
+                </a:solidFill>
+                <a:uFill>
+                  <a:solidFill>
+                    <a:srgbClr val="FFFFFF"/>
                   </a:solidFill>
                 </a:uFill>
                 <a:latin typeface="Calisto MT"/>
@@ -7616,13 +8820,13 @@
               </a:rPr>
               <a:t>Game flow diagram</a:t>
             </a:r>
-            <a:endParaRPr lang="en-US" sz="1800" spc="-1" strike="noStrike">
-              <a:solidFill>
-                <a:srgbClr val="ffffff"/>
-              </a:solidFill>
-              <a:uFill>
-                <a:solidFill>
-                  <a:srgbClr val="ffffff"/>
+            <a:endParaRPr lang="en-US" sz="1800" strike="noStrike" spc="-1">
+              <a:solidFill>
+                <a:srgbClr val="FFFFFF"/>
+              </a:solidFill>
+              <a:uFill>
+                <a:solidFill>
+                  <a:srgbClr val="FFFFFF"/>
                 </a:solidFill>
               </a:uFill>
               <a:latin typeface="Arial"/>
@@ -7632,12 +8836,12 @@
       </p:sp>
       <p:pic>
         <p:nvPicPr>
-          <p:cNvPr id="94" name="Content Placeholder 3" descr=""/>
+          <p:cNvPr id="94" name="Content Placeholder 3"/>
           <p:cNvPicPr/>
           <p:nvPr/>
         </p:nvPicPr>
         <p:blipFill>
-          <a:blip r:embed="rId1"/>
+          <a:blip r:embed="rId2"/>
           <a:stretch/>
         </p:blipFill>
         <p:spPr>
@@ -7655,22 +8859,25 @@
       </p:pic>
     </p:spTree>
   </p:cSld>
+  <p:clrMapOvr>
+    <a:masterClrMapping/>
+  </p:clrMapOvr>
   <p:timing>
     <p:tnLst>
       <p:par>
-        <p:cTn id="17" dur="indefinite" restart="never" nodeType="tmRoot">
+        <p:cTn id="1" dur="indefinite" restart="never" nodeType="tmRoot">
           <p:childTnLst>
             <p:seq>
-              <p:cTn id="18" nodeType="mainSeq"/>
+              <p:cTn id="2" nodeType="mainSeq"/>
               <p:prevCondLst>
-                <p:cond delay="0" evt="onPrev">
+                <p:cond evt="onPrev" delay="0">
                   <p:tgtEl>
                     <p:sldTgt/>
                   </p:tgtEl>
                 </p:cond>
               </p:prevCondLst>
               <p:nextCondLst>
-                <p:cond delay="0" evt="onNext">
+                <p:cond evt="onNext" delay="0">
                   <p:tgtEl>
                     <p:sldTgt/>
                   </p:tgtEl>
@@ -7905,6 +9112,8 @@
       </a:bgFillStyleLst>
     </a:fmtScheme>
   </a:themeElements>
+  <a:objectDefaults/>
+  <a:extraClrSchemeLst/>
 </a:theme>
 </file>
 
@@ -8128,6 +9337,8 @@
       </a:bgFillStyleLst>
     </a:fmtScheme>
   </a:themeElements>
+  <a:objectDefaults/>
+  <a:extraClrSchemeLst/>
 </a:theme>
 </file>
 
@@ -8351,5 +9562,7 @@
       </a:bgFillStyleLst>
     </a:fmtScheme>
   </a:themeElements>
+  <a:objectDefaults/>
+  <a:extraClrSchemeLst/>
 </a:theme>
 </file>
--- a/Power Point Presentation.pptx
+++ b/Power Point Presentation.pptx
@@ -265,7 +265,7 @@
           <a:bodyPr lIns="0" rIns="0" tIns="0" bIns="0" anchor="b"/>
           <a:p>
             <a:pPr algn="r"/>
-            <a:fld id="{E725EC66-3AEA-4319-9C17-8EB0EEB9AA8D}" type="slidenum">
+            <a:fld id="{851CEE35-2486-40F4-BD4B-8761EC2B7DE8}" type="slidenum">
               <a:rPr lang="en-US" sz="1400" spc="-1" strike="noStrike">
                 <a:solidFill>
                   <a:srgbClr val="000000"/>
@@ -446,6 +446,42 @@
           <a:effectRef idx="0"/>
           <a:fontRef idx="minor"/>
         </p:style>
+        <p:txBody>
+          <a:bodyPr lIns="90000" rIns="90000" tIns="45000" bIns="45000" anchor="b"/>
+          <a:p>
+            <a:pPr algn="r">
+              <a:lnSpc>
+                <a:spcPct val="100000"/>
+              </a:lnSpc>
+            </a:pPr>
+            <a:fld id="{EF6265AF-03D6-46BD-A118-F0FD2B605ABC}" type="slidenum">
+              <a:rPr lang="en-US" sz="1200" spc="-1" strike="noStrike">
+                <a:solidFill>
+                  <a:srgbClr val="000000"/>
+                </a:solidFill>
+                <a:uFill>
+                  <a:solidFill>
+                    <a:srgbClr val="ffffff"/>
+                  </a:solidFill>
+                </a:uFill>
+                <a:latin typeface="+mn-lt"/>
+                <a:ea typeface="+mn-ea"/>
+              </a:rPr>
+              <a:t>&lt;number&gt;</a:t>
+            </a:fld>
+            <a:endParaRPr lang="en-US" sz="1800" spc="-1" strike="noStrike">
+              <a:solidFill>
+                <a:srgbClr val="000000"/>
+              </a:solidFill>
+              <a:uFill>
+                <a:solidFill>
+                  <a:srgbClr val="ffffff"/>
+                </a:solidFill>
+              </a:uFill>
+              <a:latin typeface="Arial"/>
+            </a:endParaRPr>
+          </a:p>
+        </p:txBody>
       </p:sp>
     </p:spTree>
   </p:cSld>
@@ -599,6 +635,42 @@
           <a:effectRef idx="0"/>
           <a:fontRef idx="minor"/>
         </p:style>
+        <p:txBody>
+          <a:bodyPr lIns="90000" rIns="90000" tIns="45000" bIns="45000" anchor="b"/>
+          <a:p>
+            <a:pPr algn="r">
+              <a:lnSpc>
+                <a:spcPct val="100000"/>
+              </a:lnSpc>
+            </a:pPr>
+            <a:fld id="{5B783162-1C32-4DFB-ADE4-D99FF6A2C50B}" type="slidenum">
+              <a:rPr lang="en-US" sz="1200" spc="-1" strike="noStrike">
+                <a:solidFill>
+                  <a:srgbClr val="000000"/>
+                </a:solidFill>
+                <a:uFill>
+                  <a:solidFill>
+                    <a:srgbClr val="ffffff"/>
+                  </a:solidFill>
+                </a:uFill>
+                <a:latin typeface="+mn-lt"/>
+                <a:ea typeface="+mn-ea"/>
+              </a:rPr>
+              <a:t>&lt;number&gt;</a:t>
+            </a:fld>
+            <a:endParaRPr lang="en-US" sz="1800" spc="-1" strike="noStrike">
+              <a:solidFill>
+                <a:srgbClr val="000000"/>
+              </a:solidFill>
+              <a:uFill>
+                <a:solidFill>
+                  <a:srgbClr val="ffffff"/>
+                </a:solidFill>
+              </a:uFill>
+              <a:latin typeface="Arial"/>
+            </a:endParaRPr>
+          </a:p>
+        </p:txBody>
       </p:sp>
     </p:spTree>
   </p:cSld>
@@ -752,6 +824,42 @@
           <a:effectRef idx="0"/>
           <a:fontRef idx="minor"/>
         </p:style>
+        <p:txBody>
+          <a:bodyPr lIns="90000" rIns="90000" tIns="45000" bIns="45000" anchor="b"/>
+          <a:p>
+            <a:pPr algn="r">
+              <a:lnSpc>
+                <a:spcPct val="100000"/>
+              </a:lnSpc>
+            </a:pPr>
+            <a:fld id="{363C6554-17F7-42CC-B8C0-FAC7E31036D9}" type="slidenum">
+              <a:rPr lang="en-US" sz="1200" spc="-1" strike="noStrike">
+                <a:solidFill>
+                  <a:srgbClr val="000000"/>
+                </a:solidFill>
+                <a:uFill>
+                  <a:solidFill>
+                    <a:srgbClr val="ffffff"/>
+                  </a:solidFill>
+                </a:uFill>
+                <a:latin typeface="+mn-lt"/>
+                <a:ea typeface="+mn-ea"/>
+              </a:rPr>
+              <a:t>&lt;number&gt;</a:t>
+            </a:fld>
+            <a:endParaRPr lang="en-US" sz="1800" spc="-1" strike="noStrike">
+              <a:solidFill>
+                <a:srgbClr val="000000"/>
+              </a:solidFill>
+              <a:uFill>
+                <a:solidFill>
+                  <a:srgbClr val="ffffff"/>
+                </a:solidFill>
+              </a:uFill>
+              <a:latin typeface="Arial"/>
+            </a:endParaRPr>
+          </a:p>
+        </p:txBody>
       </p:sp>
     </p:spTree>
   </p:cSld>

--- a/Power Point Presentation.pptx
+++ b/Power Point Presentation.pptx
@@ -265,7 +265,7 @@
           <a:bodyPr lIns="0" rIns="0" tIns="0" bIns="0" anchor="b"/>
           <a:p>
             <a:pPr algn="r"/>
-            <a:fld id="{851CEE35-2486-40F4-BD4B-8761EC2B7DE8}" type="slidenum">
+            <a:fld id="{F34000CA-ED09-4202-BC0E-AB4C2F8E03E2}" type="slidenum">
               <a:rPr lang="en-US" sz="1400" spc="-1" strike="noStrike">
                 <a:solidFill>
                   <a:srgbClr val="000000"/>
@@ -329,7 +329,7 @@
         <p:spPr>
           <a:xfrm>
             <a:off x="685800" y="4343400"/>
-            <a:ext cx="5484960" cy="4113360"/>
+            <a:ext cx="5484600" cy="4113000"/>
           </a:xfrm>
           <a:prstGeom prst="rect">
             <a:avLst/>
@@ -338,7 +338,7 @@
         <p:txBody>
           <a:bodyPr lIns="0" rIns="0" tIns="0" bIns="0"/>
           <a:p>
-            <a:pPr marL="216000" indent="-215280">
+            <a:pPr marL="216000" indent="-214920">
               <a:lnSpc>
                 <a:spcPct val="100000"/>
               </a:lnSpc>
@@ -370,7 +370,7 @@
             </a:endParaRPr>
           </a:p>
           <a:p>
-            <a:pPr marL="216000" indent="-215280">
+            <a:pPr marL="216000" indent="-214920">
               <a:lnSpc>
                 <a:spcPct val="100000"/>
               </a:lnSpc>
@@ -402,7 +402,7 @@
             </a:endParaRPr>
           </a:p>
           <a:p>
-            <a:pPr marL="216000" indent="-215280">
+            <a:pPr marL="216000" indent="-214920">
               <a:lnSpc>
                 <a:spcPct val="100000"/>
               </a:lnSpc>
@@ -430,7 +430,7 @@
         <p:spPr>
           <a:xfrm>
             <a:off x="3884760" y="8685360"/>
-            <a:ext cx="2970360" cy="455760"/>
+            <a:ext cx="2970000" cy="455400"/>
           </a:xfrm>
           <a:prstGeom prst="rect">
             <a:avLst/>
@@ -446,42 +446,6 @@
           <a:effectRef idx="0"/>
           <a:fontRef idx="minor"/>
         </p:style>
-        <p:txBody>
-          <a:bodyPr lIns="90000" rIns="90000" tIns="45000" bIns="45000" anchor="b"/>
-          <a:p>
-            <a:pPr algn="r">
-              <a:lnSpc>
-                <a:spcPct val="100000"/>
-              </a:lnSpc>
-            </a:pPr>
-            <a:fld id="{EF6265AF-03D6-46BD-A118-F0FD2B605ABC}" type="slidenum">
-              <a:rPr lang="en-US" sz="1200" spc="-1" strike="noStrike">
-                <a:solidFill>
-                  <a:srgbClr val="000000"/>
-                </a:solidFill>
-                <a:uFill>
-                  <a:solidFill>
-                    <a:srgbClr val="ffffff"/>
-                  </a:solidFill>
-                </a:uFill>
-                <a:latin typeface="+mn-lt"/>
-                <a:ea typeface="+mn-ea"/>
-              </a:rPr>
-              <a:t>&lt;number&gt;</a:t>
-            </a:fld>
-            <a:endParaRPr lang="en-US" sz="1800" spc="-1" strike="noStrike">
-              <a:solidFill>
-                <a:srgbClr val="000000"/>
-              </a:solidFill>
-              <a:uFill>
-                <a:solidFill>
-                  <a:srgbClr val="ffffff"/>
-                </a:solidFill>
-              </a:uFill>
-              <a:latin typeface="Arial"/>
-            </a:endParaRPr>
-          </a:p>
-        </p:txBody>
       </p:sp>
     </p:spTree>
   </p:cSld>
@@ -518,7 +482,7 @@
         <p:spPr>
           <a:xfrm>
             <a:off x="685800" y="4343400"/>
-            <a:ext cx="5484960" cy="4113360"/>
+            <a:ext cx="5484600" cy="4113000"/>
           </a:xfrm>
           <a:prstGeom prst="rect">
             <a:avLst/>
@@ -527,7 +491,7 @@
         <p:txBody>
           <a:bodyPr lIns="0" rIns="0" tIns="0" bIns="0"/>
           <a:p>
-            <a:pPr marL="216000" indent="-215280">
+            <a:pPr marL="216000" indent="-214920">
               <a:lnSpc>
                 <a:spcPct val="100000"/>
               </a:lnSpc>
@@ -559,7 +523,7 @@
             </a:endParaRPr>
           </a:p>
           <a:p>
-            <a:pPr marL="216000" indent="-215280">
+            <a:pPr marL="216000" indent="-214920">
               <a:lnSpc>
                 <a:spcPct val="100000"/>
               </a:lnSpc>
@@ -591,7 +555,7 @@
             </a:endParaRPr>
           </a:p>
           <a:p>
-            <a:pPr marL="216000" indent="-215280">
+            <a:pPr marL="216000" indent="-214920">
               <a:lnSpc>
                 <a:spcPct val="100000"/>
               </a:lnSpc>
@@ -619,7 +583,7 @@
         <p:spPr>
           <a:xfrm>
             <a:off x="3884760" y="8685360"/>
-            <a:ext cx="2970360" cy="455760"/>
+            <a:ext cx="2970000" cy="455400"/>
           </a:xfrm>
           <a:prstGeom prst="rect">
             <a:avLst/>
@@ -635,42 +599,6 @@
           <a:effectRef idx="0"/>
           <a:fontRef idx="minor"/>
         </p:style>
-        <p:txBody>
-          <a:bodyPr lIns="90000" rIns="90000" tIns="45000" bIns="45000" anchor="b"/>
-          <a:p>
-            <a:pPr algn="r">
-              <a:lnSpc>
-                <a:spcPct val="100000"/>
-              </a:lnSpc>
-            </a:pPr>
-            <a:fld id="{5B783162-1C32-4DFB-ADE4-D99FF6A2C50B}" type="slidenum">
-              <a:rPr lang="en-US" sz="1200" spc="-1" strike="noStrike">
-                <a:solidFill>
-                  <a:srgbClr val="000000"/>
-                </a:solidFill>
-                <a:uFill>
-                  <a:solidFill>
-                    <a:srgbClr val="ffffff"/>
-                  </a:solidFill>
-                </a:uFill>
-                <a:latin typeface="+mn-lt"/>
-                <a:ea typeface="+mn-ea"/>
-              </a:rPr>
-              <a:t>&lt;number&gt;</a:t>
-            </a:fld>
-            <a:endParaRPr lang="en-US" sz="1800" spc="-1" strike="noStrike">
-              <a:solidFill>
-                <a:srgbClr val="000000"/>
-              </a:solidFill>
-              <a:uFill>
-                <a:solidFill>
-                  <a:srgbClr val="ffffff"/>
-                </a:solidFill>
-              </a:uFill>
-              <a:latin typeface="Arial"/>
-            </a:endParaRPr>
-          </a:p>
-        </p:txBody>
       </p:sp>
     </p:spTree>
   </p:cSld>
@@ -707,7 +635,7 @@
         <p:spPr>
           <a:xfrm>
             <a:off x="685800" y="4343400"/>
-            <a:ext cx="5484960" cy="4113360"/>
+            <a:ext cx="5484600" cy="4113000"/>
           </a:xfrm>
           <a:prstGeom prst="rect">
             <a:avLst/>
@@ -716,7 +644,7 @@
         <p:txBody>
           <a:bodyPr lIns="0" rIns="0" tIns="0" bIns="0"/>
           <a:p>
-            <a:pPr marL="216000" indent="-215280">
+            <a:pPr marL="216000" indent="-214920">
               <a:lnSpc>
                 <a:spcPct val="100000"/>
               </a:lnSpc>
@@ -748,7 +676,7 @@
             </a:endParaRPr>
           </a:p>
           <a:p>
-            <a:pPr marL="216000" indent="-215280">
+            <a:pPr marL="216000" indent="-214920">
               <a:lnSpc>
                 <a:spcPct val="100000"/>
               </a:lnSpc>
@@ -780,7 +708,7 @@
             </a:endParaRPr>
           </a:p>
           <a:p>
-            <a:pPr marL="216000" indent="-215280">
+            <a:pPr marL="216000" indent="-214920">
               <a:lnSpc>
                 <a:spcPct val="100000"/>
               </a:lnSpc>
@@ -808,7 +736,7 @@
         <p:spPr>
           <a:xfrm>
             <a:off x="3884760" y="8685360"/>
-            <a:ext cx="2970360" cy="455760"/>
+            <a:ext cx="2970000" cy="455400"/>
           </a:xfrm>
           <a:prstGeom prst="rect">
             <a:avLst/>
@@ -824,42 +752,6 @@
           <a:effectRef idx="0"/>
           <a:fontRef idx="minor"/>
         </p:style>
-        <p:txBody>
-          <a:bodyPr lIns="90000" rIns="90000" tIns="45000" bIns="45000" anchor="b"/>
-          <a:p>
-            <a:pPr algn="r">
-              <a:lnSpc>
-                <a:spcPct val="100000"/>
-              </a:lnSpc>
-            </a:pPr>
-            <a:fld id="{363C6554-17F7-42CC-B8C0-FAC7E31036D9}" type="slidenum">
-              <a:rPr lang="en-US" sz="1200" spc="-1" strike="noStrike">
-                <a:solidFill>
-                  <a:srgbClr val="000000"/>
-                </a:solidFill>
-                <a:uFill>
-                  <a:solidFill>
-                    <a:srgbClr val="ffffff"/>
-                  </a:solidFill>
-                </a:uFill>
-                <a:latin typeface="+mn-lt"/>
-                <a:ea typeface="+mn-ea"/>
-              </a:rPr>
-              <a:t>&lt;number&gt;</a:t>
-            </a:fld>
-            <a:endParaRPr lang="en-US" sz="1800" spc="-1" strike="noStrike">
-              <a:solidFill>
-                <a:srgbClr val="000000"/>
-              </a:solidFill>
-              <a:uFill>
-                <a:solidFill>
-                  <a:srgbClr val="ffffff"/>
-                </a:solidFill>
-              </a:uFill>
-              <a:latin typeface="Arial"/>
-            </a:endParaRPr>
-          </a:p>
-        </p:txBody>
       </p:sp>
     </p:spTree>
   </p:cSld>
@@ -4572,7 +4464,7 @@
         <p:spPr>
           <a:xfrm>
             <a:off x="685800" y="2365200"/>
-            <a:ext cx="7770960" cy="977040"/>
+            <a:ext cx="7770600" cy="976680"/>
           </a:xfrm>
           <a:prstGeom prst="rect">
             <a:avLst/>
@@ -4634,7 +4526,7 @@
         <p:spPr>
           <a:xfrm>
             <a:off x="685800" y="3796560"/>
-            <a:ext cx="7770960" cy="876240"/>
+            <a:ext cx="7770600" cy="875880"/>
           </a:xfrm>
           <a:prstGeom prst="rect">
             <a:avLst/>
@@ -4796,7 +4688,7 @@
         <p:spPr>
           <a:xfrm>
             <a:off x="685800" y="120960"/>
-            <a:ext cx="7769520" cy="1428480"/>
+            <a:ext cx="7769160" cy="1428120"/>
           </a:xfrm>
           <a:prstGeom prst="rect">
             <a:avLst/>
@@ -4858,7 +4750,7 @@
         <p:spPr>
           <a:xfrm>
             <a:off x="685800" y="1869120"/>
-            <a:ext cx="7769520" cy="4255560"/>
+            <a:ext cx="7769160" cy="4255200"/>
           </a:xfrm>
           <a:prstGeom prst="rect">
             <a:avLst/>
@@ -4877,7 +4769,7 @@
         <p:txBody>
           <a:bodyPr lIns="90000" rIns="90000" tIns="45000" bIns="45000"/>
           <a:p>
-            <a:pPr marL="343080" indent="-342000">
+            <a:pPr marL="343080" indent="-341640">
               <a:lnSpc>
                 <a:spcPct val="100000"/>
               </a:lnSpc>
@@ -4915,7 +4807,7 @@
             </a:endParaRPr>
           </a:p>
           <a:p>
-            <a:pPr lvl="1" marL="800280" indent="-342000">
+            <a:pPr lvl="1" marL="800280" indent="-341640">
               <a:lnSpc>
                 <a:spcPct val="100000"/>
               </a:lnSpc>
@@ -4971,7 +4863,7 @@
             </a:endParaRPr>
           </a:p>
           <a:p>
-            <a:pPr lvl="1" marL="800280" indent="-342000">
+            <a:pPr lvl="1" marL="800280" indent="-341640">
               <a:lnSpc>
                 <a:spcPct val="100000"/>
               </a:lnSpc>
@@ -5027,7 +4919,7 @@
             </a:endParaRPr>
           </a:p>
           <a:p>
-            <a:pPr lvl="1" marL="800280" indent="-342000">
+            <a:pPr lvl="1" marL="800280" indent="-341640">
               <a:lnSpc>
                 <a:spcPct val="100000"/>
               </a:lnSpc>
@@ -5101,7 +4993,7 @@
             </a:endParaRPr>
           </a:p>
           <a:p>
-            <a:pPr marL="343080" indent="-342000">
+            <a:pPr marL="343080" indent="-341640">
               <a:lnSpc>
                 <a:spcPct val="100000"/>
               </a:lnSpc>
@@ -5139,7 +5031,7 @@
             </a:endParaRPr>
           </a:p>
           <a:p>
-            <a:pPr lvl="1" marL="800280" indent="-342000">
+            <a:pPr lvl="1" marL="800280" indent="-341640">
               <a:lnSpc>
                 <a:spcPct val="100000"/>
               </a:lnSpc>
@@ -5177,7 +5069,7 @@
             </a:endParaRPr>
           </a:p>
           <a:p>
-            <a:pPr lvl="1" marL="800280" indent="-342000">
+            <a:pPr lvl="1" marL="800280" indent="-341640">
               <a:lnSpc>
                 <a:spcPct val="100000"/>
               </a:lnSpc>
@@ -5215,7 +5107,7 @@
             </a:endParaRPr>
           </a:p>
           <a:p>
-            <a:pPr lvl="1" marL="800280" indent="-342000">
+            <a:pPr lvl="1" marL="800280" indent="-341640">
               <a:lnSpc>
                 <a:spcPct val="100000"/>
               </a:lnSpc>
@@ -5271,7 +5163,7 @@
             </a:endParaRPr>
           </a:p>
           <a:p>
-            <a:pPr lvl="1" marL="800280" indent="-342000">
+            <a:pPr lvl="1" marL="800280" indent="-341640">
               <a:lnSpc>
                 <a:spcPct val="100000"/>
               </a:lnSpc>
@@ -5422,7 +5314,7 @@
         <p:spPr>
           <a:xfrm>
             <a:off x="685800" y="120960"/>
-            <a:ext cx="7769520" cy="1428480"/>
+            <a:ext cx="7769160" cy="1428120"/>
           </a:xfrm>
           <a:prstGeom prst="rect">
             <a:avLst/>
@@ -5484,7 +5376,7 @@
         <p:spPr>
           <a:xfrm>
             <a:off x="685800" y="1963080"/>
-            <a:ext cx="7769520" cy="4255560"/>
+            <a:ext cx="7769160" cy="4255200"/>
           </a:xfrm>
           <a:prstGeom prst="rect">
             <a:avLst/>
@@ -5503,7 +5395,7 @@
         <p:txBody>
           <a:bodyPr lIns="90000" rIns="90000" tIns="45000" bIns="45000"/>
           <a:p>
-            <a:pPr marL="343440" indent="-342000">
+            <a:pPr marL="343440" indent="-341640">
               <a:lnSpc>
                 <a:spcPct val="100000"/>
               </a:lnSpc>
@@ -5559,7 +5451,7 @@
             </a:endParaRPr>
           </a:p>
           <a:p>
-            <a:pPr marL="343440" indent="-342000">
+            <a:pPr marL="343440" indent="-341640">
               <a:lnSpc>
                 <a:spcPct val="100000"/>
               </a:lnSpc>
@@ -5615,7 +5507,7 @@
             </a:endParaRPr>
           </a:p>
           <a:p>
-            <a:pPr marL="343440" indent="-342000">
+            <a:pPr marL="343440" indent="-341640">
               <a:lnSpc>
                 <a:spcPct val="100000"/>
               </a:lnSpc>
@@ -5653,7 +5545,7 @@
             </a:endParaRPr>
           </a:p>
           <a:p>
-            <a:pPr lvl="2" marL="1257840" indent="-342000">
+            <a:pPr lvl="2" marL="1257840" indent="-341640">
               <a:lnSpc>
                 <a:spcPct val="100000"/>
               </a:lnSpc>
@@ -5691,7 +5583,7 @@
             </a:endParaRPr>
           </a:p>
           <a:p>
-            <a:pPr lvl="2" marL="1257840" indent="-342000">
+            <a:pPr lvl="2" marL="1257840" indent="-341640">
               <a:lnSpc>
                 <a:spcPct val="100000"/>
               </a:lnSpc>
@@ -5729,7 +5621,7 @@
             </a:endParaRPr>
           </a:p>
           <a:p>
-            <a:pPr lvl="2" marL="1257840" indent="-342000">
+            <a:pPr lvl="2" marL="1257840" indent="-341640">
               <a:lnSpc>
                 <a:spcPct val="100000"/>
               </a:lnSpc>
@@ -5785,7 +5677,7 @@
             </a:endParaRPr>
           </a:p>
           <a:p>
-            <a:pPr marL="343440" indent="-342000">
+            <a:pPr marL="343440" indent="-341640">
               <a:lnSpc>
                 <a:spcPct val="100000"/>
               </a:lnSpc>
@@ -5882,7 +5774,7 @@
         <p:spPr>
           <a:xfrm>
             <a:off x="685800" y="120960"/>
-            <a:ext cx="7769520" cy="1428480"/>
+            <a:ext cx="7769160" cy="1428120"/>
           </a:xfrm>
           <a:prstGeom prst="rect">
             <a:avLst/>
@@ -5944,7 +5836,7 @@
         <p:spPr>
           <a:xfrm>
             <a:off x="685800" y="1869120"/>
-            <a:ext cx="7769520" cy="4255560"/>
+            <a:ext cx="7769160" cy="4255200"/>
           </a:xfrm>
           <a:prstGeom prst="rect">
             <a:avLst/>
@@ -5963,7 +5855,7 @@
         <p:txBody>
           <a:bodyPr lIns="90000" rIns="90000" tIns="45000" bIns="45000"/>
           <a:p>
-            <a:pPr marL="457560" indent="-456120">
+            <a:pPr marL="457560" indent="-455760">
               <a:lnSpc>
                 <a:spcPct val="100000"/>
               </a:lnSpc>
@@ -6019,7 +5911,7 @@
             </a:endParaRPr>
           </a:p>
           <a:p>
-            <a:pPr marL="457560" indent="-456120">
+            <a:pPr marL="457560" indent="-455760">
               <a:lnSpc>
                 <a:spcPct val="100000"/>
               </a:lnSpc>
@@ -6075,7 +5967,7 @@
             </a:endParaRPr>
           </a:p>
           <a:p>
-            <a:pPr marL="457560" indent="-456120">
+            <a:pPr marL="457560" indent="-455760">
               <a:lnSpc>
                 <a:spcPct val="100000"/>
               </a:lnSpc>
@@ -6113,7 +6005,7 @@
             </a:endParaRPr>
           </a:p>
           <a:p>
-            <a:pPr lvl="1" marL="914760" indent="-456120">
+            <a:pPr lvl="1" marL="914760" indent="-455760">
               <a:lnSpc>
                 <a:spcPct val="100000"/>
               </a:lnSpc>
@@ -6169,7 +6061,7 @@
             </a:endParaRPr>
           </a:p>
           <a:p>
-            <a:pPr lvl="1" marL="914760" indent="-456120">
+            <a:pPr lvl="1" marL="914760" indent="-455760">
               <a:lnSpc>
                 <a:spcPct val="100000"/>
               </a:lnSpc>
@@ -6225,7 +6117,7 @@
             </a:endParaRPr>
           </a:p>
           <a:p>
-            <a:pPr marL="457560" indent="-456120">
+            <a:pPr marL="457560" indent="-455760">
               <a:lnSpc>
                 <a:spcPct val="100000"/>
               </a:lnSpc>
@@ -6322,7 +6214,7 @@
         <p:spPr>
           <a:xfrm>
             <a:off x="685800" y="120960"/>
-            <a:ext cx="7769520" cy="1428480"/>
+            <a:ext cx="7769160" cy="1428120"/>
           </a:xfrm>
           <a:prstGeom prst="rect">
             <a:avLst/>
@@ -6384,7 +6276,7 @@
         <p:spPr>
           <a:xfrm>
             <a:off x="685800" y="1869120"/>
-            <a:ext cx="7769520" cy="4255560"/>
+            <a:ext cx="7769160" cy="4255200"/>
           </a:xfrm>
           <a:prstGeom prst="rect">
             <a:avLst/>
@@ -6403,7 +6295,7 @@
         <p:txBody>
           <a:bodyPr lIns="90000" rIns="90000" tIns="45000" bIns="45000"/>
           <a:p>
-            <a:pPr marL="343440" indent="-342000">
+            <a:pPr marL="343440" indent="-341640">
               <a:lnSpc>
                 <a:spcPct val="100000"/>
               </a:lnSpc>
@@ -6459,7 +6351,7 @@
             </a:endParaRPr>
           </a:p>
           <a:p>
-            <a:pPr lvl="1" marL="800640" indent="-342000">
+            <a:pPr lvl="1" marL="800640" indent="-341640">
               <a:lnSpc>
                 <a:spcPct val="100000"/>
               </a:lnSpc>
@@ -6515,7 +6407,7 @@
             </a:endParaRPr>
           </a:p>
           <a:p>
-            <a:pPr lvl="1" marL="800640" indent="-342000">
+            <a:pPr lvl="1" marL="800640" indent="-341640">
               <a:lnSpc>
                 <a:spcPct val="100000"/>
               </a:lnSpc>
@@ -6627,7 +6519,7 @@
         <p:spPr>
           <a:xfrm>
             <a:off x="685800" y="120960"/>
-            <a:ext cx="7769520" cy="1428480"/>
+            <a:ext cx="7769160" cy="1428120"/>
           </a:xfrm>
           <a:prstGeom prst="rect">
             <a:avLst/>
@@ -6689,7 +6581,7 @@
         <p:spPr>
           <a:xfrm>
             <a:off x="685800" y="1869120"/>
-            <a:ext cx="7769520" cy="4255560"/>
+            <a:ext cx="7769160" cy="4255200"/>
           </a:xfrm>
           <a:prstGeom prst="rect">
             <a:avLst/>
@@ -6708,7 +6600,7 @@
         <p:txBody>
           <a:bodyPr lIns="90000" rIns="90000" tIns="45000" bIns="45000"/>
           <a:p>
-            <a:pPr marL="343440" indent="-342000">
+            <a:pPr marL="343440" indent="-341640">
               <a:lnSpc>
                 <a:spcPct val="100000"/>
               </a:lnSpc>
@@ -6764,7 +6656,7 @@
             </a:endParaRPr>
           </a:p>
           <a:p>
-            <a:pPr lvl="1" marL="800640" indent="-342000">
+            <a:pPr lvl="1" marL="800640" indent="-341640">
               <a:lnSpc>
                 <a:spcPct val="100000"/>
               </a:lnSpc>
@@ -6820,7 +6712,7 @@
             </a:endParaRPr>
           </a:p>
           <a:p>
-            <a:pPr lvl="1" marL="800640" indent="-342000">
+            <a:pPr lvl="1" marL="800640" indent="-341640">
               <a:lnSpc>
                 <a:spcPct val="100000"/>
               </a:lnSpc>
@@ -6917,7 +6809,7 @@
         <p:spPr>
           <a:xfrm>
             <a:off x="685800" y="120960"/>
-            <a:ext cx="7769520" cy="1428480"/>
+            <a:ext cx="7769160" cy="1428120"/>
           </a:xfrm>
           <a:prstGeom prst="rect">
             <a:avLst/>
@@ -6979,7 +6871,7 @@
         <p:spPr>
           <a:xfrm>
             <a:off x="685800" y="1869120"/>
-            <a:ext cx="7769520" cy="4255560"/>
+            <a:ext cx="7769160" cy="4255200"/>
           </a:xfrm>
           <a:prstGeom prst="rect">
             <a:avLst/>
@@ -6998,7 +6890,7 @@
         <p:txBody>
           <a:bodyPr lIns="90000" rIns="90000" tIns="45000" bIns="45000"/>
           <a:p>
-            <a:pPr marL="343440" indent="-342000">
+            <a:pPr marL="343440" indent="-341640">
               <a:lnSpc>
                 <a:spcPct val="100000"/>
               </a:lnSpc>
@@ -7036,7 +6928,7 @@
             </a:endParaRPr>
           </a:p>
           <a:p>
-            <a:pPr lvl="3" marL="1262520" indent="-456120">
+            <a:pPr lvl="3" marL="1262520" indent="-455760">
               <a:lnSpc>
                 <a:spcPct val="100000"/>
               </a:lnSpc>
@@ -7092,7 +6984,7 @@
             </a:endParaRPr>
           </a:p>
           <a:p>
-            <a:pPr lvl="3" marL="1262520" indent="-456120">
+            <a:pPr lvl="3" marL="1262520" indent="-455760">
               <a:lnSpc>
                 <a:spcPct val="100000"/>
               </a:lnSpc>
@@ -7148,7 +7040,7 @@
             </a:endParaRPr>
           </a:p>
           <a:p>
-            <a:pPr lvl="3" marL="1262520" indent="-456120">
+            <a:pPr lvl="3" marL="1262520" indent="-455760">
               <a:lnSpc>
                 <a:spcPct val="100000"/>
               </a:lnSpc>
@@ -7245,7 +7137,7 @@
         <p:spPr>
           <a:xfrm>
             <a:off x="685800" y="120960"/>
-            <a:ext cx="7769520" cy="1428480"/>
+            <a:ext cx="7769160" cy="1428120"/>
           </a:xfrm>
           <a:prstGeom prst="rect">
             <a:avLst/>
@@ -7307,7 +7199,7 @@
         <p:spPr>
           <a:xfrm>
             <a:off x="685800" y="1869120"/>
-            <a:ext cx="7769520" cy="4255560"/>
+            <a:ext cx="7769160" cy="4255200"/>
           </a:xfrm>
           <a:prstGeom prst="rect">
             <a:avLst/>
@@ -7326,7 +7218,7 @@
         <p:txBody>
           <a:bodyPr lIns="90000" rIns="90000" tIns="45000" bIns="45000"/>
           <a:p>
-            <a:pPr marL="343440" indent="-342000">
+            <a:pPr marL="343440" indent="-341640">
               <a:lnSpc>
                 <a:spcPct val="100000"/>
               </a:lnSpc>
@@ -7364,7 +7256,7 @@
             </a:endParaRPr>
           </a:p>
           <a:p>
-            <a:pPr lvl="3" marL="1262520" indent="-456120">
+            <a:pPr lvl="3" marL="1262520" indent="-455760">
               <a:lnSpc>
                 <a:spcPct val="100000"/>
               </a:lnSpc>
@@ -7420,7 +7312,7 @@
             </a:endParaRPr>
           </a:p>
           <a:p>
-            <a:pPr lvl="3" marL="1262520" indent="-456120">
+            <a:pPr lvl="3" marL="1262520" indent="-455760">
               <a:lnSpc>
                 <a:spcPct val="100000"/>
               </a:lnSpc>
@@ -7476,7 +7368,7 @@
             </a:endParaRPr>
           </a:p>
           <a:p>
-            <a:pPr lvl="3" marL="1262520" indent="-456120">
+            <a:pPr lvl="3" marL="1262520" indent="-455760">
               <a:lnSpc>
                 <a:spcPct val="100000"/>
               </a:lnSpc>
@@ -7591,7 +7483,7 @@
         <p:spPr>
           <a:xfrm>
             <a:off x="685800" y="120960"/>
-            <a:ext cx="7769520" cy="1428480"/>
+            <a:ext cx="7769160" cy="1428120"/>
           </a:xfrm>
           <a:prstGeom prst="rect">
             <a:avLst/>
@@ -7657,7 +7549,7 @@
         <p:spPr>
           <a:xfrm>
             <a:off x="1654920" y="1389960"/>
-            <a:ext cx="5420880" cy="5064480"/>
+            <a:ext cx="5420520" cy="5064120"/>
           </a:xfrm>
           <a:prstGeom prst="rect">
             <a:avLst/>

--- a/Power Point Presentation.pptx
+++ b/Power Point Presentation.pptx
@@ -265,7 +265,7 @@
           <a:bodyPr lIns="0" rIns="0" tIns="0" bIns="0" anchor="b"/>
           <a:p>
             <a:pPr algn="r"/>
-            <a:fld id="{F34000CA-ED09-4202-BC0E-AB4C2F8E03E2}" type="slidenum">
+            <a:fld id="{5078DB0C-C816-401B-B726-D1B31DA0CE53}" type="slidenum">
               <a:rPr lang="en-US" sz="1400" spc="-1" strike="noStrike">
                 <a:solidFill>
                   <a:srgbClr val="000000"/>
@@ -329,7 +329,7 @@
         <p:spPr>
           <a:xfrm>
             <a:off x="685800" y="4343400"/>
-            <a:ext cx="5484600" cy="4113000"/>
+            <a:ext cx="5484240" cy="4112640"/>
           </a:xfrm>
           <a:prstGeom prst="rect">
             <a:avLst/>
@@ -338,7 +338,7 @@
         <p:txBody>
           <a:bodyPr lIns="0" rIns="0" tIns="0" bIns="0"/>
           <a:p>
-            <a:pPr marL="216000" indent="-214920">
+            <a:pPr marL="216000" indent="-214560">
               <a:lnSpc>
                 <a:spcPct val="100000"/>
               </a:lnSpc>
@@ -370,7 +370,7 @@
             </a:endParaRPr>
           </a:p>
           <a:p>
-            <a:pPr marL="216000" indent="-214920">
+            <a:pPr marL="216000" indent="-214560">
               <a:lnSpc>
                 <a:spcPct val="100000"/>
               </a:lnSpc>
@@ -402,7 +402,7 @@
             </a:endParaRPr>
           </a:p>
           <a:p>
-            <a:pPr marL="216000" indent="-214920">
+            <a:pPr marL="216000" indent="-214560">
               <a:lnSpc>
                 <a:spcPct val="100000"/>
               </a:lnSpc>
@@ -430,7 +430,7 @@
         <p:spPr>
           <a:xfrm>
             <a:off x="3884760" y="8685360"/>
-            <a:ext cx="2970000" cy="455400"/>
+            <a:ext cx="2969640" cy="455040"/>
           </a:xfrm>
           <a:prstGeom prst="rect">
             <a:avLst/>
@@ -482,7 +482,7 @@
         <p:spPr>
           <a:xfrm>
             <a:off x="685800" y="4343400"/>
-            <a:ext cx="5484600" cy="4113000"/>
+            <a:ext cx="5484240" cy="4112640"/>
           </a:xfrm>
           <a:prstGeom prst="rect">
             <a:avLst/>
@@ -491,7 +491,7 @@
         <p:txBody>
           <a:bodyPr lIns="0" rIns="0" tIns="0" bIns="0"/>
           <a:p>
-            <a:pPr marL="216000" indent="-214920">
+            <a:pPr marL="216000" indent="-214560">
               <a:lnSpc>
                 <a:spcPct val="100000"/>
               </a:lnSpc>
@@ -523,7 +523,7 @@
             </a:endParaRPr>
           </a:p>
           <a:p>
-            <a:pPr marL="216000" indent="-214920">
+            <a:pPr marL="216000" indent="-214560">
               <a:lnSpc>
                 <a:spcPct val="100000"/>
               </a:lnSpc>
@@ -555,7 +555,7 @@
             </a:endParaRPr>
           </a:p>
           <a:p>
-            <a:pPr marL="216000" indent="-214920">
+            <a:pPr marL="216000" indent="-214560">
               <a:lnSpc>
                 <a:spcPct val="100000"/>
               </a:lnSpc>
@@ -583,7 +583,7 @@
         <p:spPr>
           <a:xfrm>
             <a:off x="3884760" y="8685360"/>
-            <a:ext cx="2970000" cy="455400"/>
+            <a:ext cx="2969640" cy="455040"/>
           </a:xfrm>
           <a:prstGeom prst="rect">
             <a:avLst/>
@@ -635,7 +635,7 @@
         <p:spPr>
           <a:xfrm>
             <a:off x="685800" y="4343400"/>
-            <a:ext cx="5484600" cy="4113000"/>
+            <a:ext cx="5484240" cy="4112640"/>
           </a:xfrm>
           <a:prstGeom prst="rect">
             <a:avLst/>
@@ -644,7 +644,7 @@
         <p:txBody>
           <a:bodyPr lIns="0" rIns="0" tIns="0" bIns="0"/>
           <a:p>
-            <a:pPr marL="216000" indent="-214920">
+            <a:pPr marL="216000" indent="-214560">
               <a:lnSpc>
                 <a:spcPct val="100000"/>
               </a:lnSpc>
@@ -676,7 +676,7 @@
             </a:endParaRPr>
           </a:p>
           <a:p>
-            <a:pPr marL="216000" indent="-214920">
+            <a:pPr marL="216000" indent="-214560">
               <a:lnSpc>
                 <a:spcPct val="100000"/>
               </a:lnSpc>
@@ -708,7 +708,7 @@
             </a:endParaRPr>
           </a:p>
           <a:p>
-            <a:pPr marL="216000" indent="-214920">
+            <a:pPr marL="216000" indent="-214560">
               <a:lnSpc>
                 <a:spcPct val="100000"/>
               </a:lnSpc>
@@ -736,7 +736,7 @@
         <p:spPr>
           <a:xfrm>
             <a:off x="3884760" y="8685360"/>
-            <a:ext cx="2970000" cy="455400"/>
+            <a:ext cx="2969640" cy="455040"/>
           </a:xfrm>
           <a:prstGeom prst="rect">
             <a:avLst/>
@@ -4464,7 +4464,7 @@
         <p:spPr>
           <a:xfrm>
             <a:off x="685800" y="2365200"/>
-            <a:ext cx="7770600" cy="976680"/>
+            <a:ext cx="7770240" cy="976320"/>
           </a:xfrm>
           <a:prstGeom prst="rect">
             <a:avLst/>
@@ -4526,7 +4526,7 @@
         <p:spPr>
           <a:xfrm>
             <a:off x="685800" y="3796560"/>
-            <a:ext cx="7770600" cy="875880"/>
+            <a:ext cx="7770240" cy="875520"/>
           </a:xfrm>
           <a:prstGeom prst="rect">
             <a:avLst/>
@@ -4688,7 +4688,7 @@
         <p:spPr>
           <a:xfrm>
             <a:off x="685800" y="120960"/>
-            <a:ext cx="7769160" cy="1428120"/>
+            <a:ext cx="7768800" cy="1427760"/>
           </a:xfrm>
           <a:prstGeom prst="rect">
             <a:avLst/>
@@ -4750,7 +4750,7 @@
         <p:spPr>
           <a:xfrm>
             <a:off x="685800" y="1869120"/>
-            <a:ext cx="7769160" cy="4255200"/>
+            <a:ext cx="7768800" cy="4254840"/>
           </a:xfrm>
           <a:prstGeom prst="rect">
             <a:avLst/>
@@ -4769,7 +4769,7 @@
         <p:txBody>
           <a:bodyPr lIns="90000" rIns="90000" tIns="45000" bIns="45000"/>
           <a:p>
-            <a:pPr marL="343080" indent="-341640">
+            <a:pPr marL="343080" indent="-341280">
               <a:lnSpc>
                 <a:spcPct val="100000"/>
               </a:lnSpc>
@@ -4807,7 +4807,7 @@
             </a:endParaRPr>
           </a:p>
           <a:p>
-            <a:pPr lvl="1" marL="800280" indent="-341640">
+            <a:pPr lvl="1" marL="800280" indent="-341280">
               <a:lnSpc>
                 <a:spcPct val="100000"/>
               </a:lnSpc>
@@ -4863,7 +4863,7 @@
             </a:endParaRPr>
           </a:p>
           <a:p>
-            <a:pPr lvl="1" marL="800280" indent="-341640">
+            <a:pPr lvl="1" marL="800280" indent="-341280">
               <a:lnSpc>
                 <a:spcPct val="100000"/>
               </a:lnSpc>
@@ -4919,7 +4919,7 @@
             </a:endParaRPr>
           </a:p>
           <a:p>
-            <a:pPr lvl="1" marL="800280" indent="-341640">
+            <a:pPr lvl="1" marL="800280" indent="-341280">
               <a:lnSpc>
                 <a:spcPct val="100000"/>
               </a:lnSpc>
@@ -4993,7 +4993,7 @@
             </a:endParaRPr>
           </a:p>
           <a:p>
-            <a:pPr marL="343080" indent="-341640">
+            <a:pPr marL="343080" indent="-341280">
               <a:lnSpc>
                 <a:spcPct val="100000"/>
               </a:lnSpc>
@@ -5031,7 +5031,7 @@
             </a:endParaRPr>
           </a:p>
           <a:p>
-            <a:pPr lvl="1" marL="800280" indent="-341640">
+            <a:pPr lvl="1" marL="800280" indent="-341280">
               <a:lnSpc>
                 <a:spcPct val="100000"/>
               </a:lnSpc>
@@ -5069,7 +5069,7 @@
             </a:endParaRPr>
           </a:p>
           <a:p>
-            <a:pPr lvl="1" marL="800280" indent="-341640">
+            <a:pPr lvl="1" marL="800280" indent="-341280">
               <a:lnSpc>
                 <a:spcPct val="100000"/>
               </a:lnSpc>
@@ -5107,7 +5107,7 @@
             </a:endParaRPr>
           </a:p>
           <a:p>
-            <a:pPr lvl="1" marL="800280" indent="-341640">
+            <a:pPr lvl="1" marL="800280" indent="-341280">
               <a:lnSpc>
                 <a:spcPct val="100000"/>
               </a:lnSpc>
@@ -5163,7 +5163,7 @@
             </a:endParaRPr>
           </a:p>
           <a:p>
-            <a:pPr lvl="1" marL="800280" indent="-341640">
+            <a:pPr lvl="1" marL="800280" indent="-341280">
               <a:lnSpc>
                 <a:spcPct val="100000"/>
               </a:lnSpc>
@@ -5314,7 +5314,7 @@
         <p:spPr>
           <a:xfrm>
             <a:off x="685800" y="120960"/>
-            <a:ext cx="7769160" cy="1428120"/>
+            <a:ext cx="7768800" cy="1427760"/>
           </a:xfrm>
           <a:prstGeom prst="rect">
             <a:avLst/>
@@ -5376,7 +5376,7 @@
         <p:spPr>
           <a:xfrm>
             <a:off x="685800" y="1963080"/>
-            <a:ext cx="7769160" cy="4255200"/>
+            <a:ext cx="7768800" cy="4254840"/>
           </a:xfrm>
           <a:prstGeom prst="rect">
             <a:avLst/>
@@ -5395,7 +5395,7 @@
         <p:txBody>
           <a:bodyPr lIns="90000" rIns="90000" tIns="45000" bIns="45000"/>
           <a:p>
-            <a:pPr marL="343440" indent="-341640">
+            <a:pPr marL="343440" indent="-341280">
               <a:lnSpc>
                 <a:spcPct val="100000"/>
               </a:lnSpc>
@@ -5451,7 +5451,7 @@
             </a:endParaRPr>
           </a:p>
           <a:p>
-            <a:pPr marL="343440" indent="-341640">
+            <a:pPr marL="343440" indent="-341280">
               <a:lnSpc>
                 <a:spcPct val="100000"/>
               </a:lnSpc>
@@ -5507,7 +5507,7 @@
             </a:endParaRPr>
           </a:p>
           <a:p>
-            <a:pPr marL="343440" indent="-341640">
+            <a:pPr marL="343440" indent="-341280">
               <a:lnSpc>
                 <a:spcPct val="100000"/>
               </a:lnSpc>
@@ -5545,7 +5545,7 @@
             </a:endParaRPr>
           </a:p>
           <a:p>
-            <a:pPr lvl="2" marL="1257840" indent="-341640">
+            <a:pPr lvl="2" marL="1257840" indent="-341280">
               <a:lnSpc>
                 <a:spcPct val="100000"/>
               </a:lnSpc>
@@ -5583,7 +5583,7 @@
             </a:endParaRPr>
           </a:p>
           <a:p>
-            <a:pPr lvl="2" marL="1257840" indent="-341640">
+            <a:pPr lvl="2" marL="1257840" indent="-341280">
               <a:lnSpc>
                 <a:spcPct val="100000"/>
               </a:lnSpc>
@@ -5621,7 +5621,7 @@
             </a:endParaRPr>
           </a:p>
           <a:p>
-            <a:pPr lvl="2" marL="1257840" indent="-341640">
+            <a:pPr lvl="2" marL="1257840" indent="-341280">
               <a:lnSpc>
                 <a:spcPct val="100000"/>
               </a:lnSpc>
@@ -5677,7 +5677,7 @@
             </a:endParaRPr>
           </a:p>
           <a:p>
-            <a:pPr marL="343440" indent="-341640">
+            <a:pPr marL="343440" indent="-341280">
               <a:lnSpc>
                 <a:spcPct val="100000"/>
               </a:lnSpc>
@@ -5774,7 +5774,7 @@
         <p:spPr>
           <a:xfrm>
             <a:off x="685800" y="120960"/>
-            <a:ext cx="7769160" cy="1428120"/>
+            <a:ext cx="7768800" cy="1427760"/>
           </a:xfrm>
           <a:prstGeom prst="rect">
             <a:avLst/>
@@ -5836,7 +5836,7 @@
         <p:spPr>
           <a:xfrm>
             <a:off x="685800" y="1869120"/>
-            <a:ext cx="7769160" cy="4255200"/>
+            <a:ext cx="7768800" cy="4254840"/>
           </a:xfrm>
           <a:prstGeom prst="rect">
             <a:avLst/>
@@ -5855,7 +5855,7 @@
         <p:txBody>
           <a:bodyPr lIns="90000" rIns="90000" tIns="45000" bIns="45000"/>
           <a:p>
-            <a:pPr marL="457560" indent="-455760">
+            <a:pPr marL="457560" indent="-455400">
               <a:lnSpc>
                 <a:spcPct val="100000"/>
               </a:lnSpc>
@@ -5911,7 +5911,7 @@
             </a:endParaRPr>
           </a:p>
           <a:p>
-            <a:pPr marL="457560" indent="-455760">
+            <a:pPr marL="457560" indent="-455400">
               <a:lnSpc>
                 <a:spcPct val="100000"/>
               </a:lnSpc>
@@ -5967,7 +5967,7 @@
             </a:endParaRPr>
           </a:p>
           <a:p>
-            <a:pPr marL="457560" indent="-455760">
+            <a:pPr marL="457560" indent="-455400">
               <a:lnSpc>
                 <a:spcPct val="100000"/>
               </a:lnSpc>
@@ -6005,7 +6005,7 @@
             </a:endParaRPr>
           </a:p>
           <a:p>
-            <a:pPr lvl="1" marL="914760" indent="-455760">
+            <a:pPr lvl="1" marL="914760" indent="-455400">
               <a:lnSpc>
                 <a:spcPct val="100000"/>
               </a:lnSpc>
@@ -6061,7 +6061,7 @@
             </a:endParaRPr>
           </a:p>
           <a:p>
-            <a:pPr lvl="1" marL="914760" indent="-455760">
+            <a:pPr lvl="1" marL="914760" indent="-455400">
               <a:lnSpc>
                 <a:spcPct val="100000"/>
               </a:lnSpc>
@@ -6117,7 +6117,7 @@
             </a:endParaRPr>
           </a:p>
           <a:p>
-            <a:pPr marL="457560" indent="-455760">
+            <a:pPr marL="457560" indent="-455400">
               <a:lnSpc>
                 <a:spcPct val="100000"/>
               </a:lnSpc>
@@ -6214,7 +6214,7 @@
         <p:spPr>
           <a:xfrm>
             <a:off x="685800" y="120960"/>
-            <a:ext cx="7769160" cy="1428120"/>
+            <a:ext cx="7768800" cy="1427760"/>
           </a:xfrm>
           <a:prstGeom prst="rect">
             <a:avLst/>
@@ -6276,7 +6276,7 @@
         <p:spPr>
           <a:xfrm>
             <a:off x="685800" y="1869120"/>
-            <a:ext cx="7769160" cy="4255200"/>
+            <a:ext cx="7768800" cy="4254840"/>
           </a:xfrm>
           <a:prstGeom prst="rect">
             <a:avLst/>
@@ -6295,7 +6295,7 @@
         <p:txBody>
           <a:bodyPr lIns="90000" rIns="90000" tIns="45000" bIns="45000"/>
           <a:p>
-            <a:pPr marL="343440" indent="-341640">
+            <a:pPr marL="343440" indent="-341280">
               <a:lnSpc>
                 <a:spcPct val="100000"/>
               </a:lnSpc>
@@ -6351,7 +6351,7 @@
             </a:endParaRPr>
           </a:p>
           <a:p>
-            <a:pPr lvl="1" marL="800640" indent="-341640">
+            <a:pPr lvl="1" marL="800640" indent="-341280">
               <a:lnSpc>
                 <a:spcPct val="100000"/>
               </a:lnSpc>
@@ -6407,7 +6407,7 @@
             </a:endParaRPr>
           </a:p>
           <a:p>
-            <a:pPr lvl="1" marL="800640" indent="-341640">
+            <a:pPr lvl="1" marL="800640" indent="-341280">
               <a:lnSpc>
                 <a:spcPct val="100000"/>
               </a:lnSpc>
@@ -6519,7 +6519,7 @@
         <p:spPr>
           <a:xfrm>
             <a:off x="685800" y="120960"/>
-            <a:ext cx="7769160" cy="1428120"/>
+            <a:ext cx="7768800" cy="1427760"/>
           </a:xfrm>
           <a:prstGeom prst="rect">
             <a:avLst/>
@@ -6581,7 +6581,7 @@
         <p:spPr>
           <a:xfrm>
             <a:off x="685800" y="1869120"/>
-            <a:ext cx="7769160" cy="4255200"/>
+            <a:ext cx="7768800" cy="4254840"/>
           </a:xfrm>
           <a:prstGeom prst="rect">
             <a:avLst/>
@@ -6600,7 +6600,7 @@
         <p:txBody>
           <a:bodyPr lIns="90000" rIns="90000" tIns="45000" bIns="45000"/>
           <a:p>
-            <a:pPr marL="343440" indent="-341640">
+            <a:pPr marL="343440" indent="-341280">
               <a:lnSpc>
                 <a:spcPct val="100000"/>
               </a:lnSpc>
@@ -6656,7 +6656,7 @@
             </a:endParaRPr>
           </a:p>
           <a:p>
-            <a:pPr lvl="1" marL="800640" indent="-341640">
+            <a:pPr lvl="1" marL="800640" indent="-341280">
               <a:lnSpc>
                 <a:spcPct val="100000"/>
               </a:lnSpc>
@@ -6712,7 +6712,7 @@
             </a:endParaRPr>
           </a:p>
           <a:p>
-            <a:pPr lvl="1" marL="800640" indent="-341640">
+            <a:pPr lvl="1" marL="800640" indent="-341280">
               <a:lnSpc>
                 <a:spcPct val="100000"/>
               </a:lnSpc>
@@ -6809,7 +6809,7 @@
         <p:spPr>
           <a:xfrm>
             <a:off x="685800" y="120960"/>
-            <a:ext cx="7769160" cy="1428120"/>
+            <a:ext cx="7768800" cy="1427760"/>
           </a:xfrm>
           <a:prstGeom prst="rect">
             <a:avLst/>
@@ -6871,7 +6871,7 @@
         <p:spPr>
           <a:xfrm>
             <a:off x="685800" y="1869120"/>
-            <a:ext cx="7769160" cy="4255200"/>
+            <a:ext cx="7768800" cy="4254840"/>
           </a:xfrm>
           <a:prstGeom prst="rect">
             <a:avLst/>
@@ -6890,7 +6890,7 @@
         <p:txBody>
           <a:bodyPr lIns="90000" rIns="90000" tIns="45000" bIns="45000"/>
           <a:p>
-            <a:pPr marL="343440" indent="-341640">
+            <a:pPr marL="343440" indent="-341280">
               <a:lnSpc>
                 <a:spcPct val="100000"/>
               </a:lnSpc>
@@ -6928,7 +6928,7 @@
             </a:endParaRPr>
           </a:p>
           <a:p>
-            <a:pPr lvl="3" marL="1262520" indent="-455760">
+            <a:pPr lvl="3" marL="1262520" indent="-455400">
               <a:lnSpc>
                 <a:spcPct val="100000"/>
               </a:lnSpc>
@@ -6984,7 +6984,7 @@
             </a:endParaRPr>
           </a:p>
           <a:p>
-            <a:pPr lvl="3" marL="1262520" indent="-455760">
+            <a:pPr lvl="3" marL="1262520" indent="-455400">
               <a:lnSpc>
                 <a:spcPct val="100000"/>
               </a:lnSpc>
@@ -7040,7 +7040,7 @@
             </a:endParaRPr>
           </a:p>
           <a:p>
-            <a:pPr lvl="3" marL="1262520" indent="-455760">
+            <a:pPr lvl="3" marL="1262520" indent="-455400">
               <a:lnSpc>
                 <a:spcPct val="100000"/>
               </a:lnSpc>
@@ -7137,7 +7137,7 @@
         <p:spPr>
           <a:xfrm>
             <a:off x="685800" y="120960"/>
-            <a:ext cx="7769160" cy="1428120"/>
+            <a:ext cx="7768800" cy="1427760"/>
           </a:xfrm>
           <a:prstGeom prst="rect">
             <a:avLst/>
@@ -7199,7 +7199,7 @@
         <p:spPr>
           <a:xfrm>
             <a:off x="685800" y="1869120"/>
-            <a:ext cx="7769160" cy="4255200"/>
+            <a:ext cx="7768800" cy="4254840"/>
           </a:xfrm>
           <a:prstGeom prst="rect">
             <a:avLst/>
@@ -7218,7 +7218,7 @@
         <p:txBody>
           <a:bodyPr lIns="90000" rIns="90000" tIns="45000" bIns="45000"/>
           <a:p>
-            <a:pPr marL="343440" indent="-341640">
+            <a:pPr marL="343440" indent="-341280">
               <a:lnSpc>
                 <a:spcPct val="100000"/>
               </a:lnSpc>
@@ -7256,7 +7256,7 @@
             </a:endParaRPr>
           </a:p>
           <a:p>
-            <a:pPr lvl="3" marL="1262520" indent="-455760">
+            <a:pPr lvl="3" marL="1262520" indent="-455400">
               <a:lnSpc>
                 <a:spcPct val="100000"/>
               </a:lnSpc>
@@ -7312,7 +7312,7 @@
             </a:endParaRPr>
           </a:p>
           <a:p>
-            <a:pPr lvl="3" marL="1262520" indent="-455760">
+            <a:pPr lvl="3" marL="1262520" indent="-455400">
               <a:lnSpc>
                 <a:spcPct val="100000"/>
               </a:lnSpc>
@@ -7368,7 +7368,7 @@
             </a:endParaRPr>
           </a:p>
           <a:p>
-            <a:pPr lvl="3" marL="1262520" indent="-455760">
+            <a:pPr lvl="3" marL="1262520" indent="-455400">
               <a:lnSpc>
                 <a:spcPct val="100000"/>
               </a:lnSpc>
@@ -7483,7 +7483,7 @@
         <p:spPr>
           <a:xfrm>
             <a:off x="685800" y="120960"/>
-            <a:ext cx="7769160" cy="1428120"/>
+            <a:ext cx="7768800" cy="1427760"/>
           </a:xfrm>
           <a:prstGeom prst="rect">
             <a:avLst/>
@@ -7549,7 +7549,7 @@
         <p:spPr>
           <a:xfrm>
             <a:off x="1654920" y="1389960"/>
-            <a:ext cx="5420520" cy="5064120"/>
+            <a:ext cx="5420160" cy="5063760"/>
           </a:xfrm>
           <a:prstGeom prst="rect">
             <a:avLst/>
